--- a/presentation/Structure_Projet.pptx
+++ b/presentation/Structure_Projet.pptx
@@ -9,6 +9,7 @@
     <p:sldId id="260" r:id="rId3"/>
     <p:sldId id="257" r:id="rId4"/>
     <p:sldId id="258" r:id="rId5"/>
+    <p:sldId id="261" r:id="rId6"/>
   </p:sldIdLst>
   <p:sldSz cx="12192000" cy="6858000"/>
   <p:notesSz cx="6858000" cy="9144000"/>
@@ -119,6 +120,7 @@
 <p1510:revInfo xmlns:a="http://schemas.openxmlformats.org/drawingml/2006/main" xmlns:r="http://schemas.openxmlformats.org/officeDocument/2006/relationships" xmlns:p1510="http://schemas.microsoft.com/office/powerpoint/2015/10/main">
   <p1510:revLst>
     <p1510:client id="{3184CB1B-AEA6-45B1-B6A9-0ABF08811AEC}" v="38" dt="2021-05-18T14:58:24.762"/>
+    <p1510:client id="{BE397840-2AE7-8A76-A020-1CD67F023FA0}" v="242" dt="2021-06-18T12:28:03.388"/>
   </p1510:revLst>
 </p1510:revInfo>
 </file>
@@ -154,6 +156,262 @@
             <ac:picMk id="43" creationId="{729CF695-B528-4406-93E9-13742C2B904D}"/>
           </ac:picMkLst>
         </pc:picChg>
+      </pc:sldChg>
+    </pc:docChg>
+  </pc:docChgLst>
+  <pc:docChgLst>
+    <pc:chgData name="Guillaume GULLI" userId="S::guillaume.gulli@isen.yncrea.fr::1981c500-0edc-45d4-907a-9f77f1a48351" providerId="AD" clId="Web-{BE397840-2AE7-8A76-A020-1CD67F023FA0}"/>
+    <pc:docChg chg="addSld modSld">
+      <pc:chgData name="Guillaume GULLI" userId="S::guillaume.gulli@isen.yncrea.fr::1981c500-0edc-45d4-907a-9f77f1a48351" providerId="AD" clId="Web-{BE397840-2AE7-8A76-A020-1CD67F023FA0}" dt="2021-06-18T12:28:03.388" v="189" actId="1076"/>
+      <pc:docMkLst>
+        <pc:docMk/>
+      </pc:docMkLst>
+      <pc:sldChg chg="addSp delSp modSp new">
+        <pc:chgData name="Guillaume GULLI" userId="S::guillaume.gulli@isen.yncrea.fr::1981c500-0edc-45d4-907a-9f77f1a48351" providerId="AD" clId="Web-{BE397840-2AE7-8A76-A020-1CD67F023FA0}" dt="2021-06-18T12:28:03.388" v="189" actId="1076"/>
+        <pc:sldMkLst>
+          <pc:docMk/>
+          <pc:sldMk cId="1097528585" sldId="261"/>
+        </pc:sldMkLst>
+        <pc:spChg chg="del">
+          <ac:chgData name="Guillaume GULLI" userId="S::guillaume.gulli@isen.yncrea.fr::1981c500-0edc-45d4-907a-9f77f1a48351" providerId="AD" clId="Web-{BE397840-2AE7-8A76-A020-1CD67F023FA0}" dt="2021-06-18T12:09:22.513" v="3"/>
+          <ac:spMkLst>
+            <pc:docMk/>
+            <pc:sldMk cId="1097528585" sldId="261"/>
+            <ac:spMk id="2" creationId="{226C177B-1E1E-4459-9D14-97D43D36BA99}"/>
+          </ac:spMkLst>
+        </pc:spChg>
+        <pc:spChg chg="del mod">
+          <ac:chgData name="Guillaume GULLI" userId="S::guillaume.gulli@isen.yncrea.fr::1981c500-0edc-45d4-907a-9f77f1a48351" providerId="AD" clId="Web-{BE397840-2AE7-8A76-A020-1CD67F023FA0}" dt="2021-06-18T12:09:21.310" v="2"/>
+          <ac:spMkLst>
+            <pc:docMk/>
+            <pc:sldMk cId="1097528585" sldId="261"/>
+            <ac:spMk id="3" creationId="{8DEE7581-8445-4528-A099-DE89242E51F1}"/>
+          </ac:spMkLst>
+        </pc:spChg>
+        <pc:spChg chg="add mod">
+          <ac:chgData name="Guillaume GULLI" userId="S::guillaume.gulli@isen.yncrea.fr::1981c500-0edc-45d4-907a-9f77f1a48351" providerId="AD" clId="Web-{BE397840-2AE7-8A76-A020-1CD67F023FA0}" dt="2021-06-18T12:23:07.708" v="108" actId="20577"/>
+          <ac:spMkLst>
+            <pc:docMk/>
+            <pc:sldMk cId="1097528585" sldId="261"/>
+            <ac:spMk id="7" creationId="{C34615B9-2DFF-455A-A648-8C8D5D8107A1}"/>
+          </ac:spMkLst>
+        </pc:spChg>
+        <pc:spChg chg="add mod">
+          <ac:chgData name="Guillaume GULLI" userId="S::guillaume.gulli@isen.yncrea.fr::1981c500-0edc-45d4-907a-9f77f1a48351" providerId="AD" clId="Web-{BE397840-2AE7-8A76-A020-1CD67F023FA0}" dt="2021-06-18T12:27:42.653" v="185" actId="1076"/>
+          <ac:spMkLst>
+            <pc:docMk/>
+            <pc:sldMk cId="1097528585" sldId="261"/>
+            <ac:spMk id="39" creationId="{35A58D95-B69A-4B33-BA31-207A6A5BDDB3}"/>
+          </ac:spMkLst>
+        </pc:spChg>
+        <pc:spChg chg="add mod">
+          <ac:chgData name="Guillaume GULLI" userId="S::guillaume.gulli@isen.yncrea.fr::1981c500-0edc-45d4-907a-9f77f1a48351" providerId="AD" clId="Web-{BE397840-2AE7-8A76-A020-1CD67F023FA0}" dt="2021-06-18T12:27:26.449" v="182" actId="1076"/>
+          <ac:spMkLst>
+            <pc:docMk/>
+            <pc:sldMk cId="1097528585" sldId="261"/>
+            <ac:spMk id="44" creationId="{D7AD82F6-38E5-46B5-838B-EFD5701026C7}"/>
+          </ac:spMkLst>
+        </pc:spChg>
+        <pc:spChg chg="add mod">
+          <ac:chgData name="Guillaume GULLI" userId="S::guillaume.gulli@isen.yncrea.fr::1981c500-0edc-45d4-907a-9f77f1a48351" providerId="AD" clId="Web-{BE397840-2AE7-8A76-A020-1CD67F023FA0}" dt="2021-06-18T12:27:28.715" v="183" actId="1076"/>
+          <ac:spMkLst>
+            <pc:docMk/>
+            <pc:sldMk cId="1097528585" sldId="261"/>
+            <ac:spMk id="45" creationId="{B6532C3D-1E94-48F4-92D3-FF1FEB77DF7C}"/>
+          </ac:spMkLst>
+        </pc:spChg>
+        <pc:spChg chg="add mod">
+          <ac:chgData name="Guillaume GULLI" userId="S::guillaume.gulli@isen.yncrea.fr::1981c500-0edc-45d4-907a-9f77f1a48351" providerId="AD" clId="Web-{BE397840-2AE7-8A76-A020-1CD67F023FA0}" dt="2021-06-18T12:27:30.981" v="184" actId="1076"/>
+          <ac:spMkLst>
+            <pc:docMk/>
+            <pc:sldMk cId="1097528585" sldId="261"/>
+            <ac:spMk id="46" creationId="{D13169A7-58A9-4A7A-9142-0822CF3B6196}"/>
+          </ac:spMkLst>
+        </pc:spChg>
+        <pc:picChg chg="add mod">
+          <ac:chgData name="Guillaume GULLI" userId="S::guillaume.gulli@isen.yncrea.fr::1981c500-0edc-45d4-907a-9f77f1a48351" providerId="AD" clId="Web-{BE397840-2AE7-8A76-A020-1CD67F023FA0}" dt="2021-06-18T12:11:21.016" v="12" actId="1076"/>
+          <ac:picMkLst>
+            <pc:docMk/>
+            <pc:sldMk cId="1097528585" sldId="261"/>
+            <ac:picMk id="5" creationId="{F9F0F25D-1749-4D01-BC73-B2E75387508B}"/>
+          </ac:picMkLst>
+        </pc:picChg>
+        <pc:picChg chg="add del mod">
+          <ac:chgData name="Guillaume GULLI" userId="S::guillaume.gulli@isen.yncrea.fr::1981c500-0edc-45d4-907a-9f77f1a48351" providerId="AD" clId="Web-{BE397840-2AE7-8A76-A020-1CD67F023FA0}" dt="2021-06-18T12:12:46.816" v="17"/>
+          <ac:picMkLst>
+            <pc:docMk/>
+            <pc:sldMk cId="1097528585" sldId="261"/>
+            <ac:picMk id="8" creationId="{FD9EB7E1-655F-4DEC-AE0F-5CA08CC06A2F}"/>
+          </ac:picMkLst>
+        </pc:picChg>
+        <pc:picChg chg="add del mod">
+          <ac:chgData name="Guillaume GULLI" userId="S::guillaume.gulli@isen.yncrea.fr::1981c500-0edc-45d4-907a-9f77f1a48351" providerId="AD" clId="Web-{BE397840-2AE7-8A76-A020-1CD67F023FA0}" dt="2021-06-18T12:17:35.995" v="50"/>
+          <ac:picMkLst>
+            <pc:docMk/>
+            <pc:sldMk cId="1097528585" sldId="261"/>
+            <ac:picMk id="9" creationId="{D49A16B4-AD2D-4A37-8DCC-662AD28B7693}"/>
+          </ac:picMkLst>
+        </pc:picChg>
+        <pc:picChg chg="add del mod">
+          <ac:chgData name="Guillaume GULLI" userId="S::guillaume.gulli@isen.yncrea.fr::1981c500-0edc-45d4-907a-9f77f1a48351" providerId="AD" clId="Web-{BE397840-2AE7-8A76-A020-1CD67F023FA0}" dt="2021-06-18T12:14:18.584" v="29"/>
+          <ac:picMkLst>
+            <pc:docMk/>
+            <pc:sldMk cId="1097528585" sldId="261"/>
+            <ac:picMk id="10" creationId="{FF8D7C10-2888-4A1E-8060-5A77204B6A65}"/>
+          </ac:picMkLst>
+        </pc:picChg>
+        <pc:picChg chg="add del mod">
+          <ac:chgData name="Guillaume GULLI" userId="S::guillaume.gulli@isen.yncrea.fr::1981c500-0edc-45d4-907a-9f77f1a48351" providerId="AD" clId="Web-{BE397840-2AE7-8A76-A020-1CD67F023FA0}" dt="2021-06-18T12:14:18.568" v="28"/>
+          <ac:picMkLst>
+            <pc:docMk/>
+            <pc:sldMk cId="1097528585" sldId="261"/>
+            <ac:picMk id="11" creationId="{F3609171-AAB4-4A28-B1DD-284725CFB200}"/>
+          </ac:picMkLst>
+        </pc:picChg>
+        <pc:picChg chg="add del mod">
+          <ac:chgData name="Guillaume GULLI" userId="S::guillaume.gulli@isen.yncrea.fr::1981c500-0edc-45d4-907a-9f77f1a48351" providerId="AD" clId="Web-{BE397840-2AE7-8A76-A020-1CD67F023FA0}" dt="2021-06-18T12:14:18.568" v="27"/>
+          <ac:picMkLst>
+            <pc:docMk/>
+            <pc:sldMk cId="1097528585" sldId="261"/>
+            <ac:picMk id="12" creationId="{84419DE7-29AB-4D86-92C7-521F6FE2530A}"/>
+          </ac:picMkLst>
+        </pc:picChg>
+        <pc:picChg chg="add mod">
+          <ac:chgData name="Guillaume GULLI" userId="S::guillaume.gulli@isen.yncrea.fr::1981c500-0edc-45d4-907a-9f77f1a48351" providerId="AD" clId="Web-{BE397840-2AE7-8A76-A020-1CD67F023FA0}" dt="2021-06-18T12:24:53.461" v="119" actId="1076"/>
+          <ac:picMkLst>
+            <pc:docMk/>
+            <pc:sldMk cId="1097528585" sldId="261"/>
+            <ac:picMk id="13" creationId="{ED17D935-9A50-470B-A87D-8FE7D57319A1}"/>
+          </ac:picMkLst>
+        </pc:picChg>
+        <pc:picChg chg="add mod">
+          <ac:chgData name="Guillaume GULLI" userId="S::guillaume.gulli@isen.yncrea.fr::1981c500-0edc-45d4-907a-9f77f1a48351" providerId="AD" clId="Web-{BE397840-2AE7-8A76-A020-1CD67F023FA0}" dt="2021-06-18T12:25:04.398" v="121" actId="1076"/>
+          <ac:picMkLst>
+            <pc:docMk/>
+            <pc:sldMk cId="1097528585" sldId="261"/>
+            <ac:picMk id="14" creationId="{643E7E6A-209A-44D9-85A0-1E4325F3BA8B}"/>
+          </ac:picMkLst>
+        </pc:picChg>
+        <pc:picChg chg="add mod">
+          <ac:chgData name="Guillaume GULLI" userId="S::guillaume.gulli@isen.yncrea.fr::1981c500-0edc-45d4-907a-9f77f1a48351" providerId="AD" clId="Web-{BE397840-2AE7-8A76-A020-1CD67F023FA0}" dt="2021-06-18T12:27:52.887" v="188" actId="1076"/>
+          <ac:picMkLst>
+            <pc:docMk/>
+            <pc:sldMk cId="1097528585" sldId="261"/>
+            <ac:picMk id="15" creationId="{12B6BCEC-225B-430A-BF23-D64E9E0C2244}"/>
+          </ac:picMkLst>
+        </pc:picChg>
+        <pc:picChg chg="add mod">
+          <ac:chgData name="Guillaume GULLI" userId="S::guillaume.gulli@isen.yncrea.fr::1981c500-0edc-45d4-907a-9f77f1a48351" providerId="AD" clId="Web-{BE397840-2AE7-8A76-A020-1CD67F023FA0}" dt="2021-06-18T12:28:03.388" v="189" actId="1076"/>
+          <ac:picMkLst>
+            <pc:docMk/>
+            <pc:sldMk cId="1097528585" sldId="261"/>
+            <ac:picMk id="16" creationId="{A54D3640-17EF-4F75-8DD5-ACED65F6DEF3}"/>
+          </ac:picMkLst>
+        </pc:picChg>
+        <pc:picChg chg="add mod">
+          <ac:chgData name="Guillaume GULLI" userId="S::guillaume.gulli@isen.yncrea.fr::1981c500-0edc-45d4-907a-9f77f1a48351" providerId="AD" clId="Web-{BE397840-2AE7-8A76-A020-1CD67F023FA0}" dt="2021-06-18T12:23:42.959" v="110" actId="1076"/>
+          <ac:picMkLst>
+            <pc:docMk/>
+            <pc:sldMk cId="1097528585" sldId="261"/>
+            <ac:picMk id="38" creationId="{08ADC564-C57F-44D8-B87B-2978F804A11A}"/>
+          </ac:picMkLst>
+        </pc:picChg>
+        <pc:picChg chg="add del">
+          <ac:chgData name="Guillaume GULLI" userId="S::guillaume.gulli@isen.yncrea.fr::1981c500-0edc-45d4-907a-9f77f1a48351" providerId="AD" clId="Web-{BE397840-2AE7-8A76-A020-1CD67F023FA0}" dt="2021-06-18T12:25:20.899" v="127"/>
+          <ac:picMkLst>
+            <pc:docMk/>
+            <pc:sldMk cId="1097528585" sldId="261"/>
+            <ac:picMk id="41" creationId="{53B8B28F-7E97-4538-874F-9043358BB906}"/>
+          </ac:picMkLst>
+        </pc:picChg>
+        <pc:picChg chg="add del">
+          <ac:chgData name="Guillaume GULLI" userId="S::guillaume.gulli@isen.yncrea.fr::1981c500-0edc-45d4-907a-9f77f1a48351" providerId="AD" clId="Web-{BE397840-2AE7-8A76-A020-1CD67F023FA0}" dt="2021-06-18T12:25:19.993" v="126"/>
+          <ac:picMkLst>
+            <pc:docMk/>
+            <pc:sldMk cId="1097528585" sldId="261"/>
+            <ac:picMk id="43" creationId="{E0FC3C1F-DC24-44A8-91BE-EDC057E6D55C}"/>
+          </ac:picMkLst>
+        </pc:picChg>
+        <pc:cxnChg chg="add mod">
+          <ac:chgData name="Guillaume GULLI" userId="S::guillaume.gulli@isen.yncrea.fr::1981c500-0edc-45d4-907a-9f77f1a48351" providerId="AD" clId="Web-{BE397840-2AE7-8A76-A020-1CD67F023FA0}" dt="2021-06-18T12:25:09.117" v="122" actId="1076"/>
+          <ac:cxnSpMkLst>
+            <pc:docMk/>
+            <pc:sldMk cId="1097528585" sldId="261"/>
+            <ac:cxnSpMk id="18" creationId="{9F1F7F94-3E03-4BF4-B0DA-3E483D4091FD}"/>
+          </ac:cxnSpMkLst>
+        </pc:cxnChg>
+        <pc:cxnChg chg="add mod">
+          <ac:chgData name="Guillaume GULLI" userId="S::guillaume.gulli@isen.yncrea.fr::1981c500-0edc-45d4-907a-9f77f1a48351" providerId="AD" clId="Web-{BE397840-2AE7-8A76-A020-1CD67F023FA0}" dt="2021-06-18T12:22:37.114" v="93" actId="1076"/>
+          <ac:cxnSpMkLst>
+            <pc:docMk/>
+            <pc:sldMk cId="1097528585" sldId="261"/>
+            <ac:cxnSpMk id="20" creationId="{DF4A8761-E6F2-4322-A39D-E667B9206136}"/>
+          </ac:cxnSpMkLst>
+        </pc:cxnChg>
+        <pc:cxnChg chg="add mod">
+          <ac:chgData name="Guillaume GULLI" userId="S::guillaume.gulli@isen.yncrea.fr::1981c500-0edc-45d4-907a-9f77f1a48351" providerId="AD" clId="Web-{BE397840-2AE7-8A76-A020-1CD67F023FA0}" dt="2021-06-18T12:24:15.508" v="113" actId="1076"/>
+          <ac:cxnSpMkLst>
+            <pc:docMk/>
+            <pc:sldMk cId="1097528585" sldId="261"/>
+            <ac:cxnSpMk id="22" creationId="{999A1327-5579-4EA8-8A9E-BC0C1C88DB9B}"/>
+          </ac:cxnSpMkLst>
+        </pc:cxnChg>
+        <pc:cxnChg chg="add mod">
+          <ac:chgData name="Guillaume GULLI" userId="S::guillaume.gulli@isen.yncrea.fr::1981c500-0edc-45d4-907a-9f77f1a48351" providerId="AD" clId="Web-{BE397840-2AE7-8A76-A020-1CD67F023FA0}" dt="2021-06-18T12:22:35.644" v="92" actId="1076"/>
+          <ac:cxnSpMkLst>
+            <pc:docMk/>
+            <pc:sldMk cId="1097528585" sldId="261"/>
+            <ac:cxnSpMk id="24" creationId="{64880194-0E88-425B-AEEF-BA27B35F656B}"/>
+          </ac:cxnSpMkLst>
+        </pc:cxnChg>
+        <pc:cxnChg chg="add mod">
+          <ac:chgData name="Guillaume GULLI" userId="S::guillaume.gulli@isen.yncrea.fr::1981c500-0edc-45d4-907a-9f77f1a48351" providerId="AD" clId="Web-{BE397840-2AE7-8A76-A020-1CD67F023FA0}" dt="2021-06-18T12:24:20.428" v="114" actId="1076"/>
+          <ac:cxnSpMkLst>
+            <pc:docMk/>
+            <pc:sldMk cId="1097528585" sldId="261"/>
+            <ac:cxnSpMk id="26" creationId="{6D026E81-4BA2-46CB-BB7D-F421754F9A6B}"/>
+          </ac:cxnSpMkLst>
+        </pc:cxnChg>
+        <pc:cxnChg chg="add mod">
+          <ac:chgData name="Guillaume GULLI" userId="S::guillaume.gulli@isen.yncrea.fr::1981c500-0edc-45d4-907a-9f77f1a48351" providerId="AD" clId="Web-{BE397840-2AE7-8A76-A020-1CD67F023FA0}" dt="2021-06-18T12:22:43.910" v="97" actId="1076"/>
+          <ac:cxnSpMkLst>
+            <pc:docMk/>
+            <pc:sldMk cId="1097528585" sldId="261"/>
+            <ac:cxnSpMk id="28" creationId="{F045217E-C339-4764-A140-DDE4BD32E03F}"/>
+          </ac:cxnSpMkLst>
+        </pc:cxnChg>
+        <pc:cxnChg chg="add del">
+          <ac:chgData name="Guillaume GULLI" userId="S::guillaume.gulli@isen.yncrea.fr::1981c500-0edc-45d4-907a-9f77f1a48351" providerId="AD" clId="Web-{BE397840-2AE7-8A76-A020-1CD67F023FA0}" dt="2021-06-18T12:22:48.020" v="101"/>
+          <ac:cxnSpMkLst>
+            <pc:docMk/>
+            <pc:sldMk cId="1097528585" sldId="261"/>
+            <ac:cxnSpMk id="30" creationId="{CD734CD9-1858-4922-AD9D-A3B4E5BE9EBD}"/>
+          </ac:cxnSpMkLst>
+        </pc:cxnChg>
+        <pc:cxnChg chg="add del">
+          <ac:chgData name="Guillaume GULLI" userId="S::guillaume.gulli@isen.yncrea.fr::1981c500-0edc-45d4-907a-9f77f1a48351" providerId="AD" clId="Web-{BE397840-2AE7-8A76-A020-1CD67F023FA0}" dt="2021-06-18T12:22:45.520" v="98"/>
+          <ac:cxnSpMkLst>
+            <pc:docMk/>
+            <pc:sldMk cId="1097528585" sldId="261"/>
+            <ac:cxnSpMk id="32" creationId="{3E099E92-03D2-4BBB-B8C4-4C982993982D}"/>
+          </ac:cxnSpMkLst>
+        </pc:cxnChg>
+        <pc:cxnChg chg="add del">
+          <ac:chgData name="Guillaume GULLI" userId="S::guillaume.gulli@isen.yncrea.fr::1981c500-0edc-45d4-907a-9f77f1a48351" providerId="AD" clId="Web-{BE397840-2AE7-8A76-A020-1CD67F023FA0}" dt="2021-06-18T12:22:47.473" v="100"/>
+          <ac:cxnSpMkLst>
+            <pc:docMk/>
+            <pc:sldMk cId="1097528585" sldId="261"/>
+            <ac:cxnSpMk id="34" creationId="{9BC347C4-9E08-4D0B-B3D0-B83BF161E5A2}"/>
+          </ac:cxnSpMkLst>
+        </pc:cxnChg>
+        <pc:cxnChg chg="add del">
+          <ac:chgData name="Guillaume GULLI" userId="S::guillaume.gulli@isen.yncrea.fr::1981c500-0edc-45d4-907a-9f77f1a48351" providerId="AD" clId="Web-{BE397840-2AE7-8A76-A020-1CD67F023FA0}" dt="2021-06-18T12:22:46.660" v="99"/>
+          <ac:cxnSpMkLst>
+            <pc:docMk/>
+            <pc:sldMk cId="1097528585" sldId="261"/>
+            <ac:cxnSpMk id="36" creationId="{2877DE54-E63F-4DD2-B13E-7A3FAAB9D685}"/>
+          </ac:cxnSpMkLst>
+        </pc:cxnChg>
       </pc:sldChg>
     </pc:docChg>
   </pc:docChgLst>
@@ -856,7 +1114,7 @@
           <a:p>
             <a:fld id="{D9578751-DA34-41BA-ACFB-BD878EA789F8}" type="datetimeFigureOut">
               <a:rPr lang="fr-FR" smtClean="0"/>
-              <a:t>07/06/2021</a:t>
+              <a:t>18/06/2021</a:t>
             </a:fld>
             <a:endParaRPr lang="fr-FR"/>
           </a:p>
@@ -1054,7 +1312,7 @@
           <a:p>
             <a:fld id="{D9578751-DA34-41BA-ACFB-BD878EA789F8}" type="datetimeFigureOut">
               <a:rPr lang="fr-FR" smtClean="0"/>
-              <a:t>07/06/2021</a:t>
+              <a:t>18/06/2021</a:t>
             </a:fld>
             <a:endParaRPr lang="fr-FR"/>
           </a:p>
@@ -1262,7 +1520,7 @@
           <a:p>
             <a:fld id="{D9578751-DA34-41BA-ACFB-BD878EA789F8}" type="datetimeFigureOut">
               <a:rPr lang="fr-FR" smtClean="0"/>
-              <a:t>07/06/2021</a:t>
+              <a:t>18/06/2021</a:t>
             </a:fld>
             <a:endParaRPr lang="fr-FR"/>
           </a:p>
@@ -1460,7 +1718,7 @@
           <a:p>
             <a:fld id="{D9578751-DA34-41BA-ACFB-BD878EA789F8}" type="datetimeFigureOut">
               <a:rPr lang="fr-FR" smtClean="0"/>
-              <a:t>07/06/2021</a:t>
+              <a:t>18/06/2021</a:t>
             </a:fld>
             <a:endParaRPr lang="fr-FR"/>
           </a:p>
@@ -1735,7 +1993,7 @@
           <a:p>
             <a:fld id="{D9578751-DA34-41BA-ACFB-BD878EA789F8}" type="datetimeFigureOut">
               <a:rPr lang="fr-FR" smtClean="0"/>
-              <a:t>07/06/2021</a:t>
+              <a:t>18/06/2021</a:t>
             </a:fld>
             <a:endParaRPr lang="fr-FR"/>
           </a:p>
@@ -2000,7 +2258,7 @@
           <a:p>
             <a:fld id="{D9578751-DA34-41BA-ACFB-BD878EA789F8}" type="datetimeFigureOut">
               <a:rPr lang="fr-FR" smtClean="0"/>
-              <a:t>07/06/2021</a:t>
+              <a:t>18/06/2021</a:t>
             </a:fld>
             <a:endParaRPr lang="fr-FR"/>
           </a:p>
@@ -2412,7 +2670,7 @@
           <a:p>
             <a:fld id="{D9578751-DA34-41BA-ACFB-BD878EA789F8}" type="datetimeFigureOut">
               <a:rPr lang="fr-FR" smtClean="0"/>
-              <a:t>07/06/2021</a:t>
+              <a:t>18/06/2021</a:t>
             </a:fld>
             <a:endParaRPr lang="fr-FR"/>
           </a:p>
@@ -2553,7 +2811,7 @@
           <a:p>
             <a:fld id="{D9578751-DA34-41BA-ACFB-BD878EA789F8}" type="datetimeFigureOut">
               <a:rPr lang="fr-FR" smtClean="0"/>
-              <a:t>07/06/2021</a:t>
+              <a:t>18/06/2021</a:t>
             </a:fld>
             <a:endParaRPr lang="fr-FR"/>
           </a:p>
@@ -2666,7 +2924,7 @@
           <a:p>
             <a:fld id="{D9578751-DA34-41BA-ACFB-BD878EA789F8}" type="datetimeFigureOut">
               <a:rPr lang="fr-FR" smtClean="0"/>
-              <a:t>07/06/2021</a:t>
+              <a:t>18/06/2021</a:t>
             </a:fld>
             <a:endParaRPr lang="fr-FR"/>
           </a:p>
@@ -2977,7 +3235,7 @@
           <a:p>
             <a:fld id="{D9578751-DA34-41BA-ACFB-BD878EA789F8}" type="datetimeFigureOut">
               <a:rPr lang="fr-FR" smtClean="0"/>
-              <a:t>07/06/2021</a:t>
+              <a:t>18/06/2021</a:t>
             </a:fld>
             <a:endParaRPr lang="fr-FR"/>
           </a:p>
@@ -3265,7 +3523,7 @@
           <a:p>
             <a:fld id="{D9578751-DA34-41BA-ACFB-BD878EA789F8}" type="datetimeFigureOut">
               <a:rPr lang="fr-FR" smtClean="0"/>
-              <a:t>07/06/2021</a:t>
+              <a:t>18/06/2021</a:t>
             </a:fld>
             <a:endParaRPr lang="fr-FR"/>
           </a:p>
@@ -3506,7 +3764,7 @@
           <a:p>
             <a:fld id="{D9578751-DA34-41BA-ACFB-BD878EA789F8}" type="datetimeFigureOut">
               <a:rPr lang="fr-FR" smtClean="0"/>
-              <a:t>07/06/2021</a:t>
+              <a:t>18/06/2021</a:t>
             </a:fld>
             <a:endParaRPr lang="fr-FR"/>
           </a:p>
@@ -6580,6 +6838,706 @@
 </p:sld>
 </file>
 
+<file path=ppt/slides/slide5.xml><?xml version="1.0" encoding="utf-8"?>
+<p:sld xmlns:a="http://schemas.openxmlformats.org/drawingml/2006/main" xmlns:r="http://schemas.openxmlformats.org/officeDocument/2006/relationships" xmlns:p="http://schemas.openxmlformats.org/presentationml/2006/main">
+  <p:cSld>
+    <p:spTree>
+      <p:nvGrpSpPr>
+        <p:cNvPr id="1" name=""/>
+        <p:cNvGrpSpPr/>
+        <p:nvPr/>
+      </p:nvGrpSpPr>
+      <p:grpSpPr>
+        <a:xfrm>
+          <a:off x="0" y="0"/>
+          <a:ext cx="0" cy="0"/>
+          <a:chOff x="0" y="0"/>
+          <a:chExt cx="0" cy="0"/>
+        </a:xfrm>
+      </p:grpSpPr>
+      <p:pic>
+        <p:nvPicPr>
+          <p:cNvPr id="5" name="Graphique 4" descr="Base de données contour">
+            <a:extLst>
+              <a:ext uri="{FF2B5EF4-FFF2-40B4-BE49-F238E27FC236}">
+                <a16:creationId xmlns:a16="http://schemas.microsoft.com/office/drawing/2014/main" id="{F9F0F25D-1749-4D01-BC73-B2E75387508B}"/>
+              </a:ext>
+            </a:extLst>
+          </p:cNvPr>
+          <p:cNvPicPr>
+            <a:picLocks noChangeAspect="1"/>
+          </p:cNvPicPr>
+          <p:nvPr/>
+        </p:nvPicPr>
+        <p:blipFill>
+          <a:blip r:embed="rId2">
+            <a:extLst>
+              <a:ext uri="{28A0092B-C50C-407E-A947-70E740481C1C}">
+                <a14:useLocalDpi xmlns:a14="http://schemas.microsoft.com/office/drawing/2010/main" val="0"/>
+              </a:ext>
+              <a:ext uri="{96DAC541-7B7A-43D3-8B79-37D633B846F1}">
+                <asvg:svgBlip xmlns:asvg="http://schemas.microsoft.com/office/drawing/2016/SVG/main" r:embed="rId3"/>
+              </a:ext>
+            </a:extLst>
+          </a:blip>
+          <a:stretch>
+            <a:fillRect/>
+          </a:stretch>
+        </p:blipFill>
+        <p:spPr>
+          <a:xfrm>
+            <a:off x="5189560" y="2918"/>
+            <a:ext cx="1800000" cy="1800000"/>
+          </a:xfrm>
+          <a:prstGeom prst="rect">
+            <a:avLst/>
+          </a:prstGeom>
+        </p:spPr>
+      </p:pic>
+      <p:sp>
+        <p:nvSpPr>
+          <p:cNvPr id="7" name="ZoneTexte 6">
+            <a:extLst>
+              <a:ext uri="{FF2B5EF4-FFF2-40B4-BE49-F238E27FC236}">
+                <a16:creationId xmlns:a16="http://schemas.microsoft.com/office/drawing/2014/main" id="{C34615B9-2DFF-455A-A648-8C8D5D8107A1}"/>
+              </a:ext>
+            </a:extLst>
+          </p:cNvPr>
+          <p:cNvSpPr txBox="1"/>
+          <p:nvPr/>
+        </p:nvSpPr>
+        <p:spPr>
+          <a:xfrm>
+            <a:off x="4449921" y="1712196"/>
+            <a:ext cx="3300153" cy="369332"/>
+          </a:xfrm>
+          <a:prstGeom prst="rect">
+            <a:avLst/>
+          </a:prstGeom>
+          <a:noFill/>
+        </p:spPr>
+        <p:txBody>
+          <a:bodyPr wrap="square" lIns="91440" tIns="45720" rIns="91440" bIns="45720" rtlCol="0" anchor="t">
+            <a:spAutoFit/>
+          </a:bodyPr>
+          <a:lstStyle/>
+          <a:p>
+            <a:pPr algn="ctr"/>
+            <a:r>
+              <a:rPr lang="fr-FR"/>
+              <a:t>Base de données</a:t>
+            </a:r>
+          </a:p>
+        </p:txBody>
+      </p:sp>
+      <p:pic>
+        <p:nvPicPr>
+          <p:cNvPr id="13" name="Graphique 13" descr="Radio microphone contour">
+            <a:extLst>
+              <a:ext uri="{FF2B5EF4-FFF2-40B4-BE49-F238E27FC236}">
+                <a16:creationId xmlns:a16="http://schemas.microsoft.com/office/drawing/2014/main" id="{ED17D935-9A50-470B-A87D-8FE7D57319A1}"/>
+              </a:ext>
+            </a:extLst>
+          </p:cNvPr>
+          <p:cNvPicPr>
+            <a:picLocks noChangeAspect="1"/>
+          </p:cNvPicPr>
+          <p:nvPr/>
+        </p:nvPicPr>
+        <p:blipFill>
+          <a:blip r:embed="rId4">
+            <a:extLst>
+              <a:ext uri="{96DAC541-7B7A-43D3-8B79-37D633B846F1}">
+                <asvg:svgBlip xmlns:asvg="http://schemas.microsoft.com/office/drawing/2016/SVG/main" r:embed="rId5"/>
+              </a:ext>
+            </a:extLst>
+          </a:blip>
+          <a:stretch>
+            <a:fillRect/>
+          </a:stretch>
+        </p:blipFill>
+        <p:spPr>
+          <a:xfrm>
+            <a:off x="2810007" y="5007279"/>
+            <a:ext cx="1175360" cy="1154483"/>
+          </a:xfrm>
+          <a:prstGeom prst="rect">
+            <a:avLst/>
+          </a:prstGeom>
+        </p:spPr>
+      </p:pic>
+      <p:pic>
+        <p:nvPicPr>
+          <p:cNvPr id="14" name="Graphique 14" descr="Chat contour">
+            <a:extLst>
+              <a:ext uri="{FF2B5EF4-FFF2-40B4-BE49-F238E27FC236}">
+                <a16:creationId xmlns:a16="http://schemas.microsoft.com/office/drawing/2014/main" id="{643E7E6A-209A-44D9-85A0-1E4325F3BA8B}"/>
+              </a:ext>
+            </a:extLst>
+          </p:cNvPr>
+          <p:cNvPicPr>
+            <a:picLocks noChangeAspect="1"/>
+          </p:cNvPicPr>
+          <p:nvPr/>
+        </p:nvPicPr>
+        <p:blipFill>
+          <a:blip r:embed="rId6">
+            <a:extLst>
+              <a:ext uri="{96DAC541-7B7A-43D3-8B79-37D633B846F1}">
+                <asvg:svgBlip xmlns:asvg="http://schemas.microsoft.com/office/drawing/2016/SVG/main" r:embed="rId7"/>
+              </a:ext>
+            </a:extLst>
+          </a:blip>
+          <a:stretch>
+            <a:fillRect/>
+          </a:stretch>
+        </p:blipFill>
+        <p:spPr>
+          <a:xfrm>
+            <a:off x="4831784" y="4972702"/>
+            <a:ext cx="1185797" cy="1206673"/>
+          </a:xfrm>
+          <a:prstGeom prst="rect">
+            <a:avLst/>
+          </a:prstGeom>
+        </p:spPr>
+      </p:pic>
+      <p:pic>
+        <p:nvPicPr>
+          <p:cNvPr id="15" name="Graphique 15" descr="Email contour">
+            <a:extLst>
+              <a:ext uri="{FF2B5EF4-FFF2-40B4-BE49-F238E27FC236}">
+                <a16:creationId xmlns:a16="http://schemas.microsoft.com/office/drawing/2014/main" id="{12B6BCEC-225B-430A-BF23-D64E9E0C2244}"/>
+              </a:ext>
+            </a:extLst>
+          </p:cNvPr>
+          <p:cNvPicPr>
+            <a:picLocks noChangeAspect="1"/>
+          </p:cNvPicPr>
+          <p:nvPr/>
+        </p:nvPicPr>
+        <p:blipFill>
+          <a:blip r:embed="rId8">
+            <a:extLst>
+              <a:ext uri="{96DAC541-7B7A-43D3-8B79-37D633B846F1}">
+                <asvg:svgBlip xmlns:asvg="http://schemas.microsoft.com/office/drawing/2016/SVG/main" r:embed="rId9"/>
+              </a:ext>
+            </a:extLst>
+          </a:blip>
+          <a:stretch>
+            <a:fillRect/>
+          </a:stretch>
+        </p:blipFill>
+        <p:spPr>
+          <a:xfrm>
+            <a:off x="9807618" y="4979878"/>
+            <a:ext cx="1185797" cy="1206673"/>
+          </a:xfrm>
+          <a:prstGeom prst="rect">
+            <a:avLst/>
+          </a:prstGeom>
+        </p:spPr>
+      </p:pic>
+      <p:pic>
+        <p:nvPicPr>
+          <p:cNvPr id="16" name="Graphique 16" descr="Periodic Graph contour">
+            <a:extLst>
+              <a:ext uri="{FF2B5EF4-FFF2-40B4-BE49-F238E27FC236}">
+                <a16:creationId xmlns:a16="http://schemas.microsoft.com/office/drawing/2014/main" id="{A54D3640-17EF-4F75-8DD5-ACED65F6DEF3}"/>
+              </a:ext>
+            </a:extLst>
+          </p:cNvPr>
+          <p:cNvPicPr>
+            <a:picLocks noChangeAspect="1"/>
+          </p:cNvPicPr>
+          <p:nvPr/>
+        </p:nvPicPr>
+        <p:blipFill>
+          <a:blip r:embed="rId10">
+            <a:extLst>
+              <a:ext uri="{96DAC541-7B7A-43D3-8B79-37D633B846F1}">
+                <asvg:svgBlip xmlns:asvg="http://schemas.microsoft.com/office/drawing/2016/SVG/main" r:embed="rId11"/>
+              </a:ext>
+            </a:extLst>
+          </a:blip>
+          <a:stretch>
+            <a:fillRect/>
+          </a:stretch>
+        </p:blipFill>
+        <p:spPr>
+          <a:xfrm>
+            <a:off x="837156" y="5049034"/>
+            <a:ext cx="1123167" cy="1144043"/>
+          </a:xfrm>
+          <a:prstGeom prst="rect">
+            <a:avLst/>
+          </a:prstGeom>
+        </p:spPr>
+      </p:pic>
+      <p:cxnSp>
+        <p:nvCxnSpPr>
+          <p:cNvPr id="18" name="Connecteur droit avec flèche 17">
+            <a:extLst>
+              <a:ext uri="{FF2B5EF4-FFF2-40B4-BE49-F238E27FC236}">
+                <a16:creationId xmlns:a16="http://schemas.microsoft.com/office/drawing/2014/main" id="{9F1F7F94-3E03-4BF4-B0DA-3E483D4091FD}"/>
+              </a:ext>
+            </a:extLst>
+          </p:cNvPr>
+          <p:cNvCxnSpPr/>
+          <p:nvPr/>
+        </p:nvCxnSpPr>
+        <p:spPr>
+          <a:xfrm>
+            <a:off x="687234" y="4556342"/>
+            <a:ext cx="1794793" cy="0"/>
+          </a:xfrm>
+          <a:prstGeom prst="straightConnector1">
+            <a:avLst/>
+          </a:prstGeom>
+          <a:ln w="38100">
+            <a:solidFill>
+              <a:srgbClr val="3AB395"/>
+            </a:solidFill>
+            <a:tailEnd type="triangle"/>
+          </a:ln>
+        </p:spPr>
+        <p:style>
+          <a:lnRef idx="1">
+            <a:schemeClr val="accent1"/>
+          </a:lnRef>
+          <a:fillRef idx="0">
+            <a:schemeClr val="accent1"/>
+          </a:fillRef>
+          <a:effectRef idx="0">
+            <a:schemeClr val="accent1"/>
+          </a:effectRef>
+          <a:fontRef idx="minor">
+            <a:schemeClr val="tx1"/>
+          </a:fontRef>
+        </p:style>
+      </p:cxnSp>
+      <p:cxnSp>
+        <p:nvCxnSpPr>
+          <p:cNvPr id="20" name="Connecteur droit avec flèche 19">
+            <a:extLst>
+              <a:ext uri="{FF2B5EF4-FFF2-40B4-BE49-F238E27FC236}">
+                <a16:creationId xmlns:a16="http://schemas.microsoft.com/office/drawing/2014/main" id="{DF4A8761-E6F2-4322-A39D-E667B9206136}"/>
+              </a:ext>
+            </a:extLst>
+          </p:cNvPr>
+          <p:cNvCxnSpPr/>
+          <p:nvPr/>
+        </p:nvCxnSpPr>
+        <p:spPr>
+          <a:xfrm>
+            <a:off x="2812484" y="1806879"/>
+            <a:ext cx="1794793" cy="0"/>
+          </a:xfrm>
+          <a:prstGeom prst="straightConnector1">
+            <a:avLst/>
+          </a:prstGeom>
+          <a:ln w="38100">
+            <a:solidFill>
+              <a:srgbClr val="3AB395"/>
+            </a:solidFill>
+            <a:tailEnd type="triangle"/>
+          </a:ln>
+        </p:spPr>
+        <p:style>
+          <a:lnRef idx="1">
+            <a:schemeClr val="accent1"/>
+          </a:lnRef>
+          <a:fillRef idx="0">
+            <a:schemeClr val="accent1"/>
+          </a:fillRef>
+          <a:effectRef idx="0">
+            <a:schemeClr val="accent1"/>
+          </a:effectRef>
+          <a:fontRef idx="minor">
+            <a:schemeClr val="tx1"/>
+          </a:fontRef>
+        </p:style>
+      </p:cxnSp>
+      <p:cxnSp>
+        <p:nvCxnSpPr>
+          <p:cNvPr id="22" name="Connecteur droit avec flèche 21">
+            <a:extLst>
+              <a:ext uri="{FF2B5EF4-FFF2-40B4-BE49-F238E27FC236}">
+                <a16:creationId xmlns:a16="http://schemas.microsoft.com/office/drawing/2014/main" id="{999A1327-5579-4EA8-8A9E-BC0C1C88DB9B}"/>
+              </a:ext>
+            </a:extLst>
+          </p:cNvPr>
+          <p:cNvCxnSpPr/>
+          <p:nvPr/>
+        </p:nvCxnSpPr>
+        <p:spPr>
+          <a:xfrm>
+            <a:off x="501432" y="3723361"/>
+            <a:ext cx="1794793" cy="0"/>
+          </a:xfrm>
+          <a:prstGeom prst="straightConnector1">
+            <a:avLst/>
+          </a:prstGeom>
+          <a:ln w="38100">
+            <a:solidFill>
+              <a:srgbClr val="3AB395"/>
+            </a:solidFill>
+            <a:tailEnd type="triangle"/>
+          </a:ln>
+        </p:spPr>
+        <p:style>
+          <a:lnRef idx="1">
+            <a:schemeClr val="accent1"/>
+          </a:lnRef>
+          <a:fillRef idx="0">
+            <a:schemeClr val="accent1"/>
+          </a:fillRef>
+          <a:effectRef idx="0">
+            <a:schemeClr val="accent1"/>
+          </a:effectRef>
+          <a:fontRef idx="minor">
+            <a:schemeClr val="tx1"/>
+          </a:fontRef>
+        </p:style>
+      </p:cxnSp>
+      <p:cxnSp>
+        <p:nvCxnSpPr>
+          <p:cNvPr id="24" name="Connecteur droit avec flèche 23">
+            <a:extLst>
+              <a:ext uri="{FF2B5EF4-FFF2-40B4-BE49-F238E27FC236}">
+                <a16:creationId xmlns:a16="http://schemas.microsoft.com/office/drawing/2014/main" id="{64880194-0E88-425B-AEEF-BA27B35F656B}"/>
+              </a:ext>
+            </a:extLst>
+          </p:cNvPr>
+          <p:cNvCxnSpPr/>
+          <p:nvPr/>
+        </p:nvCxnSpPr>
+        <p:spPr>
+          <a:xfrm>
+            <a:off x="7971119" y="1986419"/>
+            <a:ext cx="1794793" cy="0"/>
+          </a:xfrm>
+          <a:prstGeom prst="straightConnector1">
+            <a:avLst/>
+          </a:prstGeom>
+          <a:ln w="38100">
+            <a:solidFill>
+              <a:srgbClr val="3AB395"/>
+            </a:solidFill>
+            <a:tailEnd type="triangle"/>
+          </a:ln>
+        </p:spPr>
+        <p:style>
+          <a:lnRef idx="1">
+            <a:schemeClr val="accent1"/>
+          </a:lnRef>
+          <a:fillRef idx="0">
+            <a:schemeClr val="accent1"/>
+          </a:fillRef>
+          <a:effectRef idx="0">
+            <a:schemeClr val="accent1"/>
+          </a:effectRef>
+          <a:fontRef idx="minor">
+            <a:schemeClr val="tx1"/>
+          </a:fontRef>
+        </p:style>
+      </p:cxnSp>
+      <p:cxnSp>
+        <p:nvCxnSpPr>
+          <p:cNvPr id="26" name="Connecteur droit avec flèche 25">
+            <a:extLst>
+              <a:ext uri="{FF2B5EF4-FFF2-40B4-BE49-F238E27FC236}">
+                <a16:creationId xmlns:a16="http://schemas.microsoft.com/office/drawing/2014/main" id="{6D026E81-4BA2-46CB-BB7D-F421754F9A6B}"/>
+              </a:ext>
+            </a:extLst>
+          </p:cNvPr>
+          <p:cNvCxnSpPr/>
+          <p:nvPr/>
+        </p:nvCxnSpPr>
+        <p:spPr>
+          <a:xfrm>
+            <a:off x="503520" y="4059477"/>
+            <a:ext cx="1794793" cy="0"/>
+          </a:xfrm>
+          <a:prstGeom prst="straightConnector1">
+            <a:avLst/>
+          </a:prstGeom>
+          <a:ln w="38100">
+            <a:solidFill>
+              <a:srgbClr val="3AB395"/>
+            </a:solidFill>
+            <a:tailEnd type="triangle"/>
+          </a:ln>
+        </p:spPr>
+        <p:style>
+          <a:lnRef idx="1">
+            <a:schemeClr val="accent1"/>
+          </a:lnRef>
+          <a:fillRef idx="0">
+            <a:schemeClr val="accent1"/>
+          </a:fillRef>
+          <a:effectRef idx="0">
+            <a:schemeClr val="accent1"/>
+          </a:effectRef>
+          <a:fontRef idx="minor">
+            <a:schemeClr val="tx1"/>
+          </a:fontRef>
+        </p:style>
+      </p:cxnSp>
+      <p:cxnSp>
+        <p:nvCxnSpPr>
+          <p:cNvPr id="28" name="Connecteur droit avec flèche 27">
+            <a:extLst>
+              <a:ext uri="{FF2B5EF4-FFF2-40B4-BE49-F238E27FC236}">
+                <a16:creationId xmlns:a16="http://schemas.microsoft.com/office/drawing/2014/main" id="{F045217E-C339-4764-A140-DDE4BD32E03F}"/>
+              </a:ext>
+            </a:extLst>
+          </p:cNvPr>
+          <p:cNvCxnSpPr/>
+          <p:nvPr/>
+        </p:nvCxnSpPr>
+        <p:spPr>
+          <a:xfrm>
+            <a:off x="8192413" y="1007301"/>
+            <a:ext cx="1794793" cy="0"/>
+          </a:xfrm>
+          <a:prstGeom prst="straightConnector1">
+            <a:avLst/>
+          </a:prstGeom>
+          <a:ln w="38100">
+            <a:solidFill>
+              <a:srgbClr val="3AB395"/>
+            </a:solidFill>
+            <a:tailEnd type="triangle"/>
+          </a:ln>
+        </p:spPr>
+        <p:style>
+          <a:lnRef idx="1">
+            <a:schemeClr val="accent1"/>
+          </a:lnRef>
+          <a:fillRef idx="0">
+            <a:schemeClr val="accent1"/>
+          </a:fillRef>
+          <a:effectRef idx="0">
+            <a:schemeClr val="accent1"/>
+          </a:effectRef>
+          <a:fontRef idx="minor">
+            <a:schemeClr val="tx1"/>
+          </a:fontRef>
+        </p:style>
+      </p:cxnSp>
+      <p:pic>
+        <p:nvPicPr>
+          <p:cNvPr id="38" name="Graphique 37" descr="Internet contour" title="Site Iseninfo">
+            <a:extLst>
+              <a:ext uri="{FF2B5EF4-FFF2-40B4-BE49-F238E27FC236}">
+                <a16:creationId xmlns:a16="http://schemas.microsoft.com/office/drawing/2014/main" id="{08ADC564-C57F-44D8-B87B-2978F804A11A}"/>
+              </a:ext>
+            </a:extLst>
+          </p:cNvPr>
+          <p:cNvPicPr>
+            <a:picLocks noChangeAspect="1"/>
+          </p:cNvPicPr>
+          <p:nvPr/>
+        </p:nvPicPr>
+        <p:blipFill>
+          <a:blip r:embed="rId12">
+            <a:extLst>
+              <a:ext uri="{28A0092B-C50C-407E-A947-70E740481C1C}">
+                <a14:useLocalDpi xmlns:a14="http://schemas.microsoft.com/office/drawing/2010/main" val="0"/>
+              </a:ext>
+              <a:ext uri="{96DAC541-7B7A-43D3-8B79-37D633B846F1}">
+                <asvg:svgBlip xmlns:asvg="http://schemas.microsoft.com/office/drawing/2016/SVG/main" r:embed="rId13"/>
+              </a:ext>
+            </a:extLst>
+          </a:blip>
+          <a:stretch>
+            <a:fillRect/>
+          </a:stretch>
+        </p:blipFill>
+        <p:spPr>
+          <a:xfrm>
+            <a:off x="2603288" y="2529000"/>
+            <a:ext cx="1800000" cy="1800000"/>
+          </a:xfrm>
+          <a:prstGeom prst="rect">
+            <a:avLst/>
+          </a:prstGeom>
+        </p:spPr>
+      </p:pic>
+      <p:sp>
+        <p:nvSpPr>
+          <p:cNvPr id="39" name="ZoneTexte 38">
+            <a:extLst>
+              <a:ext uri="{FF2B5EF4-FFF2-40B4-BE49-F238E27FC236}">
+                <a16:creationId xmlns:a16="http://schemas.microsoft.com/office/drawing/2014/main" id="{35A58D95-B69A-4B33-BA31-207A6A5BDDB3}"/>
+              </a:ext>
+            </a:extLst>
+          </p:cNvPr>
+          <p:cNvSpPr txBox="1"/>
+          <p:nvPr/>
+        </p:nvSpPr>
+        <p:spPr>
+          <a:xfrm>
+            <a:off x="5016674" y="3127332"/>
+            <a:ext cx="2743199" cy="646331"/>
+          </a:xfrm>
+          <a:prstGeom prst="rect">
+            <a:avLst/>
+          </a:prstGeom>
+          <a:noFill/>
+        </p:spPr>
+        <p:txBody>
+          <a:bodyPr rot="0" spcFirstLastPara="0" vertOverflow="overflow" horzOverflow="overflow" vert="horz" wrap="square" lIns="91440" tIns="45720" rIns="91440" bIns="45720" numCol="1" spcCol="0" rtlCol="0" fromWordArt="0" anchor="t" anchorCtr="0" forceAA="0" compatLnSpc="1">
+            <a:prstTxWarp prst="textNoShape">
+              <a:avLst/>
+            </a:prstTxWarp>
+            <a:spAutoFit/>
+          </a:bodyPr>
+          <a:lstStyle/>
+          <a:p>
+            <a:pPr algn="l"/>
+            <a:r>
+              <a:rPr lang="fr-CA"/>
+              <a:t>Cliquez pour ajouter du texte</a:t>
+            </a:r>
+          </a:p>
+        </p:txBody>
+      </p:sp>
+      <p:sp>
+        <p:nvSpPr>
+          <p:cNvPr id="44" name="ZoneTexte 43">
+            <a:extLst>
+              <a:ext uri="{FF2B5EF4-FFF2-40B4-BE49-F238E27FC236}">
+                <a16:creationId xmlns:a16="http://schemas.microsoft.com/office/drawing/2014/main" id="{D7AD82F6-38E5-46B5-838B-EFD5701026C7}"/>
+              </a:ext>
+            </a:extLst>
+          </p:cNvPr>
+          <p:cNvSpPr txBox="1"/>
+          <p:nvPr/>
+        </p:nvSpPr>
+        <p:spPr>
+          <a:xfrm>
+            <a:off x="4546947" y="6091824"/>
+            <a:ext cx="1751556" cy="369332"/>
+          </a:xfrm>
+          <a:prstGeom prst="rect">
+            <a:avLst/>
+          </a:prstGeom>
+          <a:noFill/>
+        </p:spPr>
+        <p:txBody>
+          <a:bodyPr rot="0" spcFirstLastPara="0" vertOverflow="overflow" horzOverflow="overflow" vert="horz" wrap="square" lIns="91440" tIns="45720" rIns="91440" bIns="45720" numCol="1" spcCol="0" rtlCol="0" fromWordArt="0" anchor="t" anchorCtr="0" forceAA="0" compatLnSpc="1">
+            <a:prstTxWarp prst="textNoShape">
+              <a:avLst/>
+            </a:prstTxWarp>
+            <a:spAutoFit/>
+          </a:bodyPr>
+          <a:lstStyle/>
+          <a:p>
+            <a:r>
+              <a:rPr lang="fr-CA">
+                <a:cs typeface="Calibri"/>
+              </a:rPr>
+              <a:t>Assistant textuel</a:t>
+            </a:r>
+          </a:p>
+        </p:txBody>
+      </p:sp>
+      <p:sp>
+        <p:nvSpPr>
+          <p:cNvPr id="45" name="ZoneTexte 44">
+            <a:extLst>
+              <a:ext uri="{FF2B5EF4-FFF2-40B4-BE49-F238E27FC236}">
+                <a16:creationId xmlns:a16="http://schemas.microsoft.com/office/drawing/2014/main" id="{B6532C3D-1E94-48F4-92D3-FF1FEB77DF7C}"/>
+              </a:ext>
+            </a:extLst>
+          </p:cNvPr>
+          <p:cNvSpPr txBox="1"/>
+          <p:nvPr/>
+        </p:nvSpPr>
+        <p:spPr>
+          <a:xfrm>
+            <a:off x="2594974" y="6091824"/>
+            <a:ext cx="1615857" cy="369332"/>
+          </a:xfrm>
+          <a:prstGeom prst="rect">
+            <a:avLst/>
+          </a:prstGeom>
+          <a:noFill/>
+        </p:spPr>
+        <p:txBody>
+          <a:bodyPr rot="0" spcFirstLastPara="0" vertOverflow="overflow" horzOverflow="overflow" vert="horz" wrap="square" lIns="91440" tIns="45720" rIns="91440" bIns="45720" numCol="1" spcCol="0" rtlCol="0" fromWordArt="0" anchor="t" anchorCtr="0" forceAA="0" compatLnSpc="1">
+            <a:prstTxWarp prst="textNoShape">
+              <a:avLst/>
+            </a:prstTxWarp>
+            <a:spAutoFit/>
+          </a:bodyPr>
+          <a:lstStyle/>
+          <a:p>
+            <a:r>
+              <a:rPr lang="fr-CA">
+                <a:cs typeface="Calibri"/>
+              </a:rPr>
+              <a:t>Assistant vocal</a:t>
+            </a:r>
+          </a:p>
+        </p:txBody>
+      </p:sp>
+      <p:sp>
+        <p:nvSpPr>
+          <p:cNvPr id="46" name="ZoneTexte 45">
+            <a:extLst>
+              <a:ext uri="{FF2B5EF4-FFF2-40B4-BE49-F238E27FC236}">
+                <a16:creationId xmlns:a16="http://schemas.microsoft.com/office/drawing/2014/main" id="{D13169A7-58A9-4A7A-9142-0822CF3B6196}"/>
+              </a:ext>
+            </a:extLst>
+          </p:cNvPr>
+          <p:cNvSpPr txBox="1"/>
+          <p:nvPr/>
+        </p:nvSpPr>
+        <p:spPr>
+          <a:xfrm>
+            <a:off x="768262" y="6091824"/>
+            <a:ext cx="1271391" cy="369332"/>
+          </a:xfrm>
+          <a:prstGeom prst="rect">
+            <a:avLst/>
+          </a:prstGeom>
+          <a:noFill/>
+        </p:spPr>
+        <p:txBody>
+          <a:bodyPr rot="0" spcFirstLastPara="0" vertOverflow="overflow" horzOverflow="overflow" vert="horz" wrap="square" lIns="91440" tIns="45720" rIns="91440" bIns="45720" numCol="1" spcCol="0" rtlCol="0" fromWordArt="0" anchor="t" anchorCtr="0" forceAA="0" compatLnSpc="1">
+            <a:prstTxWarp prst="textNoShape">
+              <a:avLst/>
+            </a:prstTxWarp>
+            <a:spAutoFit/>
+          </a:bodyPr>
+          <a:lstStyle/>
+          <a:p>
+            <a:pPr algn="l"/>
+            <a:r>
+              <a:rPr lang="fr-CA">
+                <a:cs typeface="Calibri"/>
+              </a:rPr>
+              <a:t>Graphiques</a:t>
+            </a:r>
+          </a:p>
+        </p:txBody>
+      </p:sp>
+    </p:spTree>
+    <p:extLst>
+      <p:ext uri="{BB962C8B-B14F-4D97-AF65-F5344CB8AC3E}">
+        <p14:creationId xmlns:p14="http://schemas.microsoft.com/office/powerpoint/2010/main" val="1097528585"/>
+      </p:ext>
+    </p:extLst>
+  </p:cSld>
+  <p:clrMapOvr>
+    <a:masterClrMapping/>
+  </p:clrMapOvr>
+</p:sld>
+</file>
+
 <file path=ppt/theme/theme1.xml><?xml version="1.0" encoding="utf-8"?>
 <a:theme xmlns:a="http://schemas.openxmlformats.org/drawingml/2006/main" name="Thème Office">
   <a:themeElements>

--- a/presentation/Structure_Projet.pptx
+++ b/presentation/Structure_Projet.pptx
@@ -7,7 +7,7 @@
   <p:sldIdLst>
     <p:sldId id="256" r:id="rId2"/>
     <p:sldId id="260" r:id="rId3"/>
-    <p:sldId id="257" r:id="rId4"/>
+    <p:sldId id="262" r:id="rId4"/>
     <p:sldId id="258" r:id="rId5"/>
     <p:sldId id="261" r:id="rId6"/>
   </p:sldIdLst>
@@ -119,14 +119,37 @@
 <file path=ppt/revisionInfo.xml><?xml version="1.0" encoding="utf-8"?>
 <p1510:revInfo xmlns:a="http://schemas.openxmlformats.org/drawingml/2006/main" xmlns:r="http://schemas.openxmlformats.org/officeDocument/2006/relationships" xmlns:p1510="http://schemas.microsoft.com/office/powerpoint/2015/10/main">
   <p1510:revLst>
-    <p1510:client id="{3184CB1B-AEA6-45B1-B6A9-0ABF08811AEC}" v="38" dt="2021-05-18T14:58:24.762"/>
-    <p1510:client id="{BE397840-2AE7-8A76-A020-1CD67F023FA0}" v="242" dt="2021-06-18T12:28:03.388"/>
+    <p1510:client id="{7F131F86-5835-4106-9139-BC7AD26F85E4}" v="1" dt="2021-06-18T13:00:37.313"/>
+    <p1510:client id="{BE397840-2AE7-8A76-A020-1CD67F023FA0}" v="391" dt="2021-06-18T12:44:39.493"/>
   </p1510:revLst>
 </p1510:revInfo>
 </file>
 
 <file path=ppt/changesInfos/changesInfo1.xml><?xml version="1.0" encoding="utf-8"?>
 <pc:chgInfo xmlns:a="http://schemas.openxmlformats.org/drawingml/2006/main" xmlns:r="http://schemas.openxmlformats.org/officeDocument/2006/relationships" xmlns:ac="http://schemas.microsoft.com/office/drawing/2013/main/command" xmlns:pc="http://schemas.microsoft.com/office/powerpoint/2013/main/command">
+  <pc:docChgLst>
+    <pc:chgData name="Hugo DEMENEZ" userId="167f3b24-aa49-4d1b-b001-4f9180dfa13d" providerId="ADAL" clId="{7F131F86-5835-4106-9139-BC7AD26F85E4}"/>
+    <pc:docChg chg="addSld delSld modSld sldOrd">
+      <pc:chgData name="Hugo DEMENEZ" userId="167f3b24-aa49-4d1b-b001-4f9180dfa13d" providerId="ADAL" clId="{7F131F86-5835-4106-9139-BC7AD26F85E4}" dt="2021-06-18T13:00:42.025" v="3" actId="47"/>
+      <pc:docMkLst>
+        <pc:docMk/>
+      </pc:docMkLst>
+      <pc:sldChg chg="del">
+        <pc:chgData name="Hugo DEMENEZ" userId="167f3b24-aa49-4d1b-b001-4f9180dfa13d" providerId="ADAL" clId="{7F131F86-5835-4106-9139-BC7AD26F85E4}" dt="2021-06-18T13:00:42.025" v="3" actId="47"/>
+        <pc:sldMkLst>
+          <pc:docMk/>
+          <pc:sldMk cId="751187635" sldId="257"/>
+        </pc:sldMkLst>
+      </pc:sldChg>
+      <pc:sldChg chg="add ord">
+        <pc:chgData name="Hugo DEMENEZ" userId="167f3b24-aa49-4d1b-b001-4f9180dfa13d" providerId="ADAL" clId="{7F131F86-5835-4106-9139-BC7AD26F85E4}" dt="2021-06-18T13:00:39.714" v="2"/>
+        <pc:sldMkLst>
+          <pc:docMk/>
+          <pc:sldMk cId="2802110099" sldId="262"/>
+        </pc:sldMkLst>
+      </pc:sldChg>
+    </pc:docChg>
+  </pc:docChgLst>
   <pc:docChgLst>
     <pc:chgData name="Hugo DEMENEZ" userId="167f3b24-aa49-4d1b-b001-4f9180dfa13d" providerId="ADAL" clId="{79D5928A-EE29-4AD3-9172-6B1EF59BCF67}"/>
     <pc:docChg chg="custSel modSld">
@@ -162,12 +185,12 @@
   <pc:docChgLst>
     <pc:chgData name="Guillaume GULLI" userId="S::guillaume.gulli@isen.yncrea.fr::1981c500-0edc-45d4-907a-9f77f1a48351" providerId="AD" clId="Web-{BE397840-2AE7-8A76-A020-1CD67F023FA0}"/>
     <pc:docChg chg="addSld modSld">
-      <pc:chgData name="Guillaume GULLI" userId="S::guillaume.gulli@isen.yncrea.fr::1981c500-0edc-45d4-907a-9f77f1a48351" providerId="AD" clId="Web-{BE397840-2AE7-8A76-A020-1CD67F023FA0}" dt="2021-06-18T12:28:03.388" v="189" actId="1076"/>
+      <pc:chgData name="Guillaume GULLI" userId="S::guillaume.gulli@isen.yncrea.fr::1981c500-0edc-45d4-907a-9f77f1a48351" providerId="AD" clId="Web-{BE397840-2AE7-8A76-A020-1CD67F023FA0}" dt="2021-06-18T12:44:39.493" v="299" actId="14100"/>
       <pc:docMkLst>
         <pc:docMk/>
       </pc:docMkLst>
       <pc:sldChg chg="addSp delSp modSp new">
-        <pc:chgData name="Guillaume GULLI" userId="S::guillaume.gulli@isen.yncrea.fr::1981c500-0edc-45d4-907a-9f77f1a48351" providerId="AD" clId="Web-{BE397840-2AE7-8A76-A020-1CD67F023FA0}" dt="2021-06-18T12:28:03.388" v="189" actId="1076"/>
+        <pc:chgData name="Guillaume GULLI" userId="S::guillaume.gulli@isen.yncrea.fr::1981c500-0edc-45d4-907a-9f77f1a48351" providerId="AD" clId="Web-{BE397840-2AE7-8A76-A020-1CD67F023FA0}" dt="2021-06-18T12:44:39.493" v="299" actId="14100"/>
         <pc:sldMkLst>
           <pc:docMk/>
           <pc:sldMk cId="1097528585" sldId="261"/>
@@ -196,8 +219,8 @@
             <ac:spMk id="7" creationId="{C34615B9-2DFF-455A-A648-8C8D5D8107A1}"/>
           </ac:spMkLst>
         </pc:spChg>
-        <pc:spChg chg="add mod">
-          <ac:chgData name="Guillaume GULLI" userId="S::guillaume.gulli@isen.yncrea.fr::1981c500-0edc-45d4-907a-9f77f1a48351" providerId="AD" clId="Web-{BE397840-2AE7-8A76-A020-1CD67F023FA0}" dt="2021-06-18T12:27:42.653" v="185" actId="1076"/>
+        <pc:spChg chg="add del mod">
+          <ac:chgData name="Guillaume GULLI" userId="S::guillaume.gulli@isen.yncrea.fr::1981c500-0edc-45d4-907a-9f77f1a48351" providerId="AD" clId="Web-{BE397840-2AE7-8A76-A020-1CD67F023FA0}" dt="2021-06-18T12:29:13.546" v="203"/>
           <ac:spMkLst>
             <pc:docMk/>
             <pc:sldMk cId="1097528585" sldId="261"/>
@@ -228,6 +251,62 @@
             <ac:spMk id="46" creationId="{D13169A7-58A9-4A7A-9142-0822CF3B6196}"/>
           </ac:spMkLst>
         </pc:spChg>
+        <pc:spChg chg="add mod">
+          <ac:chgData name="Guillaume GULLI" userId="S::guillaume.gulli@isen.yncrea.fr::1981c500-0edc-45d4-907a-9f77f1a48351" providerId="AD" clId="Web-{BE397840-2AE7-8A76-A020-1CD67F023FA0}" dt="2021-06-18T12:42:08.083" v="284" actId="1076"/>
+          <ac:spMkLst>
+            <pc:docMk/>
+            <pc:sldMk cId="1097528585" sldId="261"/>
+            <ac:spMk id="47" creationId="{64C924E3-0B54-46A6-A8F2-4B347CEFBE60}"/>
+          </ac:spMkLst>
+        </pc:spChg>
+        <pc:spChg chg="add mod">
+          <ac:chgData name="Guillaume GULLI" userId="S::guillaume.gulli@isen.yncrea.fr::1981c500-0edc-45d4-907a-9f77f1a48351" providerId="AD" clId="Web-{BE397840-2AE7-8A76-A020-1CD67F023FA0}" dt="2021-06-18T12:31:24.847" v="229" actId="1076"/>
+          <ac:spMkLst>
+            <pc:docMk/>
+            <pc:sldMk cId="1097528585" sldId="261"/>
+            <ac:spMk id="48" creationId="{64C924E3-0B54-46A6-A8F2-4B347CEFBE60}"/>
+          </ac:spMkLst>
+        </pc:spChg>
+        <pc:spChg chg="add mod">
+          <ac:chgData name="Guillaume GULLI" userId="S::guillaume.gulli@isen.yncrea.fr::1981c500-0edc-45d4-907a-9f77f1a48351" providerId="AD" clId="Web-{BE397840-2AE7-8A76-A020-1CD67F023FA0}" dt="2021-06-18T12:41:06.021" v="262" actId="1076"/>
+          <ac:spMkLst>
+            <pc:docMk/>
+            <pc:sldMk cId="1097528585" sldId="261"/>
+            <ac:spMk id="49" creationId="{64C924E3-0B54-46A6-A8F2-4B347CEFBE60}"/>
+          </ac:spMkLst>
+        </pc:spChg>
+        <pc:spChg chg="add del">
+          <ac:chgData name="Guillaume GULLI" userId="S::guillaume.gulli@isen.yncrea.fr::1981c500-0edc-45d4-907a-9f77f1a48351" providerId="AD" clId="Web-{BE397840-2AE7-8A76-A020-1CD67F023FA0}" dt="2021-06-18T12:39:34.735" v="258"/>
+          <ac:spMkLst>
+            <pc:docMk/>
+            <pc:sldMk cId="1097528585" sldId="261"/>
+            <ac:spMk id="51" creationId="{0D3987AA-A07D-4533-A954-FF8B79C92237}"/>
+          </ac:spMkLst>
+        </pc:spChg>
+        <pc:spChg chg="add del mod">
+          <ac:chgData name="Guillaume GULLI" userId="S::guillaume.gulli@isen.yncrea.fr::1981c500-0edc-45d4-907a-9f77f1a48351" providerId="AD" clId="Web-{BE397840-2AE7-8A76-A020-1CD67F023FA0}" dt="2021-06-18T12:39:33.313" v="257"/>
+          <ac:spMkLst>
+            <pc:docMk/>
+            <pc:sldMk cId="1097528585" sldId="261"/>
+            <ac:spMk id="52" creationId="{D9F23CCC-BEE8-48EF-A837-12EF008335C5}"/>
+          </ac:spMkLst>
+        </pc:spChg>
+        <pc:spChg chg="add del mod">
+          <ac:chgData name="Guillaume GULLI" userId="S::guillaume.gulli@isen.yncrea.fr::1981c500-0edc-45d4-907a-9f77f1a48351" providerId="AD" clId="Web-{BE397840-2AE7-8A76-A020-1CD67F023FA0}" dt="2021-06-18T12:39:30.438" v="255"/>
+          <ac:spMkLst>
+            <pc:docMk/>
+            <pc:sldMk cId="1097528585" sldId="261"/>
+            <ac:spMk id="53" creationId="{9F93BDEA-A1C7-47E0-8D95-761C68A02FF6}"/>
+          </ac:spMkLst>
+        </pc:spChg>
+        <pc:spChg chg="add mod">
+          <ac:chgData name="Guillaume GULLI" userId="S::guillaume.gulli@isen.yncrea.fr::1981c500-0edc-45d4-907a-9f77f1a48351" providerId="AD" clId="Web-{BE397840-2AE7-8A76-A020-1CD67F023FA0}" dt="2021-06-18T12:44:39.493" v="299" actId="14100"/>
+          <ac:spMkLst>
+            <pc:docMk/>
+            <pc:sldMk cId="1097528585" sldId="261"/>
+            <ac:spMk id="56" creationId="{5D9CCEDE-BEFF-455D-B8AD-4395B3207A75}"/>
+          </ac:spMkLst>
+        </pc:spChg>
         <pc:picChg chg="add mod">
           <ac:chgData name="Guillaume GULLI" userId="S::guillaume.gulli@isen.yncrea.fr::1981c500-0edc-45d4-907a-9f77f1a48351" providerId="AD" clId="Web-{BE397840-2AE7-8A76-A020-1CD67F023FA0}" dt="2021-06-18T12:11:21.016" v="12" actId="1076"/>
           <ac:picMkLst>
@@ -285,7 +364,7 @@
           </ac:picMkLst>
         </pc:picChg>
         <pc:picChg chg="add mod">
-          <ac:chgData name="Guillaume GULLI" userId="S::guillaume.gulli@isen.yncrea.fr::1981c500-0edc-45d4-907a-9f77f1a48351" providerId="AD" clId="Web-{BE397840-2AE7-8A76-A020-1CD67F023FA0}" dt="2021-06-18T12:25:04.398" v="121" actId="1076"/>
+          <ac:chgData name="Guillaume GULLI" userId="S::guillaume.gulli@isen.yncrea.fr::1981c500-0edc-45d4-907a-9f77f1a48351" providerId="AD" clId="Web-{BE397840-2AE7-8A76-A020-1CD67F023FA0}" dt="2021-06-18T12:28:34.623" v="192" actId="14100"/>
           <ac:picMkLst>
             <pc:docMk/>
             <pc:sldMk cId="1097528585" sldId="261"/>
@@ -293,7 +372,7 @@
           </ac:picMkLst>
         </pc:picChg>
         <pc:picChg chg="add mod">
-          <ac:chgData name="Guillaume GULLI" userId="S::guillaume.gulli@isen.yncrea.fr::1981c500-0edc-45d4-907a-9f77f1a48351" providerId="AD" clId="Web-{BE397840-2AE7-8A76-A020-1CD67F023FA0}" dt="2021-06-18T12:27:52.887" v="188" actId="1076"/>
+          <ac:chgData name="Guillaume GULLI" userId="S::guillaume.gulli@isen.yncrea.fr::1981c500-0edc-45d4-907a-9f77f1a48351" providerId="AD" clId="Web-{BE397840-2AE7-8A76-A020-1CD67F023FA0}" dt="2021-06-18T12:40:55.956" v="261" actId="1076"/>
           <ac:picMkLst>
             <pc:docMk/>
             <pc:sldMk cId="1097528585" sldId="261"/>
@@ -301,7 +380,7 @@
           </ac:picMkLst>
         </pc:picChg>
         <pc:picChg chg="add mod">
-          <ac:chgData name="Guillaume GULLI" userId="S::guillaume.gulli@isen.yncrea.fr::1981c500-0edc-45d4-907a-9f77f1a48351" providerId="AD" clId="Web-{BE397840-2AE7-8A76-A020-1CD67F023FA0}" dt="2021-06-18T12:28:03.388" v="189" actId="1076"/>
+          <ac:chgData name="Guillaume GULLI" userId="S::guillaume.gulli@isen.yncrea.fr::1981c500-0edc-45d4-907a-9f77f1a48351" providerId="AD" clId="Web-{BE397840-2AE7-8A76-A020-1CD67F023FA0}" dt="2021-06-18T12:28:25.388" v="191" actId="1076"/>
           <ac:picMkLst>
             <pc:docMk/>
             <pc:sldMk cId="1097528585" sldId="261"/>
@@ -332,8 +411,16 @@
             <ac:picMk id="43" creationId="{E0FC3C1F-DC24-44A8-91BE-EDC057E6D55C}"/>
           </ac:picMkLst>
         </pc:picChg>
+        <pc:picChg chg="add mod">
+          <ac:chgData name="Guillaume GULLI" userId="S::guillaume.gulli@isen.yncrea.fr::1981c500-0edc-45d4-907a-9f77f1a48351" providerId="AD" clId="Web-{BE397840-2AE7-8A76-A020-1CD67F023FA0}" dt="2021-06-18T12:40:31.205" v="260" actId="1076"/>
+          <ac:picMkLst>
+            <pc:docMk/>
+            <pc:sldMk cId="1097528585" sldId="261"/>
+            <ac:picMk id="50" creationId="{FAB98C98-899E-4B2F-B2D4-4D5F282BA2ED}"/>
+          </ac:picMkLst>
+        </pc:picChg>
         <pc:cxnChg chg="add mod">
-          <ac:chgData name="Guillaume GULLI" userId="S::guillaume.gulli@isen.yncrea.fr::1981c500-0edc-45d4-907a-9f77f1a48351" providerId="AD" clId="Web-{BE397840-2AE7-8A76-A020-1CD67F023FA0}" dt="2021-06-18T12:25:09.117" v="122" actId="1076"/>
+          <ac:chgData name="Guillaume GULLI" userId="S::guillaume.gulli@isen.yncrea.fr::1981c500-0edc-45d4-907a-9f77f1a48351" providerId="AD" clId="Web-{BE397840-2AE7-8A76-A020-1CD67F023FA0}" dt="2021-06-18T12:32:59.146" v="236" actId="14100"/>
           <ac:cxnSpMkLst>
             <pc:docMk/>
             <pc:sldMk cId="1097528585" sldId="261"/>
@@ -341,7 +428,7 @@
           </ac:cxnSpMkLst>
         </pc:cxnChg>
         <pc:cxnChg chg="add mod">
-          <ac:chgData name="Guillaume GULLI" userId="S::guillaume.gulli@isen.yncrea.fr::1981c500-0edc-45d4-907a-9f77f1a48351" providerId="AD" clId="Web-{BE397840-2AE7-8A76-A020-1CD67F023FA0}" dt="2021-06-18T12:22:37.114" v="93" actId="1076"/>
+          <ac:chgData name="Guillaume GULLI" userId="S::guillaume.gulli@isen.yncrea.fr::1981c500-0edc-45d4-907a-9f77f1a48351" providerId="AD" clId="Web-{BE397840-2AE7-8A76-A020-1CD67F023FA0}" dt="2021-06-18T12:33:39.600" v="242" actId="14100"/>
           <ac:cxnSpMkLst>
             <pc:docMk/>
             <pc:sldMk cId="1097528585" sldId="261"/>
@@ -349,15 +436,15 @@
           </ac:cxnSpMkLst>
         </pc:cxnChg>
         <pc:cxnChg chg="add mod">
-          <ac:chgData name="Guillaume GULLI" userId="S::guillaume.gulli@isen.yncrea.fr::1981c500-0edc-45d4-907a-9f77f1a48351" providerId="AD" clId="Web-{BE397840-2AE7-8A76-A020-1CD67F023FA0}" dt="2021-06-18T12:24:15.508" v="113" actId="1076"/>
+          <ac:chgData name="Guillaume GULLI" userId="S::guillaume.gulli@isen.yncrea.fr::1981c500-0edc-45d4-907a-9f77f1a48351" providerId="AD" clId="Web-{BE397840-2AE7-8A76-A020-1CD67F023FA0}" dt="2021-06-18T12:39:16.750" v="250" actId="14100"/>
           <ac:cxnSpMkLst>
             <pc:docMk/>
             <pc:sldMk cId="1097528585" sldId="261"/>
             <ac:cxnSpMk id="22" creationId="{999A1327-5579-4EA8-8A9E-BC0C1C88DB9B}"/>
           </ac:cxnSpMkLst>
         </pc:cxnChg>
-        <pc:cxnChg chg="add mod">
-          <ac:chgData name="Guillaume GULLI" userId="S::guillaume.gulli@isen.yncrea.fr::1981c500-0edc-45d4-907a-9f77f1a48351" providerId="AD" clId="Web-{BE397840-2AE7-8A76-A020-1CD67F023FA0}" dt="2021-06-18T12:22:35.644" v="92" actId="1076"/>
+        <pc:cxnChg chg="add del mod">
+          <ac:chgData name="Guillaume GULLI" userId="S::guillaume.gulli@isen.yncrea.fr::1981c500-0edc-45d4-907a-9f77f1a48351" providerId="AD" clId="Web-{BE397840-2AE7-8A76-A020-1CD67F023FA0}" dt="2021-06-18T12:42:19.271" v="287"/>
           <ac:cxnSpMkLst>
             <pc:docMk/>
             <pc:sldMk cId="1097528585" sldId="261"/>
@@ -365,7 +452,7 @@
           </ac:cxnSpMkLst>
         </pc:cxnChg>
         <pc:cxnChg chg="add mod">
-          <ac:chgData name="Guillaume GULLI" userId="S::guillaume.gulli@isen.yncrea.fr::1981c500-0edc-45d4-907a-9f77f1a48351" providerId="AD" clId="Web-{BE397840-2AE7-8A76-A020-1CD67F023FA0}" dt="2021-06-18T12:24:20.428" v="114" actId="1076"/>
+          <ac:chgData name="Guillaume GULLI" userId="S::guillaume.gulli@isen.yncrea.fr::1981c500-0edc-45d4-907a-9f77f1a48351" providerId="AD" clId="Web-{BE397840-2AE7-8A76-A020-1CD67F023FA0}" dt="2021-06-18T12:39:48.782" v="259" actId="14100"/>
           <ac:cxnSpMkLst>
             <pc:docMk/>
             <pc:sldMk cId="1097528585" sldId="261"/>
@@ -373,7 +460,7 @@
           </ac:cxnSpMkLst>
         </pc:cxnChg>
         <pc:cxnChg chg="add mod">
-          <ac:chgData name="Guillaume GULLI" userId="S::guillaume.gulli@isen.yncrea.fr::1981c500-0edc-45d4-907a-9f77f1a48351" providerId="AD" clId="Web-{BE397840-2AE7-8A76-A020-1CD67F023FA0}" dt="2021-06-18T12:22:43.910" v="97" actId="1076"/>
+          <ac:chgData name="Guillaume GULLI" userId="S::guillaume.gulli@isen.yncrea.fr::1981c500-0edc-45d4-907a-9f77f1a48351" providerId="AD" clId="Web-{BE397840-2AE7-8A76-A020-1CD67F023FA0}" dt="2021-06-18T12:42:55.522" v="293" actId="14100"/>
           <ac:cxnSpMkLst>
             <pc:docMk/>
             <pc:sldMk cId="1097528585" sldId="261"/>
@@ -410,6 +497,14 @@
             <pc:docMk/>
             <pc:sldMk cId="1097528585" sldId="261"/>
             <ac:cxnSpMk id="36" creationId="{2877DE54-E63F-4DD2-B13E-7A3FAAB9D685}"/>
+          </ac:cxnSpMkLst>
+        </pc:cxnChg>
+        <pc:cxnChg chg="add mod">
+          <ac:chgData name="Guillaume GULLI" userId="S::guillaume.gulli@isen.yncrea.fr::1981c500-0edc-45d4-907a-9f77f1a48351" providerId="AD" clId="Web-{BE397840-2AE7-8A76-A020-1CD67F023FA0}" dt="2021-06-18T12:42:32.630" v="290" actId="14100"/>
+          <ac:cxnSpMkLst>
+            <pc:docMk/>
+            <pc:sldMk cId="1097528585" sldId="261"/>
+            <ac:cxnSpMk id="54" creationId="{BFC3068B-BF6B-4773-82F4-8DA63F42B67A}"/>
           </ac:cxnSpMkLst>
         </pc:cxnChg>
       </pc:sldChg>
@@ -4300,7 +4395,7 @@
           <a:p>
             <a:pPr algn="ctr"/>
             <a:r>
-              <a:rPr lang="fr-FR" dirty="0" err="1">
+              <a:rPr lang="fr-FR" err="1">
                 <a:solidFill>
                   <a:schemeClr val="bg1">
                     <a:lumMod val="75000"/>
@@ -4309,7 +4404,7 @@
               </a:rPr>
               <a:t>username</a:t>
             </a:r>
-            <a:endParaRPr lang="fr-FR" dirty="0">
+            <a:endParaRPr lang="fr-FR">
               <a:solidFill>
                 <a:schemeClr val="bg1">
                   <a:lumMod val="75000"/>
@@ -4379,7 +4474,7 @@
           <a:p>
             <a:pPr algn="ctr"/>
             <a:r>
-              <a:rPr lang="fr-FR" dirty="0" err="1">
+              <a:rPr lang="fr-FR" err="1">
                 <a:solidFill>
                   <a:schemeClr val="bg1">
                     <a:lumMod val="75000"/>
@@ -4388,7 +4483,7 @@
               </a:rPr>
               <a:t>password</a:t>
             </a:r>
-            <a:endParaRPr lang="fr-FR" dirty="0">
+            <a:endParaRPr lang="fr-FR">
               <a:solidFill>
                 <a:schemeClr val="bg1">
                   <a:lumMod val="75000"/>
@@ -4506,7 +4601,7 @@
           <a:p>
             <a:pPr algn="ctr"/>
             <a:r>
-              <a:rPr lang="fr-FR" sz="3200" dirty="0">
+              <a:rPr lang="fr-FR" sz="3200">
                 <a:solidFill>
                   <a:schemeClr val="tx1">
                     <a:lumMod val="75000"/>
@@ -4517,7 +4612,7 @@
               <a:t>ISEN</a:t>
             </a:r>
             <a:r>
-              <a:rPr lang="fr-FR" sz="3200" b="1" dirty="0">
+              <a:rPr lang="fr-FR" sz="3200" b="1">
                 <a:solidFill>
                   <a:schemeClr val="tx1">
                     <a:lumMod val="75000"/>
@@ -4590,7 +4685,7 @@
             <a:p>
               <a:pPr algn="ctr"/>
               <a:r>
-                <a:rPr lang="fr-FR" b="1" dirty="0">
+                <a:rPr lang="fr-FR" b="1">
                   <a:solidFill>
                     <a:schemeClr val="tx1">
                       <a:lumMod val="75000"/>
@@ -4645,7 +4740,7 @@
             <a:p>
               <a:pPr algn="ctr"/>
               <a:r>
-                <a:rPr lang="fr-FR" b="1" dirty="0">
+                <a:rPr lang="fr-FR" b="1">
                   <a:solidFill>
                     <a:schemeClr val="tx1">
                       <a:lumMod val="75000"/>
@@ -4712,7 +4807,7 @@
             <a:lstStyle/>
             <a:p>
               <a:pPr algn="ctr"/>
-              <a:endParaRPr lang="fr-FR" dirty="0">
+              <a:endParaRPr lang="fr-FR">
                 <a:solidFill>
                   <a:schemeClr val="bg1"/>
                 </a:solidFill>
@@ -4891,7 +4986,7 @@
           <a:p>
             <a:pPr algn="ctr"/>
             <a:r>
-              <a:rPr lang="fr-FR" sz="3200" dirty="0">
+              <a:rPr lang="fr-FR" sz="3200">
                 <a:solidFill>
                   <a:schemeClr val="tx1">
                     <a:lumMod val="75000"/>
@@ -4902,7 +4997,7 @@
               <a:t>ISEN</a:t>
             </a:r>
             <a:r>
-              <a:rPr lang="fr-FR" sz="3200" b="1" dirty="0">
+              <a:rPr lang="fr-FR" sz="3200" b="1">
                 <a:solidFill>
                   <a:schemeClr val="tx1">
                     <a:lumMod val="75000"/>
@@ -4956,7 +5051,7 @@
           <a:p>
             <a:pPr algn="ctr"/>
             <a:r>
-              <a:rPr lang="fr-FR" b="1" dirty="0">
+              <a:rPr lang="fr-FR" b="1">
                 <a:solidFill>
                   <a:schemeClr val="tx1">
                     <a:lumMod val="75000"/>
@@ -5034,7 +5129,7 @@
             <a:p>
               <a:pPr algn="ctr"/>
               <a:r>
-                <a:rPr lang="fr-FR" b="1" dirty="0">
+                <a:rPr lang="fr-FR" b="1">
                   <a:solidFill>
                     <a:schemeClr val="tx1">
                       <a:lumMod val="75000"/>
@@ -5089,7 +5184,7 @@
             <a:p>
               <a:pPr algn="ctr"/>
               <a:r>
-                <a:rPr lang="fr-FR" b="1" dirty="0">
+                <a:rPr lang="fr-FR" b="1">
                   <a:solidFill>
                     <a:schemeClr val="tx1">
                       <a:lumMod val="75000"/>
@@ -5163,7 +5258,7 @@
           <a:p>
             <a:pPr algn="ctr"/>
             <a:r>
-              <a:rPr lang="fr-FR" dirty="0" err="1">
+              <a:rPr lang="fr-FR" err="1">
                 <a:solidFill>
                   <a:schemeClr val="bg1">
                     <a:lumMod val="75000"/>
@@ -5172,7 +5267,7 @@
               </a:rPr>
               <a:t>username</a:t>
             </a:r>
-            <a:endParaRPr lang="fr-FR" dirty="0">
+            <a:endParaRPr lang="fr-FR">
               <a:solidFill>
                 <a:schemeClr val="bg1">
                   <a:lumMod val="75000"/>
@@ -5242,7 +5337,7 @@
           <a:p>
             <a:pPr algn="ctr"/>
             <a:r>
-              <a:rPr lang="fr-FR" dirty="0" err="1">
+              <a:rPr lang="fr-FR" err="1">
                 <a:solidFill>
                   <a:schemeClr val="bg1">
                     <a:lumMod val="75000"/>
@@ -5251,7 +5346,7 @@
               </a:rPr>
               <a:t>password</a:t>
             </a:r>
-            <a:endParaRPr lang="fr-FR" dirty="0">
+            <a:endParaRPr lang="fr-FR">
               <a:solidFill>
                 <a:schemeClr val="bg1">
                   <a:lumMod val="75000"/>
@@ -5399,7 +5494,7 @@
           <a:p>
             <a:pPr algn="ctr"/>
             <a:r>
-              <a:rPr lang="fr-FR" dirty="0">
+              <a:rPr lang="fr-FR">
                 <a:solidFill>
                   <a:schemeClr val="bg1">
                     <a:lumMod val="75000"/>
@@ -5510,7 +5605,7 @@
           <a:p>
             <a:pPr algn="ctr"/>
             <a:r>
-              <a:rPr lang="fr-FR" dirty="0">
+              <a:rPr lang="fr-FR">
                 <a:solidFill>
                   <a:schemeClr val="bg1">
                     <a:lumMod val="75000"/>
@@ -5621,7 +5716,7 @@
           <a:p>
             <a:pPr algn="ctr"/>
             <a:r>
-              <a:rPr lang="fr-FR" dirty="0">
+              <a:rPr lang="fr-FR">
                 <a:solidFill>
                   <a:schemeClr val="bg1">
                     <a:lumMod val="75000"/>
@@ -5803,13 +5898,13 @@
             </a:pPr>
             <a:r>
               <a:rPr lang="fr-FR" sz="1100" dirty="0">
-                <a:effectLst/>
-                <a:latin typeface="Calibri" panose="020F0502020204030204" pitchFamily="34" charset="0"/>
+                <a:latin typeface="Calibri"/>
                 <a:ea typeface="Calibri" panose="020F0502020204030204" pitchFamily="34" charset="0"/>
-                <a:cs typeface="Times New Roman" panose="02020603050405020304" pitchFamily="18" charset="0"/>
+                <a:cs typeface="Times New Roman"/>
               </a:rPr>
-              <a:t>Utilisateur</a:t>
-            </a:r>
+              <a:t>User</a:t>
+            </a:r>
+            <a:endParaRPr lang="fr-FR" dirty="0"/>
           </a:p>
           <a:p>
             <a:pPr marL="171450" lvl="0" indent="-171450">
@@ -5889,24 +5984,21 @@
                 <a:spcPts val="800"/>
               </a:spcAft>
             </a:pPr>
-            <a:r>
-              <a:rPr lang="fr-FR" sz="1100" dirty="0">
-                <a:effectLst/>
-                <a:latin typeface="Calibri" panose="020F0502020204030204" pitchFamily="34" charset="0"/>
-                <a:ea typeface="Calibri" panose="020F0502020204030204" pitchFamily="34" charset="0"/>
-                <a:cs typeface="Times New Roman" panose="02020603050405020304" pitchFamily="18" charset="0"/>
-              </a:rPr>
-              <a:t> </a:t>
-            </a:r>
-          </a:p>
-        </p:txBody>
-      </p:sp>
-      <p:sp>
-        <p:nvSpPr>
-          <p:cNvPr id="8" name="Zone de texte 2">
-            <a:extLst>
-              <a:ext uri="{FF2B5EF4-FFF2-40B4-BE49-F238E27FC236}">
-                <a16:creationId xmlns:a16="http://schemas.microsoft.com/office/drawing/2014/main" id="{37DFE03D-5ACA-4A84-B936-B202CF6F8FEA}"/>
+            <a:endParaRPr lang="fr-FR" sz="1100" dirty="0">
+              <a:effectLst/>
+              <a:latin typeface="Calibri" panose="020F0502020204030204" pitchFamily="34" charset="0"/>
+              <a:ea typeface="Calibri" panose="020F0502020204030204" pitchFamily="34" charset="0"/>
+              <a:cs typeface="Times New Roman" panose="02020603050405020304" pitchFamily="18" charset="0"/>
+            </a:endParaRPr>
+          </a:p>
+        </p:txBody>
+      </p:sp>
+      <p:sp>
+        <p:nvSpPr>
+          <p:cNvPr id="13" name="Zone de texte 2">
+            <a:extLst>
+              <a:ext uri="{FF2B5EF4-FFF2-40B4-BE49-F238E27FC236}">
+                <a16:creationId xmlns:a16="http://schemas.microsoft.com/office/drawing/2014/main" id="{99F759E2-7D6F-454E-AA45-B325A2D14F02}"/>
               </a:ext>
             </a:extLst>
           </p:cNvPr>
@@ -5917,7 +6009,7 @@
         </p:nvSpPr>
         <p:spPr bwMode="auto">
           <a:xfrm>
-            <a:off x="2711342" y="3465847"/>
+            <a:off x="1861274" y="3465847"/>
             <a:ext cx="1440000" cy="1805948"/>
           </a:xfrm>
           <a:prstGeom prst="rect">
@@ -5951,54 +6043,83 @@
             </a:pPr>
             <a:r>
               <a:rPr lang="fr-FR" sz="1100" dirty="0">
-                <a:effectLst/>
-                <a:latin typeface="Calibri" panose="020F0502020204030204" pitchFamily="34" charset="0"/>
-                <a:ea typeface="Calibri" panose="020F0502020204030204" pitchFamily="34" charset="0"/>
-                <a:cs typeface="Times New Roman" panose="02020603050405020304" pitchFamily="18" charset="0"/>
+                <a:latin typeface="Calibri"/>
+                <a:cs typeface="Times New Roman"/>
               </a:rPr>
-              <a:t>Niveau</a:t>
-            </a:r>
+              <a:t>Marks</a:t>
+            </a:r>
+            <a:endParaRPr lang="fr-FR" dirty="0"/>
           </a:p>
           <a:p>
             <a:pPr marL="171450" indent="-171450">
-              <a:lnSpc>
-                <a:spcPct val="107000"/>
-              </a:lnSpc>
-              <a:spcAft>
-                <a:spcPts val="800"/>
-              </a:spcAft>
               <a:buFont typeface="Arial" panose="020B0604020202020204" pitchFamily="34" charset="0"/>
               <a:buChar char="•"/>
             </a:pPr>
             <a:r>
-              <a:rPr lang="fr-FR" sz="1100" u="heavy" dirty="0">
-                <a:effectLst/>
-                <a:latin typeface="Calibri" panose="020F0502020204030204" pitchFamily="34" charset="0"/>
+              <a:rPr lang="fr-FR" sz="1100" u="heavy" dirty="0" err="1">
+                <a:latin typeface="Calibri"/>
                 <a:ea typeface="Calibri" panose="020F0502020204030204" pitchFamily="34" charset="0"/>
-                <a:cs typeface="Times New Roman" panose="02020603050405020304" pitchFamily="18" charset="0"/>
+                <a:cs typeface="Times New Roman"/>
               </a:rPr>
-              <a:t>Niveau</a:t>
-            </a:r>
+              <a:t>title</a:t>
+            </a:r>
+            <a:endParaRPr lang="fr-FR" sz="1100" u="heavy">
+              <a:latin typeface="Calibri"/>
+              <a:ea typeface="Calibri" panose="020F0502020204030204" pitchFamily="34" charset="0"/>
+              <a:cs typeface="Times New Roman" panose="02020603050405020304" pitchFamily="18" charset="0"/>
+            </a:endParaRPr>
           </a:p>
           <a:p>
             <a:pPr marL="171450" indent="-171450">
-              <a:lnSpc>
-                <a:spcPct val="107000"/>
-              </a:lnSpc>
-              <a:spcAft>
-                <a:spcPts val="800"/>
-              </a:spcAft>
               <a:buFont typeface="Arial" panose="020B0604020202020204" pitchFamily="34" charset="0"/>
               <a:buChar char="•"/>
             </a:pPr>
             <a:r>
               <a:rPr lang="fr-FR" sz="1100" dirty="0">
-                <a:effectLst/>
-                <a:latin typeface="Calibri" panose="020F0502020204030204" pitchFamily="34" charset="0"/>
+                <a:latin typeface="Calibri"/>
                 <a:ea typeface="Calibri" panose="020F0502020204030204" pitchFamily="34" charset="0"/>
-                <a:cs typeface="Times New Roman" panose="02020603050405020304" pitchFamily="18" charset="0"/>
+                <a:cs typeface="Times New Roman"/>
               </a:rPr>
-              <a:t>Spécialité</a:t>
+              <a:t>mark</a:t>
+            </a:r>
+            <a:endParaRPr lang="fr-FR" sz="1100" dirty="0">
+              <a:effectLst/>
+              <a:latin typeface="Calibri"/>
+              <a:ea typeface="Calibri" panose="020F0502020204030204" pitchFamily="34" charset="0"/>
+              <a:cs typeface="Times New Roman" panose="02020603050405020304" pitchFamily="18" charset="0"/>
+            </a:endParaRPr>
+          </a:p>
+          <a:p>
+            <a:pPr marL="171450" indent="-171450">
+              <a:buFont typeface="Arial" panose="020B0604020202020204" pitchFamily="34" charset="0"/>
+              <a:buChar char="•"/>
+            </a:pPr>
+            <a:r>
+              <a:rPr lang="fr-FR" sz="1100" dirty="0">
+                <a:latin typeface="Calibri"/>
+                <a:ea typeface="Calibri" panose="020F0502020204030204" pitchFamily="34" charset="0"/>
+                <a:cs typeface="Times New Roman"/>
+              </a:rPr>
+              <a:t>id</a:t>
+            </a:r>
+            <a:endParaRPr lang="fr-FR" sz="1100" dirty="0">
+              <a:latin typeface="Calibri" panose="020F0502020204030204" pitchFamily="34" charset="0"/>
+              <a:ea typeface="Calibri" panose="020F0502020204030204" pitchFamily="34" charset="0"/>
+              <a:cs typeface="Times New Roman" panose="02020603050405020304" pitchFamily="18" charset="0"/>
+            </a:endParaRPr>
+          </a:p>
+          <a:p>
+            <a:pPr marL="171450" indent="-171450">
+              <a:buFont typeface="Arial" panose="020B0604020202020204" pitchFamily="34" charset="0"/>
+              <a:buChar char="•"/>
+            </a:pPr>
+            <a:r>
+              <a:rPr lang="fr-FR" sz="1100" dirty="0">
+                <a:latin typeface="Calibri"/>
+                <a:ea typeface="Calibri" panose="020F0502020204030204" pitchFamily="34" charset="0"/>
+                <a:cs typeface="Times New Roman"/>
+              </a:rPr>
+              <a:t>date</a:t>
             </a:r>
           </a:p>
           <a:p>
@@ -6018,24 +6139,21 @@
               </a:rPr>
               <a:t>username</a:t>
             </a:r>
-            <a:r>
-              <a:rPr lang="fr-FR" sz="1100" dirty="0">
-                <a:effectLst/>
-                <a:latin typeface="Calibri" panose="020F0502020204030204" pitchFamily="34" charset="0"/>
-                <a:ea typeface="Calibri" panose="020F0502020204030204" pitchFamily="34" charset="0"/>
-                <a:cs typeface="Times New Roman" panose="02020603050405020304" pitchFamily="18" charset="0"/>
-              </a:rPr>
-              <a:t> </a:t>
-            </a:r>
-          </a:p>
-        </p:txBody>
-      </p:sp>
-      <p:sp>
-        <p:nvSpPr>
-          <p:cNvPr id="13" name="Zone de texte 2">
-            <a:extLst>
-              <a:ext uri="{FF2B5EF4-FFF2-40B4-BE49-F238E27FC236}">
-                <a16:creationId xmlns:a16="http://schemas.microsoft.com/office/drawing/2014/main" id="{99F759E2-7D6F-454E-AA45-B325A2D14F02}"/>
+            <a:endParaRPr lang="fr-FR" sz="1100" dirty="0">
+              <a:effectLst/>
+              <a:latin typeface="Calibri" panose="020F0502020204030204" pitchFamily="34" charset="0"/>
+              <a:ea typeface="Calibri" panose="020F0502020204030204" pitchFamily="34" charset="0"/>
+              <a:cs typeface="Times New Roman" panose="02020603050405020304" pitchFamily="18" charset="0"/>
+            </a:endParaRPr>
+          </a:p>
+        </p:txBody>
+      </p:sp>
+      <p:sp>
+        <p:nvSpPr>
+          <p:cNvPr id="36" name="Zone de texte 2">
+            <a:extLst>
+              <a:ext uri="{FF2B5EF4-FFF2-40B4-BE49-F238E27FC236}">
+                <a16:creationId xmlns:a16="http://schemas.microsoft.com/office/drawing/2014/main" id="{DA762878-CDC5-4812-AD82-2AEEBA59F550}"/>
               </a:ext>
             </a:extLst>
           </p:cNvPr>
@@ -6046,8 +6164,8 @@
         </p:nvSpPr>
         <p:spPr bwMode="auto">
           <a:xfrm>
-            <a:off x="5375999" y="3465847"/>
-            <a:ext cx="1440000" cy="1805948"/>
+            <a:off x="8888381" y="3465846"/>
+            <a:ext cx="1440000" cy="1805949"/>
           </a:xfrm>
           <a:prstGeom prst="rect">
             <a:avLst/>
@@ -6085,64 +6203,7 @@
                 <a:ea typeface="Calibri" panose="020F0502020204030204" pitchFamily="34" charset="0"/>
                 <a:cs typeface="Times New Roman" panose="02020603050405020304" pitchFamily="18" charset="0"/>
               </a:rPr>
-              <a:t>Notes</a:t>
-            </a:r>
-          </a:p>
-          <a:p>
-            <a:pPr marL="171450" indent="-171450">
-              <a:buFont typeface="Arial" panose="020B0604020202020204" pitchFamily="34" charset="0"/>
-              <a:buChar char="•"/>
-            </a:pPr>
-            <a:r>
-              <a:rPr lang="fr-FR" sz="1100" u="heavy" dirty="0">
-                <a:latin typeface="Calibri" panose="020F0502020204030204" pitchFamily="34" charset="0"/>
-                <a:ea typeface="Calibri" panose="020F0502020204030204" pitchFamily="34" charset="0"/>
-                <a:cs typeface="Times New Roman" panose="02020603050405020304" pitchFamily="18" charset="0"/>
-              </a:rPr>
-              <a:t>Intitule</a:t>
-            </a:r>
-          </a:p>
-          <a:p>
-            <a:pPr marL="171450" indent="-171450">
-              <a:buFont typeface="Arial" panose="020B0604020202020204" pitchFamily="34" charset="0"/>
-              <a:buChar char="•"/>
-            </a:pPr>
-            <a:r>
-              <a:rPr lang="fr-FR" sz="1100" dirty="0">
-                <a:effectLst/>
-                <a:latin typeface="Calibri" panose="020F0502020204030204" pitchFamily="34" charset="0"/>
-                <a:ea typeface="Calibri" panose="020F0502020204030204" pitchFamily="34" charset="0"/>
-                <a:cs typeface="Times New Roman" panose="02020603050405020304" pitchFamily="18" charset="0"/>
-              </a:rPr>
-              <a:t>Note</a:t>
-            </a:r>
-          </a:p>
-          <a:p>
-            <a:pPr marL="171450" indent="-171450">
-              <a:buFont typeface="Arial" panose="020B0604020202020204" pitchFamily="34" charset="0"/>
-              <a:buChar char="•"/>
-            </a:pPr>
-            <a:r>
-              <a:rPr lang="fr-FR" sz="1100" dirty="0">
-                <a:latin typeface="Calibri" panose="020F0502020204030204" pitchFamily="34" charset="0"/>
-                <a:ea typeface="Calibri" panose="020F0502020204030204" pitchFamily="34" charset="0"/>
-                <a:cs typeface="Times New Roman" panose="02020603050405020304" pitchFamily="18" charset="0"/>
-              </a:rPr>
-              <a:t>Matière </a:t>
-            </a:r>
-          </a:p>
-          <a:p>
-            <a:pPr marL="171450" indent="-171450">
-              <a:buFont typeface="Arial" panose="020B0604020202020204" pitchFamily="34" charset="0"/>
-              <a:buChar char="•"/>
-            </a:pPr>
-            <a:r>
-              <a:rPr lang="fr-FR" sz="1100" dirty="0">
-                <a:latin typeface="Calibri" panose="020F0502020204030204" pitchFamily="34" charset="0"/>
-                <a:ea typeface="Calibri" panose="020F0502020204030204" pitchFamily="34" charset="0"/>
-                <a:cs typeface="Times New Roman" panose="02020603050405020304" pitchFamily="18" charset="0"/>
-              </a:rPr>
-              <a:t>Type</a:t>
+              <a:t>Planning</a:t>
             </a:r>
           </a:p>
           <a:p>
@@ -6154,80 +6215,19 @@
               <a:buChar char="•"/>
             </a:pPr>
             <a:r>
-              <a:rPr lang="fr-FR" sz="1100" u="dotted" dirty="0" err="1">
-                <a:effectLst/>
-                <a:latin typeface="Calibri" panose="020F0502020204030204" pitchFamily="34" charset="0"/>
+              <a:rPr lang="fr-FR" sz="1100" u="heavy" dirty="0" err="1">
+                <a:latin typeface="Calibri"/>
                 <a:ea typeface="Calibri" panose="020F0502020204030204" pitchFamily="34" charset="0"/>
-                <a:cs typeface="Times New Roman" panose="02020603050405020304" pitchFamily="18" charset="0"/>
+                <a:cs typeface="Times New Roman"/>
               </a:rPr>
-              <a:t>username</a:t>
-            </a:r>
-            <a:endParaRPr lang="fr-FR" sz="1100" dirty="0">
+              <a:t>subject</a:t>
+            </a:r>
+            <a:endParaRPr lang="fr-FR" sz="1100" u="heavy" dirty="0" err="1">
               <a:effectLst/>
-              <a:latin typeface="Calibri" panose="020F0502020204030204" pitchFamily="34" charset="0"/>
+              <a:latin typeface="Calibri"/>
               <a:ea typeface="Calibri" panose="020F0502020204030204" pitchFamily="34" charset="0"/>
               <a:cs typeface="Times New Roman" panose="02020603050405020304" pitchFamily="18" charset="0"/>
             </a:endParaRPr>
-          </a:p>
-        </p:txBody>
-      </p:sp>
-      <p:sp>
-        <p:nvSpPr>
-          <p:cNvPr id="36" name="Zone de texte 2">
-            <a:extLst>
-              <a:ext uri="{FF2B5EF4-FFF2-40B4-BE49-F238E27FC236}">
-                <a16:creationId xmlns:a16="http://schemas.microsoft.com/office/drawing/2014/main" id="{DA762878-CDC5-4812-AD82-2AEEBA59F550}"/>
-              </a:ext>
-            </a:extLst>
-          </p:cNvPr>
-          <p:cNvSpPr txBox="1">
-            <a:spLocks noChangeArrowheads="1"/>
-          </p:cNvSpPr>
-          <p:nvPr/>
-        </p:nvSpPr>
-        <p:spPr bwMode="auto">
-          <a:xfrm>
-            <a:off x="8040656" y="3465846"/>
-            <a:ext cx="1440000" cy="1805949"/>
-          </a:xfrm>
-          <a:prstGeom prst="rect">
-            <a:avLst/>
-          </a:prstGeom>
-          <a:solidFill>
-            <a:srgbClr val="FFFFFF"/>
-          </a:solidFill>
-          <a:ln w="9525">
-            <a:solidFill>
-              <a:srgbClr val="000000"/>
-            </a:solidFill>
-            <a:miter lim="800000"/>
-            <a:headEnd/>
-            <a:tailEnd/>
-          </a:ln>
-        </p:spPr>
-        <p:txBody>
-          <a:bodyPr rot="0" vert="horz" wrap="square" lIns="91440" tIns="45720" rIns="91440" bIns="45720" anchor="t" anchorCtr="0">
-            <a:noAutofit/>
-          </a:bodyPr>
-          <a:lstStyle/>
-          <a:p>
-            <a:pPr algn="ctr">
-              <a:lnSpc>
-                <a:spcPct val="107000"/>
-              </a:lnSpc>
-              <a:spcAft>
-                <a:spcPts val="800"/>
-              </a:spcAft>
-            </a:pPr>
-            <a:r>
-              <a:rPr lang="fr-FR" sz="1100" dirty="0">
-                <a:effectLst/>
-                <a:latin typeface="Calibri" panose="020F0502020204030204" pitchFamily="34" charset="0"/>
-                <a:ea typeface="Calibri" panose="020F0502020204030204" pitchFamily="34" charset="0"/>
-                <a:cs typeface="Times New Roman" panose="02020603050405020304" pitchFamily="18" charset="0"/>
-              </a:rPr>
-              <a:t>Planning</a:t>
-            </a:r>
           </a:p>
           <a:p>
             <a:pPr marL="171450" lvl="0" indent="-171450">
@@ -6238,16 +6238,16 @@
               <a:buChar char="•"/>
             </a:pPr>
             <a:r>
-              <a:rPr lang="fr-FR" sz="1100" u="heavy" dirty="0" err="1">
-                <a:latin typeface="Calibri" panose="020F0502020204030204" pitchFamily="34" charset="0"/>
+              <a:rPr lang="fr-FR" sz="1100" dirty="0" err="1">
+                <a:latin typeface="Calibri"/>
                 <a:ea typeface="Calibri" panose="020F0502020204030204" pitchFamily="34" charset="0"/>
-                <a:cs typeface="Times New Roman" panose="02020603050405020304" pitchFamily="18" charset="0"/>
+                <a:cs typeface="Times New Roman"/>
               </a:rPr>
-              <a:t>matiere</a:t>
-            </a:r>
-            <a:endParaRPr lang="fr-FR" sz="1100" u="heavy" dirty="0">
+              <a:t>teacher</a:t>
+            </a:r>
+            <a:endParaRPr lang="fr-FR" sz="1100" dirty="0" err="1">
               <a:effectLst/>
-              <a:latin typeface="Calibri" panose="020F0502020204030204" pitchFamily="34" charset="0"/>
+              <a:latin typeface="Calibri"/>
               <a:ea typeface="Calibri" panose="020F0502020204030204" pitchFamily="34" charset="0"/>
               <a:cs typeface="Times New Roman" panose="02020603050405020304" pitchFamily="18" charset="0"/>
             </a:endParaRPr>
@@ -6262,13 +6262,17 @@
             </a:pPr>
             <a:r>
               <a:rPr lang="fr-FR" sz="1100" dirty="0">
-                <a:effectLst/>
-                <a:latin typeface="Calibri" panose="020F0502020204030204" pitchFamily="34" charset="0"/>
+                <a:latin typeface="Calibri"/>
                 <a:ea typeface="Calibri" panose="020F0502020204030204" pitchFamily="34" charset="0"/>
-                <a:cs typeface="Times New Roman" panose="02020603050405020304" pitchFamily="18" charset="0"/>
+                <a:cs typeface="Times New Roman"/>
               </a:rPr>
-              <a:t>Professeur</a:t>
-            </a:r>
+              <a:t>room</a:t>
+            </a:r>
+            <a:endParaRPr lang="fr-FR" sz="1100" dirty="0">
+              <a:latin typeface="Calibri"/>
+              <a:ea typeface="Calibri" panose="020F0502020204030204" pitchFamily="34" charset="0"/>
+              <a:cs typeface="Times New Roman" panose="02020603050405020304" pitchFamily="18" charset="0"/>
+            </a:endParaRPr>
           </a:p>
           <a:p>
             <a:pPr marL="171450" lvl="0" indent="-171450">
@@ -6280,12 +6284,18 @@
             </a:pPr>
             <a:r>
               <a:rPr lang="fr-FR" sz="1100" dirty="0">
-                <a:latin typeface="Calibri" panose="020F0502020204030204" pitchFamily="34" charset="0"/>
+                <a:latin typeface="Calibri"/>
                 <a:ea typeface="Calibri" panose="020F0502020204030204" pitchFamily="34" charset="0"/>
-                <a:cs typeface="Times New Roman" panose="02020603050405020304" pitchFamily="18" charset="0"/>
+                <a:cs typeface="Times New Roman"/>
               </a:rPr>
-              <a:t>Salle</a:t>
-            </a:r>
+              <a:t>date</a:t>
+            </a:r>
+            <a:endParaRPr lang="fr-FR" sz="1100" dirty="0">
+              <a:effectLst/>
+              <a:latin typeface="Calibri"/>
+              <a:ea typeface="Calibri" panose="020F0502020204030204" pitchFamily="34" charset="0"/>
+              <a:cs typeface="Times New Roman" panose="02020603050405020304" pitchFamily="18" charset="0"/>
+            </a:endParaRPr>
           </a:p>
           <a:p>
             <a:pPr marL="171450" lvl="0" indent="-171450">
@@ -6297,13 +6307,18 @@
             </a:pPr>
             <a:r>
               <a:rPr lang="fr-FR" sz="1100" dirty="0">
-                <a:effectLst/>
-                <a:latin typeface="Calibri" panose="020F0502020204030204" pitchFamily="34" charset="0"/>
+                <a:latin typeface="Calibri"/>
                 <a:ea typeface="Calibri" panose="020F0502020204030204" pitchFamily="34" charset="0"/>
-                <a:cs typeface="Times New Roman" panose="02020603050405020304" pitchFamily="18" charset="0"/>
+                <a:cs typeface="Times New Roman"/>
               </a:rPr>
-              <a:t>Date</a:t>
-            </a:r>
+              <a:t>start</a:t>
+            </a:r>
+            <a:endParaRPr lang="fr-FR" sz="1100" dirty="0">
+              <a:effectLst/>
+              <a:latin typeface="Calibri"/>
+              <a:ea typeface="Calibri" panose="020F0502020204030204" pitchFamily="34" charset="0"/>
+              <a:cs typeface="Times New Roman" panose="02020603050405020304" pitchFamily="18" charset="0"/>
+            </a:endParaRPr>
           </a:p>
           <a:p>
             <a:pPr marL="171450" lvl="0" indent="-171450">
@@ -6314,19 +6329,36 @@
               <a:buChar char="•"/>
             </a:pPr>
             <a:r>
-              <a:rPr lang="fr-FR" sz="1100" dirty="0" err="1">
-                <a:latin typeface="Calibri" panose="020F0502020204030204" pitchFamily="34" charset="0"/>
+              <a:rPr lang="fr-FR" sz="1100" dirty="0">
+                <a:latin typeface="Calibri"/>
                 <a:ea typeface="Calibri" panose="020F0502020204030204" pitchFamily="34" charset="0"/>
-                <a:cs typeface="Times New Roman" panose="02020603050405020304" pitchFamily="18" charset="0"/>
+                <a:cs typeface="Times New Roman"/>
               </a:rPr>
-              <a:t>Heure_debut</a:t>
+              <a:t>end</a:t>
             </a:r>
             <a:endParaRPr lang="fr-FR" sz="1100" dirty="0">
               <a:effectLst/>
-              <a:latin typeface="Calibri" panose="020F0502020204030204" pitchFamily="34" charset="0"/>
+              <a:latin typeface="Calibri"/>
               <a:ea typeface="Calibri" panose="020F0502020204030204" pitchFamily="34" charset="0"/>
               <a:cs typeface="Times New Roman" panose="02020603050405020304" pitchFamily="18" charset="0"/>
             </a:endParaRPr>
+          </a:p>
+          <a:p>
+            <a:pPr marL="171450" indent="-171450">
+              <a:lnSpc>
+                <a:spcPct val="107000"/>
+              </a:lnSpc>
+              <a:buFont typeface="Arial" panose="020B0604020202020204" pitchFamily="34" charset="0"/>
+              <a:buChar char="•"/>
+            </a:pPr>
+            <a:r>
+              <a:rPr lang="fr-FR" sz="1100" dirty="0">
+                <a:latin typeface="Calibri"/>
+                <a:ea typeface="Calibri" panose="020F0502020204030204" pitchFamily="34" charset="0"/>
+                <a:cs typeface="Times New Roman"/>
+              </a:rPr>
+              <a:t>id</a:t>
+            </a:r>
           </a:p>
           <a:p>
             <a:pPr marL="171450" lvl="0" indent="-171450">
@@ -6337,29 +6369,6 @@
               <a:buChar char="•"/>
             </a:pPr>
             <a:r>
-              <a:rPr lang="fr-FR" sz="1100" dirty="0" err="1">
-                <a:latin typeface="Calibri" panose="020F0502020204030204" pitchFamily="34" charset="0"/>
-                <a:ea typeface="Calibri" panose="020F0502020204030204" pitchFamily="34" charset="0"/>
-                <a:cs typeface="Times New Roman" panose="02020603050405020304" pitchFamily="18" charset="0"/>
-              </a:rPr>
-              <a:t>heure_fin</a:t>
-            </a:r>
-            <a:endParaRPr lang="fr-FR" sz="1100" dirty="0">
-              <a:effectLst/>
-              <a:latin typeface="Calibri" panose="020F0502020204030204" pitchFamily="34" charset="0"/>
-              <a:ea typeface="Calibri" panose="020F0502020204030204" pitchFamily="34" charset="0"/>
-              <a:cs typeface="Times New Roman" panose="02020603050405020304" pitchFamily="18" charset="0"/>
-            </a:endParaRPr>
-          </a:p>
-          <a:p>
-            <a:pPr marL="171450" lvl="0" indent="-171450">
-              <a:lnSpc>
-                <a:spcPct val="107000"/>
-              </a:lnSpc>
-              <a:buFont typeface="Arial" panose="020B0604020202020204" pitchFamily="34" charset="0"/>
-              <a:buChar char="•"/>
-            </a:pPr>
-            <a:r>
               <a:rPr lang="fr-FR" sz="1100" u="dotted" dirty="0" err="1">
                 <a:effectLst/>
                 <a:latin typeface="Calibri" panose="020F0502020204030204" pitchFamily="34" charset="0"/>
@@ -6376,10 +6385,438 @@
           </a:p>
         </p:txBody>
       </p:sp>
+      <p:sp>
+        <p:nvSpPr>
+          <p:cNvPr id="2" name="Ellipse 1">
+            <a:extLst>
+              <a:ext uri="{FF2B5EF4-FFF2-40B4-BE49-F238E27FC236}">
+                <a16:creationId xmlns:a16="http://schemas.microsoft.com/office/drawing/2014/main" id="{249F7FEC-8147-4BC8-B597-4CB454C7AB92}"/>
+              </a:ext>
+            </a:extLst>
+          </p:cNvPr>
+          <p:cNvSpPr/>
+          <p:nvPr/>
+        </p:nvSpPr>
+        <p:spPr>
+          <a:xfrm>
+            <a:off x="1609725" y="1000125"/>
+            <a:ext cx="1943100" cy="1200150"/>
+          </a:xfrm>
+          <a:prstGeom prst="ellipse">
+            <a:avLst/>
+          </a:prstGeom>
+          <a:solidFill>
+            <a:srgbClr val="94DCCB"/>
+          </a:solidFill>
+        </p:spPr>
+        <p:style>
+          <a:lnRef idx="2">
+            <a:schemeClr val="accent1">
+              <a:shade val="50000"/>
+            </a:schemeClr>
+          </a:lnRef>
+          <a:fillRef idx="1">
+            <a:schemeClr val="accent1"/>
+          </a:fillRef>
+          <a:effectRef idx="0">
+            <a:schemeClr val="accent1"/>
+          </a:effectRef>
+          <a:fontRef idx="minor">
+            <a:schemeClr val="lt1"/>
+          </a:fontRef>
+        </p:style>
+        <p:txBody>
+          <a:bodyPr rtlCol="0" anchor="ctr"/>
+          <a:lstStyle/>
+          <a:p>
+            <a:pPr algn="ctr"/>
+            <a:r>
+              <a:rPr lang="fr-CA" dirty="0">
+                <a:solidFill>
+                  <a:schemeClr val="tx1"/>
+                </a:solidFill>
+                <a:cs typeface="Calibri"/>
+              </a:rPr>
+              <a:t>Obtenir</a:t>
+            </a:r>
+          </a:p>
+        </p:txBody>
+      </p:sp>
+      <p:sp>
+        <p:nvSpPr>
+          <p:cNvPr id="10" name="Ellipse 9">
+            <a:extLst>
+              <a:ext uri="{FF2B5EF4-FFF2-40B4-BE49-F238E27FC236}">
+                <a16:creationId xmlns:a16="http://schemas.microsoft.com/office/drawing/2014/main" id="{45469E6A-666F-4096-83B5-99CDA6392B53}"/>
+              </a:ext>
+            </a:extLst>
+          </p:cNvPr>
+          <p:cNvSpPr/>
+          <p:nvPr/>
+        </p:nvSpPr>
+        <p:spPr>
+          <a:xfrm>
+            <a:off x="8639174" y="1000125"/>
+            <a:ext cx="1943100" cy="1200150"/>
+          </a:xfrm>
+          <a:prstGeom prst="ellipse">
+            <a:avLst/>
+          </a:prstGeom>
+          <a:solidFill>
+            <a:srgbClr val="94DCCB"/>
+          </a:solidFill>
+        </p:spPr>
+        <p:style>
+          <a:lnRef idx="2">
+            <a:schemeClr val="accent1">
+              <a:shade val="50000"/>
+            </a:schemeClr>
+          </a:lnRef>
+          <a:fillRef idx="1">
+            <a:schemeClr val="accent1"/>
+          </a:fillRef>
+          <a:effectRef idx="0">
+            <a:schemeClr val="accent1"/>
+          </a:effectRef>
+          <a:fontRef idx="minor">
+            <a:schemeClr val="lt1"/>
+          </a:fontRef>
+        </p:style>
+        <p:txBody>
+          <a:bodyPr lIns="91440" tIns="45720" rIns="91440" bIns="45720" rtlCol="0" anchor="ctr"/>
+          <a:lstStyle/>
+          <a:p>
+            <a:pPr algn="ctr"/>
+            <a:r>
+              <a:rPr lang="fr-CA" dirty="0">
+                <a:solidFill>
+                  <a:schemeClr val="tx1"/>
+                </a:solidFill>
+                <a:cs typeface="Calibri"/>
+              </a:rPr>
+              <a:t>Posséder</a:t>
+            </a:r>
+          </a:p>
+        </p:txBody>
+      </p:sp>
+      <p:cxnSp>
+        <p:nvCxnSpPr>
+          <p:cNvPr id="3" name="Connecteur droit avec flèche 2">
+            <a:extLst>
+              <a:ext uri="{FF2B5EF4-FFF2-40B4-BE49-F238E27FC236}">
+                <a16:creationId xmlns:a16="http://schemas.microsoft.com/office/drawing/2014/main" id="{DC8B4E1B-DA99-4E6F-9F0E-F3814BADE0E2}"/>
+              </a:ext>
+            </a:extLst>
+          </p:cNvPr>
+          <p:cNvCxnSpPr/>
+          <p:nvPr/>
+        </p:nvCxnSpPr>
+        <p:spPr>
+          <a:xfrm>
+            <a:off x="6819900" y="1600200"/>
+            <a:ext cx="1819275" cy="9525"/>
+          </a:xfrm>
+          <a:prstGeom prst="straightConnector1">
+            <a:avLst/>
+          </a:prstGeom>
+        </p:spPr>
+        <p:style>
+          <a:lnRef idx="1">
+            <a:schemeClr val="dk1"/>
+          </a:lnRef>
+          <a:fillRef idx="0">
+            <a:schemeClr val="dk1"/>
+          </a:fillRef>
+          <a:effectRef idx="0">
+            <a:schemeClr val="dk1"/>
+          </a:effectRef>
+          <a:fontRef idx="minor">
+            <a:schemeClr val="tx1"/>
+          </a:fontRef>
+        </p:style>
+      </p:cxnSp>
+      <p:cxnSp>
+        <p:nvCxnSpPr>
+          <p:cNvPr id="11" name="Connecteur droit avec flèche 10">
+            <a:extLst>
+              <a:ext uri="{FF2B5EF4-FFF2-40B4-BE49-F238E27FC236}">
+                <a16:creationId xmlns:a16="http://schemas.microsoft.com/office/drawing/2014/main" id="{2620ABF6-2469-4819-B334-C8691A259289}"/>
+              </a:ext>
+            </a:extLst>
+          </p:cNvPr>
+          <p:cNvCxnSpPr>
+            <a:cxnSpLocks/>
+          </p:cNvCxnSpPr>
+          <p:nvPr/>
+        </p:nvCxnSpPr>
+        <p:spPr>
+          <a:xfrm>
+            <a:off x="3552825" y="1600200"/>
+            <a:ext cx="1819275" cy="9525"/>
+          </a:xfrm>
+          <a:prstGeom prst="straightConnector1">
+            <a:avLst/>
+          </a:prstGeom>
+        </p:spPr>
+        <p:style>
+          <a:lnRef idx="1">
+            <a:schemeClr val="dk1"/>
+          </a:lnRef>
+          <a:fillRef idx="0">
+            <a:schemeClr val="dk1"/>
+          </a:fillRef>
+          <a:effectRef idx="0">
+            <a:schemeClr val="dk1"/>
+          </a:effectRef>
+          <a:fontRef idx="minor">
+            <a:schemeClr val="tx1"/>
+          </a:fontRef>
+        </p:style>
+      </p:cxnSp>
+      <p:cxnSp>
+        <p:nvCxnSpPr>
+          <p:cNvPr id="12" name="Connecteur droit avec flèche 11">
+            <a:extLst>
+              <a:ext uri="{FF2B5EF4-FFF2-40B4-BE49-F238E27FC236}">
+                <a16:creationId xmlns:a16="http://schemas.microsoft.com/office/drawing/2014/main" id="{79428F22-5AF7-4248-943F-EBDF6E207B57}"/>
+              </a:ext>
+            </a:extLst>
+          </p:cNvPr>
+          <p:cNvCxnSpPr>
+            <a:cxnSpLocks/>
+          </p:cNvCxnSpPr>
+          <p:nvPr/>
+        </p:nvCxnSpPr>
+        <p:spPr>
+          <a:xfrm flipH="1" flipV="1">
+            <a:off x="9639300" y="2209800"/>
+            <a:ext cx="9525" cy="1247775"/>
+          </a:xfrm>
+          <a:prstGeom prst="straightConnector1">
+            <a:avLst/>
+          </a:prstGeom>
+        </p:spPr>
+        <p:style>
+          <a:lnRef idx="1">
+            <a:schemeClr val="dk1"/>
+          </a:lnRef>
+          <a:fillRef idx="0">
+            <a:schemeClr val="dk1"/>
+          </a:fillRef>
+          <a:effectRef idx="0">
+            <a:schemeClr val="dk1"/>
+          </a:effectRef>
+          <a:fontRef idx="minor">
+            <a:schemeClr val="tx1"/>
+          </a:fontRef>
+        </p:style>
+      </p:cxnSp>
+      <p:cxnSp>
+        <p:nvCxnSpPr>
+          <p:cNvPr id="14" name="Connecteur droit avec flèche 13">
+            <a:extLst>
+              <a:ext uri="{FF2B5EF4-FFF2-40B4-BE49-F238E27FC236}">
+                <a16:creationId xmlns:a16="http://schemas.microsoft.com/office/drawing/2014/main" id="{76AFD5ED-273B-4671-B620-947693BA8583}"/>
+              </a:ext>
+            </a:extLst>
+          </p:cNvPr>
+          <p:cNvCxnSpPr>
+            <a:cxnSpLocks/>
+          </p:cNvCxnSpPr>
+          <p:nvPr/>
+        </p:nvCxnSpPr>
+        <p:spPr>
+          <a:xfrm flipV="1">
+            <a:off x="2581274" y="2200275"/>
+            <a:ext cx="9525" cy="1266825"/>
+          </a:xfrm>
+          <a:prstGeom prst="straightConnector1">
+            <a:avLst/>
+          </a:prstGeom>
+        </p:spPr>
+        <p:style>
+          <a:lnRef idx="1">
+            <a:schemeClr val="dk1"/>
+          </a:lnRef>
+          <a:fillRef idx="0">
+            <a:schemeClr val="dk1"/>
+          </a:fillRef>
+          <a:effectRef idx="0">
+            <a:schemeClr val="dk1"/>
+          </a:effectRef>
+          <a:fontRef idx="minor">
+            <a:schemeClr val="tx1"/>
+          </a:fontRef>
+        </p:style>
+      </p:cxnSp>
+      <p:sp>
+        <p:nvSpPr>
+          <p:cNvPr id="4" name="ZoneTexte 3">
+            <a:extLst>
+              <a:ext uri="{FF2B5EF4-FFF2-40B4-BE49-F238E27FC236}">
+                <a16:creationId xmlns:a16="http://schemas.microsoft.com/office/drawing/2014/main" id="{27F62C65-47DE-4919-A57B-697111F728D2}"/>
+              </a:ext>
+            </a:extLst>
+          </p:cNvPr>
+          <p:cNvSpPr txBox="1"/>
+          <p:nvPr/>
+        </p:nvSpPr>
+        <p:spPr>
+          <a:xfrm>
+            <a:off x="4848225" y="1285875"/>
+            <a:ext cx="676275" cy="369332"/>
+          </a:xfrm>
+          <a:prstGeom prst="rect">
+            <a:avLst/>
+          </a:prstGeom>
+          <a:noFill/>
+        </p:spPr>
+        <p:txBody>
+          <a:bodyPr rot="0" spcFirstLastPara="0" vertOverflow="overflow" horzOverflow="overflow" vert="horz" wrap="square" lIns="91440" tIns="45720" rIns="91440" bIns="45720" numCol="1" spcCol="0" rtlCol="0" fromWordArt="0" anchor="t" anchorCtr="0" forceAA="0" compatLnSpc="1">
+            <a:prstTxWarp prst="textNoShape">
+              <a:avLst/>
+            </a:prstTxWarp>
+            <a:spAutoFit/>
+          </a:bodyPr>
+          <a:lstStyle/>
+          <a:p>
+            <a:pPr algn="l"/>
+            <a:r>
+              <a:rPr lang="fr-CA" dirty="0">
+                <a:cs typeface="Calibri"/>
+              </a:rPr>
+              <a:t>0,n</a:t>
+            </a:r>
+          </a:p>
+        </p:txBody>
+      </p:sp>
+      <p:sp>
+        <p:nvSpPr>
+          <p:cNvPr id="15" name="ZoneTexte 14">
+            <a:extLst>
+              <a:ext uri="{FF2B5EF4-FFF2-40B4-BE49-F238E27FC236}">
+                <a16:creationId xmlns:a16="http://schemas.microsoft.com/office/drawing/2014/main" id="{8D337154-727B-4C42-BE48-953F3805EEB6}"/>
+              </a:ext>
+            </a:extLst>
+          </p:cNvPr>
+          <p:cNvSpPr txBox="1"/>
+          <p:nvPr/>
+        </p:nvSpPr>
+        <p:spPr>
+          <a:xfrm>
+            <a:off x="2581275" y="3057525"/>
+            <a:ext cx="676275" cy="369332"/>
+          </a:xfrm>
+          <a:prstGeom prst="rect">
+            <a:avLst/>
+          </a:prstGeom>
+          <a:noFill/>
+        </p:spPr>
+        <p:txBody>
+          <a:bodyPr rot="0" spcFirstLastPara="0" vertOverflow="overflow" horzOverflow="overflow" vert="horz" wrap="square" lIns="91440" tIns="45720" rIns="91440" bIns="45720" numCol="1" spcCol="0" rtlCol="0" fromWordArt="0" anchor="t" anchorCtr="0" forceAA="0" compatLnSpc="1">
+            <a:prstTxWarp prst="textNoShape">
+              <a:avLst/>
+            </a:prstTxWarp>
+            <a:spAutoFit/>
+          </a:bodyPr>
+          <a:lstStyle/>
+          <a:p>
+            <a:pPr algn="l"/>
+            <a:r>
+              <a:rPr lang="fr-CA" dirty="0">
+                <a:cs typeface="Calibri"/>
+              </a:rPr>
+              <a:t>1,1</a:t>
+            </a:r>
+          </a:p>
+        </p:txBody>
+      </p:sp>
+      <p:sp>
+        <p:nvSpPr>
+          <p:cNvPr id="16" name="ZoneTexte 15">
+            <a:extLst>
+              <a:ext uri="{FF2B5EF4-FFF2-40B4-BE49-F238E27FC236}">
+                <a16:creationId xmlns:a16="http://schemas.microsoft.com/office/drawing/2014/main" id="{81428290-8AB6-4E96-87C3-502EA0DEE789}"/>
+              </a:ext>
+            </a:extLst>
+          </p:cNvPr>
+          <p:cNvSpPr txBox="1"/>
+          <p:nvPr/>
+        </p:nvSpPr>
+        <p:spPr>
+          <a:xfrm>
+            <a:off x="8963025" y="3057525"/>
+            <a:ext cx="676275" cy="369332"/>
+          </a:xfrm>
+          <a:prstGeom prst="rect">
+            <a:avLst/>
+          </a:prstGeom>
+          <a:noFill/>
+        </p:spPr>
+        <p:txBody>
+          <a:bodyPr rot="0" spcFirstLastPara="0" vertOverflow="overflow" horzOverflow="overflow" vert="horz" wrap="square" lIns="91440" tIns="45720" rIns="91440" bIns="45720" numCol="1" spcCol="0" rtlCol="0" fromWordArt="0" anchor="t" anchorCtr="0" forceAA="0" compatLnSpc="1">
+            <a:prstTxWarp prst="textNoShape">
+              <a:avLst/>
+            </a:prstTxWarp>
+            <a:spAutoFit/>
+          </a:bodyPr>
+          <a:lstStyle/>
+          <a:p>
+            <a:pPr algn="l"/>
+            <a:r>
+              <a:rPr lang="fr-CA" dirty="0">
+                <a:cs typeface="Calibri"/>
+              </a:rPr>
+              <a:t>1,n</a:t>
+            </a:r>
+          </a:p>
+        </p:txBody>
+      </p:sp>
+      <p:sp>
+        <p:nvSpPr>
+          <p:cNvPr id="17" name="ZoneTexte 16">
+            <a:extLst>
+              <a:ext uri="{FF2B5EF4-FFF2-40B4-BE49-F238E27FC236}">
+                <a16:creationId xmlns:a16="http://schemas.microsoft.com/office/drawing/2014/main" id="{91405845-7A33-41A4-952D-53010A26B424}"/>
+              </a:ext>
+            </a:extLst>
+          </p:cNvPr>
+          <p:cNvSpPr txBox="1"/>
+          <p:nvPr/>
+        </p:nvSpPr>
+        <p:spPr>
+          <a:xfrm>
+            <a:off x="6905625" y="1285875"/>
+            <a:ext cx="676275" cy="369332"/>
+          </a:xfrm>
+          <a:prstGeom prst="rect">
+            <a:avLst/>
+          </a:prstGeom>
+          <a:noFill/>
+        </p:spPr>
+        <p:txBody>
+          <a:bodyPr rot="0" spcFirstLastPara="0" vertOverflow="overflow" horzOverflow="overflow" vert="horz" wrap="square" lIns="91440" tIns="45720" rIns="91440" bIns="45720" numCol="1" spcCol="0" rtlCol="0" fromWordArt="0" anchor="t" anchorCtr="0" forceAA="0" compatLnSpc="1">
+            <a:prstTxWarp prst="textNoShape">
+              <a:avLst/>
+            </a:prstTxWarp>
+            <a:spAutoFit/>
+          </a:bodyPr>
+          <a:lstStyle/>
+          <a:p>
+            <a:pPr algn="l"/>
+            <a:r>
+              <a:rPr lang="fr-CA" dirty="0">
+                <a:cs typeface="Calibri"/>
+              </a:rPr>
+              <a:t>1,1</a:t>
+            </a:r>
+          </a:p>
+        </p:txBody>
+      </p:sp>
     </p:spTree>
     <p:extLst>
       <p:ext uri="{BB962C8B-B14F-4D97-AF65-F5344CB8AC3E}">
-        <p14:creationId xmlns:p14="http://schemas.microsoft.com/office/powerpoint/2010/main" val="751187635"/>
+        <p14:creationId xmlns:p14="http://schemas.microsoft.com/office/powerpoint/2010/main" val="2802110099"/>
       </p:ext>
     </p:extLst>
   </p:cSld>
@@ -6695,14 +7132,14 @@
           <a:p>
             <a:pPr algn="ctr"/>
             <a:r>
-              <a:rPr lang="fr-FR" dirty="0"/>
+              <a:rPr lang="fr-FR"/>
               <a:t>Connexion sur </a:t>
             </a:r>
             <a:r>
-              <a:rPr lang="fr-FR" dirty="0" err="1"/>
+              <a:rPr lang="fr-FR" err="1"/>
               <a:t>Aurion</a:t>
             </a:r>
-            <a:endParaRPr lang="fr-FR" dirty="0"/>
+            <a:endParaRPr lang="fr-FR"/>
           </a:p>
         </p:txBody>
       </p:sp>
@@ -6736,7 +7173,7 @@
           <a:p>
             <a:pPr algn="ctr"/>
             <a:r>
-              <a:rPr lang="fr-FR" dirty="0"/>
+              <a:rPr lang="fr-FR"/>
               <a:t>Récupération et traitement des données</a:t>
             </a:r>
           </a:p>
@@ -6772,7 +7209,7 @@
           <a:p>
             <a:pPr algn="ctr"/>
             <a:r>
-              <a:rPr lang="fr-FR" dirty="0"/>
+              <a:rPr lang="fr-FR"/>
               <a:t>Enregistrement de ces dernières dans la base de données</a:t>
             </a:r>
           </a:p>
@@ -6994,8 +7431,8 @@
         </p:blipFill>
         <p:spPr>
           <a:xfrm>
-            <a:off x="4831784" y="4972702"/>
-            <a:ext cx="1185797" cy="1206673"/>
+            <a:off x="4831784" y="5004017"/>
+            <a:ext cx="1185797" cy="1144043"/>
           </a:xfrm>
           <a:prstGeom prst="rect">
             <a:avLst/>
@@ -7030,7 +7467,7 @@
         </p:blipFill>
         <p:spPr>
           <a:xfrm>
-            <a:off x="9807618" y="4979878"/>
+            <a:off x="7866084" y="4969440"/>
             <a:ext cx="1185797" cy="1206673"/>
           </a:xfrm>
           <a:prstGeom prst="rect">
@@ -7066,7 +7503,7 @@
         </p:blipFill>
         <p:spPr>
           <a:xfrm>
-            <a:off x="837156" y="5049034"/>
+            <a:off x="837156" y="5007281"/>
             <a:ext cx="1123167" cy="1144043"/>
           </a:xfrm>
           <a:prstGeom prst="rect">
@@ -7088,8 +7525,8 @@
         </p:nvCxnSpPr>
         <p:spPr>
           <a:xfrm>
-            <a:off x="687234" y="4556342"/>
-            <a:ext cx="1794793" cy="0"/>
+            <a:off x="4486796" y="4044863"/>
+            <a:ext cx="803149" cy="918574"/>
           </a:xfrm>
           <a:prstGeom prst="straightConnector1">
             <a:avLst/>
@@ -7129,9 +7566,9 @@
           <p:nvPr/>
         </p:nvCxnSpPr>
         <p:spPr>
-          <a:xfrm>
-            <a:off x="2812484" y="1806879"/>
-            <a:ext cx="1794793" cy="0"/>
+          <a:xfrm flipH="1">
+            <a:off x="3542565" y="1180578"/>
+            <a:ext cx="1900384" cy="1503122"/>
           </a:xfrm>
           <a:prstGeom prst="straightConnector1">
             <a:avLst/>
@@ -7171,51 +7608,9 @@
           <p:nvPr/>
         </p:nvCxnSpPr>
         <p:spPr>
-          <a:xfrm>
-            <a:off x="501432" y="3723361"/>
-            <a:ext cx="1794793" cy="0"/>
-          </a:xfrm>
-          <a:prstGeom prst="straightConnector1">
-            <a:avLst/>
-          </a:prstGeom>
-          <a:ln w="38100">
-            <a:solidFill>
-              <a:srgbClr val="3AB395"/>
-            </a:solidFill>
-            <a:tailEnd type="triangle"/>
-          </a:ln>
-        </p:spPr>
-        <p:style>
-          <a:lnRef idx="1">
-            <a:schemeClr val="accent1"/>
-          </a:lnRef>
-          <a:fillRef idx="0">
-            <a:schemeClr val="accent1"/>
-          </a:fillRef>
-          <a:effectRef idx="0">
-            <a:schemeClr val="accent1"/>
-          </a:effectRef>
-          <a:fontRef idx="minor">
-            <a:schemeClr val="tx1"/>
-          </a:fontRef>
-        </p:style>
-      </p:cxnSp>
-      <p:cxnSp>
-        <p:nvCxnSpPr>
-          <p:cNvPr id="24" name="Connecteur droit avec flèche 23">
-            <a:extLst>
-              <a:ext uri="{FF2B5EF4-FFF2-40B4-BE49-F238E27FC236}">
-                <a16:creationId xmlns:a16="http://schemas.microsoft.com/office/drawing/2014/main" id="{64880194-0E88-425B-AEEF-BA27B35F656B}"/>
-              </a:ext>
-            </a:extLst>
-          </p:cNvPr>
-          <p:cNvCxnSpPr/>
-          <p:nvPr/>
-        </p:nvCxnSpPr>
-        <p:spPr>
-          <a:xfrm>
-            <a:off x="7971119" y="1986419"/>
-            <a:ext cx="1794793" cy="0"/>
+          <a:xfrm flipH="1">
+            <a:off x="3444445" y="4495799"/>
+            <a:ext cx="11041" cy="501041"/>
           </a:xfrm>
           <a:prstGeom prst="straightConnector1">
             <a:avLst/>
@@ -7255,9 +7650,9 @@
           <p:nvPr/>
         </p:nvCxnSpPr>
         <p:spPr>
-          <a:xfrm>
-            <a:off x="503520" y="4059477"/>
-            <a:ext cx="1794793" cy="0"/>
+          <a:xfrm flipH="1">
+            <a:off x="1598944" y="4028162"/>
+            <a:ext cx="940055" cy="939452"/>
           </a:xfrm>
           <a:prstGeom prst="straightConnector1">
             <a:avLst/>
@@ -7298,8 +7693,8 @@
         </p:nvCxnSpPr>
         <p:spPr>
           <a:xfrm>
-            <a:off x="8192413" y="1007301"/>
-            <a:ext cx="1794793" cy="0"/>
+            <a:off x="6751920" y="1184753"/>
+            <a:ext cx="1721725" cy="1513562"/>
           </a:xfrm>
           <a:prstGeom prst="straightConnector1">
             <a:avLst/>
@@ -7367,10 +7762,10 @@
       </p:pic>
       <p:sp>
         <p:nvSpPr>
-          <p:cNvPr id="39" name="ZoneTexte 38">
-            <a:extLst>
-              <a:ext uri="{FF2B5EF4-FFF2-40B4-BE49-F238E27FC236}">
-                <a16:creationId xmlns:a16="http://schemas.microsoft.com/office/drawing/2014/main" id="{35A58D95-B69A-4B33-BA31-207A6A5BDDB3}"/>
+          <p:cNvPr id="44" name="ZoneTexte 43">
+            <a:extLst>
+              <a:ext uri="{FF2B5EF4-FFF2-40B4-BE49-F238E27FC236}">
+                <a16:creationId xmlns:a16="http://schemas.microsoft.com/office/drawing/2014/main" id="{D7AD82F6-38E5-46B5-838B-EFD5701026C7}"/>
               </a:ext>
             </a:extLst>
           </p:cNvPr>
@@ -7379,8 +7774,8 @@
         </p:nvSpPr>
         <p:spPr>
           <a:xfrm>
-            <a:off x="5016674" y="3127332"/>
-            <a:ext cx="2743199" cy="646331"/>
+            <a:off x="4546947" y="6091824"/>
+            <a:ext cx="1751556" cy="369332"/>
           </a:xfrm>
           <a:prstGeom prst="rect">
             <a:avLst/>
@@ -7396,20 +7791,21 @@
           </a:bodyPr>
           <a:lstStyle/>
           <a:p>
-            <a:pPr algn="l"/>
-            <a:r>
-              <a:rPr lang="fr-CA"/>
-              <a:t>Cliquez pour ajouter du texte</a:t>
-            </a:r>
-          </a:p>
-        </p:txBody>
-      </p:sp>
-      <p:sp>
-        <p:nvSpPr>
-          <p:cNvPr id="44" name="ZoneTexte 43">
-            <a:extLst>
-              <a:ext uri="{FF2B5EF4-FFF2-40B4-BE49-F238E27FC236}">
-                <a16:creationId xmlns:a16="http://schemas.microsoft.com/office/drawing/2014/main" id="{D7AD82F6-38E5-46B5-838B-EFD5701026C7}"/>
+            <a:r>
+              <a:rPr lang="fr-CA">
+                <a:cs typeface="Calibri"/>
+              </a:rPr>
+              <a:t>Assistant textuel</a:t>
+            </a:r>
+          </a:p>
+        </p:txBody>
+      </p:sp>
+      <p:sp>
+        <p:nvSpPr>
+          <p:cNvPr id="45" name="ZoneTexte 44">
+            <a:extLst>
+              <a:ext uri="{FF2B5EF4-FFF2-40B4-BE49-F238E27FC236}">
+                <a16:creationId xmlns:a16="http://schemas.microsoft.com/office/drawing/2014/main" id="{B6532C3D-1E94-48F4-92D3-FF1FEB77DF7C}"/>
               </a:ext>
             </a:extLst>
           </p:cNvPr>
@@ -7418,8 +7814,8 @@
         </p:nvSpPr>
         <p:spPr>
           <a:xfrm>
-            <a:off x="4546947" y="6091824"/>
-            <a:ext cx="1751556" cy="369332"/>
+            <a:off x="2594974" y="6091824"/>
+            <a:ext cx="1615857" cy="369332"/>
           </a:xfrm>
           <a:prstGeom prst="rect">
             <a:avLst/>
@@ -7439,17 +7835,17 @@
               <a:rPr lang="fr-CA">
                 <a:cs typeface="Calibri"/>
               </a:rPr>
-              <a:t>Assistant textuel</a:t>
-            </a:r>
-          </a:p>
-        </p:txBody>
-      </p:sp>
-      <p:sp>
-        <p:nvSpPr>
-          <p:cNvPr id="45" name="ZoneTexte 44">
-            <a:extLst>
-              <a:ext uri="{FF2B5EF4-FFF2-40B4-BE49-F238E27FC236}">
-                <a16:creationId xmlns:a16="http://schemas.microsoft.com/office/drawing/2014/main" id="{B6532C3D-1E94-48F4-92D3-FF1FEB77DF7C}"/>
+              <a:t>Assistant vocal</a:t>
+            </a:r>
+          </a:p>
+        </p:txBody>
+      </p:sp>
+      <p:sp>
+        <p:nvSpPr>
+          <p:cNvPr id="46" name="ZoneTexte 45">
+            <a:extLst>
+              <a:ext uri="{FF2B5EF4-FFF2-40B4-BE49-F238E27FC236}">
+                <a16:creationId xmlns:a16="http://schemas.microsoft.com/office/drawing/2014/main" id="{D13169A7-58A9-4A7A-9142-0822CF3B6196}"/>
               </a:ext>
             </a:extLst>
           </p:cNvPr>
@@ -7458,8 +7854,8 @@
         </p:nvSpPr>
         <p:spPr>
           <a:xfrm>
-            <a:off x="2594974" y="6091824"/>
-            <a:ext cx="1615857" cy="369332"/>
+            <a:off x="768262" y="6091824"/>
+            <a:ext cx="1271391" cy="369332"/>
           </a:xfrm>
           <a:prstGeom prst="rect">
             <a:avLst/>
@@ -7475,21 +7871,22 @@
           </a:bodyPr>
           <a:lstStyle/>
           <a:p>
+            <a:pPr algn="l"/>
             <a:r>
               <a:rPr lang="fr-CA">
                 <a:cs typeface="Calibri"/>
               </a:rPr>
-              <a:t>Assistant vocal</a:t>
-            </a:r>
-          </a:p>
-        </p:txBody>
-      </p:sp>
-      <p:sp>
-        <p:nvSpPr>
-          <p:cNvPr id="46" name="ZoneTexte 45">
-            <a:extLst>
-              <a:ext uri="{FF2B5EF4-FFF2-40B4-BE49-F238E27FC236}">
-                <a16:creationId xmlns:a16="http://schemas.microsoft.com/office/drawing/2014/main" id="{D13169A7-58A9-4A7A-9142-0822CF3B6196}"/>
+              <a:t>Graphiques</a:t>
+            </a:r>
+          </a:p>
+        </p:txBody>
+      </p:sp>
+      <p:sp>
+        <p:nvSpPr>
+          <p:cNvPr id="47" name="ZoneTexte 1">
+            <a:extLst>
+              <a:ext uri="{FF2B5EF4-FFF2-40B4-BE49-F238E27FC236}">
+                <a16:creationId xmlns:a16="http://schemas.microsoft.com/office/drawing/2014/main" id="{64C924E3-0B54-46A6-A8F2-4B347CEFBE60}"/>
               </a:ext>
             </a:extLst>
           </p:cNvPr>
@@ -7498,8 +7895,8 @@
         </p:nvSpPr>
         <p:spPr>
           <a:xfrm>
-            <a:off x="768262" y="6091824"/>
-            <a:ext cx="1271391" cy="369332"/>
+            <a:off x="6822509" y="4150290"/>
+            <a:ext cx="3265116" cy="369332"/>
           </a:xfrm>
           <a:prstGeom prst="rect">
             <a:avLst/>
@@ -7507,21 +7904,522 @@
           <a:noFill/>
         </p:spPr>
         <p:txBody>
-          <a:bodyPr rot="0" spcFirstLastPara="0" vertOverflow="overflow" horzOverflow="overflow" vert="horz" wrap="square" lIns="91440" tIns="45720" rIns="91440" bIns="45720" numCol="1" spcCol="0" rtlCol="0" fromWordArt="0" anchor="t" anchorCtr="0" forceAA="0" compatLnSpc="1">
+          <a:bodyPr rot="0" spcFirstLastPara="0" vert="horz" wrap="square" lIns="91440" tIns="45720" rIns="91440" bIns="45720" numCol="1" spcCol="0" rtlCol="0" fromWordArt="0" anchor="t" anchorCtr="0" forceAA="0" compatLnSpc="1">
             <a:prstTxWarp prst="textNoShape">
               <a:avLst/>
             </a:prstTxWarp>
             <a:spAutoFit/>
           </a:bodyPr>
+          <a:lstStyle>
+            <a:defPPr>
+              <a:defRPr lang="fr-FR"/>
+            </a:defPPr>
+            <a:lvl1pPr marL="0" algn="l" defTabSz="914400" rtl="0" eaLnBrk="1" latinLnBrk="0" hangingPunct="1">
+              <a:defRPr sz="1800" kern="1200">
+                <a:solidFill>
+                  <a:schemeClr val="tx1"/>
+                </a:solidFill>
+                <a:latin typeface="+mn-lt"/>
+                <a:ea typeface="+mn-ea"/>
+                <a:cs typeface="+mn-cs"/>
+              </a:defRPr>
+            </a:lvl1pPr>
+            <a:lvl2pPr marL="457200" algn="l" defTabSz="914400" rtl="0" eaLnBrk="1" latinLnBrk="0" hangingPunct="1">
+              <a:defRPr sz="1800" kern="1200">
+                <a:solidFill>
+                  <a:schemeClr val="tx1"/>
+                </a:solidFill>
+                <a:latin typeface="+mn-lt"/>
+                <a:ea typeface="+mn-ea"/>
+                <a:cs typeface="+mn-cs"/>
+              </a:defRPr>
+            </a:lvl2pPr>
+            <a:lvl3pPr marL="914400" algn="l" defTabSz="914400" rtl="0" eaLnBrk="1" latinLnBrk="0" hangingPunct="1">
+              <a:defRPr sz="1800" kern="1200">
+                <a:solidFill>
+                  <a:schemeClr val="tx1"/>
+                </a:solidFill>
+                <a:latin typeface="+mn-lt"/>
+                <a:ea typeface="+mn-ea"/>
+                <a:cs typeface="+mn-cs"/>
+              </a:defRPr>
+            </a:lvl3pPr>
+            <a:lvl4pPr marL="1371600" algn="l" defTabSz="914400" rtl="0" eaLnBrk="1" latinLnBrk="0" hangingPunct="1">
+              <a:defRPr sz="1800" kern="1200">
+                <a:solidFill>
+                  <a:schemeClr val="tx1"/>
+                </a:solidFill>
+                <a:latin typeface="+mn-lt"/>
+                <a:ea typeface="+mn-ea"/>
+                <a:cs typeface="+mn-cs"/>
+              </a:defRPr>
+            </a:lvl4pPr>
+            <a:lvl5pPr marL="1828800" algn="l" defTabSz="914400" rtl="0" eaLnBrk="1" latinLnBrk="0" hangingPunct="1">
+              <a:defRPr sz="1800" kern="1200">
+                <a:solidFill>
+                  <a:schemeClr val="tx1"/>
+                </a:solidFill>
+                <a:latin typeface="+mn-lt"/>
+                <a:ea typeface="+mn-ea"/>
+                <a:cs typeface="+mn-cs"/>
+              </a:defRPr>
+            </a:lvl5pPr>
+            <a:lvl6pPr marL="2286000" algn="l" defTabSz="914400" rtl="0" eaLnBrk="1" latinLnBrk="0" hangingPunct="1">
+              <a:defRPr sz="1800" kern="1200">
+                <a:solidFill>
+                  <a:schemeClr val="tx1"/>
+                </a:solidFill>
+                <a:latin typeface="+mn-lt"/>
+                <a:ea typeface="+mn-ea"/>
+                <a:cs typeface="+mn-cs"/>
+              </a:defRPr>
+            </a:lvl6pPr>
+            <a:lvl7pPr marL="2743200" algn="l" defTabSz="914400" rtl="0" eaLnBrk="1" latinLnBrk="0" hangingPunct="1">
+              <a:defRPr sz="1800" kern="1200">
+                <a:solidFill>
+                  <a:schemeClr val="tx1"/>
+                </a:solidFill>
+                <a:latin typeface="+mn-lt"/>
+                <a:ea typeface="+mn-ea"/>
+                <a:cs typeface="+mn-cs"/>
+              </a:defRPr>
+            </a:lvl7pPr>
+            <a:lvl8pPr marL="3200400" algn="l" defTabSz="914400" rtl="0" eaLnBrk="1" latinLnBrk="0" hangingPunct="1">
+              <a:defRPr sz="1800" kern="1200">
+                <a:solidFill>
+                  <a:schemeClr val="tx1"/>
+                </a:solidFill>
+                <a:latin typeface="+mn-lt"/>
+                <a:ea typeface="+mn-ea"/>
+                <a:cs typeface="+mn-cs"/>
+              </a:defRPr>
+            </a:lvl8pPr>
+            <a:lvl9pPr marL="3657600" algn="l" defTabSz="914400" rtl="0" eaLnBrk="1" latinLnBrk="0" hangingPunct="1">
+              <a:defRPr sz="1800" kern="1200">
+                <a:solidFill>
+                  <a:schemeClr val="tx1"/>
+                </a:solidFill>
+                <a:latin typeface="+mn-lt"/>
+                <a:ea typeface="+mn-ea"/>
+                <a:cs typeface="+mn-cs"/>
+              </a:defRPr>
+            </a:lvl9pPr>
+          </a:lstStyle>
+          <a:p>
+            <a:r>
+              <a:rPr lang="fr-CA"/>
+              <a:t>Exécutions des différents scripts</a:t>
+            </a:r>
+            <a:endParaRPr lang="fr-CA">
+              <a:cs typeface="Calibri"/>
+            </a:endParaRPr>
+          </a:p>
+        </p:txBody>
+      </p:sp>
+      <p:sp>
+        <p:nvSpPr>
+          <p:cNvPr id="48" name="ZoneTexte 1">
+            <a:extLst>
+              <a:ext uri="{FF2B5EF4-FFF2-40B4-BE49-F238E27FC236}">
+                <a16:creationId xmlns:a16="http://schemas.microsoft.com/office/drawing/2014/main" id="{64C924E3-0B54-46A6-A8F2-4B347CEFBE60}"/>
+              </a:ext>
+            </a:extLst>
+          </p:cNvPr>
+          <p:cNvSpPr txBox="1"/>
+          <p:nvPr/>
+        </p:nvSpPr>
+        <p:spPr>
+          <a:xfrm>
+            <a:off x="2842234" y="4115713"/>
+            <a:ext cx="1334022" cy="369332"/>
+          </a:xfrm>
+          <a:prstGeom prst="rect">
+            <a:avLst/>
+          </a:prstGeom>
+          <a:noFill/>
+        </p:spPr>
+        <p:txBody>
+          <a:bodyPr rot="0" spcFirstLastPara="0" vert="horz" wrap="square" lIns="91440" tIns="45720" rIns="91440" bIns="45720" numCol="1" spcCol="0" rtlCol="0" fromWordArt="0" anchor="t" anchorCtr="0" forceAA="0" compatLnSpc="1">
+            <a:prstTxWarp prst="textNoShape">
+              <a:avLst/>
+            </a:prstTxWarp>
+            <a:spAutoFit/>
+          </a:bodyPr>
+          <a:lstStyle>
+            <a:defPPr>
+              <a:defRPr lang="fr-FR"/>
+            </a:defPPr>
+            <a:lvl1pPr marL="0" algn="l" defTabSz="914400" rtl="0" eaLnBrk="1" latinLnBrk="0" hangingPunct="1">
+              <a:defRPr sz="1800" kern="1200">
+                <a:solidFill>
+                  <a:schemeClr val="tx1"/>
+                </a:solidFill>
+                <a:latin typeface="+mn-lt"/>
+                <a:ea typeface="+mn-ea"/>
+                <a:cs typeface="+mn-cs"/>
+              </a:defRPr>
+            </a:lvl1pPr>
+            <a:lvl2pPr marL="457200" algn="l" defTabSz="914400" rtl="0" eaLnBrk="1" latinLnBrk="0" hangingPunct="1">
+              <a:defRPr sz="1800" kern="1200">
+                <a:solidFill>
+                  <a:schemeClr val="tx1"/>
+                </a:solidFill>
+                <a:latin typeface="+mn-lt"/>
+                <a:ea typeface="+mn-ea"/>
+                <a:cs typeface="+mn-cs"/>
+              </a:defRPr>
+            </a:lvl2pPr>
+            <a:lvl3pPr marL="914400" algn="l" defTabSz="914400" rtl="0" eaLnBrk="1" latinLnBrk="0" hangingPunct="1">
+              <a:defRPr sz="1800" kern="1200">
+                <a:solidFill>
+                  <a:schemeClr val="tx1"/>
+                </a:solidFill>
+                <a:latin typeface="+mn-lt"/>
+                <a:ea typeface="+mn-ea"/>
+                <a:cs typeface="+mn-cs"/>
+              </a:defRPr>
+            </a:lvl3pPr>
+            <a:lvl4pPr marL="1371600" algn="l" defTabSz="914400" rtl="0" eaLnBrk="1" latinLnBrk="0" hangingPunct="1">
+              <a:defRPr sz="1800" kern="1200">
+                <a:solidFill>
+                  <a:schemeClr val="tx1"/>
+                </a:solidFill>
+                <a:latin typeface="+mn-lt"/>
+                <a:ea typeface="+mn-ea"/>
+                <a:cs typeface="+mn-cs"/>
+              </a:defRPr>
+            </a:lvl4pPr>
+            <a:lvl5pPr marL="1828800" algn="l" defTabSz="914400" rtl="0" eaLnBrk="1" latinLnBrk="0" hangingPunct="1">
+              <a:defRPr sz="1800" kern="1200">
+                <a:solidFill>
+                  <a:schemeClr val="tx1"/>
+                </a:solidFill>
+                <a:latin typeface="+mn-lt"/>
+                <a:ea typeface="+mn-ea"/>
+                <a:cs typeface="+mn-cs"/>
+              </a:defRPr>
+            </a:lvl5pPr>
+            <a:lvl6pPr marL="2286000" algn="l" defTabSz="914400" rtl="0" eaLnBrk="1" latinLnBrk="0" hangingPunct="1">
+              <a:defRPr sz="1800" kern="1200">
+                <a:solidFill>
+                  <a:schemeClr val="tx1"/>
+                </a:solidFill>
+                <a:latin typeface="+mn-lt"/>
+                <a:ea typeface="+mn-ea"/>
+                <a:cs typeface="+mn-cs"/>
+              </a:defRPr>
+            </a:lvl6pPr>
+            <a:lvl7pPr marL="2743200" algn="l" defTabSz="914400" rtl="0" eaLnBrk="1" latinLnBrk="0" hangingPunct="1">
+              <a:defRPr sz="1800" kern="1200">
+                <a:solidFill>
+                  <a:schemeClr val="tx1"/>
+                </a:solidFill>
+                <a:latin typeface="+mn-lt"/>
+                <a:ea typeface="+mn-ea"/>
+                <a:cs typeface="+mn-cs"/>
+              </a:defRPr>
+            </a:lvl7pPr>
+            <a:lvl8pPr marL="3200400" algn="l" defTabSz="914400" rtl="0" eaLnBrk="1" latinLnBrk="0" hangingPunct="1">
+              <a:defRPr sz="1800" kern="1200">
+                <a:solidFill>
+                  <a:schemeClr val="tx1"/>
+                </a:solidFill>
+                <a:latin typeface="+mn-lt"/>
+                <a:ea typeface="+mn-ea"/>
+                <a:cs typeface="+mn-cs"/>
+              </a:defRPr>
+            </a:lvl8pPr>
+            <a:lvl9pPr marL="3657600" algn="l" defTabSz="914400" rtl="0" eaLnBrk="1" latinLnBrk="0" hangingPunct="1">
+              <a:defRPr sz="1800" kern="1200">
+                <a:solidFill>
+                  <a:schemeClr val="tx1"/>
+                </a:solidFill>
+                <a:latin typeface="+mn-lt"/>
+                <a:ea typeface="+mn-ea"/>
+                <a:cs typeface="+mn-cs"/>
+              </a:defRPr>
+            </a:lvl9pPr>
+          </a:lstStyle>
+          <a:p>
+            <a:r>
+              <a:rPr lang="fr-CA"/>
+              <a:t>Site </a:t>
+            </a:r>
+            <a:r>
+              <a:rPr lang="fr-CA" err="1"/>
+              <a:t>IsenInfo</a:t>
+            </a:r>
+            <a:endParaRPr lang="fr-CA" err="1">
+              <a:cs typeface="Calibri"/>
+            </a:endParaRPr>
+          </a:p>
+        </p:txBody>
+      </p:sp>
+      <p:sp>
+        <p:nvSpPr>
+          <p:cNvPr id="49" name="ZoneTexte 1">
+            <a:extLst>
+              <a:ext uri="{FF2B5EF4-FFF2-40B4-BE49-F238E27FC236}">
+                <a16:creationId xmlns:a16="http://schemas.microsoft.com/office/drawing/2014/main" id="{64C924E3-0B54-46A6-A8F2-4B347CEFBE60}"/>
+              </a:ext>
+            </a:extLst>
+          </p:cNvPr>
+          <p:cNvSpPr txBox="1"/>
+          <p:nvPr/>
+        </p:nvSpPr>
+        <p:spPr>
+          <a:xfrm>
+            <a:off x="8079028" y="6095741"/>
+            <a:ext cx="759912" cy="369332"/>
+          </a:xfrm>
+          <a:prstGeom prst="rect">
+            <a:avLst/>
+          </a:prstGeom>
+          <a:noFill/>
+        </p:spPr>
+        <p:txBody>
+          <a:bodyPr rot="0" spcFirstLastPara="0" vert="horz" wrap="square" lIns="91440" tIns="45720" rIns="91440" bIns="45720" numCol="1" spcCol="0" rtlCol="0" fromWordArt="0" anchor="t" anchorCtr="0" forceAA="0" compatLnSpc="1">
+            <a:prstTxWarp prst="textNoShape">
+              <a:avLst/>
+            </a:prstTxWarp>
+            <a:spAutoFit/>
+          </a:bodyPr>
+          <a:lstStyle>
+            <a:defPPr>
+              <a:defRPr lang="fr-FR"/>
+            </a:defPPr>
+            <a:lvl1pPr marL="0" algn="l" defTabSz="914400" rtl="0" eaLnBrk="1" latinLnBrk="0" hangingPunct="1">
+              <a:defRPr sz="1800" kern="1200">
+                <a:solidFill>
+                  <a:schemeClr val="tx1"/>
+                </a:solidFill>
+                <a:latin typeface="+mn-lt"/>
+                <a:ea typeface="+mn-ea"/>
+                <a:cs typeface="+mn-cs"/>
+              </a:defRPr>
+            </a:lvl1pPr>
+            <a:lvl2pPr marL="457200" algn="l" defTabSz="914400" rtl="0" eaLnBrk="1" latinLnBrk="0" hangingPunct="1">
+              <a:defRPr sz="1800" kern="1200">
+                <a:solidFill>
+                  <a:schemeClr val="tx1"/>
+                </a:solidFill>
+                <a:latin typeface="+mn-lt"/>
+                <a:ea typeface="+mn-ea"/>
+                <a:cs typeface="+mn-cs"/>
+              </a:defRPr>
+            </a:lvl2pPr>
+            <a:lvl3pPr marL="914400" algn="l" defTabSz="914400" rtl="0" eaLnBrk="1" latinLnBrk="0" hangingPunct="1">
+              <a:defRPr sz="1800" kern="1200">
+                <a:solidFill>
+                  <a:schemeClr val="tx1"/>
+                </a:solidFill>
+                <a:latin typeface="+mn-lt"/>
+                <a:ea typeface="+mn-ea"/>
+                <a:cs typeface="+mn-cs"/>
+              </a:defRPr>
+            </a:lvl3pPr>
+            <a:lvl4pPr marL="1371600" algn="l" defTabSz="914400" rtl="0" eaLnBrk="1" latinLnBrk="0" hangingPunct="1">
+              <a:defRPr sz="1800" kern="1200">
+                <a:solidFill>
+                  <a:schemeClr val="tx1"/>
+                </a:solidFill>
+                <a:latin typeface="+mn-lt"/>
+                <a:ea typeface="+mn-ea"/>
+                <a:cs typeface="+mn-cs"/>
+              </a:defRPr>
+            </a:lvl4pPr>
+            <a:lvl5pPr marL="1828800" algn="l" defTabSz="914400" rtl="0" eaLnBrk="1" latinLnBrk="0" hangingPunct="1">
+              <a:defRPr sz="1800" kern="1200">
+                <a:solidFill>
+                  <a:schemeClr val="tx1"/>
+                </a:solidFill>
+                <a:latin typeface="+mn-lt"/>
+                <a:ea typeface="+mn-ea"/>
+                <a:cs typeface="+mn-cs"/>
+              </a:defRPr>
+            </a:lvl5pPr>
+            <a:lvl6pPr marL="2286000" algn="l" defTabSz="914400" rtl="0" eaLnBrk="1" latinLnBrk="0" hangingPunct="1">
+              <a:defRPr sz="1800" kern="1200">
+                <a:solidFill>
+                  <a:schemeClr val="tx1"/>
+                </a:solidFill>
+                <a:latin typeface="+mn-lt"/>
+                <a:ea typeface="+mn-ea"/>
+                <a:cs typeface="+mn-cs"/>
+              </a:defRPr>
+            </a:lvl6pPr>
+            <a:lvl7pPr marL="2743200" algn="l" defTabSz="914400" rtl="0" eaLnBrk="1" latinLnBrk="0" hangingPunct="1">
+              <a:defRPr sz="1800" kern="1200">
+                <a:solidFill>
+                  <a:schemeClr val="tx1"/>
+                </a:solidFill>
+                <a:latin typeface="+mn-lt"/>
+                <a:ea typeface="+mn-ea"/>
+                <a:cs typeface="+mn-cs"/>
+              </a:defRPr>
+            </a:lvl7pPr>
+            <a:lvl8pPr marL="3200400" algn="l" defTabSz="914400" rtl="0" eaLnBrk="1" latinLnBrk="0" hangingPunct="1">
+              <a:defRPr sz="1800" kern="1200">
+                <a:solidFill>
+                  <a:schemeClr val="tx1"/>
+                </a:solidFill>
+                <a:latin typeface="+mn-lt"/>
+                <a:ea typeface="+mn-ea"/>
+                <a:cs typeface="+mn-cs"/>
+              </a:defRPr>
+            </a:lvl8pPr>
+            <a:lvl9pPr marL="3657600" algn="l" defTabSz="914400" rtl="0" eaLnBrk="1" latinLnBrk="0" hangingPunct="1">
+              <a:defRPr sz="1800" kern="1200">
+                <a:solidFill>
+                  <a:schemeClr val="tx1"/>
+                </a:solidFill>
+                <a:latin typeface="+mn-lt"/>
+                <a:ea typeface="+mn-ea"/>
+                <a:cs typeface="+mn-cs"/>
+              </a:defRPr>
+            </a:lvl9pPr>
+          </a:lstStyle>
+          <a:p>
+            <a:pPr algn="l"/>
+            <a:r>
+              <a:rPr lang="fr-CA"/>
+              <a:t>Mails</a:t>
+            </a:r>
+            <a:endParaRPr lang="fr-CA">
+              <a:cs typeface="Calibri"/>
+            </a:endParaRPr>
+          </a:p>
+        </p:txBody>
+      </p:sp>
+      <p:pic>
+        <p:nvPicPr>
+          <p:cNvPr id="50" name="Graphique 50" descr="Cmd Terminal contour">
+            <a:extLst>
+              <a:ext uri="{FF2B5EF4-FFF2-40B4-BE49-F238E27FC236}">
+                <a16:creationId xmlns:a16="http://schemas.microsoft.com/office/drawing/2014/main" id="{FAB98C98-899E-4B2F-B2D4-4D5F282BA2ED}"/>
+              </a:ext>
+            </a:extLst>
+          </p:cNvPr>
+          <p:cNvPicPr>
+            <a:picLocks noChangeAspect="1"/>
+          </p:cNvPicPr>
+          <p:nvPr/>
+        </p:nvPicPr>
+        <p:blipFill>
+          <a:blip r:embed="rId14">
+            <a:extLst>
+              <a:ext uri="{96DAC541-7B7A-43D3-8B79-37D633B846F1}">
+                <asvg:svgBlip xmlns:asvg="http://schemas.microsoft.com/office/drawing/2016/SVG/main" r:embed="rId15"/>
+              </a:ext>
+            </a:extLst>
+          </a:blip>
+          <a:stretch>
+            <a:fillRect/>
+          </a:stretch>
+        </p:blipFill>
+        <p:spPr>
+          <a:xfrm>
+            <a:off x="7549019" y="2522951"/>
+            <a:ext cx="1801660" cy="1812098"/>
+          </a:xfrm>
+          <a:prstGeom prst="rect">
+            <a:avLst/>
+          </a:prstGeom>
+        </p:spPr>
+      </p:pic>
+      <p:cxnSp>
+        <p:nvCxnSpPr>
+          <p:cNvPr id="54" name="Connecteur droit avec flèche 53">
+            <a:extLst>
+              <a:ext uri="{FF2B5EF4-FFF2-40B4-BE49-F238E27FC236}">
+                <a16:creationId xmlns:a16="http://schemas.microsoft.com/office/drawing/2014/main" id="{BFC3068B-BF6B-4773-82F4-8DA63F42B67A}"/>
+              </a:ext>
+            </a:extLst>
+          </p:cNvPr>
+          <p:cNvCxnSpPr>
+            <a:cxnSpLocks/>
+          </p:cNvCxnSpPr>
+          <p:nvPr/>
+        </p:nvCxnSpPr>
+        <p:spPr>
+          <a:xfrm flipH="1">
+            <a:off x="8454855" y="4485359"/>
+            <a:ext cx="603" cy="480165"/>
+          </a:xfrm>
+          <a:prstGeom prst="straightConnector1">
+            <a:avLst/>
+          </a:prstGeom>
+          <a:ln w="38100">
+            <a:solidFill>
+              <a:srgbClr val="3AB395"/>
+            </a:solidFill>
+            <a:tailEnd type="triangle"/>
+          </a:ln>
+        </p:spPr>
+        <p:style>
+          <a:lnRef idx="1">
+            <a:schemeClr val="accent1"/>
+          </a:lnRef>
+          <a:fillRef idx="0">
+            <a:schemeClr val="accent1"/>
+          </a:fillRef>
+          <a:effectRef idx="0">
+            <a:schemeClr val="accent1"/>
+          </a:effectRef>
+          <a:fontRef idx="minor">
+            <a:schemeClr val="tx1"/>
+          </a:fontRef>
+        </p:style>
+      </p:cxnSp>
+      <p:sp>
+        <p:nvSpPr>
+          <p:cNvPr id="56" name="Rectangle : coins arrondis 55">
+            <a:extLst>
+              <a:ext uri="{FF2B5EF4-FFF2-40B4-BE49-F238E27FC236}">
+                <a16:creationId xmlns:a16="http://schemas.microsoft.com/office/drawing/2014/main" id="{5D9CCEDE-BEFF-455D-B8AD-4395B3207A75}"/>
+              </a:ext>
+            </a:extLst>
+          </p:cNvPr>
+          <p:cNvSpPr/>
+          <p:nvPr/>
+        </p:nvSpPr>
+        <p:spPr>
+          <a:xfrm>
+            <a:off x="381986" y="97019"/>
+            <a:ext cx="11438463" cy="6654926"/>
+          </a:xfrm>
+          <a:prstGeom prst="roundRect">
+            <a:avLst/>
+          </a:prstGeom>
+          <a:noFill/>
+          <a:ln w="38100">
+            <a:solidFill>
+              <a:srgbClr val="3AB395"/>
+            </a:solidFill>
+          </a:ln>
+        </p:spPr>
+        <p:style>
+          <a:lnRef idx="2">
+            <a:schemeClr val="accent1">
+              <a:shade val="50000"/>
+            </a:schemeClr>
+          </a:lnRef>
+          <a:fillRef idx="1">
+            <a:schemeClr val="accent1"/>
+          </a:fillRef>
+          <a:effectRef idx="0">
+            <a:schemeClr val="accent1"/>
+          </a:effectRef>
+          <a:fontRef idx="minor">
+            <a:schemeClr val="lt1"/>
+          </a:fontRef>
+        </p:style>
+        <p:txBody>
+          <a:bodyPr rtlCol="0" anchor="ctr"/>
           <a:lstStyle/>
           <a:p>
-            <a:pPr algn="l"/>
-            <a:r>
-              <a:rPr lang="fr-CA">
-                <a:cs typeface="Calibri"/>
-              </a:rPr>
-              <a:t>Graphiques</a:t>
-            </a:r>
+            <a:pPr algn="ctr"/>
+            <a:endParaRPr lang="fr-FR"/>
           </a:p>
         </p:txBody>
       </p:sp>

--- a/presentation/Structure_Projet.pptx
+++ b/presentation/Structure_Projet.pptx
@@ -5,8 +5,8 @@
     <p:sldMasterId id="2147483648" r:id="rId1"/>
   </p:sldMasterIdLst>
   <p:sldIdLst>
-    <p:sldId id="256" r:id="rId2"/>
-    <p:sldId id="260" r:id="rId3"/>
+    <p:sldId id="260" r:id="rId2"/>
+    <p:sldId id="263" r:id="rId3"/>
     <p:sldId id="262" r:id="rId4"/>
     <p:sldId id="258" r:id="rId5"/>
     <p:sldId id="261" r:id="rId6"/>
@@ -119,8 +119,7 @@
 <file path=ppt/revisionInfo.xml><?xml version="1.0" encoding="utf-8"?>
 <p1510:revInfo xmlns:a="http://schemas.openxmlformats.org/drawingml/2006/main" xmlns:r="http://schemas.openxmlformats.org/officeDocument/2006/relationships" xmlns:p1510="http://schemas.microsoft.com/office/powerpoint/2015/10/main">
   <p1510:revLst>
-    <p1510:client id="{7F131F86-5835-4106-9139-BC7AD26F85E4}" v="1" dt="2021-06-18T13:00:37.313"/>
-    <p1510:client id="{BE397840-2AE7-8A76-A020-1CD67F023FA0}" v="391" dt="2021-06-18T12:44:39.493"/>
+    <p1510:client id="{7F131F86-5835-4106-9139-BC7AD26F85E4}" v="12" dt="2021-06-22T13:27:15.970"/>
   </p1510:revLst>
 </p1510:revInfo>
 </file>
@@ -129,11 +128,66 @@
 <pc:chgInfo xmlns:a="http://schemas.openxmlformats.org/drawingml/2006/main" xmlns:r="http://schemas.openxmlformats.org/officeDocument/2006/relationships" xmlns:ac="http://schemas.microsoft.com/office/drawing/2013/main/command" xmlns:pc="http://schemas.microsoft.com/office/powerpoint/2013/main/command">
   <pc:docChgLst>
     <pc:chgData name="Hugo DEMENEZ" userId="167f3b24-aa49-4d1b-b001-4f9180dfa13d" providerId="ADAL" clId="{7F131F86-5835-4106-9139-BC7AD26F85E4}"/>
-    <pc:docChg chg="addSld delSld modSld sldOrd">
-      <pc:chgData name="Hugo DEMENEZ" userId="167f3b24-aa49-4d1b-b001-4f9180dfa13d" providerId="ADAL" clId="{7F131F86-5835-4106-9139-BC7AD26F85E4}" dt="2021-06-18T13:00:42.025" v="3" actId="47"/>
+    <pc:docChg chg="undo custSel addSld delSld modSld sldOrd">
+      <pc:chgData name="Hugo DEMENEZ" userId="167f3b24-aa49-4d1b-b001-4f9180dfa13d" providerId="ADAL" clId="{7F131F86-5835-4106-9139-BC7AD26F85E4}" dt="2021-06-22T13:28:09.224" v="76" actId="20577"/>
       <pc:docMkLst>
         <pc:docMk/>
       </pc:docMkLst>
+      <pc:sldChg chg="addSp delSp modSp del mod">
+        <pc:chgData name="Hugo DEMENEZ" userId="167f3b24-aa49-4d1b-b001-4f9180dfa13d" providerId="ADAL" clId="{7F131F86-5835-4106-9139-BC7AD26F85E4}" dt="2021-06-22T13:27:18.713" v="51" actId="47"/>
+        <pc:sldMkLst>
+          <pc:docMk/>
+          <pc:sldMk cId="4092722930" sldId="256"/>
+        </pc:sldMkLst>
+        <pc:spChg chg="mod">
+          <ac:chgData name="Hugo DEMENEZ" userId="167f3b24-aa49-4d1b-b001-4f9180dfa13d" providerId="ADAL" clId="{7F131F86-5835-4106-9139-BC7AD26F85E4}" dt="2021-06-22T13:24:51.591" v="23" actId="207"/>
+          <ac:spMkLst>
+            <pc:docMk/>
+            <pc:sldMk cId="4092722930" sldId="256"/>
+            <ac:spMk id="8" creationId="{A5557395-889E-4AB5-9EA2-FB609C6B2656}"/>
+          </ac:spMkLst>
+        </pc:spChg>
+        <pc:spChg chg="add mod">
+          <ac:chgData name="Hugo DEMENEZ" userId="167f3b24-aa49-4d1b-b001-4f9180dfa13d" providerId="ADAL" clId="{7F131F86-5835-4106-9139-BC7AD26F85E4}" dt="2021-06-22T13:25:29.549" v="38" actId="20577"/>
+          <ac:spMkLst>
+            <pc:docMk/>
+            <pc:sldMk cId="4092722930" sldId="256"/>
+            <ac:spMk id="17" creationId="{5EE35456-7882-4CC5-A3C2-F5052B16B234}"/>
+          </ac:spMkLst>
+        </pc:spChg>
+        <pc:spChg chg="add del mod">
+          <ac:chgData name="Hugo DEMENEZ" userId="167f3b24-aa49-4d1b-b001-4f9180dfa13d" providerId="ADAL" clId="{7F131F86-5835-4106-9139-BC7AD26F85E4}" dt="2021-06-22T13:27:10.017" v="49"/>
+          <ac:spMkLst>
+            <pc:docMk/>
+            <pc:sldMk cId="4092722930" sldId="256"/>
+            <ac:spMk id="18" creationId="{0BB3E784-9F65-41A3-889B-87DE2F2F2EB2}"/>
+          </ac:spMkLst>
+        </pc:spChg>
+        <pc:spChg chg="mod">
+          <ac:chgData name="Hugo DEMENEZ" userId="167f3b24-aa49-4d1b-b001-4f9180dfa13d" providerId="ADAL" clId="{7F131F86-5835-4106-9139-BC7AD26F85E4}" dt="2021-06-22T13:26:13.640" v="42" actId="207"/>
+          <ac:spMkLst>
+            <pc:docMk/>
+            <pc:sldMk cId="4092722930" sldId="256"/>
+            <ac:spMk id="45" creationId="{1ED02859-4A3C-4222-942B-8A0BBC6ACFF2}"/>
+          </ac:spMkLst>
+        </pc:spChg>
+        <pc:grpChg chg="del">
+          <ac:chgData name="Hugo DEMENEZ" userId="167f3b24-aa49-4d1b-b001-4f9180dfa13d" providerId="ADAL" clId="{7F131F86-5835-4106-9139-BC7AD26F85E4}" dt="2021-06-22T13:25:23.091" v="25" actId="478"/>
+          <ac:grpSpMkLst>
+            <pc:docMk/>
+            <pc:sldMk cId="4092722930" sldId="256"/>
+            <ac:grpSpMk id="47" creationId="{FE373D9D-B6CF-4E4E-8B09-BF9B01E560D5}"/>
+          </ac:grpSpMkLst>
+        </pc:grpChg>
+        <pc:picChg chg="add del mod ord">
+          <ac:chgData name="Hugo DEMENEZ" userId="167f3b24-aa49-4d1b-b001-4f9180dfa13d" providerId="ADAL" clId="{7F131F86-5835-4106-9139-BC7AD26F85E4}" dt="2021-06-22T13:26:16.907" v="43" actId="478"/>
+          <ac:picMkLst>
+            <pc:docMk/>
+            <pc:sldMk cId="4092722930" sldId="256"/>
+            <ac:picMk id="3" creationId="{06433BE9-BC01-4EF5-94F9-7E59956E10DA}"/>
+          </ac:picMkLst>
+        </pc:picChg>
+      </pc:sldChg>
       <pc:sldChg chg="del">
         <pc:chgData name="Hugo DEMENEZ" userId="167f3b24-aa49-4d1b-b001-4f9180dfa13d" providerId="ADAL" clId="{7F131F86-5835-4106-9139-BC7AD26F85E4}" dt="2021-06-18T13:00:42.025" v="3" actId="47"/>
         <pc:sldMkLst>
@@ -141,12 +195,537 @@
           <pc:sldMk cId="751187635" sldId="257"/>
         </pc:sldMkLst>
       </pc:sldChg>
-      <pc:sldChg chg="add ord">
-        <pc:chgData name="Hugo DEMENEZ" userId="167f3b24-aa49-4d1b-b001-4f9180dfa13d" providerId="ADAL" clId="{7F131F86-5835-4106-9139-BC7AD26F85E4}" dt="2021-06-18T13:00:39.714" v="2"/>
+      <pc:sldChg chg="delSp modSp mod">
+        <pc:chgData name="Hugo DEMENEZ" userId="167f3b24-aa49-4d1b-b001-4f9180dfa13d" providerId="ADAL" clId="{7F131F86-5835-4106-9139-BC7AD26F85E4}" dt="2021-06-22T13:28:09.224" v="76" actId="20577"/>
+        <pc:sldMkLst>
+          <pc:docMk/>
+          <pc:sldMk cId="3053268203" sldId="260"/>
+        </pc:sldMkLst>
+        <pc:spChg chg="mod">
+          <ac:chgData name="Hugo DEMENEZ" userId="167f3b24-aa49-4d1b-b001-4f9180dfa13d" providerId="ADAL" clId="{7F131F86-5835-4106-9139-BC7AD26F85E4}" dt="2021-06-22T13:26:59.186" v="47" actId="207"/>
+          <ac:spMkLst>
+            <pc:docMk/>
+            <pc:sldMk cId="3053268203" sldId="260"/>
+            <ac:spMk id="8" creationId="{A5557395-889E-4AB5-9EA2-FB609C6B2656}"/>
+          </ac:spMkLst>
+        </pc:spChg>
+        <pc:spChg chg="mod">
+          <ac:chgData name="Hugo DEMENEZ" userId="167f3b24-aa49-4d1b-b001-4f9180dfa13d" providerId="ADAL" clId="{7F131F86-5835-4106-9139-BC7AD26F85E4}" dt="2021-06-22T13:28:09.224" v="76" actId="20577"/>
+          <ac:spMkLst>
+            <pc:docMk/>
+            <pc:sldMk cId="3053268203" sldId="260"/>
+            <ac:spMk id="12" creationId="{CA4504FF-DF9A-4E0D-8595-72D2456EF3FF}"/>
+          </ac:spMkLst>
+        </pc:spChg>
+        <pc:spChg chg="mod">
+          <ac:chgData name="Hugo DEMENEZ" userId="167f3b24-aa49-4d1b-b001-4f9180dfa13d" providerId="ADAL" clId="{7F131F86-5835-4106-9139-BC7AD26F85E4}" dt="2021-06-22T13:28:00.844" v="62" actId="1076"/>
+          <ac:spMkLst>
+            <pc:docMk/>
+            <pc:sldMk cId="3053268203" sldId="260"/>
+            <ac:spMk id="13" creationId="{1B665DDA-3F0F-40BE-96C5-43CCB6710CFA}"/>
+          </ac:spMkLst>
+        </pc:spChg>
+        <pc:spChg chg="mod">
+          <ac:chgData name="Hugo DEMENEZ" userId="167f3b24-aa49-4d1b-b001-4f9180dfa13d" providerId="ADAL" clId="{7F131F86-5835-4106-9139-BC7AD26F85E4}" dt="2021-06-22T13:28:00.844" v="62" actId="1076"/>
+          <ac:spMkLst>
+            <pc:docMk/>
+            <pc:sldMk cId="3053268203" sldId="260"/>
+            <ac:spMk id="15" creationId="{FC9910A7-5689-4DDD-80E5-7189CC26F466}"/>
+          </ac:spMkLst>
+        </pc:spChg>
+        <pc:spChg chg="del">
+          <ac:chgData name="Hugo DEMENEZ" userId="167f3b24-aa49-4d1b-b001-4f9180dfa13d" providerId="ADAL" clId="{7F131F86-5835-4106-9139-BC7AD26F85E4}" dt="2021-06-22T13:27:46.342" v="56" actId="478"/>
+          <ac:spMkLst>
+            <pc:docMk/>
+            <pc:sldMk cId="3053268203" sldId="260"/>
+            <ac:spMk id="19" creationId="{4DC5CA95-7605-4ABC-A634-C65AD5BDAEB3}"/>
+          </ac:spMkLst>
+        </pc:spChg>
+        <pc:spChg chg="del">
+          <ac:chgData name="Hugo DEMENEZ" userId="167f3b24-aa49-4d1b-b001-4f9180dfa13d" providerId="ADAL" clId="{7F131F86-5835-4106-9139-BC7AD26F85E4}" dt="2021-06-22T13:27:48.453" v="59" actId="478"/>
+          <ac:spMkLst>
+            <pc:docMk/>
+            <pc:sldMk cId="3053268203" sldId="260"/>
+            <ac:spMk id="21" creationId="{F4941490-B1EC-4428-8F5F-23466CEE1865}"/>
+          </ac:spMkLst>
+        </pc:spChg>
+        <pc:spChg chg="del">
+          <ac:chgData name="Hugo DEMENEZ" userId="167f3b24-aa49-4d1b-b001-4f9180dfa13d" providerId="ADAL" clId="{7F131F86-5835-4106-9139-BC7AD26F85E4}" dt="2021-06-22T13:27:49.781" v="60" actId="478"/>
+          <ac:spMkLst>
+            <pc:docMk/>
+            <pc:sldMk cId="3053268203" sldId="260"/>
+            <ac:spMk id="23" creationId="{047D96FF-63C9-4DF4-BBA9-1C1E09D5A169}"/>
+          </ac:spMkLst>
+        </pc:spChg>
+        <pc:spChg chg="mod">
+          <ac:chgData name="Hugo DEMENEZ" userId="167f3b24-aa49-4d1b-b001-4f9180dfa13d" providerId="ADAL" clId="{7F131F86-5835-4106-9139-BC7AD26F85E4}" dt="2021-06-22T13:27:30.457" v="52" actId="207"/>
+          <ac:spMkLst>
+            <pc:docMk/>
+            <pc:sldMk cId="3053268203" sldId="260"/>
+            <ac:spMk id="42" creationId="{1A4F141D-E10E-49CC-AFE8-184CDA0C64A7}"/>
+          </ac:spMkLst>
+        </pc:spChg>
+        <pc:picChg chg="mod">
+          <ac:chgData name="Hugo DEMENEZ" userId="167f3b24-aa49-4d1b-b001-4f9180dfa13d" providerId="ADAL" clId="{7F131F86-5835-4106-9139-BC7AD26F85E4}" dt="2021-06-22T13:28:00.844" v="62" actId="1076"/>
+          <ac:picMkLst>
+            <pc:docMk/>
+            <pc:sldMk cId="3053268203" sldId="260"/>
+            <ac:picMk id="17" creationId="{F97D8BD5-418B-4E31-9687-C70ADEC4F9DD}"/>
+          </ac:picMkLst>
+        </pc:picChg>
+        <pc:picChg chg="mod">
+          <ac:chgData name="Hugo DEMENEZ" userId="167f3b24-aa49-4d1b-b001-4f9180dfa13d" providerId="ADAL" clId="{7F131F86-5835-4106-9139-BC7AD26F85E4}" dt="2021-06-22T13:28:00.844" v="62" actId="1076"/>
+          <ac:picMkLst>
+            <pc:docMk/>
+            <pc:sldMk cId="3053268203" sldId="260"/>
+            <ac:picMk id="18" creationId="{90D83C12-3346-4FB5-8B3D-064FA42FA2B2}"/>
+          </ac:picMkLst>
+        </pc:picChg>
+        <pc:picChg chg="del">
+          <ac:chgData name="Hugo DEMENEZ" userId="167f3b24-aa49-4d1b-b001-4f9180dfa13d" providerId="ADAL" clId="{7F131F86-5835-4106-9139-BC7AD26F85E4}" dt="2021-06-22T13:27:47.268" v="57" actId="478"/>
+          <ac:picMkLst>
+            <pc:docMk/>
+            <pc:sldMk cId="3053268203" sldId="260"/>
+            <ac:picMk id="20" creationId="{81704D7D-F2FE-45EF-8C19-4C94F63E561A}"/>
+          </ac:picMkLst>
+        </pc:picChg>
+        <pc:picChg chg="del">
+          <ac:chgData name="Hugo DEMENEZ" userId="167f3b24-aa49-4d1b-b001-4f9180dfa13d" providerId="ADAL" clId="{7F131F86-5835-4106-9139-BC7AD26F85E4}" dt="2021-06-22T13:27:47.908" v="58" actId="478"/>
+          <ac:picMkLst>
+            <pc:docMk/>
+            <pc:sldMk cId="3053268203" sldId="260"/>
+            <ac:picMk id="22" creationId="{A9FBD39D-577F-47B1-946F-7877EA553771}"/>
+          </ac:picMkLst>
+        </pc:picChg>
+        <pc:picChg chg="del">
+          <ac:chgData name="Hugo DEMENEZ" userId="167f3b24-aa49-4d1b-b001-4f9180dfa13d" providerId="ADAL" clId="{7F131F86-5835-4106-9139-BC7AD26F85E4}" dt="2021-06-22T13:27:50.349" v="61" actId="478"/>
+          <ac:picMkLst>
+            <pc:docMk/>
+            <pc:sldMk cId="3053268203" sldId="260"/>
+            <ac:picMk id="24" creationId="{B338AA48-5A8D-474A-9A78-3DB675D5D57E}"/>
+          </ac:picMkLst>
+        </pc:picChg>
+      </pc:sldChg>
+      <pc:sldChg chg="modSp add mod ord">
+        <pc:chgData name="Hugo DEMENEZ" userId="167f3b24-aa49-4d1b-b001-4f9180dfa13d" providerId="ADAL" clId="{7F131F86-5835-4106-9139-BC7AD26F85E4}" dt="2021-06-22T13:22:29.696" v="17" actId="14100"/>
         <pc:sldMkLst>
           <pc:docMk/>
           <pc:sldMk cId="2802110099" sldId="262"/>
         </pc:sldMkLst>
+        <pc:spChg chg="mod">
+          <ac:chgData name="Hugo DEMENEZ" userId="167f3b24-aa49-4d1b-b001-4f9180dfa13d" providerId="ADAL" clId="{7F131F86-5835-4106-9139-BC7AD26F85E4}" dt="2021-06-22T13:21:41.046" v="8" actId="14861"/>
+          <ac:spMkLst>
+            <pc:docMk/>
+            <pc:sldMk cId="2802110099" sldId="262"/>
+            <ac:spMk id="2" creationId="{249F7FEC-8147-4BC8-B597-4CB454C7AB92}"/>
+          </ac:spMkLst>
+        </pc:spChg>
+        <pc:spChg chg="mod">
+          <ac:chgData name="Hugo DEMENEZ" userId="167f3b24-aa49-4d1b-b001-4f9180dfa13d" providerId="ADAL" clId="{7F131F86-5835-4106-9139-BC7AD26F85E4}" dt="2021-06-22T13:22:11.624" v="14" actId="11530"/>
+          <ac:spMkLst>
+            <pc:docMk/>
+            <pc:sldMk cId="2802110099" sldId="262"/>
+            <ac:spMk id="6" creationId="{D4307DF5-609A-4D7B-8D44-CBCABCA0B100}"/>
+          </ac:spMkLst>
+        </pc:spChg>
+        <pc:spChg chg="mod">
+          <ac:chgData name="Hugo DEMENEZ" userId="167f3b24-aa49-4d1b-b001-4f9180dfa13d" providerId="ADAL" clId="{7F131F86-5835-4106-9139-BC7AD26F85E4}" dt="2021-06-22T13:21:45.466" v="9" actId="14861"/>
+          <ac:spMkLst>
+            <pc:docMk/>
+            <pc:sldMk cId="2802110099" sldId="262"/>
+            <ac:spMk id="10" creationId="{45469E6A-666F-4096-83B5-99CDA6392B53}"/>
+          </ac:spMkLst>
+        </pc:spChg>
+        <pc:spChg chg="mod">
+          <ac:chgData name="Hugo DEMENEZ" userId="167f3b24-aa49-4d1b-b001-4f9180dfa13d" providerId="ADAL" clId="{7F131F86-5835-4106-9139-BC7AD26F85E4}" dt="2021-06-22T13:22:29.696" v="17" actId="14100"/>
+          <ac:spMkLst>
+            <pc:docMk/>
+            <pc:sldMk cId="2802110099" sldId="262"/>
+            <ac:spMk id="13" creationId="{99F759E2-7D6F-454E-AA45-B325A2D14F02}"/>
+          </ac:spMkLst>
+        </pc:spChg>
+        <pc:spChg chg="mod">
+          <ac:chgData name="Hugo DEMENEZ" userId="167f3b24-aa49-4d1b-b001-4f9180dfa13d" providerId="ADAL" clId="{7F131F86-5835-4106-9139-BC7AD26F85E4}" dt="2021-06-22T13:22:04.089" v="12" actId="11530"/>
+          <ac:spMkLst>
+            <pc:docMk/>
+            <pc:sldMk cId="2802110099" sldId="262"/>
+            <ac:spMk id="16" creationId="{81428290-8AB6-4E96-87C3-502EA0DEE789}"/>
+          </ac:spMkLst>
+        </pc:spChg>
+        <pc:spChg chg="mod">
+          <ac:chgData name="Hugo DEMENEZ" userId="167f3b24-aa49-4d1b-b001-4f9180dfa13d" providerId="ADAL" clId="{7F131F86-5835-4106-9139-BC7AD26F85E4}" dt="2021-06-22T13:22:24.439" v="16" actId="14100"/>
+          <ac:spMkLst>
+            <pc:docMk/>
+            <pc:sldMk cId="2802110099" sldId="262"/>
+            <ac:spMk id="36" creationId="{DA762878-CDC5-4812-AD82-2AEEBA59F550}"/>
+          </ac:spMkLst>
+        </pc:spChg>
+      </pc:sldChg>
+      <pc:sldChg chg="modSp add mod">
+        <pc:chgData name="Hugo DEMENEZ" userId="167f3b24-aa49-4d1b-b001-4f9180dfa13d" providerId="ADAL" clId="{7F131F86-5835-4106-9139-BC7AD26F85E4}" dt="2021-06-22T13:27:41.851" v="55" actId="207"/>
+        <pc:sldMkLst>
+          <pc:docMk/>
+          <pc:sldMk cId="853865037" sldId="263"/>
+        </pc:sldMkLst>
+        <pc:spChg chg="mod">
+          <ac:chgData name="Hugo DEMENEZ" userId="167f3b24-aa49-4d1b-b001-4f9180dfa13d" providerId="ADAL" clId="{7F131F86-5835-4106-9139-BC7AD26F85E4}" dt="2021-06-22T13:27:37.907" v="54" actId="207"/>
+          <ac:spMkLst>
+            <pc:docMk/>
+            <pc:sldMk cId="853865037" sldId="263"/>
+            <ac:spMk id="31" creationId="{E4A8307C-6066-4BFA-BE33-A85D757BBC0C}"/>
+          </ac:spMkLst>
+        </pc:spChg>
+        <pc:spChg chg="mod">
+          <ac:chgData name="Hugo DEMENEZ" userId="167f3b24-aa49-4d1b-b001-4f9180dfa13d" providerId="ADAL" clId="{7F131F86-5835-4106-9139-BC7AD26F85E4}" dt="2021-06-22T13:27:41.851" v="55" actId="207"/>
+          <ac:spMkLst>
+            <pc:docMk/>
+            <pc:sldMk cId="853865037" sldId="263"/>
+            <ac:spMk id="42" creationId="{1A4F141D-E10E-49CC-AFE8-184CDA0C64A7}"/>
+          </ac:spMkLst>
+        </pc:spChg>
+        <pc:grpChg chg="mod">
+          <ac:chgData name="Hugo DEMENEZ" userId="167f3b24-aa49-4d1b-b001-4f9180dfa13d" providerId="ADAL" clId="{7F131F86-5835-4106-9139-BC7AD26F85E4}" dt="2021-06-22T13:27:37.907" v="54" actId="207"/>
+          <ac:grpSpMkLst>
+            <pc:docMk/>
+            <pc:sldMk cId="853865037" sldId="263"/>
+            <ac:grpSpMk id="3" creationId="{54D0732E-91E3-41F7-8271-92BD22AD150B}"/>
+          </ac:grpSpMkLst>
+        </pc:grpChg>
+      </pc:sldChg>
+      <pc:sldChg chg="add del">
+        <pc:chgData name="Hugo DEMENEZ" userId="167f3b24-aa49-4d1b-b001-4f9180dfa13d" providerId="ADAL" clId="{7F131F86-5835-4106-9139-BC7AD26F85E4}" dt="2021-06-22T13:26:35.017" v="45" actId="47"/>
+        <pc:sldMkLst>
+          <pc:docMk/>
+          <pc:sldMk cId="3712739349" sldId="263"/>
+        </pc:sldMkLst>
+      </pc:sldChg>
+    </pc:docChg>
+  </pc:docChgLst>
+  <pc:docChgLst>
+    <pc:chgData name="Guillaume GULLI" userId="S::guillaume.gulli@isen.yncrea.fr::1981c500-0edc-45d4-907a-9f77f1a48351" providerId="AD" clId="Web-{BE397840-2AE7-8A76-A020-1CD67F023FA0}"/>
+    <pc:docChg chg="addSld modSld">
+      <pc:chgData name="Guillaume GULLI" userId="S::guillaume.gulli@isen.yncrea.fr::1981c500-0edc-45d4-907a-9f77f1a48351" providerId="AD" clId="Web-{BE397840-2AE7-8A76-A020-1CD67F023FA0}" dt="2021-06-18T12:44:39.493" v="299" actId="14100"/>
+      <pc:docMkLst>
+        <pc:docMk/>
+      </pc:docMkLst>
+      <pc:sldChg chg="addSp delSp modSp new">
+        <pc:chgData name="Guillaume GULLI" userId="S::guillaume.gulli@isen.yncrea.fr::1981c500-0edc-45d4-907a-9f77f1a48351" providerId="AD" clId="Web-{BE397840-2AE7-8A76-A020-1CD67F023FA0}" dt="2021-06-18T12:44:39.493" v="299" actId="14100"/>
+        <pc:sldMkLst>
+          <pc:docMk/>
+          <pc:sldMk cId="1097528585" sldId="261"/>
+        </pc:sldMkLst>
+        <pc:spChg chg="del">
+          <ac:chgData name="Guillaume GULLI" userId="S::guillaume.gulli@isen.yncrea.fr::1981c500-0edc-45d4-907a-9f77f1a48351" providerId="AD" clId="Web-{BE397840-2AE7-8A76-A020-1CD67F023FA0}" dt="2021-06-18T12:09:22.513" v="3"/>
+          <ac:spMkLst>
+            <pc:docMk/>
+            <pc:sldMk cId="1097528585" sldId="261"/>
+            <ac:spMk id="2" creationId="{226C177B-1E1E-4459-9D14-97D43D36BA99}"/>
+          </ac:spMkLst>
+        </pc:spChg>
+        <pc:spChg chg="del mod">
+          <ac:chgData name="Guillaume GULLI" userId="S::guillaume.gulli@isen.yncrea.fr::1981c500-0edc-45d4-907a-9f77f1a48351" providerId="AD" clId="Web-{BE397840-2AE7-8A76-A020-1CD67F023FA0}" dt="2021-06-18T12:09:21.310" v="2"/>
+          <ac:spMkLst>
+            <pc:docMk/>
+            <pc:sldMk cId="1097528585" sldId="261"/>
+            <ac:spMk id="3" creationId="{8DEE7581-8445-4528-A099-DE89242E51F1}"/>
+          </ac:spMkLst>
+        </pc:spChg>
+        <pc:spChg chg="add mod">
+          <ac:chgData name="Guillaume GULLI" userId="S::guillaume.gulli@isen.yncrea.fr::1981c500-0edc-45d4-907a-9f77f1a48351" providerId="AD" clId="Web-{BE397840-2AE7-8A76-A020-1CD67F023FA0}" dt="2021-06-18T12:23:07.708" v="108" actId="20577"/>
+          <ac:spMkLst>
+            <pc:docMk/>
+            <pc:sldMk cId="1097528585" sldId="261"/>
+            <ac:spMk id="7" creationId="{C34615B9-2DFF-455A-A648-8C8D5D8107A1}"/>
+          </ac:spMkLst>
+        </pc:spChg>
+        <pc:spChg chg="add del mod">
+          <ac:chgData name="Guillaume GULLI" userId="S::guillaume.gulli@isen.yncrea.fr::1981c500-0edc-45d4-907a-9f77f1a48351" providerId="AD" clId="Web-{BE397840-2AE7-8A76-A020-1CD67F023FA0}" dt="2021-06-18T12:29:13.546" v="203"/>
+          <ac:spMkLst>
+            <pc:docMk/>
+            <pc:sldMk cId="1097528585" sldId="261"/>
+            <ac:spMk id="39" creationId="{35A58D95-B69A-4B33-BA31-207A6A5BDDB3}"/>
+          </ac:spMkLst>
+        </pc:spChg>
+        <pc:spChg chg="add mod">
+          <ac:chgData name="Guillaume GULLI" userId="S::guillaume.gulli@isen.yncrea.fr::1981c500-0edc-45d4-907a-9f77f1a48351" providerId="AD" clId="Web-{BE397840-2AE7-8A76-A020-1CD67F023FA0}" dt="2021-06-18T12:27:26.449" v="182" actId="1076"/>
+          <ac:spMkLst>
+            <pc:docMk/>
+            <pc:sldMk cId="1097528585" sldId="261"/>
+            <ac:spMk id="44" creationId="{D7AD82F6-38E5-46B5-838B-EFD5701026C7}"/>
+          </ac:spMkLst>
+        </pc:spChg>
+        <pc:spChg chg="add mod">
+          <ac:chgData name="Guillaume GULLI" userId="S::guillaume.gulli@isen.yncrea.fr::1981c500-0edc-45d4-907a-9f77f1a48351" providerId="AD" clId="Web-{BE397840-2AE7-8A76-A020-1CD67F023FA0}" dt="2021-06-18T12:27:28.715" v="183" actId="1076"/>
+          <ac:spMkLst>
+            <pc:docMk/>
+            <pc:sldMk cId="1097528585" sldId="261"/>
+            <ac:spMk id="45" creationId="{B6532C3D-1E94-48F4-92D3-FF1FEB77DF7C}"/>
+          </ac:spMkLst>
+        </pc:spChg>
+        <pc:spChg chg="add mod">
+          <ac:chgData name="Guillaume GULLI" userId="S::guillaume.gulli@isen.yncrea.fr::1981c500-0edc-45d4-907a-9f77f1a48351" providerId="AD" clId="Web-{BE397840-2AE7-8A76-A020-1CD67F023FA0}" dt="2021-06-18T12:27:30.981" v="184" actId="1076"/>
+          <ac:spMkLst>
+            <pc:docMk/>
+            <pc:sldMk cId="1097528585" sldId="261"/>
+            <ac:spMk id="46" creationId="{D13169A7-58A9-4A7A-9142-0822CF3B6196}"/>
+          </ac:spMkLst>
+        </pc:spChg>
+        <pc:spChg chg="add mod">
+          <ac:chgData name="Guillaume GULLI" userId="S::guillaume.gulli@isen.yncrea.fr::1981c500-0edc-45d4-907a-9f77f1a48351" providerId="AD" clId="Web-{BE397840-2AE7-8A76-A020-1CD67F023FA0}" dt="2021-06-18T12:42:08.083" v="284" actId="1076"/>
+          <ac:spMkLst>
+            <pc:docMk/>
+            <pc:sldMk cId="1097528585" sldId="261"/>
+            <ac:spMk id="47" creationId="{64C924E3-0B54-46A6-A8F2-4B347CEFBE60}"/>
+          </ac:spMkLst>
+        </pc:spChg>
+        <pc:spChg chg="add mod">
+          <ac:chgData name="Guillaume GULLI" userId="S::guillaume.gulli@isen.yncrea.fr::1981c500-0edc-45d4-907a-9f77f1a48351" providerId="AD" clId="Web-{BE397840-2AE7-8A76-A020-1CD67F023FA0}" dt="2021-06-18T12:31:24.847" v="229" actId="1076"/>
+          <ac:spMkLst>
+            <pc:docMk/>
+            <pc:sldMk cId="1097528585" sldId="261"/>
+            <ac:spMk id="48" creationId="{64C924E3-0B54-46A6-A8F2-4B347CEFBE60}"/>
+          </ac:spMkLst>
+        </pc:spChg>
+        <pc:spChg chg="add mod">
+          <ac:chgData name="Guillaume GULLI" userId="S::guillaume.gulli@isen.yncrea.fr::1981c500-0edc-45d4-907a-9f77f1a48351" providerId="AD" clId="Web-{BE397840-2AE7-8A76-A020-1CD67F023FA0}" dt="2021-06-18T12:41:06.021" v="262" actId="1076"/>
+          <ac:spMkLst>
+            <pc:docMk/>
+            <pc:sldMk cId="1097528585" sldId="261"/>
+            <ac:spMk id="49" creationId="{64C924E3-0B54-46A6-A8F2-4B347CEFBE60}"/>
+          </ac:spMkLst>
+        </pc:spChg>
+        <pc:spChg chg="add del">
+          <ac:chgData name="Guillaume GULLI" userId="S::guillaume.gulli@isen.yncrea.fr::1981c500-0edc-45d4-907a-9f77f1a48351" providerId="AD" clId="Web-{BE397840-2AE7-8A76-A020-1CD67F023FA0}" dt="2021-06-18T12:39:34.735" v="258"/>
+          <ac:spMkLst>
+            <pc:docMk/>
+            <pc:sldMk cId="1097528585" sldId="261"/>
+            <ac:spMk id="51" creationId="{0D3987AA-A07D-4533-A954-FF8B79C92237}"/>
+          </ac:spMkLst>
+        </pc:spChg>
+        <pc:spChg chg="add del mod">
+          <ac:chgData name="Guillaume GULLI" userId="S::guillaume.gulli@isen.yncrea.fr::1981c500-0edc-45d4-907a-9f77f1a48351" providerId="AD" clId="Web-{BE397840-2AE7-8A76-A020-1CD67F023FA0}" dt="2021-06-18T12:39:33.313" v="257"/>
+          <ac:spMkLst>
+            <pc:docMk/>
+            <pc:sldMk cId="1097528585" sldId="261"/>
+            <ac:spMk id="52" creationId="{D9F23CCC-BEE8-48EF-A837-12EF008335C5}"/>
+          </ac:spMkLst>
+        </pc:spChg>
+        <pc:spChg chg="add del mod">
+          <ac:chgData name="Guillaume GULLI" userId="S::guillaume.gulli@isen.yncrea.fr::1981c500-0edc-45d4-907a-9f77f1a48351" providerId="AD" clId="Web-{BE397840-2AE7-8A76-A020-1CD67F023FA0}" dt="2021-06-18T12:39:30.438" v="255"/>
+          <ac:spMkLst>
+            <pc:docMk/>
+            <pc:sldMk cId="1097528585" sldId="261"/>
+            <ac:spMk id="53" creationId="{9F93BDEA-A1C7-47E0-8D95-761C68A02FF6}"/>
+          </ac:spMkLst>
+        </pc:spChg>
+        <pc:spChg chg="add mod">
+          <ac:chgData name="Guillaume GULLI" userId="S::guillaume.gulli@isen.yncrea.fr::1981c500-0edc-45d4-907a-9f77f1a48351" providerId="AD" clId="Web-{BE397840-2AE7-8A76-A020-1CD67F023FA0}" dt="2021-06-18T12:44:39.493" v="299" actId="14100"/>
+          <ac:spMkLst>
+            <pc:docMk/>
+            <pc:sldMk cId="1097528585" sldId="261"/>
+            <ac:spMk id="56" creationId="{5D9CCEDE-BEFF-455D-B8AD-4395B3207A75}"/>
+          </ac:spMkLst>
+        </pc:spChg>
+        <pc:picChg chg="add mod">
+          <ac:chgData name="Guillaume GULLI" userId="S::guillaume.gulli@isen.yncrea.fr::1981c500-0edc-45d4-907a-9f77f1a48351" providerId="AD" clId="Web-{BE397840-2AE7-8A76-A020-1CD67F023FA0}" dt="2021-06-18T12:11:21.016" v="12" actId="1076"/>
+          <ac:picMkLst>
+            <pc:docMk/>
+            <pc:sldMk cId="1097528585" sldId="261"/>
+            <ac:picMk id="5" creationId="{F9F0F25D-1749-4D01-BC73-B2E75387508B}"/>
+          </ac:picMkLst>
+        </pc:picChg>
+        <pc:picChg chg="add del mod">
+          <ac:chgData name="Guillaume GULLI" userId="S::guillaume.gulli@isen.yncrea.fr::1981c500-0edc-45d4-907a-9f77f1a48351" providerId="AD" clId="Web-{BE397840-2AE7-8A76-A020-1CD67F023FA0}" dt="2021-06-18T12:12:46.816" v="17"/>
+          <ac:picMkLst>
+            <pc:docMk/>
+            <pc:sldMk cId="1097528585" sldId="261"/>
+            <ac:picMk id="8" creationId="{FD9EB7E1-655F-4DEC-AE0F-5CA08CC06A2F}"/>
+          </ac:picMkLst>
+        </pc:picChg>
+        <pc:picChg chg="add del mod">
+          <ac:chgData name="Guillaume GULLI" userId="S::guillaume.gulli@isen.yncrea.fr::1981c500-0edc-45d4-907a-9f77f1a48351" providerId="AD" clId="Web-{BE397840-2AE7-8A76-A020-1CD67F023FA0}" dt="2021-06-18T12:17:35.995" v="50"/>
+          <ac:picMkLst>
+            <pc:docMk/>
+            <pc:sldMk cId="1097528585" sldId="261"/>
+            <ac:picMk id="9" creationId="{D49A16B4-AD2D-4A37-8DCC-662AD28B7693}"/>
+          </ac:picMkLst>
+        </pc:picChg>
+        <pc:picChg chg="add del mod">
+          <ac:chgData name="Guillaume GULLI" userId="S::guillaume.gulli@isen.yncrea.fr::1981c500-0edc-45d4-907a-9f77f1a48351" providerId="AD" clId="Web-{BE397840-2AE7-8A76-A020-1CD67F023FA0}" dt="2021-06-18T12:14:18.584" v="29"/>
+          <ac:picMkLst>
+            <pc:docMk/>
+            <pc:sldMk cId="1097528585" sldId="261"/>
+            <ac:picMk id="10" creationId="{FF8D7C10-2888-4A1E-8060-5A77204B6A65}"/>
+          </ac:picMkLst>
+        </pc:picChg>
+        <pc:picChg chg="add del mod">
+          <ac:chgData name="Guillaume GULLI" userId="S::guillaume.gulli@isen.yncrea.fr::1981c500-0edc-45d4-907a-9f77f1a48351" providerId="AD" clId="Web-{BE397840-2AE7-8A76-A020-1CD67F023FA0}" dt="2021-06-18T12:14:18.568" v="28"/>
+          <ac:picMkLst>
+            <pc:docMk/>
+            <pc:sldMk cId="1097528585" sldId="261"/>
+            <ac:picMk id="11" creationId="{F3609171-AAB4-4A28-B1DD-284725CFB200}"/>
+          </ac:picMkLst>
+        </pc:picChg>
+        <pc:picChg chg="add del mod">
+          <ac:chgData name="Guillaume GULLI" userId="S::guillaume.gulli@isen.yncrea.fr::1981c500-0edc-45d4-907a-9f77f1a48351" providerId="AD" clId="Web-{BE397840-2AE7-8A76-A020-1CD67F023FA0}" dt="2021-06-18T12:14:18.568" v="27"/>
+          <ac:picMkLst>
+            <pc:docMk/>
+            <pc:sldMk cId="1097528585" sldId="261"/>
+            <ac:picMk id="12" creationId="{84419DE7-29AB-4D86-92C7-521F6FE2530A}"/>
+          </ac:picMkLst>
+        </pc:picChg>
+        <pc:picChg chg="add mod">
+          <ac:chgData name="Guillaume GULLI" userId="S::guillaume.gulli@isen.yncrea.fr::1981c500-0edc-45d4-907a-9f77f1a48351" providerId="AD" clId="Web-{BE397840-2AE7-8A76-A020-1CD67F023FA0}" dt="2021-06-18T12:24:53.461" v="119" actId="1076"/>
+          <ac:picMkLst>
+            <pc:docMk/>
+            <pc:sldMk cId="1097528585" sldId="261"/>
+            <ac:picMk id="13" creationId="{ED17D935-9A50-470B-A87D-8FE7D57319A1}"/>
+          </ac:picMkLst>
+        </pc:picChg>
+        <pc:picChg chg="add mod">
+          <ac:chgData name="Guillaume GULLI" userId="S::guillaume.gulli@isen.yncrea.fr::1981c500-0edc-45d4-907a-9f77f1a48351" providerId="AD" clId="Web-{BE397840-2AE7-8A76-A020-1CD67F023FA0}" dt="2021-06-18T12:28:34.623" v="192" actId="14100"/>
+          <ac:picMkLst>
+            <pc:docMk/>
+            <pc:sldMk cId="1097528585" sldId="261"/>
+            <ac:picMk id="14" creationId="{643E7E6A-209A-44D9-85A0-1E4325F3BA8B}"/>
+          </ac:picMkLst>
+        </pc:picChg>
+        <pc:picChg chg="add mod">
+          <ac:chgData name="Guillaume GULLI" userId="S::guillaume.gulli@isen.yncrea.fr::1981c500-0edc-45d4-907a-9f77f1a48351" providerId="AD" clId="Web-{BE397840-2AE7-8A76-A020-1CD67F023FA0}" dt="2021-06-18T12:40:55.956" v="261" actId="1076"/>
+          <ac:picMkLst>
+            <pc:docMk/>
+            <pc:sldMk cId="1097528585" sldId="261"/>
+            <ac:picMk id="15" creationId="{12B6BCEC-225B-430A-BF23-D64E9E0C2244}"/>
+          </ac:picMkLst>
+        </pc:picChg>
+        <pc:picChg chg="add mod">
+          <ac:chgData name="Guillaume GULLI" userId="S::guillaume.gulli@isen.yncrea.fr::1981c500-0edc-45d4-907a-9f77f1a48351" providerId="AD" clId="Web-{BE397840-2AE7-8A76-A020-1CD67F023FA0}" dt="2021-06-18T12:28:25.388" v="191" actId="1076"/>
+          <ac:picMkLst>
+            <pc:docMk/>
+            <pc:sldMk cId="1097528585" sldId="261"/>
+            <ac:picMk id="16" creationId="{A54D3640-17EF-4F75-8DD5-ACED65F6DEF3}"/>
+          </ac:picMkLst>
+        </pc:picChg>
+        <pc:picChg chg="add mod">
+          <ac:chgData name="Guillaume GULLI" userId="S::guillaume.gulli@isen.yncrea.fr::1981c500-0edc-45d4-907a-9f77f1a48351" providerId="AD" clId="Web-{BE397840-2AE7-8A76-A020-1CD67F023FA0}" dt="2021-06-18T12:23:42.959" v="110" actId="1076"/>
+          <ac:picMkLst>
+            <pc:docMk/>
+            <pc:sldMk cId="1097528585" sldId="261"/>
+            <ac:picMk id="38" creationId="{08ADC564-C57F-44D8-B87B-2978F804A11A}"/>
+          </ac:picMkLst>
+        </pc:picChg>
+        <pc:picChg chg="add del">
+          <ac:chgData name="Guillaume GULLI" userId="S::guillaume.gulli@isen.yncrea.fr::1981c500-0edc-45d4-907a-9f77f1a48351" providerId="AD" clId="Web-{BE397840-2AE7-8A76-A020-1CD67F023FA0}" dt="2021-06-18T12:25:20.899" v="127"/>
+          <ac:picMkLst>
+            <pc:docMk/>
+            <pc:sldMk cId="1097528585" sldId="261"/>
+            <ac:picMk id="41" creationId="{53B8B28F-7E97-4538-874F-9043358BB906}"/>
+          </ac:picMkLst>
+        </pc:picChg>
+        <pc:picChg chg="add del">
+          <ac:chgData name="Guillaume GULLI" userId="S::guillaume.gulli@isen.yncrea.fr::1981c500-0edc-45d4-907a-9f77f1a48351" providerId="AD" clId="Web-{BE397840-2AE7-8A76-A020-1CD67F023FA0}" dt="2021-06-18T12:25:19.993" v="126"/>
+          <ac:picMkLst>
+            <pc:docMk/>
+            <pc:sldMk cId="1097528585" sldId="261"/>
+            <ac:picMk id="43" creationId="{E0FC3C1F-DC24-44A8-91BE-EDC057E6D55C}"/>
+          </ac:picMkLst>
+        </pc:picChg>
+        <pc:picChg chg="add mod">
+          <ac:chgData name="Guillaume GULLI" userId="S::guillaume.gulli@isen.yncrea.fr::1981c500-0edc-45d4-907a-9f77f1a48351" providerId="AD" clId="Web-{BE397840-2AE7-8A76-A020-1CD67F023FA0}" dt="2021-06-18T12:40:31.205" v="260" actId="1076"/>
+          <ac:picMkLst>
+            <pc:docMk/>
+            <pc:sldMk cId="1097528585" sldId="261"/>
+            <ac:picMk id="50" creationId="{FAB98C98-899E-4B2F-B2D4-4D5F282BA2ED}"/>
+          </ac:picMkLst>
+        </pc:picChg>
+        <pc:cxnChg chg="add mod">
+          <ac:chgData name="Guillaume GULLI" userId="S::guillaume.gulli@isen.yncrea.fr::1981c500-0edc-45d4-907a-9f77f1a48351" providerId="AD" clId="Web-{BE397840-2AE7-8A76-A020-1CD67F023FA0}" dt="2021-06-18T12:32:59.146" v="236" actId="14100"/>
+          <ac:cxnSpMkLst>
+            <pc:docMk/>
+            <pc:sldMk cId="1097528585" sldId="261"/>
+            <ac:cxnSpMk id="18" creationId="{9F1F7F94-3E03-4BF4-B0DA-3E483D4091FD}"/>
+          </ac:cxnSpMkLst>
+        </pc:cxnChg>
+        <pc:cxnChg chg="add mod">
+          <ac:chgData name="Guillaume GULLI" userId="S::guillaume.gulli@isen.yncrea.fr::1981c500-0edc-45d4-907a-9f77f1a48351" providerId="AD" clId="Web-{BE397840-2AE7-8A76-A020-1CD67F023FA0}" dt="2021-06-18T12:33:39.600" v="242" actId="14100"/>
+          <ac:cxnSpMkLst>
+            <pc:docMk/>
+            <pc:sldMk cId="1097528585" sldId="261"/>
+            <ac:cxnSpMk id="20" creationId="{DF4A8761-E6F2-4322-A39D-E667B9206136}"/>
+          </ac:cxnSpMkLst>
+        </pc:cxnChg>
+        <pc:cxnChg chg="add mod">
+          <ac:chgData name="Guillaume GULLI" userId="S::guillaume.gulli@isen.yncrea.fr::1981c500-0edc-45d4-907a-9f77f1a48351" providerId="AD" clId="Web-{BE397840-2AE7-8A76-A020-1CD67F023FA0}" dt="2021-06-18T12:39:16.750" v="250" actId="14100"/>
+          <ac:cxnSpMkLst>
+            <pc:docMk/>
+            <pc:sldMk cId="1097528585" sldId="261"/>
+            <ac:cxnSpMk id="22" creationId="{999A1327-5579-4EA8-8A9E-BC0C1C88DB9B}"/>
+          </ac:cxnSpMkLst>
+        </pc:cxnChg>
+        <pc:cxnChg chg="add del mod">
+          <ac:chgData name="Guillaume GULLI" userId="S::guillaume.gulli@isen.yncrea.fr::1981c500-0edc-45d4-907a-9f77f1a48351" providerId="AD" clId="Web-{BE397840-2AE7-8A76-A020-1CD67F023FA0}" dt="2021-06-18T12:42:19.271" v="287"/>
+          <ac:cxnSpMkLst>
+            <pc:docMk/>
+            <pc:sldMk cId="1097528585" sldId="261"/>
+            <ac:cxnSpMk id="24" creationId="{64880194-0E88-425B-AEEF-BA27B35F656B}"/>
+          </ac:cxnSpMkLst>
+        </pc:cxnChg>
+        <pc:cxnChg chg="add mod">
+          <ac:chgData name="Guillaume GULLI" userId="S::guillaume.gulli@isen.yncrea.fr::1981c500-0edc-45d4-907a-9f77f1a48351" providerId="AD" clId="Web-{BE397840-2AE7-8A76-A020-1CD67F023FA0}" dt="2021-06-18T12:39:48.782" v="259" actId="14100"/>
+          <ac:cxnSpMkLst>
+            <pc:docMk/>
+            <pc:sldMk cId="1097528585" sldId="261"/>
+            <ac:cxnSpMk id="26" creationId="{6D026E81-4BA2-46CB-BB7D-F421754F9A6B}"/>
+          </ac:cxnSpMkLst>
+        </pc:cxnChg>
+        <pc:cxnChg chg="add mod">
+          <ac:chgData name="Guillaume GULLI" userId="S::guillaume.gulli@isen.yncrea.fr::1981c500-0edc-45d4-907a-9f77f1a48351" providerId="AD" clId="Web-{BE397840-2AE7-8A76-A020-1CD67F023FA0}" dt="2021-06-18T12:42:55.522" v="293" actId="14100"/>
+          <ac:cxnSpMkLst>
+            <pc:docMk/>
+            <pc:sldMk cId="1097528585" sldId="261"/>
+            <ac:cxnSpMk id="28" creationId="{F045217E-C339-4764-A140-DDE4BD32E03F}"/>
+          </ac:cxnSpMkLst>
+        </pc:cxnChg>
+        <pc:cxnChg chg="add del">
+          <ac:chgData name="Guillaume GULLI" userId="S::guillaume.gulli@isen.yncrea.fr::1981c500-0edc-45d4-907a-9f77f1a48351" providerId="AD" clId="Web-{BE397840-2AE7-8A76-A020-1CD67F023FA0}" dt="2021-06-18T12:22:48.020" v="101"/>
+          <ac:cxnSpMkLst>
+            <pc:docMk/>
+            <pc:sldMk cId="1097528585" sldId="261"/>
+            <ac:cxnSpMk id="30" creationId="{CD734CD9-1858-4922-AD9D-A3B4E5BE9EBD}"/>
+          </ac:cxnSpMkLst>
+        </pc:cxnChg>
+        <pc:cxnChg chg="add del">
+          <ac:chgData name="Guillaume GULLI" userId="S::guillaume.gulli@isen.yncrea.fr::1981c500-0edc-45d4-907a-9f77f1a48351" providerId="AD" clId="Web-{BE397840-2AE7-8A76-A020-1CD67F023FA0}" dt="2021-06-18T12:22:45.520" v="98"/>
+          <ac:cxnSpMkLst>
+            <pc:docMk/>
+            <pc:sldMk cId="1097528585" sldId="261"/>
+            <ac:cxnSpMk id="32" creationId="{3E099E92-03D2-4BBB-B8C4-4C982993982D}"/>
+          </ac:cxnSpMkLst>
+        </pc:cxnChg>
+        <pc:cxnChg chg="add del">
+          <ac:chgData name="Guillaume GULLI" userId="S::guillaume.gulli@isen.yncrea.fr::1981c500-0edc-45d4-907a-9f77f1a48351" providerId="AD" clId="Web-{BE397840-2AE7-8A76-A020-1CD67F023FA0}" dt="2021-06-18T12:22:47.473" v="100"/>
+          <ac:cxnSpMkLst>
+            <pc:docMk/>
+            <pc:sldMk cId="1097528585" sldId="261"/>
+            <ac:cxnSpMk id="34" creationId="{9BC347C4-9E08-4D0B-B3D0-B83BF161E5A2}"/>
+          </ac:cxnSpMkLst>
+        </pc:cxnChg>
+        <pc:cxnChg chg="add del">
+          <ac:chgData name="Guillaume GULLI" userId="S::guillaume.gulli@isen.yncrea.fr::1981c500-0edc-45d4-907a-9f77f1a48351" providerId="AD" clId="Web-{BE397840-2AE7-8A76-A020-1CD67F023FA0}" dt="2021-06-18T12:22:46.660" v="99"/>
+          <ac:cxnSpMkLst>
+            <pc:docMk/>
+            <pc:sldMk cId="1097528585" sldId="261"/>
+            <ac:cxnSpMk id="36" creationId="{2877DE54-E63F-4DD2-B13E-7A3FAAB9D685}"/>
+          </ac:cxnSpMkLst>
+        </pc:cxnChg>
+        <pc:cxnChg chg="add mod">
+          <ac:chgData name="Guillaume GULLI" userId="S::guillaume.gulli@isen.yncrea.fr::1981c500-0edc-45d4-907a-9f77f1a48351" providerId="AD" clId="Web-{BE397840-2AE7-8A76-A020-1CD67F023FA0}" dt="2021-06-18T12:42:32.630" v="290" actId="14100"/>
+          <ac:cxnSpMkLst>
+            <pc:docMk/>
+            <pc:sldMk cId="1097528585" sldId="261"/>
+            <ac:cxnSpMk id="54" creationId="{BFC3068B-BF6B-4773-82F4-8DA63F42B67A}"/>
+          </ac:cxnSpMkLst>
+        </pc:cxnChg>
       </pc:sldChg>
     </pc:docChg>
   </pc:docChgLst>
@@ -179,334 +758,6 @@
             <ac:picMk id="43" creationId="{729CF695-B528-4406-93E9-13742C2B904D}"/>
           </ac:picMkLst>
         </pc:picChg>
-      </pc:sldChg>
-    </pc:docChg>
-  </pc:docChgLst>
-  <pc:docChgLst>
-    <pc:chgData name="Guillaume GULLI" userId="S::guillaume.gulli@isen.yncrea.fr::1981c500-0edc-45d4-907a-9f77f1a48351" providerId="AD" clId="Web-{BE397840-2AE7-8A76-A020-1CD67F023FA0}"/>
-    <pc:docChg chg="addSld modSld">
-      <pc:chgData name="Guillaume GULLI" userId="S::guillaume.gulli@isen.yncrea.fr::1981c500-0edc-45d4-907a-9f77f1a48351" providerId="AD" clId="Web-{BE397840-2AE7-8A76-A020-1CD67F023FA0}" dt="2021-06-18T12:44:39.493" v="299" actId="14100"/>
-      <pc:docMkLst>
-        <pc:docMk/>
-      </pc:docMkLst>
-      <pc:sldChg chg="addSp delSp modSp new">
-        <pc:chgData name="Guillaume GULLI" userId="S::guillaume.gulli@isen.yncrea.fr::1981c500-0edc-45d4-907a-9f77f1a48351" providerId="AD" clId="Web-{BE397840-2AE7-8A76-A020-1CD67F023FA0}" dt="2021-06-18T12:44:39.493" v="299" actId="14100"/>
-        <pc:sldMkLst>
-          <pc:docMk/>
-          <pc:sldMk cId="1097528585" sldId="261"/>
-        </pc:sldMkLst>
-        <pc:spChg chg="del">
-          <ac:chgData name="Guillaume GULLI" userId="S::guillaume.gulli@isen.yncrea.fr::1981c500-0edc-45d4-907a-9f77f1a48351" providerId="AD" clId="Web-{BE397840-2AE7-8A76-A020-1CD67F023FA0}" dt="2021-06-18T12:09:22.513" v="3"/>
-          <ac:spMkLst>
-            <pc:docMk/>
-            <pc:sldMk cId="1097528585" sldId="261"/>
-            <ac:spMk id="2" creationId="{226C177B-1E1E-4459-9D14-97D43D36BA99}"/>
-          </ac:spMkLst>
-        </pc:spChg>
-        <pc:spChg chg="del mod">
-          <ac:chgData name="Guillaume GULLI" userId="S::guillaume.gulli@isen.yncrea.fr::1981c500-0edc-45d4-907a-9f77f1a48351" providerId="AD" clId="Web-{BE397840-2AE7-8A76-A020-1CD67F023FA0}" dt="2021-06-18T12:09:21.310" v="2"/>
-          <ac:spMkLst>
-            <pc:docMk/>
-            <pc:sldMk cId="1097528585" sldId="261"/>
-            <ac:spMk id="3" creationId="{8DEE7581-8445-4528-A099-DE89242E51F1}"/>
-          </ac:spMkLst>
-        </pc:spChg>
-        <pc:spChg chg="add mod">
-          <ac:chgData name="Guillaume GULLI" userId="S::guillaume.gulli@isen.yncrea.fr::1981c500-0edc-45d4-907a-9f77f1a48351" providerId="AD" clId="Web-{BE397840-2AE7-8A76-A020-1CD67F023FA0}" dt="2021-06-18T12:23:07.708" v="108" actId="20577"/>
-          <ac:spMkLst>
-            <pc:docMk/>
-            <pc:sldMk cId="1097528585" sldId="261"/>
-            <ac:spMk id="7" creationId="{C34615B9-2DFF-455A-A648-8C8D5D8107A1}"/>
-          </ac:spMkLst>
-        </pc:spChg>
-        <pc:spChg chg="add del mod">
-          <ac:chgData name="Guillaume GULLI" userId="S::guillaume.gulli@isen.yncrea.fr::1981c500-0edc-45d4-907a-9f77f1a48351" providerId="AD" clId="Web-{BE397840-2AE7-8A76-A020-1CD67F023FA0}" dt="2021-06-18T12:29:13.546" v="203"/>
-          <ac:spMkLst>
-            <pc:docMk/>
-            <pc:sldMk cId="1097528585" sldId="261"/>
-            <ac:spMk id="39" creationId="{35A58D95-B69A-4B33-BA31-207A6A5BDDB3}"/>
-          </ac:spMkLst>
-        </pc:spChg>
-        <pc:spChg chg="add mod">
-          <ac:chgData name="Guillaume GULLI" userId="S::guillaume.gulli@isen.yncrea.fr::1981c500-0edc-45d4-907a-9f77f1a48351" providerId="AD" clId="Web-{BE397840-2AE7-8A76-A020-1CD67F023FA0}" dt="2021-06-18T12:27:26.449" v="182" actId="1076"/>
-          <ac:spMkLst>
-            <pc:docMk/>
-            <pc:sldMk cId="1097528585" sldId="261"/>
-            <ac:spMk id="44" creationId="{D7AD82F6-38E5-46B5-838B-EFD5701026C7}"/>
-          </ac:spMkLst>
-        </pc:spChg>
-        <pc:spChg chg="add mod">
-          <ac:chgData name="Guillaume GULLI" userId="S::guillaume.gulli@isen.yncrea.fr::1981c500-0edc-45d4-907a-9f77f1a48351" providerId="AD" clId="Web-{BE397840-2AE7-8A76-A020-1CD67F023FA0}" dt="2021-06-18T12:27:28.715" v="183" actId="1076"/>
-          <ac:spMkLst>
-            <pc:docMk/>
-            <pc:sldMk cId="1097528585" sldId="261"/>
-            <ac:spMk id="45" creationId="{B6532C3D-1E94-48F4-92D3-FF1FEB77DF7C}"/>
-          </ac:spMkLst>
-        </pc:spChg>
-        <pc:spChg chg="add mod">
-          <ac:chgData name="Guillaume GULLI" userId="S::guillaume.gulli@isen.yncrea.fr::1981c500-0edc-45d4-907a-9f77f1a48351" providerId="AD" clId="Web-{BE397840-2AE7-8A76-A020-1CD67F023FA0}" dt="2021-06-18T12:27:30.981" v="184" actId="1076"/>
-          <ac:spMkLst>
-            <pc:docMk/>
-            <pc:sldMk cId="1097528585" sldId="261"/>
-            <ac:spMk id="46" creationId="{D13169A7-58A9-4A7A-9142-0822CF3B6196}"/>
-          </ac:spMkLst>
-        </pc:spChg>
-        <pc:spChg chg="add mod">
-          <ac:chgData name="Guillaume GULLI" userId="S::guillaume.gulli@isen.yncrea.fr::1981c500-0edc-45d4-907a-9f77f1a48351" providerId="AD" clId="Web-{BE397840-2AE7-8A76-A020-1CD67F023FA0}" dt="2021-06-18T12:42:08.083" v="284" actId="1076"/>
-          <ac:spMkLst>
-            <pc:docMk/>
-            <pc:sldMk cId="1097528585" sldId="261"/>
-            <ac:spMk id="47" creationId="{64C924E3-0B54-46A6-A8F2-4B347CEFBE60}"/>
-          </ac:spMkLst>
-        </pc:spChg>
-        <pc:spChg chg="add mod">
-          <ac:chgData name="Guillaume GULLI" userId="S::guillaume.gulli@isen.yncrea.fr::1981c500-0edc-45d4-907a-9f77f1a48351" providerId="AD" clId="Web-{BE397840-2AE7-8A76-A020-1CD67F023FA0}" dt="2021-06-18T12:31:24.847" v="229" actId="1076"/>
-          <ac:spMkLst>
-            <pc:docMk/>
-            <pc:sldMk cId="1097528585" sldId="261"/>
-            <ac:spMk id="48" creationId="{64C924E3-0B54-46A6-A8F2-4B347CEFBE60}"/>
-          </ac:spMkLst>
-        </pc:spChg>
-        <pc:spChg chg="add mod">
-          <ac:chgData name="Guillaume GULLI" userId="S::guillaume.gulli@isen.yncrea.fr::1981c500-0edc-45d4-907a-9f77f1a48351" providerId="AD" clId="Web-{BE397840-2AE7-8A76-A020-1CD67F023FA0}" dt="2021-06-18T12:41:06.021" v="262" actId="1076"/>
-          <ac:spMkLst>
-            <pc:docMk/>
-            <pc:sldMk cId="1097528585" sldId="261"/>
-            <ac:spMk id="49" creationId="{64C924E3-0B54-46A6-A8F2-4B347CEFBE60}"/>
-          </ac:spMkLst>
-        </pc:spChg>
-        <pc:spChg chg="add del">
-          <ac:chgData name="Guillaume GULLI" userId="S::guillaume.gulli@isen.yncrea.fr::1981c500-0edc-45d4-907a-9f77f1a48351" providerId="AD" clId="Web-{BE397840-2AE7-8A76-A020-1CD67F023FA0}" dt="2021-06-18T12:39:34.735" v="258"/>
-          <ac:spMkLst>
-            <pc:docMk/>
-            <pc:sldMk cId="1097528585" sldId="261"/>
-            <ac:spMk id="51" creationId="{0D3987AA-A07D-4533-A954-FF8B79C92237}"/>
-          </ac:spMkLst>
-        </pc:spChg>
-        <pc:spChg chg="add del mod">
-          <ac:chgData name="Guillaume GULLI" userId="S::guillaume.gulli@isen.yncrea.fr::1981c500-0edc-45d4-907a-9f77f1a48351" providerId="AD" clId="Web-{BE397840-2AE7-8A76-A020-1CD67F023FA0}" dt="2021-06-18T12:39:33.313" v="257"/>
-          <ac:spMkLst>
-            <pc:docMk/>
-            <pc:sldMk cId="1097528585" sldId="261"/>
-            <ac:spMk id="52" creationId="{D9F23CCC-BEE8-48EF-A837-12EF008335C5}"/>
-          </ac:spMkLst>
-        </pc:spChg>
-        <pc:spChg chg="add del mod">
-          <ac:chgData name="Guillaume GULLI" userId="S::guillaume.gulli@isen.yncrea.fr::1981c500-0edc-45d4-907a-9f77f1a48351" providerId="AD" clId="Web-{BE397840-2AE7-8A76-A020-1CD67F023FA0}" dt="2021-06-18T12:39:30.438" v="255"/>
-          <ac:spMkLst>
-            <pc:docMk/>
-            <pc:sldMk cId="1097528585" sldId="261"/>
-            <ac:spMk id="53" creationId="{9F93BDEA-A1C7-47E0-8D95-761C68A02FF6}"/>
-          </ac:spMkLst>
-        </pc:spChg>
-        <pc:spChg chg="add mod">
-          <ac:chgData name="Guillaume GULLI" userId="S::guillaume.gulli@isen.yncrea.fr::1981c500-0edc-45d4-907a-9f77f1a48351" providerId="AD" clId="Web-{BE397840-2AE7-8A76-A020-1CD67F023FA0}" dt="2021-06-18T12:44:39.493" v="299" actId="14100"/>
-          <ac:spMkLst>
-            <pc:docMk/>
-            <pc:sldMk cId="1097528585" sldId="261"/>
-            <ac:spMk id="56" creationId="{5D9CCEDE-BEFF-455D-B8AD-4395B3207A75}"/>
-          </ac:spMkLst>
-        </pc:spChg>
-        <pc:picChg chg="add mod">
-          <ac:chgData name="Guillaume GULLI" userId="S::guillaume.gulli@isen.yncrea.fr::1981c500-0edc-45d4-907a-9f77f1a48351" providerId="AD" clId="Web-{BE397840-2AE7-8A76-A020-1CD67F023FA0}" dt="2021-06-18T12:11:21.016" v="12" actId="1076"/>
-          <ac:picMkLst>
-            <pc:docMk/>
-            <pc:sldMk cId="1097528585" sldId="261"/>
-            <ac:picMk id="5" creationId="{F9F0F25D-1749-4D01-BC73-B2E75387508B}"/>
-          </ac:picMkLst>
-        </pc:picChg>
-        <pc:picChg chg="add del mod">
-          <ac:chgData name="Guillaume GULLI" userId="S::guillaume.gulli@isen.yncrea.fr::1981c500-0edc-45d4-907a-9f77f1a48351" providerId="AD" clId="Web-{BE397840-2AE7-8A76-A020-1CD67F023FA0}" dt="2021-06-18T12:12:46.816" v="17"/>
-          <ac:picMkLst>
-            <pc:docMk/>
-            <pc:sldMk cId="1097528585" sldId="261"/>
-            <ac:picMk id="8" creationId="{FD9EB7E1-655F-4DEC-AE0F-5CA08CC06A2F}"/>
-          </ac:picMkLst>
-        </pc:picChg>
-        <pc:picChg chg="add del mod">
-          <ac:chgData name="Guillaume GULLI" userId="S::guillaume.gulli@isen.yncrea.fr::1981c500-0edc-45d4-907a-9f77f1a48351" providerId="AD" clId="Web-{BE397840-2AE7-8A76-A020-1CD67F023FA0}" dt="2021-06-18T12:17:35.995" v="50"/>
-          <ac:picMkLst>
-            <pc:docMk/>
-            <pc:sldMk cId="1097528585" sldId="261"/>
-            <ac:picMk id="9" creationId="{D49A16B4-AD2D-4A37-8DCC-662AD28B7693}"/>
-          </ac:picMkLst>
-        </pc:picChg>
-        <pc:picChg chg="add del mod">
-          <ac:chgData name="Guillaume GULLI" userId="S::guillaume.gulli@isen.yncrea.fr::1981c500-0edc-45d4-907a-9f77f1a48351" providerId="AD" clId="Web-{BE397840-2AE7-8A76-A020-1CD67F023FA0}" dt="2021-06-18T12:14:18.584" v="29"/>
-          <ac:picMkLst>
-            <pc:docMk/>
-            <pc:sldMk cId="1097528585" sldId="261"/>
-            <ac:picMk id="10" creationId="{FF8D7C10-2888-4A1E-8060-5A77204B6A65}"/>
-          </ac:picMkLst>
-        </pc:picChg>
-        <pc:picChg chg="add del mod">
-          <ac:chgData name="Guillaume GULLI" userId="S::guillaume.gulli@isen.yncrea.fr::1981c500-0edc-45d4-907a-9f77f1a48351" providerId="AD" clId="Web-{BE397840-2AE7-8A76-A020-1CD67F023FA0}" dt="2021-06-18T12:14:18.568" v="28"/>
-          <ac:picMkLst>
-            <pc:docMk/>
-            <pc:sldMk cId="1097528585" sldId="261"/>
-            <ac:picMk id="11" creationId="{F3609171-AAB4-4A28-B1DD-284725CFB200}"/>
-          </ac:picMkLst>
-        </pc:picChg>
-        <pc:picChg chg="add del mod">
-          <ac:chgData name="Guillaume GULLI" userId="S::guillaume.gulli@isen.yncrea.fr::1981c500-0edc-45d4-907a-9f77f1a48351" providerId="AD" clId="Web-{BE397840-2AE7-8A76-A020-1CD67F023FA0}" dt="2021-06-18T12:14:18.568" v="27"/>
-          <ac:picMkLst>
-            <pc:docMk/>
-            <pc:sldMk cId="1097528585" sldId="261"/>
-            <ac:picMk id="12" creationId="{84419DE7-29AB-4D86-92C7-521F6FE2530A}"/>
-          </ac:picMkLst>
-        </pc:picChg>
-        <pc:picChg chg="add mod">
-          <ac:chgData name="Guillaume GULLI" userId="S::guillaume.gulli@isen.yncrea.fr::1981c500-0edc-45d4-907a-9f77f1a48351" providerId="AD" clId="Web-{BE397840-2AE7-8A76-A020-1CD67F023FA0}" dt="2021-06-18T12:24:53.461" v="119" actId="1076"/>
-          <ac:picMkLst>
-            <pc:docMk/>
-            <pc:sldMk cId="1097528585" sldId="261"/>
-            <ac:picMk id="13" creationId="{ED17D935-9A50-470B-A87D-8FE7D57319A1}"/>
-          </ac:picMkLst>
-        </pc:picChg>
-        <pc:picChg chg="add mod">
-          <ac:chgData name="Guillaume GULLI" userId="S::guillaume.gulli@isen.yncrea.fr::1981c500-0edc-45d4-907a-9f77f1a48351" providerId="AD" clId="Web-{BE397840-2AE7-8A76-A020-1CD67F023FA0}" dt="2021-06-18T12:28:34.623" v="192" actId="14100"/>
-          <ac:picMkLst>
-            <pc:docMk/>
-            <pc:sldMk cId="1097528585" sldId="261"/>
-            <ac:picMk id="14" creationId="{643E7E6A-209A-44D9-85A0-1E4325F3BA8B}"/>
-          </ac:picMkLst>
-        </pc:picChg>
-        <pc:picChg chg="add mod">
-          <ac:chgData name="Guillaume GULLI" userId="S::guillaume.gulli@isen.yncrea.fr::1981c500-0edc-45d4-907a-9f77f1a48351" providerId="AD" clId="Web-{BE397840-2AE7-8A76-A020-1CD67F023FA0}" dt="2021-06-18T12:40:55.956" v="261" actId="1076"/>
-          <ac:picMkLst>
-            <pc:docMk/>
-            <pc:sldMk cId="1097528585" sldId="261"/>
-            <ac:picMk id="15" creationId="{12B6BCEC-225B-430A-BF23-D64E9E0C2244}"/>
-          </ac:picMkLst>
-        </pc:picChg>
-        <pc:picChg chg="add mod">
-          <ac:chgData name="Guillaume GULLI" userId="S::guillaume.gulli@isen.yncrea.fr::1981c500-0edc-45d4-907a-9f77f1a48351" providerId="AD" clId="Web-{BE397840-2AE7-8A76-A020-1CD67F023FA0}" dt="2021-06-18T12:28:25.388" v="191" actId="1076"/>
-          <ac:picMkLst>
-            <pc:docMk/>
-            <pc:sldMk cId="1097528585" sldId="261"/>
-            <ac:picMk id="16" creationId="{A54D3640-17EF-4F75-8DD5-ACED65F6DEF3}"/>
-          </ac:picMkLst>
-        </pc:picChg>
-        <pc:picChg chg="add mod">
-          <ac:chgData name="Guillaume GULLI" userId="S::guillaume.gulli@isen.yncrea.fr::1981c500-0edc-45d4-907a-9f77f1a48351" providerId="AD" clId="Web-{BE397840-2AE7-8A76-A020-1CD67F023FA0}" dt="2021-06-18T12:23:42.959" v="110" actId="1076"/>
-          <ac:picMkLst>
-            <pc:docMk/>
-            <pc:sldMk cId="1097528585" sldId="261"/>
-            <ac:picMk id="38" creationId="{08ADC564-C57F-44D8-B87B-2978F804A11A}"/>
-          </ac:picMkLst>
-        </pc:picChg>
-        <pc:picChg chg="add del">
-          <ac:chgData name="Guillaume GULLI" userId="S::guillaume.gulli@isen.yncrea.fr::1981c500-0edc-45d4-907a-9f77f1a48351" providerId="AD" clId="Web-{BE397840-2AE7-8A76-A020-1CD67F023FA0}" dt="2021-06-18T12:25:20.899" v="127"/>
-          <ac:picMkLst>
-            <pc:docMk/>
-            <pc:sldMk cId="1097528585" sldId="261"/>
-            <ac:picMk id="41" creationId="{53B8B28F-7E97-4538-874F-9043358BB906}"/>
-          </ac:picMkLst>
-        </pc:picChg>
-        <pc:picChg chg="add del">
-          <ac:chgData name="Guillaume GULLI" userId="S::guillaume.gulli@isen.yncrea.fr::1981c500-0edc-45d4-907a-9f77f1a48351" providerId="AD" clId="Web-{BE397840-2AE7-8A76-A020-1CD67F023FA0}" dt="2021-06-18T12:25:19.993" v="126"/>
-          <ac:picMkLst>
-            <pc:docMk/>
-            <pc:sldMk cId="1097528585" sldId="261"/>
-            <ac:picMk id="43" creationId="{E0FC3C1F-DC24-44A8-91BE-EDC057E6D55C}"/>
-          </ac:picMkLst>
-        </pc:picChg>
-        <pc:picChg chg="add mod">
-          <ac:chgData name="Guillaume GULLI" userId="S::guillaume.gulli@isen.yncrea.fr::1981c500-0edc-45d4-907a-9f77f1a48351" providerId="AD" clId="Web-{BE397840-2AE7-8A76-A020-1CD67F023FA0}" dt="2021-06-18T12:40:31.205" v="260" actId="1076"/>
-          <ac:picMkLst>
-            <pc:docMk/>
-            <pc:sldMk cId="1097528585" sldId="261"/>
-            <ac:picMk id="50" creationId="{FAB98C98-899E-4B2F-B2D4-4D5F282BA2ED}"/>
-          </ac:picMkLst>
-        </pc:picChg>
-        <pc:cxnChg chg="add mod">
-          <ac:chgData name="Guillaume GULLI" userId="S::guillaume.gulli@isen.yncrea.fr::1981c500-0edc-45d4-907a-9f77f1a48351" providerId="AD" clId="Web-{BE397840-2AE7-8A76-A020-1CD67F023FA0}" dt="2021-06-18T12:32:59.146" v="236" actId="14100"/>
-          <ac:cxnSpMkLst>
-            <pc:docMk/>
-            <pc:sldMk cId="1097528585" sldId="261"/>
-            <ac:cxnSpMk id="18" creationId="{9F1F7F94-3E03-4BF4-B0DA-3E483D4091FD}"/>
-          </ac:cxnSpMkLst>
-        </pc:cxnChg>
-        <pc:cxnChg chg="add mod">
-          <ac:chgData name="Guillaume GULLI" userId="S::guillaume.gulli@isen.yncrea.fr::1981c500-0edc-45d4-907a-9f77f1a48351" providerId="AD" clId="Web-{BE397840-2AE7-8A76-A020-1CD67F023FA0}" dt="2021-06-18T12:33:39.600" v="242" actId="14100"/>
-          <ac:cxnSpMkLst>
-            <pc:docMk/>
-            <pc:sldMk cId="1097528585" sldId="261"/>
-            <ac:cxnSpMk id="20" creationId="{DF4A8761-E6F2-4322-A39D-E667B9206136}"/>
-          </ac:cxnSpMkLst>
-        </pc:cxnChg>
-        <pc:cxnChg chg="add mod">
-          <ac:chgData name="Guillaume GULLI" userId="S::guillaume.gulli@isen.yncrea.fr::1981c500-0edc-45d4-907a-9f77f1a48351" providerId="AD" clId="Web-{BE397840-2AE7-8A76-A020-1CD67F023FA0}" dt="2021-06-18T12:39:16.750" v="250" actId="14100"/>
-          <ac:cxnSpMkLst>
-            <pc:docMk/>
-            <pc:sldMk cId="1097528585" sldId="261"/>
-            <ac:cxnSpMk id="22" creationId="{999A1327-5579-4EA8-8A9E-BC0C1C88DB9B}"/>
-          </ac:cxnSpMkLst>
-        </pc:cxnChg>
-        <pc:cxnChg chg="add del mod">
-          <ac:chgData name="Guillaume GULLI" userId="S::guillaume.gulli@isen.yncrea.fr::1981c500-0edc-45d4-907a-9f77f1a48351" providerId="AD" clId="Web-{BE397840-2AE7-8A76-A020-1CD67F023FA0}" dt="2021-06-18T12:42:19.271" v="287"/>
-          <ac:cxnSpMkLst>
-            <pc:docMk/>
-            <pc:sldMk cId="1097528585" sldId="261"/>
-            <ac:cxnSpMk id="24" creationId="{64880194-0E88-425B-AEEF-BA27B35F656B}"/>
-          </ac:cxnSpMkLst>
-        </pc:cxnChg>
-        <pc:cxnChg chg="add mod">
-          <ac:chgData name="Guillaume GULLI" userId="S::guillaume.gulli@isen.yncrea.fr::1981c500-0edc-45d4-907a-9f77f1a48351" providerId="AD" clId="Web-{BE397840-2AE7-8A76-A020-1CD67F023FA0}" dt="2021-06-18T12:39:48.782" v="259" actId="14100"/>
-          <ac:cxnSpMkLst>
-            <pc:docMk/>
-            <pc:sldMk cId="1097528585" sldId="261"/>
-            <ac:cxnSpMk id="26" creationId="{6D026E81-4BA2-46CB-BB7D-F421754F9A6B}"/>
-          </ac:cxnSpMkLst>
-        </pc:cxnChg>
-        <pc:cxnChg chg="add mod">
-          <ac:chgData name="Guillaume GULLI" userId="S::guillaume.gulli@isen.yncrea.fr::1981c500-0edc-45d4-907a-9f77f1a48351" providerId="AD" clId="Web-{BE397840-2AE7-8A76-A020-1CD67F023FA0}" dt="2021-06-18T12:42:55.522" v="293" actId="14100"/>
-          <ac:cxnSpMkLst>
-            <pc:docMk/>
-            <pc:sldMk cId="1097528585" sldId="261"/>
-            <ac:cxnSpMk id="28" creationId="{F045217E-C339-4764-A140-DDE4BD32E03F}"/>
-          </ac:cxnSpMkLst>
-        </pc:cxnChg>
-        <pc:cxnChg chg="add del">
-          <ac:chgData name="Guillaume GULLI" userId="S::guillaume.gulli@isen.yncrea.fr::1981c500-0edc-45d4-907a-9f77f1a48351" providerId="AD" clId="Web-{BE397840-2AE7-8A76-A020-1CD67F023FA0}" dt="2021-06-18T12:22:48.020" v="101"/>
-          <ac:cxnSpMkLst>
-            <pc:docMk/>
-            <pc:sldMk cId="1097528585" sldId="261"/>
-            <ac:cxnSpMk id="30" creationId="{CD734CD9-1858-4922-AD9D-A3B4E5BE9EBD}"/>
-          </ac:cxnSpMkLst>
-        </pc:cxnChg>
-        <pc:cxnChg chg="add del">
-          <ac:chgData name="Guillaume GULLI" userId="S::guillaume.gulli@isen.yncrea.fr::1981c500-0edc-45d4-907a-9f77f1a48351" providerId="AD" clId="Web-{BE397840-2AE7-8A76-A020-1CD67F023FA0}" dt="2021-06-18T12:22:45.520" v="98"/>
-          <ac:cxnSpMkLst>
-            <pc:docMk/>
-            <pc:sldMk cId="1097528585" sldId="261"/>
-            <ac:cxnSpMk id="32" creationId="{3E099E92-03D2-4BBB-B8C4-4C982993982D}"/>
-          </ac:cxnSpMkLst>
-        </pc:cxnChg>
-        <pc:cxnChg chg="add del">
-          <ac:chgData name="Guillaume GULLI" userId="S::guillaume.gulli@isen.yncrea.fr::1981c500-0edc-45d4-907a-9f77f1a48351" providerId="AD" clId="Web-{BE397840-2AE7-8A76-A020-1CD67F023FA0}" dt="2021-06-18T12:22:47.473" v="100"/>
-          <ac:cxnSpMkLst>
-            <pc:docMk/>
-            <pc:sldMk cId="1097528585" sldId="261"/>
-            <ac:cxnSpMk id="34" creationId="{9BC347C4-9E08-4D0B-B3D0-B83BF161E5A2}"/>
-          </ac:cxnSpMkLst>
-        </pc:cxnChg>
-        <pc:cxnChg chg="add del">
-          <ac:chgData name="Guillaume GULLI" userId="S::guillaume.gulli@isen.yncrea.fr::1981c500-0edc-45d4-907a-9f77f1a48351" providerId="AD" clId="Web-{BE397840-2AE7-8A76-A020-1CD67F023FA0}" dt="2021-06-18T12:22:46.660" v="99"/>
-          <ac:cxnSpMkLst>
-            <pc:docMk/>
-            <pc:sldMk cId="1097528585" sldId="261"/>
-            <ac:cxnSpMk id="36" creationId="{2877DE54-E63F-4DD2-B13E-7A3FAAB9D685}"/>
-          </ac:cxnSpMkLst>
-        </pc:cxnChg>
-        <pc:cxnChg chg="add mod">
-          <ac:chgData name="Guillaume GULLI" userId="S::guillaume.gulli@isen.yncrea.fr::1981c500-0edc-45d4-907a-9f77f1a48351" providerId="AD" clId="Web-{BE397840-2AE7-8A76-A020-1CD67F023FA0}" dt="2021-06-18T12:42:32.630" v="290" actId="14100"/>
-          <ac:cxnSpMkLst>
-            <pc:docMk/>
-            <pc:sldMk cId="1097528585" sldId="261"/>
-            <ac:cxnSpMk id="54" creationId="{BFC3068B-BF6B-4773-82F4-8DA63F42B67A}"/>
-          </ac:cxnSpMkLst>
-        </pc:cxnChg>
       </pc:sldChg>
     </pc:docChg>
   </pc:docChgLst>
@@ -1209,7 +1460,7 @@
           <a:p>
             <a:fld id="{D9578751-DA34-41BA-ACFB-BD878EA789F8}" type="datetimeFigureOut">
               <a:rPr lang="fr-FR" smtClean="0"/>
-              <a:t>18/06/2021</a:t>
+              <a:t>22/06/2021</a:t>
             </a:fld>
             <a:endParaRPr lang="fr-FR"/>
           </a:p>
@@ -1407,7 +1658,7 @@
           <a:p>
             <a:fld id="{D9578751-DA34-41BA-ACFB-BD878EA789F8}" type="datetimeFigureOut">
               <a:rPr lang="fr-FR" smtClean="0"/>
-              <a:t>18/06/2021</a:t>
+              <a:t>22/06/2021</a:t>
             </a:fld>
             <a:endParaRPr lang="fr-FR"/>
           </a:p>
@@ -1615,7 +1866,7 @@
           <a:p>
             <a:fld id="{D9578751-DA34-41BA-ACFB-BD878EA789F8}" type="datetimeFigureOut">
               <a:rPr lang="fr-FR" smtClean="0"/>
-              <a:t>18/06/2021</a:t>
+              <a:t>22/06/2021</a:t>
             </a:fld>
             <a:endParaRPr lang="fr-FR"/>
           </a:p>
@@ -1813,7 +2064,7 @@
           <a:p>
             <a:fld id="{D9578751-DA34-41BA-ACFB-BD878EA789F8}" type="datetimeFigureOut">
               <a:rPr lang="fr-FR" smtClean="0"/>
-              <a:t>18/06/2021</a:t>
+              <a:t>22/06/2021</a:t>
             </a:fld>
             <a:endParaRPr lang="fr-FR"/>
           </a:p>
@@ -2088,7 +2339,7 @@
           <a:p>
             <a:fld id="{D9578751-DA34-41BA-ACFB-BD878EA789F8}" type="datetimeFigureOut">
               <a:rPr lang="fr-FR" smtClean="0"/>
-              <a:t>18/06/2021</a:t>
+              <a:t>22/06/2021</a:t>
             </a:fld>
             <a:endParaRPr lang="fr-FR"/>
           </a:p>
@@ -2353,7 +2604,7 @@
           <a:p>
             <a:fld id="{D9578751-DA34-41BA-ACFB-BD878EA789F8}" type="datetimeFigureOut">
               <a:rPr lang="fr-FR" smtClean="0"/>
-              <a:t>18/06/2021</a:t>
+              <a:t>22/06/2021</a:t>
             </a:fld>
             <a:endParaRPr lang="fr-FR"/>
           </a:p>
@@ -2765,7 +3016,7 @@
           <a:p>
             <a:fld id="{D9578751-DA34-41BA-ACFB-BD878EA789F8}" type="datetimeFigureOut">
               <a:rPr lang="fr-FR" smtClean="0"/>
-              <a:t>18/06/2021</a:t>
+              <a:t>22/06/2021</a:t>
             </a:fld>
             <a:endParaRPr lang="fr-FR"/>
           </a:p>
@@ -2906,7 +3157,7 @@
           <a:p>
             <a:fld id="{D9578751-DA34-41BA-ACFB-BD878EA789F8}" type="datetimeFigureOut">
               <a:rPr lang="fr-FR" smtClean="0"/>
-              <a:t>18/06/2021</a:t>
+              <a:t>22/06/2021</a:t>
             </a:fld>
             <a:endParaRPr lang="fr-FR"/>
           </a:p>
@@ -3019,7 +3270,7 @@
           <a:p>
             <a:fld id="{D9578751-DA34-41BA-ACFB-BD878EA789F8}" type="datetimeFigureOut">
               <a:rPr lang="fr-FR" smtClean="0"/>
-              <a:t>18/06/2021</a:t>
+              <a:t>22/06/2021</a:t>
             </a:fld>
             <a:endParaRPr lang="fr-FR"/>
           </a:p>
@@ -3330,7 +3581,7 @@
           <a:p>
             <a:fld id="{D9578751-DA34-41BA-ACFB-BD878EA789F8}" type="datetimeFigureOut">
               <a:rPr lang="fr-FR" smtClean="0"/>
-              <a:t>18/06/2021</a:t>
+              <a:t>22/06/2021</a:t>
             </a:fld>
             <a:endParaRPr lang="fr-FR"/>
           </a:p>
@@ -3618,7 +3869,7 @@
           <a:p>
             <a:fld id="{D9578751-DA34-41BA-ACFB-BD878EA789F8}" type="datetimeFigureOut">
               <a:rPr lang="fr-FR" smtClean="0"/>
-              <a:t>18/06/2021</a:t>
+              <a:t>22/06/2021</a:t>
             </a:fld>
             <a:endParaRPr lang="fr-FR"/>
           </a:p>
@@ -3859,7 +4110,7 @@
           <a:p>
             <a:fld id="{D9578751-DA34-41BA-ACFB-BD878EA789F8}" type="datetimeFigureOut">
               <a:rPr lang="fr-FR" smtClean="0"/>
-              <a:t>18/06/2021</a:t>
+              <a:t>22/06/2021</a:t>
             </a:fld>
             <a:endParaRPr lang="fr-FR"/>
           </a:p>
@@ -4303,627 +4554,6 @@
             <a:noFill/>
           </a:ln>
           <a:effectLst>
-            <a:outerShdw blurRad="63500" sx="102000" sy="102000" algn="ctr" rotWithShape="0">
-              <a:prstClr val="black">
-                <a:alpha val="13000"/>
-              </a:prstClr>
-            </a:outerShdw>
-          </a:effectLst>
-        </p:spPr>
-        <p:style>
-          <a:lnRef idx="2">
-            <a:schemeClr val="accent1">
-              <a:shade val="50000"/>
-            </a:schemeClr>
-          </a:lnRef>
-          <a:fillRef idx="1">
-            <a:schemeClr val="accent1"/>
-          </a:fillRef>
-          <a:effectRef idx="0">
-            <a:schemeClr val="accent1"/>
-          </a:effectRef>
-          <a:fontRef idx="minor">
-            <a:schemeClr val="lt1"/>
-          </a:fontRef>
-        </p:style>
-        <p:txBody>
-          <a:bodyPr rtlCol="0" anchor="ctr"/>
-          <a:lstStyle/>
-          <a:p>
-            <a:pPr algn="ctr"/>
-            <a:endParaRPr lang="fr-FR"/>
-          </a:p>
-        </p:txBody>
-      </p:sp>
-      <p:sp>
-        <p:nvSpPr>
-          <p:cNvPr id="9" name="Rectangle : coins arrondis 8">
-            <a:extLst>
-              <a:ext uri="{FF2B5EF4-FFF2-40B4-BE49-F238E27FC236}">
-                <a16:creationId xmlns:a16="http://schemas.microsoft.com/office/drawing/2014/main" id="{3A5E93C8-3108-4120-8AC8-88957A3FCA17}"/>
-              </a:ext>
-            </a:extLst>
-          </p:cNvPr>
-          <p:cNvSpPr/>
-          <p:nvPr/>
-        </p:nvSpPr>
-        <p:spPr>
-          <a:xfrm>
-            <a:off x="3977903" y="2876066"/>
-            <a:ext cx="4157964" cy="604344"/>
-          </a:xfrm>
-          <a:prstGeom prst="roundRect">
-            <a:avLst>
-              <a:gd name="adj" fmla="val 50000"/>
-            </a:avLst>
-          </a:prstGeom>
-          <a:solidFill>
-            <a:schemeClr val="bg1">
-              <a:lumMod val="95000"/>
-            </a:schemeClr>
-          </a:solidFill>
-          <a:ln>
-            <a:noFill/>
-          </a:ln>
-          <a:effectLst>
-            <a:innerShdw blurRad="63500">
-              <a:prstClr val="black">
-                <a:alpha val="20000"/>
-              </a:prstClr>
-            </a:innerShdw>
-          </a:effectLst>
-        </p:spPr>
-        <p:style>
-          <a:lnRef idx="2">
-            <a:schemeClr val="accent3">
-              <a:shade val="50000"/>
-            </a:schemeClr>
-          </a:lnRef>
-          <a:fillRef idx="1">
-            <a:schemeClr val="accent3"/>
-          </a:fillRef>
-          <a:effectRef idx="0">
-            <a:schemeClr val="accent3"/>
-          </a:effectRef>
-          <a:fontRef idx="minor">
-            <a:schemeClr val="lt1"/>
-          </a:fontRef>
-        </p:style>
-        <p:txBody>
-          <a:bodyPr rtlCol="0" anchor="ctr"/>
-          <a:lstStyle/>
-          <a:p>
-            <a:pPr algn="ctr"/>
-            <a:r>
-              <a:rPr lang="fr-FR" err="1">
-                <a:solidFill>
-                  <a:schemeClr val="bg1">
-                    <a:lumMod val="75000"/>
-                  </a:schemeClr>
-                </a:solidFill>
-              </a:rPr>
-              <a:t>username</a:t>
-            </a:r>
-            <a:endParaRPr lang="fr-FR">
-              <a:solidFill>
-                <a:schemeClr val="bg1">
-                  <a:lumMod val="75000"/>
-                </a:schemeClr>
-              </a:solidFill>
-            </a:endParaRPr>
-          </a:p>
-        </p:txBody>
-      </p:sp>
-      <p:sp>
-        <p:nvSpPr>
-          <p:cNvPr id="11" name="Rectangle : coins arrondis 10">
-            <a:extLst>
-              <a:ext uri="{FF2B5EF4-FFF2-40B4-BE49-F238E27FC236}">
-                <a16:creationId xmlns:a16="http://schemas.microsoft.com/office/drawing/2014/main" id="{11C78053-9475-4A00-9265-EAF5B17FCCE6}"/>
-              </a:ext>
-            </a:extLst>
-          </p:cNvPr>
-          <p:cNvSpPr/>
-          <p:nvPr/>
-        </p:nvSpPr>
-        <p:spPr>
-          <a:xfrm>
-            <a:off x="3977903" y="3964327"/>
-            <a:ext cx="4157964" cy="604344"/>
-          </a:xfrm>
-          <a:prstGeom prst="roundRect">
-            <a:avLst>
-              <a:gd name="adj" fmla="val 50000"/>
-            </a:avLst>
-          </a:prstGeom>
-          <a:solidFill>
-            <a:schemeClr val="bg1">
-              <a:lumMod val="95000"/>
-            </a:schemeClr>
-          </a:solidFill>
-          <a:ln>
-            <a:noFill/>
-          </a:ln>
-          <a:effectLst>
-            <a:innerShdw blurRad="63500">
-              <a:prstClr val="black">
-                <a:alpha val="20000"/>
-              </a:prstClr>
-            </a:innerShdw>
-          </a:effectLst>
-        </p:spPr>
-        <p:style>
-          <a:lnRef idx="2">
-            <a:schemeClr val="accent3">
-              <a:shade val="50000"/>
-            </a:schemeClr>
-          </a:lnRef>
-          <a:fillRef idx="1">
-            <a:schemeClr val="accent3"/>
-          </a:fillRef>
-          <a:effectRef idx="0">
-            <a:schemeClr val="accent3"/>
-          </a:effectRef>
-          <a:fontRef idx="minor">
-            <a:schemeClr val="lt1"/>
-          </a:fontRef>
-        </p:style>
-        <p:txBody>
-          <a:bodyPr rtlCol="0" anchor="ctr"/>
-          <a:lstStyle/>
-          <a:p>
-            <a:pPr algn="ctr"/>
-            <a:r>
-              <a:rPr lang="fr-FR" err="1">
-                <a:solidFill>
-                  <a:schemeClr val="bg1">
-                    <a:lumMod val="75000"/>
-                  </a:schemeClr>
-                </a:solidFill>
-              </a:rPr>
-              <a:t>password</a:t>
-            </a:r>
-            <a:endParaRPr lang="fr-FR">
-              <a:solidFill>
-                <a:schemeClr val="bg1">
-                  <a:lumMod val="75000"/>
-                </a:schemeClr>
-              </a:solidFill>
-            </a:endParaRPr>
-          </a:p>
-        </p:txBody>
-      </p:sp>
-      <p:pic>
-        <p:nvPicPr>
-          <p:cNvPr id="14" name="Graphique 13" descr="Utilisateur contour">
-            <a:extLst>
-              <a:ext uri="{FF2B5EF4-FFF2-40B4-BE49-F238E27FC236}">
-                <a16:creationId xmlns:a16="http://schemas.microsoft.com/office/drawing/2014/main" id="{0FA89914-0255-4AA8-AAA7-D443F0799031}"/>
-              </a:ext>
-            </a:extLst>
-          </p:cNvPr>
-          <p:cNvPicPr>
-            <a:picLocks noChangeAspect="1"/>
-          </p:cNvPicPr>
-          <p:nvPr/>
-        </p:nvPicPr>
-        <p:blipFill>
-          <a:blip r:embed="rId2">
-            <a:extLst>
-              <a:ext uri="{28A0092B-C50C-407E-A947-70E740481C1C}">
-                <a14:useLocalDpi xmlns:a14="http://schemas.microsoft.com/office/drawing/2010/main" val="0"/>
-              </a:ext>
-              <a:ext uri="{96DAC541-7B7A-43D3-8B79-37D633B846F1}">
-                <asvg:svgBlip xmlns:asvg="http://schemas.microsoft.com/office/drawing/2016/SVG/main" r:embed="rId3"/>
-              </a:ext>
-            </a:extLst>
-          </a:blip>
-          <a:stretch>
-            <a:fillRect/>
-          </a:stretch>
-        </p:blipFill>
-        <p:spPr>
-          <a:xfrm>
-            <a:off x="4703603" y="3035995"/>
-            <a:ext cx="305202" cy="284483"/>
-          </a:xfrm>
-          <a:prstGeom prst="rect">
-            <a:avLst/>
-          </a:prstGeom>
-        </p:spPr>
-      </p:pic>
-      <p:pic>
-        <p:nvPicPr>
-          <p:cNvPr id="16" name="Graphique 15" descr="Verrou contour">
-            <a:extLst>
-              <a:ext uri="{FF2B5EF4-FFF2-40B4-BE49-F238E27FC236}">
-                <a16:creationId xmlns:a16="http://schemas.microsoft.com/office/drawing/2014/main" id="{B42C5914-F0BC-4B92-BD90-4567652CC303}"/>
-              </a:ext>
-            </a:extLst>
-          </p:cNvPr>
-          <p:cNvPicPr>
-            <a:picLocks noChangeAspect="1"/>
-          </p:cNvPicPr>
-          <p:nvPr/>
-        </p:nvPicPr>
-        <p:blipFill>
-          <a:blip r:embed="rId4">
-            <a:extLst>
-              <a:ext uri="{28A0092B-C50C-407E-A947-70E740481C1C}">
-                <a14:useLocalDpi xmlns:a14="http://schemas.microsoft.com/office/drawing/2010/main" val="0"/>
-              </a:ext>
-              <a:ext uri="{96DAC541-7B7A-43D3-8B79-37D633B846F1}">
-                <asvg:svgBlip xmlns:asvg="http://schemas.microsoft.com/office/drawing/2016/SVG/main" r:embed="rId5"/>
-              </a:ext>
-            </a:extLst>
-          </a:blip>
-          <a:stretch>
-            <a:fillRect/>
-          </a:stretch>
-        </p:blipFill>
-        <p:spPr>
-          <a:xfrm>
-            <a:off x="4703603" y="4130821"/>
-            <a:ext cx="305202" cy="284483"/>
-          </a:xfrm>
-          <a:prstGeom prst="rect">
-            <a:avLst/>
-          </a:prstGeom>
-        </p:spPr>
-      </p:pic>
-      <p:sp>
-        <p:nvSpPr>
-          <p:cNvPr id="40" name="ZoneTexte 39">
-            <a:extLst>
-              <a:ext uri="{FF2B5EF4-FFF2-40B4-BE49-F238E27FC236}">
-                <a16:creationId xmlns:a16="http://schemas.microsoft.com/office/drawing/2014/main" id="{4719F2AD-89CB-458D-BA7D-5D3894934DF5}"/>
-              </a:ext>
-            </a:extLst>
-          </p:cNvPr>
-          <p:cNvSpPr txBox="1"/>
-          <p:nvPr/>
-        </p:nvSpPr>
-        <p:spPr>
-          <a:xfrm>
-            <a:off x="4212580" y="128555"/>
-            <a:ext cx="3766840" cy="584775"/>
-          </a:xfrm>
-          <a:prstGeom prst="rect">
-            <a:avLst/>
-          </a:prstGeom>
-          <a:noFill/>
-        </p:spPr>
-        <p:txBody>
-          <a:bodyPr wrap="square" rtlCol="0">
-            <a:spAutoFit/>
-          </a:bodyPr>
-          <a:lstStyle/>
-          <a:p>
-            <a:pPr algn="ctr"/>
-            <a:r>
-              <a:rPr lang="fr-FR" sz="3200">
-                <a:solidFill>
-                  <a:schemeClr val="tx1">
-                    <a:lumMod val="75000"/>
-                    <a:lumOff val="25000"/>
-                  </a:schemeClr>
-                </a:solidFill>
-              </a:rPr>
-              <a:t>ISEN</a:t>
-            </a:r>
-            <a:r>
-              <a:rPr lang="fr-FR" sz="3200" b="1">
-                <a:solidFill>
-                  <a:schemeClr val="tx1">
-                    <a:lumMod val="75000"/>
-                    <a:lumOff val="25000"/>
-                  </a:schemeClr>
-                </a:solidFill>
-              </a:rPr>
-              <a:t>INFO</a:t>
-            </a:r>
-          </a:p>
-        </p:txBody>
-      </p:sp>
-      <p:grpSp>
-        <p:nvGrpSpPr>
-          <p:cNvPr id="44" name="Groupe 43">
-            <a:extLst>
-              <a:ext uri="{FF2B5EF4-FFF2-40B4-BE49-F238E27FC236}">
-                <a16:creationId xmlns:a16="http://schemas.microsoft.com/office/drawing/2014/main" id="{A6AE581F-7D17-4ADB-A0A5-0C8D9081AE19}"/>
-              </a:ext>
-            </a:extLst>
-          </p:cNvPr>
-          <p:cNvGrpSpPr/>
-          <p:nvPr/>
-        </p:nvGrpSpPr>
-        <p:grpSpPr>
-          <a:xfrm>
-            <a:off x="4467911" y="1334453"/>
-            <a:ext cx="3177948" cy="483632"/>
-            <a:chOff x="4440378" y="1892965"/>
-            <a:chExt cx="3177948" cy="483632"/>
-          </a:xfrm>
-        </p:grpSpPr>
-        <p:sp>
-          <p:nvSpPr>
-            <p:cNvPr id="46" name="ZoneTexte 45">
-              <a:extLst>
-                <a:ext uri="{FF2B5EF4-FFF2-40B4-BE49-F238E27FC236}">
-                  <a16:creationId xmlns:a16="http://schemas.microsoft.com/office/drawing/2014/main" id="{F80ABCB4-898D-48AA-8076-078083A22FE3}"/>
-                </a:ext>
-              </a:extLst>
-            </p:cNvPr>
-            <p:cNvSpPr txBox="1"/>
-            <p:nvPr/>
-          </p:nvSpPr>
-          <p:spPr>
-            <a:xfrm>
-              <a:off x="5860068" y="1892965"/>
-              <a:ext cx="1758258" cy="483632"/>
-            </a:xfrm>
-            <a:prstGeom prst="roundRect">
-              <a:avLst>
-                <a:gd name="adj" fmla="val 41017"/>
-              </a:avLst>
-            </a:prstGeom>
-            <a:noFill/>
-            <a:ln>
-              <a:solidFill>
-                <a:schemeClr val="tx1">
-                  <a:lumMod val="50000"/>
-                  <a:lumOff val="50000"/>
-                </a:schemeClr>
-              </a:solidFill>
-            </a:ln>
-          </p:spPr>
-          <p:txBody>
-            <a:bodyPr wrap="square" rtlCol="0" anchor="ctr">
-              <a:spAutoFit/>
-            </a:bodyPr>
-            <a:lstStyle/>
-            <a:p>
-              <a:pPr algn="ctr"/>
-              <a:r>
-                <a:rPr lang="fr-FR" b="1">
-                  <a:solidFill>
-                    <a:schemeClr val="tx1">
-                      <a:lumMod val="75000"/>
-                      <a:lumOff val="25000"/>
-                    </a:schemeClr>
-                  </a:solidFill>
-                </a:rPr>
-                <a:t>Inscription</a:t>
-              </a:r>
-            </a:p>
-          </p:txBody>
-        </p:sp>
-        <p:sp>
-          <p:nvSpPr>
-            <p:cNvPr id="45" name="ZoneTexte 44">
-              <a:extLst>
-                <a:ext uri="{FF2B5EF4-FFF2-40B4-BE49-F238E27FC236}">
-                  <a16:creationId xmlns:a16="http://schemas.microsoft.com/office/drawing/2014/main" id="{1ED02859-4A3C-4222-942B-8A0BBC6ACFF2}"/>
-                </a:ext>
-              </a:extLst>
-            </p:cNvPr>
-            <p:cNvSpPr txBox="1"/>
-            <p:nvPr/>
-          </p:nvSpPr>
-          <p:spPr>
-            <a:xfrm>
-              <a:off x="4440378" y="1892965"/>
-              <a:ext cx="1758258" cy="483632"/>
-            </a:xfrm>
-            <a:prstGeom prst="roundRect">
-              <a:avLst>
-                <a:gd name="adj" fmla="val 41017"/>
-              </a:avLst>
-            </a:prstGeom>
-            <a:solidFill>
-              <a:srgbClr val="94DCCB"/>
-            </a:solidFill>
-            <a:ln>
-              <a:solidFill>
-                <a:schemeClr val="tx1">
-                  <a:lumMod val="50000"/>
-                  <a:lumOff val="50000"/>
-                </a:schemeClr>
-              </a:solidFill>
-            </a:ln>
-          </p:spPr>
-          <p:txBody>
-            <a:bodyPr wrap="square" rtlCol="0" anchor="ctr">
-              <a:spAutoFit/>
-            </a:bodyPr>
-            <a:lstStyle/>
-            <a:p>
-              <a:pPr algn="ctr"/>
-              <a:r>
-                <a:rPr lang="fr-FR" b="1">
-                  <a:solidFill>
-                    <a:schemeClr val="tx1">
-                      <a:lumMod val="75000"/>
-                      <a:lumOff val="25000"/>
-                    </a:schemeClr>
-                  </a:solidFill>
-                </a:rPr>
-                <a:t>Connexion</a:t>
-              </a:r>
-            </a:p>
-          </p:txBody>
-        </p:sp>
-      </p:grpSp>
-      <p:grpSp>
-        <p:nvGrpSpPr>
-          <p:cNvPr id="47" name="Groupe 46">
-            <a:extLst>
-              <a:ext uri="{FF2B5EF4-FFF2-40B4-BE49-F238E27FC236}">
-                <a16:creationId xmlns:a16="http://schemas.microsoft.com/office/drawing/2014/main" id="{FE373D9D-B6CF-4E4E-8B09-BF9B01E560D5}"/>
-              </a:ext>
-            </a:extLst>
-          </p:cNvPr>
-          <p:cNvGrpSpPr/>
-          <p:nvPr/>
-        </p:nvGrpSpPr>
-        <p:grpSpPr>
-          <a:xfrm>
-            <a:off x="5177756" y="5735471"/>
-            <a:ext cx="1758258" cy="487204"/>
-            <a:chOff x="2146197" y="5183216"/>
-            <a:chExt cx="1758258" cy="487204"/>
-          </a:xfrm>
-        </p:grpSpPr>
-        <p:sp>
-          <p:nvSpPr>
-            <p:cNvPr id="48" name="ZoneTexte 47">
-              <a:extLst>
-                <a:ext uri="{FF2B5EF4-FFF2-40B4-BE49-F238E27FC236}">
-                  <a16:creationId xmlns:a16="http://schemas.microsoft.com/office/drawing/2014/main" id="{E09C7490-F1C0-4BCE-A60E-3B7283FA966D}"/>
-                </a:ext>
-              </a:extLst>
-            </p:cNvPr>
-            <p:cNvSpPr txBox="1"/>
-            <p:nvPr/>
-          </p:nvSpPr>
-          <p:spPr>
-            <a:xfrm>
-              <a:off x="2146197" y="5183216"/>
-              <a:ext cx="1758258" cy="487204"/>
-            </a:xfrm>
-            <a:prstGeom prst="roundRect">
-              <a:avLst>
-                <a:gd name="adj" fmla="val 41785"/>
-              </a:avLst>
-            </a:prstGeom>
-            <a:solidFill>
-              <a:srgbClr val="94DCCB"/>
-            </a:solidFill>
-          </p:spPr>
-          <p:txBody>
-            <a:bodyPr wrap="square" rtlCol="0">
-              <a:spAutoFit/>
-            </a:bodyPr>
-            <a:lstStyle/>
-            <a:p>
-              <a:pPr algn="ctr"/>
-              <a:endParaRPr lang="fr-FR">
-                <a:solidFill>
-                  <a:schemeClr val="bg1"/>
-                </a:solidFill>
-              </a:endParaRPr>
-            </a:p>
-          </p:txBody>
-        </p:sp>
-        <p:pic>
-          <p:nvPicPr>
-            <p:cNvPr id="49" name="Graphique 48" descr="Coche avec un remplissage uni">
-              <a:extLst>
-                <a:ext uri="{FF2B5EF4-FFF2-40B4-BE49-F238E27FC236}">
-                  <a16:creationId xmlns:a16="http://schemas.microsoft.com/office/drawing/2014/main" id="{F2FEEBCE-B335-4E98-BB58-D0C18098FCB5}"/>
-                </a:ext>
-              </a:extLst>
-            </p:cNvPr>
-            <p:cNvPicPr>
-              <a:picLocks noChangeAspect="1"/>
-            </p:cNvPicPr>
-            <p:nvPr/>
-          </p:nvPicPr>
-          <p:blipFill>
-            <a:blip r:embed="rId6">
-              <a:extLst>
-                <a:ext uri="{28A0092B-C50C-407E-A947-70E740481C1C}">
-                  <a14:useLocalDpi xmlns:a14="http://schemas.microsoft.com/office/drawing/2010/main" val="0"/>
-                </a:ext>
-                <a:ext uri="{96DAC541-7B7A-43D3-8B79-37D633B846F1}">
-                  <asvg:svgBlip xmlns:asvg="http://schemas.microsoft.com/office/drawing/2016/SVG/main" r:embed="rId7"/>
-                </a:ext>
-              </a:extLst>
-            </a:blip>
-            <a:stretch>
-              <a:fillRect/>
-            </a:stretch>
-          </p:blipFill>
-          <p:spPr>
-            <a:xfrm>
-              <a:off x="2828509" y="5186635"/>
-              <a:ext cx="471862" cy="471862"/>
-            </a:xfrm>
-            <a:prstGeom prst="rect">
-              <a:avLst/>
-            </a:prstGeom>
-          </p:spPr>
-        </p:pic>
-      </p:grpSp>
-    </p:spTree>
-    <p:extLst>
-      <p:ext uri="{BB962C8B-B14F-4D97-AF65-F5344CB8AC3E}">
-        <p14:creationId xmlns:p14="http://schemas.microsoft.com/office/powerpoint/2010/main" val="4092722930"/>
-      </p:ext>
-    </p:extLst>
-  </p:cSld>
-  <p:clrMapOvr>
-    <a:masterClrMapping/>
-  </p:clrMapOvr>
-  <mc:AlternateContent xmlns:mc="http://schemas.openxmlformats.org/markup-compatibility/2006" xmlns:p14="http://schemas.microsoft.com/office/powerpoint/2010/main">
-    <mc:Choice Requires="p14">
-      <p:transition spd="med" p14:dur="700">
-        <p:fade/>
-      </p:transition>
-    </mc:Choice>
-    <mc:Fallback xmlns="">
-      <p:transition spd="med">
-        <p:fade/>
-      </p:transition>
-    </mc:Fallback>
-  </mc:AlternateContent>
-</p:sld>
-</file>
-
-<file path=ppt/slides/slide2.xml><?xml version="1.0" encoding="utf-8"?>
-<p:sld xmlns:a="http://schemas.openxmlformats.org/drawingml/2006/main" xmlns:r="http://schemas.openxmlformats.org/officeDocument/2006/relationships" xmlns:p="http://schemas.openxmlformats.org/presentationml/2006/main">
-  <p:cSld>
-    <p:spTree>
-      <p:nvGrpSpPr>
-        <p:cNvPr id="1" name=""/>
-        <p:cNvGrpSpPr/>
-        <p:nvPr/>
-      </p:nvGrpSpPr>
-      <p:grpSpPr>
-        <a:xfrm>
-          <a:off x="0" y="0"/>
-          <a:ext cx="0" cy="0"/>
-          <a:chOff x="0" y="0"/>
-          <a:chExt cx="0" cy="0"/>
-        </a:xfrm>
-      </p:grpSpPr>
-      <p:sp>
-        <p:nvSpPr>
-          <p:cNvPr id="8" name="Rectangle : coins arrondis 7">
-            <a:extLst>
-              <a:ext uri="{FF2B5EF4-FFF2-40B4-BE49-F238E27FC236}">
-                <a16:creationId xmlns:a16="http://schemas.microsoft.com/office/drawing/2014/main" id="{A5557395-889E-4AB5-9EA2-FB609C6B2656}"/>
-              </a:ext>
-            </a:extLst>
-          </p:cNvPr>
-          <p:cNvSpPr/>
-          <p:nvPr/>
-        </p:nvSpPr>
-        <p:spPr>
-          <a:xfrm>
-            <a:off x="3177202" y="979525"/>
-            <a:ext cx="5837595" cy="5478518"/>
-          </a:xfrm>
-          <a:prstGeom prst="roundRect">
-            <a:avLst/>
-          </a:prstGeom>
-          <a:solidFill>
-            <a:schemeClr val="bg1"/>
-          </a:solidFill>
-          <a:ln>
-            <a:noFill/>
-          </a:ln>
-          <a:effectLst>
             <a:outerShdw blurRad="50800" dist="38100" dir="2700000" algn="tl" rotWithShape="0">
               <a:prstClr val="black">
                 <a:alpha val="40000"/>
@@ -5024,7 +4654,7 @@
         </p:nvSpPr>
         <p:spPr>
           <a:xfrm>
-            <a:off x="5177756" y="5735471"/>
+            <a:off x="5216870" y="4388819"/>
             <a:ext cx="1758258" cy="487204"/>
           </a:xfrm>
           <a:prstGeom prst="roundRect">
@@ -5051,7 +4681,7 @@
           <a:p>
             <a:pPr algn="ctr"/>
             <a:r>
-              <a:rPr lang="fr-FR" b="1">
+              <a:rPr lang="fr-FR" b="1" dirty="0">
                 <a:solidFill>
                   <a:schemeClr val="tx1">
                     <a:lumMod val="75000"/>
@@ -5059,7 +4689,7 @@
                   </a:schemeClr>
                 </a:solidFill>
               </a:rPr>
-              <a:t>S’inscrire</a:t>
+              <a:t>Se connecter</a:t>
             </a:r>
           </a:p>
         </p:txBody>
@@ -5129,7 +4759,7 @@
             <a:p>
               <a:pPr algn="ctr"/>
               <a:r>
-                <a:rPr lang="fr-FR" b="1">
+                <a:rPr lang="fr-FR" b="1" dirty="0">
                   <a:solidFill>
                     <a:schemeClr val="tx1">
                       <a:lumMod val="75000"/>
@@ -5165,7 +4795,7 @@
               </a:avLst>
             </a:prstGeom>
             <a:solidFill>
-              <a:srgbClr val="94DCCB"/>
+              <a:srgbClr val="3AB395"/>
             </a:solidFill>
             <a:ln>
               <a:solidFill>
@@ -5184,7 +4814,7 @@
             <a:p>
               <a:pPr algn="ctr"/>
               <a:r>
-                <a:rPr lang="fr-FR" b="1">
+                <a:rPr lang="fr-FR" b="1" dirty="0">
                   <a:solidFill>
                     <a:schemeClr val="tx1">
                       <a:lumMod val="75000"/>
@@ -5212,7 +4842,7 @@
         </p:nvSpPr>
         <p:spPr>
           <a:xfrm>
-            <a:off x="4017017" y="2118318"/>
+            <a:off x="4017018" y="2801280"/>
             <a:ext cx="4157964" cy="604344"/>
           </a:xfrm>
           <a:prstGeom prst="roundRect">
@@ -5291,7 +4921,7 @@
         </p:nvSpPr>
         <p:spPr>
           <a:xfrm>
-            <a:off x="4017017" y="2808059"/>
+            <a:off x="4017018" y="3491021"/>
             <a:ext cx="4157964" cy="604344"/>
           </a:xfrm>
           <a:prstGeom prst="roundRect">
@@ -5387,7 +5017,7 @@
         </p:blipFill>
         <p:spPr>
           <a:xfrm>
-            <a:off x="4742717" y="2278248"/>
+            <a:off x="4742718" y="2961210"/>
             <a:ext cx="305202" cy="284483"/>
           </a:xfrm>
           <a:prstGeom prst="rect">
@@ -5426,7 +5056,7 @@
         </p:blipFill>
         <p:spPr>
           <a:xfrm>
-            <a:off x="4742717" y="2974551"/>
+            <a:off x="4742718" y="3657513"/>
             <a:ext cx="305202" cy="284483"/>
           </a:xfrm>
           <a:prstGeom prst="rect">
@@ -5434,12 +5064,54 @@
           </a:prstGeom>
         </p:spPr>
       </p:pic>
-      <p:sp>
-        <p:nvSpPr>
-          <p:cNvPr id="19" name="Rectangle : coins arrondis 18">
-            <a:extLst>
-              <a:ext uri="{FF2B5EF4-FFF2-40B4-BE49-F238E27FC236}">
-                <a16:creationId xmlns:a16="http://schemas.microsoft.com/office/drawing/2014/main" id="{4DC5CA95-7605-4ABC-A634-C65AD5BDAEB3}"/>
+    </p:spTree>
+    <p:extLst>
+      <p:ext uri="{BB962C8B-B14F-4D97-AF65-F5344CB8AC3E}">
+        <p14:creationId xmlns:p14="http://schemas.microsoft.com/office/powerpoint/2010/main" val="3053268203"/>
+      </p:ext>
+    </p:extLst>
+  </p:cSld>
+  <p:clrMapOvr>
+    <a:masterClrMapping/>
+  </p:clrMapOvr>
+  <mc:AlternateContent xmlns:mc="http://schemas.openxmlformats.org/markup-compatibility/2006" xmlns:p159="http://schemas.microsoft.com/office/powerpoint/2015/09/main">
+    <mc:Choice Requires="p159">
+      <p:transition xmlns:p14="http://schemas.microsoft.com/office/powerpoint/2010/main" spd="slow" p14:dur="2000">
+        <p159:morph option="byObject"/>
+      </p:transition>
+    </mc:Choice>
+    <mc:Fallback xmlns="">
+      <p:transition spd="slow">
+        <p:fade/>
+      </p:transition>
+    </mc:Fallback>
+  </mc:AlternateContent>
+</p:sld>
+</file>
+
+<file path=ppt/slides/slide2.xml><?xml version="1.0" encoding="utf-8"?>
+<p:sld xmlns:a="http://schemas.openxmlformats.org/drawingml/2006/main" xmlns:r="http://schemas.openxmlformats.org/officeDocument/2006/relationships" xmlns:p="http://schemas.openxmlformats.org/presentationml/2006/main">
+  <p:cSld>
+    <p:spTree>
+      <p:nvGrpSpPr>
+        <p:cNvPr id="1" name=""/>
+        <p:cNvGrpSpPr/>
+        <p:nvPr/>
+      </p:nvGrpSpPr>
+      <p:grpSpPr>
+        <a:xfrm>
+          <a:off x="0" y="0"/>
+          <a:ext cx="0" cy="0"/>
+          <a:chOff x="0" y="0"/>
+          <a:chExt cx="0" cy="0"/>
+        </a:xfrm>
+      </p:grpSpPr>
+      <p:sp>
+        <p:nvSpPr>
+          <p:cNvPr id="8" name="Rectangle : coins arrondis 7">
+            <a:extLst>
+              <a:ext uri="{FF2B5EF4-FFF2-40B4-BE49-F238E27FC236}">
+                <a16:creationId xmlns:a16="http://schemas.microsoft.com/office/drawing/2014/main" id="{A5557395-889E-4AB5-9EA2-FB609C6B2656}"/>
               </a:ext>
             </a:extLst>
           </p:cNvPr>
@@ -5448,7 +5120,308 @@
         </p:nvSpPr>
         <p:spPr>
           <a:xfrm>
-            <a:off x="4017017" y="3492376"/>
+            <a:off x="3177202" y="979525"/>
+            <a:ext cx="5837595" cy="5478518"/>
+          </a:xfrm>
+          <a:prstGeom prst="roundRect">
+            <a:avLst/>
+          </a:prstGeom>
+          <a:solidFill>
+            <a:schemeClr val="bg1"/>
+          </a:solidFill>
+          <a:ln>
+            <a:noFill/>
+          </a:ln>
+          <a:effectLst>
+            <a:outerShdw blurRad="50800" dist="38100" dir="2700000" algn="tl" rotWithShape="0">
+              <a:prstClr val="black">
+                <a:alpha val="40000"/>
+              </a:prstClr>
+            </a:outerShdw>
+          </a:effectLst>
+        </p:spPr>
+        <p:style>
+          <a:lnRef idx="2">
+            <a:schemeClr val="accent1">
+              <a:shade val="50000"/>
+            </a:schemeClr>
+          </a:lnRef>
+          <a:fillRef idx="1">
+            <a:schemeClr val="accent1"/>
+          </a:fillRef>
+          <a:effectRef idx="0">
+            <a:schemeClr val="accent1"/>
+          </a:effectRef>
+          <a:fontRef idx="minor">
+            <a:schemeClr val="lt1"/>
+          </a:fontRef>
+        </p:style>
+        <p:txBody>
+          <a:bodyPr rtlCol="0" anchor="ctr"/>
+          <a:lstStyle/>
+          <a:p>
+            <a:pPr algn="ctr"/>
+            <a:endParaRPr lang="fr-FR"/>
+          </a:p>
+        </p:txBody>
+      </p:sp>
+      <p:sp>
+        <p:nvSpPr>
+          <p:cNvPr id="40" name="ZoneTexte 39">
+            <a:extLst>
+              <a:ext uri="{FF2B5EF4-FFF2-40B4-BE49-F238E27FC236}">
+                <a16:creationId xmlns:a16="http://schemas.microsoft.com/office/drawing/2014/main" id="{4719F2AD-89CB-458D-BA7D-5D3894934DF5}"/>
+              </a:ext>
+            </a:extLst>
+          </p:cNvPr>
+          <p:cNvSpPr txBox="1"/>
+          <p:nvPr/>
+        </p:nvSpPr>
+        <p:spPr>
+          <a:xfrm>
+            <a:off x="4212580" y="128555"/>
+            <a:ext cx="3766840" cy="584775"/>
+          </a:xfrm>
+          <a:prstGeom prst="rect">
+            <a:avLst/>
+          </a:prstGeom>
+          <a:noFill/>
+        </p:spPr>
+        <p:txBody>
+          <a:bodyPr wrap="square" rtlCol="0">
+            <a:spAutoFit/>
+          </a:bodyPr>
+          <a:lstStyle/>
+          <a:p>
+            <a:pPr algn="ctr"/>
+            <a:r>
+              <a:rPr lang="fr-FR" sz="3200">
+                <a:solidFill>
+                  <a:schemeClr val="tx1">
+                    <a:lumMod val="75000"/>
+                    <a:lumOff val="25000"/>
+                  </a:schemeClr>
+                </a:solidFill>
+              </a:rPr>
+              <a:t>ISEN</a:t>
+            </a:r>
+            <a:r>
+              <a:rPr lang="fr-FR" sz="3200" b="1">
+                <a:solidFill>
+                  <a:schemeClr val="tx1">
+                    <a:lumMod val="75000"/>
+                    <a:lumOff val="25000"/>
+                  </a:schemeClr>
+                </a:solidFill>
+              </a:rPr>
+              <a:t>INFO</a:t>
+            </a:r>
+          </a:p>
+        </p:txBody>
+      </p:sp>
+      <p:sp>
+        <p:nvSpPr>
+          <p:cNvPr id="12" name="ZoneTexte 11">
+            <a:extLst>
+              <a:ext uri="{FF2B5EF4-FFF2-40B4-BE49-F238E27FC236}">
+                <a16:creationId xmlns:a16="http://schemas.microsoft.com/office/drawing/2014/main" id="{CA4504FF-DF9A-4E0D-8595-72D2456EF3FF}"/>
+              </a:ext>
+            </a:extLst>
+          </p:cNvPr>
+          <p:cNvSpPr txBox="1"/>
+          <p:nvPr/>
+        </p:nvSpPr>
+        <p:spPr>
+          <a:xfrm>
+            <a:off x="5177756" y="5735471"/>
+            <a:ext cx="1758258" cy="487204"/>
+          </a:xfrm>
+          <a:prstGeom prst="roundRect">
+            <a:avLst>
+              <a:gd name="adj" fmla="val 41785"/>
+            </a:avLst>
+          </a:prstGeom>
+          <a:solidFill>
+            <a:srgbClr val="FFFFFF"/>
+          </a:solidFill>
+          <a:effectLst>
+            <a:outerShdw blurRad="127000" dist="38100" dir="2700000" algn="tl" rotWithShape="0">
+              <a:prstClr val="black">
+                <a:alpha val="40000"/>
+              </a:prstClr>
+            </a:outerShdw>
+          </a:effectLst>
+        </p:spPr>
+        <p:txBody>
+          <a:bodyPr wrap="square" rtlCol="0">
+            <a:spAutoFit/>
+          </a:bodyPr>
+          <a:lstStyle/>
+          <a:p>
+            <a:pPr algn="ctr"/>
+            <a:r>
+              <a:rPr lang="fr-FR" b="1">
+                <a:solidFill>
+                  <a:schemeClr val="tx1">
+                    <a:lumMod val="75000"/>
+                    <a:lumOff val="25000"/>
+                  </a:schemeClr>
+                </a:solidFill>
+              </a:rPr>
+              <a:t>S’inscrire</a:t>
+            </a:r>
+          </a:p>
+        </p:txBody>
+      </p:sp>
+      <p:grpSp>
+        <p:nvGrpSpPr>
+          <p:cNvPr id="3" name="Groupe 2">
+            <a:extLst>
+              <a:ext uri="{FF2B5EF4-FFF2-40B4-BE49-F238E27FC236}">
+                <a16:creationId xmlns:a16="http://schemas.microsoft.com/office/drawing/2014/main" id="{54D0732E-91E3-41F7-8271-92BD22AD150B}"/>
+              </a:ext>
+            </a:extLst>
+          </p:cNvPr>
+          <p:cNvGrpSpPr/>
+          <p:nvPr/>
+        </p:nvGrpSpPr>
+        <p:grpSpPr>
+          <a:xfrm>
+            <a:off x="4467911" y="1334453"/>
+            <a:ext cx="3177948" cy="483632"/>
+            <a:chOff x="4440378" y="1892965"/>
+            <a:chExt cx="3177948" cy="483632"/>
+          </a:xfrm>
+        </p:grpSpPr>
+        <p:sp>
+          <p:nvSpPr>
+            <p:cNvPr id="31" name="ZoneTexte 30">
+              <a:extLst>
+                <a:ext uri="{FF2B5EF4-FFF2-40B4-BE49-F238E27FC236}">
+                  <a16:creationId xmlns:a16="http://schemas.microsoft.com/office/drawing/2014/main" id="{E4A8307C-6066-4BFA-BE33-A85D757BBC0C}"/>
+                </a:ext>
+              </a:extLst>
+            </p:cNvPr>
+            <p:cNvSpPr txBox="1"/>
+            <p:nvPr/>
+          </p:nvSpPr>
+          <p:spPr>
+            <a:xfrm>
+              <a:off x="4440378" y="1892965"/>
+              <a:ext cx="1758258" cy="483632"/>
+            </a:xfrm>
+            <a:prstGeom prst="roundRect">
+              <a:avLst>
+                <a:gd name="adj" fmla="val 41017"/>
+              </a:avLst>
+            </a:prstGeom>
+            <a:noFill/>
+            <a:ln>
+              <a:solidFill>
+                <a:schemeClr val="tx1">
+                  <a:lumMod val="50000"/>
+                  <a:lumOff val="50000"/>
+                </a:schemeClr>
+              </a:solidFill>
+            </a:ln>
+            <a:effectLst>
+              <a:innerShdw blurRad="228600" dist="76200">
+                <a:prstClr val="black"/>
+              </a:innerShdw>
+            </a:effectLst>
+          </p:spPr>
+          <p:txBody>
+            <a:bodyPr wrap="square" rtlCol="0" anchor="ctr">
+              <a:spAutoFit/>
+            </a:bodyPr>
+            <a:lstStyle/>
+            <a:p>
+              <a:pPr algn="ctr"/>
+              <a:r>
+                <a:rPr lang="fr-FR" b="1" dirty="0">
+                  <a:solidFill>
+                    <a:schemeClr val="tx1">
+                      <a:lumMod val="75000"/>
+                      <a:lumOff val="25000"/>
+                    </a:schemeClr>
+                  </a:solidFill>
+                </a:rPr>
+                <a:t>Connexion</a:t>
+              </a:r>
+            </a:p>
+          </p:txBody>
+        </p:sp>
+        <p:sp>
+          <p:nvSpPr>
+            <p:cNvPr id="42" name="ZoneTexte 41">
+              <a:extLst>
+                <a:ext uri="{FF2B5EF4-FFF2-40B4-BE49-F238E27FC236}">
+                  <a16:creationId xmlns:a16="http://schemas.microsoft.com/office/drawing/2014/main" id="{1A4F141D-E10E-49CC-AFE8-184CDA0C64A7}"/>
+                </a:ext>
+              </a:extLst>
+            </p:cNvPr>
+            <p:cNvSpPr txBox="1"/>
+            <p:nvPr/>
+          </p:nvSpPr>
+          <p:spPr>
+            <a:xfrm>
+              <a:off x="5860068" y="1892965"/>
+              <a:ext cx="1758258" cy="483632"/>
+            </a:xfrm>
+            <a:prstGeom prst="roundRect">
+              <a:avLst>
+                <a:gd name="adj" fmla="val 41017"/>
+              </a:avLst>
+            </a:prstGeom>
+            <a:solidFill>
+              <a:srgbClr val="3AB395"/>
+            </a:solidFill>
+            <a:ln>
+              <a:solidFill>
+                <a:schemeClr val="tx1">
+                  <a:lumMod val="50000"/>
+                  <a:lumOff val="50000"/>
+                </a:schemeClr>
+              </a:solidFill>
+            </a:ln>
+          </p:spPr>
+          <p:txBody>
+            <a:bodyPr wrap="square" rtlCol="0" anchor="ctr">
+              <a:spAutoFit/>
+            </a:bodyPr>
+            <a:lstStyle/>
+            <a:p>
+              <a:pPr algn="ctr"/>
+              <a:r>
+                <a:rPr lang="fr-FR" b="1" dirty="0">
+                  <a:solidFill>
+                    <a:schemeClr val="tx1">
+                      <a:lumMod val="75000"/>
+                      <a:lumOff val="25000"/>
+                    </a:schemeClr>
+                  </a:solidFill>
+                </a:rPr>
+                <a:t>Inscription</a:t>
+              </a:r>
+            </a:p>
+          </p:txBody>
+        </p:sp>
+      </p:grpSp>
+      <p:sp>
+        <p:nvSpPr>
+          <p:cNvPr id="13" name="Rectangle : coins arrondis 12">
+            <a:extLst>
+              <a:ext uri="{FF2B5EF4-FFF2-40B4-BE49-F238E27FC236}">
+                <a16:creationId xmlns:a16="http://schemas.microsoft.com/office/drawing/2014/main" id="{1B665DDA-3F0F-40BE-96C5-43CCB6710CFA}"/>
+              </a:ext>
+            </a:extLst>
+          </p:cNvPr>
+          <p:cNvSpPr/>
+          <p:nvPr/>
+        </p:nvSpPr>
+        <p:spPr>
+          <a:xfrm>
+            <a:off x="4017017" y="2118318"/>
             <a:ext cx="4157964" cy="604344"/>
           </a:xfrm>
           <a:prstGeom prst="roundRect">
@@ -5494,72 +5467,40 @@
           <a:p>
             <a:pPr algn="ctr"/>
             <a:r>
-              <a:rPr lang="fr-FR">
+              <a:rPr lang="fr-FR" err="1">
                 <a:solidFill>
                   <a:schemeClr val="bg1">
                     <a:lumMod val="75000"/>
                   </a:schemeClr>
                 </a:solidFill>
               </a:rPr>
-              <a:t>email</a:t>
-            </a:r>
-          </a:p>
-        </p:txBody>
-      </p:sp>
-      <p:pic>
-        <p:nvPicPr>
-          <p:cNvPr id="20" name="Graphique 19" descr="Adresse de courrier contour">
-            <a:extLst>
-              <a:ext uri="{FF2B5EF4-FFF2-40B4-BE49-F238E27FC236}">
-                <a16:creationId xmlns:a16="http://schemas.microsoft.com/office/drawing/2014/main" id="{81704D7D-F2FE-45EF-8C19-4C94F63E561A}"/>
-              </a:ext>
-            </a:extLst>
-          </p:cNvPr>
-          <p:cNvPicPr>
-            <a:picLocks noChangeAspect="1"/>
-          </p:cNvPicPr>
+              <a:t>username</a:t>
+            </a:r>
+            <a:endParaRPr lang="fr-FR">
+              <a:solidFill>
+                <a:schemeClr val="bg1">
+                  <a:lumMod val="75000"/>
+                </a:schemeClr>
+              </a:solidFill>
+            </a:endParaRPr>
+          </a:p>
+        </p:txBody>
+      </p:sp>
+      <p:sp>
+        <p:nvSpPr>
+          <p:cNvPr id="15" name="Rectangle : coins arrondis 14">
+            <a:extLst>
+              <a:ext uri="{FF2B5EF4-FFF2-40B4-BE49-F238E27FC236}">
+                <a16:creationId xmlns:a16="http://schemas.microsoft.com/office/drawing/2014/main" id="{FC9910A7-5689-4DDD-80E5-7189CC26F466}"/>
+              </a:ext>
+            </a:extLst>
+          </p:cNvPr>
+          <p:cNvSpPr/>
           <p:nvPr/>
-        </p:nvPicPr>
-        <p:blipFill>
-          <a:blip r:embed="rId6">
-            <a:extLst>
-              <a:ext uri="{28A0092B-C50C-407E-A947-70E740481C1C}">
-                <a14:useLocalDpi xmlns:a14="http://schemas.microsoft.com/office/drawing/2010/main" val="0"/>
-              </a:ext>
-              <a:ext uri="{96DAC541-7B7A-43D3-8B79-37D633B846F1}">
-                <asvg:svgBlip xmlns:asvg="http://schemas.microsoft.com/office/drawing/2016/SVG/main" r:embed="rId7"/>
-              </a:ext>
-            </a:extLst>
-          </a:blip>
-          <a:stretch>
-            <a:fillRect/>
-          </a:stretch>
-        </p:blipFill>
+        </p:nvSpPr>
         <p:spPr>
           <a:xfrm>
-            <a:off x="4742717" y="3652306"/>
-            <a:ext cx="305202" cy="284483"/>
-          </a:xfrm>
-          <a:prstGeom prst="rect">
-            <a:avLst/>
-          </a:prstGeom>
-        </p:spPr>
-      </p:pic>
-      <p:sp>
-        <p:nvSpPr>
-          <p:cNvPr id="21" name="Rectangle : coins arrondis 20">
-            <a:extLst>
-              <a:ext uri="{FF2B5EF4-FFF2-40B4-BE49-F238E27FC236}">
-                <a16:creationId xmlns:a16="http://schemas.microsoft.com/office/drawing/2014/main" id="{F4941490-B1EC-4428-8F5F-23466CEE1865}"/>
-              </a:ext>
-            </a:extLst>
-          </p:cNvPr>
-          <p:cNvSpPr/>
-          <p:nvPr/>
-        </p:nvSpPr>
-        <p:spPr>
-          <a:xfrm>
-            <a:off x="4017017" y="4190958"/>
+            <a:off x="4017017" y="2808059"/>
             <a:ext cx="4157964" cy="604344"/>
           </a:xfrm>
           <a:prstGeom prst="roundRect">
@@ -5605,24 +5546,31 @@
           <a:p>
             <a:pPr algn="ctr"/>
             <a:r>
-              <a:rPr lang="fr-FR">
+              <a:rPr lang="fr-FR" err="1">
                 <a:solidFill>
                   <a:schemeClr val="bg1">
                     <a:lumMod val="75000"/>
                   </a:schemeClr>
                 </a:solidFill>
               </a:rPr>
-              <a:t>niveau</a:t>
-            </a:r>
+              <a:t>password</a:t>
+            </a:r>
+            <a:endParaRPr lang="fr-FR">
+              <a:solidFill>
+                <a:schemeClr val="bg1">
+                  <a:lumMod val="75000"/>
+                </a:schemeClr>
+              </a:solidFill>
+            </a:endParaRPr>
           </a:p>
         </p:txBody>
       </p:sp>
       <p:pic>
         <p:nvPicPr>
-          <p:cNvPr id="22" name="Graphique 21" descr="Classe contour">
-            <a:extLst>
-              <a:ext uri="{FF2B5EF4-FFF2-40B4-BE49-F238E27FC236}">
-                <a16:creationId xmlns:a16="http://schemas.microsoft.com/office/drawing/2014/main" id="{A9FBD39D-577F-47B1-946F-7877EA553771}"/>
+          <p:cNvPr id="17" name="Graphique 16" descr="Utilisateur contour">
+            <a:extLst>
+              <a:ext uri="{FF2B5EF4-FFF2-40B4-BE49-F238E27FC236}">
+                <a16:creationId xmlns:a16="http://schemas.microsoft.com/office/drawing/2014/main" id="{F97D8BD5-418B-4E31-9687-C70ADEC4F9DD}"/>
               </a:ext>
             </a:extLst>
           </p:cNvPr>
@@ -5632,13 +5580,13 @@
           <p:nvPr/>
         </p:nvPicPr>
         <p:blipFill>
-          <a:blip r:embed="rId8">
+          <a:blip r:embed="rId2">
             <a:extLst>
               <a:ext uri="{28A0092B-C50C-407E-A947-70E740481C1C}">
                 <a14:useLocalDpi xmlns:a14="http://schemas.microsoft.com/office/drawing/2010/main" val="0"/>
               </a:ext>
               <a:ext uri="{96DAC541-7B7A-43D3-8B79-37D633B846F1}">
-                <asvg:svgBlip xmlns:asvg="http://schemas.microsoft.com/office/drawing/2016/SVG/main" r:embed="rId9"/>
+                <asvg:svgBlip xmlns:asvg="http://schemas.microsoft.com/office/drawing/2016/SVG/main" r:embed="rId3"/>
               </a:ext>
             </a:extLst>
           </a:blip>
@@ -5648,7 +5596,7 @@
         </p:blipFill>
         <p:spPr>
           <a:xfrm>
-            <a:off x="4742717" y="4350888"/>
+            <a:off x="4742717" y="2278248"/>
             <a:ext cx="305202" cy="284483"/>
           </a:xfrm>
           <a:prstGeom prst="rect">
@@ -5656,12 +5604,51 @@
           </a:prstGeom>
         </p:spPr>
       </p:pic>
-      <p:sp>
-        <p:nvSpPr>
-          <p:cNvPr id="23" name="Rectangle : coins arrondis 22">
-            <a:extLst>
-              <a:ext uri="{FF2B5EF4-FFF2-40B4-BE49-F238E27FC236}">
-                <a16:creationId xmlns:a16="http://schemas.microsoft.com/office/drawing/2014/main" id="{047D96FF-63C9-4DF4-BBA9-1C1E09D5A169}"/>
+      <p:pic>
+        <p:nvPicPr>
+          <p:cNvPr id="18" name="Graphique 17" descr="Verrou contour">
+            <a:extLst>
+              <a:ext uri="{FF2B5EF4-FFF2-40B4-BE49-F238E27FC236}">
+                <a16:creationId xmlns:a16="http://schemas.microsoft.com/office/drawing/2014/main" id="{90D83C12-3346-4FB5-8B3D-064FA42FA2B2}"/>
+              </a:ext>
+            </a:extLst>
+          </p:cNvPr>
+          <p:cNvPicPr>
+            <a:picLocks noChangeAspect="1"/>
+          </p:cNvPicPr>
+          <p:nvPr/>
+        </p:nvPicPr>
+        <p:blipFill>
+          <a:blip r:embed="rId4">
+            <a:extLst>
+              <a:ext uri="{28A0092B-C50C-407E-A947-70E740481C1C}">
+                <a14:useLocalDpi xmlns:a14="http://schemas.microsoft.com/office/drawing/2010/main" val="0"/>
+              </a:ext>
+              <a:ext uri="{96DAC541-7B7A-43D3-8B79-37D633B846F1}">
+                <asvg:svgBlip xmlns:asvg="http://schemas.microsoft.com/office/drawing/2016/SVG/main" r:embed="rId5"/>
+              </a:ext>
+            </a:extLst>
+          </a:blip>
+          <a:stretch>
+            <a:fillRect/>
+          </a:stretch>
+        </p:blipFill>
+        <p:spPr>
+          <a:xfrm>
+            <a:off x="4742717" y="2974551"/>
+            <a:ext cx="305202" cy="284483"/>
+          </a:xfrm>
+          <a:prstGeom prst="rect">
+            <a:avLst/>
+          </a:prstGeom>
+        </p:spPr>
+      </p:pic>
+      <p:sp>
+        <p:nvSpPr>
+          <p:cNvPr id="19" name="Rectangle : coins arrondis 18">
+            <a:extLst>
+              <a:ext uri="{FF2B5EF4-FFF2-40B4-BE49-F238E27FC236}">
+                <a16:creationId xmlns:a16="http://schemas.microsoft.com/office/drawing/2014/main" id="{4DC5CA95-7605-4ABC-A634-C65AD5BDAEB3}"/>
               </a:ext>
             </a:extLst>
           </p:cNvPr>
@@ -5670,7 +5657,7 @@
         </p:nvSpPr>
         <p:spPr>
           <a:xfrm>
-            <a:off x="4017017" y="4889542"/>
+            <a:off x="4017017" y="3492376"/>
             <a:ext cx="4157964" cy="604344"/>
           </a:xfrm>
           <a:prstGeom prst="roundRect">
@@ -5723,6 +5710,228 @@
                   </a:schemeClr>
                 </a:solidFill>
               </a:rPr>
+              <a:t>email</a:t>
+            </a:r>
+          </a:p>
+        </p:txBody>
+      </p:sp>
+      <p:pic>
+        <p:nvPicPr>
+          <p:cNvPr id="20" name="Graphique 19" descr="Adresse de courrier contour">
+            <a:extLst>
+              <a:ext uri="{FF2B5EF4-FFF2-40B4-BE49-F238E27FC236}">
+                <a16:creationId xmlns:a16="http://schemas.microsoft.com/office/drawing/2014/main" id="{81704D7D-F2FE-45EF-8C19-4C94F63E561A}"/>
+              </a:ext>
+            </a:extLst>
+          </p:cNvPr>
+          <p:cNvPicPr>
+            <a:picLocks noChangeAspect="1"/>
+          </p:cNvPicPr>
+          <p:nvPr/>
+        </p:nvPicPr>
+        <p:blipFill>
+          <a:blip r:embed="rId6">
+            <a:extLst>
+              <a:ext uri="{28A0092B-C50C-407E-A947-70E740481C1C}">
+                <a14:useLocalDpi xmlns:a14="http://schemas.microsoft.com/office/drawing/2010/main" val="0"/>
+              </a:ext>
+              <a:ext uri="{96DAC541-7B7A-43D3-8B79-37D633B846F1}">
+                <asvg:svgBlip xmlns:asvg="http://schemas.microsoft.com/office/drawing/2016/SVG/main" r:embed="rId7"/>
+              </a:ext>
+            </a:extLst>
+          </a:blip>
+          <a:stretch>
+            <a:fillRect/>
+          </a:stretch>
+        </p:blipFill>
+        <p:spPr>
+          <a:xfrm>
+            <a:off x="4742717" y="3652306"/>
+            <a:ext cx="305202" cy="284483"/>
+          </a:xfrm>
+          <a:prstGeom prst="rect">
+            <a:avLst/>
+          </a:prstGeom>
+        </p:spPr>
+      </p:pic>
+      <p:sp>
+        <p:nvSpPr>
+          <p:cNvPr id="21" name="Rectangle : coins arrondis 20">
+            <a:extLst>
+              <a:ext uri="{FF2B5EF4-FFF2-40B4-BE49-F238E27FC236}">
+                <a16:creationId xmlns:a16="http://schemas.microsoft.com/office/drawing/2014/main" id="{F4941490-B1EC-4428-8F5F-23466CEE1865}"/>
+              </a:ext>
+            </a:extLst>
+          </p:cNvPr>
+          <p:cNvSpPr/>
+          <p:nvPr/>
+        </p:nvSpPr>
+        <p:spPr>
+          <a:xfrm>
+            <a:off x="4017017" y="4190958"/>
+            <a:ext cx="4157964" cy="604344"/>
+          </a:xfrm>
+          <a:prstGeom prst="roundRect">
+            <a:avLst>
+              <a:gd name="adj" fmla="val 50000"/>
+            </a:avLst>
+          </a:prstGeom>
+          <a:solidFill>
+            <a:schemeClr val="bg1">
+              <a:lumMod val="95000"/>
+            </a:schemeClr>
+          </a:solidFill>
+          <a:ln>
+            <a:noFill/>
+          </a:ln>
+          <a:effectLst>
+            <a:innerShdw blurRad="63500">
+              <a:prstClr val="black">
+                <a:alpha val="20000"/>
+              </a:prstClr>
+            </a:innerShdw>
+          </a:effectLst>
+        </p:spPr>
+        <p:style>
+          <a:lnRef idx="2">
+            <a:schemeClr val="accent3">
+              <a:shade val="50000"/>
+            </a:schemeClr>
+          </a:lnRef>
+          <a:fillRef idx="1">
+            <a:schemeClr val="accent3"/>
+          </a:fillRef>
+          <a:effectRef idx="0">
+            <a:schemeClr val="accent3"/>
+          </a:effectRef>
+          <a:fontRef idx="minor">
+            <a:schemeClr val="lt1"/>
+          </a:fontRef>
+        </p:style>
+        <p:txBody>
+          <a:bodyPr rtlCol="0" anchor="ctr"/>
+          <a:lstStyle/>
+          <a:p>
+            <a:pPr algn="ctr"/>
+            <a:r>
+              <a:rPr lang="fr-FR">
+                <a:solidFill>
+                  <a:schemeClr val="bg1">
+                    <a:lumMod val="75000"/>
+                  </a:schemeClr>
+                </a:solidFill>
+              </a:rPr>
+              <a:t>niveau</a:t>
+            </a:r>
+          </a:p>
+        </p:txBody>
+      </p:sp>
+      <p:pic>
+        <p:nvPicPr>
+          <p:cNvPr id="22" name="Graphique 21" descr="Classe contour">
+            <a:extLst>
+              <a:ext uri="{FF2B5EF4-FFF2-40B4-BE49-F238E27FC236}">
+                <a16:creationId xmlns:a16="http://schemas.microsoft.com/office/drawing/2014/main" id="{A9FBD39D-577F-47B1-946F-7877EA553771}"/>
+              </a:ext>
+            </a:extLst>
+          </p:cNvPr>
+          <p:cNvPicPr>
+            <a:picLocks noChangeAspect="1"/>
+          </p:cNvPicPr>
+          <p:nvPr/>
+        </p:nvPicPr>
+        <p:blipFill>
+          <a:blip r:embed="rId8">
+            <a:extLst>
+              <a:ext uri="{28A0092B-C50C-407E-A947-70E740481C1C}">
+                <a14:useLocalDpi xmlns:a14="http://schemas.microsoft.com/office/drawing/2010/main" val="0"/>
+              </a:ext>
+              <a:ext uri="{96DAC541-7B7A-43D3-8B79-37D633B846F1}">
+                <asvg:svgBlip xmlns:asvg="http://schemas.microsoft.com/office/drawing/2016/SVG/main" r:embed="rId9"/>
+              </a:ext>
+            </a:extLst>
+          </a:blip>
+          <a:stretch>
+            <a:fillRect/>
+          </a:stretch>
+        </p:blipFill>
+        <p:spPr>
+          <a:xfrm>
+            <a:off x="4742717" y="4350888"/>
+            <a:ext cx="305202" cy="284483"/>
+          </a:xfrm>
+          <a:prstGeom prst="rect">
+            <a:avLst/>
+          </a:prstGeom>
+        </p:spPr>
+      </p:pic>
+      <p:sp>
+        <p:nvSpPr>
+          <p:cNvPr id="23" name="Rectangle : coins arrondis 22">
+            <a:extLst>
+              <a:ext uri="{FF2B5EF4-FFF2-40B4-BE49-F238E27FC236}">
+                <a16:creationId xmlns:a16="http://schemas.microsoft.com/office/drawing/2014/main" id="{047D96FF-63C9-4DF4-BBA9-1C1E09D5A169}"/>
+              </a:ext>
+            </a:extLst>
+          </p:cNvPr>
+          <p:cNvSpPr/>
+          <p:nvPr/>
+        </p:nvSpPr>
+        <p:spPr>
+          <a:xfrm>
+            <a:off x="4017017" y="4889542"/>
+            <a:ext cx="4157964" cy="604344"/>
+          </a:xfrm>
+          <a:prstGeom prst="roundRect">
+            <a:avLst>
+              <a:gd name="adj" fmla="val 50000"/>
+            </a:avLst>
+          </a:prstGeom>
+          <a:solidFill>
+            <a:schemeClr val="bg1">
+              <a:lumMod val="95000"/>
+            </a:schemeClr>
+          </a:solidFill>
+          <a:ln>
+            <a:noFill/>
+          </a:ln>
+          <a:effectLst>
+            <a:innerShdw blurRad="63500">
+              <a:prstClr val="black">
+                <a:alpha val="20000"/>
+              </a:prstClr>
+            </a:innerShdw>
+          </a:effectLst>
+        </p:spPr>
+        <p:style>
+          <a:lnRef idx="2">
+            <a:schemeClr val="accent3">
+              <a:shade val="50000"/>
+            </a:schemeClr>
+          </a:lnRef>
+          <a:fillRef idx="1">
+            <a:schemeClr val="accent3"/>
+          </a:fillRef>
+          <a:effectRef idx="0">
+            <a:schemeClr val="accent3"/>
+          </a:effectRef>
+          <a:fontRef idx="minor">
+            <a:schemeClr val="lt1"/>
+          </a:fontRef>
+        </p:style>
+        <p:txBody>
+          <a:bodyPr rtlCol="0" anchor="ctr"/>
+          <a:lstStyle/>
+          <a:p>
+            <a:pPr algn="ctr"/>
+            <a:r>
+              <a:rPr lang="fr-FR">
+                <a:solidFill>
+                  <a:schemeClr val="bg1">
+                    <a:lumMod val="75000"/>
+                  </a:schemeClr>
+                </a:solidFill>
+              </a:rPr>
               <a:t>spécialité</a:t>
             </a:r>
           </a:p>
@@ -5770,7 +5979,7 @@
     </p:spTree>
     <p:extLst>
       <p:ext uri="{BB962C8B-B14F-4D97-AF65-F5344CB8AC3E}">
-        <p14:creationId xmlns:p14="http://schemas.microsoft.com/office/powerpoint/2010/main" val="3053268203"/>
+        <p14:creationId xmlns:p14="http://schemas.microsoft.com/office/powerpoint/2010/main" val="853865037"/>
       </p:ext>
     </p:extLst>
   </p:cSld>
@@ -5865,9 +6074,9 @@
         <p:spPr bwMode="auto">
           <a:xfrm>
             <a:off x="5375999" y="1001609"/>
-            <a:ext cx="1440000" cy="1195199"/>
-          </a:xfrm>
-          <a:prstGeom prst="rect">
+            <a:ext cx="1440000" cy="1322348"/>
+          </a:xfrm>
+          <a:prstGeom prst="roundRect">
             <a:avLst/>
           </a:prstGeom>
           <a:solidFill>
@@ -5897,14 +6106,14 @@
               </a:spcAft>
             </a:pPr>
             <a:r>
-              <a:rPr lang="fr-FR" sz="1100" dirty="0">
+              <a:rPr lang="fr-FR" sz="1100">
                 <a:latin typeface="Calibri"/>
                 <a:ea typeface="Calibri" panose="020F0502020204030204" pitchFamily="34" charset="0"/>
                 <a:cs typeface="Times New Roman"/>
               </a:rPr>
               <a:t>User</a:t>
             </a:r>
-            <a:endParaRPr lang="fr-FR" dirty="0"/>
+            <a:endParaRPr lang="fr-FR"/>
           </a:p>
           <a:p>
             <a:pPr marL="171450" lvl="0" indent="-171450">
@@ -5915,7 +6124,7 @@
               <a:buChar char="•"/>
             </a:pPr>
             <a:r>
-              <a:rPr lang="fr-FR" sz="1100" u="heavy" dirty="0" err="1">
+              <a:rPr lang="fr-FR" sz="1100" u="heavy" err="1">
                 <a:effectLst/>
                 <a:latin typeface="Calibri" panose="020F0502020204030204" pitchFamily="34" charset="0"/>
                 <a:ea typeface="Calibri" panose="020F0502020204030204" pitchFamily="34" charset="0"/>
@@ -5923,7 +6132,7 @@
               </a:rPr>
               <a:t>username</a:t>
             </a:r>
-            <a:endParaRPr lang="fr-FR" sz="1100" dirty="0">
+            <a:endParaRPr lang="fr-FR" sz="1100">
               <a:effectLst/>
               <a:latin typeface="Calibri" panose="020F0502020204030204" pitchFamily="34" charset="0"/>
               <a:ea typeface="Calibri" panose="020F0502020204030204" pitchFamily="34" charset="0"/>
@@ -5939,7 +6148,7 @@
               <a:buChar char="•"/>
             </a:pPr>
             <a:r>
-              <a:rPr lang="fr-FR" sz="1100" dirty="0" err="1">
+              <a:rPr lang="fr-FR" sz="1100" err="1">
                 <a:effectLst/>
                 <a:latin typeface="Calibri" panose="020F0502020204030204" pitchFamily="34" charset="0"/>
                 <a:ea typeface="Calibri" panose="020F0502020204030204" pitchFamily="34" charset="0"/>
@@ -5947,7 +6156,7 @@
               </a:rPr>
               <a:t>password</a:t>
             </a:r>
-            <a:endParaRPr lang="fr-FR" sz="1100" dirty="0">
+            <a:endParaRPr lang="fr-FR" sz="1100">
               <a:effectLst/>
               <a:latin typeface="Calibri" panose="020F0502020204030204" pitchFamily="34" charset="0"/>
               <a:ea typeface="Calibri" panose="020F0502020204030204" pitchFamily="34" charset="0"/>
@@ -5966,7 +6175,7 @@
               <a:buChar char="•"/>
             </a:pPr>
             <a:r>
-              <a:rPr lang="fr-FR" sz="1100" dirty="0">
+              <a:rPr lang="fr-FR" sz="1100">
                 <a:effectLst/>
                 <a:latin typeface="Calibri" panose="020F0502020204030204" pitchFamily="34" charset="0"/>
                 <a:ea typeface="Calibri" panose="020F0502020204030204" pitchFamily="34" charset="0"/>
@@ -5984,7 +6193,7 @@
                 <a:spcPts val="800"/>
               </a:spcAft>
             </a:pPr>
-            <a:endParaRPr lang="fr-FR" sz="1100" dirty="0">
+            <a:endParaRPr lang="fr-FR" sz="1100">
               <a:effectLst/>
               <a:latin typeface="Calibri" panose="020F0502020204030204" pitchFamily="34" charset="0"/>
               <a:ea typeface="Calibri" panose="020F0502020204030204" pitchFamily="34" charset="0"/>
@@ -6010,9 +6219,9 @@
         <p:spPr bwMode="auto">
           <a:xfrm>
             <a:off x="1861274" y="3465847"/>
-            <a:ext cx="1440000" cy="1805948"/>
-          </a:xfrm>
-          <a:prstGeom prst="rect">
+            <a:ext cx="1440000" cy="1980000"/>
+          </a:xfrm>
+          <a:prstGeom prst="roundRect">
             <a:avLst/>
           </a:prstGeom>
           <a:solidFill>
@@ -6063,7 +6272,7 @@
               </a:rPr>
               <a:t>title</a:t>
             </a:r>
-            <a:endParaRPr lang="fr-FR" sz="1100" u="heavy">
+            <a:endParaRPr lang="fr-FR" sz="1100" u="heavy" dirty="0">
               <a:latin typeface="Calibri"/>
               <a:ea typeface="Calibri" panose="020F0502020204030204" pitchFamily="34" charset="0"/>
               <a:cs typeface="Times New Roman" panose="02020603050405020304" pitchFamily="18" charset="0"/>
@@ -6165,9 +6374,9 @@
         <p:spPr bwMode="auto">
           <a:xfrm>
             <a:off x="8888381" y="3465846"/>
-            <a:ext cx="1440000" cy="1805949"/>
-          </a:xfrm>
-          <a:prstGeom prst="rect">
+            <a:ext cx="1440000" cy="1980000"/>
+          </a:xfrm>
+          <a:prstGeom prst="roundRect">
             <a:avLst/>
           </a:prstGeom>
           <a:solidFill>
@@ -6197,7 +6406,7 @@
               </a:spcAft>
             </a:pPr>
             <a:r>
-              <a:rPr lang="fr-FR" sz="1100" dirty="0">
+              <a:rPr lang="fr-FR" sz="1100">
                 <a:effectLst/>
                 <a:latin typeface="Calibri" panose="020F0502020204030204" pitchFamily="34" charset="0"/>
                 <a:ea typeface="Calibri" panose="020F0502020204030204" pitchFamily="34" charset="0"/>
@@ -6215,14 +6424,14 @@
               <a:buChar char="•"/>
             </a:pPr>
             <a:r>
-              <a:rPr lang="fr-FR" sz="1100" u="heavy" dirty="0" err="1">
+              <a:rPr lang="fr-FR" sz="1100" u="heavy" err="1">
                 <a:latin typeface="Calibri"/>
                 <a:ea typeface="Calibri" panose="020F0502020204030204" pitchFamily="34" charset="0"/>
                 <a:cs typeface="Times New Roman"/>
               </a:rPr>
               <a:t>subject</a:t>
             </a:r>
-            <a:endParaRPr lang="fr-FR" sz="1100" u="heavy" dirty="0" err="1">
+            <a:endParaRPr lang="fr-FR" sz="1100" u="heavy" err="1">
               <a:effectLst/>
               <a:latin typeface="Calibri"/>
               <a:ea typeface="Calibri" panose="020F0502020204030204" pitchFamily="34" charset="0"/>
@@ -6238,14 +6447,14 @@
               <a:buChar char="•"/>
             </a:pPr>
             <a:r>
-              <a:rPr lang="fr-FR" sz="1100" dirty="0" err="1">
+              <a:rPr lang="fr-FR" sz="1100" err="1">
                 <a:latin typeface="Calibri"/>
                 <a:ea typeface="Calibri" panose="020F0502020204030204" pitchFamily="34" charset="0"/>
                 <a:cs typeface="Times New Roman"/>
               </a:rPr>
               <a:t>teacher</a:t>
             </a:r>
-            <a:endParaRPr lang="fr-FR" sz="1100" dirty="0" err="1">
+            <a:endParaRPr lang="fr-FR" sz="1100" err="1">
               <a:effectLst/>
               <a:latin typeface="Calibri"/>
               <a:ea typeface="Calibri" panose="020F0502020204030204" pitchFamily="34" charset="0"/>
@@ -6261,14 +6470,14 @@
               <a:buChar char="•"/>
             </a:pPr>
             <a:r>
-              <a:rPr lang="fr-FR" sz="1100" dirty="0">
+              <a:rPr lang="fr-FR" sz="1100">
                 <a:latin typeface="Calibri"/>
                 <a:ea typeface="Calibri" panose="020F0502020204030204" pitchFamily="34" charset="0"/>
                 <a:cs typeface="Times New Roman"/>
               </a:rPr>
               <a:t>room</a:t>
             </a:r>
-            <a:endParaRPr lang="fr-FR" sz="1100" dirty="0">
+            <a:endParaRPr lang="fr-FR" sz="1100">
               <a:latin typeface="Calibri"/>
               <a:ea typeface="Calibri" panose="020F0502020204030204" pitchFamily="34" charset="0"/>
               <a:cs typeface="Times New Roman" panose="02020603050405020304" pitchFamily="18" charset="0"/>
@@ -6283,14 +6492,14 @@
               <a:buChar char="•"/>
             </a:pPr>
             <a:r>
-              <a:rPr lang="fr-FR" sz="1100" dirty="0">
+              <a:rPr lang="fr-FR" sz="1100">
                 <a:latin typeface="Calibri"/>
                 <a:ea typeface="Calibri" panose="020F0502020204030204" pitchFamily="34" charset="0"/>
                 <a:cs typeface="Times New Roman"/>
               </a:rPr>
               <a:t>date</a:t>
             </a:r>
-            <a:endParaRPr lang="fr-FR" sz="1100" dirty="0">
+            <a:endParaRPr lang="fr-FR" sz="1100">
               <a:effectLst/>
               <a:latin typeface="Calibri"/>
               <a:ea typeface="Calibri" panose="020F0502020204030204" pitchFamily="34" charset="0"/>
@@ -6306,14 +6515,14 @@
               <a:buChar char="•"/>
             </a:pPr>
             <a:r>
-              <a:rPr lang="fr-FR" sz="1100" dirty="0">
+              <a:rPr lang="fr-FR" sz="1100">
                 <a:latin typeface="Calibri"/>
                 <a:ea typeface="Calibri" panose="020F0502020204030204" pitchFamily="34" charset="0"/>
                 <a:cs typeface="Times New Roman"/>
               </a:rPr>
               <a:t>start</a:t>
             </a:r>
-            <a:endParaRPr lang="fr-FR" sz="1100" dirty="0">
+            <a:endParaRPr lang="fr-FR" sz="1100">
               <a:effectLst/>
               <a:latin typeface="Calibri"/>
               <a:ea typeface="Calibri" panose="020F0502020204030204" pitchFamily="34" charset="0"/>
@@ -6329,14 +6538,14 @@
               <a:buChar char="•"/>
             </a:pPr>
             <a:r>
-              <a:rPr lang="fr-FR" sz="1100" dirty="0">
+              <a:rPr lang="fr-FR" sz="1100">
                 <a:latin typeface="Calibri"/>
                 <a:ea typeface="Calibri" panose="020F0502020204030204" pitchFamily="34" charset="0"/>
                 <a:cs typeface="Times New Roman"/>
               </a:rPr>
               <a:t>end</a:t>
             </a:r>
-            <a:endParaRPr lang="fr-FR" sz="1100" dirty="0">
+            <a:endParaRPr lang="fr-FR" sz="1100">
               <a:effectLst/>
               <a:latin typeface="Calibri"/>
               <a:ea typeface="Calibri" panose="020F0502020204030204" pitchFamily="34" charset="0"/>
@@ -6352,7 +6561,7 @@
               <a:buChar char="•"/>
             </a:pPr>
             <a:r>
-              <a:rPr lang="fr-FR" sz="1100" dirty="0">
+              <a:rPr lang="fr-FR" sz="1100">
                 <a:latin typeface="Calibri"/>
                 <a:ea typeface="Calibri" panose="020F0502020204030204" pitchFamily="34" charset="0"/>
                 <a:cs typeface="Times New Roman"/>
@@ -6369,7 +6578,7 @@
               <a:buChar char="•"/>
             </a:pPr>
             <a:r>
-              <a:rPr lang="fr-FR" sz="1100" u="dotted" dirty="0" err="1">
+              <a:rPr lang="fr-FR" sz="1100" u="dotted" err="1">
                 <a:effectLst/>
                 <a:latin typeface="Calibri" panose="020F0502020204030204" pitchFamily="34" charset="0"/>
                 <a:ea typeface="Calibri" panose="020F0502020204030204" pitchFamily="34" charset="0"/>
@@ -6377,7 +6586,7 @@
               </a:rPr>
               <a:t>Username</a:t>
             </a:r>
-            <a:endParaRPr lang="fr-FR" sz="1100" u="dotted" dirty="0">
+            <a:endParaRPr lang="fr-FR" sz="1100" u="dotted">
               <a:latin typeface="Calibri" panose="020F0502020204030204" pitchFamily="34" charset="0"/>
               <a:ea typeface="Calibri" panose="020F0502020204030204" pitchFamily="34" charset="0"/>
               <a:cs typeface="Times New Roman" panose="02020603050405020304" pitchFamily="18" charset="0"/>
@@ -6406,8 +6615,18 @@
             <a:avLst/>
           </a:prstGeom>
           <a:solidFill>
-            <a:srgbClr val="94DCCB"/>
+            <a:srgbClr val="3AB395"/>
           </a:solidFill>
+          <a:ln>
+            <a:noFill/>
+          </a:ln>
+          <a:effectLst>
+            <a:outerShdw blurRad="63500" sx="102000" sy="102000" algn="ctr" rotWithShape="0">
+              <a:prstClr val="black">
+                <a:alpha val="40000"/>
+              </a:prstClr>
+            </a:outerShdw>
+          </a:effectLst>
         </p:spPr>
         <p:style>
           <a:lnRef idx="2">
@@ -6431,7 +6650,7 @@
           <a:p>
             <a:pPr algn="ctr"/>
             <a:r>
-              <a:rPr lang="fr-CA" dirty="0">
+              <a:rPr lang="fr-CA">
                 <a:solidFill>
                   <a:schemeClr val="tx1"/>
                 </a:solidFill>
@@ -6463,8 +6682,18 @@
             <a:avLst/>
           </a:prstGeom>
           <a:solidFill>
-            <a:srgbClr val="94DCCB"/>
+            <a:srgbClr val="3AB395"/>
           </a:solidFill>
+          <a:ln>
+            <a:noFill/>
+          </a:ln>
+          <a:effectLst>
+            <a:outerShdw blurRad="63500" sx="102000" sy="102000" algn="ctr" rotWithShape="0">
+              <a:prstClr val="black">
+                <a:alpha val="40000"/>
+              </a:prstClr>
+            </a:outerShdw>
+          </a:effectLst>
         </p:spPr>
         <p:style>
           <a:lnRef idx="2">
@@ -6488,7 +6717,7 @@
           <a:p>
             <a:pPr algn="ctr"/>
             <a:r>
-              <a:rPr lang="fr-CA" dirty="0">
+              <a:rPr lang="fr-CA">
                 <a:solidFill>
                   <a:schemeClr val="tx1"/>
                 </a:solidFill>
@@ -6682,7 +6911,7 @@
           <a:p>
             <a:pPr algn="l"/>
             <a:r>
-              <a:rPr lang="fr-CA" dirty="0">
+              <a:rPr lang="fr-CA">
                 <a:cs typeface="Calibri"/>
               </a:rPr>
               <a:t>0,n</a:t>
@@ -6723,7 +6952,7 @@
           <a:p>
             <a:pPr algn="l"/>
             <a:r>
-              <a:rPr lang="fr-CA" dirty="0">
+              <a:rPr lang="fr-CA">
                 <a:cs typeface="Calibri"/>
               </a:rPr>
               <a:t>1,1</a:t>
@@ -6764,7 +6993,7 @@
           <a:p>
             <a:pPr algn="l"/>
             <a:r>
-              <a:rPr lang="fr-CA" dirty="0">
+              <a:rPr lang="fr-CA">
                 <a:cs typeface="Calibri"/>
               </a:rPr>
               <a:t>1,n</a:t>
@@ -6805,7 +7034,7 @@
           <a:p>
             <a:pPr algn="l"/>
             <a:r>
-              <a:rPr lang="fr-CA" dirty="0">
+              <a:rPr lang="fr-CA">
                 <a:cs typeface="Calibri"/>
               </a:rPr>
               <a:t>1,1</a:t>

--- a/presentation/Structure_Projet.pptx
+++ b/presentation/Structure_Projet.pptx
@@ -129,7 +129,7 @@
   <pc:docChgLst>
     <pc:chgData name="Hugo DEMENEZ" userId="167f3b24-aa49-4d1b-b001-4f9180dfa13d" providerId="ADAL" clId="{7F131F86-5835-4106-9139-BC7AD26F85E4}"/>
     <pc:docChg chg="undo custSel addSld delSld modSld sldOrd">
-      <pc:chgData name="Hugo DEMENEZ" userId="167f3b24-aa49-4d1b-b001-4f9180dfa13d" providerId="ADAL" clId="{7F131F86-5835-4106-9139-BC7AD26F85E4}" dt="2021-06-22T13:28:09.224" v="76" actId="20577"/>
+      <pc:chgData name="Hugo DEMENEZ" userId="167f3b24-aa49-4d1b-b001-4f9180dfa13d" providerId="ADAL" clId="{7F131F86-5835-4106-9139-BC7AD26F85E4}" dt="2021-06-22T13:35:41.197" v="80" actId="170"/>
       <pc:docMkLst>
         <pc:docMk/>
       </pc:docMkLst>
@@ -196,7 +196,7 @@
         </pc:sldMkLst>
       </pc:sldChg>
       <pc:sldChg chg="delSp modSp mod">
-        <pc:chgData name="Hugo DEMENEZ" userId="167f3b24-aa49-4d1b-b001-4f9180dfa13d" providerId="ADAL" clId="{7F131F86-5835-4106-9139-BC7AD26F85E4}" dt="2021-06-22T13:28:09.224" v="76" actId="20577"/>
+        <pc:chgData name="Hugo DEMENEZ" userId="167f3b24-aa49-4d1b-b001-4f9180dfa13d" providerId="ADAL" clId="{7F131F86-5835-4106-9139-BC7AD26F85E4}" dt="2021-06-22T13:35:41.197" v="80" actId="170"/>
         <pc:sldMkLst>
           <pc:docMk/>
           <pc:sldMk cId="3053268203" sldId="260"/>
@@ -257,8 +257,16 @@
             <ac:spMk id="23" creationId="{047D96FF-63C9-4DF4-BBA9-1C1E09D5A169}"/>
           </ac:spMkLst>
         </pc:spChg>
+        <pc:spChg chg="mod ord">
+          <ac:chgData name="Hugo DEMENEZ" userId="167f3b24-aa49-4d1b-b001-4f9180dfa13d" providerId="ADAL" clId="{7F131F86-5835-4106-9139-BC7AD26F85E4}" dt="2021-06-22T13:35:41.197" v="80" actId="170"/>
+          <ac:spMkLst>
+            <pc:docMk/>
+            <pc:sldMk cId="3053268203" sldId="260"/>
+            <ac:spMk id="31" creationId="{E4A8307C-6066-4BFA-BE33-A85D757BBC0C}"/>
+          </ac:spMkLst>
+        </pc:spChg>
         <pc:spChg chg="mod">
-          <ac:chgData name="Hugo DEMENEZ" userId="167f3b24-aa49-4d1b-b001-4f9180dfa13d" providerId="ADAL" clId="{7F131F86-5835-4106-9139-BC7AD26F85E4}" dt="2021-06-22T13:27:30.457" v="52" actId="207"/>
+          <ac:chgData name="Hugo DEMENEZ" userId="167f3b24-aa49-4d1b-b001-4f9180dfa13d" providerId="ADAL" clId="{7F131F86-5835-4106-9139-BC7AD26F85E4}" dt="2021-06-22T13:35:24.114" v="77" actId="207"/>
           <ac:spMkLst>
             <pc:docMk/>
             <pc:sldMk cId="3053268203" sldId="260"/>
@@ -4716,64 +4724,6 @@
         </p:grpSpPr>
         <p:sp>
           <p:nvSpPr>
-            <p:cNvPr id="31" name="ZoneTexte 30">
-              <a:extLst>
-                <a:ext uri="{FF2B5EF4-FFF2-40B4-BE49-F238E27FC236}">
-                  <a16:creationId xmlns:a16="http://schemas.microsoft.com/office/drawing/2014/main" id="{E4A8307C-6066-4BFA-BE33-A85D757BBC0C}"/>
-                </a:ext>
-              </a:extLst>
-            </p:cNvPr>
-            <p:cNvSpPr txBox="1"/>
-            <p:nvPr/>
-          </p:nvSpPr>
-          <p:spPr>
-            <a:xfrm>
-              <a:off x="4440378" y="1892965"/>
-              <a:ext cx="1758258" cy="483632"/>
-            </a:xfrm>
-            <a:prstGeom prst="roundRect">
-              <a:avLst>
-                <a:gd name="adj" fmla="val 41017"/>
-              </a:avLst>
-            </a:prstGeom>
-            <a:noFill/>
-            <a:ln>
-              <a:solidFill>
-                <a:schemeClr val="tx1">
-                  <a:lumMod val="50000"/>
-                  <a:lumOff val="50000"/>
-                </a:schemeClr>
-              </a:solidFill>
-            </a:ln>
-            <a:effectLst>
-              <a:innerShdw blurRad="228600" dist="76200">
-                <a:prstClr val="black"/>
-              </a:innerShdw>
-            </a:effectLst>
-          </p:spPr>
-          <p:txBody>
-            <a:bodyPr wrap="square" rtlCol="0" anchor="ctr">
-              <a:spAutoFit/>
-            </a:bodyPr>
-            <a:lstStyle/>
-            <a:p>
-              <a:pPr algn="ctr"/>
-              <a:r>
-                <a:rPr lang="fr-FR" b="1" dirty="0">
-                  <a:solidFill>
-                    <a:schemeClr val="tx1">
-                      <a:lumMod val="75000"/>
-                      <a:lumOff val="25000"/>
-                    </a:schemeClr>
-                  </a:solidFill>
-                </a:rPr>
-                <a:t>Connexion</a:t>
-              </a:r>
-            </a:p>
-          </p:txBody>
-        </p:sp>
-        <p:sp>
-          <p:nvSpPr>
             <p:cNvPr id="42" name="ZoneTexte 41">
               <a:extLst>
                 <a:ext uri="{FF2B5EF4-FFF2-40B4-BE49-F238E27FC236}">
@@ -4794,9 +4744,7 @@
                 <a:gd name="adj" fmla="val 41017"/>
               </a:avLst>
             </a:prstGeom>
-            <a:solidFill>
-              <a:srgbClr val="3AB395"/>
-            </a:solidFill>
+            <a:noFill/>
             <a:ln>
               <a:solidFill>
                 <a:schemeClr val="tx1">
@@ -4823,6 +4771,62 @@
                   </a:solidFill>
                 </a:rPr>
                 <a:t>Inscription</a:t>
+              </a:r>
+            </a:p>
+          </p:txBody>
+        </p:sp>
+        <p:sp>
+          <p:nvSpPr>
+            <p:cNvPr id="31" name="ZoneTexte 30">
+              <a:extLst>
+                <a:ext uri="{FF2B5EF4-FFF2-40B4-BE49-F238E27FC236}">
+                  <a16:creationId xmlns:a16="http://schemas.microsoft.com/office/drawing/2014/main" id="{E4A8307C-6066-4BFA-BE33-A85D757BBC0C}"/>
+                </a:ext>
+              </a:extLst>
+            </p:cNvPr>
+            <p:cNvSpPr txBox="1"/>
+            <p:nvPr/>
+          </p:nvSpPr>
+          <p:spPr>
+            <a:xfrm>
+              <a:off x="4440378" y="1892965"/>
+              <a:ext cx="1758258" cy="483632"/>
+            </a:xfrm>
+            <a:prstGeom prst="roundRect">
+              <a:avLst>
+                <a:gd name="adj" fmla="val 41017"/>
+              </a:avLst>
+            </a:prstGeom>
+            <a:solidFill>
+              <a:srgbClr val="3AB395"/>
+            </a:solidFill>
+            <a:ln>
+              <a:solidFill>
+                <a:schemeClr val="tx1">
+                  <a:lumMod val="50000"/>
+                  <a:lumOff val="50000"/>
+                </a:schemeClr>
+              </a:solidFill>
+            </a:ln>
+            <a:effectLst/>
+          </p:spPr>
+          <p:txBody>
+            <a:bodyPr wrap="square" rtlCol="0" anchor="ctr">
+              <a:spAutoFit/>
+            </a:bodyPr>
+            <a:lstStyle/>
+            <a:p>
+              <a:pPr algn="ctr"/>
+              <a:r>
+                <a:rPr lang="fr-FR" b="1" dirty="0">
+                  <a:solidFill>
+                    <a:schemeClr val="tx1">
+                      <a:lumMod val="75000"/>
+                      <a:lumOff val="25000"/>
+                    </a:schemeClr>
+                  </a:solidFill>
+                </a:rPr>
+                <a:t>Connexion</a:t>
               </a:r>
             </a:p>
           </p:txBody>

--- a/presentation/Structure_Projet.pptx
+++ b/presentation/Structure_Projet.pptx
@@ -7,9 +7,10 @@
   <p:sldIdLst>
     <p:sldId id="260" r:id="rId2"/>
     <p:sldId id="263" r:id="rId3"/>
-    <p:sldId id="262" r:id="rId4"/>
-    <p:sldId id="258" r:id="rId5"/>
-    <p:sldId id="261" r:id="rId6"/>
+    <p:sldId id="264" r:id="rId4"/>
+    <p:sldId id="262" r:id="rId5"/>
+    <p:sldId id="258" r:id="rId6"/>
+    <p:sldId id="261" r:id="rId7"/>
   </p:sldIdLst>
   <p:sldSz cx="12192000" cy="6858000"/>
   <p:notesSz cx="6858000" cy="9144000"/>
@@ -119,7 +120,7 @@
 <file path=ppt/revisionInfo.xml><?xml version="1.0" encoding="utf-8"?>
 <p1510:revInfo xmlns:a="http://schemas.openxmlformats.org/drawingml/2006/main" xmlns:r="http://schemas.openxmlformats.org/officeDocument/2006/relationships" xmlns:p1510="http://schemas.microsoft.com/office/powerpoint/2015/10/main">
   <p1510:revLst>
-    <p1510:client id="{7F131F86-5835-4106-9139-BC7AD26F85E4}" v="12" dt="2021-06-22T13:27:15.970"/>
+    <p1510:client id="{7F131F86-5835-4106-9139-BC7AD26F85E4}" v="58" dt="2021-06-22T13:42:33.727"/>
   </p1510:revLst>
 </p1510:revInfo>
 </file>
@@ -129,7 +130,7 @@
   <pc:docChgLst>
     <pc:chgData name="Hugo DEMENEZ" userId="167f3b24-aa49-4d1b-b001-4f9180dfa13d" providerId="ADAL" clId="{7F131F86-5835-4106-9139-BC7AD26F85E4}"/>
     <pc:docChg chg="undo custSel addSld delSld modSld sldOrd">
-      <pc:chgData name="Hugo DEMENEZ" userId="167f3b24-aa49-4d1b-b001-4f9180dfa13d" providerId="ADAL" clId="{7F131F86-5835-4106-9139-BC7AD26F85E4}" dt="2021-06-22T13:35:41.197" v="80" actId="170"/>
+      <pc:chgData name="Hugo DEMENEZ" userId="167f3b24-aa49-4d1b-b001-4f9180dfa13d" providerId="ADAL" clId="{7F131F86-5835-4106-9139-BC7AD26F85E4}" dt="2021-06-22T13:44:04.039" v="205" actId="14861"/>
       <pc:docMkLst>
         <pc:docMk/>
       </pc:docMkLst>
@@ -406,6 +407,85 @@
           <pc:docMk/>
           <pc:sldMk cId="3712739349" sldId="263"/>
         </pc:sldMkLst>
+      </pc:sldChg>
+      <pc:sldChg chg="addSp delSp modSp new mod">
+        <pc:chgData name="Hugo DEMENEZ" userId="167f3b24-aa49-4d1b-b001-4f9180dfa13d" providerId="ADAL" clId="{7F131F86-5835-4106-9139-BC7AD26F85E4}" dt="2021-06-22T13:44:04.039" v="205" actId="14861"/>
+        <pc:sldMkLst>
+          <pc:docMk/>
+          <pc:sldMk cId="1683770341" sldId="264"/>
+        </pc:sldMkLst>
+        <pc:spChg chg="del">
+          <ac:chgData name="Hugo DEMENEZ" userId="167f3b24-aa49-4d1b-b001-4f9180dfa13d" providerId="ADAL" clId="{7F131F86-5835-4106-9139-BC7AD26F85E4}" dt="2021-06-22T13:37:41.969" v="82" actId="478"/>
+          <ac:spMkLst>
+            <pc:docMk/>
+            <pc:sldMk cId="1683770341" sldId="264"/>
+            <ac:spMk id="2" creationId="{62E4CD56-9734-4060-9390-B97648A826B3}"/>
+          </ac:spMkLst>
+        </pc:spChg>
+        <pc:spChg chg="del">
+          <ac:chgData name="Hugo DEMENEZ" userId="167f3b24-aa49-4d1b-b001-4f9180dfa13d" providerId="ADAL" clId="{7F131F86-5835-4106-9139-BC7AD26F85E4}" dt="2021-06-22T13:37:42.793" v="83" actId="478"/>
+          <ac:spMkLst>
+            <pc:docMk/>
+            <pc:sldMk cId="1683770341" sldId="264"/>
+            <ac:spMk id="3" creationId="{62BC0EA5-E363-42FE-BF22-E2124F9CAC5B}"/>
+          </ac:spMkLst>
+        </pc:spChg>
+        <pc:spChg chg="add mod">
+          <ac:chgData name="Hugo DEMENEZ" userId="167f3b24-aa49-4d1b-b001-4f9180dfa13d" providerId="ADAL" clId="{7F131F86-5835-4106-9139-BC7AD26F85E4}" dt="2021-06-22T13:38:03.018" v="85" actId="13822"/>
+          <ac:spMkLst>
+            <pc:docMk/>
+            <pc:sldMk cId="1683770341" sldId="264"/>
+            <ac:spMk id="4" creationId="{CB3616D0-9F07-4458-9993-4468DF52766F}"/>
+          </ac:spMkLst>
+        </pc:spChg>
+        <pc:spChg chg="add mod">
+          <ac:chgData name="Hugo DEMENEZ" userId="167f3b24-aa49-4d1b-b001-4f9180dfa13d" providerId="ADAL" clId="{7F131F86-5835-4106-9139-BC7AD26F85E4}" dt="2021-06-22T13:38:35.990" v="94" actId="1076"/>
+          <ac:spMkLst>
+            <pc:docMk/>
+            <pc:sldMk cId="1683770341" sldId="264"/>
+            <ac:spMk id="5" creationId="{4C58413D-A6FF-4572-9B35-1EF169079D94}"/>
+          </ac:spMkLst>
+        </pc:spChg>
+        <pc:spChg chg="add mod">
+          <ac:chgData name="Hugo DEMENEZ" userId="167f3b24-aa49-4d1b-b001-4f9180dfa13d" providerId="ADAL" clId="{7F131F86-5835-4106-9139-BC7AD26F85E4}" dt="2021-06-22T13:43:37.792" v="200" actId="14861"/>
+          <ac:spMkLst>
+            <pc:docMk/>
+            <pc:sldMk cId="1683770341" sldId="264"/>
+            <ac:spMk id="15" creationId="{C4DAF09E-B347-45F9-8209-514551EFCDBA}"/>
+          </ac:spMkLst>
+        </pc:spChg>
+        <pc:graphicFrameChg chg="add mod">
+          <ac:chgData name="Hugo DEMENEZ" userId="167f3b24-aa49-4d1b-b001-4f9180dfa13d" providerId="ADAL" clId="{7F131F86-5835-4106-9139-BC7AD26F85E4}" dt="2021-06-22T13:42:33.726" v="179"/>
+          <ac:graphicFrameMkLst>
+            <pc:docMk/>
+            <pc:sldMk cId="1683770341" sldId="264"/>
+            <ac:graphicFrameMk id="14" creationId="{EA39CE18-E0FE-4A90-A546-015707CC6810}"/>
+          </ac:graphicFrameMkLst>
+        </pc:graphicFrameChg>
+        <pc:picChg chg="add mod">
+          <ac:chgData name="Hugo DEMENEZ" userId="167f3b24-aa49-4d1b-b001-4f9180dfa13d" providerId="ADAL" clId="{7F131F86-5835-4106-9139-BC7AD26F85E4}" dt="2021-06-22T13:43:57.560" v="204" actId="14861"/>
+          <ac:picMkLst>
+            <pc:docMk/>
+            <pc:sldMk cId="1683770341" sldId="264"/>
+            <ac:picMk id="7" creationId="{CA379CB7-4232-4DA6-8013-A8A636DD1A42}"/>
+          </ac:picMkLst>
+        </pc:picChg>
+        <pc:picChg chg="add mod">
+          <ac:chgData name="Hugo DEMENEZ" userId="167f3b24-aa49-4d1b-b001-4f9180dfa13d" providerId="ADAL" clId="{7F131F86-5835-4106-9139-BC7AD26F85E4}" dt="2021-06-22T13:44:04.039" v="205" actId="14861"/>
+          <ac:picMkLst>
+            <pc:docMk/>
+            <pc:sldMk cId="1683770341" sldId="264"/>
+            <ac:picMk id="9" creationId="{41667D38-5E9B-4BBE-AE64-6A2C93ABE8F5}"/>
+          </ac:picMkLst>
+        </pc:picChg>
+        <pc:picChg chg="add del mod">
+          <ac:chgData name="Hugo DEMENEZ" userId="167f3b24-aa49-4d1b-b001-4f9180dfa13d" providerId="ADAL" clId="{7F131F86-5835-4106-9139-BC7AD26F85E4}" dt="2021-06-22T13:39:29.830" v="102" actId="478"/>
+          <ac:picMkLst>
+            <pc:docMk/>
+            <pc:sldMk cId="1683770341" sldId="264"/>
+            <ac:picMk id="11" creationId="{4AD488EC-0DBF-4800-BEFA-A4A5BA4BC8B7}"/>
+          </ac:picMkLst>
+        </pc:picChg>
       </pc:sldChg>
     </pc:docChg>
   </pc:docChgLst>
@@ -1319,6 +1399,975 @@
     </pc:docChg>
   </pc:docChgLst>
 </pc:chgInfo>
+</file>
+
+<file path=ppt/charts/chart1.xml><?xml version="1.0" encoding="utf-8"?>
+<c:chartSpace xmlns:c="http://schemas.openxmlformats.org/drawingml/2006/chart" xmlns:a="http://schemas.openxmlformats.org/drawingml/2006/main" xmlns:r="http://schemas.openxmlformats.org/officeDocument/2006/relationships" xmlns:c16r2="http://schemas.microsoft.com/office/drawing/2015/06/chart">
+  <c:date1904 val="0"/>
+  <c:lang val="fr-FR"/>
+  <c:roundedCorners val="0"/>
+  <mc:AlternateContent xmlns:mc="http://schemas.openxmlformats.org/markup-compatibility/2006">
+    <mc:Choice xmlns:c14="http://schemas.microsoft.com/office/drawing/2007/8/2/chart" Requires="c14">
+      <c14:style val="102"/>
+    </mc:Choice>
+    <mc:Fallback>
+      <c:style val="2"/>
+    </mc:Fallback>
+  </mc:AlternateContent>
+  <c:chart>
+    <c:title>
+      <c:tx>
+        <c:rich>
+          <a:bodyPr rot="0" spcFirstLastPara="1" vertOverflow="ellipsis" vert="horz" wrap="square" anchor="ctr" anchorCtr="1"/>
+          <a:lstStyle/>
+          <a:p>
+            <a:pPr>
+              <a:defRPr sz="2128" b="1" i="0" u="none" strike="noStrike" kern="1200" baseline="0">
+                <a:solidFill>
+                  <a:schemeClr val="tx1">
+                    <a:lumMod val="65000"/>
+                    <a:lumOff val="35000"/>
+                  </a:schemeClr>
+                </a:solidFill>
+                <a:latin typeface="+mn-lt"/>
+                <a:ea typeface="+mn-ea"/>
+                <a:cs typeface="+mn-cs"/>
+              </a:defRPr>
+            </a:pPr>
+            <a:r>
+              <a:rPr lang="fr-FR"/>
+              <a:t>Notes</a:t>
+            </a:r>
+          </a:p>
+        </c:rich>
+      </c:tx>
+      <c:overlay val="0"/>
+      <c:spPr>
+        <a:noFill/>
+        <a:ln>
+          <a:noFill/>
+        </a:ln>
+        <a:effectLst/>
+      </c:spPr>
+      <c:txPr>
+        <a:bodyPr rot="0" spcFirstLastPara="1" vertOverflow="ellipsis" vert="horz" wrap="square" anchor="ctr" anchorCtr="1"/>
+        <a:lstStyle/>
+        <a:p>
+          <a:pPr>
+            <a:defRPr sz="2128" b="1" i="0" u="none" strike="noStrike" kern="1200" baseline="0">
+              <a:solidFill>
+                <a:schemeClr val="tx1">
+                  <a:lumMod val="65000"/>
+                  <a:lumOff val="35000"/>
+                </a:schemeClr>
+              </a:solidFill>
+              <a:latin typeface="+mn-lt"/>
+              <a:ea typeface="+mn-ea"/>
+              <a:cs typeface="+mn-cs"/>
+            </a:defRPr>
+          </a:pPr>
+          <a:endParaRPr lang="fr-FR"/>
+        </a:p>
+      </c:txPr>
+    </c:title>
+    <c:autoTitleDeleted val="0"/>
+    <c:plotArea>
+      <c:layout/>
+      <c:lineChart>
+        <c:grouping val="standard"/>
+        <c:varyColors val="0"/>
+        <c:ser>
+          <c:idx val="0"/>
+          <c:order val="0"/>
+          <c:tx>
+            <c:strRef>
+              <c:f>Feuil1!$B$1</c:f>
+              <c:strCache>
+                <c:ptCount val="1"/>
+                <c:pt idx="0">
+                  <c:v>Vos notes</c:v>
+                </c:pt>
+              </c:strCache>
+            </c:strRef>
+          </c:tx>
+          <c:spPr>
+            <a:ln w="34925" cap="rnd">
+              <a:solidFill>
+                <a:schemeClr val="accent1"/>
+              </a:solidFill>
+              <a:round/>
+            </a:ln>
+            <a:effectLst>
+              <a:outerShdw blurRad="57150" dist="19050" dir="5400000" algn="ctr" rotWithShape="0">
+                <a:srgbClr val="000000">
+                  <a:alpha val="63000"/>
+                </a:srgbClr>
+              </a:outerShdw>
+            </a:effectLst>
+          </c:spPr>
+          <c:marker>
+            <c:symbol val="none"/>
+          </c:marker>
+          <c:cat>
+            <c:strRef>
+              <c:f>Feuil1!$A$2:$A$5</c:f>
+              <c:strCache>
+                <c:ptCount val="4"/>
+                <c:pt idx="0">
+                  <c:v>Janvier</c:v>
+                </c:pt>
+                <c:pt idx="1">
+                  <c:v>Fevrier</c:v>
+                </c:pt>
+                <c:pt idx="2">
+                  <c:v>Mars</c:v>
+                </c:pt>
+                <c:pt idx="3">
+                  <c:v>Avril</c:v>
+                </c:pt>
+              </c:strCache>
+            </c:strRef>
+          </c:cat>
+          <c:val>
+            <c:numRef>
+              <c:f>Feuil1!$B$2:$B$5</c:f>
+              <c:numCache>
+                <c:formatCode>General</c:formatCode>
+                <c:ptCount val="4"/>
+                <c:pt idx="0">
+                  <c:v>2</c:v>
+                </c:pt>
+                <c:pt idx="1">
+                  <c:v>2.5</c:v>
+                </c:pt>
+                <c:pt idx="2">
+                  <c:v>3.5</c:v>
+                </c:pt>
+                <c:pt idx="3">
+                  <c:v>4</c:v>
+                </c:pt>
+              </c:numCache>
+            </c:numRef>
+          </c:val>
+          <c:smooth val="0"/>
+          <c:extLst>
+            <c:ext xmlns:c16="http://schemas.microsoft.com/office/drawing/2014/chart" uri="{C3380CC4-5D6E-409C-BE32-E72D297353CC}">
+              <c16:uniqueId val="{00000000-5637-4C46-A510-8FE854AD3847}"/>
+            </c:ext>
+          </c:extLst>
+        </c:ser>
+        <c:ser>
+          <c:idx val="1"/>
+          <c:order val="1"/>
+          <c:tx>
+            <c:strRef>
+              <c:f>Feuil1!$C$1</c:f>
+              <c:strCache>
+                <c:ptCount val="1"/>
+                <c:pt idx="0">
+                  <c:v>Notes Moyennes Globales</c:v>
+                </c:pt>
+              </c:strCache>
+            </c:strRef>
+          </c:tx>
+          <c:spPr>
+            <a:ln w="34925" cap="rnd">
+              <a:solidFill>
+                <a:schemeClr val="accent2"/>
+              </a:solidFill>
+              <a:round/>
+            </a:ln>
+            <a:effectLst>
+              <a:outerShdw blurRad="57150" dist="19050" dir="5400000" algn="ctr" rotWithShape="0">
+                <a:srgbClr val="000000">
+                  <a:alpha val="63000"/>
+                </a:srgbClr>
+              </a:outerShdw>
+            </a:effectLst>
+          </c:spPr>
+          <c:marker>
+            <c:symbol val="none"/>
+          </c:marker>
+          <c:cat>
+            <c:strRef>
+              <c:f>Feuil1!$A$2:$A$5</c:f>
+              <c:strCache>
+                <c:ptCount val="4"/>
+                <c:pt idx="0">
+                  <c:v>Janvier</c:v>
+                </c:pt>
+                <c:pt idx="1">
+                  <c:v>Fevrier</c:v>
+                </c:pt>
+                <c:pt idx="2">
+                  <c:v>Mars</c:v>
+                </c:pt>
+                <c:pt idx="3">
+                  <c:v>Avril</c:v>
+                </c:pt>
+              </c:strCache>
+            </c:strRef>
+          </c:cat>
+          <c:val>
+            <c:numRef>
+              <c:f>Feuil1!$C$2:$C$5</c:f>
+              <c:numCache>
+                <c:formatCode>General</c:formatCode>
+                <c:ptCount val="4"/>
+                <c:pt idx="0">
+                  <c:v>2.4</c:v>
+                </c:pt>
+                <c:pt idx="1">
+                  <c:v>3</c:v>
+                </c:pt>
+                <c:pt idx="2">
+                  <c:v>2.5</c:v>
+                </c:pt>
+                <c:pt idx="3">
+                  <c:v>3.5</c:v>
+                </c:pt>
+              </c:numCache>
+            </c:numRef>
+          </c:val>
+          <c:smooth val="0"/>
+          <c:extLst>
+            <c:ext xmlns:c16="http://schemas.microsoft.com/office/drawing/2014/chart" uri="{C3380CC4-5D6E-409C-BE32-E72D297353CC}">
+              <c16:uniqueId val="{00000001-5637-4C46-A510-8FE854AD3847}"/>
+            </c:ext>
+          </c:extLst>
+        </c:ser>
+        <c:dLbls>
+          <c:showLegendKey val="0"/>
+          <c:showVal val="0"/>
+          <c:showCatName val="0"/>
+          <c:showSerName val="0"/>
+          <c:showPercent val="0"/>
+          <c:showBubbleSize val="0"/>
+        </c:dLbls>
+        <c:smooth val="0"/>
+        <c:axId val="1925277280"/>
+        <c:axId val="1925275616"/>
+      </c:lineChart>
+      <c:catAx>
+        <c:axId val="1925277280"/>
+        <c:scaling>
+          <c:orientation val="minMax"/>
+        </c:scaling>
+        <c:delete val="0"/>
+        <c:axPos val="b"/>
+        <c:numFmt formatCode="General" sourceLinked="1"/>
+        <c:majorTickMark val="none"/>
+        <c:minorTickMark val="none"/>
+        <c:tickLblPos val="nextTo"/>
+        <c:spPr>
+          <a:noFill/>
+          <a:ln w="12700" cap="flat" cmpd="sng" algn="ctr">
+            <a:solidFill>
+              <a:schemeClr val="tx1">
+                <a:lumMod val="15000"/>
+                <a:lumOff val="85000"/>
+              </a:schemeClr>
+            </a:solidFill>
+            <a:round/>
+          </a:ln>
+          <a:effectLst/>
+        </c:spPr>
+        <c:txPr>
+          <a:bodyPr rot="-60000000" spcFirstLastPara="1" vertOverflow="ellipsis" vert="horz" wrap="square" anchor="ctr" anchorCtr="1"/>
+          <a:lstStyle/>
+          <a:p>
+            <a:pPr>
+              <a:defRPr sz="1197" b="0" i="0" u="none" strike="noStrike" kern="1200" baseline="0">
+                <a:solidFill>
+                  <a:schemeClr val="tx1">
+                    <a:lumMod val="65000"/>
+                    <a:lumOff val="35000"/>
+                  </a:schemeClr>
+                </a:solidFill>
+                <a:latin typeface="+mn-lt"/>
+                <a:ea typeface="+mn-ea"/>
+                <a:cs typeface="+mn-cs"/>
+              </a:defRPr>
+            </a:pPr>
+            <a:endParaRPr lang="fr-FR"/>
+          </a:p>
+        </c:txPr>
+        <c:crossAx val="1925275616"/>
+        <c:crosses val="autoZero"/>
+        <c:auto val="1"/>
+        <c:lblAlgn val="ctr"/>
+        <c:lblOffset val="100"/>
+        <c:noMultiLvlLbl val="0"/>
+      </c:catAx>
+      <c:valAx>
+        <c:axId val="1925275616"/>
+        <c:scaling>
+          <c:orientation val="minMax"/>
+        </c:scaling>
+        <c:delete val="0"/>
+        <c:axPos val="l"/>
+        <c:majorGridlines>
+          <c:spPr>
+            <a:ln w="9525" cap="flat" cmpd="sng" algn="ctr">
+              <a:solidFill>
+                <a:schemeClr val="tx1">
+                  <a:lumMod val="15000"/>
+                  <a:lumOff val="85000"/>
+                </a:schemeClr>
+              </a:solidFill>
+              <a:round/>
+            </a:ln>
+            <a:effectLst/>
+          </c:spPr>
+        </c:majorGridlines>
+        <c:numFmt formatCode="General" sourceLinked="1"/>
+        <c:majorTickMark val="none"/>
+        <c:minorTickMark val="none"/>
+        <c:tickLblPos val="nextTo"/>
+        <c:spPr>
+          <a:noFill/>
+          <a:ln>
+            <a:noFill/>
+          </a:ln>
+          <a:effectLst/>
+        </c:spPr>
+        <c:txPr>
+          <a:bodyPr rot="-60000000" spcFirstLastPara="1" vertOverflow="ellipsis" vert="horz" wrap="square" anchor="ctr" anchorCtr="1"/>
+          <a:lstStyle/>
+          <a:p>
+            <a:pPr>
+              <a:defRPr sz="1197" b="0" i="0" u="none" strike="noStrike" kern="1200" baseline="0">
+                <a:solidFill>
+                  <a:schemeClr val="tx1">
+                    <a:lumMod val="65000"/>
+                    <a:lumOff val="35000"/>
+                  </a:schemeClr>
+                </a:solidFill>
+                <a:latin typeface="+mn-lt"/>
+                <a:ea typeface="+mn-ea"/>
+                <a:cs typeface="+mn-cs"/>
+              </a:defRPr>
+            </a:pPr>
+            <a:endParaRPr lang="fr-FR"/>
+          </a:p>
+        </c:txPr>
+        <c:crossAx val="1925277280"/>
+        <c:crosses val="autoZero"/>
+        <c:crossBetween val="between"/>
+      </c:valAx>
+      <c:spPr>
+        <a:noFill/>
+        <a:ln>
+          <a:noFill/>
+        </a:ln>
+        <a:effectLst/>
+      </c:spPr>
+    </c:plotArea>
+    <c:legend>
+      <c:legendPos val="b"/>
+      <c:overlay val="0"/>
+      <c:spPr>
+        <a:noFill/>
+        <a:ln>
+          <a:noFill/>
+        </a:ln>
+        <a:effectLst/>
+      </c:spPr>
+      <c:txPr>
+        <a:bodyPr rot="0" spcFirstLastPara="1" vertOverflow="ellipsis" vert="horz" wrap="square" anchor="ctr" anchorCtr="1"/>
+        <a:lstStyle/>
+        <a:p>
+          <a:pPr>
+            <a:defRPr sz="1197" b="0" i="0" u="none" strike="noStrike" kern="1200" baseline="0">
+              <a:solidFill>
+                <a:schemeClr val="tx1">
+                  <a:lumMod val="65000"/>
+                  <a:lumOff val="35000"/>
+                </a:schemeClr>
+              </a:solidFill>
+              <a:latin typeface="+mn-lt"/>
+              <a:ea typeface="+mn-ea"/>
+              <a:cs typeface="+mn-cs"/>
+            </a:defRPr>
+          </a:pPr>
+          <a:endParaRPr lang="fr-FR"/>
+        </a:p>
+      </c:txPr>
+    </c:legend>
+    <c:plotVisOnly val="1"/>
+    <c:dispBlanksAs val="gap"/>
+    <c:extLst>
+      <c:ext xmlns:c16r3="http://schemas.microsoft.com/office/drawing/2017/03/chart" uri="{56B9EC1D-385E-4148-901F-78D8002777C0}">
+        <c16r3:dataDisplayOptions16>
+          <c16r3:dispNaAsBlank val="1"/>
+        </c16r3:dataDisplayOptions16>
+      </c:ext>
+    </c:extLst>
+    <c:showDLblsOverMax val="0"/>
+  </c:chart>
+  <c:spPr>
+    <a:noFill/>
+    <a:ln>
+      <a:noFill/>
+    </a:ln>
+    <a:effectLst/>
+  </c:spPr>
+  <c:txPr>
+    <a:bodyPr/>
+    <a:lstStyle/>
+    <a:p>
+      <a:pPr>
+        <a:defRPr/>
+      </a:pPr>
+      <a:endParaRPr lang="fr-FR"/>
+    </a:p>
+  </c:txPr>
+  <c:externalData r:id="rId3">
+    <c:autoUpdate val="0"/>
+  </c:externalData>
+</c:chartSpace>
+</file>
+
+<file path=ppt/charts/colors1.xml><?xml version="1.0" encoding="utf-8"?>
+<cs:colorStyle xmlns:cs="http://schemas.microsoft.com/office/drawing/2012/chartStyle" xmlns:a="http://schemas.openxmlformats.org/drawingml/2006/main" meth="cycle" id="10">
+  <a:schemeClr val="accent1"/>
+  <a:schemeClr val="accent2"/>
+  <a:schemeClr val="accent3"/>
+  <a:schemeClr val="accent4"/>
+  <a:schemeClr val="accent5"/>
+  <a:schemeClr val="accent6"/>
+  <cs:variation/>
+  <cs:variation>
+    <a:lumMod val="60000"/>
+  </cs:variation>
+  <cs:variation>
+    <a:lumMod val="80000"/>
+    <a:lumOff val="20000"/>
+  </cs:variation>
+  <cs:variation>
+    <a:lumMod val="80000"/>
+  </cs:variation>
+  <cs:variation>
+    <a:lumMod val="60000"/>
+    <a:lumOff val="40000"/>
+  </cs:variation>
+  <cs:variation>
+    <a:lumMod val="50000"/>
+  </cs:variation>
+  <cs:variation>
+    <a:lumMod val="70000"/>
+    <a:lumOff val="30000"/>
+  </cs:variation>
+  <cs:variation>
+    <a:lumMod val="70000"/>
+  </cs:variation>
+  <cs:variation>
+    <a:lumMod val="50000"/>
+    <a:lumOff val="50000"/>
+  </cs:variation>
+</cs:colorStyle>
+</file>
+
+<file path=ppt/charts/style1.xml><?xml version="1.0" encoding="utf-8"?>
+<cs:chartStyle xmlns:cs="http://schemas.microsoft.com/office/drawing/2012/chartStyle" xmlns:a="http://schemas.openxmlformats.org/drawingml/2006/main" id="342">
+  <cs:axisTitle>
+    <cs:lnRef idx="0"/>
+    <cs:fillRef idx="0"/>
+    <cs:effectRef idx="0"/>
+    <cs:fontRef idx="minor">
+      <a:schemeClr val="tx1">
+        <a:lumMod val="65000"/>
+        <a:lumOff val="35000"/>
+      </a:schemeClr>
+    </cs:fontRef>
+    <cs:defRPr sz="1197" kern="1200"/>
+  </cs:axisTitle>
+  <cs:categoryAxis>
+    <cs:lnRef idx="0"/>
+    <cs:fillRef idx="0"/>
+    <cs:effectRef idx="0"/>
+    <cs:fontRef idx="minor">
+      <a:schemeClr val="tx1">
+        <a:lumMod val="65000"/>
+        <a:lumOff val="35000"/>
+      </a:schemeClr>
+    </cs:fontRef>
+    <cs:spPr>
+      <a:ln w="12700" cap="flat" cmpd="sng" algn="ctr">
+        <a:solidFill>
+          <a:schemeClr val="tx1">
+            <a:lumMod val="15000"/>
+            <a:lumOff val="85000"/>
+          </a:schemeClr>
+        </a:solidFill>
+        <a:round/>
+      </a:ln>
+    </cs:spPr>
+    <cs:defRPr sz="1197" kern="1200"/>
+  </cs:categoryAxis>
+  <cs:chartArea mods="allowNoFillOverride allowNoLineOverride">
+    <cs:lnRef idx="0"/>
+    <cs:fillRef idx="0"/>
+    <cs:effectRef idx="0"/>
+    <cs:fontRef idx="minor">
+      <a:schemeClr val="tx2"/>
+    </cs:fontRef>
+    <cs:spPr>
+      <a:solidFill>
+        <a:schemeClr val="bg1"/>
+      </a:solidFill>
+      <a:ln w="9525" cap="flat" cmpd="sng" algn="ctr">
+        <a:solidFill>
+          <a:schemeClr val="tx1">
+            <a:lumMod val="15000"/>
+            <a:lumOff val="85000"/>
+          </a:schemeClr>
+        </a:solidFill>
+        <a:round/>
+      </a:ln>
+    </cs:spPr>
+    <cs:defRPr sz="1197" kern="1200"/>
+  </cs:chartArea>
+  <cs:dataLabel>
+    <cs:lnRef idx="0"/>
+    <cs:fillRef idx="0"/>
+    <cs:effectRef idx="0"/>
+    <cs:fontRef idx="minor">
+      <a:schemeClr val="tx1">
+        <a:lumMod val="75000"/>
+        <a:lumOff val="25000"/>
+      </a:schemeClr>
+    </cs:fontRef>
+    <cs:defRPr sz="1197" kern="1200"/>
+  </cs:dataLabel>
+  <cs:dataLabelCallout>
+    <cs:lnRef idx="0"/>
+    <cs:fillRef idx="0"/>
+    <cs:effectRef idx="0"/>
+    <cs:fontRef idx="minor">
+      <a:schemeClr val="dk1">
+        <a:lumMod val="65000"/>
+        <a:lumOff val="35000"/>
+      </a:schemeClr>
+    </cs:fontRef>
+    <cs:spPr>
+      <a:solidFill>
+        <a:schemeClr val="lt1"/>
+      </a:solidFill>
+      <a:ln>
+        <a:solidFill>
+          <a:schemeClr val="dk1">
+            <a:lumMod val="25000"/>
+            <a:lumOff val="75000"/>
+          </a:schemeClr>
+        </a:solidFill>
+      </a:ln>
+    </cs:spPr>
+    <cs:defRPr sz="1197" kern="1200"/>
+    <cs:bodyPr rot="0" spcFirstLastPara="1" vertOverflow="clip" horzOverflow="clip" vert="horz" wrap="square" lIns="36576" tIns="18288" rIns="36576" bIns="18288" anchor="ctr" anchorCtr="1">
+      <a:spAutoFit/>
+    </cs:bodyPr>
+  </cs:dataLabelCallout>
+  <cs:dataPoint>
+    <cs:lnRef idx="0"/>
+    <cs:fillRef idx="3">
+      <cs:styleClr val="auto"/>
+    </cs:fillRef>
+    <cs:effectRef idx="3"/>
+    <cs:fontRef idx="minor">
+      <a:schemeClr val="tx1"/>
+    </cs:fontRef>
+  </cs:dataPoint>
+  <cs:dataPoint3D>
+    <cs:lnRef idx="0"/>
+    <cs:fillRef idx="3">
+      <cs:styleClr val="auto"/>
+    </cs:fillRef>
+    <cs:effectRef idx="3"/>
+    <cs:fontRef idx="minor">
+      <a:schemeClr val="tx1"/>
+    </cs:fontRef>
+  </cs:dataPoint3D>
+  <cs:dataPointLine>
+    <cs:lnRef idx="0">
+      <cs:styleClr val="auto"/>
+    </cs:lnRef>
+    <cs:fillRef idx="3"/>
+    <cs:effectRef idx="3"/>
+    <cs:fontRef idx="minor">
+      <a:schemeClr val="tx1"/>
+    </cs:fontRef>
+    <cs:spPr>
+      <a:ln w="34925" cap="rnd">
+        <a:solidFill>
+          <a:schemeClr val="phClr"/>
+        </a:solidFill>
+        <a:round/>
+      </a:ln>
+    </cs:spPr>
+  </cs:dataPointLine>
+  <cs:dataPointMarker>
+    <cs:lnRef idx="0">
+      <cs:styleClr val="auto"/>
+    </cs:lnRef>
+    <cs:fillRef idx="3">
+      <cs:styleClr val="auto"/>
+    </cs:fillRef>
+    <cs:effectRef idx="3"/>
+    <cs:fontRef idx="minor">
+      <a:schemeClr val="tx1"/>
+    </cs:fontRef>
+    <cs:spPr>
+      <a:ln w="9525">
+        <a:solidFill>
+          <a:schemeClr val="phClr"/>
+        </a:solidFill>
+        <a:round/>
+      </a:ln>
+    </cs:spPr>
+  </cs:dataPointMarker>
+  <cs:dataPointMarkerLayout symbol="circle" size="6"/>
+  <cs:dataPointWireframe>
+    <cs:lnRef idx="0">
+      <cs:styleClr val="auto"/>
+    </cs:lnRef>
+    <cs:fillRef idx="3"/>
+    <cs:effectRef idx="3"/>
+    <cs:fontRef idx="minor">
+      <a:schemeClr val="tx1"/>
+    </cs:fontRef>
+    <cs:spPr>
+      <a:ln w="9525" cap="rnd">
+        <a:solidFill>
+          <a:schemeClr val="phClr"/>
+        </a:solidFill>
+        <a:round/>
+      </a:ln>
+    </cs:spPr>
+  </cs:dataPointWireframe>
+  <cs:dataTable>
+    <cs:lnRef idx="0"/>
+    <cs:fillRef idx="0"/>
+    <cs:effectRef idx="0"/>
+    <cs:fontRef idx="minor">
+      <a:schemeClr val="tx1">
+        <a:lumMod val="65000"/>
+        <a:lumOff val="35000"/>
+      </a:schemeClr>
+    </cs:fontRef>
+    <cs:spPr>
+      <a:noFill/>
+      <a:ln w="9525" cap="flat" cmpd="sng" algn="ctr">
+        <a:solidFill>
+          <a:schemeClr val="tx1">
+            <a:lumMod val="15000"/>
+            <a:lumOff val="85000"/>
+          </a:schemeClr>
+        </a:solidFill>
+        <a:round/>
+      </a:ln>
+    </cs:spPr>
+    <cs:defRPr sz="1197" kern="1200"/>
+  </cs:dataTable>
+  <cs:downBar>
+    <cs:lnRef idx="0"/>
+    <cs:fillRef idx="0"/>
+    <cs:effectRef idx="0"/>
+    <cs:fontRef idx="minor">
+      <a:schemeClr val="dk1"/>
+    </cs:fontRef>
+    <cs:spPr>
+      <a:solidFill>
+        <a:schemeClr val="dk1">
+          <a:lumMod val="65000"/>
+          <a:lumOff val="35000"/>
+        </a:schemeClr>
+      </a:solidFill>
+      <a:ln w="9525">
+        <a:solidFill>
+          <a:schemeClr val="tx1">
+            <a:lumMod val="65000"/>
+            <a:lumOff val="35000"/>
+          </a:schemeClr>
+        </a:solidFill>
+      </a:ln>
+    </cs:spPr>
+  </cs:downBar>
+  <cs:dropLine>
+    <cs:lnRef idx="0"/>
+    <cs:fillRef idx="0"/>
+    <cs:effectRef idx="0"/>
+    <cs:fontRef idx="minor">
+      <a:schemeClr val="tx1"/>
+    </cs:fontRef>
+    <cs:spPr>
+      <a:ln w="9525" cap="flat" cmpd="sng" algn="ctr">
+        <a:solidFill>
+          <a:schemeClr val="tx1">
+            <a:lumMod val="35000"/>
+            <a:lumOff val="65000"/>
+          </a:schemeClr>
+        </a:solidFill>
+        <a:round/>
+      </a:ln>
+    </cs:spPr>
+  </cs:dropLine>
+  <cs:errorBar>
+    <cs:lnRef idx="0"/>
+    <cs:fillRef idx="0"/>
+    <cs:effectRef idx="0"/>
+    <cs:fontRef idx="minor">
+      <a:schemeClr val="tx1"/>
+    </cs:fontRef>
+    <cs:spPr>
+      <a:ln w="9525" cap="flat" cmpd="sng" algn="ctr">
+        <a:solidFill>
+          <a:schemeClr val="tx1">
+            <a:lumMod val="65000"/>
+            <a:lumOff val="35000"/>
+          </a:schemeClr>
+        </a:solidFill>
+        <a:round/>
+      </a:ln>
+    </cs:spPr>
+  </cs:errorBar>
+  <cs:floor>
+    <cs:lnRef idx="0"/>
+    <cs:fillRef idx="0"/>
+    <cs:effectRef idx="0"/>
+    <cs:fontRef idx="minor">
+      <a:schemeClr val="lt1"/>
+    </cs:fontRef>
+  </cs:floor>
+  <cs:gridlineMajor>
+    <cs:lnRef idx="0"/>
+    <cs:fillRef idx="0"/>
+    <cs:effectRef idx="0"/>
+    <cs:fontRef idx="minor">
+      <a:schemeClr val="tx1"/>
+    </cs:fontRef>
+    <cs:spPr>
+      <a:ln w="9525" cap="flat" cmpd="sng" algn="ctr">
+        <a:solidFill>
+          <a:schemeClr val="tx1">
+            <a:lumMod val="15000"/>
+            <a:lumOff val="85000"/>
+          </a:schemeClr>
+        </a:solidFill>
+        <a:round/>
+      </a:ln>
+    </cs:spPr>
+  </cs:gridlineMajor>
+  <cs:gridlineMinor>
+    <cs:lnRef idx="0"/>
+    <cs:fillRef idx="0"/>
+    <cs:effectRef idx="0"/>
+    <cs:fontRef idx="minor">
+      <a:schemeClr val="tx1"/>
+    </cs:fontRef>
+    <cs:spPr>
+      <a:ln w="9525" cap="flat" cmpd="sng" algn="ctr">
+        <a:solidFill>
+          <a:schemeClr val="tx1">
+            <a:lumMod val="5000"/>
+            <a:lumOff val="95000"/>
+          </a:schemeClr>
+        </a:solidFill>
+        <a:round/>
+      </a:ln>
+    </cs:spPr>
+  </cs:gridlineMinor>
+  <cs:hiLoLine>
+    <cs:lnRef idx="0"/>
+    <cs:fillRef idx="0"/>
+    <cs:effectRef idx="0"/>
+    <cs:fontRef idx="minor">
+      <a:schemeClr val="tx1"/>
+    </cs:fontRef>
+    <cs:spPr>
+      <a:ln w="9525" cap="flat" cmpd="sng" algn="ctr">
+        <a:solidFill>
+          <a:schemeClr val="tx1">
+            <a:lumMod val="75000"/>
+            <a:lumOff val="25000"/>
+          </a:schemeClr>
+        </a:solidFill>
+        <a:round/>
+      </a:ln>
+    </cs:spPr>
+  </cs:hiLoLine>
+  <cs:leaderLine>
+    <cs:lnRef idx="0"/>
+    <cs:fillRef idx="0"/>
+    <cs:effectRef idx="0"/>
+    <cs:fontRef idx="minor">
+      <a:schemeClr val="tx1"/>
+    </cs:fontRef>
+    <cs:spPr>
+      <a:ln w="9525" cap="flat" cmpd="sng" algn="ctr">
+        <a:solidFill>
+          <a:schemeClr val="tx1">
+            <a:lumMod val="35000"/>
+            <a:lumOff val="65000"/>
+          </a:schemeClr>
+        </a:solidFill>
+        <a:round/>
+      </a:ln>
+    </cs:spPr>
+  </cs:leaderLine>
+  <cs:legend>
+    <cs:lnRef idx="0"/>
+    <cs:fillRef idx="0"/>
+    <cs:effectRef idx="0"/>
+    <cs:fontRef idx="minor">
+      <a:schemeClr val="tx1">
+        <a:lumMod val="65000"/>
+        <a:lumOff val="35000"/>
+      </a:schemeClr>
+    </cs:fontRef>
+    <cs:defRPr sz="1197" kern="1200"/>
+  </cs:legend>
+  <cs:plotArea>
+    <cs:lnRef idx="0"/>
+    <cs:fillRef idx="0"/>
+    <cs:effectRef idx="0"/>
+    <cs:fontRef idx="minor">
+      <a:schemeClr val="lt1"/>
+    </cs:fontRef>
+  </cs:plotArea>
+  <cs:plotArea3D>
+    <cs:lnRef idx="0"/>
+    <cs:fillRef idx="0"/>
+    <cs:effectRef idx="0"/>
+    <cs:fontRef idx="minor">
+      <a:schemeClr val="lt1"/>
+    </cs:fontRef>
+  </cs:plotArea3D>
+  <cs:seriesAxis>
+    <cs:lnRef idx="0"/>
+    <cs:fillRef idx="0"/>
+    <cs:effectRef idx="0"/>
+    <cs:fontRef idx="minor">
+      <a:schemeClr val="tx1">
+        <a:lumMod val="65000"/>
+        <a:lumOff val="35000"/>
+      </a:schemeClr>
+    </cs:fontRef>
+    <cs:spPr>
+      <a:ln w="12700" cap="flat" cmpd="sng" algn="ctr">
+        <a:solidFill>
+          <a:schemeClr val="tx1">
+            <a:lumMod val="15000"/>
+            <a:lumOff val="85000"/>
+          </a:schemeClr>
+        </a:solidFill>
+        <a:round/>
+      </a:ln>
+    </cs:spPr>
+    <cs:defRPr sz="1197" kern="1200"/>
+  </cs:seriesAxis>
+  <cs:seriesLine>
+    <cs:lnRef idx="0"/>
+    <cs:fillRef idx="0"/>
+    <cs:effectRef idx="0"/>
+    <cs:fontRef idx="minor">
+      <a:schemeClr val="tx1"/>
+    </cs:fontRef>
+    <cs:spPr>
+      <a:ln w="9525" cap="flat" cmpd="sng" algn="ctr">
+        <a:solidFill>
+          <a:schemeClr val="tx1">
+            <a:lumMod val="35000"/>
+            <a:lumOff val="65000"/>
+          </a:schemeClr>
+        </a:solidFill>
+        <a:round/>
+      </a:ln>
+    </cs:spPr>
+  </cs:seriesLine>
+  <cs:title>
+    <cs:lnRef idx="0"/>
+    <cs:fillRef idx="0"/>
+    <cs:effectRef idx="0"/>
+    <cs:fontRef idx="minor">
+      <a:schemeClr val="tx1">
+        <a:lumMod val="65000"/>
+        <a:lumOff val="35000"/>
+      </a:schemeClr>
+    </cs:fontRef>
+    <cs:defRPr sz="2128" b="1" kern="1200" baseline="0"/>
+  </cs:title>
+  <cs:trendline>
+    <cs:lnRef idx="0">
+      <cs:styleClr val="auto"/>
+    </cs:lnRef>
+    <cs:fillRef idx="0"/>
+    <cs:effectRef idx="0"/>
+    <cs:fontRef idx="minor">
+      <a:schemeClr val="lt1"/>
+    </cs:fontRef>
+    <cs:spPr>
+      <a:ln w="19050" cap="rnd">
+        <a:solidFill>
+          <a:schemeClr val="phClr"/>
+        </a:solidFill>
+      </a:ln>
+    </cs:spPr>
+  </cs:trendline>
+  <cs:trendlineLabel>
+    <cs:lnRef idx="0"/>
+    <cs:fillRef idx="0"/>
+    <cs:effectRef idx="0"/>
+    <cs:fontRef idx="minor">
+      <a:schemeClr val="tx1">
+        <a:lumMod val="65000"/>
+        <a:lumOff val="35000"/>
+      </a:schemeClr>
+    </cs:fontRef>
+    <cs:defRPr sz="1197" kern="1200"/>
+  </cs:trendlineLabel>
+  <cs:upBar>
+    <cs:lnRef idx="0"/>
+    <cs:fillRef idx="0"/>
+    <cs:effectRef idx="0"/>
+    <cs:fontRef idx="minor">
+      <a:schemeClr val="dk1"/>
+    </cs:fontRef>
+    <cs:spPr>
+      <a:solidFill>
+        <a:schemeClr val="lt1"/>
+      </a:solidFill>
+      <a:ln w="9525">
+        <a:solidFill>
+          <a:schemeClr val="tx1">
+            <a:lumMod val="15000"/>
+            <a:lumOff val="85000"/>
+          </a:schemeClr>
+        </a:solidFill>
+      </a:ln>
+    </cs:spPr>
+  </cs:upBar>
+  <cs:valueAxis>
+    <cs:lnRef idx="0"/>
+    <cs:fillRef idx="0"/>
+    <cs:effectRef idx="0"/>
+    <cs:fontRef idx="minor">
+      <a:schemeClr val="tx1">
+        <a:lumMod val="65000"/>
+        <a:lumOff val="35000"/>
+      </a:schemeClr>
+    </cs:fontRef>
+    <cs:defRPr sz="1197" kern="1200"/>
+  </cs:valueAxis>
+  <cs:wall>
+    <cs:lnRef idx="0"/>
+    <cs:fillRef idx="0"/>
+    <cs:effectRef idx="0"/>
+    <cs:fontRef idx="minor">
+      <a:schemeClr val="lt1"/>
+    </cs:fontRef>
+  </cs:wall>
+</cs:chartStyle>
 </file>
 
 <file path=ppt/slideLayouts/slideLayout1.xml><?xml version="1.0" encoding="utf-8"?>
@@ -6022,6 +7071,306 @@
           <a:chExt cx="0" cy="0"/>
         </a:xfrm>
       </p:grpSpPr>
+      <p:sp>
+        <p:nvSpPr>
+          <p:cNvPr id="4" name="Soleil 3">
+            <a:extLst>
+              <a:ext uri="{FF2B5EF4-FFF2-40B4-BE49-F238E27FC236}">
+                <a16:creationId xmlns:a16="http://schemas.microsoft.com/office/drawing/2014/main" id="{CB3616D0-9F07-4458-9993-4468DF52766F}"/>
+              </a:ext>
+            </a:extLst>
+          </p:cNvPr>
+          <p:cNvSpPr/>
+          <p:nvPr/>
+        </p:nvSpPr>
+        <p:spPr>
+          <a:xfrm>
+            <a:off x="357447" y="216131"/>
+            <a:ext cx="573578" cy="573578"/>
+          </a:xfrm>
+          <a:prstGeom prst="sun">
+            <a:avLst/>
+          </a:prstGeom>
+        </p:spPr>
+        <p:style>
+          <a:lnRef idx="2">
+            <a:schemeClr val="accent4">
+              <a:shade val="50000"/>
+            </a:schemeClr>
+          </a:lnRef>
+          <a:fillRef idx="1">
+            <a:schemeClr val="accent4"/>
+          </a:fillRef>
+          <a:effectRef idx="0">
+            <a:schemeClr val="accent4"/>
+          </a:effectRef>
+          <a:fontRef idx="minor">
+            <a:schemeClr val="lt1"/>
+          </a:fontRef>
+        </p:style>
+        <p:txBody>
+          <a:bodyPr rtlCol="0" anchor="ctr"/>
+          <a:lstStyle/>
+          <a:p>
+            <a:pPr algn="ctr"/>
+            <a:endParaRPr lang="fr-FR" dirty="0"/>
+          </a:p>
+        </p:txBody>
+      </p:sp>
+      <p:sp>
+        <p:nvSpPr>
+          <p:cNvPr id="5" name="ZoneTexte 4">
+            <a:extLst>
+              <a:ext uri="{FF2B5EF4-FFF2-40B4-BE49-F238E27FC236}">
+                <a16:creationId xmlns:a16="http://schemas.microsoft.com/office/drawing/2014/main" id="{4C58413D-A6FF-4572-9B35-1EF169079D94}"/>
+              </a:ext>
+            </a:extLst>
+          </p:cNvPr>
+          <p:cNvSpPr txBox="1"/>
+          <p:nvPr/>
+        </p:nvSpPr>
+        <p:spPr>
+          <a:xfrm>
+            <a:off x="803563" y="146057"/>
+            <a:ext cx="750526" cy="369332"/>
+          </a:xfrm>
+          <a:prstGeom prst="rect">
+            <a:avLst/>
+          </a:prstGeom>
+          <a:noFill/>
+        </p:spPr>
+        <p:txBody>
+          <a:bodyPr wrap="none" rtlCol="0">
+            <a:spAutoFit/>
+          </a:bodyPr>
+          <a:lstStyle/>
+          <a:p>
+            <a:r>
+              <a:rPr lang="fr-FR" b="1" dirty="0">
+                <a:latin typeface="Poppins" panose="00000500000000000000" pitchFamily="2" charset="0"/>
+                <a:cs typeface="Poppins" panose="00000500000000000000" pitchFamily="2" charset="0"/>
+              </a:rPr>
+              <a:t>25°C</a:t>
+            </a:r>
+          </a:p>
+        </p:txBody>
+      </p:sp>
+      <p:pic>
+        <p:nvPicPr>
+          <p:cNvPr id="7" name="Graphique 6" descr="Discours avec un remplissage uni">
+            <a:extLst>
+              <a:ext uri="{FF2B5EF4-FFF2-40B4-BE49-F238E27FC236}">
+                <a16:creationId xmlns:a16="http://schemas.microsoft.com/office/drawing/2014/main" id="{CA379CB7-4232-4DA6-8013-A8A636DD1A42}"/>
+              </a:ext>
+            </a:extLst>
+          </p:cNvPr>
+          <p:cNvPicPr>
+            <a:picLocks noChangeAspect="1"/>
+          </p:cNvPicPr>
+          <p:nvPr/>
+        </p:nvPicPr>
+        <p:blipFill>
+          <a:blip r:embed="rId2">
+            <a:extLst>
+              <a:ext uri="{28A0092B-C50C-407E-A947-70E740481C1C}">
+                <a14:useLocalDpi xmlns:a14="http://schemas.microsoft.com/office/drawing/2010/main" val="0"/>
+              </a:ext>
+              <a:ext uri="{96DAC541-7B7A-43D3-8B79-37D633B846F1}">
+                <asvg:svgBlip xmlns:asvg="http://schemas.microsoft.com/office/drawing/2016/SVG/main" r:embed="rId3"/>
+              </a:ext>
+            </a:extLst>
+          </a:blip>
+          <a:stretch>
+            <a:fillRect/>
+          </a:stretch>
+        </p:blipFill>
+        <p:spPr>
+          <a:xfrm>
+            <a:off x="11013174" y="5760126"/>
+            <a:ext cx="914400" cy="914400"/>
+          </a:xfrm>
+          <a:prstGeom prst="rect">
+            <a:avLst/>
+          </a:prstGeom>
+          <a:effectLst>
+            <a:outerShdw blurRad="50800" dist="38100" dir="5400000" algn="t" rotWithShape="0">
+              <a:prstClr val="black">
+                <a:alpha val="40000"/>
+              </a:prstClr>
+            </a:outerShdw>
+          </a:effectLst>
+        </p:spPr>
+      </p:pic>
+      <p:pic>
+        <p:nvPicPr>
+          <p:cNvPr id="9" name="Graphique 8" descr="Micro de radio avec un remplissage uni">
+            <a:extLst>
+              <a:ext uri="{FF2B5EF4-FFF2-40B4-BE49-F238E27FC236}">
+                <a16:creationId xmlns:a16="http://schemas.microsoft.com/office/drawing/2014/main" id="{41667D38-5E9B-4BBE-AE64-6A2C93ABE8F5}"/>
+              </a:ext>
+            </a:extLst>
+          </p:cNvPr>
+          <p:cNvPicPr>
+            <a:picLocks noChangeAspect="1"/>
+          </p:cNvPicPr>
+          <p:nvPr/>
+        </p:nvPicPr>
+        <p:blipFill>
+          <a:blip r:embed="rId4">
+            <a:extLst>
+              <a:ext uri="{28A0092B-C50C-407E-A947-70E740481C1C}">
+                <a14:useLocalDpi xmlns:a14="http://schemas.microsoft.com/office/drawing/2010/main" val="0"/>
+              </a:ext>
+              <a:ext uri="{96DAC541-7B7A-43D3-8B79-37D633B846F1}">
+                <asvg:svgBlip xmlns:asvg="http://schemas.microsoft.com/office/drawing/2016/SVG/main" r:embed="rId5"/>
+              </a:ext>
+            </a:extLst>
+          </a:blip>
+          <a:stretch>
+            <a:fillRect/>
+          </a:stretch>
+        </p:blipFill>
+        <p:spPr>
+          <a:xfrm>
+            <a:off x="264426" y="5727469"/>
+            <a:ext cx="914400" cy="914400"/>
+          </a:xfrm>
+          <a:prstGeom prst="rect">
+            <a:avLst/>
+          </a:prstGeom>
+          <a:effectLst>
+            <a:outerShdw blurRad="50800" dist="38100" dir="2700000" algn="tl" rotWithShape="0">
+              <a:prstClr val="black">
+                <a:alpha val="40000"/>
+              </a:prstClr>
+            </a:outerShdw>
+          </a:effectLst>
+        </p:spPr>
+      </p:pic>
+      <p:graphicFrame>
+        <p:nvGraphicFramePr>
+          <p:cNvPr id="14" name="Graphique 13">
+            <a:extLst>
+              <a:ext uri="{FF2B5EF4-FFF2-40B4-BE49-F238E27FC236}">
+                <a16:creationId xmlns:a16="http://schemas.microsoft.com/office/drawing/2014/main" id="{EA39CE18-E0FE-4A90-A546-015707CC6810}"/>
+              </a:ext>
+            </a:extLst>
+          </p:cNvPr>
+          <p:cNvGraphicFramePr/>
+          <p:nvPr>
+            <p:extLst>
+              <p:ext uri="{D42A27DB-BD31-4B8C-83A1-F6EECF244321}">
+                <p14:modId xmlns:p14="http://schemas.microsoft.com/office/powerpoint/2010/main" val="1207545188"/>
+              </p:ext>
+            </p:extLst>
+          </p:nvPr>
+        </p:nvGraphicFramePr>
+        <p:xfrm>
+          <a:off x="2032000" y="719666"/>
+          <a:ext cx="8128000" cy="5418667"/>
+        </p:xfrm>
+        <a:graphic>
+          <a:graphicData uri="http://schemas.openxmlformats.org/drawingml/2006/chart">
+            <c:chart xmlns:c="http://schemas.openxmlformats.org/drawingml/2006/chart" xmlns:r="http://schemas.openxmlformats.org/officeDocument/2006/relationships" r:id="rId6"/>
+          </a:graphicData>
+        </a:graphic>
+      </p:graphicFrame>
+      <p:sp>
+        <p:nvSpPr>
+          <p:cNvPr id="15" name="Rectangle : coins arrondis 14">
+            <a:extLst>
+              <a:ext uri="{FF2B5EF4-FFF2-40B4-BE49-F238E27FC236}">
+                <a16:creationId xmlns:a16="http://schemas.microsoft.com/office/drawing/2014/main" id="{C4DAF09E-B347-45F9-8209-514551EFCDBA}"/>
+              </a:ext>
+            </a:extLst>
+          </p:cNvPr>
+          <p:cNvSpPr/>
+          <p:nvPr/>
+        </p:nvSpPr>
+        <p:spPr>
+          <a:xfrm>
+            <a:off x="10300996" y="216131"/>
+            <a:ext cx="1754155" cy="573578"/>
+          </a:xfrm>
+          <a:prstGeom prst="roundRect">
+            <a:avLst/>
+          </a:prstGeom>
+          <a:solidFill>
+            <a:schemeClr val="bg2"/>
+          </a:solidFill>
+          <a:ln>
+            <a:noFill/>
+          </a:ln>
+          <a:effectLst>
+            <a:outerShdw blurRad="50800" dist="38100" dir="2700000" algn="tl" rotWithShape="0">
+              <a:prstClr val="black">
+                <a:alpha val="40000"/>
+              </a:prstClr>
+            </a:outerShdw>
+          </a:effectLst>
+        </p:spPr>
+        <p:style>
+          <a:lnRef idx="2">
+            <a:schemeClr val="accent3">
+              <a:shade val="50000"/>
+            </a:schemeClr>
+          </a:lnRef>
+          <a:fillRef idx="1">
+            <a:schemeClr val="accent3"/>
+          </a:fillRef>
+          <a:effectRef idx="0">
+            <a:schemeClr val="accent3"/>
+          </a:effectRef>
+          <a:fontRef idx="minor">
+            <a:schemeClr val="lt1"/>
+          </a:fontRef>
+        </p:style>
+        <p:txBody>
+          <a:bodyPr rtlCol="0" anchor="ctr"/>
+          <a:lstStyle/>
+          <a:p>
+            <a:pPr algn="ctr"/>
+            <a:r>
+              <a:rPr lang="fr-FR" dirty="0">
+                <a:solidFill>
+                  <a:sysClr val="windowText" lastClr="000000"/>
+                </a:solidFill>
+              </a:rPr>
+              <a:t>Se déconnecter</a:t>
+            </a:r>
+          </a:p>
+        </p:txBody>
+      </p:sp>
+    </p:spTree>
+    <p:extLst>
+      <p:ext uri="{BB962C8B-B14F-4D97-AF65-F5344CB8AC3E}">
+        <p14:creationId xmlns:p14="http://schemas.microsoft.com/office/powerpoint/2010/main" val="1683770341"/>
+      </p:ext>
+    </p:extLst>
+  </p:cSld>
+  <p:clrMapOvr>
+    <a:masterClrMapping/>
+  </p:clrMapOvr>
+</p:sld>
+</file>
+
+<file path=ppt/slides/slide4.xml><?xml version="1.0" encoding="utf-8"?>
+<p:sld xmlns:a="http://schemas.openxmlformats.org/drawingml/2006/main" xmlns:r="http://schemas.openxmlformats.org/officeDocument/2006/relationships" xmlns:p="http://schemas.openxmlformats.org/presentationml/2006/main">
+  <p:cSld>
+    <p:spTree>
+      <p:nvGrpSpPr>
+        <p:cNvPr id="1" name=""/>
+        <p:cNvGrpSpPr/>
+        <p:nvPr/>
+      </p:nvGrpSpPr>
+      <p:grpSpPr>
+        <a:xfrm>
+          <a:off x="0" y="0"/>
+          <a:ext cx="0" cy="0"/>
+          <a:chOff x="0" y="0"/>
+          <a:chExt cx="0" cy="0"/>
+        </a:xfrm>
+      </p:grpSpPr>
       <p:pic>
         <p:nvPicPr>
           <p:cNvPr id="5" name="Graphique 4" descr="Base de données avec un remplissage uni">
@@ -7059,7 +8408,7 @@
 </p:sld>
 </file>
 
-<file path=ppt/slides/slide4.xml><?xml version="1.0" encoding="utf-8"?>
+<file path=ppt/slides/slide5.xml><?xml version="1.0" encoding="utf-8"?>
 <p:sld xmlns:a="http://schemas.openxmlformats.org/drawingml/2006/main" xmlns:r="http://schemas.openxmlformats.org/officeDocument/2006/relationships" xmlns:p="http://schemas.openxmlformats.org/presentationml/2006/main">
   <p:cSld>
     <p:spTree>
@@ -7508,7 +8857,7 @@
 </p:sld>
 </file>
 
-<file path=ppt/slides/slide5.xml><?xml version="1.0" encoding="utf-8"?>
+<file path=ppt/slides/slide6.xml><?xml version="1.0" encoding="utf-8"?>
 <p:sld xmlns:a="http://schemas.openxmlformats.org/drawingml/2006/main" xmlns:r="http://schemas.openxmlformats.org/officeDocument/2006/relationships" xmlns:p="http://schemas.openxmlformats.org/presentationml/2006/main">
   <p:cSld>
     <p:spTree>

--- a/presentation/Structure_Projet.pptx
+++ b/presentation/Structure_Projet.pptx
@@ -111,7 +111,18 @@
   </p:defaultTextStyle>
   <p:extLst>
     <p:ext uri="{EFAFB233-063F-42B5-8137-9DF3F51BA10A}">
-      <p15:sldGuideLst xmlns:p15="http://schemas.microsoft.com/office/powerpoint/2012/main"/>
+      <p15:sldGuideLst xmlns:p15="http://schemas.microsoft.com/office/powerpoint/2012/main">
+        <p15:guide id="1" orient="horz" pos="2160" userDrawn="1">
+          <p15:clr>
+            <a:srgbClr val="A4A3A4"/>
+          </p15:clr>
+        </p15:guide>
+        <p15:guide id="2" pos="3840" userDrawn="1">
+          <p15:clr>
+            <a:srgbClr val="A4A3A4"/>
+          </p15:clr>
+        </p15:guide>
+      </p15:sldGuideLst>
     </p:ext>
   </p:extLst>
 </p:presentation>
@@ -120,7 +131,7 @@
 <file path=ppt/revisionInfo.xml><?xml version="1.0" encoding="utf-8"?>
 <p1510:revInfo xmlns:a="http://schemas.openxmlformats.org/drawingml/2006/main" xmlns:r="http://schemas.openxmlformats.org/officeDocument/2006/relationships" xmlns:p1510="http://schemas.microsoft.com/office/powerpoint/2015/10/main">
   <p1510:revLst>
-    <p1510:client id="{7F131F86-5835-4106-9139-BC7AD26F85E4}" v="58" dt="2021-06-22T13:42:33.727"/>
+    <p1510:client id="{7F131F86-5835-4106-9139-BC7AD26F85E4}" v="64" dt="2021-06-24T12:16:13.278"/>
   </p1510:revLst>
 </p1510:revInfo>
 </file>
@@ -130,7 +141,7 @@
   <pc:docChgLst>
     <pc:chgData name="Hugo DEMENEZ" userId="167f3b24-aa49-4d1b-b001-4f9180dfa13d" providerId="ADAL" clId="{7F131F86-5835-4106-9139-BC7AD26F85E4}"/>
     <pc:docChg chg="undo custSel addSld delSld modSld sldOrd">
-      <pc:chgData name="Hugo DEMENEZ" userId="167f3b24-aa49-4d1b-b001-4f9180dfa13d" providerId="ADAL" clId="{7F131F86-5835-4106-9139-BC7AD26F85E4}" dt="2021-06-22T13:44:04.039" v="205" actId="14861"/>
+      <pc:chgData name="Hugo DEMENEZ" userId="167f3b24-aa49-4d1b-b001-4f9180dfa13d" providerId="ADAL" clId="{7F131F86-5835-4106-9139-BC7AD26F85E4}" dt="2021-06-24T12:18:28.900" v="328" actId="1076"/>
       <pc:docMkLst>
         <pc:docMk/>
       </pc:docMkLst>
@@ -315,14 +326,14 @@
           </ac:picMkLst>
         </pc:picChg>
       </pc:sldChg>
-      <pc:sldChg chg="modSp add mod ord">
-        <pc:chgData name="Hugo DEMENEZ" userId="167f3b24-aa49-4d1b-b001-4f9180dfa13d" providerId="ADAL" clId="{7F131F86-5835-4106-9139-BC7AD26F85E4}" dt="2021-06-22T13:22:29.696" v="17" actId="14100"/>
+      <pc:sldChg chg="addSp delSp modSp add mod ord">
+        <pc:chgData name="Hugo DEMENEZ" userId="167f3b24-aa49-4d1b-b001-4f9180dfa13d" providerId="ADAL" clId="{7F131F86-5835-4106-9139-BC7AD26F85E4}" dt="2021-06-24T12:18:28.900" v="328" actId="1076"/>
         <pc:sldMkLst>
           <pc:docMk/>
           <pc:sldMk cId="2802110099" sldId="262"/>
         </pc:sldMkLst>
         <pc:spChg chg="mod">
-          <ac:chgData name="Hugo DEMENEZ" userId="167f3b24-aa49-4d1b-b001-4f9180dfa13d" providerId="ADAL" clId="{7F131F86-5835-4106-9139-BC7AD26F85E4}" dt="2021-06-22T13:21:41.046" v="8" actId="14861"/>
+          <ac:chgData name="Hugo DEMENEZ" userId="167f3b24-aa49-4d1b-b001-4f9180dfa13d" providerId="ADAL" clId="{7F131F86-5835-4106-9139-BC7AD26F85E4}" dt="2021-06-24T12:18:11.228" v="323" actId="1076"/>
           <ac:spMkLst>
             <pc:docMk/>
             <pc:sldMk cId="2802110099" sldId="262"/>
@@ -330,23 +341,39 @@
           </ac:spMkLst>
         </pc:spChg>
         <pc:spChg chg="mod">
-          <ac:chgData name="Hugo DEMENEZ" userId="167f3b24-aa49-4d1b-b001-4f9180dfa13d" providerId="ADAL" clId="{7F131F86-5835-4106-9139-BC7AD26F85E4}" dt="2021-06-22T13:22:11.624" v="14" actId="11530"/>
+          <ac:chgData name="Hugo DEMENEZ" userId="167f3b24-aa49-4d1b-b001-4f9180dfa13d" providerId="ADAL" clId="{7F131F86-5835-4106-9139-BC7AD26F85E4}" dt="2021-06-24T12:17:00.114" v="308" actId="1076"/>
+          <ac:spMkLst>
+            <pc:docMk/>
+            <pc:sldMk cId="2802110099" sldId="262"/>
+            <ac:spMk id="4" creationId="{27F62C65-47DE-4919-A57B-697111F728D2}"/>
+          </ac:spMkLst>
+        </pc:spChg>
+        <pc:spChg chg="del mod">
+          <ac:chgData name="Hugo DEMENEZ" userId="167f3b24-aa49-4d1b-b001-4f9180dfa13d" providerId="ADAL" clId="{7F131F86-5835-4106-9139-BC7AD26F85E4}" dt="2021-06-24T12:16:39.025" v="300" actId="478"/>
           <ac:spMkLst>
             <pc:docMk/>
             <pc:sldMk cId="2802110099" sldId="262"/>
             <ac:spMk id="6" creationId="{D4307DF5-609A-4D7B-8D44-CBCABCA0B100}"/>
           </ac:spMkLst>
         </pc:spChg>
+        <pc:spChg chg="add mod">
+          <ac:chgData name="Hugo DEMENEZ" userId="167f3b24-aa49-4d1b-b001-4f9180dfa13d" providerId="ADAL" clId="{7F131F86-5835-4106-9139-BC7AD26F85E4}" dt="2021-06-24T12:12:29.725" v="257" actId="164"/>
+          <ac:spMkLst>
+            <pc:docMk/>
+            <pc:sldMk cId="2802110099" sldId="262"/>
+            <ac:spMk id="7" creationId="{19B85DCD-55DA-4A40-9100-69DE263053FC}"/>
+          </ac:spMkLst>
+        </pc:spChg>
         <pc:spChg chg="mod">
-          <ac:chgData name="Hugo DEMENEZ" userId="167f3b24-aa49-4d1b-b001-4f9180dfa13d" providerId="ADAL" clId="{7F131F86-5835-4106-9139-BC7AD26F85E4}" dt="2021-06-22T13:21:45.466" v="9" actId="14861"/>
+          <ac:chgData name="Hugo DEMENEZ" userId="167f3b24-aa49-4d1b-b001-4f9180dfa13d" providerId="ADAL" clId="{7F131F86-5835-4106-9139-BC7AD26F85E4}" dt="2021-06-24T12:17:50.986" v="318" actId="1076"/>
           <ac:spMkLst>
             <pc:docMk/>
             <pc:sldMk cId="2802110099" sldId="262"/>
             <ac:spMk id="10" creationId="{45469E6A-666F-4096-83B5-99CDA6392B53}"/>
           </ac:spMkLst>
         </pc:spChg>
-        <pc:spChg chg="mod">
-          <ac:chgData name="Hugo DEMENEZ" userId="167f3b24-aa49-4d1b-b001-4f9180dfa13d" providerId="ADAL" clId="{7F131F86-5835-4106-9139-BC7AD26F85E4}" dt="2021-06-22T13:22:29.696" v="17" actId="14100"/>
+        <pc:spChg chg="add del mod">
+          <ac:chgData name="Hugo DEMENEZ" userId="167f3b24-aa49-4d1b-b001-4f9180dfa13d" providerId="ADAL" clId="{7F131F86-5835-4106-9139-BC7AD26F85E4}" dt="2021-06-24T12:14:08.887" v="280" actId="478"/>
           <ac:spMkLst>
             <pc:docMk/>
             <pc:sldMk cId="2802110099" sldId="262"/>
@@ -354,7 +381,15 @@
           </ac:spMkLst>
         </pc:spChg>
         <pc:spChg chg="mod">
-          <ac:chgData name="Hugo DEMENEZ" userId="167f3b24-aa49-4d1b-b001-4f9180dfa13d" providerId="ADAL" clId="{7F131F86-5835-4106-9139-BC7AD26F85E4}" dt="2021-06-22T13:22:04.089" v="12" actId="11530"/>
+          <ac:chgData name="Hugo DEMENEZ" userId="167f3b24-aa49-4d1b-b001-4f9180dfa13d" providerId="ADAL" clId="{7F131F86-5835-4106-9139-BC7AD26F85E4}" dt="2021-06-24T12:18:28.900" v="328" actId="1076"/>
+          <ac:spMkLst>
+            <pc:docMk/>
+            <pc:sldMk cId="2802110099" sldId="262"/>
+            <ac:spMk id="15" creationId="{8D337154-727B-4C42-BE48-953F3805EEB6}"/>
+          </ac:spMkLst>
+        </pc:spChg>
+        <pc:spChg chg="mod">
+          <ac:chgData name="Hugo DEMENEZ" userId="167f3b24-aa49-4d1b-b001-4f9180dfa13d" providerId="ADAL" clId="{7F131F86-5835-4106-9139-BC7AD26F85E4}" dt="2021-06-24T12:17:57.356" v="320" actId="1076"/>
           <ac:spMkLst>
             <pc:docMk/>
             <pc:sldMk cId="2802110099" sldId="262"/>
@@ -362,13 +397,141 @@
           </ac:spMkLst>
         </pc:spChg>
         <pc:spChg chg="mod">
-          <ac:chgData name="Hugo DEMENEZ" userId="167f3b24-aa49-4d1b-b001-4f9180dfa13d" providerId="ADAL" clId="{7F131F86-5835-4106-9139-BC7AD26F85E4}" dt="2021-06-22T13:22:24.439" v="16" actId="14100"/>
+          <ac:chgData name="Hugo DEMENEZ" userId="167f3b24-aa49-4d1b-b001-4f9180dfa13d" providerId="ADAL" clId="{7F131F86-5835-4106-9139-BC7AD26F85E4}" dt="2021-06-24T12:17:13.107" v="311" actId="1076"/>
+          <ac:spMkLst>
+            <pc:docMk/>
+            <pc:sldMk cId="2802110099" sldId="262"/>
+            <ac:spMk id="17" creationId="{91405845-7A33-41A4-952D-53010A26B424}"/>
+          </ac:spMkLst>
+        </pc:spChg>
+        <pc:spChg chg="mod">
+          <ac:chgData name="Hugo DEMENEZ" userId="167f3b24-aa49-4d1b-b001-4f9180dfa13d" providerId="ADAL" clId="{7F131F86-5835-4106-9139-BC7AD26F85E4}" dt="2021-06-24T12:13:31.849" v="267"/>
+          <ac:spMkLst>
+            <pc:docMk/>
+            <pc:sldMk cId="2802110099" sldId="262"/>
+            <ac:spMk id="19" creationId="{8751C10A-3A3D-4119-81E5-2F8F2C996EA8}"/>
+          </ac:spMkLst>
+        </pc:spChg>
+        <pc:spChg chg="mod">
+          <ac:chgData name="Hugo DEMENEZ" userId="167f3b24-aa49-4d1b-b001-4f9180dfa13d" providerId="ADAL" clId="{7F131F86-5835-4106-9139-BC7AD26F85E4}" dt="2021-06-24T12:13:31.849" v="267"/>
+          <ac:spMkLst>
+            <pc:docMk/>
+            <pc:sldMk cId="2802110099" sldId="262"/>
+            <ac:spMk id="20" creationId="{273F7681-570D-48B7-899E-3F8856A9D6E3}"/>
+          </ac:spMkLst>
+        </pc:spChg>
+        <pc:spChg chg="mod">
+          <ac:chgData name="Hugo DEMENEZ" userId="167f3b24-aa49-4d1b-b001-4f9180dfa13d" providerId="ADAL" clId="{7F131F86-5835-4106-9139-BC7AD26F85E4}" dt="2021-06-24T12:14:03.673" v="278" actId="1076"/>
+          <ac:spMkLst>
+            <pc:docMk/>
+            <pc:sldMk cId="2802110099" sldId="262"/>
+            <ac:spMk id="22" creationId="{DD4CA510-970A-4D97-8545-DF4894514418}"/>
+          </ac:spMkLst>
+        </pc:spChg>
+        <pc:spChg chg="mod">
+          <ac:chgData name="Hugo DEMENEZ" userId="167f3b24-aa49-4d1b-b001-4f9180dfa13d" providerId="ADAL" clId="{7F131F86-5835-4106-9139-BC7AD26F85E4}" dt="2021-06-24T12:13:55.634" v="276"/>
+          <ac:spMkLst>
+            <pc:docMk/>
+            <pc:sldMk cId="2802110099" sldId="262"/>
+            <ac:spMk id="23" creationId="{CA300025-D2CD-4D07-9BA4-691359C85DDD}"/>
+          </ac:spMkLst>
+        </pc:spChg>
+        <pc:spChg chg="mod">
+          <ac:chgData name="Hugo DEMENEZ" userId="167f3b24-aa49-4d1b-b001-4f9180dfa13d" providerId="ADAL" clId="{7F131F86-5835-4106-9139-BC7AD26F85E4}" dt="2021-06-24T12:16:27.417" v="297" actId="20577"/>
+          <ac:spMkLst>
+            <pc:docMk/>
+            <pc:sldMk cId="2802110099" sldId="262"/>
+            <ac:spMk id="25" creationId="{DB40529E-A380-484B-A252-D5BC701126DF}"/>
+          </ac:spMkLst>
+        </pc:spChg>
+        <pc:spChg chg="mod">
+          <ac:chgData name="Hugo DEMENEZ" userId="167f3b24-aa49-4d1b-b001-4f9180dfa13d" providerId="ADAL" clId="{7F131F86-5835-4106-9139-BC7AD26F85E4}" dt="2021-06-24T12:16:33.697" v="299"/>
+          <ac:spMkLst>
+            <pc:docMk/>
+            <pc:sldMk cId="2802110099" sldId="262"/>
+            <ac:spMk id="26" creationId="{0956BFAA-2DA2-445B-87E4-B31B8B61179E}"/>
+          </ac:spMkLst>
+        </pc:spChg>
+        <pc:spChg chg="mod">
+          <ac:chgData name="Hugo DEMENEZ" userId="167f3b24-aa49-4d1b-b001-4f9180dfa13d" providerId="ADAL" clId="{7F131F86-5835-4106-9139-BC7AD26F85E4}" dt="2021-06-24T12:12:29.725" v="257" actId="164"/>
           <ac:spMkLst>
             <pc:docMk/>
             <pc:sldMk cId="2802110099" sldId="262"/>
             <ac:spMk id="36" creationId="{DA762878-CDC5-4812-AD82-2AEEBA59F550}"/>
           </ac:spMkLst>
         </pc:spChg>
+        <pc:grpChg chg="add mod">
+          <ac:chgData name="Hugo DEMENEZ" userId="167f3b24-aa49-4d1b-b001-4f9180dfa13d" providerId="ADAL" clId="{7F131F86-5835-4106-9139-BC7AD26F85E4}" dt="2021-06-24T12:18:00.751" v="321" actId="1076"/>
+          <ac:grpSpMkLst>
+            <pc:docMk/>
+            <pc:sldMk cId="2802110099" sldId="262"/>
+            <ac:grpSpMk id="8" creationId="{E22F235E-69EB-42EF-813B-E66310B54F2E}"/>
+          </ac:grpSpMkLst>
+        </pc:grpChg>
+        <pc:grpChg chg="add del mod">
+          <ac:chgData name="Hugo DEMENEZ" userId="167f3b24-aa49-4d1b-b001-4f9180dfa13d" providerId="ADAL" clId="{7F131F86-5835-4106-9139-BC7AD26F85E4}" dt="2021-06-24T12:13:36.087" v="270"/>
+          <ac:grpSpMkLst>
+            <pc:docMk/>
+            <pc:sldMk cId="2802110099" sldId="262"/>
+            <ac:grpSpMk id="18" creationId="{46DF15B1-B572-4F94-BF4F-B14E278D774F}"/>
+          </ac:grpSpMkLst>
+        </pc:grpChg>
+        <pc:grpChg chg="add mod">
+          <ac:chgData name="Hugo DEMENEZ" userId="167f3b24-aa49-4d1b-b001-4f9180dfa13d" providerId="ADAL" clId="{7F131F86-5835-4106-9139-BC7AD26F85E4}" dt="2021-06-24T12:14:39.068" v="286" actId="1076"/>
+          <ac:grpSpMkLst>
+            <pc:docMk/>
+            <pc:sldMk cId="2802110099" sldId="262"/>
+            <ac:grpSpMk id="21" creationId="{A2920D4B-CD67-4AAD-962B-899AB9B08CB3}"/>
+          </ac:grpSpMkLst>
+        </pc:grpChg>
+        <pc:grpChg chg="add mod">
+          <ac:chgData name="Hugo DEMENEZ" userId="167f3b24-aa49-4d1b-b001-4f9180dfa13d" providerId="ADAL" clId="{7F131F86-5835-4106-9139-BC7AD26F85E4}" dt="2021-06-24T12:17:20.955" v="312" actId="1076"/>
+          <ac:grpSpMkLst>
+            <pc:docMk/>
+            <pc:sldMk cId="2802110099" sldId="262"/>
+            <ac:grpSpMk id="24" creationId="{C761E0B4-1FCF-4BBD-B7B2-361F9E6D27AE}"/>
+          </ac:grpSpMkLst>
+        </pc:grpChg>
+        <pc:picChg chg="mod">
+          <ac:chgData name="Hugo DEMENEZ" userId="167f3b24-aa49-4d1b-b001-4f9180dfa13d" providerId="ADAL" clId="{7F131F86-5835-4106-9139-BC7AD26F85E4}" dt="2021-06-24T12:17:24.283" v="313" actId="1076"/>
+          <ac:picMkLst>
+            <pc:docMk/>
+            <pc:sldMk cId="2802110099" sldId="262"/>
+            <ac:picMk id="5" creationId="{95FE15F4-47FC-4B29-A393-FC4D86AA40CB}"/>
+          </ac:picMkLst>
+        </pc:picChg>
+        <pc:cxnChg chg="mod">
+          <ac:chgData name="Hugo DEMENEZ" userId="167f3b24-aa49-4d1b-b001-4f9180dfa13d" providerId="ADAL" clId="{7F131F86-5835-4106-9139-BC7AD26F85E4}" dt="2021-06-24T12:17:47.681" v="317" actId="14100"/>
+          <ac:cxnSpMkLst>
+            <pc:docMk/>
+            <pc:sldMk cId="2802110099" sldId="262"/>
+            <ac:cxnSpMk id="3" creationId="{DC8B4E1B-DA99-4E6F-9F0E-F3814BADE0E2}"/>
+          </ac:cxnSpMkLst>
+        </pc:cxnChg>
+        <pc:cxnChg chg="del mod">
+          <ac:chgData name="Hugo DEMENEZ" userId="167f3b24-aa49-4d1b-b001-4f9180dfa13d" providerId="ADAL" clId="{7F131F86-5835-4106-9139-BC7AD26F85E4}" dt="2021-06-24T12:18:21.053" v="326" actId="478"/>
+          <ac:cxnSpMkLst>
+            <pc:docMk/>
+            <pc:sldMk cId="2802110099" sldId="262"/>
+            <ac:cxnSpMk id="11" creationId="{2620ABF6-2469-4819-B334-C8691A259289}"/>
+          </ac:cxnSpMkLst>
+        </pc:cxnChg>
+        <pc:cxnChg chg="mod">
+          <ac:chgData name="Hugo DEMENEZ" userId="167f3b24-aa49-4d1b-b001-4f9180dfa13d" providerId="ADAL" clId="{7F131F86-5835-4106-9139-BC7AD26F85E4}" dt="2021-06-24T12:17:53.941" v="319" actId="1076"/>
+          <ac:cxnSpMkLst>
+            <pc:docMk/>
+            <pc:sldMk cId="2802110099" sldId="262"/>
+            <ac:cxnSpMk id="12" creationId="{79428F22-5AF7-4248-943F-EBDF6E207B57}"/>
+          </ac:cxnSpMkLst>
+        </pc:cxnChg>
+        <pc:cxnChg chg="mod">
+          <ac:chgData name="Hugo DEMENEZ" userId="167f3b24-aa49-4d1b-b001-4f9180dfa13d" providerId="ADAL" clId="{7F131F86-5835-4106-9139-BC7AD26F85E4}" dt="2021-06-24T12:18:25.839" v="327" actId="1076"/>
+          <ac:cxnSpMkLst>
+            <pc:docMk/>
+            <pc:sldMk cId="2802110099" sldId="262"/>
+            <ac:cxnSpMk id="14" creationId="{76AFD5ED-273B-4671-B620-947693BA8583}"/>
+          </ac:cxnSpMkLst>
+        </pc:cxnChg>
       </pc:sldChg>
       <pc:sldChg chg="modSp add mod">
         <pc:chgData name="Hugo DEMENEZ" userId="167f3b24-aa49-4d1b-b001-4f9180dfa13d" providerId="ADAL" clId="{7F131F86-5835-4106-9139-BC7AD26F85E4}" dt="2021-06-22T13:27:41.851" v="55" actId="207"/>
@@ -2517,7 +2680,7 @@
           <a:p>
             <a:fld id="{D9578751-DA34-41BA-ACFB-BD878EA789F8}" type="datetimeFigureOut">
               <a:rPr lang="fr-FR" smtClean="0"/>
-              <a:t>22/06/2021</a:t>
+              <a:t>24/06/2021</a:t>
             </a:fld>
             <a:endParaRPr lang="fr-FR"/>
           </a:p>
@@ -2715,7 +2878,7 @@
           <a:p>
             <a:fld id="{D9578751-DA34-41BA-ACFB-BD878EA789F8}" type="datetimeFigureOut">
               <a:rPr lang="fr-FR" smtClean="0"/>
-              <a:t>22/06/2021</a:t>
+              <a:t>24/06/2021</a:t>
             </a:fld>
             <a:endParaRPr lang="fr-FR"/>
           </a:p>
@@ -2923,7 +3086,7 @@
           <a:p>
             <a:fld id="{D9578751-DA34-41BA-ACFB-BD878EA789F8}" type="datetimeFigureOut">
               <a:rPr lang="fr-FR" smtClean="0"/>
-              <a:t>22/06/2021</a:t>
+              <a:t>24/06/2021</a:t>
             </a:fld>
             <a:endParaRPr lang="fr-FR"/>
           </a:p>
@@ -3121,7 +3284,7 @@
           <a:p>
             <a:fld id="{D9578751-DA34-41BA-ACFB-BD878EA789F8}" type="datetimeFigureOut">
               <a:rPr lang="fr-FR" smtClean="0"/>
-              <a:t>22/06/2021</a:t>
+              <a:t>24/06/2021</a:t>
             </a:fld>
             <a:endParaRPr lang="fr-FR"/>
           </a:p>
@@ -3396,7 +3559,7 @@
           <a:p>
             <a:fld id="{D9578751-DA34-41BA-ACFB-BD878EA789F8}" type="datetimeFigureOut">
               <a:rPr lang="fr-FR" smtClean="0"/>
-              <a:t>22/06/2021</a:t>
+              <a:t>24/06/2021</a:t>
             </a:fld>
             <a:endParaRPr lang="fr-FR"/>
           </a:p>
@@ -3661,7 +3824,7 @@
           <a:p>
             <a:fld id="{D9578751-DA34-41BA-ACFB-BD878EA789F8}" type="datetimeFigureOut">
               <a:rPr lang="fr-FR" smtClean="0"/>
-              <a:t>22/06/2021</a:t>
+              <a:t>24/06/2021</a:t>
             </a:fld>
             <a:endParaRPr lang="fr-FR"/>
           </a:p>
@@ -4073,7 +4236,7 @@
           <a:p>
             <a:fld id="{D9578751-DA34-41BA-ACFB-BD878EA789F8}" type="datetimeFigureOut">
               <a:rPr lang="fr-FR" smtClean="0"/>
-              <a:t>22/06/2021</a:t>
+              <a:t>24/06/2021</a:t>
             </a:fld>
             <a:endParaRPr lang="fr-FR"/>
           </a:p>
@@ -4214,7 +4377,7 @@
           <a:p>
             <a:fld id="{D9578751-DA34-41BA-ACFB-BD878EA789F8}" type="datetimeFigureOut">
               <a:rPr lang="fr-FR" smtClean="0"/>
-              <a:t>22/06/2021</a:t>
+              <a:t>24/06/2021</a:t>
             </a:fld>
             <a:endParaRPr lang="fr-FR"/>
           </a:p>
@@ -4327,7 +4490,7 @@
           <a:p>
             <a:fld id="{D9578751-DA34-41BA-ACFB-BD878EA789F8}" type="datetimeFigureOut">
               <a:rPr lang="fr-FR" smtClean="0"/>
-              <a:t>22/06/2021</a:t>
+              <a:t>24/06/2021</a:t>
             </a:fld>
             <a:endParaRPr lang="fr-FR"/>
           </a:p>
@@ -4638,7 +4801,7 @@
           <a:p>
             <a:fld id="{D9578751-DA34-41BA-ACFB-BD878EA789F8}" type="datetimeFigureOut">
               <a:rPr lang="fr-FR" smtClean="0"/>
-              <a:t>22/06/2021</a:t>
+              <a:t>24/06/2021</a:t>
             </a:fld>
             <a:endParaRPr lang="fr-FR"/>
           </a:p>
@@ -4926,7 +5089,7 @@
           <a:p>
             <a:fld id="{D9578751-DA34-41BA-ACFB-BD878EA789F8}" type="datetimeFigureOut">
               <a:rPr lang="fr-FR" smtClean="0"/>
-              <a:t>22/06/2021</a:t>
+              <a:t>24/06/2021</a:t>
             </a:fld>
             <a:endParaRPr lang="fr-FR"/>
           </a:p>
@@ -5167,7 +5330,7 @@
           <a:p>
             <a:fld id="{D9578751-DA34-41BA-ACFB-BD878EA789F8}" type="datetimeFigureOut">
               <a:rPr lang="fr-FR" smtClean="0"/>
-              <a:t>22/06/2021</a:t>
+              <a:t>24/06/2021</a:t>
             </a:fld>
             <a:endParaRPr lang="fr-FR"/>
           </a:p>
@@ -7402,7 +7565,7 @@
         </p:blipFill>
         <p:spPr>
           <a:xfrm>
-            <a:off x="5596812" y="0"/>
+            <a:off x="5596812" y="-37322"/>
             <a:ext cx="998376" cy="998376"/>
           </a:xfrm>
           <a:prstGeom prst="rect">
@@ -7412,543 +7575,6 @@
       </p:pic>
       <p:sp>
         <p:nvSpPr>
-          <p:cNvPr id="6" name="Zone de texte 2">
-            <a:extLst>
-              <a:ext uri="{FF2B5EF4-FFF2-40B4-BE49-F238E27FC236}">
-                <a16:creationId xmlns:a16="http://schemas.microsoft.com/office/drawing/2014/main" id="{D4307DF5-609A-4D7B-8D44-CBCABCA0B100}"/>
-              </a:ext>
-            </a:extLst>
-          </p:cNvPr>
-          <p:cNvSpPr txBox="1">
-            <a:spLocks noChangeArrowheads="1"/>
-          </p:cNvSpPr>
-          <p:nvPr/>
-        </p:nvSpPr>
-        <p:spPr bwMode="auto">
-          <a:xfrm>
-            <a:off x="5375999" y="1001609"/>
-            <a:ext cx="1440000" cy="1322348"/>
-          </a:xfrm>
-          <a:prstGeom prst="roundRect">
-            <a:avLst/>
-          </a:prstGeom>
-          <a:solidFill>
-            <a:srgbClr val="FFFFFF"/>
-          </a:solidFill>
-          <a:ln w="9525">
-            <a:solidFill>
-              <a:srgbClr val="000000"/>
-            </a:solidFill>
-            <a:miter lim="800000"/>
-            <a:headEnd/>
-            <a:tailEnd/>
-          </a:ln>
-        </p:spPr>
-        <p:txBody>
-          <a:bodyPr rot="0" vert="horz" wrap="square" lIns="91440" tIns="45720" rIns="91440" bIns="45720" anchor="t" anchorCtr="0">
-            <a:spAutoFit/>
-          </a:bodyPr>
-          <a:lstStyle/>
-          <a:p>
-            <a:pPr algn="ctr">
-              <a:lnSpc>
-                <a:spcPct val="107000"/>
-              </a:lnSpc>
-              <a:spcAft>
-                <a:spcPts val="800"/>
-              </a:spcAft>
-            </a:pPr>
-            <a:r>
-              <a:rPr lang="fr-FR" sz="1100">
-                <a:latin typeface="Calibri"/>
-                <a:ea typeface="Calibri" panose="020F0502020204030204" pitchFamily="34" charset="0"/>
-                <a:cs typeface="Times New Roman"/>
-              </a:rPr>
-              <a:t>User</a:t>
-            </a:r>
-            <a:endParaRPr lang="fr-FR"/>
-          </a:p>
-          <a:p>
-            <a:pPr marL="171450" lvl="0" indent="-171450">
-              <a:lnSpc>
-                <a:spcPct val="107000"/>
-              </a:lnSpc>
-              <a:buFont typeface="Arial" panose="020B0604020202020204" pitchFamily="34" charset="0"/>
-              <a:buChar char="•"/>
-            </a:pPr>
-            <a:r>
-              <a:rPr lang="fr-FR" sz="1100" u="heavy" err="1">
-                <a:effectLst/>
-                <a:latin typeface="Calibri" panose="020F0502020204030204" pitchFamily="34" charset="0"/>
-                <a:ea typeface="Calibri" panose="020F0502020204030204" pitchFamily="34" charset="0"/>
-                <a:cs typeface="Times New Roman" panose="02020603050405020304" pitchFamily="18" charset="0"/>
-              </a:rPr>
-              <a:t>username</a:t>
-            </a:r>
-            <a:endParaRPr lang="fr-FR" sz="1100">
-              <a:effectLst/>
-              <a:latin typeface="Calibri" panose="020F0502020204030204" pitchFamily="34" charset="0"/>
-              <a:ea typeface="Calibri" panose="020F0502020204030204" pitchFamily="34" charset="0"/>
-              <a:cs typeface="Times New Roman" panose="02020603050405020304" pitchFamily="18" charset="0"/>
-            </a:endParaRPr>
-          </a:p>
-          <a:p>
-            <a:pPr marL="171450" lvl="0" indent="-171450">
-              <a:lnSpc>
-                <a:spcPct val="107000"/>
-              </a:lnSpc>
-              <a:buFont typeface="Arial" panose="020B0604020202020204" pitchFamily="34" charset="0"/>
-              <a:buChar char="•"/>
-            </a:pPr>
-            <a:r>
-              <a:rPr lang="fr-FR" sz="1100" err="1">
-                <a:effectLst/>
-                <a:latin typeface="Calibri" panose="020F0502020204030204" pitchFamily="34" charset="0"/>
-                <a:ea typeface="Calibri" panose="020F0502020204030204" pitchFamily="34" charset="0"/>
-                <a:cs typeface="Times New Roman" panose="02020603050405020304" pitchFamily="18" charset="0"/>
-              </a:rPr>
-              <a:t>password</a:t>
-            </a:r>
-            <a:endParaRPr lang="fr-FR" sz="1100">
-              <a:effectLst/>
-              <a:latin typeface="Calibri" panose="020F0502020204030204" pitchFamily="34" charset="0"/>
-              <a:ea typeface="Calibri" panose="020F0502020204030204" pitchFamily="34" charset="0"/>
-              <a:cs typeface="Times New Roman" panose="02020603050405020304" pitchFamily="18" charset="0"/>
-            </a:endParaRPr>
-          </a:p>
-          <a:p>
-            <a:pPr marL="171450" lvl="0" indent="-171450">
-              <a:lnSpc>
-                <a:spcPct val="107000"/>
-              </a:lnSpc>
-              <a:spcAft>
-                <a:spcPts val="800"/>
-              </a:spcAft>
-              <a:buFont typeface="Arial" panose="020B0604020202020204" pitchFamily="34" charset="0"/>
-              <a:buChar char="•"/>
-            </a:pPr>
-            <a:r>
-              <a:rPr lang="fr-FR" sz="1100">
-                <a:effectLst/>
-                <a:latin typeface="Calibri" panose="020F0502020204030204" pitchFamily="34" charset="0"/>
-                <a:ea typeface="Calibri" panose="020F0502020204030204" pitchFamily="34" charset="0"/>
-                <a:cs typeface="Times New Roman" panose="02020603050405020304" pitchFamily="18" charset="0"/>
-              </a:rPr>
-              <a:t>email</a:t>
-            </a:r>
-          </a:p>
-          <a:p>
-            <a:pPr marL="457200">
-              <a:lnSpc>
-                <a:spcPct val="107000"/>
-              </a:lnSpc>
-              <a:spcAft>
-                <a:spcPts val="800"/>
-              </a:spcAft>
-            </a:pPr>
-            <a:endParaRPr lang="fr-FR" sz="1100">
-              <a:effectLst/>
-              <a:latin typeface="Calibri" panose="020F0502020204030204" pitchFamily="34" charset="0"/>
-              <a:ea typeface="Calibri" panose="020F0502020204030204" pitchFamily="34" charset="0"/>
-              <a:cs typeface="Times New Roman" panose="02020603050405020304" pitchFamily="18" charset="0"/>
-            </a:endParaRPr>
-          </a:p>
-        </p:txBody>
-      </p:sp>
-      <p:sp>
-        <p:nvSpPr>
-          <p:cNvPr id="13" name="Zone de texte 2">
-            <a:extLst>
-              <a:ext uri="{FF2B5EF4-FFF2-40B4-BE49-F238E27FC236}">
-                <a16:creationId xmlns:a16="http://schemas.microsoft.com/office/drawing/2014/main" id="{99F759E2-7D6F-454E-AA45-B325A2D14F02}"/>
-              </a:ext>
-            </a:extLst>
-          </p:cNvPr>
-          <p:cNvSpPr txBox="1">
-            <a:spLocks noChangeArrowheads="1"/>
-          </p:cNvSpPr>
-          <p:nvPr/>
-        </p:nvSpPr>
-        <p:spPr bwMode="auto">
-          <a:xfrm>
-            <a:off x="1861274" y="3465847"/>
-            <a:ext cx="1440000" cy="1980000"/>
-          </a:xfrm>
-          <a:prstGeom prst="roundRect">
-            <a:avLst/>
-          </a:prstGeom>
-          <a:solidFill>
-            <a:srgbClr val="FFFFFF"/>
-          </a:solidFill>
-          <a:ln w="9525">
-            <a:solidFill>
-              <a:srgbClr val="000000"/>
-            </a:solidFill>
-            <a:miter lim="800000"/>
-            <a:headEnd/>
-            <a:tailEnd/>
-          </a:ln>
-        </p:spPr>
-        <p:txBody>
-          <a:bodyPr rot="0" vert="horz" wrap="square" lIns="91440" tIns="45720" rIns="91440" bIns="45720" anchor="t" anchorCtr="0">
-            <a:noAutofit/>
-          </a:bodyPr>
-          <a:lstStyle/>
-          <a:p>
-            <a:pPr algn="ctr">
-              <a:lnSpc>
-                <a:spcPct val="107000"/>
-              </a:lnSpc>
-              <a:spcAft>
-                <a:spcPts val="800"/>
-              </a:spcAft>
-            </a:pPr>
-            <a:r>
-              <a:rPr lang="fr-FR" sz="1100" dirty="0">
-                <a:latin typeface="Calibri"/>
-                <a:cs typeface="Times New Roman"/>
-              </a:rPr>
-              <a:t>Marks</a:t>
-            </a:r>
-            <a:endParaRPr lang="fr-FR" dirty="0"/>
-          </a:p>
-          <a:p>
-            <a:pPr marL="171450" indent="-171450">
-              <a:buFont typeface="Arial" panose="020B0604020202020204" pitchFamily="34" charset="0"/>
-              <a:buChar char="•"/>
-            </a:pPr>
-            <a:r>
-              <a:rPr lang="fr-FR" sz="1100" u="heavy" dirty="0" err="1">
-                <a:latin typeface="Calibri"/>
-                <a:ea typeface="Calibri" panose="020F0502020204030204" pitchFamily="34" charset="0"/>
-                <a:cs typeface="Times New Roman"/>
-              </a:rPr>
-              <a:t>title</a:t>
-            </a:r>
-            <a:endParaRPr lang="fr-FR" sz="1100" u="heavy" dirty="0">
-              <a:latin typeface="Calibri"/>
-              <a:ea typeface="Calibri" panose="020F0502020204030204" pitchFamily="34" charset="0"/>
-              <a:cs typeface="Times New Roman" panose="02020603050405020304" pitchFamily="18" charset="0"/>
-            </a:endParaRPr>
-          </a:p>
-          <a:p>
-            <a:pPr marL="171450" indent="-171450">
-              <a:buFont typeface="Arial" panose="020B0604020202020204" pitchFamily="34" charset="0"/>
-              <a:buChar char="•"/>
-            </a:pPr>
-            <a:r>
-              <a:rPr lang="fr-FR" sz="1100" dirty="0">
-                <a:latin typeface="Calibri"/>
-                <a:ea typeface="Calibri" panose="020F0502020204030204" pitchFamily="34" charset="0"/>
-                <a:cs typeface="Times New Roman"/>
-              </a:rPr>
-              <a:t>mark</a:t>
-            </a:r>
-            <a:endParaRPr lang="fr-FR" sz="1100" dirty="0">
-              <a:effectLst/>
-              <a:latin typeface="Calibri"/>
-              <a:ea typeface="Calibri" panose="020F0502020204030204" pitchFamily="34" charset="0"/>
-              <a:cs typeface="Times New Roman" panose="02020603050405020304" pitchFamily="18" charset="0"/>
-            </a:endParaRPr>
-          </a:p>
-          <a:p>
-            <a:pPr marL="171450" indent="-171450">
-              <a:buFont typeface="Arial" panose="020B0604020202020204" pitchFamily="34" charset="0"/>
-              <a:buChar char="•"/>
-            </a:pPr>
-            <a:r>
-              <a:rPr lang="fr-FR" sz="1100" dirty="0">
-                <a:latin typeface="Calibri"/>
-                <a:ea typeface="Calibri" panose="020F0502020204030204" pitchFamily="34" charset="0"/>
-                <a:cs typeface="Times New Roman"/>
-              </a:rPr>
-              <a:t>id</a:t>
-            </a:r>
-            <a:endParaRPr lang="fr-FR" sz="1100" dirty="0">
-              <a:latin typeface="Calibri" panose="020F0502020204030204" pitchFamily="34" charset="0"/>
-              <a:ea typeface="Calibri" panose="020F0502020204030204" pitchFamily="34" charset="0"/>
-              <a:cs typeface="Times New Roman" panose="02020603050405020304" pitchFamily="18" charset="0"/>
-            </a:endParaRPr>
-          </a:p>
-          <a:p>
-            <a:pPr marL="171450" indent="-171450">
-              <a:buFont typeface="Arial" panose="020B0604020202020204" pitchFamily="34" charset="0"/>
-              <a:buChar char="•"/>
-            </a:pPr>
-            <a:r>
-              <a:rPr lang="fr-FR" sz="1100" dirty="0">
-                <a:latin typeface="Calibri"/>
-                <a:ea typeface="Calibri" panose="020F0502020204030204" pitchFamily="34" charset="0"/>
-                <a:cs typeface="Times New Roman"/>
-              </a:rPr>
-              <a:t>date</a:t>
-            </a:r>
-          </a:p>
-          <a:p>
-            <a:pPr marL="171450" lvl="0" indent="-171450">
-              <a:lnSpc>
-                <a:spcPct val="107000"/>
-              </a:lnSpc>
-              <a:buFont typeface="Arial" panose="020B0604020202020204" pitchFamily="34" charset="0"/>
-              <a:buChar char="•"/>
-            </a:pPr>
-            <a:r>
-              <a:rPr lang="fr-FR" sz="1100" u="dotted" dirty="0" err="1">
-                <a:effectLst/>
-                <a:latin typeface="Calibri" panose="020F0502020204030204" pitchFamily="34" charset="0"/>
-                <a:ea typeface="Calibri" panose="020F0502020204030204" pitchFamily="34" charset="0"/>
-                <a:cs typeface="Times New Roman" panose="02020603050405020304" pitchFamily="18" charset="0"/>
-              </a:rPr>
-              <a:t>username</a:t>
-            </a:r>
-            <a:endParaRPr lang="fr-FR" sz="1100" dirty="0">
-              <a:effectLst/>
-              <a:latin typeface="Calibri" panose="020F0502020204030204" pitchFamily="34" charset="0"/>
-              <a:ea typeface="Calibri" panose="020F0502020204030204" pitchFamily="34" charset="0"/>
-              <a:cs typeface="Times New Roman" panose="02020603050405020304" pitchFamily="18" charset="0"/>
-            </a:endParaRPr>
-          </a:p>
-        </p:txBody>
-      </p:sp>
-      <p:sp>
-        <p:nvSpPr>
-          <p:cNvPr id="36" name="Zone de texte 2">
-            <a:extLst>
-              <a:ext uri="{FF2B5EF4-FFF2-40B4-BE49-F238E27FC236}">
-                <a16:creationId xmlns:a16="http://schemas.microsoft.com/office/drawing/2014/main" id="{DA762878-CDC5-4812-AD82-2AEEBA59F550}"/>
-              </a:ext>
-            </a:extLst>
-          </p:cNvPr>
-          <p:cNvSpPr txBox="1">
-            <a:spLocks noChangeArrowheads="1"/>
-          </p:cNvSpPr>
-          <p:nvPr/>
-        </p:nvSpPr>
-        <p:spPr bwMode="auto">
-          <a:xfrm>
-            <a:off x="8888381" y="3465846"/>
-            <a:ext cx="1440000" cy="1980000"/>
-          </a:xfrm>
-          <a:prstGeom prst="roundRect">
-            <a:avLst/>
-          </a:prstGeom>
-          <a:solidFill>
-            <a:srgbClr val="FFFFFF"/>
-          </a:solidFill>
-          <a:ln w="9525">
-            <a:solidFill>
-              <a:srgbClr val="000000"/>
-            </a:solidFill>
-            <a:miter lim="800000"/>
-            <a:headEnd/>
-            <a:tailEnd/>
-          </a:ln>
-        </p:spPr>
-        <p:txBody>
-          <a:bodyPr rot="0" vert="horz" wrap="square" lIns="91440" tIns="45720" rIns="91440" bIns="45720" anchor="t" anchorCtr="0">
-            <a:noAutofit/>
-          </a:bodyPr>
-          <a:lstStyle/>
-          <a:p>
-            <a:pPr algn="ctr">
-              <a:lnSpc>
-                <a:spcPct val="107000"/>
-              </a:lnSpc>
-              <a:spcAft>
-                <a:spcPts val="800"/>
-              </a:spcAft>
-            </a:pPr>
-            <a:r>
-              <a:rPr lang="fr-FR" sz="1100">
-                <a:effectLst/>
-                <a:latin typeface="Calibri" panose="020F0502020204030204" pitchFamily="34" charset="0"/>
-                <a:ea typeface="Calibri" panose="020F0502020204030204" pitchFamily="34" charset="0"/>
-                <a:cs typeface="Times New Roman" panose="02020603050405020304" pitchFamily="18" charset="0"/>
-              </a:rPr>
-              <a:t>Planning</a:t>
-            </a:r>
-          </a:p>
-          <a:p>
-            <a:pPr marL="171450" lvl="0" indent="-171450">
-              <a:lnSpc>
-                <a:spcPct val="107000"/>
-              </a:lnSpc>
-              <a:buFont typeface="Arial" panose="020B0604020202020204" pitchFamily="34" charset="0"/>
-              <a:buChar char="•"/>
-            </a:pPr>
-            <a:r>
-              <a:rPr lang="fr-FR" sz="1100" u="heavy" err="1">
-                <a:latin typeface="Calibri"/>
-                <a:ea typeface="Calibri" panose="020F0502020204030204" pitchFamily="34" charset="0"/>
-                <a:cs typeface="Times New Roman"/>
-              </a:rPr>
-              <a:t>subject</a:t>
-            </a:r>
-            <a:endParaRPr lang="fr-FR" sz="1100" u="heavy" err="1">
-              <a:effectLst/>
-              <a:latin typeface="Calibri"/>
-              <a:ea typeface="Calibri" panose="020F0502020204030204" pitchFamily="34" charset="0"/>
-              <a:cs typeface="Times New Roman" panose="02020603050405020304" pitchFamily="18" charset="0"/>
-            </a:endParaRPr>
-          </a:p>
-          <a:p>
-            <a:pPr marL="171450" lvl="0" indent="-171450">
-              <a:lnSpc>
-                <a:spcPct val="107000"/>
-              </a:lnSpc>
-              <a:buFont typeface="Arial" panose="020B0604020202020204" pitchFamily="34" charset="0"/>
-              <a:buChar char="•"/>
-            </a:pPr>
-            <a:r>
-              <a:rPr lang="fr-FR" sz="1100" err="1">
-                <a:latin typeface="Calibri"/>
-                <a:ea typeface="Calibri" panose="020F0502020204030204" pitchFamily="34" charset="0"/>
-                <a:cs typeface="Times New Roman"/>
-              </a:rPr>
-              <a:t>teacher</a:t>
-            </a:r>
-            <a:endParaRPr lang="fr-FR" sz="1100" err="1">
-              <a:effectLst/>
-              <a:latin typeface="Calibri"/>
-              <a:ea typeface="Calibri" panose="020F0502020204030204" pitchFamily="34" charset="0"/>
-              <a:cs typeface="Times New Roman" panose="02020603050405020304" pitchFamily="18" charset="0"/>
-            </a:endParaRPr>
-          </a:p>
-          <a:p>
-            <a:pPr marL="171450" lvl="0" indent="-171450">
-              <a:lnSpc>
-                <a:spcPct val="107000"/>
-              </a:lnSpc>
-              <a:buFont typeface="Arial" panose="020B0604020202020204" pitchFamily="34" charset="0"/>
-              <a:buChar char="•"/>
-            </a:pPr>
-            <a:r>
-              <a:rPr lang="fr-FR" sz="1100">
-                <a:latin typeface="Calibri"/>
-                <a:ea typeface="Calibri" panose="020F0502020204030204" pitchFamily="34" charset="0"/>
-                <a:cs typeface="Times New Roman"/>
-              </a:rPr>
-              <a:t>room</a:t>
-            </a:r>
-            <a:endParaRPr lang="fr-FR" sz="1100">
-              <a:latin typeface="Calibri"/>
-              <a:ea typeface="Calibri" panose="020F0502020204030204" pitchFamily="34" charset="0"/>
-              <a:cs typeface="Times New Roman" panose="02020603050405020304" pitchFamily="18" charset="0"/>
-            </a:endParaRPr>
-          </a:p>
-          <a:p>
-            <a:pPr marL="171450" lvl="0" indent="-171450">
-              <a:lnSpc>
-                <a:spcPct val="107000"/>
-              </a:lnSpc>
-              <a:buFont typeface="Arial" panose="020B0604020202020204" pitchFamily="34" charset="0"/>
-              <a:buChar char="•"/>
-            </a:pPr>
-            <a:r>
-              <a:rPr lang="fr-FR" sz="1100">
-                <a:latin typeface="Calibri"/>
-                <a:ea typeface="Calibri" panose="020F0502020204030204" pitchFamily="34" charset="0"/>
-                <a:cs typeface="Times New Roman"/>
-              </a:rPr>
-              <a:t>date</a:t>
-            </a:r>
-            <a:endParaRPr lang="fr-FR" sz="1100">
-              <a:effectLst/>
-              <a:latin typeface="Calibri"/>
-              <a:ea typeface="Calibri" panose="020F0502020204030204" pitchFamily="34" charset="0"/>
-              <a:cs typeface="Times New Roman" panose="02020603050405020304" pitchFamily="18" charset="0"/>
-            </a:endParaRPr>
-          </a:p>
-          <a:p>
-            <a:pPr marL="171450" lvl="0" indent="-171450">
-              <a:lnSpc>
-                <a:spcPct val="107000"/>
-              </a:lnSpc>
-              <a:buFont typeface="Arial" panose="020B0604020202020204" pitchFamily="34" charset="0"/>
-              <a:buChar char="•"/>
-            </a:pPr>
-            <a:r>
-              <a:rPr lang="fr-FR" sz="1100">
-                <a:latin typeface="Calibri"/>
-                <a:ea typeface="Calibri" panose="020F0502020204030204" pitchFamily="34" charset="0"/>
-                <a:cs typeface="Times New Roman"/>
-              </a:rPr>
-              <a:t>start</a:t>
-            </a:r>
-            <a:endParaRPr lang="fr-FR" sz="1100">
-              <a:effectLst/>
-              <a:latin typeface="Calibri"/>
-              <a:ea typeface="Calibri" panose="020F0502020204030204" pitchFamily="34" charset="0"/>
-              <a:cs typeface="Times New Roman" panose="02020603050405020304" pitchFamily="18" charset="0"/>
-            </a:endParaRPr>
-          </a:p>
-          <a:p>
-            <a:pPr marL="171450" lvl="0" indent="-171450">
-              <a:lnSpc>
-                <a:spcPct val="107000"/>
-              </a:lnSpc>
-              <a:buFont typeface="Arial" panose="020B0604020202020204" pitchFamily="34" charset="0"/>
-              <a:buChar char="•"/>
-            </a:pPr>
-            <a:r>
-              <a:rPr lang="fr-FR" sz="1100">
-                <a:latin typeface="Calibri"/>
-                <a:ea typeface="Calibri" panose="020F0502020204030204" pitchFamily="34" charset="0"/>
-                <a:cs typeface="Times New Roman"/>
-              </a:rPr>
-              <a:t>end</a:t>
-            </a:r>
-            <a:endParaRPr lang="fr-FR" sz="1100">
-              <a:effectLst/>
-              <a:latin typeface="Calibri"/>
-              <a:ea typeface="Calibri" panose="020F0502020204030204" pitchFamily="34" charset="0"/>
-              <a:cs typeface="Times New Roman" panose="02020603050405020304" pitchFamily="18" charset="0"/>
-            </a:endParaRPr>
-          </a:p>
-          <a:p>
-            <a:pPr marL="171450" indent="-171450">
-              <a:lnSpc>
-                <a:spcPct val="107000"/>
-              </a:lnSpc>
-              <a:buFont typeface="Arial" panose="020B0604020202020204" pitchFamily="34" charset="0"/>
-              <a:buChar char="•"/>
-            </a:pPr>
-            <a:r>
-              <a:rPr lang="fr-FR" sz="1100">
-                <a:latin typeface="Calibri"/>
-                <a:ea typeface="Calibri" panose="020F0502020204030204" pitchFamily="34" charset="0"/>
-                <a:cs typeface="Times New Roman"/>
-              </a:rPr>
-              <a:t>id</a:t>
-            </a:r>
-          </a:p>
-          <a:p>
-            <a:pPr marL="171450" lvl="0" indent="-171450">
-              <a:lnSpc>
-                <a:spcPct val="107000"/>
-              </a:lnSpc>
-              <a:buFont typeface="Arial" panose="020B0604020202020204" pitchFamily="34" charset="0"/>
-              <a:buChar char="•"/>
-            </a:pPr>
-            <a:r>
-              <a:rPr lang="fr-FR" sz="1100" u="dotted" err="1">
-                <a:effectLst/>
-                <a:latin typeface="Calibri" panose="020F0502020204030204" pitchFamily="34" charset="0"/>
-                <a:ea typeface="Calibri" panose="020F0502020204030204" pitchFamily="34" charset="0"/>
-                <a:cs typeface="Times New Roman" panose="02020603050405020304" pitchFamily="18" charset="0"/>
-              </a:rPr>
-              <a:t>Username</a:t>
-            </a:r>
-            <a:endParaRPr lang="fr-FR" sz="1100" u="dotted">
-              <a:latin typeface="Calibri" panose="020F0502020204030204" pitchFamily="34" charset="0"/>
-              <a:ea typeface="Calibri" panose="020F0502020204030204" pitchFamily="34" charset="0"/>
-              <a:cs typeface="Times New Roman" panose="02020603050405020304" pitchFamily="18" charset="0"/>
-            </a:endParaRPr>
-          </a:p>
-        </p:txBody>
-      </p:sp>
-      <p:sp>
-        <p:nvSpPr>
           <p:cNvPr id="2" name="Ellipse 1">
             <a:extLst>
               <a:ext uri="{FF2B5EF4-FFF2-40B4-BE49-F238E27FC236}">
@@ -7961,25 +7587,21 @@
         </p:nvSpPr>
         <p:spPr>
           <a:xfrm>
-            <a:off x="1609725" y="1000125"/>
-            <a:ext cx="1943100" cy="1200150"/>
+            <a:off x="1071475" y="664262"/>
+            <a:ext cx="1980000" cy="1200150"/>
           </a:xfrm>
           <a:prstGeom prst="ellipse">
             <a:avLst/>
           </a:prstGeom>
           <a:solidFill>
-            <a:srgbClr val="3AB395"/>
+            <a:schemeClr val="bg1"/>
           </a:solidFill>
           <a:ln>
-            <a:noFill/>
+            <a:solidFill>
+              <a:srgbClr val="3AB395"/>
+            </a:solidFill>
           </a:ln>
-          <a:effectLst>
-            <a:outerShdw blurRad="63500" sx="102000" sy="102000" algn="ctr" rotWithShape="0">
-              <a:prstClr val="black">
-                <a:alpha val="40000"/>
-              </a:prstClr>
-            </a:outerShdw>
-          </a:effectLst>
+          <a:effectLst/>
         </p:spPr>
         <p:style>
           <a:lnRef idx="2">
@@ -8003,7 +7625,7 @@
           <a:p>
             <a:pPr algn="ctr"/>
             <a:r>
-              <a:rPr lang="fr-CA">
+              <a:rPr lang="fr-CA" dirty="0">
                 <a:solidFill>
                   <a:schemeClr val="tx1"/>
                 </a:solidFill>
@@ -8028,25 +7650,21 @@
         </p:nvSpPr>
         <p:spPr>
           <a:xfrm>
-            <a:off x="8639174" y="1000125"/>
-            <a:ext cx="1943100" cy="1200150"/>
+            <a:off x="9176107" y="683312"/>
+            <a:ext cx="1980000" cy="1200150"/>
           </a:xfrm>
           <a:prstGeom prst="ellipse">
             <a:avLst/>
           </a:prstGeom>
           <a:solidFill>
-            <a:srgbClr val="3AB395"/>
+            <a:schemeClr val="bg1"/>
           </a:solidFill>
           <a:ln>
-            <a:noFill/>
+            <a:solidFill>
+              <a:srgbClr val="3AB395"/>
+            </a:solidFill>
           </a:ln>
-          <a:effectLst>
-            <a:outerShdw blurRad="63500" sx="102000" sy="102000" algn="ctr" rotWithShape="0">
-              <a:prstClr val="black">
-                <a:alpha val="40000"/>
-              </a:prstClr>
-            </a:outerShdw>
-          </a:effectLst>
+          <a:effectLst/>
         </p:spPr>
         <p:style>
           <a:lnRef idx="2">
@@ -8090,42 +7708,6 @@
               </a:ext>
             </a:extLst>
           </p:cNvPr>
-          <p:cNvCxnSpPr/>
-          <p:nvPr/>
-        </p:nvCxnSpPr>
-        <p:spPr>
-          <a:xfrm>
-            <a:off x="6819900" y="1600200"/>
-            <a:ext cx="1819275" cy="9525"/>
-          </a:xfrm>
-          <a:prstGeom prst="straightConnector1">
-            <a:avLst/>
-          </a:prstGeom>
-        </p:spPr>
-        <p:style>
-          <a:lnRef idx="1">
-            <a:schemeClr val="dk1"/>
-          </a:lnRef>
-          <a:fillRef idx="0">
-            <a:schemeClr val="dk1"/>
-          </a:fillRef>
-          <a:effectRef idx="0">
-            <a:schemeClr val="dk1"/>
-          </a:effectRef>
-          <a:fontRef idx="minor">
-            <a:schemeClr val="tx1"/>
-          </a:fontRef>
-        </p:style>
-      </p:cxnSp>
-      <p:cxnSp>
-        <p:nvCxnSpPr>
-          <p:cNvPr id="11" name="Connecteur droit avec flèche 10">
-            <a:extLst>
-              <a:ext uri="{FF2B5EF4-FFF2-40B4-BE49-F238E27FC236}">
-                <a16:creationId xmlns:a16="http://schemas.microsoft.com/office/drawing/2014/main" id="{2620ABF6-2469-4819-B334-C8691A259289}"/>
-              </a:ext>
-            </a:extLst>
-          </p:cNvPr>
           <p:cNvCxnSpPr>
             <a:cxnSpLocks/>
           </p:cNvCxnSpPr>
@@ -8133,8 +7715,8 @@
         </p:nvCxnSpPr>
         <p:spPr>
           <a:xfrm>
-            <a:off x="3552825" y="1600200"/>
-            <a:ext cx="1819275" cy="9525"/>
+            <a:off x="7942761" y="1264337"/>
+            <a:ext cx="921321" cy="0"/>
           </a:xfrm>
           <a:prstGeom prst="straightConnector1">
             <a:avLst/>
@@ -8171,7 +7753,7 @@
         </p:nvCxnSpPr>
         <p:spPr>
           <a:xfrm flipH="1" flipV="1">
-            <a:off x="9639300" y="2209800"/>
+            <a:off x="10161662" y="1879330"/>
             <a:ext cx="9525" cy="1247775"/>
           </a:xfrm>
           <a:prstGeom prst="straightConnector1">
@@ -8209,7 +7791,7 @@
         </p:nvCxnSpPr>
         <p:spPr>
           <a:xfrm flipV="1">
-            <a:off x="2581274" y="2200275"/>
+            <a:off x="2056712" y="1869804"/>
             <a:ext cx="9525" cy="1266825"/>
           </a:xfrm>
           <a:prstGeom prst="straightConnector1">
@@ -8245,7 +7827,7 @@
         </p:nvSpPr>
         <p:spPr>
           <a:xfrm>
-            <a:off x="4848225" y="1285875"/>
+            <a:off x="3753027" y="951754"/>
             <a:ext cx="676275" cy="369332"/>
           </a:xfrm>
           <a:prstGeom prst="rect">
@@ -8264,7 +7846,7 @@
           <a:p>
             <a:pPr algn="l"/>
             <a:r>
-              <a:rPr lang="fr-CA">
+              <a:rPr lang="fr-CA" dirty="0">
                 <a:cs typeface="Calibri"/>
               </a:rPr>
               <a:t>0,n</a:t>
@@ -8286,7 +7868,7 @@
         </p:nvSpPr>
         <p:spPr>
           <a:xfrm>
-            <a:off x="2581275" y="3057525"/>
+            <a:off x="2069979" y="2829845"/>
             <a:ext cx="676275" cy="369332"/>
           </a:xfrm>
           <a:prstGeom prst="rect">
@@ -8305,7 +7887,7 @@
           <a:p>
             <a:pPr algn="l"/>
             <a:r>
-              <a:rPr lang="fr-CA">
+              <a:rPr lang="fr-CA" dirty="0">
                 <a:cs typeface="Calibri"/>
               </a:rPr>
               <a:t>1,1</a:t>
@@ -8327,7 +7909,7 @@
         </p:nvSpPr>
         <p:spPr>
           <a:xfrm>
-            <a:off x="8963025" y="3057525"/>
+            <a:off x="9450778" y="2507144"/>
             <a:ext cx="676275" cy="369332"/>
           </a:xfrm>
           <a:prstGeom prst="rect">
@@ -8346,10 +7928,10 @@
           <a:p>
             <a:pPr algn="l"/>
             <a:r>
-              <a:rPr lang="fr-CA">
+              <a:rPr lang="fr-CA" dirty="0">
                 <a:cs typeface="Calibri"/>
               </a:rPr>
-              <a:t>1,n</a:t>
+              <a:t>1,1</a:t>
             </a:r>
           </a:p>
         </p:txBody>
@@ -8368,7 +7950,7 @@
         </p:nvSpPr>
         <p:spPr>
           <a:xfrm>
-            <a:off x="6905625" y="1285875"/>
+            <a:off x="7977470" y="951754"/>
             <a:ext cx="676275" cy="369332"/>
           </a:xfrm>
           <a:prstGeom prst="rect">
@@ -8387,7 +7969,7 @@
           <a:p>
             <a:pPr algn="l"/>
             <a:r>
-              <a:rPr lang="fr-CA">
+              <a:rPr lang="fr-CA" dirty="0">
                 <a:cs typeface="Calibri"/>
               </a:rPr>
               <a:t>1,1</a:t>
@@ -8395,6 +7977,704 @@
           </a:p>
         </p:txBody>
       </p:sp>
+      <p:grpSp>
+        <p:nvGrpSpPr>
+          <p:cNvPr id="8" name="Groupe 7">
+            <a:extLst>
+              <a:ext uri="{FF2B5EF4-FFF2-40B4-BE49-F238E27FC236}">
+                <a16:creationId xmlns:a16="http://schemas.microsoft.com/office/drawing/2014/main" id="{E22F235E-69EB-42EF-813B-E66310B54F2E}"/>
+              </a:ext>
+            </a:extLst>
+          </p:cNvPr>
+          <p:cNvGrpSpPr/>
+          <p:nvPr/>
+        </p:nvGrpSpPr>
+        <p:grpSpPr>
+          <a:xfrm>
+            <a:off x="8811149" y="3127105"/>
+            <a:ext cx="2720075" cy="2246365"/>
+            <a:chOff x="6595188" y="3465845"/>
+            <a:chExt cx="3733194" cy="2439845"/>
+          </a:xfrm>
+        </p:grpSpPr>
+        <p:sp>
+          <p:nvSpPr>
+            <p:cNvPr id="36" name="Zone de texte 2">
+              <a:extLst>
+                <a:ext uri="{FF2B5EF4-FFF2-40B4-BE49-F238E27FC236}">
+                  <a16:creationId xmlns:a16="http://schemas.microsoft.com/office/drawing/2014/main" id="{DA762878-CDC5-4812-AD82-2AEEBA59F550}"/>
+                </a:ext>
+              </a:extLst>
+            </p:cNvPr>
+            <p:cNvSpPr txBox="1">
+              <a:spLocks noChangeArrowheads="1"/>
+            </p:cNvSpPr>
+            <p:nvPr/>
+          </p:nvSpPr>
+          <p:spPr bwMode="auto">
+            <a:xfrm>
+              <a:off x="6595188" y="3465845"/>
+              <a:ext cx="3733193" cy="2439845"/>
+            </a:xfrm>
+            <a:prstGeom prst="roundRect">
+              <a:avLst/>
+            </a:prstGeom>
+            <a:solidFill>
+              <a:srgbClr val="FFFFFF"/>
+            </a:solidFill>
+            <a:ln w="9525">
+              <a:solidFill>
+                <a:srgbClr val="000000"/>
+              </a:solidFill>
+              <a:miter lim="800000"/>
+              <a:headEnd/>
+              <a:tailEnd/>
+            </a:ln>
+          </p:spPr>
+          <p:txBody>
+            <a:bodyPr rot="0" vert="horz" wrap="square" lIns="91440" tIns="45720" rIns="91440" bIns="45720" anchor="t" anchorCtr="0">
+              <a:noAutofit/>
+            </a:bodyPr>
+            <a:lstStyle/>
+            <a:p>
+              <a:pPr algn="ctr">
+                <a:lnSpc>
+                  <a:spcPct val="107000"/>
+                </a:lnSpc>
+                <a:spcAft>
+                  <a:spcPts val="800"/>
+                </a:spcAft>
+              </a:pPr>
+              <a:r>
+                <a:rPr lang="fr-FR" dirty="0">
+                  <a:effectLst/>
+                  <a:latin typeface="Calibri" panose="020F0502020204030204" pitchFamily="34" charset="0"/>
+                  <a:ea typeface="Calibri" panose="020F0502020204030204" pitchFamily="34" charset="0"/>
+                  <a:cs typeface="Times New Roman" panose="02020603050405020304" pitchFamily="18" charset="0"/>
+                </a:rPr>
+                <a:t>Planning</a:t>
+              </a:r>
+            </a:p>
+            <a:p>
+              <a:pPr marL="628650" lvl="1" indent="-171450">
+                <a:lnSpc>
+                  <a:spcPct val="107000"/>
+                </a:lnSpc>
+                <a:buFont typeface="Arial" panose="020B0604020202020204" pitchFamily="34" charset="0"/>
+                <a:buChar char="•"/>
+              </a:pPr>
+              <a:endParaRPr lang="fr-FR" u="dotted" dirty="0">
+                <a:latin typeface="Calibri" panose="020F0502020204030204" pitchFamily="34" charset="0"/>
+                <a:ea typeface="Calibri" panose="020F0502020204030204" pitchFamily="34" charset="0"/>
+                <a:cs typeface="Times New Roman" panose="02020603050405020304" pitchFamily="18" charset="0"/>
+              </a:endParaRPr>
+            </a:p>
+          </p:txBody>
+        </p:sp>
+        <p:sp>
+          <p:nvSpPr>
+            <p:cNvPr id="7" name="ZoneTexte 6">
+              <a:extLst>
+                <a:ext uri="{FF2B5EF4-FFF2-40B4-BE49-F238E27FC236}">
+                  <a16:creationId xmlns:a16="http://schemas.microsoft.com/office/drawing/2014/main" id="{19B85DCD-55DA-4A40-9100-69DE263053FC}"/>
+                </a:ext>
+              </a:extLst>
+            </p:cNvPr>
+            <p:cNvSpPr txBox="1"/>
+            <p:nvPr/>
+          </p:nvSpPr>
+          <p:spPr>
+            <a:xfrm>
+              <a:off x="6595188" y="4044500"/>
+              <a:ext cx="3733194" cy="1561005"/>
+            </a:xfrm>
+            <a:prstGeom prst="rect">
+              <a:avLst/>
+            </a:prstGeom>
+            <a:noFill/>
+          </p:spPr>
+          <p:txBody>
+            <a:bodyPr wrap="square" numCol="2" rtlCol="0">
+              <a:spAutoFit/>
+            </a:bodyPr>
+            <a:lstStyle/>
+            <a:p>
+              <a:pPr marL="171450" lvl="0" indent="-171450">
+                <a:lnSpc>
+                  <a:spcPct val="107000"/>
+                </a:lnSpc>
+                <a:buFont typeface="Arial" panose="020B0604020202020204" pitchFamily="34" charset="0"/>
+                <a:buChar char="•"/>
+              </a:pPr>
+              <a:r>
+                <a:rPr lang="fr-FR" u="heavy" dirty="0" err="1">
+                  <a:latin typeface="Calibri"/>
+                  <a:ea typeface="Calibri" panose="020F0502020204030204" pitchFamily="34" charset="0"/>
+                  <a:cs typeface="Times New Roman"/>
+                </a:rPr>
+                <a:t>subject</a:t>
+              </a:r>
+              <a:endParaRPr lang="fr-FR" u="heavy" dirty="0">
+                <a:effectLst/>
+                <a:latin typeface="Calibri"/>
+                <a:ea typeface="Calibri" panose="020F0502020204030204" pitchFamily="34" charset="0"/>
+                <a:cs typeface="Times New Roman" panose="02020603050405020304" pitchFamily="18" charset="0"/>
+              </a:endParaRPr>
+            </a:p>
+            <a:p>
+              <a:pPr marL="171450" lvl="0" indent="-171450">
+                <a:lnSpc>
+                  <a:spcPct val="107000"/>
+                </a:lnSpc>
+                <a:buFont typeface="Arial" panose="020B0604020202020204" pitchFamily="34" charset="0"/>
+                <a:buChar char="•"/>
+              </a:pPr>
+              <a:r>
+                <a:rPr lang="fr-FR" dirty="0" err="1">
+                  <a:latin typeface="Calibri"/>
+                  <a:ea typeface="Calibri" panose="020F0502020204030204" pitchFamily="34" charset="0"/>
+                  <a:cs typeface="Times New Roman"/>
+                </a:rPr>
+                <a:t>teacher</a:t>
+              </a:r>
+              <a:endParaRPr lang="fr-FR" dirty="0">
+                <a:effectLst/>
+                <a:latin typeface="Calibri"/>
+                <a:ea typeface="Calibri" panose="020F0502020204030204" pitchFamily="34" charset="0"/>
+                <a:cs typeface="Times New Roman" panose="02020603050405020304" pitchFamily="18" charset="0"/>
+              </a:endParaRPr>
+            </a:p>
+            <a:p>
+              <a:pPr marL="171450" lvl="0" indent="-171450">
+                <a:lnSpc>
+                  <a:spcPct val="107000"/>
+                </a:lnSpc>
+                <a:buFont typeface="Arial" panose="020B0604020202020204" pitchFamily="34" charset="0"/>
+                <a:buChar char="•"/>
+              </a:pPr>
+              <a:r>
+                <a:rPr lang="fr-FR" dirty="0">
+                  <a:latin typeface="Calibri"/>
+                  <a:ea typeface="Calibri" panose="020F0502020204030204" pitchFamily="34" charset="0"/>
+                  <a:cs typeface="Times New Roman"/>
+                </a:rPr>
+                <a:t>room</a:t>
+              </a:r>
+              <a:endParaRPr lang="fr-FR" dirty="0">
+                <a:latin typeface="Calibri"/>
+                <a:ea typeface="Calibri" panose="020F0502020204030204" pitchFamily="34" charset="0"/>
+                <a:cs typeface="Times New Roman" panose="02020603050405020304" pitchFamily="18" charset="0"/>
+              </a:endParaRPr>
+            </a:p>
+            <a:p>
+              <a:pPr marL="171450" lvl="0" indent="-171450">
+                <a:lnSpc>
+                  <a:spcPct val="107000"/>
+                </a:lnSpc>
+                <a:buFont typeface="Arial" panose="020B0604020202020204" pitchFamily="34" charset="0"/>
+                <a:buChar char="•"/>
+              </a:pPr>
+              <a:r>
+                <a:rPr lang="fr-FR" dirty="0">
+                  <a:latin typeface="Calibri"/>
+                  <a:ea typeface="Calibri" panose="020F0502020204030204" pitchFamily="34" charset="0"/>
+                  <a:cs typeface="Times New Roman"/>
+                </a:rPr>
+                <a:t>date</a:t>
+              </a:r>
+              <a:endParaRPr lang="fr-FR" dirty="0">
+                <a:effectLst/>
+                <a:latin typeface="Calibri"/>
+                <a:ea typeface="Calibri" panose="020F0502020204030204" pitchFamily="34" charset="0"/>
+                <a:cs typeface="Times New Roman" panose="02020603050405020304" pitchFamily="18" charset="0"/>
+              </a:endParaRPr>
+            </a:p>
+            <a:p>
+              <a:pPr marL="171450" lvl="0" indent="-171450">
+                <a:lnSpc>
+                  <a:spcPct val="107000"/>
+                </a:lnSpc>
+                <a:buFont typeface="Arial" panose="020B0604020202020204" pitchFamily="34" charset="0"/>
+                <a:buChar char="•"/>
+              </a:pPr>
+              <a:r>
+                <a:rPr lang="fr-FR" dirty="0">
+                  <a:latin typeface="Calibri"/>
+                  <a:ea typeface="Calibri" panose="020F0502020204030204" pitchFamily="34" charset="0"/>
+                  <a:cs typeface="Times New Roman"/>
+                </a:rPr>
+                <a:t>start</a:t>
+              </a:r>
+              <a:endParaRPr lang="fr-FR" dirty="0">
+                <a:effectLst/>
+                <a:latin typeface="Calibri"/>
+                <a:ea typeface="Calibri" panose="020F0502020204030204" pitchFamily="34" charset="0"/>
+                <a:cs typeface="Times New Roman" panose="02020603050405020304" pitchFamily="18" charset="0"/>
+              </a:endParaRPr>
+            </a:p>
+            <a:p>
+              <a:pPr marL="171450" lvl="0" indent="-171450">
+                <a:lnSpc>
+                  <a:spcPct val="107000"/>
+                </a:lnSpc>
+                <a:buFont typeface="Arial" panose="020B0604020202020204" pitchFamily="34" charset="0"/>
+                <a:buChar char="•"/>
+              </a:pPr>
+              <a:r>
+                <a:rPr lang="fr-FR" dirty="0">
+                  <a:latin typeface="Calibri"/>
+                  <a:ea typeface="Calibri" panose="020F0502020204030204" pitchFamily="34" charset="0"/>
+                  <a:cs typeface="Times New Roman"/>
+                </a:rPr>
+                <a:t>end</a:t>
+              </a:r>
+              <a:endParaRPr lang="fr-FR" dirty="0">
+                <a:effectLst/>
+                <a:latin typeface="Calibri"/>
+                <a:ea typeface="Calibri" panose="020F0502020204030204" pitchFamily="34" charset="0"/>
+                <a:cs typeface="Times New Roman" panose="02020603050405020304" pitchFamily="18" charset="0"/>
+              </a:endParaRPr>
+            </a:p>
+            <a:p>
+              <a:pPr marL="171450" indent="-171450">
+                <a:lnSpc>
+                  <a:spcPct val="107000"/>
+                </a:lnSpc>
+                <a:buFont typeface="Arial" panose="020B0604020202020204" pitchFamily="34" charset="0"/>
+                <a:buChar char="•"/>
+              </a:pPr>
+              <a:r>
+                <a:rPr lang="fr-FR" dirty="0">
+                  <a:latin typeface="Calibri"/>
+                  <a:ea typeface="Calibri" panose="020F0502020204030204" pitchFamily="34" charset="0"/>
+                  <a:cs typeface="Times New Roman"/>
+                </a:rPr>
+                <a:t>id</a:t>
+              </a:r>
+            </a:p>
+            <a:p>
+              <a:pPr marL="171450" lvl="0" indent="-171450">
+                <a:lnSpc>
+                  <a:spcPct val="107000"/>
+                </a:lnSpc>
+                <a:buFont typeface="Arial" panose="020B0604020202020204" pitchFamily="34" charset="0"/>
+                <a:buChar char="•"/>
+              </a:pPr>
+              <a:r>
+                <a:rPr lang="fr-FR" u="dotted" dirty="0" err="1">
+                  <a:effectLst/>
+                  <a:latin typeface="Calibri" panose="020F0502020204030204" pitchFamily="34" charset="0"/>
+                  <a:ea typeface="Calibri" panose="020F0502020204030204" pitchFamily="34" charset="0"/>
+                  <a:cs typeface="Times New Roman" panose="02020603050405020304" pitchFamily="18" charset="0"/>
+                </a:rPr>
+                <a:t>Username</a:t>
+              </a:r>
+              <a:endParaRPr lang="fr-FR" dirty="0"/>
+            </a:p>
+          </p:txBody>
+        </p:sp>
+      </p:grpSp>
+      <p:grpSp>
+        <p:nvGrpSpPr>
+          <p:cNvPr id="21" name="Groupe 20">
+            <a:extLst>
+              <a:ext uri="{FF2B5EF4-FFF2-40B4-BE49-F238E27FC236}">
+                <a16:creationId xmlns:a16="http://schemas.microsoft.com/office/drawing/2014/main" id="{A2920D4B-CD67-4AAD-962B-899AB9B08CB3}"/>
+              </a:ext>
+            </a:extLst>
+          </p:cNvPr>
+          <p:cNvGrpSpPr/>
+          <p:nvPr/>
+        </p:nvGrpSpPr>
+        <p:grpSpPr>
+          <a:xfrm>
+            <a:off x="714677" y="3489649"/>
+            <a:ext cx="3733194" cy="1981979"/>
+            <a:chOff x="6595188" y="3465845"/>
+            <a:chExt cx="3733194" cy="2439845"/>
+          </a:xfrm>
+        </p:grpSpPr>
+        <p:sp>
+          <p:nvSpPr>
+            <p:cNvPr id="22" name="Zone de texte 2">
+              <a:extLst>
+                <a:ext uri="{FF2B5EF4-FFF2-40B4-BE49-F238E27FC236}">
+                  <a16:creationId xmlns:a16="http://schemas.microsoft.com/office/drawing/2014/main" id="{DD4CA510-970A-4D97-8545-DF4894514418}"/>
+                </a:ext>
+              </a:extLst>
+            </p:cNvPr>
+            <p:cNvSpPr txBox="1">
+              <a:spLocks noChangeArrowheads="1"/>
+            </p:cNvSpPr>
+            <p:nvPr/>
+          </p:nvSpPr>
+          <p:spPr bwMode="auto">
+            <a:xfrm>
+              <a:off x="6595188" y="3465845"/>
+              <a:ext cx="3733193" cy="2439845"/>
+            </a:xfrm>
+            <a:prstGeom prst="roundRect">
+              <a:avLst/>
+            </a:prstGeom>
+            <a:solidFill>
+              <a:srgbClr val="FFFFFF"/>
+            </a:solidFill>
+            <a:ln w="9525">
+              <a:solidFill>
+                <a:srgbClr val="000000"/>
+              </a:solidFill>
+              <a:miter lim="800000"/>
+              <a:headEnd/>
+              <a:tailEnd/>
+            </a:ln>
+          </p:spPr>
+          <p:txBody>
+            <a:bodyPr rot="0" vert="horz" wrap="square" lIns="91440" tIns="45720" rIns="91440" bIns="45720" anchor="t" anchorCtr="0">
+              <a:noAutofit/>
+            </a:bodyPr>
+            <a:lstStyle/>
+            <a:p>
+              <a:pPr algn="ctr">
+                <a:lnSpc>
+                  <a:spcPct val="107000"/>
+                </a:lnSpc>
+                <a:spcAft>
+                  <a:spcPts val="800"/>
+                </a:spcAft>
+              </a:pPr>
+              <a:r>
+                <a:rPr lang="fr-FR" sz="1800" dirty="0">
+                  <a:latin typeface="Calibri"/>
+                  <a:cs typeface="Times New Roman"/>
+                </a:rPr>
+                <a:t>Marks</a:t>
+              </a:r>
+              <a:endParaRPr lang="fr-FR" sz="3200" dirty="0"/>
+            </a:p>
+            <a:p>
+              <a:pPr marL="628650" lvl="1" indent="-171450">
+                <a:lnSpc>
+                  <a:spcPct val="107000"/>
+                </a:lnSpc>
+                <a:buFont typeface="Arial" panose="020B0604020202020204" pitchFamily="34" charset="0"/>
+                <a:buChar char="•"/>
+              </a:pPr>
+              <a:endParaRPr lang="fr-FR" u="dotted" dirty="0">
+                <a:latin typeface="Calibri" panose="020F0502020204030204" pitchFamily="34" charset="0"/>
+                <a:ea typeface="Calibri" panose="020F0502020204030204" pitchFamily="34" charset="0"/>
+                <a:cs typeface="Times New Roman" panose="02020603050405020304" pitchFamily="18" charset="0"/>
+              </a:endParaRPr>
+            </a:p>
+          </p:txBody>
+        </p:sp>
+        <p:sp>
+          <p:nvSpPr>
+            <p:cNvPr id="23" name="ZoneTexte 22">
+              <a:extLst>
+                <a:ext uri="{FF2B5EF4-FFF2-40B4-BE49-F238E27FC236}">
+                  <a16:creationId xmlns:a16="http://schemas.microsoft.com/office/drawing/2014/main" id="{CA300025-D2CD-4D07-9BA4-691359C85DDD}"/>
+                </a:ext>
+              </a:extLst>
+            </p:cNvPr>
+            <p:cNvSpPr txBox="1"/>
+            <p:nvPr/>
+          </p:nvSpPr>
+          <p:spPr>
+            <a:xfrm>
+              <a:off x="6595188" y="4044500"/>
+              <a:ext cx="3733194" cy="1496692"/>
+            </a:xfrm>
+            <a:prstGeom prst="rect">
+              <a:avLst/>
+            </a:prstGeom>
+            <a:noFill/>
+          </p:spPr>
+          <p:txBody>
+            <a:bodyPr wrap="square" numCol="2" rtlCol="0">
+              <a:spAutoFit/>
+            </a:bodyPr>
+            <a:lstStyle/>
+            <a:p>
+              <a:pPr marL="171450" indent="-171450">
+                <a:buFont typeface="Arial" panose="020B0604020202020204" pitchFamily="34" charset="0"/>
+                <a:buChar char="•"/>
+              </a:pPr>
+              <a:r>
+                <a:rPr lang="fr-FR" sz="1800" u="heavy" dirty="0" err="1">
+                  <a:latin typeface="Calibri"/>
+                  <a:ea typeface="Calibri" panose="020F0502020204030204" pitchFamily="34" charset="0"/>
+                  <a:cs typeface="Times New Roman"/>
+                </a:rPr>
+                <a:t>title</a:t>
+              </a:r>
+              <a:endParaRPr lang="fr-FR" sz="1800" u="heavy" dirty="0">
+                <a:latin typeface="Calibri"/>
+                <a:ea typeface="Calibri" panose="020F0502020204030204" pitchFamily="34" charset="0"/>
+                <a:cs typeface="Times New Roman" panose="02020603050405020304" pitchFamily="18" charset="0"/>
+              </a:endParaRPr>
+            </a:p>
+            <a:p>
+              <a:pPr marL="171450" indent="-171450">
+                <a:buFont typeface="Arial" panose="020B0604020202020204" pitchFamily="34" charset="0"/>
+                <a:buChar char="•"/>
+              </a:pPr>
+              <a:r>
+                <a:rPr lang="fr-FR" sz="1800" dirty="0">
+                  <a:latin typeface="Calibri"/>
+                  <a:ea typeface="Calibri" panose="020F0502020204030204" pitchFamily="34" charset="0"/>
+                  <a:cs typeface="Times New Roman"/>
+                </a:rPr>
+                <a:t>mark</a:t>
+              </a:r>
+              <a:endParaRPr lang="fr-FR" sz="1800" dirty="0">
+                <a:effectLst/>
+                <a:latin typeface="Calibri"/>
+                <a:ea typeface="Calibri" panose="020F0502020204030204" pitchFamily="34" charset="0"/>
+                <a:cs typeface="Times New Roman" panose="02020603050405020304" pitchFamily="18" charset="0"/>
+              </a:endParaRPr>
+            </a:p>
+            <a:p>
+              <a:pPr marL="171450" indent="-171450">
+                <a:buFont typeface="Arial" panose="020B0604020202020204" pitchFamily="34" charset="0"/>
+                <a:buChar char="•"/>
+              </a:pPr>
+              <a:r>
+                <a:rPr lang="fr-FR" sz="1800" dirty="0">
+                  <a:latin typeface="Calibri"/>
+                  <a:ea typeface="Calibri" panose="020F0502020204030204" pitchFamily="34" charset="0"/>
+                  <a:cs typeface="Times New Roman"/>
+                </a:rPr>
+                <a:t>id</a:t>
+              </a:r>
+              <a:endParaRPr lang="fr-FR" sz="1800" dirty="0">
+                <a:latin typeface="Calibri" panose="020F0502020204030204" pitchFamily="34" charset="0"/>
+                <a:ea typeface="Calibri" panose="020F0502020204030204" pitchFamily="34" charset="0"/>
+                <a:cs typeface="Times New Roman" panose="02020603050405020304" pitchFamily="18" charset="0"/>
+              </a:endParaRPr>
+            </a:p>
+            <a:p>
+              <a:pPr marL="171450" indent="-171450">
+                <a:buFont typeface="Arial" panose="020B0604020202020204" pitchFamily="34" charset="0"/>
+                <a:buChar char="•"/>
+              </a:pPr>
+              <a:r>
+                <a:rPr lang="fr-FR" sz="1800" dirty="0">
+                  <a:latin typeface="Calibri"/>
+                  <a:ea typeface="Calibri" panose="020F0502020204030204" pitchFamily="34" charset="0"/>
+                  <a:cs typeface="Times New Roman"/>
+                </a:rPr>
+                <a:t>date</a:t>
+              </a:r>
+            </a:p>
+            <a:p>
+              <a:pPr marL="171450" lvl="0" indent="-171450">
+                <a:lnSpc>
+                  <a:spcPct val="107000"/>
+                </a:lnSpc>
+                <a:buFont typeface="Arial" panose="020B0604020202020204" pitchFamily="34" charset="0"/>
+                <a:buChar char="•"/>
+              </a:pPr>
+              <a:r>
+                <a:rPr lang="fr-FR" sz="1800" u="dotted" dirty="0" err="1">
+                  <a:effectLst/>
+                  <a:latin typeface="Calibri" panose="020F0502020204030204" pitchFamily="34" charset="0"/>
+                  <a:ea typeface="Calibri" panose="020F0502020204030204" pitchFamily="34" charset="0"/>
+                  <a:cs typeface="Times New Roman" panose="02020603050405020304" pitchFamily="18" charset="0"/>
+                </a:rPr>
+                <a:t>username</a:t>
+              </a:r>
+              <a:endParaRPr lang="fr-FR" sz="1800" dirty="0">
+                <a:effectLst/>
+                <a:latin typeface="Calibri" panose="020F0502020204030204" pitchFamily="34" charset="0"/>
+                <a:ea typeface="Calibri" panose="020F0502020204030204" pitchFamily="34" charset="0"/>
+                <a:cs typeface="Times New Roman" panose="02020603050405020304" pitchFamily="18" charset="0"/>
+              </a:endParaRPr>
+            </a:p>
+          </p:txBody>
+        </p:sp>
+      </p:grpSp>
+      <p:grpSp>
+        <p:nvGrpSpPr>
+          <p:cNvPr id="24" name="Groupe 23">
+            <a:extLst>
+              <a:ext uri="{FF2B5EF4-FFF2-40B4-BE49-F238E27FC236}">
+                <a16:creationId xmlns:a16="http://schemas.microsoft.com/office/drawing/2014/main" id="{C761E0B4-1FCF-4BBD-B7B2-361F9E6D27AE}"/>
+              </a:ext>
+            </a:extLst>
+          </p:cNvPr>
+          <p:cNvGrpSpPr/>
+          <p:nvPr/>
+        </p:nvGrpSpPr>
+        <p:grpSpPr>
+          <a:xfrm>
+            <a:off x="4229621" y="926726"/>
+            <a:ext cx="3872685" cy="1981979"/>
+            <a:chOff x="6455697" y="3469541"/>
+            <a:chExt cx="3872685" cy="2439845"/>
+          </a:xfrm>
+        </p:grpSpPr>
+        <p:sp>
+          <p:nvSpPr>
+            <p:cNvPr id="25" name="Zone de texte 2">
+              <a:extLst>
+                <a:ext uri="{FF2B5EF4-FFF2-40B4-BE49-F238E27FC236}">
+                  <a16:creationId xmlns:a16="http://schemas.microsoft.com/office/drawing/2014/main" id="{DB40529E-A380-484B-A252-D5BC701126DF}"/>
+                </a:ext>
+              </a:extLst>
+            </p:cNvPr>
+            <p:cNvSpPr txBox="1">
+              <a:spLocks noChangeArrowheads="1"/>
+            </p:cNvSpPr>
+            <p:nvPr/>
+          </p:nvSpPr>
+          <p:spPr bwMode="auto">
+            <a:xfrm>
+              <a:off x="6455697" y="3469541"/>
+              <a:ext cx="3733193" cy="2439845"/>
+            </a:xfrm>
+            <a:prstGeom prst="roundRect">
+              <a:avLst/>
+            </a:prstGeom>
+            <a:solidFill>
+              <a:srgbClr val="FFFFFF"/>
+            </a:solidFill>
+            <a:ln w="9525">
+              <a:solidFill>
+                <a:srgbClr val="000000"/>
+              </a:solidFill>
+              <a:miter lim="800000"/>
+              <a:headEnd/>
+              <a:tailEnd/>
+            </a:ln>
+          </p:spPr>
+          <p:txBody>
+            <a:bodyPr rot="0" vert="horz" wrap="square" lIns="91440" tIns="45720" rIns="91440" bIns="45720" anchor="t" anchorCtr="0">
+              <a:noAutofit/>
+            </a:bodyPr>
+            <a:lstStyle/>
+            <a:p>
+              <a:pPr algn="ctr">
+                <a:lnSpc>
+                  <a:spcPct val="107000"/>
+                </a:lnSpc>
+                <a:spcAft>
+                  <a:spcPts val="800"/>
+                </a:spcAft>
+              </a:pPr>
+              <a:r>
+                <a:rPr lang="fr-FR" sz="1800" dirty="0">
+                  <a:latin typeface="Calibri"/>
+                  <a:cs typeface="Times New Roman"/>
+                </a:rPr>
+                <a:t>User</a:t>
+              </a:r>
+              <a:endParaRPr lang="fr-FR" u="dotted" dirty="0">
+                <a:latin typeface="Calibri" panose="020F0502020204030204" pitchFamily="34" charset="0"/>
+                <a:ea typeface="Calibri" panose="020F0502020204030204" pitchFamily="34" charset="0"/>
+                <a:cs typeface="Times New Roman" panose="02020603050405020304" pitchFamily="18" charset="0"/>
+              </a:endParaRPr>
+            </a:p>
+          </p:txBody>
+        </p:sp>
+        <p:sp>
+          <p:nvSpPr>
+            <p:cNvPr id="26" name="ZoneTexte 25">
+              <a:extLst>
+                <a:ext uri="{FF2B5EF4-FFF2-40B4-BE49-F238E27FC236}">
+                  <a16:creationId xmlns:a16="http://schemas.microsoft.com/office/drawing/2014/main" id="{0956BFAA-2DA2-445B-87E4-B31B8B61179E}"/>
+                </a:ext>
+              </a:extLst>
+            </p:cNvPr>
+            <p:cNvSpPr txBox="1"/>
+            <p:nvPr/>
+          </p:nvSpPr>
+          <p:spPr>
+            <a:xfrm>
+              <a:off x="6595188" y="4044500"/>
+              <a:ext cx="3733194" cy="1334438"/>
+            </a:xfrm>
+            <a:prstGeom prst="rect">
+              <a:avLst/>
+            </a:prstGeom>
+            <a:noFill/>
+          </p:spPr>
+          <p:txBody>
+            <a:bodyPr wrap="square" numCol="2" rtlCol="0">
+              <a:spAutoFit/>
+            </a:bodyPr>
+            <a:lstStyle/>
+            <a:p>
+              <a:pPr marL="171450" lvl="0" indent="-171450">
+                <a:lnSpc>
+                  <a:spcPct val="107000"/>
+                </a:lnSpc>
+                <a:buFont typeface="Arial" panose="020B0604020202020204" pitchFamily="34" charset="0"/>
+                <a:buChar char="•"/>
+              </a:pPr>
+              <a:r>
+                <a:rPr lang="fr-FR" sz="1800" u="heavy" dirty="0" err="1">
+                  <a:effectLst/>
+                  <a:latin typeface="Calibri" panose="020F0502020204030204" pitchFamily="34" charset="0"/>
+                  <a:ea typeface="Calibri" panose="020F0502020204030204" pitchFamily="34" charset="0"/>
+                  <a:cs typeface="Times New Roman" panose="02020603050405020304" pitchFamily="18" charset="0"/>
+                </a:rPr>
+                <a:t>username</a:t>
+              </a:r>
+              <a:endParaRPr lang="fr-FR" sz="1800" dirty="0">
+                <a:effectLst/>
+                <a:latin typeface="Calibri" panose="020F0502020204030204" pitchFamily="34" charset="0"/>
+                <a:ea typeface="Calibri" panose="020F0502020204030204" pitchFamily="34" charset="0"/>
+                <a:cs typeface="Times New Roman" panose="02020603050405020304" pitchFamily="18" charset="0"/>
+              </a:endParaRPr>
+            </a:p>
+            <a:p>
+              <a:pPr marL="171450" lvl="0" indent="-171450">
+                <a:lnSpc>
+                  <a:spcPct val="107000"/>
+                </a:lnSpc>
+                <a:buFont typeface="Arial" panose="020B0604020202020204" pitchFamily="34" charset="0"/>
+                <a:buChar char="•"/>
+              </a:pPr>
+              <a:r>
+                <a:rPr lang="fr-FR" sz="1800" dirty="0" err="1">
+                  <a:effectLst/>
+                  <a:latin typeface="Calibri" panose="020F0502020204030204" pitchFamily="34" charset="0"/>
+                  <a:ea typeface="Calibri" panose="020F0502020204030204" pitchFamily="34" charset="0"/>
+                  <a:cs typeface="Times New Roman" panose="02020603050405020304" pitchFamily="18" charset="0"/>
+                </a:rPr>
+                <a:t>password</a:t>
+              </a:r>
+              <a:endParaRPr lang="fr-FR" sz="1800" dirty="0">
+                <a:effectLst/>
+                <a:latin typeface="Calibri" panose="020F0502020204030204" pitchFamily="34" charset="0"/>
+                <a:ea typeface="Calibri" panose="020F0502020204030204" pitchFamily="34" charset="0"/>
+                <a:cs typeface="Times New Roman" panose="02020603050405020304" pitchFamily="18" charset="0"/>
+              </a:endParaRPr>
+            </a:p>
+            <a:p>
+              <a:pPr marL="171450" lvl="0" indent="-171450">
+                <a:lnSpc>
+                  <a:spcPct val="107000"/>
+                </a:lnSpc>
+                <a:spcAft>
+                  <a:spcPts val="800"/>
+                </a:spcAft>
+                <a:buFont typeface="Arial" panose="020B0604020202020204" pitchFamily="34" charset="0"/>
+                <a:buChar char="•"/>
+              </a:pPr>
+              <a:r>
+                <a:rPr lang="fr-FR" sz="1800" dirty="0">
+                  <a:effectLst/>
+                  <a:latin typeface="Calibri" panose="020F0502020204030204" pitchFamily="34" charset="0"/>
+                  <a:ea typeface="Calibri" panose="020F0502020204030204" pitchFamily="34" charset="0"/>
+                  <a:cs typeface="Times New Roman" panose="02020603050405020304" pitchFamily="18" charset="0"/>
+                </a:rPr>
+                <a:t>email</a:t>
+              </a:r>
+            </a:p>
+          </p:txBody>
+        </p:sp>
+      </p:grpSp>
     </p:spTree>
     <p:extLst>
       <p:ext uri="{BB962C8B-B14F-4D97-AF65-F5344CB8AC3E}">

--- a/presentation/Structure_Projet.pptx
+++ b/presentation/Structure_Projet.pptx
@@ -131,7 +131,7 @@
 <file path=ppt/revisionInfo.xml><?xml version="1.0" encoding="utf-8"?>
 <p1510:revInfo xmlns:a="http://schemas.openxmlformats.org/drawingml/2006/main" xmlns:r="http://schemas.openxmlformats.org/officeDocument/2006/relationships" xmlns:p1510="http://schemas.microsoft.com/office/powerpoint/2015/10/main">
   <p1510:revLst>
-    <p1510:client id="{7F131F86-5835-4106-9139-BC7AD26F85E4}" v="64" dt="2021-06-24T12:16:13.278"/>
+    <p1510:client id="{7F131F86-5835-4106-9139-BC7AD26F85E4}" v="70" dt="2021-06-24T12:37:13.832"/>
   </p1510:revLst>
 </p1510:revInfo>
 </file>
@@ -141,7 +141,7 @@
   <pc:docChgLst>
     <pc:chgData name="Hugo DEMENEZ" userId="167f3b24-aa49-4d1b-b001-4f9180dfa13d" providerId="ADAL" clId="{7F131F86-5835-4106-9139-BC7AD26F85E4}"/>
     <pc:docChg chg="undo custSel addSld delSld modSld sldOrd">
-      <pc:chgData name="Hugo DEMENEZ" userId="167f3b24-aa49-4d1b-b001-4f9180dfa13d" providerId="ADAL" clId="{7F131F86-5835-4106-9139-BC7AD26F85E4}" dt="2021-06-24T12:18:28.900" v="328" actId="1076"/>
+      <pc:chgData name="Hugo DEMENEZ" userId="167f3b24-aa49-4d1b-b001-4f9180dfa13d" providerId="ADAL" clId="{7F131F86-5835-4106-9139-BC7AD26F85E4}" dt="2021-06-24T12:38:27.476" v="485" actId="1037"/>
       <pc:docMkLst>
         <pc:docMk/>
       </pc:docMkLst>
@@ -207,8 +207,39 @@
           <pc:sldMk cId="751187635" sldId="257"/>
         </pc:sldMkLst>
       </pc:sldChg>
+      <pc:sldChg chg="modSp mod">
+        <pc:chgData name="Hugo DEMENEZ" userId="167f3b24-aa49-4d1b-b001-4f9180dfa13d" providerId="ADAL" clId="{7F131F86-5835-4106-9139-BC7AD26F85E4}" dt="2021-06-24T12:29:59.567" v="372" actId="208"/>
+        <pc:sldMkLst>
+          <pc:docMk/>
+          <pc:sldMk cId="2640128254" sldId="258"/>
+        </pc:sldMkLst>
+        <pc:spChg chg="mod">
+          <ac:chgData name="Hugo DEMENEZ" userId="167f3b24-aa49-4d1b-b001-4f9180dfa13d" providerId="ADAL" clId="{7F131F86-5835-4106-9139-BC7AD26F85E4}" dt="2021-06-24T12:29:51.969" v="370" actId="207"/>
+          <ac:spMkLst>
+            <pc:docMk/>
+            <pc:sldMk cId="2640128254" sldId="258"/>
+            <ac:spMk id="28" creationId="{A8799BA1-07E6-41FA-AE8C-27B589A64FFE}"/>
+          </ac:spMkLst>
+        </pc:spChg>
+        <pc:cxnChg chg="mod">
+          <ac:chgData name="Hugo DEMENEZ" userId="167f3b24-aa49-4d1b-b001-4f9180dfa13d" providerId="ADAL" clId="{7F131F86-5835-4106-9139-BC7AD26F85E4}" dt="2021-06-24T12:29:57.422" v="371" actId="208"/>
+          <ac:cxnSpMkLst>
+            <pc:docMk/>
+            <pc:sldMk cId="2640128254" sldId="258"/>
+            <ac:cxnSpMk id="11" creationId="{B04DCE85-A0C4-45A2-B46F-4B2760F92F52}"/>
+          </ac:cxnSpMkLst>
+        </pc:cxnChg>
+        <pc:cxnChg chg="mod">
+          <ac:chgData name="Hugo DEMENEZ" userId="167f3b24-aa49-4d1b-b001-4f9180dfa13d" providerId="ADAL" clId="{7F131F86-5835-4106-9139-BC7AD26F85E4}" dt="2021-06-24T12:29:59.567" v="372" actId="208"/>
+          <ac:cxnSpMkLst>
+            <pc:docMk/>
+            <pc:sldMk cId="2640128254" sldId="258"/>
+            <ac:cxnSpMk id="13" creationId="{0121C585-36E9-4E04-A970-8D2234D280B2}"/>
+          </ac:cxnSpMkLst>
+        </pc:cxnChg>
+      </pc:sldChg>
       <pc:sldChg chg="delSp modSp mod">
-        <pc:chgData name="Hugo DEMENEZ" userId="167f3b24-aa49-4d1b-b001-4f9180dfa13d" providerId="ADAL" clId="{7F131F86-5835-4106-9139-BC7AD26F85E4}" dt="2021-06-22T13:35:41.197" v="80" actId="170"/>
+        <pc:chgData name="Hugo DEMENEZ" userId="167f3b24-aa49-4d1b-b001-4f9180dfa13d" providerId="ADAL" clId="{7F131F86-5835-4106-9139-BC7AD26F85E4}" dt="2021-06-24T12:28:18.971" v="363" actId="207"/>
         <pc:sldMkLst>
           <pc:docMk/>
           <pc:sldMk cId="3053268203" sldId="260"/>
@@ -270,7 +301,7 @@
           </ac:spMkLst>
         </pc:spChg>
         <pc:spChg chg="mod ord">
-          <ac:chgData name="Hugo DEMENEZ" userId="167f3b24-aa49-4d1b-b001-4f9180dfa13d" providerId="ADAL" clId="{7F131F86-5835-4106-9139-BC7AD26F85E4}" dt="2021-06-22T13:35:41.197" v="80" actId="170"/>
+          <ac:chgData name="Hugo DEMENEZ" userId="167f3b24-aa49-4d1b-b001-4f9180dfa13d" providerId="ADAL" clId="{7F131F86-5835-4106-9139-BC7AD26F85E4}" dt="2021-06-24T12:28:18.971" v="363" actId="207"/>
           <ac:spMkLst>
             <pc:docMk/>
             <pc:sldMk cId="3053268203" sldId="260"/>
@@ -326,14 +357,77 @@
           </ac:picMkLst>
         </pc:picChg>
       </pc:sldChg>
+      <pc:sldChg chg="modSp mod">
+        <pc:chgData name="Hugo DEMENEZ" userId="167f3b24-aa49-4d1b-b001-4f9180dfa13d" providerId="ADAL" clId="{7F131F86-5835-4106-9139-BC7AD26F85E4}" dt="2021-06-24T12:30:15.760" v="379" actId="208"/>
+        <pc:sldMkLst>
+          <pc:docMk/>
+          <pc:sldMk cId="1097528585" sldId="261"/>
+        </pc:sldMkLst>
+        <pc:spChg chg="mod">
+          <ac:chgData name="Hugo DEMENEZ" userId="167f3b24-aa49-4d1b-b001-4f9180dfa13d" providerId="ADAL" clId="{7F131F86-5835-4106-9139-BC7AD26F85E4}" dt="2021-06-24T12:30:03.531" v="373" actId="208"/>
+          <ac:spMkLst>
+            <pc:docMk/>
+            <pc:sldMk cId="1097528585" sldId="261"/>
+            <ac:spMk id="56" creationId="{5D9CCEDE-BEFF-455D-B8AD-4395B3207A75}"/>
+          </ac:spMkLst>
+        </pc:spChg>
+        <pc:cxnChg chg="mod">
+          <ac:chgData name="Hugo DEMENEZ" userId="167f3b24-aa49-4d1b-b001-4f9180dfa13d" providerId="ADAL" clId="{7F131F86-5835-4106-9139-BC7AD26F85E4}" dt="2021-06-24T12:30:11.263" v="377" actId="208"/>
+          <ac:cxnSpMkLst>
+            <pc:docMk/>
+            <pc:sldMk cId="1097528585" sldId="261"/>
+            <ac:cxnSpMk id="18" creationId="{9F1F7F94-3E03-4BF4-B0DA-3E483D4091FD}"/>
+          </ac:cxnSpMkLst>
+        </pc:cxnChg>
+        <pc:cxnChg chg="mod">
+          <ac:chgData name="Hugo DEMENEZ" userId="167f3b24-aa49-4d1b-b001-4f9180dfa13d" providerId="ADAL" clId="{7F131F86-5835-4106-9139-BC7AD26F85E4}" dt="2021-06-24T12:30:07.672" v="375" actId="208"/>
+          <ac:cxnSpMkLst>
+            <pc:docMk/>
+            <pc:sldMk cId="1097528585" sldId="261"/>
+            <ac:cxnSpMk id="20" creationId="{DF4A8761-E6F2-4322-A39D-E667B9206136}"/>
+          </ac:cxnSpMkLst>
+        </pc:cxnChg>
+        <pc:cxnChg chg="mod">
+          <ac:chgData name="Hugo DEMENEZ" userId="167f3b24-aa49-4d1b-b001-4f9180dfa13d" providerId="ADAL" clId="{7F131F86-5835-4106-9139-BC7AD26F85E4}" dt="2021-06-24T12:30:13.555" v="378" actId="208"/>
+          <ac:cxnSpMkLst>
+            <pc:docMk/>
+            <pc:sldMk cId="1097528585" sldId="261"/>
+            <ac:cxnSpMk id="22" creationId="{999A1327-5579-4EA8-8A9E-BC0C1C88DB9B}"/>
+          </ac:cxnSpMkLst>
+        </pc:cxnChg>
+        <pc:cxnChg chg="mod">
+          <ac:chgData name="Hugo DEMENEZ" userId="167f3b24-aa49-4d1b-b001-4f9180dfa13d" providerId="ADAL" clId="{7F131F86-5835-4106-9139-BC7AD26F85E4}" dt="2021-06-24T12:30:09.647" v="376" actId="208"/>
+          <ac:cxnSpMkLst>
+            <pc:docMk/>
+            <pc:sldMk cId="1097528585" sldId="261"/>
+            <ac:cxnSpMk id="26" creationId="{6D026E81-4BA2-46CB-BB7D-F421754F9A6B}"/>
+          </ac:cxnSpMkLst>
+        </pc:cxnChg>
+        <pc:cxnChg chg="mod">
+          <ac:chgData name="Hugo DEMENEZ" userId="167f3b24-aa49-4d1b-b001-4f9180dfa13d" providerId="ADAL" clId="{7F131F86-5835-4106-9139-BC7AD26F85E4}" dt="2021-06-24T12:30:05.834" v="374" actId="208"/>
+          <ac:cxnSpMkLst>
+            <pc:docMk/>
+            <pc:sldMk cId="1097528585" sldId="261"/>
+            <ac:cxnSpMk id="28" creationId="{F045217E-C339-4764-A140-DDE4BD32E03F}"/>
+          </ac:cxnSpMkLst>
+        </pc:cxnChg>
+        <pc:cxnChg chg="mod">
+          <ac:chgData name="Hugo DEMENEZ" userId="167f3b24-aa49-4d1b-b001-4f9180dfa13d" providerId="ADAL" clId="{7F131F86-5835-4106-9139-BC7AD26F85E4}" dt="2021-06-24T12:30:15.760" v="379" actId="208"/>
+          <ac:cxnSpMkLst>
+            <pc:docMk/>
+            <pc:sldMk cId="1097528585" sldId="261"/>
+            <ac:cxnSpMk id="54" creationId="{BFC3068B-BF6B-4773-82F4-8DA63F42B67A}"/>
+          </ac:cxnSpMkLst>
+        </pc:cxnChg>
+      </pc:sldChg>
       <pc:sldChg chg="addSp delSp modSp add mod ord">
-        <pc:chgData name="Hugo DEMENEZ" userId="167f3b24-aa49-4d1b-b001-4f9180dfa13d" providerId="ADAL" clId="{7F131F86-5835-4106-9139-BC7AD26F85E4}" dt="2021-06-24T12:18:28.900" v="328" actId="1076"/>
+        <pc:chgData name="Hugo DEMENEZ" userId="167f3b24-aa49-4d1b-b001-4f9180dfa13d" providerId="ADAL" clId="{7F131F86-5835-4106-9139-BC7AD26F85E4}" dt="2021-06-24T12:35:37.056" v="460" actId="692"/>
         <pc:sldMkLst>
           <pc:docMk/>
           <pc:sldMk cId="2802110099" sldId="262"/>
         </pc:sldMkLst>
         <pc:spChg chg="mod">
-          <ac:chgData name="Hugo DEMENEZ" userId="167f3b24-aa49-4d1b-b001-4f9180dfa13d" providerId="ADAL" clId="{7F131F86-5835-4106-9139-BC7AD26F85E4}" dt="2021-06-24T12:18:11.228" v="323" actId="1076"/>
+          <ac:chgData name="Hugo DEMENEZ" userId="167f3b24-aa49-4d1b-b001-4f9180dfa13d" providerId="ADAL" clId="{7F131F86-5835-4106-9139-BC7AD26F85E4}" dt="2021-06-24T12:33:03.253" v="424" actId="1076"/>
           <ac:spMkLst>
             <pc:docMk/>
             <pc:sldMk cId="2802110099" sldId="262"/>
@@ -341,7 +435,7 @@
           </ac:spMkLst>
         </pc:spChg>
         <pc:spChg chg="mod">
-          <ac:chgData name="Hugo DEMENEZ" userId="167f3b24-aa49-4d1b-b001-4f9180dfa13d" providerId="ADAL" clId="{7F131F86-5835-4106-9139-BC7AD26F85E4}" dt="2021-06-24T12:17:00.114" v="308" actId="1076"/>
+          <ac:chgData name="Hugo DEMENEZ" userId="167f3b24-aa49-4d1b-b001-4f9180dfa13d" providerId="ADAL" clId="{7F131F86-5835-4106-9139-BC7AD26F85E4}" dt="2021-06-24T12:34:37.423" v="434" actId="1076"/>
           <ac:spMkLst>
             <pc:docMk/>
             <pc:sldMk cId="2802110099" sldId="262"/>
@@ -357,7 +451,7 @@
           </ac:spMkLst>
         </pc:spChg>
         <pc:spChg chg="add mod">
-          <ac:chgData name="Hugo DEMENEZ" userId="167f3b24-aa49-4d1b-b001-4f9180dfa13d" providerId="ADAL" clId="{7F131F86-5835-4106-9139-BC7AD26F85E4}" dt="2021-06-24T12:12:29.725" v="257" actId="164"/>
+          <ac:chgData name="Hugo DEMENEZ" userId="167f3b24-aa49-4d1b-b001-4f9180dfa13d" providerId="ADAL" clId="{7F131F86-5835-4106-9139-BC7AD26F85E4}" dt="2021-06-24T12:31:21.261" v="392" actId="2085"/>
           <ac:spMkLst>
             <pc:docMk/>
             <pc:sldMk cId="2802110099" sldId="262"/>
@@ -365,7 +459,7 @@
           </ac:spMkLst>
         </pc:spChg>
         <pc:spChg chg="mod">
-          <ac:chgData name="Hugo DEMENEZ" userId="167f3b24-aa49-4d1b-b001-4f9180dfa13d" providerId="ADAL" clId="{7F131F86-5835-4106-9139-BC7AD26F85E4}" dt="2021-06-24T12:17:50.986" v="318" actId="1076"/>
+          <ac:chgData name="Hugo DEMENEZ" userId="167f3b24-aa49-4d1b-b001-4f9180dfa13d" providerId="ADAL" clId="{7F131F86-5835-4106-9139-BC7AD26F85E4}" dt="2021-06-24T12:32:18.594" v="416" actId="1076"/>
           <ac:spMkLst>
             <pc:docMk/>
             <pc:sldMk cId="2802110099" sldId="262"/>
@@ -381,7 +475,7 @@
           </ac:spMkLst>
         </pc:spChg>
         <pc:spChg chg="mod">
-          <ac:chgData name="Hugo DEMENEZ" userId="167f3b24-aa49-4d1b-b001-4f9180dfa13d" providerId="ADAL" clId="{7F131F86-5835-4106-9139-BC7AD26F85E4}" dt="2021-06-24T12:18:28.900" v="328" actId="1076"/>
+          <ac:chgData name="Hugo DEMENEZ" userId="167f3b24-aa49-4d1b-b001-4f9180dfa13d" providerId="ADAL" clId="{7F131F86-5835-4106-9139-BC7AD26F85E4}" dt="2021-06-24T12:34:58.263" v="439" actId="1076"/>
           <ac:spMkLst>
             <pc:docMk/>
             <pc:sldMk cId="2802110099" sldId="262"/>
@@ -389,7 +483,7 @@
           </ac:spMkLst>
         </pc:spChg>
         <pc:spChg chg="mod">
-          <ac:chgData name="Hugo DEMENEZ" userId="167f3b24-aa49-4d1b-b001-4f9180dfa13d" providerId="ADAL" clId="{7F131F86-5835-4106-9139-BC7AD26F85E4}" dt="2021-06-24T12:17:57.356" v="320" actId="1076"/>
+          <ac:chgData name="Hugo DEMENEZ" userId="167f3b24-aa49-4d1b-b001-4f9180dfa13d" providerId="ADAL" clId="{7F131F86-5835-4106-9139-BC7AD26F85E4}" dt="2021-06-24T12:34:47.629" v="436" actId="1076"/>
           <ac:spMkLst>
             <pc:docMk/>
             <pc:sldMk cId="2802110099" sldId="262"/>
@@ -397,7 +491,7 @@
           </ac:spMkLst>
         </pc:spChg>
         <pc:spChg chg="mod">
-          <ac:chgData name="Hugo DEMENEZ" userId="167f3b24-aa49-4d1b-b001-4f9180dfa13d" providerId="ADAL" clId="{7F131F86-5835-4106-9139-BC7AD26F85E4}" dt="2021-06-24T12:17:13.107" v="311" actId="1076"/>
+          <ac:chgData name="Hugo DEMENEZ" userId="167f3b24-aa49-4d1b-b001-4f9180dfa13d" providerId="ADAL" clId="{7F131F86-5835-4106-9139-BC7AD26F85E4}" dt="2021-06-24T12:34:32.435" v="432" actId="122"/>
           <ac:spMkLst>
             <pc:docMk/>
             <pc:sldMk cId="2802110099" sldId="262"/>
@@ -421,7 +515,7 @@
           </ac:spMkLst>
         </pc:spChg>
         <pc:spChg chg="mod">
-          <ac:chgData name="Hugo DEMENEZ" userId="167f3b24-aa49-4d1b-b001-4f9180dfa13d" providerId="ADAL" clId="{7F131F86-5835-4106-9139-BC7AD26F85E4}" dt="2021-06-24T12:14:03.673" v="278" actId="1076"/>
+          <ac:chgData name="Hugo DEMENEZ" userId="167f3b24-aa49-4d1b-b001-4f9180dfa13d" providerId="ADAL" clId="{7F131F86-5835-4106-9139-BC7AD26F85E4}" dt="2021-06-24T12:35:37.056" v="460" actId="692"/>
           <ac:spMkLst>
             <pc:docMk/>
             <pc:sldMk cId="2802110099" sldId="262"/>
@@ -429,23 +523,23 @@
           </ac:spMkLst>
         </pc:spChg>
         <pc:spChg chg="mod">
-          <ac:chgData name="Hugo DEMENEZ" userId="167f3b24-aa49-4d1b-b001-4f9180dfa13d" providerId="ADAL" clId="{7F131F86-5835-4106-9139-BC7AD26F85E4}" dt="2021-06-24T12:13:55.634" v="276"/>
+          <ac:chgData name="Hugo DEMENEZ" userId="167f3b24-aa49-4d1b-b001-4f9180dfa13d" providerId="ADAL" clId="{7F131F86-5835-4106-9139-BC7AD26F85E4}" dt="2021-06-24T12:27:05.733" v="344" actId="2711"/>
           <ac:spMkLst>
             <pc:docMk/>
             <pc:sldMk cId="2802110099" sldId="262"/>
             <ac:spMk id="23" creationId="{CA300025-D2CD-4D07-9BA4-691359C85DDD}"/>
           </ac:spMkLst>
         </pc:spChg>
-        <pc:spChg chg="mod">
-          <ac:chgData name="Hugo DEMENEZ" userId="167f3b24-aa49-4d1b-b001-4f9180dfa13d" providerId="ADAL" clId="{7F131F86-5835-4106-9139-BC7AD26F85E4}" dt="2021-06-24T12:16:27.417" v="297" actId="20577"/>
+        <pc:spChg chg="mod topLvl">
+          <ac:chgData name="Hugo DEMENEZ" userId="167f3b24-aa49-4d1b-b001-4f9180dfa13d" providerId="ADAL" clId="{7F131F86-5835-4106-9139-BC7AD26F85E4}" dt="2021-06-24T12:35:27.927" v="448" actId="692"/>
           <ac:spMkLst>
             <pc:docMk/>
             <pc:sldMk cId="2802110099" sldId="262"/>
             <ac:spMk id="25" creationId="{DB40529E-A380-484B-A252-D5BC701126DF}"/>
           </ac:spMkLst>
         </pc:spChg>
-        <pc:spChg chg="mod">
-          <ac:chgData name="Hugo DEMENEZ" userId="167f3b24-aa49-4d1b-b001-4f9180dfa13d" providerId="ADAL" clId="{7F131F86-5835-4106-9139-BC7AD26F85E4}" dt="2021-06-24T12:16:33.697" v="299"/>
+        <pc:spChg chg="mod topLvl">
+          <ac:chgData name="Hugo DEMENEZ" userId="167f3b24-aa49-4d1b-b001-4f9180dfa13d" providerId="ADAL" clId="{7F131F86-5835-4106-9139-BC7AD26F85E4}" dt="2021-06-24T12:32:02.189" v="413" actId="165"/>
           <ac:spMkLst>
             <pc:docMk/>
             <pc:sldMk cId="2802110099" sldId="262"/>
@@ -453,7 +547,7 @@
           </ac:spMkLst>
         </pc:spChg>
         <pc:spChg chg="mod">
-          <ac:chgData name="Hugo DEMENEZ" userId="167f3b24-aa49-4d1b-b001-4f9180dfa13d" providerId="ADAL" clId="{7F131F86-5835-4106-9139-BC7AD26F85E4}" dt="2021-06-24T12:12:29.725" v="257" actId="164"/>
+          <ac:chgData name="Hugo DEMENEZ" userId="167f3b24-aa49-4d1b-b001-4f9180dfa13d" providerId="ADAL" clId="{7F131F86-5835-4106-9139-BC7AD26F85E4}" dt="2021-06-24T12:35:32.445" v="455" actId="692"/>
           <ac:spMkLst>
             <pc:docMk/>
             <pc:sldMk cId="2802110099" sldId="262"/>
@@ -461,7 +555,7 @@
           </ac:spMkLst>
         </pc:spChg>
         <pc:grpChg chg="add mod">
-          <ac:chgData name="Hugo DEMENEZ" userId="167f3b24-aa49-4d1b-b001-4f9180dfa13d" providerId="ADAL" clId="{7F131F86-5835-4106-9139-BC7AD26F85E4}" dt="2021-06-24T12:18:00.751" v="321" actId="1076"/>
+          <ac:chgData name="Hugo DEMENEZ" userId="167f3b24-aa49-4d1b-b001-4f9180dfa13d" providerId="ADAL" clId="{7F131F86-5835-4106-9139-BC7AD26F85E4}" dt="2021-06-24T12:34:15.950" v="428" actId="1076"/>
           <ac:grpSpMkLst>
             <pc:docMk/>
             <pc:sldMk cId="2802110099" sldId="262"/>
@@ -477,15 +571,15 @@
           </ac:grpSpMkLst>
         </pc:grpChg>
         <pc:grpChg chg="add mod">
-          <ac:chgData name="Hugo DEMENEZ" userId="167f3b24-aa49-4d1b-b001-4f9180dfa13d" providerId="ADAL" clId="{7F131F86-5835-4106-9139-BC7AD26F85E4}" dt="2021-06-24T12:14:39.068" v="286" actId="1076"/>
+          <ac:chgData name="Hugo DEMENEZ" userId="167f3b24-aa49-4d1b-b001-4f9180dfa13d" providerId="ADAL" clId="{7F131F86-5835-4106-9139-BC7AD26F85E4}" dt="2021-06-24T12:34:10.082" v="427" actId="1076"/>
           <ac:grpSpMkLst>
             <pc:docMk/>
             <pc:sldMk cId="2802110099" sldId="262"/>
             <ac:grpSpMk id="21" creationId="{A2920D4B-CD67-4AAD-962B-899AB9B08CB3}"/>
           </ac:grpSpMkLst>
         </pc:grpChg>
-        <pc:grpChg chg="add mod">
-          <ac:chgData name="Hugo DEMENEZ" userId="167f3b24-aa49-4d1b-b001-4f9180dfa13d" providerId="ADAL" clId="{7F131F86-5835-4106-9139-BC7AD26F85E4}" dt="2021-06-24T12:17:20.955" v="312" actId="1076"/>
+        <pc:grpChg chg="add del mod">
+          <ac:chgData name="Hugo DEMENEZ" userId="167f3b24-aa49-4d1b-b001-4f9180dfa13d" providerId="ADAL" clId="{7F131F86-5835-4106-9139-BC7AD26F85E4}" dt="2021-06-24T12:32:02.189" v="413" actId="165"/>
           <ac:grpSpMkLst>
             <pc:docMk/>
             <pc:sldMk cId="2802110099" sldId="262"/>
@@ -493,7 +587,7 @@
           </ac:grpSpMkLst>
         </pc:grpChg>
         <pc:picChg chg="mod">
-          <ac:chgData name="Hugo DEMENEZ" userId="167f3b24-aa49-4d1b-b001-4f9180dfa13d" providerId="ADAL" clId="{7F131F86-5835-4106-9139-BC7AD26F85E4}" dt="2021-06-24T12:17:24.283" v="313" actId="1076"/>
+          <ac:chgData name="Hugo DEMENEZ" userId="167f3b24-aa49-4d1b-b001-4f9180dfa13d" providerId="ADAL" clId="{7F131F86-5835-4106-9139-BC7AD26F85E4}" dt="2021-06-24T12:28:04.480" v="359" actId="207"/>
           <ac:picMkLst>
             <pc:docMk/>
             <pc:sldMk cId="2802110099" sldId="262"/>
@@ -501,11 +595,19 @@
           </ac:picMkLst>
         </pc:picChg>
         <pc:cxnChg chg="mod">
-          <ac:chgData name="Hugo DEMENEZ" userId="167f3b24-aa49-4d1b-b001-4f9180dfa13d" providerId="ADAL" clId="{7F131F86-5835-4106-9139-BC7AD26F85E4}" dt="2021-06-24T12:17:47.681" v="317" actId="14100"/>
+          <ac:chgData name="Hugo DEMENEZ" userId="167f3b24-aa49-4d1b-b001-4f9180dfa13d" providerId="ADAL" clId="{7F131F86-5835-4106-9139-BC7AD26F85E4}" dt="2021-06-24T12:32:11.684" v="415" actId="1076"/>
           <ac:cxnSpMkLst>
             <pc:docMk/>
             <pc:sldMk cId="2802110099" sldId="262"/>
             <ac:cxnSpMk id="3" creationId="{DC8B4E1B-DA99-4E6F-9F0E-F3814BADE0E2}"/>
+          </ac:cxnSpMkLst>
+        </pc:cxnChg>
+        <pc:cxnChg chg="add mod">
+          <ac:chgData name="Hugo DEMENEZ" userId="167f3b24-aa49-4d1b-b001-4f9180dfa13d" providerId="ADAL" clId="{7F131F86-5835-4106-9139-BC7AD26F85E4}" dt="2021-06-24T12:34:10.082" v="427" actId="1076"/>
+          <ac:cxnSpMkLst>
+            <pc:docMk/>
+            <pc:sldMk cId="2802110099" sldId="262"/>
+            <ac:cxnSpMk id="9" creationId="{A7B88FCF-9EBD-4886-93BF-C6C6E97BCDDF}"/>
           </ac:cxnSpMkLst>
         </pc:cxnChg>
         <pc:cxnChg chg="del mod">
@@ -517,24 +619,32 @@
           </ac:cxnSpMkLst>
         </pc:cxnChg>
         <pc:cxnChg chg="mod">
-          <ac:chgData name="Hugo DEMENEZ" userId="167f3b24-aa49-4d1b-b001-4f9180dfa13d" providerId="ADAL" clId="{7F131F86-5835-4106-9139-BC7AD26F85E4}" dt="2021-06-24T12:17:53.941" v="319" actId="1076"/>
+          <ac:chgData name="Hugo DEMENEZ" userId="167f3b24-aa49-4d1b-b001-4f9180dfa13d" providerId="ADAL" clId="{7F131F86-5835-4106-9139-BC7AD26F85E4}" dt="2021-06-24T12:34:18.597" v="429" actId="14100"/>
           <ac:cxnSpMkLst>
             <pc:docMk/>
             <pc:sldMk cId="2802110099" sldId="262"/>
             <ac:cxnSpMk id="12" creationId="{79428F22-5AF7-4248-943F-EBDF6E207B57}"/>
           </ac:cxnSpMkLst>
         </pc:cxnChg>
-        <pc:cxnChg chg="mod">
-          <ac:chgData name="Hugo DEMENEZ" userId="167f3b24-aa49-4d1b-b001-4f9180dfa13d" providerId="ADAL" clId="{7F131F86-5835-4106-9139-BC7AD26F85E4}" dt="2021-06-24T12:18:25.839" v="327" actId="1076"/>
+        <pc:cxnChg chg="del mod">
+          <ac:chgData name="Hugo DEMENEZ" userId="167f3b24-aa49-4d1b-b001-4f9180dfa13d" providerId="ADAL" clId="{7F131F86-5835-4106-9139-BC7AD26F85E4}" dt="2021-06-24T12:27:41.176" v="353" actId="478"/>
           <ac:cxnSpMkLst>
             <pc:docMk/>
             <pc:sldMk cId="2802110099" sldId="262"/>
             <ac:cxnSpMk id="14" creationId="{76AFD5ED-273B-4671-B620-947693BA8583}"/>
           </ac:cxnSpMkLst>
         </pc:cxnChg>
+        <pc:cxnChg chg="add mod">
+          <ac:chgData name="Hugo DEMENEZ" userId="167f3b24-aa49-4d1b-b001-4f9180dfa13d" providerId="ADAL" clId="{7F131F86-5835-4106-9139-BC7AD26F85E4}" dt="2021-06-24T12:32:48.955" v="423" actId="1076"/>
+          <ac:cxnSpMkLst>
+            <pc:docMk/>
+            <pc:sldMk cId="2802110099" sldId="262"/>
+            <ac:cxnSpMk id="29" creationId="{2B02A9E0-2511-472F-BCA5-BBEEC070754B}"/>
+          </ac:cxnSpMkLst>
+        </pc:cxnChg>
       </pc:sldChg>
       <pc:sldChg chg="modSp add mod">
-        <pc:chgData name="Hugo DEMENEZ" userId="167f3b24-aa49-4d1b-b001-4f9180dfa13d" providerId="ADAL" clId="{7F131F86-5835-4106-9139-BC7AD26F85E4}" dt="2021-06-22T13:27:41.851" v="55" actId="207"/>
+        <pc:chgData name="Hugo DEMENEZ" userId="167f3b24-aa49-4d1b-b001-4f9180dfa13d" providerId="ADAL" clId="{7F131F86-5835-4106-9139-BC7AD26F85E4}" dt="2021-06-24T12:28:13.567" v="361" actId="207"/>
         <pc:sldMkLst>
           <pc:docMk/>
           <pc:sldMk cId="853865037" sldId="263"/>
@@ -548,7 +658,7 @@
           </ac:spMkLst>
         </pc:spChg>
         <pc:spChg chg="mod">
-          <ac:chgData name="Hugo DEMENEZ" userId="167f3b24-aa49-4d1b-b001-4f9180dfa13d" providerId="ADAL" clId="{7F131F86-5835-4106-9139-BC7AD26F85E4}" dt="2021-06-22T13:27:41.851" v="55" actId="207"/>
+          <ac:chgData name="Hugo DEMENEZ" userId="167f3b24-aa49-4d1b-b001-4f9180dfa13d" providerId="ADAL" clId="{7F131F86-5835-4106-9139-BC7AD26F85E4}" dt="2021-06-24T12:28:13.567" v="361" actId="207"/>
           <ac:spMkLst>
             <pc:docMk/>
             <pc:sldMk cId="853865037" sldId="263"/>
@@ -572,7 +682,7 @@
         </pc:sldMkLst>
       </pc:sldChg>
       <pc:sldChg chg="addSp delSp modSp new mod">
-        <pc:chgData name="Hugo DEMENEZ" userId="167f3b24-aa49-4d1b-b001-4f9180dfa13d" providerId="ADAL" clId="{7F131F86-5835-4106-9139-BC7AD26F85E4}" dt="2021-06-22T13:44:04.039" v="205" actId="14861"/>
+        <pc:chgData name="Hugo DEMENEZ" userId="167f3b24-aa49-4d1b-b001-4f9180dfa13d" providerId="ADAL" clId="{7F131F86-5835-4106-9139-BC7AD26F85E4}" dt="2021-06-24T12:38:27.476" v="485" actId="1037"/>
         <pc:sldMkLst>
           <pc:docMk/>
           <pc:sldMk cId="1683770341" sldId="264"/>
@@ -593,16 +703,16 @@
             <ac:spMk id="3" creationId="{62BC0EA5-E363-42FE-BF22-E2124F9CAC5B}"/>
           </ac:spMkLst>
         </pc:spChg>
-        <pc:spChg chg="add mod">
-          <ac:chgData name="Hugo DEMENEZ" userId="167f3b24-aa49-4d1b-b001-4f9180dfa13d" providerId="ADAL" clId="{7F131F86-5835-4106-9139-BC7AD26F85E4}" dt="2021-06-22T13:38:03.018" v="85" actId="13822"/>
+        <pc:spChg chg="add del mod">
+          <ac:chgData name="Hugo DEMENEZ" userId="167f3b24-aa49-4d1b-b001-4f9180dfa13d" providerId="ADAL" clId="{7F131F86-5835-4106-9139-BC7AD26F85E4}" dt="2021-06-24T12:37:17.044" v="469" actId="478"/>
           <ac:spMkLst>
             <pc:docMk/>
             <pc:sldMk cId="1683770341" sldId="264"/>
             <ac:spMk id="4" creationId="{CB3616D0-9F07-4458-9993-4468DF52766F}"/>
           </ac:spMkLst>
         </pc:spChg>
-        <pc:spChg chg="add mod">
-          <ac:chgData name="Hugo DEMENEZ" userId="167f3b24-aa49-4d1b-b001-4f9180dfa13d" providerId="ADAL" clId="{7F131F86-5835-4106-9139-BC7AD26F85E4}" dt="2021-06-22T13:38:35.990" v="94" actId="1076"/>
+        <pc:spChg chg="add mod ord">
+          <ac:chgData name="Hugo DEMENEZ" userId="167f3b24-aa49-4d1b-b001-4f9180dfa13d" providerId="ADAL" clId="{7F131F86-5835-4106-9139-BC7AD26F85E4}" dt="2021-06-24T12:38:27.476" v="485" actId="1037"/>
           <ac:spMkLst>
             <pc:docMk/>
             <pc:sldMk cId="1683770341" sldId="264"/>
@@ -618,7 +728,7 @@
           </ac:spMkLst>
         </pc:spChg>
         <pc:graphicFrameChg chg="add mod">
-          <ac:chgData name="Hugo DEMENEZ" userId="167f3b24-aa49-4d1b-b001-4f9180dfa13d" providerId="ADAL" clId="{7F131F86-5835-4106-9139-BC7AD26F85E4}" dt="2021-06-22T13:42:33.726" v="179"/>
+          <ac:chgData name="Hugo DEMENEZ" userId="167f3b24-aa49-4d1b-b001-4f9180dfa13d" providerId="ADAL" clId="{7F131F86-5835-4106-9139-BC7AD26F85E4}" dt="2021-06-24T12:36:10.152" v="462" actId="208"/>
           <ac:graphicFrameMkLst>
             <pc:docMk/>
             <pc:sldMk cId="1683770341" sldId="264"/>
@@ -626,7 +736,15 @@
           </ac:graphicFrameMkLst>
         </pc:graphicFrameChg>
         <pc:picChg chg="add mod">
-          <ac:chgData name="Hugo DEMENEZ" userId="167f3b24-aa49-4d1b-b001-4f9180dfa13d" providerId="ADAL" clId="{7F131F86-5835-4106-9139-BC7AD26F85E4}" dt="2021-06-22T13:43:57.560" v="204" actId="14861"/>
+          <ac:chgData name="Hugo DEMENEZ" userId="167f3b24-aa49-4d1b-b001-4f9180dfa13d" providerId="ADAL" clId="{7F131F86-5835-4106-9139-BC7AD26F85E4}" dt="2021-06-24T12:37:23.522" v="471" actId="1076"/>
+          <ac:picMkLst>
+            <pc:docMk/>
+            <pc:sldMk cId="1683770341" sldId="264"/>
+            <ac:picMk id="3" creationId="{F0E0436E-4E66-4543-9603-E1283204FFB8}"/>
+          </ac:picMkLst>
+        </pc:picChg>
+        <pc:picChg chg="add mod">
+          <ac:chgData name="Hugo DEMENEZ" userId="167f3b24-aa49-4d1b-b001-4f9180dfa13d" providerId="ADAL" clId="{7F131F86-5835-4106-9139-BC7AD26F85E4}" dt="2021-06-24T12:36:42.820" v="466" actId="207"/>
           <ac:picMkLst>
             <pc:docMk/>
             <pc:sldMk cId="1683770341" sldId="264"/>
@@ -634,7 +752,7 @@
           </ac:picMkLst>
         </pc:picChg>
         <pc:picChg chg="add mod">
-          <ac:chgData name="Hugo DEMENEZ" userId="167f3b24-aa49-4d1b-b001-4f9180dfa13d" providerId="ADAL" clId="{7F131F86-5835-4106-9139-BC7AD26F85E4}" dt="2021-06-22T13:44:04.039" v="205" actId="14861"/>
+          <ac:chgData name="Hugo DEMENEZ" userId="167f3b24-aa49-4d1b-b001-4f9180dfa13d" providerId="ADAL" clId="{7F131F86-5835-4106-9139-BC7AD26F85E4}" dt="2021-06-24T12:36:40.850" v="465" actId="207"/>
           <ac:picMkLst>
             <pc:docMk/>
             <pc:sldMk cId="1683770341" sldId="264"/>
@@ -1656,7 +1774,7 @@
           <c:spPr>
             <a:ln w="34925" cap="rnd">
               <a:solidFill>
-                <a:schemeClr val="accent1"/>
+                <a:srgbClr val="137478"/>
               </a:solidFill>
               <a:round/>
             </a:ln>
@@ -1736,7 +1854,7 @@
           <c:spPr>
             <a:ln w="34925" cap="rnd">
               <a:solidFill>
-                <a:schemeClr val="accent2"/>
+                <a:srgbClr val="1CA9B0"/>
               </a:solidFill>
               <a:round/>
             </a:ln>
@@ -6010,7 +6128,7 @@
               </a:avLst>
             </a:prstGeom>
             <a:solidFill>
-              <a:srgbClr val="3AB395"/>
+              <a:srgbClr val="137478"/>
             </a:solidFill>
             <a:ln>
               <a:solidFill>
@@ -6032,10 +6150,7 @@
               <a:r>
                 <a:rPr lang="fr-FR" b="1" dirty="0">
                   <a:solidFill>
-                    <a:schemeClr val="tx1">
-                      <a:lumMod val="75000"/>
-                      <a:lumOff val="25000"/>
-                    </a:schemeClr>
+                    <a:schemeClr val="bg1"/>
                   </a:solidFill>
                 </a:rPr>
                 <a:t>Connexion</a:t>
@@ -6590,7 +6705,7 @@
               </a:avLst>
             </a:prstGeom>
             <a:solidFill>
-              <a:srgbClr val="3AB395"/>
+              <a:srgbClr val="137478"/>
             </a:solidFill>
             <a:ln>
               <a:solidFill>
@@ -6611,10 +6726,7 @@
               <a:r>
                 <a:rPr lang="fr-FR" b="1" dirty="0">
                   <a:solidFill>
-                    <a:schemeClr val="tx1">
-                      <a:lumMod val="75000"/>
-                      <a:lumOff val="25000"/>
-                    </a:schemeClr>
+                    <a:schemeClr val="bg1"/>
                   </a:solidFill>
                 </a:rPr>
                 <a:t>Inscription</a:t>
@@ -7234,90 +7346,6 @@
           <a:chExt cx="0" cy="0"/>
         </a:xfrm>
       </p:grpSpPr>
-      <p:sp>
-        <p:nvSpPr>
-          <p:cNvPr id="4" name="Soleil 3">
-            <a:extLst>
-              <a:ext uri="{FF2B5EF4-FFF2-40B4-BE49-F238E27FC236}">
-                <a16:creationId xmlns:a16="http://schemas.microsoft.com/office/drawing/2014/main" id="{CB3616D0-9F07-4458-9993-4468DF52766F}"/>
-              </a:ext>
-            </a:extLst>
-          </p:cNvPr>
-          <p:cNvSpPr/>
-          <p:nvPr/>
-        </p:nvSpPr>
-        <p:spPr>
-          <a:xfrm>
-            <a:off x="357447" y="216131"/>
-            <a:ext cx="573578" cy="573578"/>
-          </a:xfrm>
-          <a:prstGeom prst="sun">
-            <a:avLst/>
-          </a:prstGeom>
-        </p:spPr>
-        <p:style>
-          <a:lnRef idx="2">
-            <a:schemeClr val="accent4">
-              <a:shade val="50000"/>
-            </a:schemeClr>
-          </a:lnRef>
-          <a:fillRef idx="1">
-            <a:schemeClr val="accent4"/>
-          </a:fillRef>
-          <a:effectRef idx="0">
-            <a:schemeClr val="accent4"/>
-          </a:effectRef>
-          <a:fontRef idx="minor">
-            <a:schemeClr val="lt1"/>
-          </a:fontRef>
-        </p:style>
-        <p:txBody>
-          <a:bodyPr rtlCol="0" anchor="ctr"/>
-          <a:lstStyle/>
-          <a:p>
-            <a:pPr algn="ctr"/>
-            <a:endParaRPr lang="fr-FR" dirty="0"/>
-          </a:p>
-        </p:txBody>
-      </p:sp>
-      <p:sp>
-        <p:nvSpPr>
-          <p:cNvPr id="5" name="ZoneTexte 4">
-            <a:extLst>
-              <a:ext uri="{FF2B5EF4-FFF2-40B4-BE49-F238E27FC236}">
-                <a16:creationId xmlns:a16="http://schemas.microsoft.com/office/drawing/2014/main" id="{4C58413D-A6FF-4572-9B35-1EF169079D94}"/>
-              </a:ext>
-            </a:extLst>
-          </p:cNvPr>
-          <p:cNvSpPr txBox="1"/>
-          <p:nvPr/>
-        </p:nvSpPr>
-        <p:spPr>
-          <a:xfrm>
-            <a:off x="803563" y="146057"/>
-            <a:ext cx="750526" cy="369332"/>
-          </a:xfrm>
-          <a:prstGeom prst="rect">
-            <a:avLst/>
-          </a:prstGeom>
-          <a:noFill/>
-        </p:spPr>
-        <p:txBody>
-          <a:bodyPr wrap="none" rtlCol="0">
-            <a:spAutoFit/>
-          </a:bodyPr>
-          <a:lstStyle/>
-          <a:p>
-            <a:r>
-              <a:rPr lang="fr-FR" b="1" dirty="0">
-                <a:latin typeface="Poppins" panose="00000500000000000000" pitchFamily="2" charset="0"/>
-                <a:cs typeface="Poppins" panose="00000500000000000000" pitchFamily="2" charset="0"/>
-              </a:rPr>
-              <a:t>25°C</a:t>
-            </a:r>
-          </a:p>
-        </p:txBody>
-      </p:sp>
       <p:pic>
         <p:nvPicPr>
           <p:cNvPr id="7" name="Graphique 6" descr="Discours avec un remplissage uni">
@@ -7423,7 +7451,7 @@
           <p:nvPr>
             <p:extLst>
               <p:ext uri="{D42A27DB-BD31-4B8C-83A1-F6EECF244321}">
-                <p14:modId xmlns:p14="http://schemas.microsoft.com/office/powerpoint/2010/main" val="1207545188"/>
+                <p14:modId xmlns:p14="http://schemas.microsoft.com/office/powerpoint/2010/main" val="3774427335"/>
               </p:ext>
             </p:extLst>
           </p:nvPr>
@@ -7504,6 +7532,86 @@
           </a:p>
         </p:txBody>
       </p:sp>
+      <p:pic>
+        <p:nvPicPr>
+          <p:cNvPr id="3" name="Graphique 2" descr="Partiellement ensoleillé avec un remplissage uni">
+            <a:extLst>
+              <a:ext uri="{FF2B5EF4-FFF2-40B4-BE49-F238E27FC236}">
+                <a16:creationId xmlns:a16="http://schemas.microsoft.com/office/drawing/2014/main" id="{F0E0436E-4E66-4543-9603-E1283204FFB8}"/>
+              </a:ext>
+            </a:extLst>
+          </p:cNvPr>
+          <p:cNvPicPr>
+            <a:picLocks noChangeAspect="1"/>
+          </p:cNvPicPr>
+          <p:nvPr/>
+        </p:nvPicPr>
+        <p:blipFill>
+          <a:blip r:embed="rId7">
+            <a:extLst>
+              <a:ext uri="{28A0092B-C50C-407E-A947-70E740481C1C}">
+                <a14:useLocalDpi xmlns:a14="http://schemas.microsoft.com/office/drawing/2010/main" val="0"/>
+              </a:ext>
+              <a:ext uri="{96DAC541-7B7A-43D3-8B79-37D633B846F1}">
+                <asvg:svgBlip xmlns:asvg="http://schemas.microsoft.com/office/drawing/2016/SVG/main" r:embed="rId8"/>
+              </a:ext>
+            </a:extLst>
+          </a:blip>
+          <a:stretch>
+            <a:fillRect/>
+          </a:stretch>
+        </p:blipFill>
+        <p:spPr>
+          <a:xfrm>
+            <a:off x="205367" y="0"/>
+            <a:ext cx="914400" cy="914400"/>
+          </a:xfrm>
+          <a:prstGeom prst="rect">
+            <a:avLst/>
+          </a:prstGeom>
+        </p:spPr>
+      </p:pic>
+      <p:sp>
+        <p:nvSpPr>
+          <p:cNvPr id="5" name="ZoneTexte 4">
+            <a:extLst>
+              <a:ext uri="{FF2B5EF4-FFF2-40B4-BE49-F238E27FC236}">
+                <a16:creationId xmlns:a16="http://schemas.microsoft.com/office/drawing/2014/main" id="{4C58413D-A6FF-4572-9B35-1EF169079D94}"/>
+              </a:ext>
+            </a:extLst>
+          </p:cNvPr>
+          <p:cNvSpPr txBox="1"/>
+          <p:nvPr/>
+        </p:nvSpPr>
+        <p:spPr>
+          <a:xfrm>
+            <a:off x="702964" y="738328"/>
+            <a:ext cx="750526" cy="369332"/>
+          </a:xfrm>
+          <a:prstGeom prst="rect">
+            <a:avLst/>
+          </a:prstGeom>
+          <a:noFill/>
+          <a:ln>
+            <a:noFill/>
+          </a:ln>
+        </p:spPr>
+        <p:txBody>
+          <a:bodyPr wrap="none" rtlCol="0">
+            <a:spAutoFit/>
+          </a:bodyPr>
+          <a:lstStyle/>
+          <a:p>
+            <a:r>
+              <a:rPr lang="fr-FR" b="1" dirty="0">
+                <a:latin typeface="Poppins" panose="00000500000000000000" pitchFamily="2" charset="0"/>
+                <a:cs typeface="Poppins" panose="00000500000000000000" pitchFamily="2" charset="0"/>
+              </a:rPr>
+              <a:t>25°C</a:t>
+            </a:r>
+          </a:p>
+        </p:txBody>
+      </p:sp>
     </p:spTree>
     <p:extLst>
       <p:ext uri="{BB962C8B-B14F-4D97-AF65-F5344CB8AC3E}">
@@ -7587,7 +7695,7 @@
         </p:nvSpPr>
         <p:spPr>
           <a:xfrm>
-            <a:off x="1071475" y="664262"/>
+            <a:off x="1221565" y="1375139"/>
             <a:ext cx="1980000" cy="1200150"/>
           </a:xfrm>
           <a:prstGeom prst="ellipse">
@@ -7596,9 +7704,9 @@
           <a:solidFill>
             <a:schemeClr val="bg1"/>
           </a:solidFill>
-          <a:ln>
+          <a:ln w="25400">
             <a:solidFill>
-              <a:srgbClr val="3AB395"/>
+              <a:srgbClr val="137478"/>
             </a:solidFill>
           </a:ln>
           <a:effectLst/>
@@ -7629,7 +7737,8 @@
                 <a:solidFill>
                   <a:schemeClr val="tx1"/>
                 </a:solidFill>
-                <a:cs typeface="Calibri"/>
+                <a:latin typeface="Poppins" panose="00000500000000000000" pitchFamily="2" charset="0"/>
+                <a:cs typeface="Poppins" panose="00000500000000000000" pitchFamily="2" charset="0"/>
               </a:rPr>
               <a:t>Obtenir</a:t>
             </a:r>
@@ -7650,7 +7759,7 @@
         </p:nvSpPr>
         <p:spPr>
           <a:xfrm>
-            <a:off x="9176107" y="683312"/>
+            <a:off x="8989018" y="1363513"/>
             <a:ext cx="1980000" cy="1200150"/>
           </a:xfrm>
           <a:prstGeom prst="ellipse">
@@ -7659,9 +7768,9 @@
           <a:solidFill>
             <a:schemeClr val="bg1"/>
           </a:solidFill>
-          <a:ln>
+          <a:ln w="25400">
             <a:solidFill>
-              <a:srgbClr val="3AB395"/>
+              <a:srgbClr val="137478"/>
             </a:solidFill>
           </a:ln>
           <a:effectLst/>
@@ -7688,11 +7797,12 @@
           <a:p>
             <a:pPr algn="ctr"/>
             <a:r>
-              <a:rPr lang="fr-CA">
+              <a:rPr lang="fr-CA" dirty="0">
                 <a:solidFill>
                   <a:schemeClr val="tx1"/>
                 </a:solidFill>
-                <a:cs typeface="Calibri"/>
+                <a:latin typeface="Poppins" panose="00000500000000000000" pitchFamily="2" charset="0"/>
+                <a:cs typeface="Poppins" panose="00000500000000000000" pitchFamily="2" charset="0"/>
               </a:rPr>
               <a:t>Posséder</a:t>
             </a:r>
@@ -7715,12 +7825,17 @@
         </p:nvCxnSpPr>
         <p:spPr>
           <a:xfrm>
-            <a:off x="7942761" y="1264337"/>
-            <a:ext cx="921321" cy="0"/>
+            <a:off x="7962814" y="1954186"/>
+            <a:ext cx="1026204" cy="0"/>
           </a:xfrm>
           <a:prstGeom prst="straightConnector1">
             <a:avLst/>
           </a:prstGeom>
+          <a:ln w="25400">
+            <a:solidFill>
+              <a:srgbClr val="137478"/>
+            </a:solidFill>
+          </a:ln>
         </p:spPr>
         <p:style>
           <a:lnRef idx="1">
@@ -7748,55 +7863,23 @@
           </p:cNvPr>
           <p:cNvCxnSpPr>
             <a:cxnSpLocks/>
-          </p:cNvCxnSpPr>
-          <p:nvPr/>
-        </p:nvCxnSpPr>
-        <p:spPr>
-          <a:xfrm flipH="1" flipV="1">
-            <a:off x="10161662" y="1879330"/>
-            <a:ext cx="9525" cy="1247775"/>
-          </a:xfrm>
-          <a:prstGeom prst="straightConnector1">
-            <a:avLst/>
-          </a:prstGeom>
-        </p:spPr>
-        <p:style>
-          <a:lnRef idx="1">
-            <a:schemeClr val="dk1"/>
-          </a:lnRef>
-          <a:fillRef idx="0">
-            <a:schemeClr val="dk1"/>
-          </a:fillRef>
-          <a:effectRef idx="0">
-            <a:schemeClr val="dk1"/>
-          </a:effectRef>
-          <a:fontRef idx="minor">
-            <a:schemeClr val="tx1"/>
-          </a:fontRef>
-        </p:style>
-      </p:cxnSp>
-      <p:cxnSp>
-        <p:nvCxnSpPr>
-          <p:cNvPr id="14" name="Connecteur droit avec flèche 13">
-            <a:extLst>
-              <a:ext uri="{FF2B5EF4-FFF2-40B4-BE49-F238E27FC236}">
-                <a16:creationId xmlns:a16="http://schemas.microsoft.com/office/drawing/2014/main" id="{76AFD5ED-273B-4671-B620-947693BA8583}"/>
-              </a:ext>
-            </a:extLst>
-          </p:cNvPr>
-          <p:cNvCxnSpPr>
-            <a:cxnSpLocks/>
+            <a:stCxn id="36" idx="0"/>
           </p:cNvCxnSpPr>
           <p:nvPr/>
         </p:nvCxnSpPr>
         <p:spPr>
           <a:xfrm flipV="1">
-            <a:off x="2056712" y="1869804"/>
-            <a:ext cx="9525" cy="1266825"/>
+            <a:off x="9974254" y="2575290"/>
+            <a:ext cx="2" cy="1565098"/>
           </a:xfrm>
           <a:prstGeom prst="straightConnector1">
             <a:avLst/>
           </a:prstGeom>
+          <a:ln w="25400">
+            <a:solidFill>
+              <a:srgbClr val="137478"/>
+            </a:solidFill>
+          </a:ln>
         </p:spPr>
         <p:style>
           <a:lnRef idx="1">
@@ -7827,7 +7910,7 @@
         </p:nvSpPr>
         <p:spPr>
           <a:xfrm>
-            <a:off x="3753027" y="951754"/>
+            <a:off x="3376529" y="1605882"/>
             <a:ext cx="676275" cy="369332"/>
           </a:xfrm>
           <a:prstGeom prst="rect">
@@ -7844,7 +7927,7 @@
           </a:bodyPr>
           <a:lstStyle/>
           <a:p>
-            <a:pPr algn="l"/>
+            <a:pPr algn="ctr"/>
             <a:r>
               <a:rPr lang="fr-CA" dirty="0">
                 <a:cs typeface="Calibri"/>
@@ -7868,7 +7951,7 @@
         </p:nvSpPr>
         <p:spPr>
           <a:xfrm>
-            <a:off x="2069979" y="2829845"/>
+            <a:off x="1525766" y="3108056"/>
             <a:ext cx="676275" cy="369332"/>
           </a:xfrm>
           <a:prstGeom prst="rect">
@@ -7885,7 +7968,7 @@
           </a:bodyPr>
           <a:lstStyle/>
           <a:p>
-            <a:pPr algn="l"/>
+            <a:pPr algn="ctr"/>
             <a:r>
               <a:rPr lang="fr-CA" dirty="0">
                 <a:cs typeface="Calibri"/>
@@ -7909,7 +7992,7 @@
         </p:nvSpPr>
         <p:spPr>
           <a:xfrm>
-            <a:off x="9450778" y="2507144"/>
+            <a:off x="9307505" y="3098790"/>
             <a:ext cx="676275" cy="369332"/>
           </a:xfrm>
           <a:prstGeom prst="rect">
@@ -7926,7 +8009,7 @@
           </a:bodyPr>
           <a:lstStyle/>
           <a:p>
-            <a:pPr algn="l"/>
+            <a:pPr algn="ctr"/>
             <a:r>
               <a:rPr lang="fr-CA" dirty="0">
                 <a:cs typeface="Calibri"/>
@@ -7950,7 +8033,7 @@
         </p:nvSpPr>
         <p:spPr>
           <a:xfrm>
-            <a:off x="7977470" y="951754"/>
+            <a:off x="8207524" y="1566462"/>
             <a:ext cx="676275" cy="369332"/>
           </a:xfrm>
           <a:prstGeom prst="rect">
@@ -7967,7 +8050,7 @@
           </a:bodyPr>
           <a:lstStyle/>
           <a:p>
-            <a:pPr algn="l"/>
+            <a:pPr algn="ctr"/>
             <a:r>
               <a:rPr lang="fr-CA" dirty="0">
                 <a:cs typeface="Calibri"/>
@@ -7991,7 +8074,7 @@
         </p:nvGrpSpPr>
         <p:grpSpPr>
           <a:xfrm>
-            <a:off x="8811149" y="3127105"/>
+            <a:off x="8614217" y="4140388"/>
             <a:ext cx="2720075" cy="2246365"/>
             <a:chOff x="6595188" y="3465845"/>
             <a:chExt cx="3733194" cy="2439845"/>
@@ -8022,9 +8105,9 @@
             <a:solidFill>
               <a:srgbClr val="FFFFFF"/>
             </a:solidFill>
-            <a:ln w="9525">
+            <a:ln w="25400">
               <a:solidFill>
-                <a:srgbClr val="000000"/>
+                <a:srgbClr val="137478"/>
               </a:solidFill>
               <a:miter lim="800000"/>
               <a:headEnd/>
@@ -8048,9 +8131,9 @@
               <a:r>
                 <a:rPr lang="fr-FR" dirty="0">
                   <a:effectLst/>
-                  <a:latin typeface="Calibri" panose="020F0502020204030204" pitchFamily="34" charset="0"/>
+                  <a:latin typeface="Poppins" panose="00000500000000000000" pitchFamily="2" charset="0"/>
                   <a:ea typeface="Calibri" panose="020F0502020204030204" pitchFamily="34" charset="0"/>
-                  <a:cs typeface="Times New Roman" panose="02020603050405020304" pitchFamily="18" charset="0"/>
+                  <a:cs typeface="Poppins" panose="00000500000000000000" pitchFamily="2" charset="0"/>
                 </a:rPr>
                 <a:t>Planning</a:t>
               </a:r>
@@ -8086,12 +8169,15 @@
           <p:spPr>
             <a:xfrm>
               <a:off x="6595188" y="4044500"/>
-              <a:ext cx="3733194" cy="1561005"/>
+              <a:ext cx="3733194" cy="1531097"/>
             </a:xfrm>
             <a:prstGeom prst="rect">
               <a:avLst/>
             </a:prstGeom>
             <a:noFill/>
+            <a:ln>
+              <a:noFill/>
+            </a:ln>
           </p:spPr>
           <p:txBody>
             <a:bodyPr wrap="square" numCol="2" rtlCol="0">
@@ -8107,18 +8193,18 @@
                 <a:buChar char="•"/>
               </a:pPr>
               <a:r>
-                <a:rPr lang="fr-FR" u="heavy" dirty="0" err="1">
-                  <a:latin typeface="Calibri"/>
+                <a:rPr lang="fr-FR" sz="1600" u="heavy" dirty="0" err="1">
+                  <a:latin typeface="Poppins" panose="00000500000000000000" pitchFamily="2" charset="0"/>
                   <a:ea typeface="Calibri" panose="020F0502020204030204" pitchFamily="34" charset="0"/>
-                  <a:cs typeface="Times New Roman"/>
+                  <a:cs typeface="Poppins" panose="00000500000000000000" pitchFamily="2" charset="0"/>
                 </a:rPr>
                 <a:t>subject</a:t>
               </a:r>
-              <a:endParaRPr lang="fr-FR" u="heavy" dirty="0">
+              <a:endParaRPr lang="fr-FR" sz="1600" u="heavy" dirty="0">
                 <a:effectLst/>
-                <a:latin typeface="Calibri"/>
+                <a:latin typeface="Poppins" panose="00000500000000000000" pitchFamily="2" charset="0"/>
                 <a:ea typeface="Calibri" panose="020F0502020204030204" pitchFamily="34" charset="0"/>
-                <a:cs typeface="Times New Roman" panose="02020603050405020304" pitchFamily="18" charset="0"/>
+                <a:cs typeface="Poppins" panose="00000500000000000000" pitchFamily="2" charset="0"/>
               </a:endParaRPr>
             </a:p>
             <a:p>
@@ -8130,18 +8216,18 @@
                 <a:buChar char="•"/>
               </a:pPr>
               <a:r>
-                <a:rPr lang="fr-FR" dirty="0" err="1">
-                  <a:latin typeface="Calibri"/>
+                <a:rPr lang="fr-FR" sz="1600" dirty="0" err="1">
+                  <a:latin typeface="Poppins" panose="00000500000000000000" pitchFamily="2" charset="0"/>
                   <a:ea typeface="Calibri" panose="020F0502020204030204" pitchFamily="34" charset="0"/>
-                  <a:cs typeface="Times New Roman"/>
+                  <a:cs typeface="Poppins" panose="00000500000000000000" pitchFamily="2" charset="0"/>
                 </a:rPr>
                 <a:t>teacher</a:t>
               </a:r>
-              <a:endParaRPr lang="fr-FR" dirty="0">
+              <a:endParaRPr lang="fr-FR" sz="1600" dirty="0">
                 <a:effectLst/>
-                <a:latin typeface="Calibri"/>
+                <a:latin typeface="Poppins" panose="00000500000000000000" pitchFamily="2" charset="0"/>
                 <a:ea typeface="Calibri" panose="020F0502020204030204" pitchFamily="34" charset="0"/>
-                <a:cs typeface="Times New Roman" panose="02020603050405020304" pitchFamily="18" charset="0"/>
+                <a:cs typeface="Poppins" panose="00000500000000000000" pitchFamily="2" charset="0"/>
               </a:endParaRPr>
             </a:p>
             <a:p>
@@ -8153,17 +8239,35 @@
                 <a:buChar char="•"/>
               </a:pPr>
               <a:r>
-                <a:rPr lang="fr-FR" dirty="0">
-                  <a:latin typeface="Calibri"/>
+                <a:rPr lang="fr-FR" sz="1600" dirty="0">
+                  <a:latin typeface="Poppins" panose="00000500000000000000" pitchFamily="2" charset="0"/>
                   <a:ea typeface="Calibri" panose="020F0502020204030204" pitchFamily="34" charset="0"/>
-                  <a:cs typeface="Times New Roman"/>
+                  <a:cs typeface="Poppins" panose="00000500000000000000" pitchFamily="2" charset="0"/>
                 </a:rPr>
                 <a:t>room</a:t>
               </a:r>
-              <a:endParaRPr lang="fr-FR" dirty="0">
-                <a:latin typeface="Calibri"/>
+            </a:p>
+            <a:p>
+              <a:pPr marL="171450" lvl="0" indent="-171450">
+                <a:lnSpc>
+                  <a:spcPct val="107000"/>
+                </a:lnSpc>
+                <a:buFont typeface="Arial" panose="020B0604020202020204" pitchFamily="34" charset="0"/>
+                <a:buChar char="•"/>
+              </a:pPr>
+              <a:r>
+                <a:rPr lang="fr-FR" sz="1600" dirty="0">
+                  <a:latin typeface="Poppins" panose="00000500000000000000" pitchFamily="2" charset="0"/>
+                  <a:ea typeface="Calibri" panose="020F0502020204030204" pitchFamily="34" charset="0"/>
+                  <a:cs typeface="Poppins" panose="00000500000000000000" pitchFamily="2" charset="0"/>
+                </a:rPr>
+                <a:t>date</a:t>
+              </a:r>
+              <a:endParaRPr lang="fr-FR" sz="1600" dirty="0">
+                <a:effectLst/>
+                <a:latin typeface="Poppins" panose="00000500000000000000" pitchFamily="2" charset="0"/>
                 <a:ea typeface="Calibri" panose="020F0502020204030204" pitchFamily="34" charset="0"/>
-                <a:cs typeface="Times New Roman" panose="02020603050405020304" pitchFamily="18" charset="0"/>
+                <a:cs typeface="Poppins" panose="00000500000000000000" pitchFamily="2" charset="0"/>
               </a:endParaRPr>
             </a:p>
             <a:p>
@@ -8175,18 +8279,18 @@
                 <a:buChar char="•"/>
               </a:pPr>
               <a:r>
-                <a:rPr lang="fr-FR" dirty="0">
-                  <a:latin typeface="Calibri"/>
+                <a:rPr lang="fr-FR" sz="1600" dirty="0">
+                  <a:latin typeface="Poppins" panose="00000500000000000000" pitchFamily="2" charset="0"/>
                   <a:ea typeface="Calibri" panose="020F0502020204030204" pitchFamily="34" charset="0"/>
-                  <a:cs typeface="Times New Roman"/>
+                  <a:cs typeface="Poppins" panose="00000500000000000000" pitchFamily="2" charset="0"/>
                 </a:rPr>
-                <a:t>date</a:t>
+                <a:t>start</a:t>
               </a:r>
-              <a:endParaRPr lang="fr-FR" dirty="0">
+              <a:endParaRPr lang="fr-FR" sz="1600" dirty="0">
                 <a:effectLst/>
-                <a:latin typeface="Calibri"/>
+                <a:latin typeface="Poppins" panose="00000500000000000000" pitchFamily="2" charset="0"/>
                 <a:ea typeface="Calibri" panose="020F0502020204030204" pitchFamily="34" charset="0"/>
-                <a:cs typeface="Times New Roman" panose="02020603050405020304" pitchFamily="18" charset="0"/>
+                <a:cs typeface="Poppins" panose="00000500000000000000" pitchFamily="2" charset="0"/>
               </a:endParaRPr>
             </a:p>
             <a:p>
@@ -8198,41 +8302,18 @@
                 <a:buChar char="•"/>
               </a:pPr>
               <a:r>
-                <a:rPr lang="fr-FR" dirty="0">
-                  <a:latin typeface="Calibri"/>
+                <a:rPr lang="fr-FR" sz="1600" dirty="0">
+                  <a:latin typeface="Poppins" panose="00000500000000000000" pitchFamily="2" charset="0"/>
                   <a:ea typeface="Calibri" panose="020F0502020204030204" pitchFamily="34" charset="0"/>
-                  <a:cs typeface="Times New Roman"/>
-                </a:rPr>
-                <a:t>start</a:t>
-              </a:r>
-              <a:endParaRPr lang="fr-FR" dirty="0">
-                <a:effectLst/>
-                <a:latin typeface="Calibri"/>
-                <a:ea typeface="Calibri" panose="020F0502020204030204" pitchFamily="34" charset="0"/>
-                <a:cs typeface="Times New Roman" panose="02020603050405020304" pitchFamily="18" charset="0"/>
-              </a:endParaRPr>
-            </a:p>
-            <a:p>
-              <a:pPr marL="171450" lvl="0" indent="-171450">
-                <a:lnSpc>
-                  <a:spcPct val="107000"/>
-                </a:lnSpc>
-                <a:buFont typeface="Arial" panose="020B0604020202020204" pitchFamily="34" charset="0"/>
-                <a:buChar char="•"/>
-              </a:pPr>
-              <a:r>
-                <a:rPr lang="fr-FR" dirty="0">
-                  <a:latin typeface="Calibri"/>
-                  <a:ea typeface="Calibri" panose="020F0502020204030204" pitchFamily="34" charset="0"/>
-                  <a:cs typeface="Times New Roman"/>
+                  <a:cs typeface="Poppins" panose="00000500000000000000" pitchFamily="2" charset="0"/>
                 </a:rPr>
                 <a:t>end</a:t>
               </a:r>
-              <a:endParaRPr lang="fr-FR" dirty="0">
+              <a:endParaRPr lang="fr-FR" sz="1600" dirty="0">
                 <a:effectLst/>
-                <a:latin typeface="Calibri"/>
+                <a:latin typeface="Poppins" panose="00000500000000000000" pitchFamily="2" charset="0"/>
                 <a:ea typeface="Calibri" panose="020F0502020204030204" pitchFamily="34" charset="0"/>
-                <a:cs typeface="Times New Roman" panose="02020603050405020304" pitchFamily="18" charset="0"/>
+                <a:cs typeface="Poppins" panose="00000500000000000000" pitchFamily="2" charset="0"/>
               </a:endParaRPr>
             </a:p>
             <a:p>
@@ -8244,10 +8325,10 @@
                 <a:buChar char="•"/>
               </a:pPr>
               <a:r>
-                <a:rPr lang="fr-FR" dirty="0">
-                  <a:latin typeface="Calibri"/>
+                <a:rPr lang="fr-FR" sz="1600" dirty="0">
+                  <a:latin typeface="Poppins" panose="00000500000000000000" pitchFamily="2" charset="0"/>
                   <a:ea typeface="Calibri" panose="020F0502020204030204" pitchFamily="34" charset="0"/>
-                  <a:cs typeface="Times New Roman"/>
+                  <a:cs typeface="Poppins" panose="00000500000000000000" pitchFamily="2" charset="0"/>
                 </a:rPr>
                 <a:t>id</a:t>
               </a:r>
@@ -8261,15 +8342,18 @@
                 <a:buChar char="•"/>
               </a:pPr>
               <a:r>
-                <a:rPr lang="fr-FR" u="dotted" dirty="0" err="1">
+                <a:rPr lang="fr-FR" sz="1600" u="dotted" dirty="0" err="1">
                   <a:effectLst/>
-                  <a:latin typeface="Calibri" panose="020F0502020204030204" pitchFamily="34" charset="0"/>
+                  <a:latin typeface="Poppins" panose="00000500000000000000" pitchFamily="2" charset="0"/>
                   <a:ea typeface="Calibri" panose="020F0502020204030204" pitchFamily="34" charset="0"/>
-                  <a:cs typeface="Times New Roman" panose="02020603050405020304" pitchFamily="18" charset="0"/>
+                  <a:cs typeface="Poppins" panose="00000500000000000000" pitchFamily="2" charset="0"/>
                 </a:rPr>
                 <a:t>Username</a:t>
               </a:r>
-              <a:endParaRPr lang="fr-FR" dirty="0"/>
+              <a:endParaRPr lang="fr-FR" sz="1600" dirty="0">
+                <a:latin typeface="Poppins" panose="00000500000000000000" pitchFamily="2" charset="0"/>
+                <a:cs typeface="Poppins" panose="00000500000000000000" pitchFamily="2" charset="0"/>
+              </a:endParaRPr>
             </a:p>
           </p:txBody>
         </p:sp>
@@ -8288,8 +8372,8 @@
         </p:nvGrpSpPr>
         <p:grpSpPr>
           <a:xfrm>
-            <a:off x="714677" y="3489649"/>
-            <a:ext cx="3733194" cy="1981979"/>
+            <a:off x="857709" y="4140388"/>
+            <a:ext cx="2720075" cy="2246363"/>
             <a:chOff x="6595188" y="3465845"/>
             <a:chExt cx="3733194" cy="2439845"/>
           </a:xfrm>
@@ -8319,9 +8403,9 @@
             <a:solidFill>
               <a:srgbClr val="FFFFFF"/>
             </a:solidFill>
-            <a:ln w="9525">
+            <a:ln w="25400">
               <a:solidFill>
-                <a:srgbClr val="000000"/>
+                <a:srgbClr val="137478"/>
               </a:solidFill>
               <a:miter lim="800000"/>
               <a:headEnd/>
@@ -8344,12 +8428,15 @@
               </a:pPr>
               <a:r>
                 <a:rPr lang="fr-FR" sz="1800" dirty="0">
-                  <a:latin typeface="Calibri"/>
-                  <a:cs typeface="Times New Roman"/>
+                  <a:latin typeface="Poppins" panose="00000500000000000000" pitchFamily="2" charset="0"/>
+                  <a:cs typeface="Poppins" panose="00000500000000000000" pitchFamily="2" charset="0"/>
                 </a:rPr>
                 <a:t>Marks</a:t>
               </a:r>
-              <a:endParaRPr lang="fr-FR" sz="3200" dirty="0"/>
+              <a:endParaRPr lang="fr-FR" sz="3200" dirty="0">
+                <a:latin typeface="Poppins" panose="00000500000000000000" pitchFamily="2" charset="0"/>
+                <a:cs typeface="Poppins" panose="00000500000000000000" pitchFamily="2" charset="0"/>
+              </a:endParaRPr>
             </a:p>
             <a:p>
               <a:pPr marL="628650" lvl="1" indent="-171450">
@@ -8382,7 +8469,7 @@
           <p:spPr>
             <a:xfrm>
               <a:off x="6595188" y="4044500"/>
-              <a:ext cx="3733194" cy="1496692"/>
+              <a:ext cx="3733194" cy="902572"/>
             </a:xfrm>
             <a:prstGeom prst="rect">
               <a:avLst/>
@@ -8400,17 +8487,17 @@
                 <a:buChar char="•"/>
               </a:pPr>
               <a:r>
-                <a:rPr lang="fr-FR" sz="1800" u="heavy" dirty="0" err="1">
-                  <a:latin typeface="Calibri"/>
+                <a:rPr lang="fr-FR" sz="1600" u="heavy" dirty="0" err="1">
+                  <a:latin typeface="Poppins" panose="00000500000000000000" pitchFamily="2" charset="0"/>
                   <a:ea typeface="Calibri" panose="020F0502020204030204" pitchFamily="34" charset="0"/>
-                  <a:cs typeface="Times New Roman"/>
+                  <a:cs typeface="Poppins" panose="00000500000000000000" pitchFamily="2" charset="0"/>
                 </a:rPr>
                 <a:t>title</a:t>
               </a:r>
-              <a:endParaRPr lang="fr-FR" sz="1800" u="heavy" dirty="0">
-                <a:latin typeface="Calibri"/>
+              <a:endParaRPr lang="fr-FR" sz="1600" u="heavy" dirty="0">
+                <a:latin typeface="Poppins" panose="00000500000000000000" pitchFamily="2" charset="0"/>
                 <a:ea typeface="Calibri" panose="020F0502020204030204" pitchFamily="34" charset="0"/>
-                <a:cs typeface="Times New Roman" panose="02020603050405020304" pitchFamily="18" charset="0"/>
+                <a:cs typeface="Poppins" panose="00000500000000000000" pitchFamily="2" charset="0"/>
               </a:endParaRPr>
             </a:p>
             <a:p>
@@ -8419,18 +8506,18 @@
                 <a:buChar char="•"/>
               </a:pPr>
               <a:r>
-                <a:rPr lang="fr-FR" sz="1800" dirty="0">
-                  <a:latin typeface="Calibri"/>
+                <a:rPr lang="fr-FR" sz="1600" dirty="0">
+                  <a:latin typeface="Poppins" panose="00000500000000000000" pitchFamily="2" charset="0"/>
                   <a:ea typeface="Calibri" panose="020F0502020204030204" pitchFamily="34" charset="0"/>
-                  <a:cs typeface="Times New Roman"/>
+                  <a:cs typeface="Poppins" panose="00000500000000000000" pitchFamily="2" charset="0"/>
                 </a:rPr>
                 <a:t>mark</a:t>
               </a:r>
-              <a:endParaRPr lang="fr-FR" sz="1800" dirty="0">
+              <a:endParaRPr lang="fr-FR" sz="1600" dirty="0">
                 <a:effectLst/>
-                <a:latin typeface="Calibri"/>
+                <a:latin typeface="Poppins" panose="00000500000000000000" pitchFamily="2" charset="0"/>
                 <a:ea typeface="Calibri" panose="020F0502020204030204" pitchFamily="34" charset="0"/>
-                <a:cs typeface="Times New Roman" panose="02020603050405020304" pitchFamily="18" charset="0"/>
+                <a:cs typeface="Poppins" panose="00000500000000000000" pitchFamily="2" charset="0"/>
               </a:endParaRPr>
             </a:p>
             <a:p>
@@ -8439,18 +8526,13 @@
                 <a:buChar char="•"/>
               </a:pPr>
               <a:r>
-                <a:rPr lang="fr-FR" sz="1800" dirty="0">
-                  <a:latin typeface="Calibri"/>
+                <a:rPr lang="fr-FR" sz="1600" dirty="0">
+                  <a:latin typeface="Poppins" panose="00000500000000000000" pitchFamily="2" charset="0"/>
                   <a:ea typeface="Calibri" panose="020F0502020204030204" pitchFamily="34" charset="0"/>
-                  <a:cs typeface="Times New Roman"/>
+                  <a:cs typeface="Poppins" panose="00000500000000000000" pitchFamily="2" charset="0"/>
                 </a:rPr>
                 <a:t>id</a:t>
               </a:r>
-              <a:endParaRPr lang="fr-FR" sz="1800" dirty="0">
-                <a:latin typeface="Calibri" panose="020F0502020204030204" pitchFamily="34" charset="0"/>
-                <a:ea typeface="Calibri" panose="020F0502020204030204" pitchFamily="34" charset="0"/>
-                <a:cs typeface="Times New Roman" panose="02020603050405020304" pitchFamily="18" charset="0"/>
-              </a:endParaRPr>
             </a:p>
             <a:p>
               <a:pPr marL="171450" indent="-171450">
@@ -8458,10 +8540,10 @@
                 <a:buChar char="•"/>
               </a:pPr>
               <a:r>
-                <a:rPr lang="fr-FR" sz="1800" dirty="0">
-                  <a:latin typeface="Calibri"/>
+                <a:rPr lang="fr-FR" sz="1600" dirty="0">
+                  <a:latin typeface="Poppins" panose="00000500000000000000" pitchFamily="2" charset="0"/>
                   <a:ea typeface="Calibri" panose="020F0502020204030204" pitchFamily="34" charset="0"/>
-                  <a:cs typeface="Times New Roman"/>
+                  <a:cs typeface="Poppins" panose="00000500000000000000" pitchFamily="2" charset="0"/>
                 </a:rPr>
                 <a:t>date</a:t>
               </a:r>
@@ -8475,206 +8557,276 @@
                 <a:buChar char="•"/>
               </a:pPr>
               <a:r>
-                <a:rPr lang="fr-FR" sz="1800" u="dotted" dirty="0" err="1">
+                <a:rPr lang="fr-FR" sz="1600" u="dotted" dirty="0" err="1">
                   <a:effectLst/>
-                  <a:latin typeface="Calibri" panose="020F0502020204030204" pitchFamily="34" charset="0"/>
+                  <a:latin typeface="Poppins" panose="00000500000000000000" pitchFamily="2" charset="0"/>
                   <a:ea typeface="Calibri" panose="020F0502020204030204" pitchFamily="34" charset="0"/>
-                  <a:cs typeface="Times New Roman" panose="02020603050405020304" pitchFamily="18" charset="0"/>
+                  <a:cs typeface="Poppins" panose="00000500000000000000" pitchFamily="2" charset="0"/>
                 </a:rPr>
                 <a:t>username</a:t>
               </a:r>
-              <a:endParaRPr lang="fr-FR" sz="1800" dirty="0">
+              <a:endParaRPr lang="fr-FR" sz="1600" dirty="0">
                 <a:effectLst/>
-                <a:latin typeface="Calibri" panose="020F0502020204030204" pitchFamily="34" charset="0"/>
+                <a:latin typeface="Poppins" panose="00000500000000000000" pitchFamily="2" charset="0"/>
                 <a:ea typeface="Calibri" panose="020F0502020204030204" pitchFamily="34" charset="0"/>
-                <a:cs typeface="Times New Roman" panose="02020603050405020304" pitchFamily="18" charset="0"/>
+                <a:cs typeface="Poppins" panose="00000500000000000000" pitchFamily="2" charset="0"/>
               </a:endParaRPr>
             </a:p>
           </p:txBody>
         </p:sp>
       </p:grpSp>
-      <p:grpSp>
-        <p:nvGrpSpPr>
-          <p:cNvPr id="24" name="Groupe 23">
-            <a:extLst>
-              <a:ext uri="{FF2B5EF4-FFF2-40B4-BE49-F238E27FC236}">
-                <a16:creationId xmlns:a16="http://schemas.microsoft.com/office/drawing/2014/main" id="{C761E0B4-1FCF-4BBD-B7B2-361F9E6D27AE}"/>
-              </a:ext>
-            </a:extLst>
-          </p:cNvPr>
-          <p:cNvGrpSpPr/>
+      <p:sp>
+        <p:nvSpPr>
+          <p:cNvPr id="25" name="Zone de texte 2">
+            <a:extLst>
+              <a:ext uri="{FF2B5EF4-FFF2-40B4-BE49-F238E27FC236}">
+                <a16:creationId xmlns:a16="http://schemas.microsoft.com/office/drawing/2014/main" id="{DB40529E-A380-484B-A252-D5BC701126DF}"/>
+              </a:ext>
+            </a:extLst>
+          </p:cNvPr>
+          <p:cNvSpPr txBox="1">
+            <a:spLocks noChangeArrowheads="1"/>
+          </p:cNvSpPr>
           <p:nvPr/>
-        </p:nvGrpSpPr>
-        <p:grpSpPr>
+        </p:nvSpPr>
+        <p:spPr bwMode="auto">
           <a:xfrm>
             <a:off x="4229621" y="926726"/>
-            <a:ext cx="3872685" cy="1981979"/>
-            <a:chOff x="6455697" y="3469541"/>
-            <a:chExt cx="3872685" cy="2439845"/>
+            <a:ext cx="3733193" cy="1981979"/>
           </a:xfrm>
-        </p:grpSpPr>
-        <p:sp>
-          <p:nvSpPr>
-            <p:cNvPr id="25" name="Zone de texte 2">
-              <a:extLst>
-                <a:ext uri="{FF2B5EF4-FFF2-40B4-BE49-F238E27FC236}">
-                  <a16:creationId xmlns:a16="http://schemas.microsoft.com/office/drawing/2014/main" id="{DB40529E-A380-484B-A252-D5BC701126DF}"/>
-                </a:ext>
-              </a:extLst>
-            </p:cNvPr>
-            <p:cNvSpPr txBox="1">
-              <a:spLocks noChangeArrowheads="1"/>
-            </p:cNvSpPr>
-            <p:nvPr/>
-          </p:nvSpPr>
-          <p:spPr bwMode="auto">
-            <a:xfrm>
-              <a:off x="6455697" y="3469541"/>
-              <a:ext cx="3733193" cy="2439845"/>
-            </a:xfrm>
-            <a:prstGeom prst="roundRect">
-              <a:avLst/>
-            </a:prstGeom>
+          <a:prstGeom prst="roundRect">
+            <a:avLst/>
+          </a:prstGeom>
+          <a:solidFill>
+            <a:srgbClr val="FFFFFF"/>
+          </a:solidFill>
+          <a:ln w="25400">
             <a:solidFill>
-              <a:srgbClr val="FFFFFF"/>
+              <a:srgbClr val="137478"/>
             </a:solidFill>
-            <a:ln w="9525">
-              <a:solidFill>
-                <a:srgbClr val="000000"/>
-              </a:solidFill>
-              <a:miter lim="800000"/>
-              <a:headEnd/>
-              <a:tailEnd/>
-            </a:ln>
-          </p:spPr>
-          <p:txBody>
-            <a:bodyPr rot="0" vert="horz" wrap="square" lIns="91440" tIns="45720" rIns="91440" bIns="45720" anchor="t" anchorCtr="0">
-              <a:noAutofit/>
-            </a:bodyPr>
-            <a:lstStyle/>
-            <a:p>
-              <a:pPr algn="ctr">
-                <a:lnSpc>
-                  <a:spcPct val="107000"/>
-                </a:lnSpc>
-                <a:spcAft>
-                  <a:spcPts val="800"/>
-                </a:spcAft>
-              </a:pPr>
-              <a:r>
-                <a:rPr lang="fr-FR" sz="1800" dirty="0">
-                  <a:latin typeface="Calibri"/>
-                  <a:cs typeface="Times New Roman"/>
-                </a:rPr>
-                <a:t>User</a:t>
-              </a:r>
-              <a:endParaRPr lang="fr-FR" u="dotted" dirty="0">
-                <a:latin typeface="Calibri" panose="020F0502020204030204" pitchFamily="34" charset="0"/>
+            <a:miter lim="800000"/>
+            <a:headEnd/>
+            <a:tailEnd/>
+          </a:ln>
+        </p:spPr>
+        <p:txBody>
+          <a:bodyPr rot="0" vert="horz" wrap="square" lIns="91440" tIns="45720" rIns="91440" bIns="45720" anchor="t" anchorCtr="0">
+            <a:noAutofit/>
+          </a:bodyPr>
+          <a:lstStyle/>
+          <a:p>
+            <a:pPr algn="ctr">
+              <a:lnSpc>
+                <a:spcPct val="107000"/>
+              </a:lnSpc>
+              <a:spcAft>
+                <a:spcPts val="800"/>
+              </a:spcAft>
+            </a:pPr>
+            <a:r>
+              <a:rPr lang="fr-FR" sz="1800" dirty="0">
+                <a:latin typeface="Calibri"/>
+                <a:cs typeface="Times New Roman"/>
+              </a:rPr>
+              <a:t>User</a:t>
+            </a:r>
+            <a:endParaRPr lang="fr-FR" u="dotted" dirty="0">
+              <a:latin typeface="Calibri" panose="020F0502020204030204" pitchFamily="34" charset="0"/>
+              <a:ea typeface="Calibri" panose="020F0502020204030204" pitchFamily="34" charset="0"/>
+              <a:cs typeface="Times New Roman" panose="02020603050405020304" pitchFamily="18" charset="0"/>
+            </a:endParaRPr>
+          </a:p>
+        </p:txBody>
+      </p:sp>
+      <p:sp>
+        <p:nvSpPr>
+          <p:cNvPr id="26" name="ZoneTexte 25">
+            <a:extLst>
+              <a:ext uri="{FF2B5EF4-FFF2-40B4-BE49-F238E27FC236}">
+                <a16:creationId xmlns:a16="http://schemas.microsoft.com/office/drawing/2014/main" id="{0956BFAA-2DA2-445B-87E4-B31B8B61179E}"/>
+              </a:ext>
+            </a:extLst>
+          </p:cNvPr>
+          <p:cNvSpPr txBox="1"/>
+          <p:nvPr/>
+        </p:nvSpPr>
+        <p:spPr>
+          <a:xfrm>
+            <a:off x="4369112" y="1393787"/>
+            <a:ext cx="3733194" cy="1084015"/>
+          </a:xfrm>
+          <a:prstGeom prst="rect">
+            <a:avLst/>
+          </a:prstGeom>
+          <a:noFill/>
+          <a:ln>
+            <a:noFill/>
+          </a:ln>
+        </p:spPr>
+        <p:txBody>
+          <a:bodyPr wrap="square" numCol="2" rtlCol="0">
+            <a:spAutoFit/>
+          </a:bodyPr>
+          <a:lstStyle/>
+          <a:p>
+            <a:pPr marL="171450" lvl="0" indent="-171450">
+              <a:lnSpc>
+                <a:spcPct val="107000"/>
+              </a:lnSpc>
+              <a:buFont typeface="Arial" panose="020B0604020202020204" pitchFamily="34" charset="0"/>
+              <a:buChar char="•"/>
+            </a:pPr>
+            <a:r>
+              <a:rPr lang="fr-FR" sz="1800" u="heavy" dirty="0" err="1">
+                <a:effectLst/>
+                <a:latin typeface="Poppins" panose="00000500000000000000" pitchFamily="2" charset="0"/>
                 <a:ea typeface="Calibri" panose="020F0502020204030204" pitchFamily="34" charset="0"/>
-                <a:cs typeface="Times New Roman" panose="02020603050405020304" pitchFamily="18" charset="0"/>
-              </a:endParaRPr>
-            </a:p>
-          </p:txBody>
-        </p:sp>
-        <p:sp>
-          <p:nvSpPr>
-            <p:cNvPr id="26" name="ZoneTexte 25">
-              <a:extLst>
-                <a:ext uri="{FF2B5EF4-FFF2-40B4-BE49-F238E27FC236}">
-                  <a16:creationId xmlns:a16="http://schemas.microsoft.com/office/drawing/2014/main" id="{0956BFAA-2DA2-445B-87E4-B31B8B61179E}"/>
-                </a:ext>
-              </a:extLst>
-            </p:cNvPr>
-            <p:cNvSpPr txBox="1"/>
-            <p:nvPr/>
-          </p:nvSpPr>
-          <p:spPr>
-            <a:xfrm>
-              <a:off x="6595188" y="4044500"/>
-              <a:ext cx="3733194" cy="1334438"/>
-            </a:xfrm>
-            <a:prstGeom prst="rect">
-              <a:avLst/>
-            </a:prstGeom>
-            <a:noFill/>
-          </p:spPr>
-          <p:txBody>
-            <a:bodyPr wrap="square" numCol="2" rtlCol="0">
-              <a:spAutoFit/>
-            </a:bodyPr>
-            <a:lstStyle/>
-            <a:p>
-              <a:pPr marL="171450" lvl="0" indent="-171450">
-                <a:lnSpc>
-                  <a:spcPct val="107000"/>
-                </a:lnSpc>
-                <a:buFont typeface="Arial" panose="020B0604020202020204" pitchFamily="34" charset="0"/>
-                <a:buChar char="•"/>
-              </a:pPr>
-              <a:r>
-                <a:rPr lang="fr-FR" sz="1800" u="heavy" dirty="0" err="1">
-                  <a:effectLst/>
-                  <a:latin typeface="Calibri" panose="020F0502020204030204" pitchFamily="34" charset="0"/>
-                  <a:ea typeface="Calibri" panose="020F0502020204030204" pitchFamily="34" charset="0"/>
-                  <a:cs typeface="Times New Roman" panose="02020603050405020304" pitchFamily="18" charset="0"/>
-                </a:rPr>
-                <a:t>username</a:t>
-              </a:r>
-              <a:endParaRPr lang="fr-FR" sz="1800" dirty="0">
+                <a:cs typeface="Poppins" panose="00000500000000000000" pitchFamily="2" charset="0"/>
+              </a:rPr>
+              <a:t>username</a:t>
+            </a:r>
+            <a:endParaRPr lang="fr-FR" sz="1800" dirty="0">
+              <a:effectLst/>
+              <a:latin typeface="Poppins" panose="00000500000000000000" pitchFamily="2" charset="0"/>
+              <a:ea typeface="Calibri" panose="020F0502020204030204" pitchFamily="34" charset="0"/>
+              <a:cs typeface="Poppins" panose="00000500000000000000" pitchFamily="2" charset="0"/>
+            </a:endParaRPr>
+          </a:p>
+          <a:p>
+            <a:pPr marL="171450" lvl="0" indent="-171450">
+              <a:lnSpc>
+                <a:spcPct val="107000"/>
+              </a:lnSpc>
+              <a:buFont typeface="Arial" panose="020B0604020202020204" pitchFamily="34" charset="0"/>
+              <a:buChar char="•"/>
+            </a:pPr>
+            <a:r>
+              <a:rPr lang="fr-FR" sz="1800" dirty="0" err="1">
                 <a:effectLst/>
-                <a:latin typeface="Calibri" panose="020F0502020204030204" pitchFamily="34" charset="0"/>
+                <a:latin typeface="Poppins" panose="00000500000000000000" pitchFamily="2" charset="0"/>
                 <a:ea typeface="Calibri" panose="020F0502020204030204" pitchFamily="34" charset="0"/>
-                <a:cs typeface="Times New Roman" panose="02020603050405020304" pitchFamily="18" charset="0"/>
-              </a:endParaRPr>
-            </a:p>
-            <a:p>
-              <a:pPr marL="171450" lvl="0" indent="-171450">
-                <a:lnSpc>
-                  <a:spcPct val="107000"/>
-                </a:lnSpc>
-                <a:buFont typeface="Arial" panose="020B0604020202020204" pitchFamily="34" charset="0"/>
-                <a:buChar char="•"/>
-              </a:pPr>
-              <a:r>
-                <a:rPr lang="fr-FR" sz="1800" dirty="0" err="1">
-                  <a:effectLst/>
-                  <a:latin typeface="Calibri" panose="020F0502020204030204" pitchFamily="34" charset="0"/>
-                  <a:ea typeface="Calibri" panose="020F0502020204030204" pitchFamily="34" charset="0"/>
-                  <a:cs typeface="Times New Roman" panose="02020603050405020304" pitchFamily="18" charset="0"/>
-                </a:rPr>
-                <a:t>password</a:t>
-              </a:r>
-              <a:endParaRPr lang="fr-FR" sz="1800" dirty="0">
+                <a:cs typeface="Poppins" panose="00000500000000000000" pitchFamily="2" charset="0"/>
+              </a:rPr>
+              <a:t>password</a:t>
+            </a:r>
+            <a:endParaRPr lang="fr-FR" sz="1800" dirty="0">
+              <a:effectLst/>
+              <a:latin typeface="Poppins" panose="00000500000000000000" pitchFamily="2" charset="0"/>
+              <a:ea typeface="Calibri" panose="020F0502020204030204" pitchFamily="34" charset="0"/>
+              <a:cs typeface="Poppins" panose="00000500000000000000" pitchFamily="2" charset="0"/>
+            </a:endParaRPr>
+          </a:p>
+          <a:p>
+            <a:pPr marL="171450" lvl="0" indent="-171450">
+              <a:lnSpc>
+                <a:spcPct val="107000"/>
+              </a:lnSpc>
+              <a:spcAft>
+                <a:spcPts val="800"/>
+              </a:spcAft>
+              <a:buFont typeface="Arial" panose="020B0604020202020204" pitchFamily="34" charset="0"/>
+              <a:buChar char="•"/>
+            </a:pPr>
+            <a:r>
+              <a:rPr lang="fr-FR" sz="1800" dirty="0">
                 <a:effectLst/>
-                <a:latin typeface="Calibri" panose="020F0502020204030204" pitchFamily="34" charset="0"/>
+                <a:latin typeface="Poppins" panose="00000500000000000000" pitchFamily="2" charset="0"/>
                 <a:ea typeface="Calibri" panose="020F0502020204030204" pitchFamily="34" charset="0"/>
-                <a:cs typeface="Times New Roman" panose="02020603050405020304" pitchFamily="18" charset="0"/>
-              </a:endParaRPr>
-            </a:p>
-            <a:p>
-              <a:pPr marL="171450" lvl="0" indent="-171450">
-                <a:lnSpc>
-                  <a:spcPct val="107000"/>
-                </a:lnSpc>
-                <a:spcAft>
-                  <a:spcPts val="800"/>
-                </a:spcAft>
-                <a:buFont typeface="Arial" panose="020B0604020202020204" pitchFamily="34" charset="0"/>
-                <a:buChar char="•"/>
-              </a:pPr>
-              <a:r>
-                <a:rPr lang="fr-FR" sz="1800" dirty="0">
-                  <a:effectLst/>
-                  <a:latin typeface="Calibri" panose="020F0502020204030204" pitchFamily="34" charset="0"/>
-                  <a:ea typeface="Calibri" panose="020F0502020204030204" pitchFamily="34" charset="0"/>
-                  <a:cs typeface="Times New Roman" panose="02020603050405020304" pitchFamily="18" charset="0"/>
-                </a:rPr>
-                <a:t>email</a:t>
-              </a:r>
-            </a:p>
-          </p:txBody>
-        </p:sp>
-      </p:grpSp>
+                <a:cs typeface="Poppins" panose="00000500000000000000" pitchFamily="2" charset="0"/>
+              </a:rPr>
+              <a:t>email</a:t>
+            </a:r>
+          </a:p>
+        </p:txBody>
+      </p:sp>
+      <p:cxnSp>
+        <p:nvCxnSpPr>
+          <p:cNvPr id="9" name="Connecteur droit 8">
+            <a:extLst>
+              <a:ext uri="{FF2B5EF4-FFF2-40B4-BE49-F238E27FC236}">
+                <a16:creationId xmlns:a16="http://schemas.microsoft.com/office/drawing/2014/main" id="{A7B88FCF-9EBD-4886-93BF-C6C6E97BCDDF}"/>
+              </a:ext>
+            </a:extLst>
+          </p:cNvPr>
+          <p:cNvCxnSpPr>
+            <a:cxnSpLocks/>
+            <a:stCxn id="2" idx="4"/>
+            <a:endCxn id="22" idx="0"/>
+          </p:cNvCxnSpPr>
+          <p:nvPr/>
+        </p:nvCxnSpPr>
+        <p:spPr>
+          <a:xfrm>
+            <a:off x="2211565" y="2575289"/>
+            <a:ext cx="6181" cy="1565099"/>
+          </a:xfrm>
+          <a:prstGeom prst="line">
+            <a:avLst/>
+          </a:prstGeom>
+          <a:ln w="25400">
+            <a:solidFill>
+              <a:srgbClr val="137478"/>
+            </a:solidFill>
+          </a:ln>
+        </p:spPr>
+        <p:style>
+          <a:lnRef idx="1">
+            <a:schemeClr val="accent1"/>
+          </a:lnRef>
+          <a:fillRef idx="0">
+            <a:schemeClr val="accent1"/>
+          </a:fillRef>
+          <a:effectRef idx="0">
+            <a:schemeClr val="accent1"/>
+          </a:effectRef>
+          <a:fontRef idx="minor">
+            <a:schemeClr val="tx1"/>
+          </a:fontRef>
+        </p:style>
+      </p:cxnSp>
+      <p:cxnSp>
+        <p:nvCxnSpPr>
+          <p:cNvPr id="29" name="Connecteur droit avec flèche 28">
+            <a:extLst>
+              <a:ext uri="{FF2B5EF4-FFF2-40B4-BE49-F238E27FC236}">
+                <a16:creationId xmlns:a16="http://schemas.microsoft.com/office/drawing/2014/main" id="{2B02A9E0-2511-472F-BCA5-BBEEC070754B}"/>
+              </a:ext>
+            </a:extLst>
+          </p:cNvPr>
+          <p:cNvCxnSpPr>
+            <a:cxnSpLocks/>
+          </p:cNvCxnSpPr>
+          <p:nvPr/>
+        </p:nvCxnSpPr>
+        <p:spPr>
+          <a:xfrm>
+            <a:off x="3203417" y="1975214"/>
+            <a:ext cx="1026204" cy="0"/>
+          </a:xfrm>
+          <a:prstGeom prst="straightConnector1">
+            <a:avLst/>
+          </a:prstGeom>
+          <a:ln w="25400">
+            <a:solidFill>
+              <a:srgbClr val="137478"/>
+            </a:solidFill>
+          </a:ln>
+        </p:spPr>
+        <p:style>
+          <a:lnRef idx="1">
+            <a:schemeClr val="dk1"/>
+          </a:lnRef>
+          <a:fillRef idx="0">
+            <a:schemeClr val="dk1"/>
+          </a:fillRef>
+          <a:effectRef idx="0">
+            <a:schemeClr val="dk1"/>
+          </a:effectRef>
+          <a:fontRef idx="minor">
+            <a:schemeClr val="tx1"/>
+          </a:fontRef>
+        </p:style>
+      </p:cxnSp>
     </p:spTree>
     <p:extLst>
       <p:ext uri="{BB962C8B-B14F-4D97-AF65-F5344CB8AC3E}">
@@ -8725,10 +8877,12 @@
           <a:prstGeom prst="roundRect">
             <a:avLst/>
           </a:prstGeom>
-          <a:noFill/>
+          <a:solidFill>
+            <a:srgbClr val="FFFFFF"/>
+          </a:solidFill>
           <a:ln w="38100">
             <a:solidFill>
-              <a:srgbClr val="3AB395"/>
+              <a:srgbClr val="137478"/>
             </a:solidFill>
           </a:ln>
         </p:spPr>
@@ -8899,7 +9053,7 @@
           </a:prstGeom>
           <a:ln w="38100">
             <a:solidFill>
-              <a:srgbClr val="3AB395"/>
+              <a:srgbClr val="137478"/>
             </a:solidFill>
             <a:tailEnd type="triangle"/>
           </a:ln>
@@ -8944,7 +9098,7 @@
           </a:prstGeom>
           <a:ln w="38100">
             <a:solidFill>
-              <a:srgbClr val="3AB395"/>
+              <a:srgbClr val="137478"/>
             </a:solidFill>
             <a:tailEnd type="triangle"/>
           </a:ln>
@@ -9395,7 +9549,7 @@
           </a:prstGeom>
           <a:ln w="38100">
             <a:solidFill>
-              <a:srgbClr val="3AB395"/>
+              <a:srgbClr val="137478"/>
             </a:solidFill>
             <a:tailEnd type="triangle"/>
           </a:ln>
@@ -9437,7 +9591,7 @@
           </a:prstGeom>
           <a:ln w="38100">
             <a:solidFill>
-              <a:srgbClr val="3AB395"/>
+              <a:srgbClr val="137478"/>
             </a:solidFill>
             <a:tailEnd type="triangle"/>
           </a:ln>
@@ -9479,7 +9633,7 @@
           </a:prstGeom>
           <a:ln w="38100">
             <a:solidFill>
-              <a:srgbClr val="3AB395"/>
+              <a:srgbClr val="137478"/>
             </a:solidFill>
             <a:tailEnd type="triangle"/>
           </a:ln>
@@ -9521,7 +9675,7 @@
           </a:prstGeom>
           <a:ln w="38100">
             <a:solidFill>
-              <a:srgbClr val="3AB395"/>
+              <a:srgbClr val="137478"/>
             </a:solidFill>
             <a:tailEnd type="triangle"/>
           </a:ln>
@@ -9563,7 +9717,7 @@
           </a:prstGeom>
           <a:ln w="38100">
             <a:solidFill>
-              <a:srgbClr val="3AB395"/>
+              <a:srgbClr val="137478"/>
             </a:solidFill>
             <a:tailEnd type="triangle"/>
           </a:ln>
@@ -10213,7 +10367,7 @@
           </a:prstGeom>
           <a:ln w="38100">
             <a:solidFill>
-              <a:srgbClr val="3AB395"/>
+              <a:srgbClr val="137478"/>
             </a:solidFill>
             <a:tailEnd type="triangle"/>
           </a:ln>
@@ -10256,7 +10410,7 @@
           <a:noFill/>
           <a:ln w="38100">
             <a:solidFill>
-              <a:srgbClr val="3AB395"/>
+              <a:srgbClr val="137478"/>
             </a:solidFill>
           </a:ln>
         </p:spPr>

--- a/presentation/Structure_Projet.pptx
+++ b/presentation/Structure_Projet.pptx
@@ -9,8 +9,9 @@
     <p:sldId id="263" r:id="rId3"/>
     <p:sldId id="264" r:id="rId4"/>
     <p:sldId id="262" r:id="rId5"/>
-    <p:sldId id="258" r:id="rId6"/>
-    <p:sldId id="261" r:id="rId7"/>
+    <p:sldId id="265" r:id="rId6"/>
+    <p:sldId id="258" r:id="rId7"/>
+    <p:sldId id="261" r:id="rId8"/>
   </p:sldIdLst>
   <p:sldSz cx="12192000" cy="6858000"/>
   <p:notesSz cx="6858000" cy="9144000"/>
@@ -131,7 +132,7 @@
 <file path=ppt/revisionInfo.xml><?xml version="1.0" encoding="utf-8"?>
 <p1510:revInfo xmlns:a="http://schemas.openxmlformats.org/drawingml/2006/main" xmlns:r="http://schemas.openxmlformats.org/officeDocument/2006/relationships" xmlns:p1510="http://schemas.microsoft.com/office/powerpoint/2015/10/main">
   <p1510:revLst>
-    <p1510:client id="{7F131F86-5835-4106-9139-BC7AD26F85E4}" v="70" dt="2021-06-24T12:37:13.832"/>
+    <p1510:client id="{7F131F86-5835-4106-9139-BC7AD26F85E4}" v="78" dt="2021-06-25T07:56:03.433"/>
   </p1510:revLst>
 </p1510:revInfo>
 </file>
@@ -140,8 +141,8 @@
 <pc:chgInfo xmlns:a="http://schemas.openxmlformats.org/drawingml/2006/main" xmlns:r="http://schemas.openxmlformats.org/officeDocument/2006/relationships" xmlns:ac="http://schemas.microsoft.com/office/drawing/2013/main/command" xmlns:pc="http://schemas.microsoft.com/office/powerpoint/2013/main/command">
   <pc:docChgLst>
     <pc:chgData name="Hugo DEMENEZ" userId="167f3b24-aa49-4d1b-b001-4f9180dfa13d" providerId="ADAL" clId="{7F131F86-5835-4106-9139-BC7AD26F85E4}"/>
-    <pc:docChg chg="undo custSel addSld delSld modSld sldOrd">
-      <pc:chgData name="Hugo DEMENEZ" userId="167f3b24-aa49-4d1b-b001-4f9180dfa13d" providerId="ADAL" clId="{7F131F86-5835-4106-9139-BC7AD26F85E4}" dt="2021-06-24T12:38:27.476" v="485" actId="1037"/>
+    <pc:docChg chg="undo redo custSel addSld delSld modSld sldOrd">
+      <pc:chgData name="Hugo DEMENEZ" userId="167f3b24-aa49-4d1b-b001-4f9180dfa13d" providerId="ADAL" clId="{7F131F86-5835-4106-9139-BC7AD26F85E4}" dt="2021-06-25T07:56:38.983" v="566" actId="1076"/>
       <pc:docMkLst>
         <pc:docMk/>
       </pc:docMkLst>
@@ -421,7 +422,7 @@
         </pc:cxnChg>
       </pc:sldChg>
       <pc:sldChg chg="addSp delSp modSp add mod ord">
-        <pc:chgData name="Hugo DEMENEZ" userId="167f3b24-aa49-4d1b-b001-4f9180dfa13d" providerId="ADAL" clId="{7F131F86-5835-4106-9139-BC7AD26F85E4}" dt="2021-06-24T12:35:37.056" v="460" actId="692"/>
+        <pc:chgData name="Hugo DEMENEZ" userId="167f3b24-aa49-4d1b-b001-4f9180dfa13d" providerId="ADAL" clId="{7F131F86-5835-4106-9139-BC7AD26F85E4}" dt="2021-06-25T07:50:04.969" v="543" actId="14100"/>
         <pc:sldMkLst>
           <pc:docMk/>
           <pc:sldMk cId="2802110099" sldId="262"/>
@@ -442,6 +443,14 @@
             <ac:spMk id="4" creationId="{27F62C65-47DE-4919-A57B-697111F728D2}"/>
           </ac:spMkLst>
         </pc:spChg>
+        <pc:spChg chg="add del mod">
+          <ac:chgData name="Hugo DEMENEZ" userId="167f3b24-aa49-4d1b-b001-4f9180dfa13d" providerId="ADAL" clId="{7F131F86-5835-4106-9139-BC7AD26F85E4}" dt="2021-06-25T07:49:06.094" v="523" actId="767"/>
+          <ac:spMkLst>
+            <pc:docMk/>
+            <pc:sldMk cId="2802110099" sldId="262"/>
+            <ac:spMk id="6" creationId="{9451D53F-C120-4C18-8D87-97D988276C24}"/>
+          </ac:spMkLst>
+        </pc:spChg>
         <pc:spChg chg="del mod">
           <ac:chgData name="Hugo DEMENEZ" userId="167f3b24-aa49-4d1b-b001-4f9180dfa13d" providerId="ADAL" clId="{7F131F86-5835-4106-9139-BC7AD26F85E4}" dt="2021-06-24T12:16:39.025" v="300" actId="478"/>
           <ac:spMkLst>
@@ -450,8 +459,8 @@
             <ac:spMk id="6" creationId="{D4307DF5-609A-4D7B-8D44-CBCABCA0B100}"/>
           </ac:spMkLst>
         </pc:spChg>
-        <pc:spChg chg="add mod">
-          <ac:chgData name="Hugo DEMENEZ" userId="167f3b24-aa49-4d1b-b001-4f9180dfa13d" providerId="ADAL" clId="{7F131F86-5835-4106-9139-BC7AD26F85E4}" dt="2021-06-24T12:31:21.261" v="392" actId="2085"/>
+        <pc:spChg chg="add mod topLvl">
+          <ac:chgData name="Hugo DEMENEZ" userId="167f3b24-aa49-4d1b-b001-4f9180dfa13d" providerId="ADAL" clId="{7F131F86-5835-4106-9139-BC7AD26F85E4}" dt="2021-06-25T07:50:04.969" v="543" actId="14100"/>
           <ac:spMkLst>
             <pc:docMk/>
             <pc:sldMk cId="2802110099" sldId="262"/>
@@ -514,16 +523,16 @@
             <ac:spMk id="20" creationId="{273F7681-570D-48B7-899E-3F8856A9D6E3}"/>
           </ac:spMkLst>
         </pc:spChg>
-        <pc:spChg chg="mod">
-          <ac:chgData name="Hugo DEMENEZ" userId="167f3b24-aa49-4d1b-b001-4f9180dfa13d" providerId="ADAL" clId="{7F131F86-5835-4106-9139-BC7AD26F85E4}" dt="2021-06-24T12:35:37.056" v="460" actId="692"/>
+        <pc:spChg chg="mod topLvl">
+          <ac:chgData name="Hugo DEMENEZ" userId="167f3b24-aa49-4d1b-b001-4f9180dfa13d" providerId="ADAL" clId="{7F131F86-5835-4106-9139-BC7AD26F85E4}" dt="2021-06-25T07:49:14.377" v="533" actId="165"/>
           <ac:spMkLst>
             <pc:docMk/>
             <pc:sldMk cId="2802110099" sldId="262"/>
             <ac:spMk id="22" creationId="{DD4CA510-970A-4D97-8545-DF4894514418}"/>
           </ac:spMkLst>
         </pc:spChg>
-        <pc:spChg chg="mod">
-          <ac:chgData name="Hugo DEMENEZ" userId="167f3b24-aa49-4d1b-b001-4f9180dfa13d" providerId="ADAL" clId="{7F131F86-5835-4106-9139-BC7AD26F85E4}" dt="2021-06-24T12:27:05.733" v="344" actId="2711"/>
+        <pc:spChg chg="add del mod topLvl">
+          <ac:chgData name="Hugo DEMENEZ" userId="167f3b24-aa49-4d1b-b001-4f9180dfa13d" providerId="ADAL" clId="{7F131F86-5835-4106-9139-BC7AD26F85E4}" dt="2021-06-25T07:49:57.741" v="542" actId="14100"/>
           <ac:spMkLst>
             <pc:docMk/>
             <pc:sldMk cId="2802110099" sldId="262"/>
@@ -546,16 +555,16 @@
             <ac:spMk id="26" creationId="{0956BFAA-2DA2-445B-87E4-B31B8B61179E}"/>
           </ac:spMkLst>
         </pc:spChg>
-        <pc:spChg chg="mod">
-          <ac:chgData name="Hugo DEMENEZ" userId="167f3b24-aa49-4d1b-b001-4f9180dfa13d" providerId="ADAL" clId="{7F131F86-5835-4106-9139-BC7AD26F85E4}" dt="2021-06-24T12:35:32.445" v="455" actId="692"/>
+        <pc:spChg chg="mod topLvl">
+          <ac:chgData name="Hugo DEMENEZ" userId="167f3b24-aa49-4d1b-b001-4f9180dfa13d" providerId="ADAL" clId="{7F131F86-5835-4106-9139-BC7AD26F85E4}" dt="2021-06-25T07:49:10.122" v="532" actId="165"/>
           <ac:spMkLst>
             <pc:docMk/>
             <pc:sldMk cId="2802110099" sldId="262"/>
             <ac:spMk id="36" creationId="{DA762878-CDC5-4812-AD82-2AEEBA59F550}"/>
           </ac:spMkLst>
         </pc:spChg>
-        <pc:grpChg chg="add mod">
-          <ac:chgData name="Hugo DEMENEZ" userId="167f3b24-aa49-4d1b-b001-4f9180dfa13d" providerId="ADAL" clId="{7F131F86-5835-4106-9139-BC7AD26F85E4}" dt="2021-06-24T12:34:15.950" v="428" actId="1076"/>
+        <pc:grpChg chg="add del mod">
+          <ac:chgData name="Hugo DEMENEZ" userId="167f3b24-aa49-4d1b-b001-4f9180dfa13d" providerId="ADAL" clId="{7F131F86-5835-4106-9139-BC7AD26F85E4}" dt="2021-06-25T07:49:10.122" v="532" actId="165"/>
           <ac:grpSpMkLst>
             <pc:docMk/>
             <pc:sldMk cId="2802110099" sldId="262"/>
@@ -570,8 +579,8 @@
             <ac:grpSpMk id="18" creationId="{46DF15B1-B572-4F94-BF4F-B14E278D774F}"/>
           </ac:grpSpMkLst>
         </pc:grpChg>
-        <pc:grpChg chg="add mod">
-          <ac:chgData name="Hugo DEMENEZ" userId="167f3b24-aa49-4d1b-b001-4f9180dfa13d" providerId="ADAL" clId="{7F131F86-5835-4106-9139-BC7AD26F85E4}" dt="2021-06-24T12:34:10.082" v="427" actId="1076"/>
+        <pc:grpChg chg="add del mod">
+          <ac:chgData name="Hugo DEMENEZ" userId="167f3b24-aa49-4d1b-b001-4f9180dfa13d" providerId="ADAL" clId="{7F131F86-5835-4106-9139-BC7AD26F85E4}" dt="2021-06-25T07:49:14.377" v="533" actId="165"/>
           <ac:grpSpMkLst>
             <pc:docMk/>
             <pc:sldMk cId="2802110099" sldId="262"/>
@@ -765,6 +774,45 @@
             <pc:docMk/>
             <pc:sldMk cId="1683770341" sldId="264"/>
             <ac:picMk id="11" creationId="{4AD488EC-0DBF-4800-BEFA-A4A5BA4BC8B7}"/>
+          </ac:picMkLst>
+        </pc:picChg>
+      </pc:sldChg>
+      <pc:sldChg chg="addSp delSp modSp new mod">
+        <pc:chgData name="Hugo DEMENEZ" userId="167f3b24-aa49-4d1b-b001-4f9180dfa13d" providerId="ADAL" clId="{7F131F86-5835-4106-9139-BC7AD26F85E4}" dt="2021-06-25T07:56:38.983" v="566" actId="1076"/>
+        <pc:sldMkLst>
+          <pc:docMk/>
+          <pc:sldMk cId="3962060244" sldId="265"/>
+        </pc:sldMkLst>
+        <pc:spChg chg="del">
+          <ac:chgData name="Hugo DEMENEZ" userId="167f3b24-aa49-4d1b-b001-4f9180dfa13d" providerId="ADAL" clId="{7F131F86-5835-4106-9139-BC7AD26F85E4}" dt="2021-06-25T07:54:13.360" v="545" actId="478"/>
+          <ac:spMkLst>
+            <pc:docMk/>
+            <pc:sldMk cId="3962060244" sldId="265"/>
+            <ac:spMk id="2" creationId="{49365899-DF64-478F-98D1-C9906862CFCF}"/>
+          </ac:spMkLst>
+        </pc:spChg>
+        <pc:spChg chg="del">
+          <ac:chgData name="Hugo DEMENEZ" userId="167f3b24-aa49-4d1b-b001-4f9180dfa13d" providerId="ADAL" clId="{7F131F86-5835-4106-9139-BC7AD26F85E4}" dt="2021-06-25T07:54:14.214" v="546" actId="478"/>
+          <ac:spMkLst>
+            <pc:docMk/>
+            <pc:sldMk cId="3962060244" sldId="265"/>
+            <ac:spMk id="3" creationId="{E2DD9A54-C313-45D9-B905-5B04E465B7A8}"/>
+          </ac:spMkLst>
+        </pc:spChg>
+        <pc:spChg chg="add mod">
+          <ac:chgData name="Hugo DEMENEZ" userId="167f3b24-aa49-4d1b-b001-4f9180dfa13d" providerId="ADAL" clId="{7F131F86-5835-4106-9139-BC7AD26F85E4}" dt="2021-06-25T07:56:38.983" v="566" actId="1076"/>
+          <ac:spMkLst>
+            <pc:docMk/>
+            <pc:sldMk cId="3962060244" sldId="265"/>
+            <ac:spMk id="6" creationId="{F2C6A5FE-E431-4C88-B87E-B13D2F55CF74}"/>
+          </ac:spMkLst>
+        </pc:spChg>
+        <pc:picChg chg="add mod">
+          <ac:chgData name="Hugo DEMENEZ" userId="167f3b24-aa49-4d1b-b001-4f9180dfa13d" providerId="ADAL" clId="{7F131F86-5835-4106-9139-BC7AD26F85E4}" dt="2021-06-25T07:55:58.123" v="549" actId="1076"/>
+          <ac:picMkLst>
+            <pc:docMk/>
+            <pc:sldMk cId="3962060244" sldId="265"/>
+            <ac:picMk id="5" creationId="{4FF611CF-C9BC-4C02-AF6C-C7DCCB411017}"/>
           </ac:picMkLst>
         </pc:picChg>
       </pc:sldChg>
@@ -2798,7 +2846,7 @@
           <a:p>
             <a:fld id="{D9578751-DA34-41BA-ACFB-BD878EA789F8}" type="datetimeFigureOut">
               <a:rPr lang="fr-FR" smtClean="0"/>
-              <a:t>24/06/2021</a:t>
+              <a:t>25/06/2021</a:t>
             </a:fld>
             <a:endParaRPr lang="fr-FR"/>
           </a:p>
@@ -2996,7 +3044,7 @@
           <a:p>
             <a:fld id="{D9578751-DA34-41BA-ACFB-BD878EA789F8}" type="datetimeFigureOut">
               <a:rPr lang="fr-FR" smtClean="0"/>
-              <a:t>24/06/2021</a:t>
+              <a:t>25/06/2021</a:t>
             </a:fld>
             <a:endParaRPr lang="fr-FR"/>
           </a:p>
@@ -3204,7 +3252,7 @@
           <a:p>
             <a:fld id="{D9578751-DA34-41BA-ACFB-BD878EA789F8}" type="datetimeFigureOut">
               <a:rPr lang="fr-FR" smtClean="0"/>
-              <a:t>24/06/2021</a:t>
+              <a:t>25/06/2021</a:t>
             </a:fld>
             <a:endParaRPr lang="fr-FR"/>
           </a:p>
@@ -3402,7 +3450,7 @@
           <a:p>
             <a:fld id="{D9578751-DA34-41BA-ACFB-BD878EA789F8}" type="datetimeFigureOut">
               <a:rPr lang="fr-FR" smtClean="0"/>
-              <a:t>24/06/2021</a:t>
+              <a:t>25/06/2021</a:t>
             </a:fld>
             <a:endParaRPr lang="fr-FR"/>
           </a:p>
@@ -3677,7 +3725,7 @@
           <a:p>
             <a:fld id="{D9578751-DA34-41BA-ACFB-BD878EA789F8}" type="datetimeFigureOut">
               <a:rPr lang="fr-FR" smtClean="0"/>
-              <a:t>24/06/2021</a:t>
+              <a:t>25/06/2021</a:t>
             </a:fld>
             <a:endParaRPr lang="fr-FR"/>
           </a:p>
@@ -3942,7 +3990,7 @@
           <a:p>
             <a:fld id="{D9578751-DA34-41BA-ACFB-BD878EA789F8}" type="datetimeFigureOut">
               <a:rPr lang="fr-FR" smtClean="0"/>
-              <a:t>24/06/2021</a:t>
+              <a:t>25/06/2021</a:t>
             </a:fld>
             <a:endParaRPr lang="fr-FR"/>
           </a:p>
@@ -4354,7 +4402,7 @@
           <a:p>
             <a:fld id="{D9578751-DA34-41BA-ACFB-BD878EA789F8}" type="datetimeFigureOut">
               <a:rPr lang="fr-FR" smtClean="0"/>
-              <a:t>24/06/2021</a:t>
+              <a:t>25/06/2021</a:t>
             </a:fld>
             <a:endParaRPr lang="fr-FR"/>
           </a:p>
@@ -4495,7 +4543,7 @@
           <a:p>
             <a:fld id="{D9578751-DA34-41BA-ACFB-BD878EA789F8}" type="datetimeFigureOut">
               <a:rPr lang="fr-FR" smtClean="0"/>
-              <a:t>24/06/2021</a:t>
+              <a:t>25/06/2021</a:t>
             </a:fld>
             <a:endParaRPr lang="fr-FR"/>
           </a:p>
@@ -4608,7 +4656,7 @@
           <a:p>
             <a:fld id="{D9578751-DA34-41BA-ACFB-BD878EA789F8}" type="datetimeFigureOut">
               <a:rPr lang="fr-FR" smtClean="0"/>
-              <a:t>24/06/2021</a:t>
+              <a:t>25/06/2021</a:t>
             </a:fld>
             <a:endParaRPr lang="fr-FR"/>
           </a:p>
@@ -4919,7 +4967,7 @@
           <a:p>
             <a:fld id="{D9578751-DA34-41BA-ACFB-BD878EA789F8}" type="datetimeFigureOut">
               <a:rPr lang="fr-FR" smtClean="0"/>
-              <a:t>24/06/2021</a:t>
+              <a:t>25/06/2021</a:t>
             </a:fld>
             <a:endParaRPr lang="fr-FR"/>
           </a:p>
@@ -5207,7 +5255,7 @@
           <a:p>
             <a:fld id="{D9578751-DA34-41BA-ACFB-BD878EA789F8}" type="datetimeFigureOut">
               <a:rPr lang="fr-FR" smtClean="0"/>
-              <a:t>24/06/2021</a:t>
+              <a:t>25/06/2021</a:t>
             </a:fld>
             <a:endParaRPr lang="fr-FR"/>
           </a:p>
@@ -5448,7 +5496,7 @@
           <a:p>
             <a:fld id="{D9578751-DA34-41BA-ACFB-BD878EA789F8}" type="datetimeFigureOut">
               <a:rPr lang="fr-FR" smtClean="0"/>
-              <a:t>24/06/2021</a:t>
+              <a:t>25/06/2021</a:t>
             </a:fld>
             <a:endParaRPr lang="fr-FR"/>
           </a:p>
@@ -8169,7 +8217,7 @@
           <p:spPr>
             <a:xfrm>
               <a:off x="6595188" y="4044500"/>
-              <a:ext cx="3733194" cy="1531097"/>
+              <a:ext cx="3733194" cy="1173021"/>
             </a:xfrm>
             <a:prstGeom prst="rect">
               <a:avLst/>
@@ -8185,6 +8233,28 @@
             </a:bodyPr>
             <a:lstStyle/>
             <a:p>
+              <a:pPr marL="171450" indent="-171450">
+                <a:lnSpc>
+                  <a:spcPct val="107000"/>
+                </a:lnSpc>
+                <a:buFont typeface="Arial" panose="020B0604020202020204" pitchFamily="34" charset="0"/>
+                <a:buChar char="•"/>
+              </a:pPr>
+              <a:r>
+                <a:rPr lang="fr-FR" sz="1600" u="heavy" dirty="0">
+                  <a:latin typeface="Poppins" panose="00000500000000000000" pitchFamily="2" charset="0"/>
+                  <a:ea typeface="Calibri" panose="020F0502020204030204" pitchFamily="34" charset="0"/>
+                  <a:cs typeface="Poppins" panose="00000500000000000000" pitchFamily="2" charset="0"/>
+                </a:rPr>
+                <a:t>id</a:t>
+              </a:r>
+              <a:endParaRPr lang="fr-FR" sz="1600" dirty="0">
+                <a:latin typeface="Poppins" panose="00000500000000000000" pitchFamily="2" charset="0"/>
+                <a:ea typeface="Calibri" panose="020F0502020204030204" pitchFamily="34" charset="0"/>
+                <a:cs typeface="Poppins" panose="00000500000000000000" pitchFamily="2" charset="0"/>
+              </a:endParaRPr>
+            </a:p>
+            <a:p>
               <a:pPr marL="171450" lvl="0" indent="-171450">
                 <a:lnSpc>
                   <a:spcPct val="107000"/>
@@ -8193,14 +8263,14 @@
                 <a:buChar char="•"/>
               </a:pPr>
               <a:r>
-                <a:rPr lang="fr-FR" sz="1600" u="heavy" dirty="0" err="1">
+                <a:rPr lang="fr-FR" sz="1600" dirty="0" err="1">
                   <a:latin typeface="Poppins" panose="00000500000000000000" pitchFamily="2" charset="0"/>
                   <a:ea typeface="Calibri" panose="020F0502020204030204" pitchFamily="34" charset="0"/>
                   <a:cs typeface="Poppins" panose="00000500000000000000" pitchFamily="2" charset="0"/>
                 </a:rPr>
                 <a:t>subject</a:t>
               </a:r>
-              <a:endParaRPr lang="fr-FR" sz="1600" u="heavy" dirty="0">
+              <a:endParaRPr lang="fr-FR" sz="1600" dirty="0">
                 <a:effectLst/>
                 <a:latin typeface="Poppins" panose="00000500000000000000" pitchFamily="2" charset="0"/>
                 <a:ea typeface="Calibri" panose="020F0502020204030204" pitchFamily="34" charset="0"/>
@@ -8317,23 +8387,6 @@
               </a:endParaRPr>
             </a:p>
             <a:p>
-              <a:pPr marL="171450" indent="-171450">
-                <a:lnSpc>
-                  <a:spcPct val="107000"/>
-                </a:lnSpc>
-                <a:buFont typeface="Arial" panose="020B0604020202020204" pitchFamily="34" charset="0"/>
-                <a:buChar char="•"/>
-              </a:pPr>
-              <a:r>
-                <a:rPr lang="fr-FR" sz="1600" dirty="0">
-                  <a:latin typeface="Poppins" panose="00000500000000000000" pitchFamily="2" charset="0"/>
-                  <a:ea typeface="Calibri" panose="020F0502020204030204" pitchFamily="34" charset="0"/>
-                  <a:cs typeface="Poppins" panose="00000500000000000000" pitchFamily="2" charset="0"/>
-                </a:rPr>
-                <a:t>id</a:t>
-              </a:r>
-            </a:p>
-            <a:p>
               <a:pPr marL="171450" lvl="0" indent="-171450">
                 <a:lnSpc>
                   <a:spcPct val="107000"/>
@@ -8469,7 +8522,7 @@
           <p:spPr>
             <a:xfrm>
               <a:off x="6595188" y="4044500"/>
-              <a:ext cx="3733194" cy="902572"/>
+              <a:ext cx="3733194" cy="782014"/>
             </a:xfrm>
             <a:prstGeom prst="rect">
               <a:avLst/>
@@ -8487,14 +8540,33 @@
                 <a:buChar char="•"/>
               </a:pPr>
               <a:r>
-                <a:rPr lang="fr-FR" sz="1600" u="heavy" dirty="0" err="1">
+                <a:rPr lang="fr-FR" sz="1600" u="heavy" dirty="0">
+                  <a:latin typeface="Poppins" panose="00000500000000000000" pitchFamily="2" charset="0"/>
+                  <a:ea typeface="Calibri" panose="020F0502020204030204" pitchFamily="34" charset="0"/>
+                  <a:cs typeface="Poppins" panose="00000500000000000000" pitchFamily="2" charset="0"/>
+                </a:rPr>
+                <a:t>id</a:t>
+              </a:r>
+              <a:endParaRPr lang="fr-FR" sz="1600" dirty="0">
+                <a:latin typeface="Poppins" panose="00000500000000000000" pitchFamily="2" charset="0"/>
+                <a:ea typeface="Calibri" panose="020F0502020204030204" pitchFamily="34" charset="0"/>
+                <a:cs typeface="Poppins" panose="00000500000000000000" pitchFamily="2" charset="0"/>
+              </a:endParaRPr>
+            </a:p>
+            <a:p>
+              <a:pPr marL="171450" indent="-171450">
+                <a:buFont typeface="Arial" panose="020B0604020202020204" pitchFamily="34" charset="0"/>
+                <a:buChar char="•"/>
+              </a:pPr>
+              <a:r>
+                <a:rPr lang="fr-FR" sz="1600" dirty="0" err="1">
                   <a:latin typeface="Poppins" panose="00000500000000000000" pitchFamily="2" charset="0"/>
                   <a:ea typeface="Calibri" panose="020F0502020204030204" pitchFamily="34" charset="0"/>
                   <a:cs typeface="Poppins" panose="00000500000000000000" pitchFamily="2" charset="0"/>
                 </a:rPr>
                 <a:t>title</a:t>
               </a:r>
-              <a:endParaRPr lang="fr-FR" sz="1600" u="heavy" dirty="0">
+              <a:endParaRPr lang="fr-FR" sz="1600" dirty="0">
                 <a:latin typeface="Poppins" panose="00000500000000000000" pitchFamily="2" charset="0"/>
                 <a:ea typeface="Calibri" panose="020F0502020204030204" pitchFamily="34" charset="0"/>
                 <a:cs typeface="Poppins" panose="00000500000000000000" pitchFamily="2" charset="0"/>
@@ -8519,20 +8591,6 @@
                 <a:ea typeface="Calibri" panose="020F0502020204030204" pitchFamily="34" charset="0"/>
                 <a:cs typeface="Poppins" panose="00000500000000000000" pitchFamily="2" charset="0"/>
               </a:endParaRPr>
-            </a:p>
-            <a:p>
-              <a:pPr marL="171450" indent="-171450">
-                <a:buFont typeface="Arial" panose="020B0604020202020204" pitchFamily="34" charset="0"/>
-                <a:buChar char="•"/>
-              </a:pPr>
-              <a:r>
-                <a:rPr lang="fr-FR" sz="1600" dirty="0">
-                  <a:latin typeface="Poppins" panose="00000500000000000000" pitchFamily="2" charset="0"/>
-                  <a:ea typeface="Calibri" panose="020F0502020204030204" pitchFamily="34" charset="0"/>
-                  <a:cs typeface="Poppins" panose="00000500000000000000" pitchFamily="2" charset="0"/>
-                </a:rPr>
-                <a:t>id</a:t>
-              </a:r>
             </a:p>
             <a:p>
               <a:pPr marL="171450" indent="-171450">
@@ -8857,6 +8915,114 @@
           <a:chExt cx="0" cy="0"/>
         </a:xfrm>
       </p:grpSpPr>
+      <p:pic>
+        <p:nvPicPr>
+          <p:cNvPr id="5" name="Graphique 4" descr="Disque contour">
+            <a:extLst>
+              <a:ext uri="{FF2B5EF4-FFF2-40B4-BE49-F238E27FC236}">
+                <a16:creationId xmlns:a16="http://schemas.microsoft.com/office/drawing/2014/main" id="{4FF611CF-C9BC-4C02-AF6C-C7DCCB411017}"/>
+              </a:ext>
+            </a:extLst>
+          </p:cNvPr>
+          <p:cNvPicPr>
+            <a:picLocks noChangeAspect="1"/>
+          </p:cNvPicPr>
+          <p:nvPr/>
+        </p:nvPicPr>
+        <p:blipFill>
+          <a:blip r:embed="rId2">
+            <a:extLst>
+              <a:ext uri="{28A0092B-C50C-407E-A947-70E740481C1C}">
+                <a14:useLocalDpi xmlns:a14="http://schemas.microsoft.com/office/drawing/2010/main" val="0"/>
+              </a:ext>
+              <a:ext uri="{96DAC541-7B7A-43D3-8B79-37D633B846F1}">
+                <asvg:svgBlip xmlns:asvg="http://schemas.microsoft.com/office/drawing/2016/SVG/main" r:embed="rId3"/>
+              </a:ext>
+            </a:extLst>
+          </a:blip>
+          <a:stretch>
+            <a:fillRect/>
+          </a:stretch>
+        </p:blipFill>
+        <p:spPr>
+          <a:xfrm>
+            <a:off x="5638800" y="275253"/>
+            <a:ext cx="914400" cy="914400"/>
+          </a:xfrm>
+          <a:prstGeom prst="rect">
+            <a:avLst/>
+          </a:prstGeom>
+        </p:spPr>
+      </p:pic>
+      <p:sp>
+        <p:nvSpPr>
+          <p:cNvPr id="6" name="ZoneTexte 5">
+            <a:extLst>
+              <a:ext uri="{FF2B5EF4-FFF2-40B4-BE49-F238E27FC236}">
+                <a16:creationId xmlns:a16="http://schemas.microsoft.com/office/drawing/2014/main" id="{F2C6A5FE-E431-4C88-B87E-B13D2F55CF74}"/>
+              </a:ext>
+            </a:extLst>
+          </p:cNvPr>
+          <p:cNvSpPr txBox="1"/>
+          <p:nvPr/>
+        </p:nvSpPr>
+        <p:spPr>
+          <a:xfrm>
+            <a:off x="5497919" y="1175657"/>
+            <a:ext cx="1196161" cy="369332"/>
+          </a:xfrm>
+          <a:prstGeom prst="rect">
+            <a:avLst/>
+          </a:prstGeom>
+          <a:noFill/>
+        </p:spPr>
+        <p:txBody>
+          <a:bodyPr wrap="none" rtlCol="0">
+            <a:spAutoFit/>
+          </a:bodyPr>
+          <a:lstStyle/>
+          <a:p>
+            <a:pPr algn="ctr"/>
+            <a:r>
+              <a:rPr lang="fr-FR" dirty="0">
+                <a:latin typeface="Poppins" panose="00000500000000000000" pitchFamily="2" charset="0"/>
+                <a:cs typeface="Poppins" panose="00000500000000000000" pitchFamily="2" charset="0"/>
+              </a:rPr>
+              <a:t>Données</a:t>
+            </a:r>
+          </a:p>
+        </p:txBody>
+      </p:sp>
+    </p:spTree>
+    <p:extLst>
+      <p:ext uri="{BB962C8B-B14F-4D97-AF65-F5344CB8AC3E}">
+        <p14:creationId xmlns:p14="http://schemas.microsoft.com/office/powerpoint/2010/main" val="3962060244"/>
+      </p:ext>
+    </p:extLst>
+  </p:cSld>
+  <p:clrMapOvr>
+    <a:masterClrMapping/>
+  </p:clrMapOvr>
+</p:sld>
+</file>
+
+<file path=ppt/slides/slide6.xml><?xml version="1.0" encoding="utf-8"?>
+<p:sld xmlns:a="http://schemas.openxmlformats.org/drawingml/2006/main" xmlns:r="http://schemas.openxmlformats.org/officeDocument/2006/relationships" xmlns:p="http://schemas.openxmlformats.org/presentationml/2006/main">
+  <p:cSld>
+    <p:spTree>
+      <p:nvGrpSpPr>
+        <p:cNvPr id="1" name=""/>
+        <p:cNvGrpSpPr/>
+        <p:nvPr/>
+      </p:nvGrpSpPr>
+      <p:grpSpPr>
+        <a:xfrm>
+          <a:off x="0" y="0"/>
+          <a:ext cx="0" cy="0"/>
+          <a:chOff x="0" y="0"/>
+          <a:chExt cx="0" cy="0"/>
+        </a:xfrm>
+      </p:grpSpPr>
       <p:sp>
         <p:nvSpPr>
           <p:cNvPr id="28" name="Rectangle : coins arrondis 27">
@@ -9291,7 +9457,7 @@
 </p:sld>
 </file>
 
-<file path=ppt/slides/slide6.xml><?xml version="1.0" encoding="utf-8"?>
+<file path=ppt/slides/slide7.xml><?xml version="1.0" encoding="utf-8"?>
 <p:sld xmlns:a="http://schemas.openxmlformats.org/drawingml/2006/main" xmlns:r="http://schemas.openxmlformats.org/officeDocument/2006/relationships" xmlns:p="http://schemas.openxmlformats.org/presentationml/2006/main">
   <p:cSld>
     <p:spTree>

--- a/presentation/Structure_Projet.pptx
+++ b/presentation/Structure_Projet.pptx
@@ -132,7 +132,7 @@
 <file path=ppt/revisionInfo.xml><?xml version="1.0" encoding="utf-8"?>
 <p1510:revInfo xmlns:a="http://schemas.openxmlformats.org/drawingml/2006/main" xmlns:r="http://schemas.openxmlformats.org/officeDocument/2006/relationships" xmlns:p1510="http://schemas.microsoft.com/office/powerpoint/2015/10/main">
   <p1510:revLst>
-    <p1510:client id="{7F131F86-5835-4106-9139-BC7AD26F85E4}" v="78" dt="2021-06-25T07:56:03.433"/>
+    <p1510:client id="{7F131F86-5835-4106-9139-BC7AD26F85E4}" v="108" dt="2021-06-25T09:01:28.324"/>
   </p1510:revLst>
 </p1510:revInfo>
 </file>
@@ -142,7 +142,7 @@
   <pc:docChgLst>
     <pc:chgData name="Hugo DEMENEZ" userId="167f3b24-aa49-4d1b-b001-4f9180dfa13d" providerId="ADAL" clId="{7F131F86-5835-4106-9139-BC7AD26F85E4}"/>
     <pc:docChg chg="undo redo custSel addSld delSld modSld sldOrd">
-      <pc:chgData name="Hugo DEMENEZ" userId="167f3b24-aa49-4d1b-b001-4f9180dfa13d" providerId="ADAL" clId="{7F131F86-5835-4106-9139-BC7AD26F85E4}" dt="2021-06-25T07:56:38.983" v="566" actId="1076"/>
+      <pc:chgData name="Hugo DEMENEZ" userId="167f3b24-aa49-4d1b-b001-4f9180dfa13d" providerId="ADAL" clId="{7F131F86-5835-4106-9139-BC7AD26F85E4}" dt="2021-06-25T09:05:33.444" v="810" actId="14100"/>
       <pc:docMkLst>
         <pc:docMk/>
       </pc:docMkLst>
@@ -209,11 +209,35 @@
         </pc:sldMkLst>
       </pc:sldChg>
       <pc:sldChg chg="modSp mod">
-        <pc:chgData name="Hugo DEMENEZ" userId="167f3b24-aa49-4d1b-b001-4f9180dfa13d" providerId="ADAL" clId="{7F131F86-5835-4106-9139-BC7AD26F85E4}" dt="2021-06-24T12:29:59.567" v="372" actId="208"/>
+        <pc:chgData name="Hugo DEMENEZ" userId="167f3b24-aa49-4d1b-b001-4f9180dfa13d" providerId="ADAL" clId="{7F131F86-5835-4106-9139-BC7AD26F85E4}" dt="2021-06-25T08:55:50.944" v="670" actId="404"/>
         <pc:sldMkLst>
           <pc:docMk/>
           <pc:sldMk cId="2640128254" sldId="258"/>
         </pc:sldMkLst>
+        <pc:spChg chg="mod">
+          <ac:chgData name="Hugo DEMENEZ" userId="167f3b24-aa49-4d1b-b001-4f9180dfa13d" providerId="ADAL" clId="{7F131F86-5835-4106-9139-BC7AD26F85E4}" dt="2021-06-25T08:55:50.944" v="670" actId="404"/>
+          <ac:spMkLst>
+            <pc:docMk/>
+            <pc:sldMk cId="2640128254" sldId="258"/>
+            <ac:spMk id="14" creationId="{58BCBBC0-2414-4567-8327-95474463946F}"/>
+          </ac:spMkLst>
+        </pc:spChg>
+        <pc:spChg chg="mod">
+          <ac:chgData name="Hugo DEMENEZ" userId="167f3b24-aa49-4d1b-b001-4f9180dfa13d" providerId="ADAL" clId="{7F131F86-5835-4106-9139-BC7AD26F85E4}" dt="2021-06-25T08:55:50.944" v="670" actId="404"/>
+          <ac:spMkLst>
+            <pc:docMk/>
+            <pc:sldMk cId="2640128254" sldId="258"/>
+            <ac:spMk id="15" creationId="{0A278963-E5E5-46EE-A983-0B76BF41BD09}"/>
+          </ac:spMkLst>
+        </pc:spChg>
+        <pc:spChg chg="mod">
+          <ac:chgData name="Hugo DEMENEZ" userId="167f3b24-aa49-4d1b-b001-4f9180dfa13d" providerId="ADAL" clId="{7F131F86-5835-4106-9139-BC7AD26F85E4}" dt="2021-06-25T08:55:50.944" v="670" actId="404"/>
+          <ac:spMkLst>
+            <pc:docMk/>
+            <pc:sldMk cId="2640128254" sldId="258"/>
+            <ac:spMk id="16" creationId="{D4E4183B-F45A-4F5F-833C-E55547C671A4}"/>
+          </ac:spMkLst>
+        </pc:spChg>
         <pc:spChg chg="mod">
           <ac:chgData name="Hugo DEMENEZ" userId="167f3b24-aa49-4d1b-b001-4f9180dfa13d" providerId="ADAL" clId="{7F131F86-5835-4106-9139-BC7AD26F85E4}" dt="2021-06-24T12:29:51.969" v="370" actId="207"/>
           <ac:spMkLst>
@@ -359,11 +383,67 @@
         </pc:picChg>
       </pc:sldChg>
       <pc:sldChg chg="modSp mod">
-        <pc:chgData name="Hugo DEMENEZ" userId="167f3b24-aa49-4d1b-b001-4f9180dfa13d" providerId="ADAL" clId="{7F131F86-5835-4106-9139-BC7AD26F85E4}" dt="2021-06-24T12:30:15.760" v="379" actId="208"/>
+        <pc:chgData name="Hugo DEMENEZ" userId="167f3b24-aa49-4d1b-b001-4f9180dfa13d" providerId="ADAL" clId="{7F131F86-5835-4106-9139-BC7AD26F85E4}" dt="2021-06-25T08:55:29.343" v="668" actId="404"/>
         <pc:sldMkLst>
           <pc:docMk/>
           <pc:sldMk cId="1097528585" sldId="261"/>
         </pc:sldMkLst>
+        <pc:spChg chg="mod">
+          <ac:chgData name="Hugo DEMENEZ" userId="167f3b24-aa49-4d1b-b001-4f9180dfa13d" providerId="ADAL" clId="{7F131F86-5835-4106-9139-BC7AD26F85E4}" dt="2021-06-25T08:55:29.343" v="668" actId="404"/>
+          <ac:spMkLst>
+            <pc:docMk/>
+            <pc:sldMk cId="1097528585" sldId="261"/>
+            <ac:spMk id="7" creationId="{C34615B9-2DFF-455A-A648-8C8D5D8107A1}"/>
+          </ac:spMkLst>
+        </pc:spChg>
+        <pc:spChg chg="mod">
+          <ac:chgData name="Hugo DEMENEZ" userId="167f3b24-aa49-4d1b-b001-4f9180dfa13d" providerId="ADAL" clId="{7F131F86-5835-4106-9139-BC7AD26F85E4}" dt="2021-06-25T08:55:29.343" v="668" actId="404"/>
+          <ac:spMkLst>
+            <pc:docMk/>
+            <pc:sldMk cId="1097528585" sldId="261"/>
+            <ac:spMk id="44" creationId="{D7AD82F6-38E5-46B5-838B-EFD5701026C7}"/>
+          </ac:spMkLst>
+        </pc:spChg>
+        <pc:spChg chg="mod">
+          <ac:chgData name="Hugo DEMENEZ" userId="167f3b24-aa49-4d1b-b001-4f9180dfa13d" providerId="ADAL" clId="{7F131F86-5835-4106-9139-BC7AD26F85E4}" dt="2021-06-25T08:55:29.343" v="668" actId="404"/>
+          <ac:spMkLst>
+            <pc:docMk/>
+            <pc:sldMk cId="1097528585" sldId="261"/>
+            <ac:spMk id="45" creationId="{B6532C3D-1E94-48F4-92D3-FF1FEB77DF7C}"/>
+          </ac:spMkLst>
+        </pc:spChg>
+        <pc:spChg chg="mod">
+          <ac:chgData name="Hugo DEMENEZ" userId="167f3b24-aa49-4d1b-b001-4f9180dfa13d" providerId="ADAL" clId="{7F131F86-5835-4106-9139-BC7AD26F85E4}" dt="2021-06-25T08:55:29.343" v="668" actId="404"/>
+          <ac:spMkLst>
+            <pc:docMk/>
+            <pc:sldMk cId="1097528585" sldId="261"/>
+            <ac:spMk id="46" creationId="{D13169A7-58A9-4A7A-9142-0822CF3B6196}"/>
+          </ac:spMkLst>
+        </pc:spChg>
+        <pc:spChg chg="mod">
+          <ac:chgData name="Hugo DEMENEZ" userId="167f3b24-aa49-4d1b-b001-4f9180dfa13d" providerId="ADAL" clId="{7F131F86-5835-4106-9139-BC7AD26F85E4}" dt="2021-06-25T08:55:29.343" v="668" actId="404"/>
+          <ac:spMkLst>
+            <pc:docMk/>
+            <pc:sldMk cId="1097528585" sldId="261"/>
+            <ac:spMk id="47" creationId="{64C924E3-0B54-46A6-A8F2-4B347CEFBE60}"/>
+          </ac:spMkLst>
+        </pc:spChg>
+        <pc:spChg chg="mod">
+          <ac:chgData name="Hugo DEMENEZ" userId="167f3b24-aa49-4d1b-b001-4f9180dfa13d" providerId="ADAL" clId="{7F131F86-5835-4106-9139-BC7AD26F85E4}" dt="2021-06-25T08:55:29.343" v="668" actId="404"/>
+          <ac:spMkLst>
+            <pc:docMk/>
+            <pc:sldMk cId="1097528585" sldId="261"/>
+            <ac:spMk id="48" creationId="{64C924E3-0B54-46A6-A8F2-4B347CEFBE60}"/>
+          </ac:spMkLst>
+        </pc:spChg>
+        <pc:spChg chg="mod">
+          <ac:chgData name="Hugo DEMENEZ" userId="167f3b24-aa49-4d1b-b001-4f9180dfa13d" providerId="ADAL" clId="{7F131F86-5835-4106-9139-BC7AD26F85E4}" dt="2021-06-25T08:55:29.343" v="668" actId="404"/>
+          <ac:spMkLst>
+            <pc:docMk/>
+            <pc:sldMk cId="1097528585" sldId="261"/>
+            <ac:spMk id="49" creationId="{64C924E3-0B54-46A6-A8F2-4B347CEFBE60}"/>
+          </ac:spMkLst>
+        </pc:spChg>
         <pc:spChg chg="mod">
           <ac:chgData name="Hugo DEMENEZ" userId="167f3b24-aa49-4d1b-b001-4f9180dfa13d" providerId="ADAL" clId="{7F131F86-5835-4106-9139-BC7AD26F85E4}" dt="2021-06-24T12:30:03.531" v="373" actId="208"/>
           <ac:spMkLst>
@@ -778,7 +858,7 @@
         </pc:picChg>
       </pc:sldChg>
       <pc:sldChg chg="addSp delSp modSp new mod">
-        <pc:chgData name="Hugo DEMENEZ" userId="167f3b24-aa49-4d1b-b001-4f9180dfa13d" providerId="ADAL" clId="{7F131F86-5835-4106-9139-BC7AD26F85E4}" dt="2021-06-25T07:56:38.983" v="566" actId="1076"/>
+        <pc:chgData name="Hugo DEMENEZ" userId="167f3b24-aa49-4d1b-b001-4f9180dfa13d" providerId="ADAL" clId="{7F131F86-5835-4106-9139-BC7AD26F85E4}" dt="2021-06-25T09:05:33.444" v="810" actId="14100"/>
         <pc:sldMkLst>
           <pc:docMk/>
           <pc:sldMk cId="3962060244" sldId="265"/>
@@ -800,21 +880,149 @@
           </ac:spMkLst>
         </pc:spChg>
         <pc:spChg chg="add mod">
-          <ac:chgData name="Hugo DEMENEZ" userId="167f3b24-aa49-4d1b-b001-4f9180dfa13d" providerId="ADAL" clId="{7F131F86-5835-4106-9139-BC7AD26F85E4}" dt="2021-06-25T07:56:38.983" v="566" actId="1076"/>
+          <ac:chgData name="Hugo DEMENEZ" userId="167f3b24-aa49-4d1b-b001-4f9180dfa13d" providerId="ADAL" clId="{7F131F86-5835-4106-9139-BC7AD26F85E4}" dt="2021-06-25T09:01:42.965" v="769" actId="1076"/>
           <ac:spMkLst>
             <pc:docMk/>
             <pc:sldMk cId="3962060244" sldId="265"/>
             <ac:spMk id="6" creationId="{F2C6A5FE-E431-4C88-B87E-B13D2F55CF74}"/>
           </ac:spMkLst>
         </pc:spChg>
+        <pc:spChg chg="add mod">
+          <ac:chgData name="Hugo DEMENEZ" userId="167f3b24-aa49-4d1b-b001-4f9180dfa13d" providerId="ADAL" clId="{7F131F86-5835-4106-9139-BC7AD26F85E4}" dt="2021-06-25T09:00:55.071" v="762" actId="1076"/>
+          <ac:spMkLst>
+            <pc:docMk/>
+            <pc:sldMk cId="3962060244" sldId="265"/>
+            <ac:spMk id="7" creationId="{719D13E9-DEB9-42D6-B786-1AC30187C915}"/>
+          </ac:spMkLst>
+        </pc:spChg>
+        <pc:spChg chg="add mod">
+          <ac:chgData name="Hugo DEMENEZ" userId="167f3b24-aa49-4d1b-b001-4f9180dfa13d" providerId="ADAL" clId="{7F131F86-5835-4106-9139-BC7AD26F85E4}" dt="2021-06-25T09:00:55.071" v="762" actId="1076"/>
+          <ac:spMkLst>
+            <pc:docMk/>
+            <pc:sldMk cId="3962060244" sldId="265"/>
+            <ac:spMk id="10" creationId="{EB25FAED-3F49-416D-95E5-E5E134C901BA}"/>
+          </ac:spMkLst>
+        </pc:spChg>
+        <pc:spChg chg="add mod">
+          <ac:chgData name="Hugo DEMENEZ" userId="167f3b24-aa49-4d1b-b001-4f9180dfa13d" providerId="ADAL" clId="{7F131F86-5835-4106-9139-BC7AD26F85E4}" dt="2021-06-25T09:00:55.071" v="762" actId="1076"/>
+          <ac:spMkLst>
+            <pc:docMk/>
+            <pc:sldMk cId="3962060244" sldId="265"/>
+            <ac:spMk id="12" creationId="{3D0ED147-91B3-41C1-ABEB-73080C29A06C}"/>
+          </ac:spMkLst>
+        </pc:spChg>
+        <pc:spChg chg="add mod">
+          <ac:chgData name="Hugo DEMENEZ" userId="167f3b24-aa49-4d1b-b001-4f9180dfa13d" providerId="ADAL" clId="{7F131F86-5835-4106-9139-BC7AD26F85E4}" dt="2021-06-25T09:00:55.071" v="762" actId="1076"/>
+          <ac:spMkLst>
+            <pc:docMk/>
+            <pc:sldMk cId="3962060244" sldId="265"/>
+            <ac:spMk id="17" creationId="{B294910F-7592-40C6-BC84-621E0282B391}"/>
+          </ac:spMkLst>
+        </pc:spChg>
+        <pc:spChg chg="add mod">
+          <ac:chgData name="Hugo DEMENEZ" userId="167f3b24-aa49-4d1b-b001-4f9180dfa13d" providerId="ADAL" clId="{7F131F86-5835-4106-9139-BC7AD26F85E4}" dt="2021-06-25T09:00:55.071" v="762" actId="1076"/>
+          <ac:spMkLst>
+            <pc:docMk/>
+            <pc:sldMk cId="3962060244" sldId="265"/>
+            <ac:spMk id="18" creationId="{6E823A1C-790E-4D21-85F0-B9293C1A6B28}"/>
+          </ac:spMkLst>
+        </pc:spChg>
+        <pc:spChg chg="add del mod">
+          <ac:chgData name="Hugo DEMENEZ" userId="167f3b24-aa49-4d1b-b001-4f9180dfa13d" providerId="ADAL" clId="{7F131F86-5835-4106-9139-BC7AD26F85E4}" dt="2021-06-25T09:04:52.613" v="803" actId="478"/>
+          <ac:spMkLst>
+            <pc:docMk/>
+            <pc:sldMk cId="3962060244" sldId="265"/>
+            <ac:spMk id="26" creationId="{C42F84B6-3694-4DDE-BDF6-59E055E53969}"/>
+          </ac:spMkLst>
+        </pc:spChg>
+        <pc:spChg chg="add mod">
+          <ac:chgData name="Hugo DEMENEZ" userId="167f3b24-aa49-4d1b-b001-4f9180dfa13d" providerId="ADAL" clId="{7F131F86-5835-4106-9139-BC7AD26F85E4}" dt="2021-06-25T09:05:33.444" v="810" actId="14100"/>
+          <ac:spMkLst>
+            <pc:docMk/>
+            <pc:sldMk cId="3962060244" sldId="265"/>
+            <ac:spMk id="37" creationId="{168183D2-6643-48C2-A77A-DB54479488F7}"/>
+          </ac:spMkLst>
+        </pc:spChg>
         <pc:picChg chg="add mod">
-          <ac:chgData name="Hugo DEMENEZ" userId="167f3b24-aa49-4d1b-b001-4f9180dfa13d" providerId="ADAL" clId="{7F131F86-5835-4106-9139-BC7AD26F85E4}" dt="2021-06-25T07:55:58.123" v="549" actId="1076"/>
+          <ac:chgData name="Hugo DEMENEZ" userId="167f3b24-aa49-4d1b-b001-4f9180dfa13d" providerId="ADAL" clId="{7F131F86-5835-4106-9139-BC7AD26F85E4}" dt="2021-06-25T09:02:11.870" v="772" actId="2085"/>
+          <ac:picMkLst>
+            <pc:docMk/>
+            <pc:sldMk cId="3962060244" sldId="265"/>
+            <ac:picMk id="3" creationId="{7878D0D0-C5B3-4C80-B206-2D19214EAA02}"/>
+          </ac:picMkLst>
+        </pc:picChg>
+        <pc:picChg chg="add mod">
+          <ac:chgData name="Hugo DEMENEZ" userId="167f3b24-aa49-4d1b-b001-4f9180dfa13d" providerId="ADAL" clId="{7F131F86-5835-4106-9139-BC7AD26F85E4}" dt="2021-06-25T09:01:45.174" v="770" actId="1076"/>
           <ac:picMkLst>
             <pc:docMk/>
             <pc:sldMk cId="3962060244" sldId="265"/>
             <ac:picMk id="5" creationId="{4FF611CF-C9BC-4C02-AF6C-C7DCCB411017}"/>
           </ac:picMkLst>
         </pc:picChg>
+        <pc:picChg chg="add mod">
+          <ac:chgData name="Hugo DEMENEZ" userId="167f3b24-aa49-4d1b-b001-4f9180dfa13d" providerId="ADAL" clId="{7F131F86-5835-4106-9139-BC7AD26F85E4}" dt="2021-06-25T09:01:19.914" v="765" actId="1076"/>
+          <ac:picMkLst>
+            <pc:docMk/>
+            <pc:sldMk cId="3962060244" sldId="265"/>
+            <ac:picMk id="11" creationId="{988A0ED4-9A10-491B-957E-E65255500F56}"/>
+          </ac:picMkLst>
+        </pc:picChg>
+        <pc:picChg chg="add mod">
+          <ac:chgData name="Hugo DEMENEZ" userId="167f3b24-aa49-4d1b-b001-4f9180dfa13d" providerId="ADAL" clId="{7F131F86-5835-4106-9139-BC7AD26F85E4}" dt="2021-06-25T09:01:12.232" v="764" actId="1076"/>
+          <ac:picMkLst>
+            <pc:docMk/>
+            <pc:sldMk cId="3962060244" sldId="265"/>
+            <ac:picMk id="13" creationId="{D388A610-B7C3-421E-91D2-EB02A92BDBC8}"/>
+          </ac:picMkLst>
+        </pc:picChg>
+        <pc:picChg chg="add mod">
+          <ac:chgData name="Hugo DEMENEZ" userId="167f3b24-aa49-4d1b-b001-4f9180dfa13d" providerId="ADAL" clId="{7F131F86-5835-4106-9139-BC7AD26F85E4}" dt="2021-06-25T09:01:02.494" v="763" actId="1076"/>
+          <ac:picMkLst>
+            <pc:docMk/>
+            <pc:sldMk cId="3962060244" sldId="265"/>
+            <ac:picMk id="15" creationId="{B0EE427A-D9AB-4957-A3C5-A3B0E9B2189A}"/>
+          </ac:picMkLst>
+        </pc:picChg>
+        <pc:picChg chg="add mod">
+          <ac:chgData name="Hugo DEMENEZ" userId="167f3b24-aa49-4d1b-b001-4f9180dfa13d" providerId="ADAL" clId="{7F131F86-5835-4106-9139-BC7AD26F85E4}" dt="2021-06-25T09:01:28.323" v="767" actId="1076"/>
+          <ac:picMkLst>
+            <pc:docMk/>
+            <pc:sldMk cId="3962060244" sldId="265"/>
+            <ac:picMk id="1026" creationId="{473C75C0-386B-4CF8-8B1A-E2CE2640F229}"/>
+          </ac:picMkLst>
+        </pc:picChg>
+        <pc:cxnChg chg="add mod">
+          <ac:chgData name="Hugo DEMENEZ" userId="167f3b24-aa49-4d1b-b001-4f9180dfa13d" providerId="ADAL" clId="{7F131F86-5835-4106-9139-BC7AD26F85E4}" dt="2021-06-25T08:58:05.835" v="726" actId="1076"/>
+          <ac:cxnSpMkLst>
+            <pc:docMk/>
+            <pc:sldMk cId="3962060244" sldId="265"/>
+            <ac:cxnSpMk id="8" creationId="{B1A5E0FD-2FA1-4585-9EFF-86F74E964E9B}"/>
+          </ac:cxnSpMkLst>
+        </pc:cxnChg>
+        <pc:cxnChg chg="add del mod">
+          <ac:chgData name="Hugo DEMENEZ" userId="167f3b24-aa49-4d1b-b001-4f9180dfa13d" providerId="ADAL" clId="{7F131F86-5835-4106-9139-BC7AD26F85E4}" dt="2021-06-25T09:03:05.832" v="780" actId="478"/>
+          <ac:cxnSpMkLst>
+            <pc:docMk/>
+            <pc:sldMk cId="3962060244" sldId="265"/>
+            <ac:cxnSpMk id="19" creationId="{15B9E4B4-AD2D-4B36-B021-B959D7CE763E}"/>
+          </ac:cxnSpMkLst>
+        </pc:cxnChg>
+        <pc:cxnChg chg="add del mod">
+          <ac:chgData name="Hugo DEMENEZ" userId="167f3b24-aa49-4d1b-b001-4f9180dfa13d" providerId="ADAL" clId="{7F131F86-5835-4106-9139-BC7AD26F85E4}" dt="2021-06-25T09:03:50.885" v="793" actId="478"/>
+          <ac:cxnSpMkLst>
+            <pc:docMk/>
+            <pc:sldMk cId="3962060244" sldId="265"/>
+            <ac:cxnSpMk id="28" creationId="{C80CAEB3-86CC-45F4-A5F6-2DAC9F4BD720}"/>
+          </ac:cxnSpMkLst>
+        </pc:cxnChg>
+        <pc:cxnChg chg="add del mod">
+          <ac:chgData name="Hugo DEMENEZ" userId="167f3b24-aa49-4d1b-b001-4f9180dfa13d" providerId="ADAL" clId="{7F131F86-5835-4106-9139-BC7AD26F85E4}" dt="2021-06-25T09:04:05.247" v="797" actId="478"/>
+          <ac:cxnSpMkLst>
+            <pc:docMk/>
+            <pc:sldMk cId="3962060244" sldId="265"/>
+            <ac:cxnSpMk id="34" creationId="{9DEFE60B-D20A-4578-853C-1C0A24C97F88}"/>
+          </ac:cxnSpMkLst>
+        </pc:cxnChg>
       </pc:sldChg>
     </pc:docChg>
   </pc:docChgLst>
@@ -8946,8 +9154,8 @@
         </p:blipFill>
         <p:spPr>
           <a:xfrm>
-            <a:off x="5638800" y="275253"/>
-            <a:ext cx="914400" cy="914400"/>
+            <a:off x="11156348" y="3397123"/>
+            <a:ext cx="333755" cy="333755"/>
           </a:xfrm>
           <a:prstGeom prst="rect">
             <a:avLst/>
@@ -8968,8 +9176,86 @@
         </p:nvSpPr>
         <p:spPr>
           <a:xfrm>
-            <a:off x="5497919" y="1175657"/>
-            <a:ext cx="1196161" cy="369332"/>
+            <a:off x="9374863" y="3429000"/>
+            <a:ext cx="1767875" cy="261610"/>
+          </a:xfrm>
+          <a:prstGeom prst="rect">
+            <a:avLst/>
+          </a:prstGeom>
+          <a:noFill/>
+        </p:spPr>
+        <p:txBody>
+          <a:bodyPr wrap="square" rtlCol="0">
+            <a:spAutoFit/>
+          </a:bodyPr>
+          <a:lstStyle/>
+          <a:p>
+            <a:pPr algn="ctr"/>
+            <a:r>
+              <a:rPr lang="fr-FR" sz="1100" dirty="0">
+                <a:latin typeface="Poppins" panose="00000500000000000000" pitchFamily="2" charset="0"/>
+                <a:cs typeface="Poppins" panose="00000500000000000000" pitchFamily="2" charset="0"/>
+              </a:rPr>
+              <a:t>Parcours de la donnée</a:t>
+            </a:r>
+          </a:p>
+        </p:txBody>
+      </p:sp>
+      <p:pic>
+        <p:nvPicPr>
+          <p:cNvPr id="3" name="Graphique 2" descr="Internet contour">
+            <a:extLst>
+              <a:ext uri="{FF2B5EF4-FFF2-40B4-BE49-F238E27FC236}">
+                <a16:creationId xmlns:a16="http://schemas.microsoft.com/office/drawing/2014/main" id="{7878D0D0-C5B3-4C80-B206-2D19214EAA02}"/>
+              </a:ext>
+            </a:extLst>
+          </p:cNvPr>
+          <p:cNvPicPr>
+            <a:picLocks noChangeAspect="1"/>
+          </p:cNvPicPr>
+          <p:nvPr/>
+        </p:nvPicPr>
+        <p:blipFill>
+          <a:blip r:embed="rId4">
+            <a:extLst>
+              <a:ext uri="{28A0092B-C50C-407E-A947-70E740481C1C}">
+                <a14:useLocalDpi xmlns:a14="http://schemas.microsoft.com/office/drawing/2010/main" val="0"/>
+              </a:ext>
+              <a:ext uri="{96DAC541-7B7A-43D3-8B79-37D633B846F1}">
+                <asvg:svgBlip xmlns:asvg="http://schemas.microsoft.com/office/drawing/2016/SVG/main" r:embed="rId5"/>
+              </a:ext>
+            </a:extLst>
+          </a:blip>
+          <a:stretch>
+            <a:fillRect/>
+          </a:stretch>
+        </p:blipFill>
+        <p:spPr>
+          <a:xfrm>
+            <a:off x="1732578" y="2750503"/>
+            <a:ext cx="540000" cy="540000"/>
+          </a:xfrm>
+          <a:prstGeom prst="rect">
+            <a:avLst/>
+          </a:prstGeom>
+        </p:spPr>
+      </p:pic>
+      <p:sp>
+        <p:nvSpPr>
+          <p:cNvPr id="7" name="ZoneTexte 6">
+            <a:extLst>
+              <a:ext uri="{FF2B5EF4-FFF2-40B4-BE49-F238E27FC236}">
+                <a16:creationId xmlns:a16="http://schemas.microsoft.com/office/drawing/2014/main" id="{719D13E9-DEB9-42D6-B786-1AC30187C915}"/>
+              </a:ext>
+            </a:extLst>
+          </p:cNvPr>
+          <p:cNvSpPr txBox="1"/>
+          <p:nvPr/>
+        </p:nvSpPr>
+        <p:spPr>
+          <a:xfrm>
+            <a:off x="1539952" y="2374571"/>
+            <a:ext cx="925253" cy="369332"/>
           </a:xfrm>
           <a:prstGeom prst="rect">
             <a:avLst/>
@@ -8984,12 +9270,438 @@
           <a:p>
             <a:pPr algn="ctr"/>
             <a:r>
+              <a:rPr lang="fr-FR" dirty="0" err="1">
+                <a:latin typeface="Poppins" panose="00000500000000000000" pitchFamily="2" charset="0"/>
+                <a:cs typeface="Poppins" panose="00000500000000000000" pitchFamily="2" charset="0"/>
+              </a:rPr>
+              <a:t>Aurion</a:t>
+            </a:r>
+            <a:endParaRPr lang="fr-FR" dirty="0">
+              <a:latin typeface="Poppins" panose="00000500000000000000" pitchFamily="2" charset="0"/>
+              <a:cs typeface="Poppins" panose="00000500000000000000" pitchFamily="2" charset="0"/>
+            </a:endParaRPr>
+          </a:p>
+        </p:txBody>
+      </p:sp>
+      <p:cxnSp>
+        <p:nvCxnSpPr>
+          <p:cNvPr id="8" name="Connecteur droit avec flèche 7">
+            <a:extLst>
+              <a:ext uri="{FF2B5EF4-FFF2-40B4-BE49-F238E27FC236}">
+                <a16:creationId xmlns:a16="http://schemas.microsoft.com/office/drawing/2014/main" id="{B1A5E0FD-2FA1-4585-9EFF-86F74E964E9B}"/>
+              </a:ext>
+            </a:extLst>
+          </p:cNvPr>
+          <p:cNvCxnSpPr/>
+          <p:nvPr/>
+        </p:nvCxnSpPr>
+        <p:spPr>
+          <a:xfrm>
+            <a:off x="121298" y="3382834"/>
+            <a:ext cx="11675706" cy="0"/>
+          </a:xfrm>
+          <a:prstGeom prst="straightConnector1">
+            <a:avLst/>
+          </a:prstGeom>
+          <a:ln w="25400">
+            <a:solidFill>
+              <a:srgbClr val="137478"/>
+            </a:solidFill>
+            <a:tailEnd type="triangle"/>
+          </a:ln>
+        </p:spPr>
+        <p:style>
+          <a:lnRef idx="1">
+            <a:schemeClr val="accent1"/>
+          </a:lnRef>
+          <a:fillRef idx="0">
+            <a:schemeClr val="accent1"/>
+          </a:fillRef>
+          <a:effectRef idx="0">
+            <a:schemeClr val="accent1"/>
+          </a:effectRef>
+          <a:fontRef idx="minor">
+            <a:schemeClr val="tx1"/>
+          </a:fontRef>
+        </p:style>
+      </p:cxnSp>
+      <p:pic>
+        <p:nvPicPr>
+          <p:cNvPr id="1026" name="Picture 2" descr="Icône Python - Téléchargement gratuit en PNG et vecteurs">
+            <a:extLst>
+              <a:ext uri="{FF2B5EF4-FFF2-40B4-BE49-F238E27FC236}">
+                <a16:creationId xmlns:a16="http://schemas.microsoft.com/office/drawing/2014/main" id="{473C75C0-386B-4CF8-8B1A-E2CE2640F229}"/>
+              </a:ext>
+            </a:extLst>
+          </p:cNvPr>
+          <p:cNvPicPr>
+            <a:picLocks noChangeAspect="1" noChangeArrowheads="1"/>
+          </p:cNvPicPr>
+          <p:nvPr/>
+        </p:nvPicPr>
+        <p:blipFill>
+          <a:blip r:embed="rId6">
+            <a:extLst>
+              <a:ext uri="{28A0092B-C50C-407E-A947-70E740481C1C}">
+                <a14:useLocalDpi xmlns:a14="http://schemas.microsoft.com/office/drawing/2010/main" val="0"/>
+              </a:ext>
+            </a:extLst>
+          </a:blip>
+          <a:srcRect/>
+          <a:stretch>
+            <a:fillRect/>
+          </a:stretch>
+        </p:blipFill>
+        <p:spPr bwMode="auto">
+          <a:xfrm>
+            <a:off x="3078503" y="2750503"/>
+            <a:ext cx="540000" cy="540000"/>
+          </a:xfrm>
+          <a:prstGeom prst="rect">
+            <a:avLst/>
+          </a:prstGeom>
+          <a:noFill/>
+          <a:extLst>
+            <a:ext uri="{909E8E84-426E-40DD-AFC4-6F175D3DCCD1}">
+              <a14:hiddenFill xmlns:a14="http://schemas.microsoft.com/office/drawing/2010/main">
+                <a:solidFill>
+                  <a:srgbClr val="FFFFFF"/>
+                </a:solidFill>
+              </a14:hiddenFill>
+            </a:ext>
+          </a:extLst>
+        </p:spPr>
+      </p:pic>
+      <p:sp>
+        <p:nvSpPr>
+          <p:cNvPr id="10" name="ZoneTexte 9">
+            <a:extLst>
+              <a:ext uri="{FF2B5EF4-FFF2-40B4-BE49-F238E27FC236}">
+                <a16:creationId xmlns:a16="http://schemas.microsoft.com/office/drawing/2014/main" id="{EB25FAED-3F49-416D-95E5-E5E134C901BA}"/>
+              </a:ext>
+            </a:extLst>
+          </p:cNvPr>
+          <p:cNvSpPr txBox="1"/>
+          <p:nvPr/>
+        </p:nvSpPr>
+        <p:spPr>
+          <a:xfrm>
+            <a:off x="2861831" y="2374571"/>
+            <a:ext cx="973344" cy="369332"/>
+          </a:xfrm>
+          <a:prstGeom prst="rect">
+            <a:avLst/>
+          </a:prstGeom>
+          <a:noFill/>
+        </p:spPr>
+        <p:txBody>
+          <a:bodyPr wrap="none" rtlCol="0">
+            <a:spAutoFit/>
+          </a:bodyPr>
+          <a:lstStyle/>
+          <a:p>
+            <a:pPr algn="ctr"/>
+            <a:r>
               <a:rPr lang="fr-FR" dirty="0">
                 <a:latin typeface="Poppins" panose="00000500000000000000" pitchFamily="2" charset="0"/>
                 <a:cs typeface="Poppins" panose="00000500000000000000" pitchFamily="2" charset="0"/>
               </a:rPr>
-              <a:t>Données</a:t>
+              <a:t>Python</a:t>
             </a:r>
+          </a:p>
+        </p:txBody>
+      </p:sp>
+      <p:pic>
+        <p:nvPicPr>
+          <p:cNvPr id="11" name="Graphique 10" descr="Base de données contour">
+            <a:extLst>
+              <a:ext uri="{FF2B5EF4-FFF2-40B4-BE49-F238E27FC236}">
+                <a16:creationId xmlns:a16="http://schemas.microsoft.com/office/drawing/2014/main" id="{988A0ED4-9A10-491B-957E-E65255500F56}"/>
+              </a:ext>
+            </a:extLst>
+          </p:cNvPr>
+          <p:cNvPicPr>
+            <a:picLocks noChangeAspect="1"/>
+          </p:cNvPicPr>
+          <p:nvPr/>
+        </p:nvPicPr>
+        <p:blipFill>
+          <a:blip r:embed="rId7">
+            <a:extLst>
+              <a:ext uri="{28A0092B-C50C-407E-A947-70E740481C1C}">
+                <a14:useLocalDpi xmlns:a14="http://schemas.microsoft.com/office/drawing/2010/main" val="0"/>
+              </a:ext>
+              <a:ext uri="{96DAC541-7B7A-43D3-8B79-37D633B846F1}">
+                <asvg:svgBlip xmlns:asvg="http://schemas.microsoft.com/office/drawing/2016/SVG/main" r:embed="rId8"/>
+              </a:ext>
+            </a:extLst>
+          </a:blip>
+          <a:stretch>
+            <a:fillRect/>
+          </a:stretch>
+        </p:blipFill>
+        <p:spPr>
+          <a:xfrm>
+            <a:off x="5611877" y="2750503"/>
+            <a:ext cx="540000" cy="540000"/>
+          </a:xfrm>
+          <a:prstGeom prst="rect">
+            <a:avLst/>
+          </a:prstGeom>
+        </p:spPr>
+      </p:pic>
+      <p:sp>
+        <p:nvSpPr>
+          <p:cNvPr id="12" name="ZoneTexte 11">
+            <a:extLst>
+              <a:ext uri="{FF2B5EF4-FFF2-40B4-BE49-F238E27FC236}">
+                <a16:creationId xmlns:a16="http://schemas.microsoft.com/office/drawing/2014/main" id="{3D0ED147-91B3-41C1-ABEB-73080C29A06C}"/>
+              </a:ext>
+            </a:extLst>
+          </p:cNvPr>
+          <p:cNvSpPr txBox="1"/>
+          <p:nvPr/>
+        </p:nvSpPr>
+        <p:spPr>
+          <a:xfrm>
+            <a:off x="4231801" y="2374571"/>
+            <a:ext cx="3300153" cy="369332"/>
+          </a:xfrm>
+          <a:prstGeom prst="rect">
+            <a:avLst/>
+          </a:prstGeom>
+          <a:noFill/>
+        </p:spPr>
+        <p:txBody>
+          <a:bodyPr wrap="square" lIns="91440" tIns="45720" rIns="91440" bIns="45720" rtlCol="0" anchor="t">
+            <a:spAutoFit/>
+          </a:bodyPr>
+          <a:lstStyle/>
+          <a:p>
+            <a:pPr algn="ctr"/>
+            <a:r>
+              <a:rPr lang="fr-FR" dirty="0">
+                <a:latin typeface="Poppins" panose="00000500000000000000" pitchFamily="2" charset="0"/>
+                <a:cs typeface="Poppins" panose="00000500000000000000" pitchFamily="2" charset="0"/>
+              </a:rPr>
+              <a:t>Base de données</a:t>
+            </a:r>
+          </a:p>
+        </p:txBody>
+      </p:sp>
+      <p:pic>
+        <p:nvPicPr>
+          <p:cNvPr id="13" name="Graphique 12" descr="Adresse de courrier contour">
+            <a:extLst>
+              <a:ext uri="{FF2B5EF4-FFF2-40B4-BE49-F238E27FC236}">
+                <a16:creationId xmlns:a16="http://schemas.microsoft.com/office/drawing/2014/main" id="{D388A610-B7C3-421E-91D2-EB02A92BDBC8}"/>
+              </a:ext>
+            </a:extLst>
+          </p:cNvPr>
+          <p:cNvPicPr>
+            <a:picLocks noChangeAspect="1"/>
+          </p:cNvPicPr>
+          <p:nvPr/>
+        </p:nvPicPr>
+        <p:blipFill>
+          <a:blip r:embed="rId9">
+            <a:extLst>
+              <a:ext uri="{28A0092B-C50C-407E-A947-70E740481C1C}">
+                <a14:useLocalDpi xmlns:a14="http://schemas.microsoft.com/office/drawing/2010/main" val="0"/>
+              </a:ext>
+              <a:ext uri="{96DAC541-7B7A-43D3-8B79-37D633B846F1}">
+                <asvg:svgBlip xmlns:asvg="http://schemas.microsoft.com/office/drawing/2016/SVG/main" r:embed="rId10"/>
+              </a:ext>
+            </a:extLst>
+          </a:blip>
+          <a:stretch>
+            <a:fillRect/>
+          </a:stretch>
+        </p:blipFill>
+        <p:spPr>
+          <a:xfrm>
+            <a:off x="8183408" y="2750503"/>
+            <a:ext cx="540000" cy="540000"/>
+          </a:xfrm>
+          <a:prstGeom prst="rect">
+            <a:avLst/>
+          </a:prstGeom>
+        </p:spPr>
+      </p:pic>
+      <p:pic>
+        <p:nvPicPr>
+          <p:cNvPr id="15" name="Graphique 14" descr="Fenêtre de navigateur contour">
+            <a:extLst>
+              <a:ext uri="{FF2B5EF4-FFF2-40B4-BE49-F238E27FC236}">
+                <a16:creationId xmlns:a16="http://schemas.microsoft.com/office/drawing/2014/main" id="{B0EE427A-D9AB-4957-A3C5-A3B0E9B2189A}"/>
+              </a:ext>
+            </a:extLst>
+          </p:cNvPr>
+          <p:cNvPicPr>
+            <a:picLocks noChangeAspect="1"/>
+          </p:cNvPicPr>
+          <p:nvPr/>
+        </p:nvPicPr>
+        <p:blipFill>
+          <a:blip r:embed="rId11">
+            <a:extLst>
+              <a:ext uri="{28A0092B-C50C-407E-A947-70E740481C1C}">
+                <a14:useLocalDpi xmlns:a14="http://schemas.microsoft.com/office/drawing/2010/main" val="0"/>
+              </a:ext>
+              <a:ext uri="{96DAC541-7B7A-43D3-8B79-37D633B846F1}">
+                <asvg:svgBlip xmlns:asvg="http://schemas.microsoft.com/office/drawing/2016/SVG/main" r:embed="rId12"/>
+              </a:ext>
+            </a:extLst>
+          </a:blip>
+          <a:stretch>
+            <a:fillRect/>
+          </a:stretch>
+        </p:blipFill>
+        <p:spPr>
+          <a:xfrm>
+            <a:off x="9861655" y="2750503"/>
+            <a:ext cx="540000" cy="540000"/>
+          </a:xfrm>
+          <a:prstGeom prst="rect">
+            <a:avLst/>
+          </a:prstGeom>
+        </p:spPr>
+      </p:pic>
+      <p:sp>
+        <p:nvSpPr>
+          <p:cNvPr id="17" name="ZoneTexte 16">
+            <a:extLst>
+              <a:ext uri="{FF2B5EF4-FFF2-40B4-BE49-F238E27FC236}">
+                <a16:creationId xmlns:a16="http://schemas.microsoft.com/office/drawing/2014/main" id="{B294910F-7592-40C6-BC84-621E0282B391}"/>
+              </a:ext>
+            </a:extLst>
+          </p:cNvPr>
+          <p:cNvSpPr txBox="1"/>
+          <p:nvPr/>
+        </p:nvSpPr>
+        <p:spPr>
+          <a:xfrm>
+            <a:off x="7928580" y="2374571"/>
+            <a:ext cx="1049656" cy="369332"/>
+          </a:xfrm>
+          <a:prstGeom prst="rect">
+            <a:avLst/>
+          </a:prstGeom>
+          <a:noFill/>
+        </p:spPr>
+        <p:txBody>
+          <a:bodyPr wrap="square" lIns="91440" tIns="45720" rIns="91440" bIns="45720" rtlCol="0" anchor="t">
+            <a:spAutoFit/>
+          </a:bodyPr>
+          <a:lstStyle/>
+          <a:p>
+            <a:pPr algn="ctr"/>
+            <a:r>
+              <a:rPr lang="fr-FR" dirty="0">
+                <a:latin typeface="Poppins" panose="00000500000000000000" pitchFamily="2" charset="0"/>
+                <a:cs typeface="Poppins" panose="00000500000000000000" pitchFamily="2" charset="0"/>
+              </a:rPr>
+              <a:t>Email</a:t>
+            </a:r>
+          </a:p>
+        </p:txBody>
+      </p:sp>
+      <p:sp>
+        <p:nvSpPr>
+          <p:cNvPr id="18" name="ZoneTexte 17">
+            <a:extLst>
+              <a:ext uri="{FF2B5EF4-FFF2-40B4-BE49-F238E27FC236}">
+                <a16:creationId xmlns:a16="http://schemas.microsoft.com/office/drawing/2014/main" id="{6E823A1C-790E-4D21-85F0-B9293C1A6B28}"/>
+              </a:ext>
+            </a:extLst>
+          </p:cNvPr>
+          <p:cNvSpPr txBox="1"/>
+          <p:nvPr/>
+        </p:nvSpPr>
+        <p:spPr>
+          <a:xfrm>
+            <a:off x="9374863" y="2374571"/>
+            <a:ext cx="1513584" cy="369332"/>
+          </a:xfrm>
+          <a:prstGeom prst="rect">
+            <a:avLst/>
+          </a:prstGeom>
+          <a:noFill/>
+        </p:spPr>
+        <p:txBody>
+          <a:bodyPr wrap="square" lIns="91440" tIns="45720" rIns="91440" bIns="45720" rtlCol="0" anchor="t">
+            <a:spAutoFit/>
+          </a:bodyPr>
+          <a:lstStyle/>
+          <a:p>
+            <a:pPr algn="ctr"/>
+            <a:r>
+              <a:rPr lang="fr-FR" dirty="0">
+                <a:latin typeface="Poppins" panose="00000500000000000000" pitchFamily="2" charset="0"/>
+                <a:cs typeface="Poppins" panose="00000500000000000000" pitchFamily="2" charset="0"/>
+              </a:rPr>
+              <a:t>IsenInfo.fr</a:t>
+            </a:r>
+          </a:p>
+        </p:txBody>
+      </p:sp>
+      <p:sp>
+        <p:nvSpPr>
+          <p:cNvPr id="37" name="Flèche : courbe vers le bas 36">
+            <a:extLst>
+              <a:ext uri="{FF2B5EF4-FFF2-40B4-BE49-F238E27FC236}">
+                <a16:creationId xmlns:a16="http://schemas.microsoft.com/office/drawing/2014/main" id="{168183D2-6643-48C2-A77A-DB54479488F7}"/>
+              </a:ext>
+            </a:extLst>
+          </p:cNvPr>
+          <p:cNvSpPr/>
+          <p:nvPr/>
+        </p:nvSpPr>
+        <p:spPr>
+          <a:xfrm flipH="1">
+            <a:off x="2796608" y="1912775"/>
+            <a:ext cx="1038566" cy="461795"/>
+          </a:xfrm>
+          <a:prstGeom prst="curvedDownArrow">
+            <a:avLst>
+              <a:gd name="adj1" fmla="val 25000"/>
+              <a:gd name="adj2" fmla="val 50000"/>
+              <a:gd name="adj3" fmla="val 26994"/>
+            </a:avLst>
+          </a:prstGeom>
+          <a:solidFill>
+            <a:srgbClr val="137478"/>
+          </a:solidFill>
+          <a:ln>
+            <a:noFill/>
+          </a:ln>
+        </p:spPr>
+        <p:style>
+          <a:lnRef idx="2">
+            <a:schemeClr val="accent1">
+              <a:shade val="50000"/>
+            </a:schemeClr>
+          </a:lnRef>
+          <a:fillRef idx="1">
+            <a:schemeClr val="accent1"/>
+          </a:fillRef>
+          <a:effectRef idx="0">
+            <a:schemeClr val="accent1"/>
+          </a:effectRef>
+          <a:fontRef idx="minor">
+            <a:schemeClr val="lt1"/>
+          </a:fontRef>
+        </p:style>
+        <p:txBody>
+          <a:bodyPr rtlCol="0" anchor="ctr"/>
+          <a:lstStyle/>
+          <a:p>
+            <a:pPr algn="ctr"/>
+            <a:endParaRPr lang="fr-FR">
+              <a:solidFill>
+                <a:schemeClr val="tx1"/>
+              </a:solidFill>
+            </a:endParaRPr>
           </a:p>
         </p:txBody>
       </p:sp>
@@ -9299,7 +10011,7 @@
         <p:spPr>
           <a:xfrm>
             <a:off x="851129" y="4282833"/>
-            <a:ext cx="3300153" cy="369332"/>
+            <a:ext cx="3300153" cy="307777"/>
           </a:xfrm>
           <a:prstGeom prst="rect">
             <a:avLst/>
@@ -9314,14 +10026,23 @@
           <a:p>
             <a:pPr algn="ctr"/>
             <a:r>
-              <a:rPr lang="fr-FR"/>
+              <a:rPr lang="fr-FR" sz="1400" dirty="0">
+                <a:latin typeface="Poppins" panose="00000500000000000000" pitchFamily="2" charset="0"/>
+                <a:cs typeface="Poppins" panose="00000500000000000000" pitchFamily="2" charset="0"/>
+              </a:rPr>
               <a:t>Connexion sur </a:t>
             </a:r>
             <a:r>
-              <a:rPr lang="fr-FR" err="1"/>
+              <a:rPr lang="fr-FR" sz="1400" dirty="0" err="1">
+                <a:latin typeface="Poppins" panose="00000500000000000000" pitchFamily="2" charset="0"/>
+                <a:cs typeface="Poppins" panose="00000500000000000000" pitchFamily="2" charset="0"/>
+              </a:rPr>
               <a:t>Aurion</a:t>
             </a:r>
-            <a:endParaRPr lang="fr-FR"/>
+            <a:endParaRPr lang="fr-FR" sz="1400" dirty="0">
+              <a:latin typeface="Poppins" panose="00000500000000000000" pitchFamily="2" charset="0"/>
+              <a:cs typeface="Poppins" panose="00000500000000000000" pitchFamily="2" charset="0"/>
+            </a:endParaRPr>
           </a:p>
         </p:txBody>
       </p:sp>
@@ -9340,7 +10061,7 @@
         <p:spPr>
           <a:xfrm>
             <a:off x="4445923" y="4190500"/>
-            <a:ext cx="3300153" cy="646331"/>
+            <a:ext cx="3300153" cy="523220"/>
           </a:xfrm>
           <a:prstGeom prst="rect">
             <a:avLst/>
@@ -9355,7 +10076,10 @@
           <a:p>
             <a:pPr algn="ctr"/>
             <a:r>
-              <a:rPr lang="fr-FR"/>
+              <a:rPr lang="fr-FR" sz="1400" dirty="0">
+                <a:latin typeface="Poppins" panose="00000500000000000000" pitchFamily="2" charset="0"/>
+                <a:cs typeface="Poppins" panose="00000500000000000000" pitchFamily="2" charset="0"/>
+              </a:rPr>
               <a:t>Récupération et traitement des données</a:t>
             </a:r>
           </a:p>
@@ -9376,7 +10100,7 @@
         <p:spPr>
           <a:xfrm>
             <a:off x="8040716" y="4144333"/>
-            <a:ext cx="3300153" cy="646331"/>
+            <a:ext cx="3300153" cy="523220"/>
           </a:xfrm>
           <a:prstGeom prst="rect">
             <a:avLst/>
@@ -9391,7 +10115,10 @@
           <a:p>
             <a:pPr algn="ctr"/>
             <a:r>
-              <a:rPr lang="fr-FR"/>
+              <a:rPr lang="fr-FR" sz="1400" dirty="0">
+                <a:latin typeface="Poppins" panose="00000500000000000000" pitchFamily="2" charset="0"/>
+                <a:cs typeface="Poppins" panose="00000500000000000000" pitchFamily="2" charset="0"/>
+              </a:rPr>
               <a:t>Enregistrement de ces dernières dans la base de données</a:t>
             </a:r>
           </a:p>
@@ -9528,7 +10255,7 @@
         <p:spPr>
           <a:xfrm>
             <a:off x="4449921" y="1712196"/>
-            <a:ext cx="3300153" cy="369332"/>
+            <a:ext cx="3300153" cy="307777"/>
           </a:xfrm>
           <a:prstGeom prst="rect">
             <a:avLst/>
@@ -9543,7 +10270,10 @@
           <a:p>
             <a:pPr algn="ctr"/>
             <a:r>
-              <a:rPr lang="fr-FR"/>
+              <a:rPr lang="fr-FR" sz="1400" dirty="0">
+                <a:latin typeface="Poppins" panose="00000500000000000000" pitchFamily="2" charset="0"/>
+                <a:cs typeface="Poppins" panose="00000500000000000000" pitchFamily="2" charset="0"/>
+              </a:rPr>
               <a:t>Base de données</a:t>
             </a:r>
           </a:p>
@@ -9957,7 +10687,7 @@
         <p:spPr>
           <a:xfrm>
             <a:off x="4546947" y="6091824"/>
-            <a:ext cx="1751556" cy="369332"/>
+            <a:ext cx="1751556" cy="307777"/>
           </a:xfrm>
           <a:prstGeom prst="rect">
             <a:avLst/>
@@ -9973,9 +10703,11 @@
           </a:bodyPr>
           <a:lstStyle/>
           <a:p>
+            <a:pPr algn="ctr"/>
             <a:r>
-              <a:rPr lang="fr-CA">
-                <a:cs typeface="Calibri"/>
+              <a:rPr lang="fr-CA" sz="1400">
+                <a:latin typeface="Poppins" panose="00000500000000000000" pitchFamily="2" charset="0"/>
+                <a:cs typeface="Poppins" panose="00000500000000000000" pitchFamily="2" charset="0"/>
               </a:rPr>
               <a:t>Assistant textuel</a:t>
             </a:r>
@@ -9997,7 +10729,7 @@
         <p:spPr>
           <a:xfrm>
             <a:off x="2594974" y="6091824"/>
-            <a:ext cx="1615857" cy="369332"/>
+            <a:ext cx="1615857" cy="307777"/>
           </a:xfrm>
           <a:prstGeom prst="rect">
             <a:avLst/>
@@ -10013,9 +10745,11 @@
           </a:bodyPr>
           <a:lstStyle/>
           <a:p>
+            <a:pPr algn="ctr"/>
             <a:r>
-              <a:rPr lang="fr-CA">
-                <a:cs typeface="Calibri"/>
+              <a:rPr lang="fr-CA" sz="1400" dirty="0">
+                <a:latin typeface="Poppins" panose="00000500000000000000" pitchFamily="2" charset="0"/>
+                <a:cs typeface="Poppins" panose="00000500000000000000" pitchFamily="2" charset="0"/>
               </a:rPr>
               <a:t>Assistant vocal</a:t>
             </a:r>
@@ -10037,7 +10771,7 @@
         <p:spPr>
           <a:xfrm>
             <a:off x="768262" y="6091824"/>
-            <a:ext cx="1271391" cy="369332"/>
+            <a:ext cx="1271391" cy="307777"/>
           </a:xfrm>
           <a:prstGeom prst="rect">
             <a:avLst/>
@@ -10053,10 +10787,11 @@
           </a:bodyPr>
           <a:lstStyle/>
           <a:p>
-            <a:pPr algn="l"/>
+            <a:pPr algn="ctr"/>
             <a:r>
-              <a:rPr lang="fr-CA">
-                <a:cs typeface="Calibri"/>
+              <a:rPr lang="fr-CA" sz="1400">
+                <a:latin typeface="Poppins" panose="00000500000000000000" pitchFamily="2" charset="0"/>
+                <a:cs typeface="Poppins" panose="00000500000000000000" pitchFamily="2" charset="0"/>
               </a:rPr>
               <a:t>Graphiques</a:t>
             </a:r>
@@ -10078,7 +10813,7 @@
         <p:spPr>
           <a:xfrm>
             <a:off x="6822509" y="4150290"/>
-            <a:ext cx="3265116" cy="369332"/>
+            <a:ext cx="3265116" cy="307777"/>
           </a:xfrm>
           <a:prstGeom prst="rect">
             <a:avLst/>
@@ -10188,13 +10923,14 @@
             </a:lvl9pPr>
           </a:lstStyle>
           <a:p>
+            <a:pPr algn="ctr"/>
             <a:r>
-              <a:rPr lang="fr-CA"/>
+              <a:rPr lang="fr-CA" sz="1400">
+                <a:latin typeface="Poppins" panose="00000500000000000000" pitchFamily="2" charset="0"/>
+                <a:cs typeface="Poppins" panose="00000500000000000000" pitchFamily="2" charset="0"/>
+              </a:rPr>
               <a:t>Exécutions des différents scripts</a:t>
             </a:r>
-            <a:endParaRPr lang="fr-CA">
-              <a:cs typeface="Calibri"/>
-            </a:endParaRPr>
           </a:p>
         </p:txBody>
       </p:sp>
@@ -10213,7 +10949,7 @@
         <p:spPr>
           <a:xfrm>
             <a:off x="2842234" y="4115713"/>
-            <a:ext cx="1334022" cy="369332"/>
+            <a:ext cx="1334022" cy="307777"/>
           </a:xfrm>
           <a:prstGeom prst="rect">
             <a:avLst/>
@@ -10323,16 +11059,24 @@
             </a:lvl9pPr>
           </a:lstStyle>
           <a:p>
+            <a:pPr algn="ctr"/>
             <a:r>
-              <a:rPr lang="fr-CA"/>
+              <a:rPr lang="fr-CA" sz="1400" dirty="0">
+                <a:latin typeface="Poppins" panose="00000500000000000000" pitchFamily="2" charset="0"/>
+                <a:cs typeface="Poppins" panose="00000500000000000000" pitchFamily="2" charset="0"/>
+              </a:rPr>
               <a:t>Site </a:t>
             </a:r>
             <a:r>
-              <a:rPr lang="fr-CA" err="1"/>
+              <a:rPr lang="fr-CA" sz="1400" dirty="0" err="1">
+                <a:latin typeface="Poppins" panose="00000500000000000000" pitchFamily="2" charset="0"/>
+                <a:cs typeface="Poppins" panose="00000500000000000000" pitchFamily="2" charset="0"/>
+              </a:rPr>
               <a:t>IsenInfo</a:t>
             </a:r>
-            <a:endParaRPr lang="fr-CA" err="1">
-              <a:cs typeface="Calibri"/>
+            <a:endParaRPr lang="fr-CA" sz="1400" dirty="0">
+              <a:latin typeface="Poppins" panose="00000500000000000000" pitchFamily="2" charset="0"/>
+              <a:cs typeface="Poppins" panose="00000500000000000000" pitchFamily="2" charset="0"/>
             </a:endParaRPr>
           </a:p>
         </p:txBody>
@@ -10352,7 +11096,7 @@
         <p:spPr>
           <a:xfrm>
             <a:off x="8079028" y="6095741"/>
-            <a:ext cx="759912" cy="369332"/>
+            <a:ext cx="759912" cy="307777"/>
           </a:xfrm>
           <a:prstGeom prst="rect">
             <a:avLst/>
@@ -10462,14 +11206,14 @@
             </a:lvl9pPr>
           </a:lstStyle>
           <a:p>
-            <a:pPr algn="l"/>
+            <a:pPr algn="ctr"/>
             <a:r>
-              <a:rPr lang="fr-CA"/>
+              <a:rPr lang="fr-CA" sz="1400">
+                <a:latin typeface="Poppins" panose="00000500000000000000" pitchFamily="2" charset="0"/>
+                <a:cs typeface="Poppins" panose="00000500000000000000" pitchFamily="2" charset="0"/>
+              </a:rPr>
               <a:t>Mails</a:t>
             </a:r>
-            <a:endParaRPr lang="fr-CA">
-              <a:cs typeface="Calibri"/>
-            </a:endParaRPr>
           </a:p>
         </p:txBody>
       </p:sp>

--- a/presentation/Structure_Projet.pptx
+++ b/presentation/Structure_Projet.pptx
@@ -132,7 +132,7 @@
 <file path=ppt/revisionInfo.xml><?xml version="1.0" encoding="utf-8"?>
 <p1510:revInfo xmlns:a="http://schemas.openxmlformats.org/drawingml/2006/main" xmlns:r="http://schemas.openxmlformats.org/officeDocument/2006/relationships" xmlns:p1510="http://schemas.microsoft.com/office/powerpoint/2015/10/main">
   <p1510:revLst>
-    <p1510:client id="{7F131F86-5835-4106-9139-BC7AD26F85E4}" v="108" dt="2021-06-25T09:01:28.324"/>
+    <p1510:client id="{7F131F86-5835-4106-9139-BC7AD26F85E4}" v="109" dt="2021-06-28T07:07:55.748"/>
   </p1510:revLst>
 </p1510:revInfo>
 </file>
@@ -142,7 +142,7 @@
   <pc:docChgLst>
     <pc:chgData name="Hugo DEMENEZ" userId="167f3b24-aa49-4d1b-b001-4f9180dfa13d" providerId="ADAL" clId="{7F131F86-5835-4106-9139-BC7AD26F85E4}"/>
     <pc:docChg chg="undo redo custSel addSld delSld modSld sldOrd">
-      <pc:chgData name="Hugo DEMENEZ" userId="167f3b24-aa49-4d1b-b001-4f9180dfa13d" providerId="ADAL" clId="{7F131F86-5835-4106-9139-BC7AD26F85E4}" dt="2021-06-25T09:05:33.444" v="810" actId="14100"/>
+      <pc:chgData name="Hugo DEMENEZ" userId="167f3b24-aa49-4d1b-b001-4f9180dfa13d" providerId="ADAL" clId="{7F131F86-5835-4106-9139-BC7AD26F85E4}" dt="2021-06-28T07:07:55.748" v="811" actId="164"/>
       <pc:docMkLst>
         <pc:docMk/>
       </pc:docMkLst>
@@ -502,13 +502,13 @@
         </pc:cxnChg>
       </pc:sldChg>
       <pc:sldChg chg="addSp delSp modSp add mod ord">
-        <pc:chgData name="Hugo DEMENEZ" userId="167f3b24-aa49-4d1b-b001-4f9180dfa13d" providerId="ADAL" clId="{7F131F86-5835-4106-9139-BC7AD26F85E4}" dt="2021-06-25T07:50:04.969" v="543" actId="14100"/>
+        <pc:chgData name="Hugo DEMENEZ" userId="167f3b24-aa49-4d1b-b001-4f9180dfa13d" providerId="ADAL" clId="{7F131F86-5835-4106-9139-BC7AD26F85E4}" dt="2021-06-28T07:07:55.748" v="811" actId="164"/>
         <pc:sldMkLst>
           <pc:docMk/>
           <pc:sldMk cId="2802110099" sldId="262"/>
         </pc:sldMkLst>
         <pc:spChg chg="mod">
-          <ac:chgData name="Hugo DEMENEZ" userId="167f3b24-aa49-4d1b-b001-4f9180dfa13d" providerId="ADAL" clId="{7F131F86-5835-4106-9139-BC7AD26F85E4}" dt="2021-06-24T12:33:03.253" v="424" actId="1076"/>
+          <ac:chgData name="Hugo DEMENEZ" userId="167f3b24-aa49-4d1b-b001-4f9180dfa13d" providerId="ADAL" clId="{7F131F86-5835-4106-9139-BC7AD26F85E4}" dt="2021-06-28T07:07:55.748" v="811" actId="164"/>
           <ac:spMkLst>
             <pc:docMk/>
             <pc:sldMk cId="2802110099" sldId="262"/>
@@ -516,7 +516,7 @@
           </ac:spMkLst>
         </pc:spChg>
         <pc:spChg chg="mod">
-          <ac:chgData name="Hugo DEMENEZ" userId="167f3b24-aa49-4d1b-b001-4f9180dfa13d" providerId="ADAL" clId="{7F131F86-5835-4106-9139-BC7AD26F85E4}" dt="2021-06-24T12:34:37.423" v="434" actId="1076"/>
+          <ac:chgData name="Hugo DEMENEZ" userId="167f3b24-aa49-4d1b-b001-4f9180dfa13d" providerId="ADAL" clId="{7F131F86-5835-4106-9139-BC7AD26F85E4}" dt="2021-06-28T07:07:55.748" v="811" actId="164"/>
           <ac:spMkLst>
             <pc:docMk/>
             <pc:sldMk cId="2802110099" sldId="262"/>
@@ -548,7 +548,7 @@
           </ac:spMkLst>
         </pc:spChg>
         <pc:spChg chg="mod">
-          <ac:chgData name="Hugo DEMENEZ" userId="167f3b24-aa49-4d1b-b001-4f9180dfa13d" providerId="ADAL" clId="{7F131F86-5835-4106-9139-BC7AD26F85E4}" dt="2021-06-24T12:32:18.594" v="416" actId="1076"/>
+          <ac:chgData name="Hugo DEMENEZ" userId="167f3b24-aa49-4d1b-b001-4f9180dfa13d" providerId="ADAL" clId="{7F131F86-5835-4106-9139-BC7AD26F85E4}" dt="2021-06-28T07:07:55.748" v="811" actId="164"/>
           <ac:spMkLst>
             <pc:docMk/>
             <pc:sldMk cId="2802110099" sldId="262"/>
@@ -564,7 +564,7 @@
           </ac:spMkLst>
         </pc:spChg>
         <pc:spChg chg="mod">
-          <ac:chgData name="Hugo DEMENEZ" userId="167f3b24-aa49-4d1b-b001-4f9180dfa13d" providerId="ADAL" clId="{7F131F86-5835-4106-9139-BC7AD26F85E4}" dt="2021-06-24T12:34:58.263" v="439" actId="1076"/>
+          <ac:chgData name="Hugo DEMENEZ" userId="167f3b24-aa49-4d1b-b001-4f9180dfa13d" providerId="ADAL" clId="{7F131F86-5835-4106-9139-BC7AD26F85E4}" dt="2021-06-28T07:07:55.748" v="811" actId="164"/>
           <ac:spMkLst>
             <pc:docMk/>
             <pc:sldMk cId="2802110099" sldId="262"/>
@@ -572,7 +572,7 @@
           </ac:spMkLst>
         </pc:spChg>
         <pc:spChg chg="mod">
-          <ac:chgData name="Hugo DEMENEZ" userId="167f3b24-aa49-4d1b-b001-4f9180dfa13d" providerId="ADAL" clId="{7F131F86-5835-4106-9139-BC7AD26F85E4}" dt="2021-06-24T12:34:47.629" v="436" actId="1076"/>
+          <ac:chgData name="Hugo DEMENEZ" userId="167f3b24-aa49-4d1b-b001-4f9180dfa13d" providerId="ADAL" clId="{7F131F86-5835-4106-9139-BC7AD26F85E4}" dt="2021-06-28T07:07:55.748" v="811" actId="164"/>
           <ac:spMkLst>
             <pc:docMk/>
             <pc:sldMk cId="2802110099" sldId="262"/>
@@ -580,7 +580,7 @@
           </ac:spMkLst>
         </pc:spChg>
         <pc:spChg chg="mod">
-          <ac:chgData name="Hugo DEMENEZ" userId="167f3b24-aa49-4d1b-b001-4f9180dfa13d" providerId="ADAL" clId="{7F131F86-5835-4106-9139-BC7AD26F85E4}" dt="2021-06-24T12:34:32.435" v="432" actId="122"/>
+          <ac:chgData name="Hugo DEMENEZ" userId="167f3b24-aa49-4d1b-b001-4f9180dfa13d" providerId="ADAL" clId="{7F131F86-5835-4106-9139-BC7AD26F85E4}" dt="2021-06-28T07:07:55.748" v="811" actId="164"/>
           <ac:spMkLst>
             <pc:docMk/>
             <pc:sldMk cId="2802110099" sldId="262"/>
@@ -620,7 +620,7 @@
           </ac:spMkLst>
         </pc:spChg>
         <pc:spChg chg="mod topLvl">
-          <ac:chgData name="Hugo DEMENEZ" userId="167f3b24-aa49-4d1b-b001-4f9180dfa13d" providerId="ADAL" clId="{7F131F86-5835-4106-9139-BC7AD26F85E4}" dt="2021-06-24T12:35:27.927" v="448" actId="692"/>
+          <ac:chgData name="Hugo DEMENEZ" userId="167f3b24-aa49-4d1b-b001-4f9180dfa13d" providerId="ADAL" clId="{7F131F86-5835-4106-9139-BC7AD26F85E4}" dt="2021-06-28T07:07:55.748" v="811" actId="164"/>
           <ac:spMkLst>
             <pc:docMk/>
             <pc:sldMk cId="2802110099" sldId="262"/>
@@ -628,7 +628,7 @@
           </ac:spMkLst>
         </pc:spChg>
         <pc:spChg chg="mod topLvl">
-          <ac:chgData name="Hugo DEMENEZ" userId="167f3b24-aa49-4d1b-b001-4f9180dfa13d" providerId="ADAL" clId="{7F131F86-5835-4106-9139-BC7AD26F85E4}" dt="2021-06-24T12:32:02.189" v="413" actId="165"/>
+          <ac:chgData name="Hugo DEMENEZ" userId="167f3b24-aa49-4d1b-b001-4f9180dfa13d" providerId="ADAL" clId="{7F131F86-5835-4106-9139-BC7AD26F85E4}" dt="2021-06-28T07:07:55.748" v="811" actId="164"/>
           <ac:spMkLst>
             <pc:docMk/>
             <pc:sldMk cId="2802110099" sldId="262"/>
@@ -643,8 +643,16 @@
             <ac:spMk id="36" creationId="{DA762878-CDC5-4812-AD82-2AEEBA59F550}"/>
           </ac:spMkLst>
         </pc:spChg>
+        <pc:grpChg chg="add mod">
+          <ac:chgData name="Hugo DEMENEZ" userId="167f3b24-aa49-4d1b-b001-4f9180dfa13d" providerId="ADAL" clId="{7F131F86-5835-4106-9139-BC7AD26F85E4}" dt="2021-06-28T07:07:55.748" v="811" actId="164"/>
+          <ac:grpSpMkLst>
+            <pc:docMk/>
+            <pc:sldMk cId="2802110099" sldId="262"/>
+            <ac:grpSpMk id="6" creationId="{A70EB917-FCC1-4AFF-96E8-B4484A8E5E8C}"/>
+          </ac:grpSpMkLst>
+        </pc:grpChg>
         <pc:grpChg chg="add del mod">
-          <ac:chgData name="Hugo DEMENEZ" userId="167f3b24-aa49-4d1b-b001-4f9180dfa13d" providerId="ADAL" clId="{7F131F86-5835-4106-9139-BC7AD26F85E4}" dt="2021-06-25T07:49:10.122" v="532" actId="165"/>
+          <ac:chgData name="Hugo DEMENEZ" userId="167f3b24-aa49-4d1b-b001-4f9180dfa13d" providerId="ADAL" clId="{7F131F86-5835-4106-9139-BC7AD26F85E4}" dt="2021-06-28T07:07:55.748" v="811" actId="164"/>
           <ac:grpSpMkLst>
             <pc:docMk/>
             <pc:sldMk cId="2802110099" sldId="262"/>
@@ -660,7 +668,7 @@
           </ac:grpSpMkLst>
         </pc:grpChg>
         <pc:grpChg chg="add del mod">
-          <ac:chgData name="Hugo DEMENEZ" userId="167f3b24-aa49-4d1b-b001-4f9180dfa13d" providerId="ADAL" clId="{7F131F86-5835-4106-9139-BC7AD26F85E4}" dt="2021-06-25T07:49:14.377" v="533" actId="165"/>
+          <ac:chgData name="Hugo DEMENEZ" userId="167f3b24-aa49-4d1b-b001-4f9180dfa13d" providerId="ADAL" clId="{7F131F86-5835-4106-9139-BC7AD26F85E4}" dt="2021-06-28T07:07:55.748" v="811" actId="164"/>
           <ac:grpSpMkLst>
             <pc:docMk/>
             <pc:sldMk cId="2802110099" sldId="262"/>
@@ -676,7 +684,7 @@
           </ac:grpSpMkLst>
         </pc:grpChg>
         <pc:picChg chg="mod">
-          <ac:chgData name="Hugo DEMENEZ" userId="167f3b24-aa49-4d1b-b001-4f9180dfa13d" providerId="ADAL" clId="{7F131F86-5835-4106-9139-BC7AD26F85E4}" dt="2021-06-24T12:28:04.480" v="359" actId="207"/>
+          <ac:chgData name="Hugo DEMENEZ" userId="167f3b24-aa49-4d1b-b001-4f9180dfa13d" providerId="ADAL" clId="{7F131F86-5835-4106-9139-BC7AD26F85E4}" dt="2021-06-28T07:07:55.748" v="811" actId="164"/>
           <ac:picMkLst>
             <pc:docMk/>
             <pc:sldMk cId="2802110099" sldId="262"/>
@@ -684,7 +692,7 @@
           </ac:picMkLst>
         </pc:picChg>
         <pc:cxnChg chg="mod">
-          <ac:chgData name="Hugo DEMENEZ" userId="167f3b24-aa49-4d1b-b001-4f9180dfa13d" providerId="ADAL" clId="{7F131F86-5835-4106-9139-BC7AD26F85E4}" dt="2021-06-24T12:32:11.684" v="415" actId="1076"/>
+          <ac:chgData name="Hugo DEMENEZ" userId="167f3b24-aa49-4d1b-b001-4f9180dfa13d" providerId="ADAL" clId="{7F131F86-5835-4106-9139-BC7AD26F85E4}" dt="2021-06-28T07:07:55.748" v="811" actId="164"/>
           <ac:cxnSpMkLst>
             <pc:docMk/>
             <pc:sldMk cId="2802110099" sldId="262"/>
@@ -692,7 +700,7 @@
           </ac:cxnSpMkLst>
         </pc:cxnChg>
         <pc:cxnChg chg="add mod">
-          <ac:chgData name="Hugo DEMENEZ" userId="167f3b24-aa49-4d1b-b001-4f9180dfa13d" providerId="ADAL" clId="{7F131F86-5835-4106-9139-BC7AD26F85E4}" dt="2021-06-24T12:34:10.082" v="427" actId="1076"/>
+          <ac:chgData name="Hugo DEMENEZ" userId="167f3b24-aa49-4d1b-b001-4f9180dfa13d" providerId="ADAL" clId="{7F131F86-5835-4106-9139-BC7AD26F85E4}" dt="2021-06-28T07:07:55.748" v="811" actId="164"/>
           <ac:cxnSpMkLst>
             <pc:docMk/>
             <pc:sldMk cId="2802110099" sldId="262"/>
@@ -708,7 +716,7 @@
           </ac:cxnSpMkLst>
         </pc:cxnChg>
         <pc:cxnChg chg="mod">
-          <ac:chgData name="Hugo DEMENEZ" userId="167f3b24-aa49-4d1b-b001-4f9180dfa13d" providerId="ADAL" clId="{7F131F86-5835-4106-9139-BC7AD26F85E4}" dt="2021-06-24T12:34:18.597" v="429" actId="14100"/>
+          <ac:chgData name="Hugo DEMENEZ" userId="167f3b24-aa49-4d1b-b001-4f9180dfa13d" providerId="ADAL" clId="{7F131F86-5835-4106-9139-BC7AD26F85E4}" dt="2021-06-28T07:07:55.748" v="811" actId="164"/>
           <ac:cxnSpMkLst>
             <pc:docMk/>
             <pc:sldMk cId="2802110099" sldId="262"/>
@@ -724,7 +732,7 @@
           </ac:cxnSpMkLst>
         </pc:cxnChg>
         <pc:cxnChg chg="add mod">
-          <ac:chgData name="Hugo DEMENEZ" userId="167f3b24-aa49-4d1b-b001-4f9180dfa13d" providerId="ADAL" clId="{7F131F86-5835-4106-9139-BC7AD26F85E4}" dt="2021-06-24T12:32:48.955" v="423" actId="1076"/>
+          <ac:chgData name="Hugo DEMENEZ" userId="167f3b24-aa49-4d1b-b001-4f9180dfa13d" providerId="ADAL" clId="{7F131F86-5835-4106-9139-BC7AD26F85E4}" dt="2021-06-28T07:07:55.748" v="811" actId="164"/>
           <ac:cxnSpMkLst>
             <pc:docMk/>
             <pc:sldMk cId="2802110099" sldId="262"/>
@@ -3054,7 +3062,7 @@
           <a:p>
             <a:fld id="{D9578751-DA34-41BA-ACFB-BD878EA789F8}" type="datetimeFigureOut">
               <a:rPr lang="fr-FR" smtClean="0"/>
-              <a:t>25/06/2021</a:t>
+              <a:t>28/06/2021</a:t>
             </a:fld>
             <a:endParaRPr lang="fr-FR"/>
           </a:p>
@@ -3252,7 +3260,7 @@
           <a:p>
             <a:fld id="{D9578751-DA34-41BA-ACFB-BD878EA789F8}" type="datetimeFigureOut">
               <a:rPr lang="fr-FR" smtClean="0"/>
-              <a:t>25/06/2021</a:t>
+              <a:t>28/06/2021</a:t>
             </a:fld>
             <a:endParaRPr lang="fr-FR"/>
           </a:p>
@@ -3460,7 +3468,7 @@
           <a:p>
             <a:fld id="{D9578751-DA34-41BA-ACFB-BD878EA789F8}" type="datetimeFigureOut">
               <a:rPr lang="fr-FR" smtClean="0"/>
-              <a:t>25/06/2021</a:t>
+              <a:t>28/06/2021</a:t>
             </a:fld>
             <a:endParaRPr lang="fr-FR"/>
           </a:p>
@@ -3658,7 +3666,7 @@
           <a:p>
             <a:fld id="{D9578751-DA34-41BA-ACFB-BD878EA789F8}" type="datetimeFigureOut">
               <a:rPr lang="fr-FR" smtClean="0"/>
-              <a:t>25/06/2021</a:t>
+              <a:t>28/06/2021</a:t>
             </a:fld>
             <a:endParaRPr lang="fr-FR"/>
           </a:p>
@@ -3933,7 +3941,7 @@
           <a:p>
             <a:fld id="{D9578751-DA34-41BA-ACFB-BD878EA789F8}" type="datetimeFigureOut">
               <a:rPr lang="fr-FR" smtClean="0"/>
-              <a:t>25/06/2021</a:t>
+              <a:t>28/06/2021</a:t>
             </a:fld>
             <a:endParaRPr lang="fr-FR"/>
           </a:p>
@@ -4198,7 +4206,7 @@
           <a:p>
             <a:fld id="{D9578751-DA34-41BA-ACFB-BD878EA789F8}" type="datetimeFigureOut">
               <a:rPr lang="fr-FR" smtClean="0"/>
-              <a:t>25/06/2021</a:t>
+              <a:t>28/06/2021</a:t>
             </a:fld>
             <a:endParaRPr lang="fr-FR"/>
           </a:p>
@@ -4610,7 +4618,7 @@
           <a:p>
             <a:fld id="{D9578751-DA34-41BA-ACFB-BD878EA789F8}" type="datetimeFigureOut">
               <a:rPr lang="fr-FR" smtClean="0"/>
-              <a:t>25/06/2021</a:t>
+              <a:t>28/06/2021</a:t>
             </a:fld>
             <a:endParaRPr lang="fr-FR"/>
           </a:p>
@@ -4751,7 +4759,7 @@
           <a:p>
             <a:fld id="{D9578751-DA34-41BA-ACFB-BD878EA789F8}" type="datetimeFigureOut">
               <a:rPr lang="fr-FR" smtClean="0"/>
-              <a:t>25/06/2021</a:t>
+              <a:t>28/06/2021</a:t>
             </a:fld>
             <a:endParaRPr lang="fr-FR"/>
           </a:p>
@@ -4864,7 +4872,7 @@
           <a:p>
             <a:fld id="{D9578751-DA34-41BA-ACFB-BD878EA789F8}" type="datetimeFigureOut">
               <a:rPr lang="fr-FR" smtClean="0"/>
-              <a:t>25/06/2021</a:t>
+              <a:t>28/06/2021</a:t>
             </a:fld>
             <a:endParaRPr lang="fr-FR"/>
           </a:p>
@@ -5175,7 +5183,7 @@
           <a:p>
             <a:fld id="{D9578751-DA34-41BA-ACFB-BD878EA789F8}" type="datetimeFigureOut">
               <a:rPr lang="fr-FR" smtClean="0"/>
-              <a:t>25/06/2021</a:t>
+              <a:t>28/06/2021</a:t>
             </a:fld>
             <a:endParaRPr lang="fr-FR"/>
           </a:p>
@@ -5463,7 +5471,7 @@
           <a:p>
             <a:fld id="{D9578751-DA34-41BA-ACFB-BD878EA789F8}" type="datetimeFigureOut">
               <a:rPr lang="fr-FR" smtClean="0"/>
-              <a:t>25/06/2021</a:t>
+              <a:t>28/06/2021</a:t>
             </a:fld>
             <a:endParaRPr lang="fr-FR"/>
           </a:p>
@@ -5704,7 +5712,7 @@
           <a:p>
             <a:fld id="{D9578751-DA34-41BA-ACFB-BD878EA789F8}" type="datetimeFigureOut">
               <a:rPr lang="fr-FR" smtClean="0"/>
-              <a:t>25/06/2021</a:t>
+              <a:t>28/06/2021</a:t>
             </a:fld>
             <a:endParaRPr lang="fr-FR"/>
           </a:p>
@@ -7898,430 +7906,12 @@
           <a:chExt cx="0" cy="0"/>
         </a:xfrm>
       </p:grpSpPr>
-      <p:pic>
-        <p:nvPicPr>
-          <p:cNvPr id="5" name="Graphique 4" descr="Base de données avec un remplissage uni">
-            <a:extLst>
-              <a:ext uri="{FF2B5EF4-FFF2-40B4-BE49-F238E27FC236}">
-                <a16:creationId xmlns:a16="http://schemas.microsoft.com/office/drawing/2014/main" id="{95FE15F4-47FC-4B29-A393-FC4D86AA40CB}"/>
-              </a:ext>
-            </a:extLst>
-          </p:cNvPr>
-          <p:cNvPicPr>
-            <a:picLocks noChangeAspect="1"/>
-          </p:cNvPicPr>
-          <p:nvPr/>
-        </p:nvPicPr>
-        <p:blipFill>
-          <a:blip r:embed="rId2">
-            <a:extLst>
-              <a:ext uri="{28A0092B-C50C-407E-A947-70E740481C1C}">
-                <a14:useLocalDpi xmlns:a14="http://schemas.microsoft.com/office/drawing/2010/main" val="0"/>
-              </a:ext>
-              <a:ext uri="{96DAC541-7B7A-43D3-8B79-37D633B846F1}">
-                <asvg:svgBlip xmlns:asvg="http://schemas.microsoft.com/office/drawing/2016/SVG/main" r:embed="rId3"/>
-              </a:ext>
-            </a:extLst>
-          </a:blip>
-          <a:stretch>
-            <a:fillRect/>
-          </a:stretch>
-        </p:blipFill>
-        <p:spPr>
-          <a:xfrm>
-            <a:off x="5596812" y="-37322"/>
-            <a:ext cx="998376" cy="998376"/>
-          </a:xfrm>
-          <a:prstGeom prst="rect">
-            <a:avLst/>
-          </a:prstGeom>
-        </p:spPr>
-      </p:pic>
-      <p:sp>
-        <p:nvSpPr>
-          <p:cNvPr id="2" name="Ellipse 1">
-            <a:extLst>
-              <a:ext uri="{FF2B5EF4-FFF2-40B4-BE49-F238E27FC236}">
-                <a16:creationId xmlns:a16="http://schemas.microsoft.com/office/drawing/2014/main" id="{249F7FEC-8147-4BC8-B597-4CB454C7AB92}"/>
-              </a:ext>
-            </a:extLst>
-          </p:cNvPr>
-          <p:cNvSpPr/>
-          <p:nvPr/>
-        </p:nvSpPr>
-        <p:spPr>
-          <a:xfrm>
-            <a:off x="1221565" y="1375139"/>
-            <a:ext cx="1980000" cy="1200150"/>
-          </a:xfrm>
-          <a:prstGeom prst="ellipse">
-            <a:avLst/>
-          </a:prstGeom>
-          <a:solidFill>
-            <a:schemeClr val="bg1"/>
-          </a:solidFill>
-          <a:ln w="25400">
-            <a:solidFill>
-              <a:srgbClr val="137478"/>
-            </a:solidFill>
-          </a:ln>
-          <a:effectLst/>
-        </p:spPr>
-        <p:style>
-          <a:lnRef idx="2">
-            <a:schemeClr val="accent1">
-              <a:shade val="50000"/>
-            </a:schemeClr>
-          </a:lnRef>
-          <a:fillRef idx="1">
-            <a:schemeClr val="accent1"/>
-          </a:fillRef>
-          <a:effectRef idx="0">
-            <a:schemeClr val="accent1"/>
-          </a:effectRef>
-          <a:fontRef idx="minor">
-            <a:schemeClr val="lt1"/>
-          </a:fontRef>
-        </p:style>
-        <p:txBody>
-          <a:bodyPr rtlCol="0" anchor="ctr"/>
-          <a:lstStyle/>
-          <a:p>
-            <a:pPr algn="ctr"/>
-            <a:r>
-              <a:rPr lang="fr-CA" dirty="0">
-                <a:solidFill>
-                  <a:schemeClr val="tx1"/>
-                </a:solidFill>
-                <a:latin typeface="Poppins" panose="00000500000000000000" pitchFamily="2" charset="0"/>
-                <a:cs typeface="Poppins" panose="00000500000000000000" pitchFamily="2" charset="0"/>
-              </a:rPr>
-              <a:t>Obtenir</a:t>
-            </a:r>
-          </a:p>
-        </p:txBody>
-      </p:sp>
-      <p:sp>
-        <p:nvSpPr>
-          <p:cNvPr id="10" name="Ellipse 9">
-            <a:extLst>
-              <a:ext uri="{FF2B5EF4-FFF2-40B4-BE49-F238E27FC236}">
-                <a16:creationId xmlns:a16="http://schemas.microsoft.com/office/drawing/2014/main" id="{45469E6A-666F-4096-83B5-99CDA6392B53}"/>
-              </a:ext>
-            </a:extLst>
-          </p:cNvPr>
-          <p:cNvSpPr/>
-          <p:nvPr/>
-        </p:nvSpPr>
-        <p:spPr>
-          <a:xfrm>
-            <a:off x="8989018" y="1363513"/>
-            <a:ext cx="1980000" cy="1200150"/>
-          </a:xfrm>
-          <a:prstGeom prst="ellipse">
-            <a:avLst/>
-          </a:prstGeom>
-          <a:solidFill>
-            <a:schemeClr val="bg1"/>
-          </a:solidFill>
-          <a:ln w="25400">
-            <a:solidFill>
-              <a:srgbClr val="137478"/>
-            </a:solidFill>
-          </a:ln>
-          <a:effectLst/>
-        </p:spPr>
-        <p:style>
-          <a:lnRef idx="2">
-            <a:schemeClr val="accent1">
-              <a:shade val="50000"/>
-            </a:schemeClr>
-          </a:lnRef>
-          <a:fillRef idx="1">
-            <a:schemeClr val="accent1"/>
-          </a:fillRef>
-          <a:effectRef idx="0">
-            <a:schemeClr val="accent1"/>
-          </a:effectRef>
-          <a:fontRef idx="minor">
-            <a:schemeClr val="lt1"/>
-          </a:fontRef>
-        </p:style>
-        <p:txBody>
-          <a:bodyPr lIns="91440" tIns="45720" rIns="91440" bIns="45720" rtlCol="0" anchor="ctr"/>
-          <a:lstStyle/>
-          <a:p>
-            <a:pPr algn="ctr"/>
-            <a:r>
-              <a:rPr lang="fr-CA" dirty="0">
-                <a:solidFill>
-                  <a:schemeClr val="tx1"/>
-                </a:solidFill>
-                <a:latin typeface="Poppins" panose="00000500000000000000" pitchFamily="2" charset="0"/>
-                <a:cs typeface="Poppins" panose="00000500000000000000" pitchFamily="2" charset="0"/>
-              </a:rPr>
-              <a:t>Posséder</a:t>
-            </a:r>
-          </a:p>
-        </p:txBody>
-      </p:sp>
-      <p:cxnSp>
-        <p:nvCxnSpPr>
-          <p:cNvPr id="3" name="Connecteur droit avec flèche 2">
-            <a:extLst>
-              <a:ext uri="{FF2B5EF4-FFF2-40B4-BE49-F238E27FC236}">
-                <a16:creationId xmlns:a16="http://schemas.microsoft.com/office/drawing/2014/main" id="{DC8B4E1B-DA99-4E6F-9F0E-F3814BADE0E2}"/>
-              </a:ext>
-            </a:extLst>
-          </p:cNvPr>
-          <p:cNvCxnSpPr>
-            <a:cxnSpLocks/>
-          </p:cNvCxnSpPr>
-          <p:nvPr/>
-        </p:nvCxnSpPr>
-        <p:spPr>
-          <a:xfrm>
-            <a:off x="7962814" y="1954186"/>
-            <a:ext cx="1026204" cy="0"/>
-          </a:xfrm>
-          <a:prstGeom prst="straightConnector1">
-            <a:avLst/>
-          </a:prstGeom>
-          <a:ln w="25400">
-            <a:solidFill>
-              <a:srgbClr val="137478"/>
-            </a:solidFill>
-          </a:ln>
-        </p:spPr>
-        <p:style>
-          <a:lnRef idx="1">
-            <a:schemeClr val="dk1"/>
-          </a:lnRef>
-          <a:fillRef idx="0">
-            <a:schemeClr val="dk1"/>
-          </a:fillRef>
-          <a:effectRef idx="0">
-            <a:schemeClr val="dk1"/>
-          </a:effectRef>
-          <a:fontRef idx="minor">
-            <a:schemeClr val="tx1"/>
-          </a:fontRef>
-        </p:style>
-      </p:cxnSp>
-      <p:cxnSp>
-        <p:nvCxnSpPr>
-          <p:cNvPr id="12" name="Connecteur droit avec flèche 11">
-            <a:extLst>
-              <a:ext uri="{FF2B5EF4-FFF2-40B4-BE49-F238E27FC236}">
-                <a16:creationId xmlns:a16="http://schemas.microsoft.com/office/drawing/2014/main" id="{79428F22-5AF7-4248-943F-EBDF6E207B57}"/>
-              </a:ext>
-            </a:extLst>
-          </p:cNvPr>
-          <p:cNvCxnSpPr>
-            <a:cxnSpLocks/>
-            <a:stCxn id="36" idx="0"/>
-          </p:cNvCxnSpPr>
-          <p:nvPr/>
-        </p:nvCxnSpPr>
-        <p:spPr>
-          <a:xfrm flipV="1">
-            <a:off x="9974254" y="2575290"/>
-            <a:ext cx="2" cy="1565098"/>
-          </a:xfrm>
-          <a:prstGeom prst="straightConnector1">
-            <a:avLst/>
-          </a:prstGeom>
-          <a:ln w="25400">
-            <a:solidFill>
-              <a:srgbClr val="137478"/>
-            </a:solidFill>
-          </a:ln>
-        </p:spPr>
-        <p:style>
-          <a:lnRef idx="1">
-            <a:schemeClr val="dk1"/>
-          </a:lnRef>
-          <a:fillRef idx="0">
-            <a:schemeClr val="dk1"/>
-          </a:fillRef>
-          <a:effectRef idx="0">
-            <a:schemeClr val="dk1"/>
-          </a:effectRef>
-          <a:fontRef idx="minor">
-            <a:schemeClr val="tx1"/>
-          </a:fontRef>
-        </p:style>
-      </p:cxnSp>
-      <p:sp>
-        <p:nvSpPr>
-          <p:cNvPr id="4" name="ZoneTexte 3">
-            <a:extLst>
-              <a:ext uri="{FF2B5EF4-FFF2-40B4-BE49-F238E27FC236}">
-                <a16:creationId xmlns:a16="http://schemas.microsoft.com/office/drawing/2014/main" id="{27F62C65-47DE-4919-A57B-697111F728D2}"/>
-              </a:ext>
-            </a:extLst>
-          </p:cNvPr>
-          <p:cNvSpPr txBox="1"/>
-          <p:nvPr/>
-        </p:nvSpPr>
-        <p:spPr>
-          <a:xfrm>
-            <a:off x="3376529" y="1605882"/>
-            <a:ext cx="676275" cy="369332"/>
-          </a:xfrm>
-          <a:prstGeom prst="rect">
-            <a:avLst/>
-          </a:prstGeom>
-          <a:noFill/>
-        </p:spPr>
-        <p:txBody>
-          <a:bodyPr rot="0" spcFirstLastPara="0" vertOverflow="overflow" horzOverflow="overflow" vert="horz" wrap="square" lIns="91440" tIns="45720" rIns="91440" bIns="45720" numCol="1" spcCol="0" rtlCol="0" fromWordArt="0" anchor="t" anchorCtr="0" forceAA="0" compatLnSpc="1">
-            <a:prstTxWarp prst="textNoShape">
-              <a:avLst/>
-            </a:prstTxWarp>
-            <a:spAutoFit/>
-          </a:bodyPr>
-          <a:lstStyle/>
-          <a:p>
-            <a:pPr algn="ctr"/>
-            <a:r>
-              <a:rPr lang="fr-CA" dirty="0">
-                <a:cs typeface="Calibri"/>
-              </a:rPr>
-              <a:t>0,n</a:t>
-            </a:r>
-          </a:p>
-        </p:txBody>
-      </p:sp>
-      <p:sp>
-        <p:nvSpPr>
-          <p:cNvPr id="15" name="ZoneTexte 14">
-            <a:extLst>
-              <a:ext uri="{FF2B5EF4-FFF2-40B4-BE49-F238E27FC236}">
-                <a16:creationId xmlns:a16="http://schemas.microsoft.com/office/drawing/2014/main" id="{8D337154-727B-4C42-BE48-953F3805EEB6}"/>
-              </a:ext>
-            </a:extLst>
-          </p:cNvPr>
-          <p:cNvSpPr txBox="1"/>
-          <p:nvPr/>
-        </p:nvSpPr>
-        <p:spPr>
-          <a:xfrm>
-            <a:off x="1525766" y="3108056"/>
-            <a:ext cx="676275" cy="369332"/>
-          </a:xfrm>
-          <a:prstGeom prst="rect">
-            <a:avLst/>
-          </a:prstGeom>
-          <a:noFill/>
-        </p:spPr>
-        <p:txBody>
-          <a:bodyPr rot="0" spcFirstLastPara="0" vertOverflow="overflow" horzOverflow="overflow" vert="horz" wrap="square" lIns="91440" tIns="45720" rIns="91440" bIns="45720" numCol="1" spcCol="0" rtlCol="0" fromWordArt="0" anchor="t" anchorCtr="0" forceAA="0" compatLnSpc="1">
-            <a:prstTxWarp prst="textNoShape">
-              <a:avLst/>
-            </a:prstTxWarp>
-            <a:spAutoFit/>
-          </a:bodyPr>
-          <a:lstStyle/>
-          <a:p>
-            <a:pPr algn="ctr"/>
-            <a:r>
-              <a:rPr lang="fr-CA" dirty="0">
-                <a:cs typeface="Calibri"/>
-              </a:rPr>
-              <a:t>1,1</a:t>
-            </a:r>
-          </a:p>
-        </p:txBody>
-      </p:sp>
-      <p:sp>
-        <p:nvSpPr>
-          <p:cNvPr id="16" name="ZoneTexte 15">
-            <a:extLst>
-              <a:ext uri="{FF2B5EF4-FFF2-40B4-BE49-F238E27FC236}">
-                <a16:creationId xmlns:a16="http://schemas.microsoft.com/office/drawing/2014/main" id="{81428290-8AB6-4E96-87C3-502EA0DEE789}"/>
-              </a:ext>
-            </a:extLst>
-          </p:cNvPr>
-          <p:cNvSpPr txBox="1"/>
-          <p:nvPr/>
-        </p:nvSpPr>
-        <p:spPr>
-          <a:xfrm>
-            <a:off x="9307505" y="3098790"/>
-            <a:ext cx="676275" cy="369332"/>
-          </a:xfrm>
-          <a:prstGeom prst="rect">
-            <a:avLst/>
-          </a:prstGeom>
-          <a:noFill/>
-        </p:spPr>
-        <p:txBody>
-          <a:bodyPr rot="0" spcFirstLastPara="0" vertOverflow="overflow" horzOverflow="overflow" vert="horz" wrap="square" lIns="91440" tIns="45720" rIns="91440" bIns="45720" numCol="1" spcCol="0" rtlCol="0" fromWordArt="0" anchor="t" anchorCtr="0" forceAA="0" compatLnSpc="1">
-            <a:prstTxWarp prst="textNoShape">
-              <a:avLst/>
-            </a:prstTxWarp>
-            <a:spAutoFit/>
-          </a:bodyPr>
-          <a:lstStyle/>
-          <a:p>
-            <a:pPr algn="ctr"/>
-            <a:r>
-              <a:rPr lang="fr-CA" dirty="0">
-                <a:cs typeface="Calibri"/>
-              </a:rPr>
-              <a:t>1,1</a:t>
-            </a:r>
-          </a:p>
-        </p:txBody>
-      </p:sp>
-      <p:sp>
-        <p:nvSpPr>
-          <p:cNvPr id="17" name="ZoneTexte 16">
-            <a:extLst>
-              <a:ext uri="{FF2B5EF4-FFF2-40B4-BE49-F238E27FC236}">
-                <a16:creationId xmlns:a16="http://schemas.microsoft.com/office/drawing/2014/main" id="{91405845-7A33-41A4-952D-53010A26B424}"/>
-              </a:ext>
-            </a:extLst>
-          </p:cNvPr>
-          <p:cNvSpPr txBox="1"/>
-          <p:nvPr/>
-        </p:nvSpPr>
-        <p:spPr>
-          <a:xfrm>
-            <a:off x="8207524" y="1566462"/>
-            <a:ext cx="676275" cy="369332"/>
-          </a:xfrm>
-          <a:prstGeom prst="rect">
-            <a:avLst/>
-          </a:prstGeom>
-          <a:noFill/>
-        </p:spPr>
-        <p:txBody>
-          <a:bodyPr rot="0" spcFirstLastPara="0" vertOverflow="overflow" horzOverflow="overflow" vert="horz" wrap="square" lIns="91440" tIns="45720" rIns="91440" bIns="45720" numCol="1" spcCol="0" rtlCol="0" fromWordArt="0" anchor="t" anchorCtr="0" forceAA="0" compatLnSpc="1">
-            <a:prstTxWarp prst="textNoShape">
-              <a:avLst/>
-            </a:prstTxWarp>
-            <a:spAutoFit/>
-          </a:bodyPr>
-          <a:lstStyle/>
-          <a:p>
-            <a:pPr algn="ctr"/>
-            <a:r>
-              <a:rPr lang="fr-CA" dirty="0">
-                <a:cs typeface="Calibri"/>
-              </a:rPr>
-              <a:t>1,1</a:t>
-            </a:r>
-          </a:p>
-        </p:txBody>
-      </p:sp>
       <p:grpSp>
         <p:nvGrpSpPr>
-          <p:cNvPr id="8" name="Groupe 7">
-            <a:extLst>
-              <a:ext uri="{FF2B5EF4-FFF2-40B4-BE49-F238E27FC236}">
-                <a16:creationId xmlns:a16="http://schemas.microsoft.com/office/drawing/2014/main" id="{E22F235E-69EB-42EF-813B-E66310B54F2E}"/>
+          <p:cNvPr id="6" name="Groupe 5">
+            <a:extLst>
+              <a:ext uri="{FF2B5EF4-FFF2-40B4-BE49-F238E27FC236}">
+                <a16:creationId xmlns:a16="http://schemas.microsoft.com/office/drawing/2014/main" id="{A70EB917-FCC1-4AFF-96E8-B4484A8E5E8C}"/>
               </a:ext>
             </a:extLst>
           </p:cNvPr>
@@ -8330,18 +7920,961 @@
         </p:nvGrpSpPr>
         <p:grpSpPr>
           <a:xfrm>
-            <a:off x="8614217" y="4140388"/>
-            <a:ext cx="2720075" cy="2246365"/>
-            <a:chOff x="6595188" y="3465845"/>
-            <a:chExt cx="3733194" cy="2439845"/>
+            <a:off x="857709" y="-37322"/>
+            <a:ext cx="10476583" cy="6424075"/>
+            <a:chOff x="857709" y="-37322"/>
+            <a:chExt cx="10476583" cy="6424075"/>
           </a:xfrm>
         </p:grpSpPr>
+        <p:pic>
+          <p:nvPicPr>
+            <p:cNvPr id="5" name="Graphique 4" descr="Base de données avec un remplissage uni">
+              <a:extLst>
+                <a:ext uri="{FF2B5EF4-FFF2-40B4-BE49-F238E27FC236}">
+                  <a16:creationId xmlns:a16="http://schemas.microsoft.com/office/drawing/2014/main" id="{95FE15F4-47FC-4B29-A393-FC4D86AA40CB}"/>
+                </a:ext>
+              </a:extLst>
+            </p:cNvPr>
+            <p:cNvPicPr>
+              <a:picLocks noChangeAspect="1"/>
+            </p:cNvPicPr>
+            <p:nvPr/>
+          </p:nvPicPr>
+          <p:blipFill>
+            <a:blip r:embed="rId2">
+              <a:extLst>
+                <a:ext uri="{28A0092B-C50C-407E-A947-70E740481C1C}">
+                  <a14:useLocalDpi xmlns:a14="http://schemas.microsoft.com/office/drawing/2010/main" val="0"/>
+                </a:ext>
+                <a:ext uri="{96DAC541-7B7A-43D3-8B79-37D633B846F1}">
+                  <asvg:svgBlip xmlns:asvg="http://schemas.microsoft.com/office/drawing/2016/SVG/main" r:embed="rId3"/>
+                </a:ext>
+              </a:extLst>
+            </a:blip>
+            <a:stretch>
+              <a:fillRect/>
+            </a:stretch>
+          </p:blipFill>
+          <p:spPr>
+            <a:xfrm>
+              <a:off x="5596812" y="-37322"/>
+              <a:ext cx="998376" cy="998376"/>
+            </a:xfrm>
+            <a:prstGeom prst="rect">
+              <a:avLst/>
+            </a:prstGeom>
+          </p:spPr>
+        </p:pic>
         <p:sp>
           <p:nvSpPr>
-            <p:cNvPr id="36" name="Zone de texte 2">
+            <p:cNvPr id="2" name="Ellipse 1">
               <a:extLst>
                 <a:ext uri="{FF2B5EF4-FFF2-40B4-BE49-F238E27FC236}">
-                  <a16:creationId xmlns:a16="http://schemas.microsoft.com/office/drawing/2014/main" id="{DA762878-CDC5-4812-AD82-2AEEBA59F550}"/>
+                  <a16:creationId xmlns:a16="http://schemas.microsoft.com/office/drawing/2014/main" id="{249F7FEC-8147-4BC8-B597-4CB454C7AB92}"/>
+                </a:ext>
+              </a:extLst>
+            </p:cNvPr>
+            <p:cNvSpPr/>
+            <p:nvPr/>
+          </p:nvSpPr>
+          <p:spPr>
+            <a:xfrm>
+              <a:off x="1221565" y="1375139"/>
+              <a:ext cx="1980000" cy="1200150"/>
+            </a:xfrm>
+            <a:prstGeom prst="ellipse">
+              <a:avLst/>
+            </a:prstGeom>
+            <a:solidFill>
+              <a:schemeClr val="bg1"/>
+            </a:solidFill>
+            <a:ln w="25400">
+              <a:solidFill>
+                <a:srgbClr val="137478"/>
+              </a:solidFill>
+            </a:ln>
+            <a:effectLst/>
+          </p:spPr>
+          <p:style>
+            <a:lnRef idx="2">
+              <a:schemeClr val="accent1">
+                <a:shade val="50000"/>
+              </a:schemeClr>
+            </a:lnRef>
+            <a:fillRef idx="1">
+              <a:schemeClr val="accent1"/>
+            </a:fillRef>
+            <a:effectRef idx="0">
+              <a:schemeClr val="accent1"/>
+            </a:effectRef>
+            <a:fontRef idx="minor">
+              <a:schemeClr val="lt1"/>
+            </a:fontRef>
+          </p:style>
+          <p:txBody>
+            <a:bodyPr rtlCol="0" anchor="ctr"/>
+            <a:lstStyle/>
+            <a:p>
+              <a:pPr algn="ctr"/>
+              <a:r>
+                <a:rPr lang="fr-CA" dirty="0">
+                  <a:solidFill>
+                    <a:schemeClr val="tx1"/>
+                  </a:solidFill>
+                  <a:latin typeface="Poppins" panose="00000500000000000000" pitchFamily="2" charset="0"/>
+                  <a:cs typeface="Poppins" panose="00000500000000000000" pitchFamily="2" charset="0"/>
+                </a:rPr>
+                <a:t>Obtenir</a:t>
+              </a:r>
+            </a:p>
+          </p:txBody>
+        </p:sp>
+        <p:sp>
+          <p:nvSpPr>
+            <p:cNvPr id="10" name="Ellipse 9">
+              <a:extLst>
+                <a:ext uri="{FF2B5EF4-FFF2-40B4-BE49-F238E27FC236}">
+                  <a16:creationId xmlns:a16="http://schemas.microsoft.com/office/drawing/2014/main" id="{45469E6A-666F-4096-83B5-99CDA6392B53}"/>
+                </a:ext>
+              </a:extLst>
+            </p:cNvPr>
+            <p:cNvSpPr/>
+            <p:nvPr/>
+          </p:nvSpPr>
+          <p:spPr>
+            <a:xfrm>
+              <a:off x="8989018" y="1363513"/>
+              <a:ext cx="1980000" cy="1200150"/>
+            </a:xfrm>
+            <a:prstGeom prst="ellipse">
+              <a:avLst/>
+            </a:prstGeom>
+            <a:solidFill>
+              <a:schemeClr val="bg1"/>
+            </a:solidFill>
+            <a:ln w="25400">
+              <a:solidFill>
+                <a:srgbClr val="137478"/>
+              </a:solidFill>
+            </a:ln>
+            <a:effectLst/>
+          </p:spPr>
+          <p:style>
+            <a:lnRef idx="2">
+              <a:schemeClr val="accent1">
+                <a:shade val="50000"/>
+              </a:schemeClr>
+            </a:lnRef>
+            <a:fillRef idx="1">
+              <a:schemeClr val="accent1"/>
+            </a:fillRef>
+            <a:effectRef idx="0">
+              <a:schemeClr val="accent1"/>
+            </a:effectRef>
+            <a:fontRef idx="minor">
+              <a:schemeClr val="lt1"/>
+            </a:fontRef>
+          </p:style>
+          <p:txBody>
+            <a:bodyPr lIns="91440" tIns="45720" rIns="91440" bIns="45720" rtlCol="0" anchor="ctr"/>
+            <a:lstStyle/>
+            <a:p>
+              <a:pPr algn="ctr"/>
+              <a:r>
+                <a:rPr lang="fr-CA" dirty="0">
+                  <a:solidFill>
+                    <a:schemeClr val="tx1"/>
+                  </a:solidFill>
+                  <a:latin typeface="Poppins" panose="00000500000000000000" pitchFamily="2" charset="0"/>
+                  <a:cs typeface="Poppins" panose="00000500000000000000" pitchFamily="2" charset="0"/>
+                </a:rPr>
+                <a:t>Posséder</a:t>
+              </a:r>
+            </a:p>
+          </p:txBody>
+        </p:sp>
+        <p:cxnSp>
+          <p:nvCxnSpPr>
+            <p:cNvPr id="3" name="Connecteur droit avec flèche 2">
+              <a:extLst>
+                <a:ext uri="{FF2B5EF4-FFF2-40B4-BE49-F238E27FC236}">
+                  <a16:creationId xmlns:a16="http://schemas.microsoft.com/office/drawing/2014/main" id="{DC8B4E1B-DA99-4E6F-9F0E-F3814BADE0E2}"/>
+                </a:ext>
+              </a:extLst>
+            </p:cNvPr>
+            <p:cNvCxnSpPr>
+              <a:cxnSpLocks/>
+            </p:cNvCxnSpPr>
+            <p:nvPr/>
+          </p:nvCxnSpPr>
+          <p:spPr>
+            <a:xfrm>
+              <a:off x="7962814" y="1954186"/>
+              <a:ext cx="1026204" cy="0"/>
+            </a:xfrm>
+            <a:prstGeom prst="straightConnector1">
+              <a:avLst/>
+            </a:prstGeom>
+            <a:ln w="25400">
+              <a:solidFill>
+                <a:srgbClr val="137478"/>
+              </a:solidFill>
+            </a:ln>
+          </p:spPr>
+          <p:style>
+            <a:lnRef idx="1">
+              <a:schemeClr val="dk1"/>
+            </a:lnRef>
+            <a:fillRef idx="0">
+              <a:schemeClr val="dk1"/>
+            </a:fillRef>
+            <a:effectRef idx="0">
+              <a:schemeClr val="dk1"/>
+            </a:effectRef>
+            <a:fontRef idx="minor">
+              <a:schemeClr val="tx1"/>
+            </a:fontRef>
+          </p:style>
+        </p:cxnSp>
+        <p:cxnSp>
+          <p:nvCxnSpPr>
+            <p:cNvPr id="12" name="Connecteur droit avec flèche 11">
+              <a:extLst>
+                <a:ext uri="{FF2B5EF4-FFF2-40B4-BE49-F238E27FC236}">
+                  <a16:creationId xmlns:a16="http://schemas.microsoft.com/office/drawing/2014/main" id="{79428F22-5AF7-4248-943F-EBDF6E207B57}"/>
+                </a:ext>
+              </a:extLst>
+            </p:cNvPr>
+            <p:cNvCxnSpPr>
+              <a:cxnSpLocks/>
+              <a:stCxn id="36" idx="0"/>
+            </p:cNvCxnSpPr>
+            <p:nvPr/>
+          </p:nvCxnSpPr>
+          <p:spPr>
+            <a:xfrm flipV="1">
+              <a:off x="9974254" y="2575290"/>
+              <a:ext cx="2" cy="1565098"/>
+            </a:xfrm>
+            <a:prstGeom prst="straightConnector1">
+              <a:avLst/>
+            </a:prstGeom>
+            <a:ln w="25400">
+              <a:solidFill>
+                <a:srgbClr val="137478"/>
+              </a:solidFill>
+            </a:ln>
+          </p:spPr>
+          <p:style>
+            <a:lnRef idx="1">
+              <a:schemeClr val="dk1"/>
+            </a:lnRef>
+            <a:fillRef idx="0">
+              <a:schemeClr val="dk1"/>
+            </a:fillRef>
+            <a:effectRef idx="0">
+              <a:schemeClr val="dk1"/>
+            </a:effectRef>
+            <a:fontRef idx="minor">
+              <a:schemeClr val="tx1"/>
+            </a:fontRef>
+          </p:style>
+        </p:cxnSp>
+        <p:sp>
+          <p:nvSpPr>
+            <p:cNvPr id="4" name="ZoneTexte 3">
+              <a:extLst>
+                <a:ext uri="{FF2B5EF4-FFF2-40B4-BE49-F238E27FC236}">
+                  <a16:creationId xmlns:a16="http://schemas.microsoft.com/office/drawing/2014/main" id="{27F62C65-47DE-4919-A57B-697111F728D2}"/>
+                </a:ext>
+              </a:extLst>
+            </p:cNvPr>
+            <p:cNvSpPr txBox="1"/>
+            <p:nvPr/>
+          </p:nvSpPr>
+          <p:spPr>
+            <a:xfrm>
+              <a:off x="3376529" y="1605882"/>
+              <a:ext cx="676275" cy="369332"/>
+            </a:xfrm>
+            <a:prstGeom prst="rect">
+              <a:avLst/>
+            </a:prstGeom>
+            <a:noFill/>
+          </p:spPr>
+          <p:txBody>
+            <a:bodyPr rot="0" spcFirstLastPara="0" vertOverflow="overflow" horzOverflow="overflow" vert="horz" wrap="square" lIns="91440" tIns="45720" rIns="91440" bIns="45720" numCol="1" spcCol="0" rtlCol="0" fromWordArt="0" anchor="t" anchorCtr="0" forceAA="0" compatLnSpc="1">
+              <a:prstTxWarp prst="textNoShape">
+                <a:avLst/>
+              </a:prstTxWarp>
+              <a:spAutoFit/>
+            </a:bodyPr>
+            <a:lstStyle/>
+            <a:p>
+              <a:pPr algn="ctr"/>
+              <a:r>
+                <a:rPr lang="fr-CA" dirty="0">
+                  <a:cs typeface="Calibri"/>
+                </a:rPr>
+                <a:t>0,n</a:t>
+              </a:r>
+            </a:p>
+          </p:txBody>
+        </p:sp>
+        <p:sp>
+          <p:nvSpPr>
+            <p:cNvPr id="15" name="ZoneTexte 14">
+              <a:extLst>
+                <a:ext uri="{FF2B5EF4-FFF2-40B4-BE49-F238E27FC236}">
+                  <a16:creationId xmlns:a16="http://schemas.microsoft.com/office/drawing/2014/main" id="{8D337154-727B-4C42-BE48-953F3805EEB6}"/>
+                </a:ext>
+              </a:extLst>
+            </p:cNvPr>
+            <p:cNvSpPr txBox="1"/>
+            <p:nvPr/>
+          </p:nvSpPr>
+          <p:spPr>
+            <a:xfrm>
+              <a:off x="1525766" y="3108056"/>
+              <a:ext cx="676275" cy="369332"/>
+            </a:xfrm>
+            <a:prstGeom prst="rect">
+              <a:avLst/>
+            </a:prstGeom>
+            <a:noFill/>
+          </p:spPr>
+          <p:txBody>
+            <a:bodyPr rot="0" spcFirstLastPara="0" vertOverflow="overflow" horzOverflow="overflow" vert="horz" wrap="square" lIns="91440" tIns="45720" rIns="91440" bIns="45720" numCol="1" spcCol="0" rtlCol="0" fromWordArt="0" anchor="t" anchorCtr="0" forceAA="0" compatLnSpc="1">
+              <a:prstTxWarp prst="textNoShape">
+                <a:avLst/>
+              </a:prstTxWarp>
+              <a:spAutoFit/>
+            </a:bodyPr>
+            <a:lstStyle/>
+            <a:p>
+              <a:pPr algn="ctr"/>
+              <a:r>
+                <a:rPr lang="fr-CA" dirty="0">
+                  <a:cs typeface="Calibri"/>
+                </a:rPr>
+                <a:t>1,1</a:t>
+              </a:r>
+            </a:p>
+          </p:txBody>
+        </p:sp>
+        <p:sp>
+          <p:nvSpPr>
+            <p:cNvPr id="16" name="ZoneTexte 15">
+              <a:extLst>
+                <a:ext uri="{FF2B5EF4-FFF2-40B4-BE49-F238E27FC236}">
+                  <a16:creationId xmlns:a16="http://schemas.microsoft.com/office/drawing/2014/main" id="{81428290-8AB6-4E96-87C3-502EA0DEE789}"/>
+                </a:ext>
+              </a:extLst>
+            </p:cNvPr>
+            <p:cNvSpPr txBox="1"/>
+            <p:nvPr/>
+          </p:nvSpPr>
+          <p:spPr>
+            <a:xfrm>
+              <a:off x="9307505" y="3098790"/>
+              <a:ext cx="676275" cy="369332"/>
+            </a:xfrm>
+            <a:prstGeom prst="rect">
+              <a:avLst/>
+            </a:prstGeom>
+            <a:noFill/>
+          </p:spPr>
+          <p:txBody>
+            <a:bodyPr rot="0" spcFirstLastPara="0" vertOverflow="overflow" horzOverflow="overflow" vert="horz" wrap="square" lIns="91440" tIns="45720" rIns="91440" bIns="45720" numCol="1" spcCol="0" rtlCol="0" fromWordArt="0" anchor="t" anchorCtr="0" forceAA="0" compatLnSpc="1">
+              <a:prstTxWarp prst="textNoShape">
+                <a:avLst/>
+              </a:prstTxWarp>
+              <a:spAutoFit/>
+            </a:bodyPr>
+            <a:lstStyle/>
+            <a:p>
+              <a:pPr algn="ctr"/>
+              <a:r>
+                <a:rPr lang="fr-CA" dirty="0">
+                  <a:cs typeface="Calibri"/>
+                </a:rPr>
+                <a:t>1,1</a:t>
+              </a:r>
+            </a:p>
+          </p:txBody>
+        </p:sp>
+        <p:sp>
+          <p:nvSpPr>
+            <p:cNvPr id="17" name="ZoneTexte 16">
+              <a:extLst>
+                <a:ext uri="{FF2B5EF4-FFF2-40B4-BE49-F238E27FC236}">
+                  <a16:creationId xmlns:a16="http://schemas.microsoft.com/office/drawing/2014/main" id="{91405845-7A33-41A4-952D-53010A26B424}"/>
+                </a:ext>
+              </a:extLst>
+            </p:cNvPr>
+            <p:cNvSpPr txBox="1"/>
+            <p:nvPr/>
+          </p:nvSpPr>
+          <p:spPr>
+            <a:xfrm>
+              <a:off x="8207524" y="1566462"/>
+              <a:ext cx="676275" cy="369332"/>
+            </a:xfrm>
+            <a:prstGeom prst="rect">
+              <a:avLst/>
+            </a:prstGeom>
+            <a:noFill/>
+          </p:spPr>
+          <p:txBody>
+            <a:bodyPr rot="0" spcFirstLastPara="0" vertOverflow="overflow" horzOverflow="overflow" vert="horz" wrap="square" lIns="91440" tIns="45720" rIns="91440" bIns="45720" numCol="1" spcCol="0" rtlCol="0" fromWordArt="0" anchor="t" anchorCtr="0" forceAA="0" compatLnSpc="1">
+              <a:prstTxWarp prst="textNoShape">
+                <a:avLst/>
+              </a:prstTxWarp>
+              <a:spAutoFit/>
+            </a:bodyPr>
+            <a:lstStyle/>
+            <a:p>
+              <a:pPr algn="ctr"/>
+              <a:r>
+                <a:rPr lang="fr-CA" dirty="0">
+                  <a:cs typeface="Calibri"/>
+                </a:rPr>
+                <a:t>1,1</a:t>
+              </a:r>
+            </a:p>
+          </p:txBody>
+        </p:sp>
+        <p:grpSp>
+          <p:nvGrpSpPr>
+            <p:cNvPr id="8" name="Groupe 7">
+              <a:extLst>
+                <a:ext uri="{FF2B5EF4-FFF2-40B4-BE49-F238E27FC236}">
+                  <a16:creationId xmlns:a16="http://schemas.microsoft.com/office/drawing/2014/main" id="{E22F235E-69EB-42EF-813B-E66310B54F2E}"/>
+                </a:ext>
+              </a:extLst>
+            </p:cNvPr>
+            <p:cNvGrpSpPr/>
+            <p:nvPr/>
+          </p:nvGrpSpPr>
+          <p:grpSpPr>
+            <a:xfrm>
+              <a:off x="8614217" y="4140388"/>
+              <a:ext cx="2720075" cy="2246365"/>
+              <a:chOff x="6595188" y="3465845"/>
+              <a:chExt cx="3733194" cy="2439845"/>
+            </a:xfrm>
+          </p:grpSpPr>
+          <p:sp>
+            <p:nvSpPr>
+              <p:cNvPr id="36" name="Zone de texte 2">
+                <a:extLst>
+                  <a:ext uri="{FF2B5EF4-FFF2-40B4-BE49-F238E27FC236}">
+                    <a16:creationId xmlns:a16="http://schemas.microsoft.com/office/drawing/2014/main" id="{DA762878-CDC5-4812-AD82-2AEEBA59F550}"/>
+                  </a:ext>
+                </a:extLst>
+              </p:cNvPr>
+              <p:cNvSpPr txBox="1">
+                <a:spLocks noChangeArrowheads="1"/>
+              </p:cNvSpPr>
+              <p:nvPr/>
+            </p:nvSpPr>
+            <p:spPr bwMode="auto">
+              <a:xfrm>
+                <a:off x="6595188" y="3465845"/>
+                <a:ext cx="3733193" cy="2439845"/>
+              </a:xfrm>
+              <a:prstGeom prst="roundRect">
+                <a:avLst/>
+              </a:prstGeom>
+              <a:solidFill>
+                <a:srgbClr val="FFFFFF"/>
+              </a:solidFill>
+              <a:ln w="25400">
+                <a:solidFill>
+                  <a:srgbClr val="137478"/>
+                </a:solidFill>
+                <a:miter lim="800000"/>
+                <a:headEnd/>
+                <a:tailEnd/>
+              </a:ln>
+            </p:spPr>
+            <p:txBody>
+              <a:bodyPr rot="0" vert="horz" wrap="square" lIns="91440" tIns="45720" rIns="91440" bIns="45720" anchor="t" anchorCtr="0">
+                <a:noAutofit/>
+              </a:bodyPr>
+              <a:lstStyle/>
+              <a:p>
+                <a:pPr algn="ctr">
+                  <a:lnSpc>
+                    <a:spcPct val="107000"/>
+                  </a:lnSpc>
+                  <a:spcAft>
+                    <a:spcPts val="800"/>
+                  </a:spcAft>
+                </a:pPr>
+                <a:r>
+                  <a:rPr lang="fr-FR" dirty="0">
+                    <a:effectLst/>
+                    <a:latin typeface="Poppins" panose="00000500000000000000" pitchFamily="2" charset="0"/>
+                    <a:ea typeface="Calibri" panose="020F0502020204030204" pitchFamily="34" charset="0"/>
+                    <a:cs typeface="Poppins" panose="00000500000000000000" pitchFamily="2" charset="0"/>
+                  </a:rPr>
+                  <a:t>Planning</a:t>
+                </a:r>
+              </a:p>
+              <a:p>
+                <a:pPr marL="628650" lvl="1" indent="-171450">
+                  <a:lnSpc>
+                    <a:spcPct val="107000"/>
+                  </a:lnSpc>
+                  <a:buFont typeface="Arial" panose="020B0604020202020204" pitchFamily="34" charset="0"/>
+                  <a:buChar char="•"/>
+                </a:pPr>
+                <a:endParaRPr lang="fr-FR" u="dotted" dirty="0">
+                  <a:latin typeface="Calibri" panose="020F0502020204030204" pitchFamily="34" charset="0"/>
+                  <a:ea typeface="Calibri" panose="020F0502020204030204" pitchFamily="34" charset="0"/>
+                  <a:cs typeface="Times New Roman" panose="02020603050405020304" pitchFamily="18" charset="0"/>
+                </a:endParaRPr>
+              </a:p>
+            </p:txBody>
+          </p:sp>
+          <p:sp>
+            <p:nvSpPr>
+              <p:cNvPr id="7" name="ZoneTexte 6">
+                <a:extLst>
+                  <a:ext uri="{FF2B5EF4-FFF2-40B4-BE49-F238E27FC236}">
+                    <a16:creationId xmlns:a16="http://schemas.microsoft.com/office/drawing/2014/main" id="{19B85DCD-55DA-4A40-9100-69DE263053FC}"/>
+                  </a:ext>
+                </a:extLst>
+              </p:cNvPr>
+              <p:cNvSpPr txBox="1"/>
+              <p:nvPr/>
+            </p:nvSpPr>
+            <p:spPr>
+              <a:xfrm>
+                <a:off x="6595188" y="4044500"/>
+                <a:ext cx="3733194" cy="1173021"/>
+              </a:xfrm>
+              <a:prstGeom prst="rect">
+                <a:avLst/>
+              </a:prstGeom>
+              <a:noFill/>
+              <a:ln>
+                <a:noFill/>
+              </a:ln>
+            </p:spPr>
+            <p:txBody>
+              <a:bodyPr wrap="square" numCol="2" rtlCol="0">
+                <a:spAutoFit/>
+              </a:bodyPr>
+              <a:lstStyle/>
+              <a:p>
+                <a:pPr marL="171450" indent="-171450">
+                  <a:lnSpc>
+                    <a:spcPct val="107000"/>
+                  </a:lnSpc>
+                  <a:buFont typeface="Arial" panose="020B0604020202020204" pitchFamily="34" charset="0"/>
+                  <a:buChar char="•"/>
+                </a:pPr>
+                <a:r>
+                  <a:rPr lang="fr-FR" sz="1600" u="heavy" dirty="0">
+                    <a:latin typeface="Poppins" panose="00000500000000000000" pitchFamily="2" charset="0"/>
+                    <a:ea typeface="Calibri" panose="020F0502020204030204" pitchFamily="34" charset="0"/>
+                    <a:cs typeface="Poppins" panose="00000500000000000000" pitchFamily="2" charset="0"/>
+                  </a:rPr>
+                  <a:t>id</a:t>
+                </a:r>
+                <a:endParaRPr lang="fr-FR" sz="1600" dirty="0">
+                  <a:latin typeface="Poppins" panose="00000500000000000000" pitchFamily="2" charset="0"/>
+                  <a:ea typeface="Calibri" panose="020F0502020204030204" pitchFamily="34" charset="0"/>
+                  <a:cs typeface="Poppins" panose="00000500000000000000" pitchFamily="2" charset="0"/>
+                </a:endParaRPr>
+              </a:p>
+              <a:p>
+                <a:pPr marL="171450" lvl="0" indent="-171450">
+                  <a:lnSpc>
+                    <a:spcPct val="107000"/>
+                  </a:lnSpc>
+                  <a:buFont typeface="Arial" panose="020B0604020202020204" pitchFamily="34" charset="0"/>
+                  <a:buChar char="•"/>
+                </a:pPr>
+                <a:r>
+                  <a:rPr lang="fr-FR" sz="1600" dirty="0" err="1">
+                    <a:latin typeface="Poppins" panose="00000500000000000000" pitchFamily="2" charset="0"/>
+                    <a:ea typeface="Calibri" panose="020F0502020204030204" pitchFamily="34" charset="0"/>
+                    <a:cs typeface="Poppins" panose="00000500000000000000" pitchFamily="2" charset="0"/>
+                  </a:rPr>
+                  <a:t>subject</a:t>
+                </a:r>
+                <a:endParaRPr lang="fr-FR" sz="1600" dirty="0">
+                  <a:effectLst/>
+                  <a:latin typeface="Poppins" panose="00000500000000000000" pitchFamily="2" charset="0"/>
+                  <a:ea typeface="Calibri" panose="020F0502020204030204" pitchFamily="34" charset="0"/>
+                  <a:cs typeface="Poppins" panose="00000500000000000000" pitchFamily="2" charset="0"/>
+                </a:endParaRPr>
+              </a:p>
+              <a:p>
+                <a:pPr marL="171450" lvl="0" indent="-171450">
+                  <a:lnSpc>
+                    <a:spcPct val="107000"/>
+                  </a:lnSpc>
+                  <a:buFont typeface="Arial" panose="020B0604020202020204" pitchFamily="34" charset="0"/>
+                  <a:buChar char="•"/>
+                </a:pPr>
+                <a:r>
+                  <a:rPr lang="fr-FR" sz="1600" dirty="0" err="1">
+                    <a:latin typeface="Poppins" panose="00000500000000000000" pitchFamily="2" charset="0"/>
+                    <a:ea typeface="Calibri" panose="020F0502020204030204" pitchFamily="34" charset="0"/>
+                    <a:cs typeface="Poppins" panose="00000500000000000000" pitchFamily="2" charset="0"/>
+                  </a:rPr>
+                  <a:t>teacher</a:t>
+                </a:r>
+                <a:endParaRPr lang="fr-FR" sz="1600" dirty="0">
+                  <a:effectLst/>
+                  <a:latin typeface="Poppins" panose="00000500000000000000" pitchFamily="2" charset="0"/>
+                  <a:ea typeface="Calibri" panose="020F0502020204030204" pitchFamily="34" charset="0"/>
+                  <a:cs typeface="Poppins" panose="00000500000000000000" pitchFamily="2" charset="0"/>
+                </a:endParaRPr>
+              </a:p>
+              <a:p>
+                <a:pPr marL="171450" lvl="0" indent="-171450">
+                  <a:lnSpc>
+                    <a:spcPct val="107000"/>
+                  </a:lnSpc>
+                  <a:buFont typeface="Arial" panose="020B0604020202020204" pitchFamily="34" charset="0"/>
+                  <a:buChar char="•"/>
+                </a:pPr>
+                <a:r>
+                  <a:rPr lang="fr-FR" sz="1600" dirty="0">
+                    <a:latin typeface="Poppins" panose="00000500000000000000" pitchFamily="2" charset="0"/>
+                    <a:ea typeface="Calibri" panose="020F0502020204030204" pitchFamily="34" charset="0"/>
+                    <a:cs typeface="Poppins" panose="00000500000000000000" pitchFamily="2" charset="0"/>
+                  </a:rPr>
+                  <a:t>room</a:t>
+                </a:r>
+              </a:p>
+              <a:p>
+                <a:pPr marL="171450" lvl="0" indent="-171450">
+                  <a:lnSpc>
+                    <a:spcPct val="107000"/>
+                  </a:lnSpc>
+                  <a:buFont typeface="Arial" panose="020B0604020202020204" pitchFamily="34" charset="0"/>
+                  <a:buChar char="•"/>
+                </a:pPr>
+                <a:r>
+                  <a:rPr lang="fr-FR" sz="1600" dirty="0">
+                    <a:latin typeface="Poppins" panose="00000500000000000000" pitchFamily="2" charset="0"/>
+                    <a:ea typeface="Calibri" panose="020F0502020204030204" pitchFamily="34" charset="0"/>
+                    <a:cs typeface="Poppins" panose="00000500000000000000" pitchFamily="2" charset="0"/>
+                  </a:rPr>
+                  <a:t>date</a:t>
+                </a:r>
+                <a:endParaRPr lang="fr-FR" sz="1600" dirty="0">
+                  <a:effectLst/>
+                  <a:latin typeface="Poppins" panose="00000500000000000000" pitchFamily="2" charset="0"/>
+                  <a:ea typeface="Calibri" panose="020F0502020204030204" pitchFamily="34" charset="0"/>
+                  <a:cs typeface="Poppins" panose="00000500000000000000" pitchFamily="2" charset="0"/>
+                </a:endParaRPr>
+              </a:p>
+              <a:p>
+                <a:pPr marL="171450" lvl="0" indent="-171450">
+                  <a:lnSpc>
+                    <a:spcPct val="107000"/>
+                  </a:lnSpc>
+                  <a:buFont typeface="Arial" panose="020B0604020202020204" pitchFamily="34" charset="0"/>
+                  <a:buChar char="•"/>
+                </a:pPr>
+                <a:r>
+                  <a:rPr lang="fr-FR" sz="1600" dirty="0">
+                    <a:latin typeface="Poppins" panose="00000500000000000000" pitchFamily="2" charset="0"/>
+                    <a:ea typeface="Calibri" panose="020F0502020204030204" pitchFamily="34" charset="0"/>
+                    <a:cs typeface="Poppins" panose="00000500000000000000" pitchFamily="2" charset="0"/>
+                  </a:rPr>
+                  <a:t>start</a:t>
+                </a:r>
+                <a:endParaRPr lang="fr-FR" sz="1600" dirty="0">
+                  <a:effectLst/>
+                  <a:latin typeface="Poppins" panose="00000500000000000000" pitchFamily="2" charset="0"/>
+                  <a:ea typeface="Calibri" panose="020F0502020204030204" pitchFamily="34" charset="0"/>
+                  <a:cs typeface="Poppins" panose="00000500000000000000" pitchFamily="2" charset="0"/>
+                </a:endParaRPr>
+              </a:p>
+              <a:p>
+                <a:pPr marL="171450" lvl="0" indent="-171450">
+                  <a:lnSpc>
+                    <a:spcPct val="107000"/>
+                  </a:lnSpc>
+                  <a:buFont typeface="Arial" panose="020B0604020202020204" pitchFamily="34" charset="0"/>
+                  <a:buChar char="•"/>
+                </a:pPr>
+                <a:r>
+                  <a:rPr lang="fr-FR" sz="1600" dirty="0">
+                    <a:latin typeface="Poppins" panose="00000500000000000000" pitchFamily="2" charset="0"/>
+                    <a:ea typeface="Calibri" panose="020F0502020204030204" pitchFamily="34" charset="0"/>
+                    <a:cs typeface="Poppins" panose="00000500000000000000" pitchFamily="2" charset="0"/>
+                  </a:rPr>
+                  <a:t>end</a:t>
+                </a:r>
+                <a:endParaRPr lang="fr-FR" sz="1600" dirty="0">
+                  <a:effectLst/>
+                  <a:latin typeface="Poppins" panose="00000500000000000000" pitchFamily="2" charset="0"/>
+                  <a:ea typeface="Calibri" panose="020F0502020204030204" pitchFamily="34" charset="0"/>
+                  <a:cs typeface="Poppins" panose="00000500000000000000" pitchFamily="2" charset="0"/>
+                </a:endParaRPr>
+              </a:p>
+              <a:p>
+                <a:pPr marL="171450" lvl="0" indent="-171450">
+                  <a:lnSpc>
+                    <a:spcPct val="107000"/>
+                  </a:lnSpc>
+                  <a:buFont typeface="Arial" panose="020B0604020202020204" pitchFamily="34" charset="0"/>
+                  <a:buChar char="•"/>
+                </a:pPr>
+                <a:r>
+                  <a:rPr lang="fr-FR" sz="1600" u="dotted" dirty="0" err="1">
+                    <a:effectLst/>
+                    <a:latin typeface="Poppins" panose="00000500000000000000" pitchFamily="2" charset="0"/>
+                    <a:ea typeface="Calibri" panose="020F0502020204030204" pitchFamily="34" charset="0"/>
+                    <a:cs typeface="Poppins" panose="00000500000000000000" pitchFamily="2" charset="0"/>
+                  </a:rPr>
+                  <a:t>Username</a:t>
+                </a:r>
+                <a:endParaRPr lang="fr-FR" sz="1600" dirty="0">
+                  <a:latin typeface="Poppins" panose="00000500000000000000" pitchFamily="2" charset="0"/>
+                  <a:cs typeface="Poppins" panose="00000500000000000000" pitchFamily="2" charset="0"/>
+                </a:endParaRPr>
+              </a:p>
+            </p:txBody>
+          </p:sp>
+        </p:grpSp>
+        <p:grpSp>
+          <p:nvGrpSpPr>
+            <p:cNvPr id="21" name="Groupe 20">
+              <a:extLst>
+                <a:ext uri="{FF2B5EF4-FFF2-40B4-BE49-F238E27FC236}">
+                  <a16:creationId xmlns:a16="http://schemas.microsoft.com/office/drawing/2014/main" id="{A2920D4B-CD67-4AAD-962B-899AB9B08CB3}"/>
+                </a:ext>
+              </a:extLst>
+            </p:cNvPr>
+            <p:cNvGrpSpPr/>
+            <p:nvPr/>
+          </p:nvGrpSpPr>
+          <p:grpSpPr>
+            <a:xfrm>
+              <a:off x="857709" y="4140388"/>
+              <a:ext cx="2720075" cy="2246363"/>
+              <a:chOff x="6595188" y="3465845"/>
+              <a:chExt cx="3733194" cy="2439845"/>
+            </a:xfrm>
+          </p:grpSpPr>
+          <p:sp>
+            <p:nvSpPr>
+              <p:cNvPr id="22" name="Zone de texte 2">
+                <a:extLst>
+                  <a:ext uri="{FF2B5EF4-FFF2-40B4-BE49-F238E27FC236}">
+                    <a16:creationId xmlns:a16="http://schemas.microsoft.com/office/drawing/2014/main" id="{DD4CA510-970A-4D97-8545-DF4894514418}"/>
+                  </a:ext>
+                </a:extLst>
+              </p:cNvPr>
+              <p:cNvSpPr txBox="1">
+                <a:spLocks noChangeArrowheads="1"/>
+              </p:cNvSpPr>
+              <p:nvPr/>
+            </p:nvSpPr>
+            <p:spPr bwMode="auto">
+              <a:xfrm>
+                <a:off x="6595188" y="3465845"/>
+                <a:ext cx="3733193" cy="2439845"/>
+              </a:xfrm>
+              <a:prstGeom prst="roundRect">
+                <a:avLst/>
+              </a:prstGeom>
+              <a:solidFill>
+                <a:srgbClr val="FFFFFF"/>
+              </a:solidFill>
+              <a:ln w="25400">
+                <a:solidFill>
+                  <a:srgbClr val="137478"/>
+                </a:solidFill>
+                <a:miter lim="800000"/>
+                <a:headEnd/>
+                <a:tailEnd/>
+              </a:ln>
+            </p:spPr>
+            <p:txBody>
+              <a:bodyPr rot="0" vert="horz" wrap="square" lIns="91440" tIns="45720" rIns="91440" bIns="45720" anchor="t" anchorCtr="0">
+                <a:noAutofit/>
+              </a:bodyPr>
+              <a:lstStyle/>
+              <a:p>
+                <a:pPr algn="ctr">
+                  <a:lnSpc>
+                    <a:spcPct val="107000"/>
+                  </a:lnSpc>
+                  <a:spcAft>
+                    <a:spcPts val="800"/>
+                  </a:spcAft>
+                </a:pPr>
+                <a:r>
+                  <a:rPr lang="fr-FR" sz="1800" dirty="0">
+                    <a:latin typeface="Poppins" panose="00000500000000000000" pitchFamily="2" charset="0"/>
+                    <a:cs typeface="Poppins" panose="00000500000000000000" pitchFamily="2" charset="0"/>
+                  </a:rPr>
+                  <a:t>Marks</a:t>
+                </a:r>
+                <a:endParaRPr lang="fr-FR" sz="3200" dirty="0">
+                  <a:latin typeface="Poppins" panose="00000500000000000000" pitchFamily="2" charset="0"/>
+                  <a:cs typeface="Poppins" panose="00000500000000000000" pitchFamily="2" charset="0"/>
+                </a:endParaRPr>
+              </a:p>
+              <a:p>
+                <a:pPr marL="628650" lvl="1" indent="-171450">
+                  <a:lnSpc>
+                    <a:spcPct val="107000"/>
+                  </a:lnSpc>
+                  <a:buFont typeface="Arial" panose="020B0604020202020204" pitchFamily="34" charset="0"/>
+                  <a:buChar char="•"/>
+                </a:pPr>
+                <a:endParaRPr lang="fr-FR" u="dotted" dirty="0">
+                  <a:latin typeface="Calibri" panose="020F0502020204030204" pitchFamily="34" charset="0"/>
+                  <a:ea typeface="Calibri" panose="020F0502020204030204" pitchFamily="34" charset="0"/>
+                  <a:cs typeface="Times New Roman" panose="02020603050405020304" pitchFamily="18" charset="0"/>
+                </a:endParaRPr>
+              </a:p>
+            </p:txBody>
+          </p:sp>
+          <p:sp>
+            <p:nvSpPr>
+              <p:cNvPr id="23" name="ZoneTexte 22">
+                <a:extLst>
+                  <a:ext uri="{FF2B5EF4-FFF2-40B4-BE49-F238E27FC236}">
+                    <a16:creationId xmlns:a16="http://schemas.microsoft.com/office/drawing/2014/main" id="{CA300025-D2CD-4D07-9BA4-691359C85DDD}"/>
+                  </a:ext>
+                </a:extLst>
+              </p:cNvPr>
+              <p:cNvSpPr txBox="1"/>
+              <p:nvPr/>
+            </p:nvSpPr>
+            <p:spPr>
+              <a:xfrm>
+                <a:off x="6595188" y="4044500"/>
+                <a:ext cx="3733194" cy="782014"/>
+              </a:xfrm>
+              <a:prstGeom prst="rect">
+                <a:avLst/>
+              </a:prstGeom>
+              <a:noFill/>
+            </p:spPr>
+            <p:txBody>
+              <a:bodyPr wrap="square" numCol="2" rtlCol="0">
+                <a:spAutoFit/>
+              </a:bodyPr>
+              <a:lstStyle/>
+              <a:p>
+                <a:pPr marL="171450" indent="-171450">
+                  <a:buFont typeface="Arial" panose="020B0604020202020204" pitchFamily="34" charset="0"/>
+                  <a:buChar char="•"/>
+                </a:pPr>
+                <a:r>
+                  <a:rPr lang="fr-FR" sz="1600" u="heavy" dirty="0">
+                    <a:latin typeface="Poppins" panose="00000500000000000000" pitchFamily="2" charset="0"/>
+                    <a:ea typeface="Calibri" panose="020F0502020204030204" pitchFamily="34" charset="0"/>
+                    <a:cs typeface="Poppins" panose="00000500000000000000" pitchFamily="2" charset="0"/>
+                  </a:rPr>
+                  <a:t>id</a:t>
+                </a:r>
+                <a:endParaRPr lang="fr-FR" sz="1600" dirty="0">
+                  <a:latin typeface="Poppins" panose="00000500000000000000" pitchFamily="2" charset="0"/>
+                  <a:ea typeface="Calibri" panose="020F0502020204030204" pitchFamily="34" charset="0"/>
+                  <a:cs typeface="Poppins" panose="00000500000000000000" pitchFamily="2" charset="0"/>
+                </a:endParaRPr>
+              </a:p>
+              <a:p>
+                <a:pPr marL="171450" indent="-171450">
+                  <a:buFont typeface="Arial" panose="020B0604020202020204" pitchFamily="34" charset="0"/>
+                  <a:buChar char="•"/>
+                </a:pPr>
+                <a:r>
+                  <a:rPr lang="fr-FR" sz="1600" dirty="0" err="1">
+                    <a:latin typeface="Poppins" panose="00000500000000000000" pitchFamily="2" charset="0"/>
+                    <a:ea typeface="Calibri" panose="020F0502020204030204" pitchFamily="34" charset="0"/>
+                    <a:cs typeface="Poppins" panose="00000500000000000000" pitchFamily="2" charset="0"/>
+                  </a:rPr>
+                  <a:t>title</a:t>
+                </a:r>
+                <a:endParaRPr lang="fr-FR" sz="1600" dirty="0">
+                  <a:latin typeface="Poppins" panose="00000500000000000000" pitchFamily="2" charset="0"/>
+                  <a:ea typeface="Calibri" panose="020F0502020204030204" pitchFamily="34" charset="0"/>
+                  <a:cs typeface="Poppins" panose="00000500000000000000" pitchFamily="2" charset="0"/>
+                </a:endParaRPr>
+              </a:p>
+              <a:p>
+                <a:pPr marL="171450" indent="-171450">
+                  <a:buFont typeface="Arial" panose="020B0604020202020204" pitchFamily="34" charset="0"/>
+                  <a:buChar char="•"/>
+                </a:pPr>
+                <a:r>
+                  <a:rPr lang="fr-FR" sz="1600" dirty="0">
+                    <a:latin typeface="Poppins" panose="00000500000000000000" pitchFamily="2" charset="0"/>
+                    <a:ea typeface="Calibri" panose="020F0502020204030204" pitchFamily="34" charset="0"/>
+                    <a:cs typeface="Poppins" panose="00000500000000000000" pitchFamily="2" charset="0"/>
+                  </a:rPr>
+                  <a:t>mark</a:t>
+                </a:r>
+                <a:endParaRPr lang="fr-FR" sz="1600" dirty="0">
+                  <a:effectLst/>
+                  <a:latin typeface="Poppins" panose="00000500000000000000" pitchFamily="2" charset="0"/>
+                  <a:ea typeface="Calibri" panose="020F0502020204030204" pitchFamily="34" charset="0"/>
+                  <a:cs typeface="Poppins" panose="00000500000000000000" pitchFamily="2" charset="0"/>
+                </a:endParaRPr>
+              </a:p>
+              <a:p>
+                <a:pPr marL="171450" indent="-171450">
+                  <a:buFont typeface="Arial" panose="020B0604020202020204" pitchFamily="34" charset="0"/>
+                  <a:buChar char="•"/>
+                </a:pPr>
+                <a:r>
+                  <a:rPr lang="fr-FR" sz="1600" dirty="0">
+                    <a:latin typeface="Poppins" panose="00000500000000000000" pitchFamily="2" charset="0"/>
+                    <a:ea typeface="Calibri" panose="020F0502020204030204" pitchFamily="34" charset="0"/>
+                    <a:cs typeface="Poppins" panose="00000500000000000000" pitchFamily="2" charset="0"/>
+                  </a:rPr>
+                  <a:t>date</a:t>
+                </a:r>
+              </a:p>
+              <a:p>
+                <a:pPr marL="171450" lvl="0" indent="-171450">
+                  <a:lnSpc>
+                    <a:spcPct val="107000"/>
+                  </a:lnSpc>
+                  <a:buFont typeface="Arial" panose="020B0604020202020204" pitchFamily="34" charset="0"/>
+                  <a:buChar char="•"/>
+                </a:pPr>
+                <a:r>
+                  <a:rPr lang="fr-FR" sz="1600" u="dotted" dirty="0" err="1">
+                    <a:effectLst/>
+                    <a:latin typeface="Poppins" panose="00000500000000000000" pitchFamily="2" charset="0"/>
+                    <a:ea typeface="Calibri" panose="020F0502020204030204" pitchFamily="34" charset="0"/>
+                    <a:cs typeface="Poppins" panose="00000500000000000000" pitchFamily="2" charset="0"/>
+                  </a:rPr>
+                  <a:t>username</a:t>
+                </a:r>
+                <a:endParaRPr lang="fr-FR" sz="1600" dirty="0">
+                  <a:effectLst/>
+                  <a:latin typeface="Poppins" panose="00000500000000000000" pitchFamily="2" charset="0"/>
+                  <a:ea typeface="Calibri" panose="020F0502020204030204" pitchFamily="34" charset="0"/>
+                  <a:cs typeface="Poppins" panose="00000500000000000000" pitchFamily="2" charset="0"/>
+                </a:endParaRPr>
+              </a:p>
+            </p:txBody>
+          </p:sp>
+        </p:grpSp>
+        <p:sp>
+          <p:nvSpPr>
+            <p:cNvPr id="25" name="Zone de texte 2">
+              <a:extLst>
+                <a:ext uri="{FF2B5EF4-FFF2-40B4-BE49-F238E27FC236}">
+                  <a16:creationId xmlns:a16="http://schemas.microsoft.com/office/drawing/2014/main" id="{DB40529E-A380-484B-A252-D5BC701126DF}"/>
                 </a:ext>
               </a:extLst>
             </p:cNvPr>
@@ -8352,311 +8885,8 @@
           </p:nvSpPr>
           <p:spPr bwMode="auto">
             <a:xfrm>
-              <a:off x="6595188" y="3465845"/>
-              <a:ext cx="3733193" cy="2439845"/>
-            </a:xfrm>
-            <a:prstGeom prst="roundRect">
-              <a:avLst/>
-            </a:prstGeom>
-            <a:solidFill>
-              <a:srgbClr val="FFFFFF"/>
-            </a:solidFill>
-            <a:ln w="25400">
-              <a:solidFill>
-                <a:srgbClr val="137478"/>
-              </a:solidFill>
-              <a:miter lim="800000"/>
-              <a:headEnd/>
-              <a:tailEnd/>
-            </a:ln>
-          </p:spPr>
-          <p:txBody>
-            <a:bodyPr rot="0" vert="horz" wrap="square" lIns="91440" tIns="45720" rIns="91440" bIns="45720" anchor="t" anchorCtr="0">
-              <a:noAutofit/>
-            </a:bodyPr>
-            <a:lstStyle/>
-            <a:p>
-              <a:pPr algn="ctr">
-                <a:lnSpc>
-                  <a:spcPct val="107000"/>
-                </a:lnSpc>
-                <a:spcAft>
-                  <a:spcPts val="800"/>
-                </a:spcAft>
-              </a:pPr>
-              <a:r>
-                <a:rPr lang="fr-FR" dirty="0">
-                  <a:effectLst/>
-                  <a:latin typeface="Poppins" panose="00000500000000000000" pitchFamily="2" charset="0"/>
-                  <a:ea typeface="Calibri" panose="020F0502020204030204" pitchFamily="34" charset="0"/>
-                  <a:cs typeface="Poppins" panose="00000500000000000000" pitchFamily="2" charset="0"/>
-                </a:rPr>
-                <a:t>Planning</a:t>
-              </a:r>
-            </a:p>
-            <a:p>
-              <a:pPr marL="628650" lvl="1" indent="-171450">
-                <a:lnSpc>
-                  <a:spcPct val="107000"/>
-                </a:lnSpc>
-                <a:buFont typeface="Arial" panose="020B0604020202020204" pitchFamily="34" charset="0"/>
-                <a:buChar char="•"/>
-              </a:pPr>
-              <a:endParaRPr lang="fr-FR" u="dotted" dirty="0">
-                <a:latin typeface="Calibri" panose="020F0502020204030204" pitchFamily="34" charset="0"/>
-                <a:ea typeface="Calibri" panose="020F0502020204030204" pitchFamily="34" charset="0"/>
-                <a:cs typeface="Times New Roman" panose="02020603050405020304" pitchFamily="18" charset="0"/>
-              </a:endParaRPr>
-            </a:p>
-          </p:txBody>
-        </p:sp>
-        <p:sp>
-          <p:nvSpPr>
-            <p:cNvPr id="7" name="ZoneTexte 6">
-              <a:extLst>
-                <a:ext uri="{FF2B5EF4-FFF2-40B4-BE49-F238E27FC236}">
-                  <a16:creationId xmlns:a16="http://schemas.microsoft.com/office/drawing/2014/main" id="{19B85DCD-55DA-4A40-9100-69DE263053FC}"/>
-                </a:ext>
-              </a:extLst>
-            </p:cNvPr>
-            <p:cNvSpPr txBox="1"/>
-            <p:nvPr/>
-          </p:nvSpPr>
-          <p:spPr>
-            <a:xfrm>
-              <a:off x="6595188" y="4044500"/>
-              <a:ext cx="3733194" cy="1173021"/>
-            </a:xfrm>
-            <a:prstGeom prst="rect">
-              <a:avLst/>
-            </a:prstGeom>
-            <a:noFill/>
-            <a:ln>
-              <a:noFill/>
-            </a:ln>
-          </p:spPr>
-          <p:txBody>
-            <a:bodyPr wrap="square" numCol="2" rtlCol="0">
-              <a:spAutoFit/>
-            </a:bodyPr>
-            <a:lstStyle/>
-            <a:p>
-              <a:pPr marL="171450" indent="-171450">
-                <a:lnSpc>
-                  <a:spcPct val="107000"/>
-                </a:lnSpc>
-                <a:buFont typeface="Arial" panose="020B0604020202020204" pitchFamily="34" charset="0"/>
-                <a:buChar char="•"/>
-              </a:pPr>
-              <a:r>
-                <a:rPr lang="fr-FR" sz="1600" u="heavy" dirty="0">
-                  <a:latin typeface="Poppins" panose="00000500000000000000" pitchFamily="2" charset="0"/>
-                  <a:ea typeface="Calibri" panose="020F0502020204030204" pitchFamily="34" charset="0"/>
-                  <a:cs typeface="Poppins" panose="00000500000000000000" pitchFamily="2" charset="0"/>
-                </a:rPr>
-                <a:t>id</a:t>
-              </a:r>
-              <a:endParaRPr lang="fr-FR" sz="1600" dirty="0">
-                <a:latin typeface="Poppins" panose="00000500000000000000" pitchFamily="2" charset="0"/>
-                <a:ea typeface="Calibri" panose="020F0502020204030204" pitchFamily="34" charset="0"/>
-                <a:cs typeface="Poppins" panose="00000500000000000000" pitchFamily="2" charset="0"/>
-              </a:endParaRPr>
-            </a:p>
-            <a:p>
-              <a:pPr marL="171450" lvl="0" indent="-171450">
-                <a:lnSpc>
-                  <a:spcPct val="107000"/>
-                </a:lnSpc>
-                <a:buFont typeface="Arial" panose="020B0604020202020204" pitchFamily="34" charset="0"/>
-                <a:buChar char="•"/>
-              </a:pPr>
-              <a:r>
-                <a:rPr lang="fr-FR" sz="1600" dirty="0" err="1">
-                  <a:latin typeface="Poppins" panose="00000500000000000000" pitchFamily="2" charset="0"/>
-                  <a:ea typeface="Calibri" panose="020F0502020204030204" pitchFamily="34" charset="0"/>
-                  <a:cs typeface="Poppins" panose="00000500000000000000" pitchFamily="2" charset="0"/>
-                </a:rPr>
-                <a:t>subject</a:t>
-              </a:r>
-              <a:endParaRPr lang="fr-FR" sz="1600" dirty="0">
-                <a:effectLst/>
-                <a:latin typeface="Poppins" panose="00000500000000000000" pitchFamily="2" charset="0"/>
-                <a:ea typeface="Calibri" panose="020F0502020204030204" pitchFamily="34" charset="0"/>
-                <a:cs typeface="Poppins" panose="00000500000000000000" pitchFamily="2" charset="0"/>
-              </a:endParaRPr>
-            </a:p>
-            <a:p>
-              <a:pPr marL="171450" lvl="0" indent="-171450">
-                <a:lnSpc>
-                  <a:spcPct val="107000"/>
-                </a:lnSpc>
-                <a:buFont typeface="Arial" panose="020B0604020202020204" pitchFamily="34" charset="0"/>
-                <a:buChar char="•"/>
-              </a:pPr>
-              <a:r>
-                <a:rPr lang="fr-FR" sz="1600" dirty="0" err="1">
-                  <a:latin typeface="Poppins" panose="00000500000000000000" pitchFamily="2" charset="0"/>
-                  <a:ea typeface="Calibri" panose="020F0502020204030204" pitchFamily="34" charset="0"/>
-                  <a:cs typeface="Poppins" panose="00000500000000000000" pitchFamily="2" charset="0"/>
-                </a:rPr>
-                <a:t>teacher</a:t>
-              </a:r>
-              <a:endParaRPr lang="fr-FR" sz="1600" dirty="0">
-                <a:effectLst/>
-                <a:latin typeface="Poppins" panose="00000500000000000000" pitchFamily="2" charset="0"/>
-                <a:ea typeface="Calibri" panose="020F0502020204030204" pitchFamily="34" charset="0"/>
-                <a:cs typeface="Poppins" panose="00000500000000000000" pitchFamily="2" charset="0"/>
-              </a:endParaRPr>
-            </a:p>
-            <a:p>
-              <a:pPr marL="171450" lvl="0" indent="-171450">
-                <a:lnSpc>
-                  <a:spcPct val="107000"/>
-                </a:lnSpc>
-                <a:buFont typeface="Arial" panose="020B0604020202020204" pitchFamily="34" charset="0"/>
-                <a:buChar char="•"/>
-              </a:pPr>
-              <a:r>
-                <a:rPr lang="fr-FR" sz="1600" dirty="0">
-                  <a:latin typeface="Poppins" panose="00000500000000000000" pitchFamily="2" charset="0"/>
-                  <a:ea typeface="Calibri" panose="020F0502020204030204" pitchFamily="34" charset="0"/>
-                  <a:cs typeface="Poppins" panose="00000500000000000000" pitchFamily="2" charset="0"/>
-                </a:rPr>
-                <a:t>room</a:t>
-              </a:r>
-            </a:p>
-            <a:p>
-              <a:pPr marL="171450" lvl="0" indent="-171450">
-                <a:lnSpc>
-                  <a:spcPct val="107000"/>
-                </a:lnSpc>
-                <a:buFont typeface="Arial" panose="020B0604020202020204" pitchFamily="34" charset="0"/>
-                <a:buChar char="•"/>
-              </a:pPr>
-              <a:r>
-                <a:rPr lang="fr-FR" sz="1600" dirty="0">
-                  <a:latin typeface="Poppins" panose="00000500000000000000" pitchFamily="2" charset="0"/>
-                  <a:ea typeface="Calibri" panose="020F0502020204030204" pitchFamily="34" charset="0"/>
-                  <a:cs typeface="Poppins" panose="00000500000000000000" pitchFamily="2" charset="0"/>
-                </a:rPr>
-                <a:t>date</a:t>
-              </a:r>
-              <a:endParaRPr lang="fr-FR" sz="1600" dirty="0">
-                <a:effectLst/>
-                <a:latin typeface="Poppins" panose="00000500000000000000" pitchFamily="2" charset="0"/>
-                <a:ea typeface="Calibri" panose="020F0502020204030204" pitchFamily="34" charset="0"/>
-                <a:cs typeface="Poppins" panose="00000500000000000000" pitchFamily="2" charset="0"/>
-              </a:endParaRPr>
-            </a:p>
-            <a:p>
-              <a:pPr marL="171450" lvl="0" indent="-171450">
-                <a:lnSpc>
-                  <a:spcPct val="107000"/>
-                </a:lnSpc>
-                <a:buFont typeface="Arial" panose="020B0604020202020204" pitchFamily="34" charset="0"/>
-                <a:buChar char="•"/>
-              </a:pPr>
-              <a:r>
-                <a:rPr lang="fr-FR" sz="1600" dirty="0">
-                  <a:latin typeface="Poppins" panose="00000500000000000000" pitchFamily="2" charset="0"/>
-                  <a:ea typeface="Calibri" panose="020F0502020204030204" pitchFamily="34" charset="0"/>
-                  <a:cs typeface="Poppins" panose="00000500000000000000" pitchFamily="2" charset="0"/>
-                </a:rPr>
-                <a:t>start</a:t>
-              </a:r>
-              <a:endParaRPr lang="fr-FR" sz="1600" dirty="0">
-                <a:effectLst/>
-                <a:latin typeface="Poppins" panose="00000500000000000000" pitchFamily="2" charset="0"/>
-                <a:ea typeface="Calibri" panose="020F0502020204030204" pitchFamily="34" charset="0"/>
-                <a:cs typeface="Poppins" panose="00000500000000000000" pitchFamily="2" charset="0"/>
-              </a:endParaRPr>
-            </a:p>
-            <a:p>
-              <a:pPr marL="171450" lvl="0" indent="-171450">
-                <a:lnSpc>
-                  <a:spcPct val="107000"/>
-                </a:lnSpc>
-                <a:buFont typeface="Arial" panose="020B0604020202020204" pitchFamily="34" charset="0"/>
-                <a:buChar char="•"/>
-              </a:pPr>
-              <a:r>
-                <a:rPr lang="fr-FR" sz="1600" dirty="0">
-                  <a:latin typeface="Poppins" panose="00000500000000000000" pitchFamily="2" charset="0"/>
-                  <a:ea typeface="Calibri" panose="020F0502020204030204" pitchFamily="34" charset="0"/>
-                  <a:cs typeface="Poppins" panose="00000500000000000000" pitchFamily="2" charset="0"/>
-                </a:rPr>
-                <a:t>end</a:t>
-              </a:r>
-              <a:endParaRPr lang="fr-FR" sz="1600" dirty="0">
-                <a:effectLst/>
-                <a:latin typeface="Poppins" panose="00000500000000000000" pitchFamily="2" charset="0"/>
-                <a:ea typeface="Calibri" panose="020F0502020204030204" pitchFamily="34" charset="0"/>
-                <a:cs typeface="Poppins" panose="00000500000000000000" pitchFamily="2" charset="0"/>
-              </a:endParaRPr>
-            </a:p>
-            <a:p>
-              <a:pPr marL="171450" lvl="0" indent="-171450">
-                <a:lnSpc>
-                  <a:spcPct val="107000"/>
-                </a:lnSpc>
-                <a:buFont typeface="Arial" panose="020B0604020202020204" pitchFamily="34" charset="0"/>
-                <a:buChar char="•"/>
-              </a:pPr>
-              <a:r>
-                <a:rPr lang="fr-FR" sz="1600" u="dotted" dirty="0" err="1">
-                  <a:effectLst/>
-                  <a:latin typeface="Poppins" panose="00000500000000000000" pitchFamily="2" charset="0"/>
-                  <a:ea typeface="Calibri" panose="020F0502020204030204" pitchFamily="34" charset="0"/>
-                  <a:cs typeface="Poppins" panose="00000500000000000000" pitchFamily="2" charset="0"/>
-                </a:rPr>
-                <a:t>Username</a:t>
-              </a:r>
-              <a:endParaRPr lang="fr-FR" sz="1600" dirty="0">
-                <a:latin typeface="Poppins" panose="00000500000000000000" pitchFamily="2" charset="0"/>
-                <a:cs typeface="Poppins" panose="00000500000000000000" pitchFamily="2" charset="0"/>
-              </a:endParaRPr>
-            </a:p>
-          </p:txBody>
-        </p:sp>
-      </p:grpSp>
-      <p:grpSp>
-        <p:nvGrpSpPr>
-          <p:cNvPr id="21" name="Groupe 20">
-            <a:extLst>
-              <a:ext uri="{FF2B5EF4-FFF2-40B4-BE49-F238E27FC236}">
-                <a16:creationId xmlns:a16="http://schemas.microsoft.com/office/drawing/2014/main" id="{A2920D4B-CD67-4AAD-962B-899AB9B08CB3}"/>
-              </a:ext>
-            </a:extLst>
-          </p:cNvPr>
-          <p:cNvGrpSpPr/>
-          <p:nvPr/>
-        </p:nvGrpSpPr>
-        <p:grpSpPr>
-          <a:xfrm>
-            <a:off x="857709" y="4140388"/>
-            <a:ext cx="2720075" cy="2246363"/>
-            <a:chOff x="6595188" y="3465845"/>
-            <a:chExt cx="3733194" cy="2439845"/>
-          </a:xfrm>
-        </p:grpSpPr>
-        <p:sp>
-          <p:nvSpPr>
-            <p:cNvPr id="22" name="Zone de texte 2">
-              <a:extLst>
-                <a:ext uri="{FF2B5EF4-FFF2-40B4-BE49-F238E27FC236}">
-                  <a16:creationId xmlns:a16="http://schemas.microsoft.com/office/drawing/2014/main" id="{DD4CA510-970A-4D97-8545-DF4894514418}"/>
-                </a:ext>
-              </a:extLst>
-            </p:cNvPr>
-            <p:cNvSpPr txBox="1">
-              <a:spLocks noChangeArrowheads="1"/>
-            </p:cNvSpPr>
-            <p:nvPr/>
-          </p:nvSpPr>
-          <p:spPr bwMode="auto">
-            <a:xfrm>
-              <a:off x="6595188" y="3465845"/>
-              <a:ext cx="3733193" cy="2439845"/>
+              <a:off x="4229621" y="926726"/>
+              <a:ext cx="3733193" cy="1981979"/>
             </a:xfrm>
             <a:prstGeom prst="roundRect">
               <a:avLst/>
@@ -8689,24 +8919,11 @@
               </a:pPr>
               <a:r>
                 <a:rPr lang="fr-FR" sz="1800" dirty="0">
-                  <a:latin typeface="Poppins" panose="00000500000000000000" pitchFamily="2" charset="0"/>
-                  <a:cs typeface="Poppins" panose="00000500000000000000" pitchFamily="2" charset="0"/>
+                  <a:latin typeface="Calibri"/>
+                  <a:cs typeface="Times New Roman"/>
                 </a:rPr>
-                <a:t>Marks</a:t>
+                <a:t>User</a:t>
               </a:r>
-              <a:endParaRPr lang="fr-FR" sz="3200" dirty="0">
-                <a:latin typeface="Poppins" panose="00000500000000000000" pitchFamily="2" charset="0"/>
-                <a:cs typeface="Poppins" panose="00000500000000000000" pitchFamily="2" charset="0"/>
-              </a:endParaRPr>
-            </a:p>
-            <a:p>
-              <a:pPr marL="628650" lvl="1" indent="-171450">
-                <a:lnSpc>
-                  <a:spcPct val="107000"/>
-                </a:lnSpc>
-                <a:buFont typeface="Arial" panose="020B0604020202020204" pitchFamily="34" charset="0"/>
-                <a:buChar char="•"/>
-              </a:pPr>
               <a:endParaRPr lang="fr-FR" u="dotted" dirty="0">
                 <a:latin typeface="Calibri" panose="020F0502020204030204" pitchFamily="34" charset="0"/>
                 <a:ea typeface="Calibri" panose="020F0502020204030204" pitchFamily="34" charset="0"/>
@@ -8717,10 +8934,10 @@
         </p:sp>
         <p:sp>
           <p:nvSpPr>
-            <p:cNvPr id="23" name="ZoneTexte 22">
+            <p:cNvPr id="26" name="ZoneTexte 25">
               <a:extLst>
                 <a:ext uri="{FF2B5EF4-FFF2-40B4-BE49-F238E27FC236}">
-                  <a16:creationId xmlns:a16="http://schemas.microsoft.com/office/drawing/2014/main" id="{CA300025-D2CD-4D07-9BA4-691359C85DDD}"/>
+                  <a16:creationId xmlns:a16="http://schemas.microsoft.com/office/drawing/2014/main" id="{0956BFAA-2DA2-445B-87E4-B31B8B61179E}"/>
                 </a:ext>
               </a:extLst>
             </p:cNvPr>
@@ -8729,13 +8946,16 @@
           </p:nvSpPr>
           <p:spPr>
             <a:xfrm>
-              <a:off x="6595188" y="4044500"/>
-              <a:ext cx="3733194" cy="782014"/>
+              <a:off x="4369112" y="1393787"/>
+              <a:ext cx="3733194" cy="1084015"/>
             </a:xfrm>
             <a:prstGeom prst="rect">
               <a:avLst/>
             </a:prstGeom>
             <a:noFill/>
+            <a:ln>
+              <a:noFill/>
+            </a:ln>
           </p:spPr>
           <p:txBody>
             <a:bodyPr wrap="square" numCol="2" rtlCol="0">
@@ -8743,76 +8963,28 @@
             </a:bodyPr>
             <a:lstStyle/>
             <a:p>
-              <a:pPr marL="171450" indent="-171450">
+              <a:pPr marL="171450" lvl="0" indent="-171450">
+                <a:lnSpc>
+                  <a:spcPct val="107000"/>
+                </a:lnSpc>
                 <a:buFont typeface="Arial" panose="020B0604020202020204" pitchFamily="34" charset="0"/>
                 <a:buChar char="•"/>
               </a:pPr>
               <a:r>
-                <a:rPr lang="fr-FR" sz="1600" u="heavy" dirty="0">
+                <a:rPr lang="fr-FR" sz="1800" u="heavy" dirty="0" err="1">
+                  <a:effectLst/>
                   <a:latin typeface="Poppins" panose="00000500000000000000" pitchFamily="2" charset="0"/>
                   <a:ea typeface="Calibri" panose="020F0502020204030204" pitchFamily="34" charset="0"/>
                   <a:cs typeface="Poppins" panose="00000500000000000000" pitchFamily="2" charset="0"/>
                 </a:rPr>
-                <a:t>id</a:t>
+                <a:t>username</a:t>
               </a:r>
-              <a:endParaRPr lang="fr-FR" sz="1600" dirty="0">
-                <a:latin typeface="Poppins" panose="00000500000000000000" pitchFamily="2" charset="0"/>
-                <a:ea typeface="Calibri" panose="020F0502020204030204" pitchFamily="34" charset="0"/>
-                <a:cs typeface="Poppins" panose="00000500000000000000" pitchFamily="2" charset="0"/>
-              </a:endParaRPr>
-            </a:p>
-            <a:p>
-              <a:pPr marL="171450" indent="-171450">
-                <a:buFont typeface="Arial" panose="020B0604020202020204" pitchFamily="34" charset="0"/>
-                <a:buChar char="•"/>
-              </a:pPr>
-              <a:r>
-                <a:rPr lang="fr-FR" sz="1600" dirty="0" err="1">
-                  <a:latin typeface="Poppins" panose="00000500000000000000" pitchFamily="2" charset="0"/>
-                  <a:ea typeface="Calibri" panose="020F0502020204030204" pitchFamily="34" charset="0"/>
-                  <a:cs typeface="Poppins" panose="00000500000000000000" pitchFamily="2" charset="0"/>
-                </a:rPr>
-                <a:t>title</a:t>
-              </a:r>
-              <a:endParaRPr lang="fr-FR" sz="1600" dirty="0">
-                <a:latin typeface="Poppins" panose="00000500000000000000" pitchFamily="2" charset="0"/>
-                <a:ea typeface="Calibri" panose="020F0502020204030204" pitchFamily="34" charset="0"/>
-                <a:cs typeface="Poppins" panose="00000500000000000000" pitchFamily="2" charset="0"/>
-              </a:endParaRPr>
-            </a:p>
-            <a:p>
-              <a:pPr marL="171450" indent="-171450">
-                <a:buFont typeface="Arial" panose="020B0604020202020204" pitchFamily="34" charset="0"/>
-                <a:buChar char="•"/>
-              </a:pPr>
-              <a:r>
-                <a:rPr lang="fr-FR" sz="1600" dirty="0">
-                  <a:latin typeface="Poppins" panose="00000500000000000000" pitchFamily="2" charset="0"/>
-                  <a:ea typeface="Calibri" panose="020F0502020204030204" pitchFamily="34" charset="0"/>
-                  <a:cs typeface="Poppins" panose="00000500000000000000" pitchFamily="2" charset="0"/>
-                </a:rPr>
-                <a:t>mark</a:t>
-              </a:r>
-              <a:endParaRPr lang="fr-FR" sz="1600" dirty="0">
+              <a:endParaRPr lang="fr-FR" sz="1800" dirty="0">
                 <a:effectLst/>
                 <a:latin typeface="Poppins" panose="00000500000000000000" pitchFamily="2" charset="0"/>
                 <a:ea typeface="Calibri" panose="020F0502020204030204" pitchFamily="34" charset="0"/>
                 <a:cs typeface="Poppins" panose="00000500000000000000" pitchFamily="2" charset="0"/>
               </a:endParaRPr>
-            </a:p>
-            <a:p>
-              <a:pPr marL="171450" indent="-171450">
-                <a:buFont typeface="Arial" panose="020B0604020202020204" pitchFamily="34" charset="0"/>
-                <a:buChar char="•"/>
-              </a:pPr>
-              <a:r>
-                <a:rPr lang="fr-FR" sz="1600" dirty="0">
-                  <a:latin typeface="Poppins" panose="00000500000000000000" pitchFamily="2" charset="0"/>
-                  <a:ea typeface="Calibri" panose="020F0502020204030204" pitchFamily="34" charset="0"/>
-                  <a:cs typeface="Poppins" panose="00000500000000000000" pitchFamily="2" charset="0"/>
-                </a:rPr>
-                <a:t>date</a:t>
-              </a:r>
             </a:p>
             <a:p>
               <a:pPr marL="171450" lvl="0" indent="-171450">
@@ -8823,276 +8995,133 @@
                 <a:buChar char="•"/>
               </a:pPr>
               <a:r>
-                <a:rPr lang="fr-FR" sz="1600" u="dotted" dirty="0" err="1">
+                <a:rPr lang="fr-FR" sz="1800" dirty="0" err="1">
                   <a:effectLst/>
                   <a:latin typeface="Poppins" panose="00000500000000000000" pitchFamily="2" charset="0"/>
                   <a:ea typeface="Calibri" panose="020F0502020204030204" pitchFamily="34" charset="0"/>
                   <a:cs typeface="Poppins" panose="00000500000000000000" pitchFamily="2" charset="0"/>
                 </a:rPr>
-                <a:t>username</a:t>
+                <a:t>password</a:t>
               </a:r>
-              <a:endParaRPr lang="fr-FR" sz="1600" dirty="0">
+              <a:endParaRPr lang="fr-FR" sz="1800" dirty="0">
                 <a:effectLst/>
                 <a:latin typeface="Poppins" panose="00000500000000000000" pitchFamily="2" charset="0"/>
                 <a:ea typeface="Calibri" panose="020F0502020204030204" pitchFamily="34" charset="0"/>
                 <a:cs typeface="Poppins" panose="00000500000000000000" pitchFamily="2" charset="0"/>
               </a:endParaRPr>
             </a:p>
+            <a:p>
+              <a:pPr marL="171450" lvl="0" indent="-171450">
+                <a:lnSpc>
+                  <a:spcPct val="107000"/>
+                </a:lnSpc>
+                <a:spcAft>
+                  <a:spcPts val="800"/>
+                </a:spcAft>
+                <a:buFont typeface="Arial" panose="020B0604020202020204" pitchFamily="34" charset="0"/>
+                <a:buChar char="•"/>
+              </a:pPr>
+              <a:r>
+                <a:rPr lang="fr-FR" sz="1800" dirty="0">
+                  <a:effectLst/>
+                  <a:latin typeface="Poppins" panose="00000500000000000000" pitchFamily="2" charset="0"/>
+                  <a:ea typeface="Calibri" panose="020F0502020204030204" pitchFamily="34" charset="0"/>
+                  <a:cs typeface="Poppins" panose="00000500000000000000" pitchFamily="2" charset="0"/>
+                </a:rPr>
+                <a:t>email</a:t>
+              </a:r>
+            </a:p>
           </p:txBody>
         </p:sp>
+        <p:cxnSp>
+          <p:nvCxnSpPr>
+            <p:cNvPr id="9" name="Connecteur droit 8">
+              <a:extLst>
+                <a:ext uri="{FF2B5EF4-FFF2-40B4-BE49-F238E27FC236}">
+                  <a16:creationId xmlns:a16="http://schemas.microsoft.com/office/drawing/2014/main" id="{A7B88FCF-9EBD-4886-93BF-C6C6E97BCDDF}"/>
+                </a:ext>
+              </a:extLst>
+            </p:cNvPr>
+            <p:cNvCxnSpPr>
+              <a:cxnSpLocks/>
+              <a:stCxn id="2" idx="4"/>
+              <a:endCxn id="22" idx="0"/>
+            </p:cNvCxnSpPr>
+            <p:nvPr/>
+          </p:nvCxnSpPr>
+          <p:spPr>
+            <a:xfrm>
+              <a:off x="2211565" y="2575289"/>
+              <a:ext cx="6181" cy="1565099"/>
+            </a:xfrm>
+            <a:prstGeom prst="line">
+              <a:avLst/>
+            </a:prstGeom>
+            <a:ln w="25400">
+              <a:solidFill>
+                <a:srgbClr val="137478"/>
+              </a:solidFill>
+            </a:ln>
+          </p:spPr>
+          <p:style>
+            <a:lnRef idx="1">
+              <a:schemeClr val="accent1"/>
+            </a:lnRef>
+            <a:fillRef idx="0">
+              <a:schemeClr val="accent1"/>
+            </a:fillRef>
+            <a:effectRef idx="0">
+              <a:schemeClr val="accent1"/>
+            </a:effectRef>
+            <a:fontRef idx="minor">
+              <a:schemeClr val="tx1"/>
+            </a:fontRef>
+          </p:style>
+        </p:cxnSp>
+        <p:cxnSp>
+          <p:nvCxnSpPr>
+            <p:cNvPr id="29" name="Connecteur droit avec flèche 28">
+              <a:extLst>
+                <a:ext uri="{FF2B5EF4-FFF2-40B4-BE49-F238E27FC236}">
+                  <a16:creationId xmlns:a16="http://schemas.microsoft.com/office/drawing/2014/main" id="{2B02A9E0-2511-472F-BCA5-BBEEC070754B}"/>
+                </a:ext>
+              </a:extLst>
+            </p:cNvPr>
+            <p:cNvCxnSpPr>
+              <a:cxnSpLocks/>
+            </p:cNvCxnSpPr>
+            <p:nvPr/>
+          </p:nvCxnSpPr>
+          <p:spPr>
+            <a:xfrm>
+              <a:off x="3203417" y="1975214"/>
+              <a:ext cx="1026204" cy="0"/>
+            </a:xfrm>
+            <a:prstGeom prst="straightConnector1">
+              <a:avLst/>
+            </a:prstGeom>
+            <a:ln w="25400">
+              <a:solidFill>
+                <a:srgbClr val="137478"/>
+              </a:solidFill>
+            </a:ln>
+          </p:spPr>
+          <p:style>
+            <a:lnRef idx="1">
+              <a:schemeClr val="dk1"/>
+            </a:lnRef>
+            <a:fillRef idx="0">
+              <a:schemeClr val="dk1"/>
+            </a:fillRef>
+            <a:effectRef idx="0">
+              <a:schemeClr val="dk1"/>
+            </a:effectRef>
+            <a:fontRef idx="minor">
+              <a:schemeClr val="tx1"/>
+            </a:fontRef>
+          </p:style>
+        </p:cxnSp>
       </p:grpSp>
-      <p:sp>
-        <p:nvSpPr>
-          <p:cNvPr id="25" name="Zone de texte 2">
-            <a:extLst>
-              <a:ext uri="{FF2B5EF4-FFF2-40B4-BE49-F238E27FC236}">
-                <a16:creationId xmlns:a16="http://schemas.microsoft.com/office/drawing/2014/main" id="{DB40529E-A380-484B-A252-D5BC701126DF}"/>
-              </a:ext>
-            </a:extLst>
-          </p:cNvPr>
-          <p:cNvSpPr txBox="1">
-            <a:spLocks noChangeArrowheads="1"/>
-          </p:cNvSpPr>
-          <p:nvPr/>
-        </p:nvSpPr>
-        <p:spPr bwMode="auto">
-          <a:xfrm>
-            <a:off x="4229621" y="926726"/>
-            <a:ext cx="3733193" cy="1981979"/>
-          </a:xfrm>
-          <a:prstGeom prst="roundRect">
-            <a:avLst/>
-          </a:prstGeom>
-          <a:solidFill>
-            <a:srgbClr val="FFFFFF"/>
-          </a:solidFill>
-          <a:ln w="25400">
-            <a:solidFill>
-              <a:srgbClr val="137478"/>
-            </a:solidFill>
-            <a:miter lim="800000"/>
-            <a:headEnd/>
-            <a:tailEnd/>
-          </a:ln>
-        </p:spPr>
-        <p:txBody>
-          <a:bodyPr rot="0" vert="horz" wrap="square" lIns="91440" tIns="45720" rIns="91440" bIns="45720" anchor="t" anchorCtr="0">
-            <a:noAutofit/>
-          </a:bodyPr>
-          <a:lstStyle/>
-          <a:p>
-            <a:pPr algn="ctr">
-              <a:lnSpc>
-                <a:spcPct val="107000"/>
-              </a:lnSpc>
-              <a:spcAft>
-                <a:spcPts val="800"/>
-              </a:spcAft>
-            </a:pPr>
-            <a:r>
-              <a:rPr lang="fr-FR" sz="1800" dirty="0">
-                <a:latin typeface="Calibri"/>
-                <a:cs typeface="Times New Roman"/>
-              </a:rPr>
-              <a:t>User</a:t>
-            </a:r>
-            <a:endParaRPr lang="fr-FR" u="dotted" dirty="0">
-              <a:latin typeface="Calibri" panose="020F0502020204030204" pitchFamily="34" charset="0"/>
-              <a:ea typeface="Calibri" panose="020F0502020204030204" pitchFamily="34" charset="0"/>
-              <a:cs typeface="Times New Roman" panose="02020603050405020304" pitchFamily="18" charset="0"/>
-            </a:endParaRPr>
-          </a:p>
-        </p:txBody>
-      </p:sp>
-      <p:sp>
-        <p:nvSpPr>
-          <p:cNvPr id="26" name="ZoneTexte 25">
-            <a:extLst>
-              <a:ext uri="{FF2B5EF4-FFF2-40B4-BE49-F238E27FC236}">
-                <a16:creationId xmlns:a16="http://schemas.microsoft.com/office/drawing/2014/main" id="{0956BFAA-2DA2-445B-87E4-B31B8B61179E}"/>
-              </a:ext>
-            </a:extLst>
-          </p:cNvPr>
-          <p:cNvSpPr txBox="1"/>
-          <p:nvPr/>
-        </p:nvSpPr>
-        <p:spPr>
-          <a:xfrm>
-            <a:off x="4369112" y="1393787"/>
-            <a:ext cx="3733194" cy="1084015"/>
-          </a:xfrm>
-          <a:prstGeom prst="rect">
-            <a:avLst/>
-          </a:prstGeom>
-          <a:noFill/>
-          <a:ln>
-            <a:noFill/>
-          </a:ln>
-        </p:spPr>
-        <p:txBody>
-          <a:bodyPr wrap="square" numCol="2" rtlCol="0">
-            <a:spAutoFit/>
-          </a:bodyPr>
-          <a:lstStyle/>
-          <a:p>
-            <a:pPr marL="171450" lvl="0" indent="-171450">
-              <a:lnSpc>
-                <a:spcPct val="107000"/>
-              </a:lnSpc>
-              <a:buFont typeface="Arial" panose="020B0604020202020204" pitchFamily="34" charset="0"/>
-              <a:buChar char="•"/>
-            </a:pPr>
-            <a:r>
-              <a:rPr lang="fr-FR" sz="1800" u="heavy" dirty="0" err="1">
-                <a:effectLst/>
-                <a:latin typeface="Poppins" panose="00000500000000000000" pitchFamily="2" charset="0"/>
-                <a:ea typeface="Calibri" panose="020F0502020204030204" pitchFamily="34" charset="0"/>
-                <a:cs typeface="Poppins" panose="00000500000000000000" pitchFamily="2" charset="0"/>
-              </a:rPr>
-              <a:t>username</a:t>
-            </a:r>
-            <a:endParaRPr lang="fr-FR" sz="1800" dirty="0">
-              <a:effectLst/>
-              <a:latin typeface="Poppins" panose="00000500000000000000" pitchFamily="2" charset="0"/>
-              <a:ea typeface="Calibri" panose="020F0502020204030204" pitchFamily="34" charset="0"/>
-              <a:cs typeface="Poppins" panose="00000500000000000000" pitchFamily="2" charset="0"/>
-            </a:endParaRPr>
-          </a:p>
-          <a:p>
-            <a:pPr marL="171450" lvl="0" indent="-171450">
-              <a:lnSpc>
-                <a:spcPct val="107000"/>
-              </a:lnSpc>
-              <a:buFont typeface="Arial" panose="020B0604020202020204" pitchFamily="34" charset="0"/>
-              <a:buChar char="•"/>
-            </a:pPr>
-            <a:r>
-              <a:rPr lang="fr-FR" sz="1800" dirty="0" err="1">
-                <a:effectLst/>
-                <a:latin typeface="Poppins" panose="00000500000000000000" pitchFamily="2" charset="0"/>
-                <a:ea typeface="Calibri" panose="020F0502020204030204" pitchFamily="34" charset="0"/>
-                <a:cs typeface="Poppins" panose="00000500000000000000" pitchFamily="2" charset="0"/>
-              </a:rPr>
-              <a:t>password</a:t>
-            </a:r>
-            <a:endParaRPr lang="fr-FR" sz="1800" dirty="0">
-              <a:effectLst/>
-              <a:latin typeface="Poppins" panose="00000500000000000000" pitchFamily="2" charset="0"/>
-              <a:ea typeface="Calibri" panose="020F0502020204030204" pitchFamily="34" charset="0"/>
-              <a:cs typeface="Poppins" panose="00000500000000000000" pitchFamily="2" charset="0"/>
-            </a:endParaRPr>
-          </a:p>
-          <a:p>
-            <a:pPr marL="171450" lvl="0" indent="-171450">
-              <a:lnSpc>
-                <a:spcPct val="107000"/>
-              </a:lnSpc>
-              <a:spcAft>
-                <a:spcPts val="800"/>
-              </a:spcAft>
-              <a:buFont typeface="Arial" panose="020B0604020202020204" pitchFamily="34" charset="0"/>
-              <a:buChar char="•"/>
-            </a:pPr>
-            <a:r>
-              <a:rPr lang="fr-FR" sz="1800" dirty="0">
-                <a:effectLst/>
-                <a:latin typeface="Poppins" panose="00000500000000000000" pitchFamily="2" charset="0"/>
-                <a:ea typeface="Calibri" panose="020F0502020204030204" pitchFamily="34" charset="0"/>
-                <a:cs typeface="Poppins" panose="00000500000000000000" pitchFamily="2" charset="0"/>
-              </a:rPr>
-              <a:t>email</a:t>
-            </a:r>
-          </a:p>
-        </p:txBody>
-      </p:sp>
-      <p:cxnSp>
-        <p:nvCxnSpPr>
-          <p:cNvPr id="9" name="Connecteur droit 8">
-            <a:extLst>
-              <a:ext uri="{FF2B5EF4-FFF2-40B4-BE49-F238E27FC236}">
-                <a16:creationId xmlns:a16="http://schemas.microsoft.com/office/drawing/2014/main" id="{A7B88FCF-9EBD-4886-93BF-C6C6E97BCDDF}"/>
-              </a:ext>
-            </a:extLst>
-          </p:cNvPr>
-          <p:cNvCxnSpPr>
-            <a:cxnSpLocks/>
-            <a:stCxn id="2" idx="4"/>
-            <a:endCxn id="22" idx="0"/>
-          </p:cNvCxnSpPr>
-          <p:nvPr/>
-        </p:nvCxnSpPr>
-        <p:spPr>
-          <a:xfrm>
-            <a:off x="2211565" y="2575289"/>
-            <a:ext cx="6181" cy="1565099"/>
-          </a:xfrm>
-          <a:prstGeom prst="line">
-            <a:avLst/>
-          </a:prstGeom>
-          <a:ln w="25400">
-            <a:solidFill>
-              <a:srgbClr val="137478"/>
-            </a:solidFill>
-          </a:ln>
-        </p:spPr>
-        <p:style>
-          <a:lnRef idx="1">
-            <a:schemeClr val="accent1"/>
-          </a:lnRef>
-          <a:fillRef idx="0">
-            <a:schemeClr val="accent1"/>
-          </a:fillRef>
-          <a:effectRef idx="0">
-            <a:schemeClr val="accent1"/>
-          </a:effectRef>
-          <a:fontRef idx="minor">
-            <a:schemeClr val="tx1"/>
-          </a:fontRef>
-        </p:style>
-      </p:cxnSp>
-      <p:cxnSp>
-        <p:nvCxnSpPr>
-          <p:cNvPr id="29" name="Connecteur droit avec flèche 28">
-            <a:extLst>
-              <a:ext uri="{FF2B5EF4-FFF2-40B4-BE49-F238E27FC236}">
-                <a16:creationId xmlns:a16="http://schemas.microsoft.com/office/drawing/2014/main" id="{2B02A9E0-2511-472F-BCA5-BBEEC070754B}"/>
-              </a:ext>
-            </a:extLst>
-          </p:cNvPr>
-          <p:cNvCxnSpPr>
-            <a:cxnSpLocks/>
-          </p:cNvCxnSpPr>
-          <p:nvPr/>
-        </p:nvCxnSpPr>
-        <p:spPr>
-          <a:xfrm>
-            <a:off x="3203417" y="1975214"/>
-            <a:ext cx="1026204" cy="0"/>
-          </a:xfrm>
-          <a:prstGeom prst="straightConnector1">
-            <a:avLst/>
-          </a:prstGeom>
-          <a:ln w="25400">
-            <a:solidFill>
-              <a:srgbClr val="137478"/>
-            </a:solidFill>
-          </a:ln>
-        </p:spPr>
-        <p:style>
-          <a:lnRef idx="1">
-            <a:schemeClr val="dk1"/>
-          </a:lnRef>
-          <a:fillRef idx="0">
-            <a:schemeClr val="dk1"/>
-          </a:fillRef>
-          <a:effectRef idx="0">
-            <a:schemeClr val="dk1"/>
-          </a:effectRef>
-          <a:fontRef idx="minor">
-            <a:schemeClr val="tx1"/>
-          </a:fontRef>
-        </p:style>
-      </p:cxnSp>
     </p:spTree>
     <p:extLst>
       <p:ext uri="{BB962C8B-B14F-4D97-AF65-F5344CB8AC3E}">
